--- a/Disputation/Praesentation_DominikSteffen.pptx
+++ b/Disputation/Praesentation_DominikSteffen.pptx
@@ -4,6 +4,9 @@
   <p:sldMasterIdLst>
     <p:sldMasterId id="2147483648" r:id="rId1"/>
   </p:sldMasterIdLst>
+  <p:notesMasterIdLst>
+    <p:notesMasterId r:id="rId19"/>
+  </p:notesMasterIdLst>
   <p:sldIdLst>
     <p:sldId id="256" r:id="rId2"/>
     <p:sldId id="257" r:id="rId3"/>
@@ -12,12 +15,16 @@
     <p:sldId id="260" r:id="rId6"/>
     <p:sldId id="261" r:id="rId7"/>
     <p:sldId id="262" r:id="rId8"/>
-    <p:sldId id="263" r:id="rId9"/>
-    <p:sldId id="264" r:id="rId10"/>
-    <p:sldId id="265" r:id="rId11"/>
-    <p:sldId id="266" r:id="rId12"/>
-    <p:sldId id="267" r:id="rId13"/>
-    <p:sldId id="268" r:id="rId14"/>
+    <p:sldId id="269" r:id="rId9"/>
+    <p:sldId id="263" r:id="rId10"/>
+    <p:sldId id="270" r:id="rId11"/>
+    <p:sldId id="271" r:id="rId12"/>
+    <p:sldId id="264" r:id="rId13"/>
+    <p:sldId id="272" r:id="rId14"/>
+    <p:sldId id="265" r:id="rId15"/>
+    <p:sldId id="266" r:id="rId16"/>
+    <p:sldId id="267" r:id="rId17"/>
+    <p:sldId id="268" r:id="rId18"/>
   </p:sldIdLst>
   <p:sldSz cx="12192000" cy="6858000"/>
   <p:notesSz cx="6858000" cy="9144000"/>
@@ -117,6 +124,544 @@
     </a:lvl9pPr>
   </p:defaultTextStyle>
 </p:presentation>
+</file>
+
+<file path=ppt/notesMasters/notesMaster1.xml><?xml version="1.0" encoding="utf-8"?>
+<p:notesMaster xmlns:a="http://schemas.openxmlformats.org/drawingml/2006/main" xmlns:r="http://schemas.openxmlformats.org/officeDocument/2006/relationships" xmlns:p="http://schemas.openxmlformats.org/presentationml/2006/main">
+  <p:cSld>
+    <p:bg>
+      <p:bgRef idx="1001">
+        <a:schemeClr val="bg1"/>
+      </p:bgRef>
+    </p:bg>
+    <p:spTree>
+      <p:nvGrpSpPr>
+        <p:cNvPr id="1" name=""/>
+        <p:cNvGrpSpPr/>
+        <p:nvPr/>
+      </p:nvGrpSpPr>
+      <p:grpSpPr>
+        <a:xfrm>
+          <a:off x="0" y="0"/>
+          <a:ext cx="0" cy="0"/>
+          <a:chOff x="0" y="0"/>
+          <a:chExt cx="0" cy="0"/>
+        </a:xfrm>
+      </p:grpSpPr>
+      <p:sp>
+        <p:nvSpPr>
+          <p:cNvPr id="2" name="Kopfzeilenplatzhalter 1"/>
+          <p:cNvSpPr>
+            <a:spLocks noGrp="1"/>
+          </p:cNvSpPr>
+          <p:nvPr>
+            <p:ph type="hdr" sz="quarter"/>
+          </p:nvPr>
+        </p:nvSpPr>
+        <p:spPr>
+          <a:xfrm>
+            <a:off x="0" y="0"/>
+            <a:ext cx="2971800" cy="458788"/>
+          </a:xfrm>
+          <a:prstGeom prst="rect">
+            <a:avLst/>
+          </a:prstGeom>
+        </p:spPr>
+        <p:txBody>
+          <a:bodyPr vert="horz" lIns="91440" tIns="45720" rIns="91440" bIns="45720" rtlCol="0"/>
+          <a:lstStyle>
+            <a:lvl1pPr algn="l">
+              <a:defRPr sz="1200"/>
+            </a:lvl1pPr>
+          </a:lstStyle>
+          <a:p>
+            <a:endParaRPr lang="de-DE"/>
+          </a:p>
+        </p:txBody>
+      </p:sp>
+      <p:sp>
+        <p:nvSpPr>
+          <p:cNvPr id="3" name="Datumsplatzhalter 2"/>
+          <p:cNvSpPr>
+            <a:spLocks noGrp="1"/>
+          </p:cNvSpPr>
+          <p:nvPr>
+            <p:ph type="dt" idx="1"/>
+          </p:nvPr>
+        </p:nvSpPr>
+        <p:spPr>
+          <a:xfrm>
+            <a:off x="3884613" y="0"/>
+            <a:ext cx="2971800" cy="458788"/>
+          </a:xfrm>
+          <a:prstGeom prst="rect">
+            <a:avLst/>
+          </a:prstGeom>
+        </p:spPr>
+        <p:txBody>
+          <a:bodyPr vert="horz" lIns="91440" tIns="45720" rIns="91440" bIns="45720" rtlCol="0"/>
+          <a:lstStyle>
+            <a:lvl1pPr algn="r">
+              <a:defRPr sz="1200"/>
+            </a:lvl1pPr>
+          </a:lstStyle>
+          <a:p>
+            <a:fld id="{7C160E95-576B-4A71-8EBB-932E408482CC}" type="datetimeFigureOut">
+              <a:rPr lang="de-DE" smtClean="0"/>
+              <a:t>06.07.2015</a:t>
+            </a:fld>
+            <a:endParaRPr lang="de-DE"/>
+          </a:p>
+        </p:txBody>
+      </p:sp>
+      <p:sp>
+        <p:nvSpPr>
+          <p:cNvPr id="4" name="Folienbildplatzhalter 3"/>
+          <p:cNvSpPr>
+            <a:spLocks noGrp="1" noRot="1" noChangeAspect="1"/>
+          </p:cNvSpPr>
+          <p:nvPr>
+            <p:ph type="sldImg" idx="2"/>
+          </p:nvPr>
+        </p:nvSpPr>
+        <p:spPr>
+          <a:xfrm>
+            <a:off x="685800" y="1143000"/>
+            <a:ext cx="5486400" cy="3086100"/>
+          </a:xfrm>
+          <a:prstGeom prst="rect">
+            <a:avLst/>
+          </a:prstGeom>
+          <a:noFill/>
+          <a:ln w="12700">
+            <a:solidFill>
+              <a:prstClr val="black"/>
+            </a:solidFill>
+          </a:ln>
+        </p:spPr>
+        <p:txBody>
+          <a:bodyPr vert="horz" lIns="91440" tIns="45720" rIns="91440" bIns="45720" rtlCol="0" anchor="ctr"/>
+          <a:lstStyle/>
+          <a:p>
+            <a:endParaRPr lang="de-DE"/>
+          </a:p>
+        </p:txBody>
+      </p:sp>
+      <p:sp>
+        <p:nvSpPr>
+          <p:cNvPr id="5" name="Notizenplatzhalter 4"/>
+          <p:cNvSpPr>
+            <a:spLocks noGrp="1"/>
+          </p:cNvSpPr>
+          <p:nvPr>
+            <p:ph type="body" sz="quarter" idx="3"/>
+          </p:nvPr>
+        </p:nvSpPr>
+        <p:spPr>
+          <a:xfrm>
+            <a:off x="685800" y="4400550"/>
+            <a:ext cx="5486400" cy="3600450"/>
+          </a:xfrm>
+          <a:prstGeom prst="rect">
+            <a:avLst/>
+          </a:prstGeom>
+        </p:spPr>
+        <p:txBody>
+          <a:bodyPr vert="horz" lIns="91440" tIns="45720" rIns="91440" bIns="45720" rtlCol="0"/>
+          <a:lstStyle/>
+          <a:p>
+            <a:pPr lvl="0"/>
+            <a:r>
+              <a:rPr lang="de-DE" smtClean="0"/>
+              <a:t>Textmasterformat bearbeiten</a:t>
+            </a:r>
+          </a:p>
+          <a:p>
+            <a:pPr lvl="1"/>
+            <a:r>
+              <a:rPr lang="de-DE" smtClean="0"/>
+              <a:t>Zweite Ebene</a:t>
+            </a:r>
+          </a:p>
+          <a:p>
+            <a:pPr lvl="2"/>
+            <a:r>
+              <a:rPr lang="de-DE" smtClean="0"/>
+              <a:t>Dritte Ebene</a:t>
+            </a:r>
+          </a:p>
+          <a:p>
+            <a:pPr lvl="3"/>
+            <a:r>
+              <a:rPr lang="de-DE" smtClean="0"/>
+              <a:t>Vierte Ebene</a:t>
+            </a:r>
+          </a:p>
+          <a:p>
+            <a:pPr lvl="4"/>
+            <a:r>
+              <a:rPr lang="de-DE" smtClean="0"/>
+              <a:t>Fünfte Ebene</a:t>
+            </a:r>
+            <a:endParaRPr lang="de-DE"/>
+          </a:p>
+        </p:txBody>
+      </p:sp>
+      <p:sp>
+        <p:nvSpPr>
+          <p:cNvPr id="6" name="Fußzeilenplatzhalter 5"/>
+          <p:cNvSpPr>
+            <a:spLocks noGrp="1"/>
+          </p:cNvSpPr>
+          <p:nvPr>
+            <p:ph type="ftr" sz="quarter" idx="4"/>
+          </p:nvPr>
+        </p:nvSpPr>
+        <p:spPr>
+          <a:xfrm>
+            <a:off x="0" y="8685213"/>
+            <a:ext cx="2971800" cy="458787"/>
+          </a:xfrm>
+          <a:prstGeom prst="rect">
+            <a:avLst/>
+          </a:prstGeom>
+        </p:spPr>
+        <p:txBody>
+          <a:bodyPr vert="horz" lIns="91440" tIns="45720" rIns="91440" bIns="45720" rtlCol="0" anchor="b"/>
+          <a:lstStyle>
+            <a:lvl1pPr algn="l">
+              <a:defRPr sz="1200"/>
+            </a:lvl1pPr>
+          </a:lstStyle>
+          <a:p>
+            <a:endParaRPr lang="de-DE"/>
+          </a:p>
+        </p:txBody>
+      </p:sp>
+      <p:sp>
+        <p:nvSpPr>
+          <p:cNvPr id="7" name="Foliennummernplatzhalter 6"/>
+          <p:cNvSpPr>
+            <a:spLocks noGrp="1"/>
+          </p:cNvSpPr>
+          <p:nvPr>
+            <p:ph type="sldNum" sz="quarter" idx="5"/>
+          </p:nvPr>
+        </p:nvSpPr>
+        <p:spPr>
+          <a:xfrm>
+            <a:off x="3884613" y="8685213"/>
+            <a:ext cx="2971800" cy="458787"/>
+          </a:xfrm>
+          <a:prstGeom prst="rect">
+            <a:avLst/>
+          </a:prstGeom>
+        </p:spPr>
+        <p:txBody>
+          <a:bodyPr vert="horz" lIns="91440" tIns="45720" rIns="91440" bIns="45720" rtlCol="0" anchor="b"/>
+          <a:lstStyle>
+            <a:lvl1pPr algn="r">
+              <a:defRPr sz="1200"/>
+            </a:lvl1pPr>
+          </a:lstStyle>
+          <a:p>
+            <a:fld id="{B31920E4-02A0-409B-A8B9-098E88402350}" type="slidenum">
+              <a:rPr lang="de-DE" smtClean="0"/>
+              <a:t>‹Nr.›</a:t>
+            </a:fld>
+            <a:endParaRPr lang="de-DE"/>
+          </a:p>
+        </p:txBody>
+      </p:sp>
+    </p:spTree>
+    <p:extLst>
+      <p:ext uri="{BB962C8B-B14F-4D97-AF65-F5344CB8AC3E}">
+        <p14:creationId xmlns:p14="http://schemas.microsoft.com/office/powerpoint/2010/main" val="2060660358"/>
+      </p:ext>
+    </p:extLst>
+  </p:cSld>
+  <p:clrMap bg1="lt1" tx1="dk1" bg2="lt2" tx2="dk2" accent1="accent1" accent2="accent2" accent3="accent3" accent4="accent4" accent5="accent5" accent6="accent6" hlink="hlink" folHlink="folHlink"/>
+  <p:notesStyle>
+    <a:lvl1pPr marL="0" algn="l" defTabSz="914400" rtl="0" eaLnBrk="1" latinLnBrk="0" hangingPunct="1">
+      <a:defRPr sz="1200" kern="1200">
+        <a:solidFill>
+          <a:schemeClr val="tx1"/>
+        </a:solidFill>
+        <a:latin typeface="+mn-lt"/>
+        <a:ea typeface="+mn-ea"/>
+        <a:cs typeface="+mn-cs"/>
+      </a:defRPr>
+    </a:lvl1pPr>
+    <a:lvl2pPr marL="457200" algn="l" defTabSz="914400" rtl="0" eaLnBrk="1" latinLnBrk="0" hangingPunct="1">
+      <a:defRPr sz="1200" kern="1200">
+        <a:solidFill>
+          <a:schemeClr val="tx1"/>
+        </a:solidFill>
+        <a:latin typeface="+mn-lt"/>
+        <a:ea typeface="+mn-ea"/>
+        <a:cs typeface="+mn-cs"/>
+      </a:defRPr>
+    </a:lvl2pPr>
+    <a:lvl3pPr marL="914400" algn="l" defTabSz="914400" rtl="0" eaLnBrk="1" latinLnBrk="0" hangingPunct="1">
+      <a:defRPr sz="1200" kern="1200">
+        <a:solidFill>
+          <a:schemeClr val="tx1"/>
+        </a:solidFill>
+        <a:latin typeface="+mn-lt"/>
+        <a:ea typeface="+mn-ea"/>
+        <a:cs typeface="+mn-cs"/>
+      </a:defRPr>
+    </a:lvl3pPr>
+    <a:lvl4pPr marL="1371600" algn="l" defTabSz="914400" rtl="0" eaLnBrk="1" latinLnBrk="0" hangingPunct="1">
+      <a:defRPr sz="1200" kern="1200">
+        <a:solidFill>
+          <a:schemeClr val="tx1"/>
+        </a:solidFill>
+        <a:latin typeface="+mn-lt"/>
+        <a:ea typeface="+mn-ea"/>
+        <a:cs typeface="+mn-cs"/>
+      </a:defRPr>
+    </a:lvl4pPr>
+    <a:lvl5pPr marL="1828800" algn="l" defTabSz="914400" rtl="0" eaLnBrk="1" latinLnBrk="0" hangingPunct="1">
+      <a:defRPr sz="1200" kern="1200">
+        <a:solidFill>
+          <a:schemeClr val="tx1"/>
+        </a:solidFill>
+        <a:latin typeface="+mn-lt"/>
+        <a:ea typeface="+mn-ea"/>
+        <a:cs typeface="+mn-cs"/>
+      </a:defRPr>
+    </a:lvl5pPr>
+    <a:lvl6pPr marL="2286000" algn="l" defTabSz="914400" rtl="0" eaLnBrk="1" latinLnBrk="0" hangingPunct="1">
+      <a:defRPr sz="1200" kern="1200">
+        <a:solidFill>
+          <a:schemeClr val="tx1"/>
+        </a:solidFill>
+        <a:latin typeface="+mn-lt"/>
+        <a:ea typeface="+mn-ea"/>
+        <a:cs typeface="+mn-cs"/>
+      </a:defRPr>
+    </a:lvl6pPr>
+    <a:lvl7pPr marL="2743200" algn="l" defTabSz="914400" rtl="0" eaLnBrk="1" latinLnBrk="0" hangingPunct="1">
+      <a:defRPr sz="1200" kern="1200">
+        <a:solidFill>
+          <a:schemeClr val="tx1"/>
+        </a:solidFill>
+        <a:latin typeface="+mn-lt"/>
+        <a:ea typeface="+mn-ea"/>
+        <a:cs typeface="+mn-cs"/>
+      </a:defRPr>
+    </a:lvl7pPr>
+    <a:lvl8pPr marL="3200400" algn="l" defTabSz="914400" rtl="0" eaLnBrk="1" latinLnBrk="0" hangingPunct="1">
+      <a:defRPr sz="1200" kern="1200">
+        <a:solidFill>
+          <a:schemeClr val="tx1"/>
+        </a:solidFill>
+        <a:latin typeface="+mn-lt"/>
+        <a:ea typeface="+mn-ea"/>
+        <a:cs typeface="+mn-cs"/>
+      </a:defRPr>
+    </a:lvl8pPr>
+    <a:lvl9pPr marL="3657600" algn="l" defTabSz="914400" rtl="0" eaLnBrk="1" latinLnBrk="0" hangingPunct="1">
+      <a:defRPr sz="1200" kern="1200">
+        <a:solidFill>
+          <a:schemeClr val="tx1"/>
+        </a:solidFill>
+        <a:latin typeface="+mn-lt"/>
+        <a:ea typeface="+mn-ea"/>
+        <a:cs typeface="+mn-cs"/>
+      </a:defRPr>
+    </a:lvl9pPr>
+  </p:notesStyle>
+</p:notesMaster>
+</file>
+
+<file path=ppt/notesSlides/notesSlide1.xml><?xml version="1.0" encoding="utf-8"?>
+<p:notes xmlns:a="http://schemas.openxmlformats.org/drawingml/2006/main" xmlns:r="http://schemas.openxmlformats.org/officeDocument/2006/relationships" xmlns:p="http://schemas.openxmlformats.org/presentationml/2006/main">
+  <p:cSld>
+    <p:spTree>
+      <p:nvGrpSpPr>
+        <p:cNvPr id="1" name=""/>
+        <p:cNvGrpSpPr/>
+        <p:nvPr/>
+      </p:nvGrpSpPr>
+      <p:grpSpPr>
+        <a:xfrm>
+          <a:off x="0" y="0"/>
+          <a:ext cx="0" cy="0"/>
+          <a:chOff x="0" y="0"/>
+          <a:chExt cx="0" cy="0"/>
+        </a:xfrm>
+      </p:grpSpPr>
+      <p:sp>
+        <p:nvSpPr>
+          <p:cNvPr id="2" name="Folienbildplatzhalter 1"/>
+          <p:cNvSpPr>
+            <a:spLocks noGrp="1" noRot="1" noChangeAspect="1"/>
+          </p:cNvSpPr>
+          <p:nvPr>
+            <p:ph type="sldImg"/>
+          </p:nvPr>
+        </p:nvSpPr>
+        <p:spPr/>
+      </p:sp>
+      <p:sp>
+        <p:nvSpPr>
+          <p:cNvPr id="3" name="Notizenplatzhalter 2"/>
+          <p:cNvSpPr>
+            <a:spLocks noGrp="1"/>
+          </p:cNvSpPr>
+          <p:nvPr>
+            <p:ph type="body" idx="1"/>
+          </p:nvPr>
+        </p:nvSpPr>
+        <p:spPr/>
+        <p:txBody>
+          <a:bodyPr/>
+          <a:lstStyle/>
+          <a:p>
+            <a:r>
+              <a:rPr lang="de-DE" dirty="0" smtClean="0"/>
+              <a:t>Hier noch ein Bild zu Cinema 4D einfügen.</a:t>
+            </a:r>
+            <a:endParaRPr lang="de-DE" dirty="0"/>
+          </a:p>
+        </p:txBody>
+      </p:sp>
+      <p:sp>
+        <p:nvSpPr>
+          <p:cNvPr id="4" name="Foliennummernplatzhalter 3"/>
+          <p:cNvSpPr>
+            <a:spLocks noGrp="1"/>
+          </p:cNvSpPr>
+          <p:nvPr>
+            <p:ph type="sldNum" sz="quarter" idx="10"/>
+          </p:nvPr>
+        </p:nvSpPr>
+        <p:spPr/>
+        <p:txBody>
+          <a:bodyPr/>
+          <a:lstStyle/>
+          <a:p>
+            <a:fld id="{B31920E4-02A0-409B-A8B9-098E88402350}" type="slidenum">
+              <a:rPr lang="de-DE" smtClean="0"/>
+              <a:t>6</a:t>
+            </a:fld>
+            <a:endParaRPr lang="de-DE"/>
+          </a:p>
+        </p:txBody>
+      </p:sp>
+    </p:spTree>
+    <p:extLst>
+      <p:ext uri="{BB962C8B-B14F-4D97-AF65-F5344CB8AC3E}">
+        <p14:creationId xmlns:p14="http://schemas.microsoft.com/office/powerpoint/2010/main" val="1779011851"/>
+      </p:ext>
+    </p:extLst>
+  </p:cSld>
+  <p:clrMapOvr>
+    <a:masterClrMapping/>
+  </p:clrMapOvr>
+</p:notes>
+</file>
+
+<file path=ppt/notesSlides/notesSlide2.xml><?xml version="1.0" encoding="utf-8"?>
+<p:notes xmlns:a="http://schemas.openxmlformats.org/drawingml/2006/main" xmlns:r="http://schemas.openxmlformats.org/officeDocument/2006/relationships" xmlns:p="http://schemas.openxmlformats.org/presentationml/2006/main">
+  <p:cSld>
+    <p:spTree>
+      <p:nvGrpSpPr>
+        <p:cNvPr id="1" name=""/>
+        <p:cNvGrpSpPr/>
+        <p:nvPr/>
+      </p:nvGrpSpPr>
+      <p:grpSpPr>
+        <a:xfrm>
+          <a:off x="0" y="0"/>
+          <a:ext cx="0" cy="0"/>
+          <a:chOff x="0" y="0"/>
+          <a:chExt cx="0" cy="0"/>
+        </a:xfrm>
+      </p:grpSpPr>
+      <p:sp>
+        <p:nvSpPr>
+          <p:cNvPr id="2" name="Folienbildplatzhalter 1"/>
+          <p:cNvSpPr>
+            <a:spLocks noGrp="1" noRot="1" noChangeAspect="1"/>
+          </p:cNvSpPr>
+          <p:nvPr>
+            <p:ph type="sldImg"/>
+          </p:nvPr>
+        </p:nvSpPr>
+        <p:spPr/>
+      </p:sp>
+      <p:sp>
+        <p:nvSpPr>
+          <p:cNvPr id="3" name="Notizenplatzhalter 2"/>
+          <p:cNvSpPr>
+            <a:spLocks noGrp="1"/>
+          </p:cNvSpPr>
+          <p:nvPr>
+            <p:ph type="body" idx="1"/>
+          </p:nvPr>
+        </p:nvSpPr>
+        <p:spPr/>
+        <p:txBody>
+          <a:bodyPr/>
+          <a:lstStyle/>
+          <a:p>
+            <a:r>
+              <a:rPr lang="de-DE" dirty="0" smtClean="0"/>
+              <a:t>Hier noch </a:t>
+            </a:r>
+            <a:r>
+              <a:rPr lang="de-DE" dirty="0" err="1" smtClean="0"/>
+              <a:t>Fusee</a:t>
+            </a:r>
+            <a:r>
+              <a:rPr lang="de-DE" dirty="0" smtClean="0"/>
+              <a:t> Bildchen</a:t>
+            </a:r>
+            <a:r>
+              <a:rPr lang="de-DE" baseline="0" dirty="0" smtClean="0"/>
+              <a:t> der fliegenden Rakete einbauen.</a:t>
+            </a:r>
+            <a:endParaRPr lang="de-DE" dirty="0"/>
+          </a:p>
+        </p:txBody>
+      </p:sp>
+      <p:sp>
+        <p:nvSpPr>
+          <p:cNvPr id="4" name="Foliennummernplatzhalter 3"/>
+          <p:cNvSpPr>
+            <a:spLocks noGrp="1"/>
+          </p:cNvSpPr>
+          <p:nvPr>
+            <p:ph type="sldNum" sz="quarter" idx="10"/>
+          </p:nvPr>
+        </p:nvSpPr>
+        <p:spPr/>
+        <p:txBody>
+          <a:bodyPr/>
+          <a:lstStyle/>
+          <a:p>
+            <a:fld id="{B31920E4-02A0-409B-A8B9-098E88402350}" type="slidenum">
+              <a:rPr lang="de-DE" smtClean="0"/>
+              <a:t>17</a:t>
+            </a:fld>
+            <a:endParaRPr lang="de-DE"/>
+          </a:p>
+        </p:txBody>
+      </p:sp>
+    </p:spTree>
+    <p:extLst>
+      <p:ext uri="{BB962C8B-B14F-4D97-AF65-F5344CB8AC3E}">
+        <p14:creationId xmlns:p14="http://schemas.microsoft.com/office/powerpoint/2010/main" val="1562744437"/>
+      </p:ext>
+    </p:extLst>
+  </p:cSld>
+  <p:clrMapOvr>
+    <a:masterClrMapping/>
+  </p:clrMapOvr>
+</p:notes>
 </file>
 
 <file path=ppt/slideLayouts/slideLayout1.xml><?xml version="1.0" encoding="utf-8"?>
@@ -6086,7 +6631,7 @@
           <a:p>
             <a:r>
               <a:rPr lang="de-DE" dirty="0" smtClean="0"/>
-              <a:t>Fragen Block A (Prof. Taube)</a:t>
+              <a:t>Ergebnisse der Prozessanalyse</a:t>
             </a:r>
             <a:endParaRPr lang="de-DE" dirty="0"/>
           </a:p>
@@ -6104,17 +6649,108 @@
         </p:nvSpPr>
         <p:spPr/>
         <p:txBody>
-          <a:bodyPr/>
-          <a:lstStyle/>
-          <a:p>
-            <a:endParaRPr lang="de-DE"/>
+          <a:bodyPr>
+            <a:normAutofit/>
+          </a:bodyPr>
+          <a:lstStyle/>
+          <a:p>
+            <a:pPr lvl="0"/>
+            <a:r>
+              <a:rPr lang="de-DE" dirty="0" smtClean="0"/>
+              <a:t>Der Tool Entwicklungsprozess sollte mit</a:t>
+            </a:r>
+            <a:r>
+              <a:rPr lang="de-DE" baseline="0" dirty="0" smtClean="0"/>
+              <a:t> der nötigen Sorgfalt in den Produktionsprozess eines Projektes integriert sein.</a:t>
+            </a:r>
+          </a:p>
+          <a:p>
+            <a:pPr lvl="1"/>
+            <a:r>
+              <a:rPr lang="de-DE" dirty="0" smtClean="0"/>
+              <a:t>Produktion steht und fällt mit guten Tools.</a:t>
+            </a:r>
+          </a:p>
+          <a:p>
+            <a:pPr marL="742950" marR="0" lvl="1" indent="-285750" algn="l" defTabSz="457200" rtl="0" eaLnBrk="1" fontAlgn="auto" latinLnBrk="0" hangingPunct="1">
+              <a:lnSpc>
+                <a:spcPct val="100000"/>
+              </a:lnSpc>
+              <a:spcBef>
+                <a:spcPts val="1000"/>
+              </a:spcBef>
+              <a:spcAft>
+                <a:spcPts val="0"/>
+              </a:spcAft>
+              <a:buClr>
+                <a:schemeClr val="bg2">
+                  <a:lumMod val="40000"/>
+                  <a:lumOff val="60000"/>
+                </a:schemeClr>
+              </a:buClr>
+              <a:buSzPct val="80000"/>
+              <a:buFont typeface="Wingdings 3" charset="2"/>
+              <a:buChar char=""/>
+              <a:tabLst/>
+              <a:defRPr/>
+            </a:pPr>
+            <a:r>
+              <a:rPr lang="de-DE" sz="1800" b="0" i="0" kern="1200" dirty="0" smtClean="0">
+                <a:solidFill>
+                  <a:schemeClr val="tx1"/>
+                </a:solidFill>
+                <a:effectLst/>
+                <a:latin typeface="+mj-lt"/>
+                <a:ea typeface="+mj-ea"/>
+                <a:cs typeface="+mj-cs"/>
+              </a:rPr>
+              <a:t>Mitarbeiter als Nutzer</a:t>
+            </a:r>
+            <a:r>
+              <a:rPr lang="de-DE" sz="1800" b="0" i="0" kern="1200" baseline="0" dirty="0" smtClean="0">
+                <a:solidFill>
+                  <a:schemeClr val="tx1"/>
+                </a:solidFill>
+                <a:effectLst/>
+                <a:latin typeface="+mj-lt"/>
+                <a:ea typeface="+mj-ea"/>
+                <a:cs typeface="+mj-cs"/>
+              </a:rPr>
+              <a:t> entscheiden über gelingen des Projektes und die Nutzung der Tools.</a:t>
+            </a:r>
+            <a:endParaRPr lang="de-DE" dirty="0" smtClean="0"/>
+          </a:p>
+          <a:p>
+            <a:pPr lvl="1"/>
+            <a:r>
+              <a:rPr lang="de-DE" dirty="0" smtClean="0"/>
+              <a:t>Managementprozesse</a:t>
+            </a:r>
+            <a:r>
+              <a:rPr lang="de-DE" baseline="0" dirty="0" smtClean="0"/>
+              <a:t> spielen eine große Rolle.</a:t>
+            </a:r>
+          </a:p>
+          <a:p>
+            <a:pPr lvl="2"/>
+            <a:r>
+              <a:rPr lang="de-DE" dirty="0" smtClean="0"/>
+              <a:t>Tool Entwickler stehen oft unter Zeitdruck.</a:t>
+            </a:r>
+          </a:p>
+          <a:p>
+            <a:pPr lvl="2"/>
+            <a:r>
+              <a:rPr lang="de-DE" baseline="0" dirty="0" smtClean="0"/>
+              <a:t>Agile Modelle sind zu bevorzugen, da beim Tool Development oft schnelle Entscheidungen getroffen werden und Konzepte schnell umgesetzt werden müssen.</a:t>
+            </a:r>
           </a:p>
         </p:txBody>
       </p:sp>
     </p:spTree>
     <p:extLst>
       <p:ext uri="{BB962C8B-B14F-4D97-AF65-F5344CB8AC3E}">
-        <p14:creationId xmlns:p14="http://schemas.microsoft.com/office/powerpoint/2010/main" val="162024018"/>
+        <p14:creationId xmlns:p14="http://schemas.microsoft.com/office/powerpoint/2010/main" val="2785856444"/>
       </p:ext>
     </p:extLst>
   </p:cSld>
@@ -6165,7 +6801,7 @@
           <a:p>
             <a:r>
               <a:rPr lang="de-DE" dirty="0" smtClean="0"/>
-              <a:t>Fragen Block B (Prof. Müller)</a:t>
+              <a:t>Ergebnisse der Prozessanalyse</a:t>
             </a:r>
             <a:endParaRPr lang="de-DE" dirty="0"/>
           </a:p>
@@ -6183,17 +6819,97 @@
         </p:nvSpPr>
         <p:spPr/>
         <p:txBody>
-          <a:bodyPr/>
-          <a:lstStyle/>
-          <a:p>
-            <a:endParaRPr lang="de-DE"/>
+          <a:bodyPr>
+            <a:normAutofit lnSpcReduction="10000"/>
+          </a:bodyPr>
+          <a:lstStyle/>
+          <a:p>
+            <a:pPr lvl="0"/>
+            <a:r>
+              <a:rPr lang="de-DE" dirty="0" smtClean="0"/>
+              <a:t>Getrennte Tools können funktionieren</a:t>
+            </a:r>
+          </a:p>
+          <a:p>
+            <a:pPr lvl="1"/>
+            <a:r>
+              <a:rPr lang="de-DE" dirty="0" smtClean="0"/>
+              <a:t>Wenn</a:t>
+            </a:r>
+            <a:r>
+              <a:rPr lang="de-DE" baseline="0" dirty="0" smtClean="0"/>
+              <a:t> das Team sich darauf einlässt</a:t>
+            </a:r>
+          </a:p>
+          <a:p>
+            <a:pPr lvl="1"/>
+            <a:r>
+              <a:rPr lang="de-DE" baseline="0" dirty="0" smtClean="0"/>
+              <a:t>Das Projekt (der Zeitplan) es ermöglicht</a:t>
+            </a:r>
+          </a:p>
+          <a:p>
+            <a:pPr lvl="0"/>
+            <a:r>
+              <a:rPr lang="de-DE" baseline="0" dirty="0" smtClean="0"/>
+              <a:t>Erweiterung bestehender Tools ist sinnvoll</a:t>
+            </a:r>
+          </a:p>
+          <a:p>
+            <a:pPr lvl="1"/>
+            <a:r>
+              <a:rPr lang="de-DE" baseline="0" dirty="0" smtClean="0"/>
+              <a:t>Es verkürzt den Entwicklungszeitraum</a:t>
+            </a:r>
+          </a:p>
+          <a:p>
+            <a:pPr lvl="1"/>
+            <a:r>
+              <a:rPr lang="de-DE" baseline="0" dirty="0" smtClean="0"/>
+              <a:t>Es erleichtert den Entwicklern die alltägliche Arbeit</a:t>
+            </a:r>
+          </a:p>
+          <a:p>
+            <a:pPr lvl="0"/>
+            <a:r>
+              <a:rPr lang="de-DE" dirty="0" smtClean="0"/>
+              <a:t>Verwendung von Best Practice Beispielen</a:t>
+            </a:r>
+            <a:r>
+              <a:rPr lang="de-DE" baseline="0" dirty="0" smtClean="0"/>
+              <a:t> aus bereits erfolgreicher Software ist sinnvoll</a:t>
+            </a:r>
+          </a:p>
+          <a:p>
+            <a:pPr lvl="1"/>
+            <a:r>
+              <a:rPr lang="de-DE" dirty="0" smtClean="0"/>
+              <a:t>Konzepte zu Szenengraphen</a:t>
+            </a:r>
+          </a:p>
+          <a:p>
+            <a:pPr lvl="1"/>
+            <a:r>
+              <a:rPr lang="de-DE" dirty="0" smtClean="0"/>
+              <a:t>Versionskontrolle</a:t>
+            </a:r>
+          </a:p>
+          <a:p>
+            <a:pPr lvl="1"/>
+            <a:r>
+              <a:rPr lang="de-DE" dirty="0" smtClean="0">
+                <a:sym typeface="Wingdings" panose="05000000000000000000" pitchFamily="2" charset="2"/>
+              </a:rPr>
+              <a:t> Erhöht Akzeptanz der Nutzer</a:t>
+            </a:r>
+            <a:endParaRPr lang="de-DE" dirty="0"/>
           </a:p>
         </p:txBody>
       </p:sp>
     </p:spTree>
     <p:extLst>
       <p:ext uri="{BB962C8B-B14F-4D97-AF65-F5344CB8AC3E}">
-        <p14:creationId xmlns:p14="http://schemas.microsoft.com/office/powerpoint/2010/main" val="1356527938"/>
+        <p14:creationId xmlns:p14="http://schemas.microsoft.com/office/powerpoint/2010/main" val="814671649"/>
       </p:ext>
     </p:extLst>
   </p:cSld>
@@ -6244,6 +6960,507 @@
           <a:p>
             <a:r>
               <a:rPr lang="de-DE" dirty="0" smtClean="0"/>
+              <a:t>Ergebnisse der Konzeption</a:t>
+            </a:r>
+            <a:r>
+              <a:rPr lang="de-DE" baseline="0" dirty="0" smtClean="0"/>
+              <a:t> und Implementierung</a:t>
+            </a:r>
+            <a:endParaRPr lang="de-DE" dirty="0"/>
+          </a:p>
+        </p:txBody>
+      </p:sp>
+      <p:sp>
+        <p:nvSpPr>
+          <p:cNvPr id="3" name="Inhaltsplatzhalter 2"/>
+          <p:cNvSpPr>
+            <a:spLocks noGrp="1"/>
+          </p:cNvSpPr>
+          <p:nvPr>
+            <p:ph idx="1"/>
+          </p:nvPr>
+        </p:nvSpPr>
+        <p:spPr/>
+        <p:txBody>
+          <a:bodyPr/>
+          <a:lstStyle/>
+          <a:p>
+            <a:r>
+              <a:rPr lang="de-DE" dirty="0" smtClean="0"/>
+              <a:t>Konzeption der</a:t>
+            </a:r>
+            <a:r>
+              <a:rPr lang="de-DE" baseline="0" dirty="0" smtClean="0"/>
+              <a:t> Architektur des Frameworks wurde erstellt</a:t>
+            </a:r>
+          </a:p>
+          <a:p>
+            <a:pPr lvl="1"/>
+            <a:r>
+              <a:rPr lang="de-DE" dirty="0" smtClean="0"/>
+              <a:t>Setzt das Konzept</a:t>
+            </a:r>
+            <a:r>
+              <a:rPr lang="de-DE" baseline="0" dirty="0" smtClean="0"/>
+              <a:t> der nach Entwicklern getrennten </a:t>
+            </a:r>
+            <a:r>
+              <a:rPr lang="de-DE" baseline="0" dirty="0" err="1" smtClean="0"/>
+              <a:t>Authoring</a:t>
+            </a:r>
+            <a:r>
+              <a:rPr lang="de-DE" baseline="0" dirty="0" smtClean="0"/>
+              <a:t> Tools um.</a:t>
+            </a:r>
+          </a:p>
+          <a:p>
+            <a:pPr lvl="0"/>
+            <a:r>
+              <a:rPr lang="de-DE" dirty="0" smtClean="0"/>
+              <a:t>Basisfunktonalität wurde konzipiert und</a:t>
+            </a:r>
+            <a:r>
+              <a:rPr lang="de-DE" baseline="0" dirty="0" smtClean="0"/>
+              <a:t> implementiert.</a:t>
+            </a:r>
+            <a:endParaRPr lang="de-DE" dirty="0" smtClean="0"/>
+          </a:p>
+          <a:p>
+            <a:pPr lvl="0"/>
+            <a:r>
+              <a:rPr lang="de-DE" dirty="0" smtClean="0"/>
+              <a:t>Nach Analyse der untersuchten Best Practice Software</a:t>
+            </a:r>
+            <a:r>
+              <a:rPr lang="de-DE" baseline="0" dirty="0" smtClean="0"/>
+              <a:t> stellte sich heraus:</a:t>
+            </a:r>
+          </a:p>
+          <a:p>
+            <a:pPr lvl="2"/>
+            <a:r>
+              <a:rPr lang="de-DE" dirty="0" smtClean="0"/>
+              <a:t>Funktionalität von Game Engine Editoren ist der Funktionalität von Modeling Editoren wie Cinema</a:t>
+            </a:r>
+            <a:r>
+              <a:rPr lang="de-DE" baseline="0" dirty="0" smtClean="0"/>
+              <a:t> 4D oder IDEs wie Visual Studio sehr ähnlich.</a:t>
+            </a:r>
+          </a:p>
+          <a:p>
+            <a:pPr lvl="2"/>
+            <a:r>
+              <a:rPr lang="de-DE" baseline="0" dirty="0" smtClean="0"/>
+              <a:t>Somit sind diese Tools meist nur </a:t>
+            </a:r>
+            <a:r>
+              <a:rPr lang="de-DE" baseline="0" dirty="0" err="1" smtClean="0"/>
+              <a:t>Aggregatoren</a:t>
+            </a:r>
+            <a:r>
+              <a:rPr lang="de-DE" baseline="0" dirty="0" smtClean="0"/>
+              <a:t> verschiedener Nutzerkonzepte.</a:t>
+            </a:r>
+          </a:p>
+        </p:txBody>
+      </p:sp>
+    </p:spTree>
+    <p:extLst>
+      <p:ext uri="{BB962C8B-B14F-4D97-AF65-F5344CB8AC3E}">
+        <p14:creationId xmlns:p14="http://schemas.microsoft.com/office/powerpoint/2010/main" val="510153650"/>
+      </p:ext>
+    </p:extLst>
+  </p:cSld>
+  <p:clrMapOvr>
+    <a:masterClrMapping/>
+  </p:clrMapOvr>
+  <p:timing>
+    <p:tnLst>
+      <p:par>
+        <p:cTn id="1" dur="indefinite" restart="never" nodeType="tmRoot"/>
+      </p:par>
+    </p:tnLst>
+  </p:timing>
+</p:sld>
+</file>
+
+<file path=ppt/slides/slide13.xml><?xml version="1.0" encoding="utf-8"?>
+<p:sld xmlns:a="http://schemas.openxmlformats.org/drawingml/2006/main" xmlns:r="http://schemas.openxmlformats.org/officeDocument/2006/relationships" xmlns:p="http://schemas.openxmlformats.org/presentationml/2006/main">
+  <p:cSld>
+    <p:spTree>
+      <p:nvGrpSpPr>
+        <p:cNvPr id="1" name=""/>
+        <p:cNvGrpSpPr/>
+        <p:nvPr/>
+      </p:nvGrpSpPr>
+      <p:grpSpPr>
+        <a:xfrm>
+          <a:off x="0" y="0"/>
+          <a:ext cx="0" cy="0"/>
+          <a:chOff x="0" y="0"/>
+          <a:chExt cx="0" cy="0"/>
+        </a:xfrm>
+      </p:grpSpPr>
+      <p:sp>
+        <p:nvSpPr>
+          <p:cNvPr id="2" name="Titel 1"/>
+          <p:cNvSpPr>
+            <a:spLocks noGrp="1"/>
+          </p:cNvSpPr>
+          <p:nvPr>
+            <p:ph type="title"/>
+          </p:nvPr>
+        </p:nvSpPr>
+        <p:spPr/>
+        <p:txBody>
+          <a:bodyPr/>
+          <a:lstStyle/>
+          <a:p>
+            <a:r>
+              <a:rPr lang="de-DE" dirty="0" smtClean="0"/>
+              <a:t>Ergebnisse</a:t>
+            </a:r>
+            <a:r>
+              <a:rPr lang="de-DE" baseline="0" dirty="0" smtClean="0"/>
+              <a:t> der Konzeption und Implementierung</a:t>
+            </a:r>
+            <a:endParaRPr lang="de-DE" dirty="0"/>
+          </a:p>
+        </p:txBody>
+      </p:sp>
+      <p:sp>
+        <p:nvSpPr>
+          <p:cNvPr id="3" name="Inhaltsplatzhalter 2"/>
+          <p:cNvSpPr>
+            <a:spLocks noGrp="1"/>
+          </p:cNvSpPr>
+          <p:nvPr>
+            <p:ph idx="1"/>
+          </p:nvPr>
+        </p:nvSpPr>
+        <p:spPr/>
+        <p:txBody>
+          <a:bodyPr/>
+          <a:lstStyle/>
+          <a:p>
+            <a:r>
+              <a:rPr lang="de-DE" dirty="0" smtClean="0"/>
+              <a:t>Erweiterung über das </a:t>
+            </a:r>
+            <a:r>
+              <a:rPr lang="de-DE" dirty="0" err="1" smtClean="0"/>
+              <a:t>Plugin</a:t>
+            </a:r>
+            <a:r>
+              <a:rPr lang="de-DE" dirty="0" smtClean="0"/>
+              <a:t> System von Cinema 4D ist</a:t>
+            </a:r>
+            <a:r>
+              <a:rPr lang="de-DE" baseline="0" dirty="0" smtClean="0"/>
+              <a:t> berücksichtigt</a:t>
+            </a:r>
+          </a:p>
+          <a:p>
+            <a:r>
+              <a:rPr lang="de-DE" baseline="0" dirty="0" smtClean="0"/>
+              <a:t>Modeling Tool unabhängiges System Design</a:t>
+            </a:r>
+          </a:p>
+          <a:p>
+            <a:pPr lvl="1"/>
+            <a:r>
+              <a:rPr lang="de-DE" dirty="0" smtClean="0"/>
+              <a:t>Auch IDE</a:t>
+            </a:r>
+            <a:r>
+              <a:rPr lang="de-DE" baseline="0" dirty="0" smtClean="0"/>
+              <a:t> unabhängig so lange die Software mit .</a:t>
+            </a:r>
+            <a:r>
+              <a:rPr lang="de-DE" baseline="0" dirty="0" err="1" smtClean="0"/>
+              <a:t>sln</a:t>
+            </a:r>
+            <a:r>
+              <a:rPr lang="de-DE" baseline="0" dirty="0" smtClean="0"/>
+              <a:t> Projekten umgehen kann.</a:t>
+            </a:r>
+          </a:p>
+          <a:p>
+            <a:pPr lvl="0"/>
+            <a:r>
+              <a:rPr lang="de-DE" baseline="0" dirty="0" smtClean="0"/>
+              <a:t>Probleme bei der Umsetzung des Prototypen zum Ende der Arbeit</a:t>
+            </a:r>
+          </a:p>
+          <a:p>
+            <a:pPr lvl="1"/>
+            <a:r>
+              <a:rPr lang="de-DE" baseline="0" dirty="0" smtClean="0"/>
+              <a:t>Durch die Komplexität der Cinema 4D API</a:t>
+            </a:r>
+          </a:p>
+          <a:p>
+            <a:pPr lvl="1"/>
+            <a:r>
+              <a:rPr lang="de-DE" baseline="0" dirty="0" smtClean="0"/>
+              <a:t>Die Updatezyklen der API</a:t>
+            </a:r>
+          </a:p>
+          <a:p>
+            <a:pPr lvl="1"/>
+            <a:r>
+              <a:rPr lang="de-DE" baseline="0" dirty="0" smtClean="0"/>
+              <a:t>Das komplexe „</a:t>
+            </a:r>
+            <a:r>
+              <a:rPr lang="de-DE" baseline="0" dirty="0" err="1" smtClean="0"/>
+              <a:t>wrapping</a:t>
+            </a:r>
+            <a:r>
+              <a:rPr lang="de-DE" baseline="0" dirty="0" smtClean="0"/>
+              <a:t>“ der API mit </a:t>
+            </a:r>
+            <a:r>
+              <a:rPr lang="de-DE" baseline="0" dirty="0" err="1" smtClean="0"/>
+              <a:t>Swig</a:t>
+            </a:r>
+            <a:r>
+              <a:rPr lang="de-DE" baseline="0" dirty="0" smtClean="0"/>
+              <a:t>.</a:t>
+            </a:r>
+          </a:p>
+          <a:p>
+            <a:pPr lvl="2"/>
+            <a:r>
+              <a:rPr lang="de-DE" baseline="0" dirty="0" smtClean="0"/>
+              <a:t>GUI Komponenten</a:t>
+            </a:r>
+          </a:p>
+          <a:p>
+            <a:pPr lvl="2"/>
+            <a:r>
+              <a:rPr lang="de-DE" baseline="0" dirty="0" err="1" smtClean="0"/>
+              <a:t>Plugin</a:t>
+            </a:r>
+            <a:r>
+              <a:rPr lang="de-DE" baseline="0" dirty="0" smtClean="0"/>
+              <a:t> Typen</a:t>
+            </a:r>
+          </a:p>
+        </p:txBody>
+      </p:sp>
+    </p:spTree>
+    <p:extLst>
+      <p:ext uri="{BB962C8B-B14F-4D97-AF65-F5344CB8AC3E}">
+        <p14:creationId xmlns:p14="http://schemas.microsoft.com/office/powerpoint/2010/main" val="542103304"/>
+      </p:ext>
+    </p:extLst>
+  </p:cSld>
+  <p:clrMapOvr>
+    <a:masterClrMapping/>
+  </p:clrMapOvr>
+  <p:timing>
+    <p:tnLst>
+      <p:par>
+        <p:cTn id="1" dur="indefinite" restart="never" nodeType="tmRoot"/>
+      </p:par>
+    </p:tnLst>
+  </p:timing>
+</p:sld>
+</file>
+
+<file path=ppt/slides/slide14.xml><?xml version="1.0" encoding="utf-8"?>
+<p:sld xmlns:a="http://schemas.openxmlformats.org/drawingml/2006/main" xmlns:r="http://schemas.openxmlformats.org/officeDocument/2006/relationships" xmlns:p="http://schemas.openxmlformats.org/presentationml/2006/main">
+  <p:cSld>
+    <p:spTree>
+      <p:nvGrpSpPr>
+        <p:cNvPr id="1" name=""/>
+        <p:cNvGrpSpPr/>
+        <p:nvPr/>
+      </p:nvGrpSpPr>
+      <p:grpSpPr>
+        <a:xfrm>
+          <a:off x="0" y="0"/>
+          <a:ext cx="0" cy="0"/>
+          <a:chOff x="0" y="0"/>
+          <a:chExt cx="0" cy="0"/>
+        </a:xfrm>
+      </p:grpSpPr>
+      <p:sp>
+        <p:nvSpPr>
+          <p:cNvPr id="2" name="Titel 1"/>
+          <p:cNvSpPr>
+            <a:spLocks noGrp="1"/>
+          </p:cNvSpPr>
+          <p:nvPr>
+            <p:ph type="title"/>
+          </p:nvPr>
+        </p:nvSpPr>
+        <p:spPr/>
+        <p:txBody>
+          <a:bodyPr/>
+          <a:lstStyle/>
+          <a:p>
+            <a:r>
+              <a:rPr lang="de-DE" dirty="0" smtClean="0"/>
+              <a:t>Fragen Block A (Prof. Taube)</a:t>
+            </a:r>
+            <a:endParaRPr lang="de-DE" dirty="0"/>
+          </a:p>
+        </p:txBody>
+      </p:sp>
+      <p:sp>
+        <p:nvSpPr>
+          <p:cNvPr id="3" name="Inhaltsplatzhalter 2"/>
+          <p:cNvSpPr>
+            <a:spLocks noGrp="1"/>
+          </p:cNvSpPr>
+          <p:nvPr>
+            <p:ph idx="1"/>
+          </p:nvPr>
+        </p:nvSpPr>
+        <p:spPr/>
+        <p:txBody>
+          <a:bodyPr/>
+          <a:lstStyle/>
+          <a:p>
+            <a:endParaRPr lang="de-DE"/>
+          </a:p>
+        </p:txBody>
+      </p:sp>
+    </p:spTree>
+    <p:extLst>
+      <p:ext uri="{BB962C8B-B14F-4D97-AF65-F5344CB8AC3E}">
+        <p14:creationId xmlns:p14="http://schemas.microsoft.com/office/powerpoint/2010/main" val="162024018"/>
+      </p:ext>
+    </p:extLst>
+  </p:cSld>
+  <p:clrMapOvr>
+    <a:masterClrMapping/>
+  </p:clrMapOvr>
+  <p:timing>
+    <p:tnLst>
+      <p:par>
+        <p:cTn id="1" dur="indefinite" restart="never" nodeType="tmRoot"/>
+      </p:par>
+    </p:tnLst>
+  </p:timing>
+</p:sld>
+</file>
+
+<file path=ppt/slides/slide15.xml><?xml version="1.0" encoding="utf-8"?>
+<p:sld xmlns:a="http://schemas.openxmlformats.org/drawingml/2006/main" xmlns:r="http://schemas.openxmlformats.org/officeDocument/2006/relationships" xmlns:p="http://schemas.openxmlformats.org/presentationml/2006/main">
+  <p:cSld>
+    <p:spTree>
+      <p:nvGrpSpPr>
+        <p:cNvPr id="1" name=""/>
+        <p:cNvGrpSpPr/>
+        <p:nvPr/>
+      </p:nvGrpSpPr>
+      <p:grpSpPr>
+        <a:xfrm>
+          <a:off x="0" y="0"/>
+          <a:ext cx="0" cy="0"/>
+          <a:chOff x="0" y="0"/>
+          <a:chExt cx="0" cy="0"/>
+        </a:xfrm>
+      </p:grpSpPr>
+      <p:sp>
+        <p:nvSpPr>
+          <p:cNvPr id="2" name="Titel 1"/>
+          <p:cNvSpPr>
+            <a:spLocks noGrp="1"/>
+          </p:cNvSpPr>
+          <p:nvPr>
+            <p:ph type="title"/>
+          </p:nvPr>
+        </p:nvSpPr>
+        <p:spPr/>
+        <p:txBody>
+          <a:bodyPr/>
+          <a:lstStyle/>
+          <a:p>
+            <a:r>
+              <a:rPr lang="de-DE" dirty="0" smtClean="0"/>
+              <a:t>Fragen Block B (Prof. Müller)</a:t>
+            </a:r>
+            <a:endParaRPr lang="de-DE" dirty="0"/>
+          </a:p>
+        </p:txBody>
+      </p:sp>
+      <p:sp>
+        <p:nvSpPr>
+          <p:cNvPr id="3" name="Inhaltsplatzhalter 2"/>
+          <p:cNvSpPr>
+            <a:spLocks noGrp="1"/>
+          </p:cNvSpPr>
+          <p:nvPr>
+            <p:ph idx="1"/>
+          </p:nvPr>
+        </p:nvSpPr>
+        <p:spPr/>
+        <p:txBody>
+          <a:bodyPr/>
+          <a:lstStyle/>
+          <a:p>
+            <a:endParaRPr lang="de-DE"/>
+          </a:p>
+        </p:txBody>
+      </p:sp>
+    </p:spTree>
+    <p:extLst>
+      <p:ext uri="{BB962C8B-B14F-4D97-AF65-F5344CB8AC3E}">
+        <p14:creationId xmlns:p14="http://schemas.microsoft.com/office/powerpoint/2010/main" val="1356527938"/>
+      </p:ext>
+    </p:extLst>
+  </p:cSld>
+  <p:clrMapOvr>
+    <a:masterClrMapping/>
+  </p:clrMapOvr>
+  <p:timing>
+    <p:tnLst>
+      <p:par>
+        <p:cTn id="1" dur="indefinite" restart="never" nodeType="tmRoot"/>
+      </p:par>
+    </p:tnLst>
+  </p:timing>
+</p:sld>
+</file>
+
+<file path=ppt/slides/slide16.xml><?xml version="1.0" encoding="utf-8"?>
+<p:sld xmlns:a="http://schemas.openxmlformats.org/drawingml/2006/main" xmlns:r="http://schemas.openxmlformats.org/officeDocument/2006/relationships" xmlns:p="http://schemas.openxmlformats.org/presentationml/2006/main">
+  <p:cSld>
+    <p:spTree>
+      <p:nvGrpSpPr>
+        <p:cNvPr id="1" name=""/>
+        <p:cNvGrpSpPr/>
+        <p:nvPr/>
+      </p:nvGrpSpPr>
+      <p:grpSpPr>
+        <a:xfrm>
+          <a:off x="0" y="0"/>
+          <a:ext cx="0" cy="0"/>
+          <a:chOff x="0" y="0"/>
+          <a:chExt cx="0" cy="0"/>
+        </a:xfrm>
+      </p:grpSpPr>
+      <p:sp>
+        <p:nvSpPr>
+          <p:cNvPr id="2" name="Titel 1"/>
+          <p:cNvSpPr>
+            <a:spLocks noGrp="1"/>
+          </p:cNvSpPr>
+          <p:nvPr>
+            <p:ph type="title"/>
+          </p:nvPr>
+        </p:nvSpPr>
+        <p:spPr/>
+        <p:txBody>
+          <a:bodyPr/>
+          <a:lstStyle/>
+          <a:p>
+            <a:r>
+              <a:rPr lang="de-DE" dirty="0" smtClean="0"/>
               <a:t>Abschluss</a:t>
             </a:r>
             <a:endParaRPr lang="de-DE" dirty="0"/>
@@ -6292,7 +7509,7 @@
 </p:sld>
 </file>
 
-<file path=ppt/slides/slide13.xml><?xml version="1.0" encoding="utf-8"?>
+<file path=ppt/slides/slide17.xml><?xml version="1.0" encoding="utf-8"?>
 <p:sld xmlns:a="http://schemas.openxmlformats.org/drawingml/2006/main" xmlns:r="http://schemas.openxmlformats.org/officeDocument/2006/relationships" xmlns:p="http://schemas.openxmlformats.org/presentationml/2006/main">
   <p:cSld>
     <p:spTree>
@@ -6441,7 +7658,7 @@
           <a:p>
             <a:r>
               <a:rPr lang="de-DE" dirty="0" smtClean="0"/>
-              <a:t>Vorstellung der Arbeit</a:t>
+              <a:t>Überblick</a:t>
             </a:r>
           </a:p>
           <a:p>
@@ -6463,7 +7680,7 @@
             <a:pPr lvl="1"/>
             <a:r>
               <a:rPr lang="de-DE" dirty="0" smtClean="0"/>
-              <a:t>Überblick über die Arbeit</a:t>
+              <a:t>Ziele der Arbeit</a:t>
             </a:r>
           </a:p>
           <a:p>
@@ -6477,6 +7694,13 @@
             <a:pPr lvl="1"/>
             <a:r>
               <a:rPr lang="de-DE" dirty="0" smtClean="0"/>
+              <a:t>Problematik</a:t>
+            </a:r>
+          </a:p>
+          <a:p>
+            <a:pPr lvl="1"/>
+            <a:r>
+              <a:rPr lang="de-DE" dirty="0" smtClean="0"/>
               <a:t>Ergebnisse</a:t>
             </a:r>
           </a:p>
@@ -6497,36 +7721,6 @@
           </a:p>
         </p:txBody>
       </p:sp>
-      <p:pic>
-        <p:nvPicPr>
-          <p:cNvPr id="4" name="Grafik 3"/>
-          <p:cNvPicPr>
-            <a:picLocks noChangeAspect="1"/>
-          </p:cNvPicPr>
-          <p:nvPr/>
-        </p:nvPicPr>
-        <p:blipFill>
-          <a:blip r:embed="rId2">
-            <a:extLst>
-              <a:ext uri="{28A0092B-C50C-407E-A947-70E740481C1C}">
-                <a14:useLocalDpi xmlns:a14="http://schemas.microsoft.com/office/drawing/2010/main" val="0"/>
-              </a:ext>
-            </a:extLst>
-          </a:blip>
-          <a:stretch>
-            <a:fillRect/>
-          </a:stretch>
-        </p:blipFill>
-        <p:spPr>
-          <a:xfrm rot="19422219">
-            <a:off x="9716777" y="4238399"/>
-            <a:ext cx="3052739" cy="3052739"/>
-          </a:xfrm>
-          <a:prstGeom prst="rect">
-            <a:avLst/>
-          </a:prstGeom>
-        </p:spPr>
-      </p:pic>
     </p:spTree>
     <p:extLst>
       <p:ext uri="{BB962C8B-B14F-4D97-AF65-F5344CB8AC3E}">
@@ -6967,11 +8161,11 @@
           <a:p>
             <a:r>
               <a:rPr lang="de-DE" dirty="0" smtClean="0"/>
-              <a:t>Überblick</a:t>
+              <a:t>Ziele der</a:t>
             </a:r>
             <a:r>
               <a:rPr lang="de-DE" baseline="0" dirty="0" smtClean="0"/>
-              <a:t> über die Arbeit</a:t>
+              <a:t> Arbeit</a:t>
             </a:r>
             <a:endParaRPr lang="de-DE" dirty="0"/>
           </a:p>
@@ -7307,6 +8501,36 @@
           </a:p>
         </p:txBody>
       </p:sp>
+      <p:pic>
+        <p:nvPicPr>
+          <p:cNvPr id="4" name="Grafik 3"/>
+          <p:cNvPicPr>
+            <a:picLocks noChangeAspect="1"/>
+          </p:cNvPicPr>
+          <p:nvPr/>
+        </p:nvPicPr>
+        <p:blipFill>
+          <a:blip r:embed="rId3">
+            <a:extLst>
+              <a:ext uri="{28A0092B-C50C-407E-A947-70E740481C1C}">
+                <a14:useLocalDpi xmlns:a14="http://schemas.microsoft.com/office/drawing/2010/main" val="0"/>
+              </a:ext>
+            </a:extLst>
+          </a:blip>
+          <a:stretch>
+            <a:fillRect/>
+          </a:stretch>
+        </p:blipFill>
+        <p:spPr>
+          <a:xfrm rot="19583718">
+            <a:off x="8779245" y="2899177"/>
+            <a:ext cx="4380952" cy="4380952"/>
+          </a:xfrm>
+          <a:prstGeom prst="rect">
+            <a:avLst/>
+          </a:prstGeom>
+        </p:spPr>
+      </p:pic>
     </p:spTree>
     <p:extLst>
       <p:ext uri="{BB962C8B-B14F-4D97-AF65-F5344CB8AC3E}">
@@ -7530,7 +8754,7 @@
           <a:p>
             <a:r>
               <a:rPr lang="de-DE" dirty="0" smtClean="0"/>
-              <a:t>Ergebnisse der Prozessanalyse</a:t>
+              <a:t>Problematik</a:t>
             </a:r>
             <a:endParaRPr lang="de-DE" dirty="0"/>
           </a:p>
@@ -7551,6 +8775,94 @@
           <a:bodyPr/>
           <a:lstStyle/>
           <a:p>
+            <a:r>
+              <a:rPr lang="de-DE" dirty="0" smtClean="0"/>
+              <a:t>Komplexität der proprietären Cinema 4D API</a:t>
+            </a:r>
+          </a:p>
+          <a:p>
+            <a:pPr lvl="1"/>
+            <a:r>
+              <a:rPr lang="de-DE" dirty="0" smtClean="0"/>
+              <a:t>Erschwerte das Debuggen</a:t>
+            </a:r>
+          </a:p>
+          <a:p>
+            <a:pPr lvl="1"/>
+            <a:r>
+              <a:rPr lang="de-DE" dirty="0" smtClean="0"/>
+              <a:t>Oft nötige Anpassungen durch API Updates</a:t>
+            </a:r>
+          </a:p>
+          <a:p>
+            <a:pPr lvl="1"/>
+            <a:r>
+              <a:rPr lang="de-DE" dirty="0" err="1" smtClean="0"/>
+              <a:t>Uniplug</a:t>
+            </a:r>
+            <a:r>
+              <a:rPr lang="de-DE" dirty="0" smtClean="0"/>
+              <a:t> Projekt musste</a:t>
+            </a:r>
+            <a:r>
+              <a:rPr lang="de-DE" baseline="0" dirty="0" smtClean="0"/>
+              <a:t> verwaltet und umstrukturiert werden</a:t>
+            </a:r>
+          </a:p>
+          <a:p>
+            <a:pPr lvl="0"/>
+            <a:r>
+              <a:rPr lang="de-DE" dirty="0" smtClean="0"/>
+              <a:t>Probleme mit den </a:t>
+            </a:r>
+            <a:r>
+              <a:rPr lang="de-DE" dirty="0" err="1" smtClean="0"/>
+              <a:t>managed</a:t>
+            </a:r>
+            <a:r>
+              <a:rPr lang="de-DE" dirty="0" smtClean="0"/>
+              <a:t> Code Bestandteilen des </a:t>
+            </a:r>
+            <a:r>
+              <a:rPr lang="de-DE" dirty="0" err="1" smtClean="0"/>
+              <a:t>Uniplug</a:t>
+            </a:r>
+            <a:r>
+              <a:rPr lang="de-DE" baseline="0" dirty="0" smtClean="0"/>
+              <a:t> Projekts</a:t>
+            </a:r>
+          </a:p>
+          <a:p>
+            <a:pPr lvl="1"/>
+            <a:r>
+              <a:rPr lang="de-DE" baseline="0" dirty="0" smtClean="0"/>
+              <a:t>GUI Problematik in Cinema 4D</a:t>
+            </a:r>
+          </a:p>
+          <a:p>
+            <a:pPr lvl="1"/>
+            <a:r>
+              <a:rPr lang="de-DE" baseline="0" dirty="0" err="1" smtClean="0"/>
+              <a:t>Plugin</a:t>
+            </a:r>
+            <a:r>
+              <a:rPr lang="de-DE" baseline="0" dirty="0" smtClean="0"/>
+              <a:t> Typen</a:t>
+            </a:r>
+          </a:p>
+          <a:p>
+            <a:pPr lvl="1"/>
+            <a:r>
+              <a:rPr lang="de-DE" baseline="0" dirty="0" smtClean="0"/>
+              <a:t>Datentypen in der C++ API </a:t>
+            </a:r>
+          </a:p>
+          <a:p>
+            <a:pPr lvl="2"/>
+            <a:r>
+              <a:rPr lang="de-DE" dirty="0" smtClean="0"/>
+              <a:t>Rückgabewerte</a:t>
+            </a:r>
             <a:endParaRPr lang="de-DE" dirty="0"/>
           </a:p>
         </p:txBody>
@@ -7558,7 +8870,7 @@
     </p:spTree>
     <p:extLst>
       <p:ext uri="{BB962C8B-B14F-4D97-AF65-F5344CB8AC3E}">
-        <p14:creationId xmlns:p14="http://schemas.microsoft.com/office/powerpoint/2010/main" val="4019340167"/>
+        <p14:creationId xmlns:p14="http://schemas.microsoft.com/office/powerpoint/2010/main" val="1788071976"/>
       </p:ext>
     </p:extLst>
   </p:cSld>
@@ -7609,39 +8921,64 @@
           <a:p>
             <a:r>
               <a:rPr lang="de-DE" dirty="0" smtClean="0"/>
-              <a:t>Ergebnisse der Konzeption</a:t>
+              <a:t>Ergebnisse der Prozessanalyse</a:t>
+            </a:r>
+            <a:endParaRPr lang="de-DE" dirty="0"/>
+          </a:p>
+        </p:txBody>
+      </p:sp>
+      <p:sp>
+        <p:nvSpPr>
+          <p:cNvPr id="3" name="Inhaltsplatzhalter 2"/>
+          <p:cNvSpPr>
+            <a:spLocks noGrp="1"/>
+          </p:cNvSpPr>
+          <p:nvPr>
+            <p:ph idx="1"/>
+          </p:nvPr>
+        </p:nvSpPr>
+        <p:spPr/>
+        <p:txBody>
+          <a:bodyPr>
+            <a:normAutofit/>
+          </a:bodyPr>
+          <a:lstStyle/>
+          <a:p>
+            <a:r>
+              <a:rPr lang="de-DE" dirty="0" smtClean="0"/>
+              <a:t>Tool Development ist ein wichtiger Produktionsschritt</a:t>
             </a:r>
             <a:r>
               <a:rPr lang="de-DE" baseline="0" dirty="0" smtClean="0"/>
-              <a:t> und Implementierung</a:t>
-            </a:r>
-            <a:endParaRPr lang="de-DE" dirty="0"/>
-          </a:p>
-        </p:txBody>
-      </p:sp>
-      <p:sp>
-        <p:nvSpPr>
-          <p:cNvPr id="3" name="Inhaltsplatzhalter 2"/>
-          <p:cNvSpPr>
-            <a:spLocks noGrp="1"/>
-          </p:cNvSpPr>
-          <p:nvPr>
-            <p:ph idx="1"/>
-          </p:nvPr>
-        </p:nvSpPr>
-        <p:spPr/>
-        <p:txBody>
-          <a:bodyPr/>
-          <a:lstStyle/>
-          <a:p>
-            <a:endParaRPr lang="de-DE"/>
+              <a:t> in der Spieleentwicklung.</a:t>
+            </a:r>
+          </a:p>
+          <a:p>
+            <a:r>
+              <a:rPr lang="de-DE" baseline="0" dirty="0" smtClean="0"/>
+              <a:t>Es ist sinnvoll den Prozess für das Produktionsteam transparent zu gestalten und das Team einzubinden.</a:t>
+            </a:r>
+          </a:p>
+          <a:p>
+            <a:pPr lvl="1"/>
+            <a:r>
+              <a:rPr lang="de-DE" dirty="0" smtClean="0"/>
+              <a:t>Erleichtert die Einhaltung der Anforderungen.</a:t>
+            </a:r>
+          </a:p>
+          <a:p>
+            <a:pPr lvl="1"/>
+            <a:r>
+              <a:rPr lang="de-DE" dirty="0" smtClean="0"/>
+              <a:t>Erhöht die Wiederverwendbarkeit und Qualität.</a:t>
+            </a:r>
           </a:p>
         </p:txBody>
       </p:sp>
     </p:spTree>
     <p:extLst>
       <p:ext uri="{BB962C8B-B14F-4D97-AF65-F5344CB8AC3E}">
-        <p14:creationId xmlns:p14="http://schemas.microsoft.com/office/powerpoint/2010/main" val="510153650"/>
+        <p14:creationId xmlns:p14="http://schemas.microsoft.com/office/powerpoint/2010/main" val="4019340167"/>
       </p:ext>
     </p:extLst>
   </p:cSld>
@@ -7922,4 +9259,265 @@
     </a:ext>
   </a:extLst>
 </a:theme>
+</file>
+
+<file path=ppt/theme/theme2.xml><?xml version="1.0" encoding="utf-8"?>
+<a:theme xmlns:a="http://schemas.openxmlformats.org/drawingml/2006/main" name="Office Theme">
+  <a:themeElements>
+    <a:clrScheme name="Office">
+      <a:dk1>
+        <a:sysClr val="windowText" lastClr="000000"/>
+      </a:dk1>
+      <a:lt1>
+        <a:sysClr val="window" lastClr="FFFFFF"/>
+      </a:lt1>
+      <a:dk2>
+        <a:srgbClr val="44546A"/>
+      </a:dk2>
+      <a:lt2>
+        <a:srgbClr val="E7E6E6"/>
+      </a:lt2>
+      <a:accent1>
+        <a:srgbClr val="5B9BD5"/>
+      </a:accent1>
+      <a:accent2>
+        <a:srgbClr val="ED7D31"/>
+      </a:accent2>
+      <a:accent3>
+        <a:srgbClr val="A5A5A5"/>
+      </a:accent3>
+      <a:accent4>
+        <a:srgbClr val="FFC000"/>
+      </a:accent4>
+      <a:accent5>
+        <a:srgbClr val="4472C4"/>
+      </a:accent5>
+      <a:accent6>
+        <a:srgbClr val="70AD47"/>
+      </a:accent6>
+      <a:hlink>
+        <a:srgbClr val="0563C1"/>
+      </a:hlink>
+      <a:folHlink>
+        <a:srgbClr val="954F72"/>
+      </a:folHlink>
+    </a:clrScheme>
+    <a:fontScheme name="Office">
+      <a:majorFont>
+        <a:latin typeface="Calibri Light" panose="020F0302020204030204"/>
+        <a:ea typeface=""/>
+        <a:cs typeface=""/>
+        <a:font script="Jpan" typeface="ＭＳ Ｐゴシック"/>
+        <a:font script="Hang" typeface="맑은 고딕"/>
+        <a:font script="Hans" typeface="宋体"/>
+        <a:font script="Hant" typeface="新細明體"/>
+        <a:font script="Arab" typeface="Times New Roman"/>
+        <a:font script="Hebr" typeface="Times New Roman"/>
+        <a:font script="Thai" typeface="Angsana New"/>
+        <a:font script="Ethi" typeface="Nyala"/>
+        <a:font script="Beng" typeface="Vrinda"/>
+        <a:font script="Gujr" typeface="Shruti"/>
+        <a:font script="Khmr" typeface="MoolBoran"/>
+        <a:font script="Knda" typeface="Tunga"/>
+        <a:font script="Guru" typeface="Raavi"/>
+        <a:font script="Cans" typeface="Euphemia"/>
+        <a:font script="Cher" typeface="Plantagenet Cherokee"/>
+        <a:font script="Yiii" typeface="Microsoft Yi Baiti"/>
+        <a:font script="Tibt" typeface="Microsoft Himalaya"/>
+        <a:font script="Thaa" typeface="MV Boli"/>
+        <a:font script="Deva" typeface="Mangal"/>
+        <a:font script="Telu" typeface="Gautami"/>
+        <a:font script="Taml" typeface="Latha"/>
+        <a:font script="Syrc" typeface="Estrangelo Edessa"/>
+        <a:font script="Orya" typeface="Kalinga"/>
+        <a:font script="Mlym" typeface="Kartika"/>
+        <a:font script="Laoo" typeface="DokChampa"/>
+        <a:font script="Sinh" typeface="Iskoola Pota"/>
+        <a:font script="Mong" typeface="Mongolian Baiti"/>
+        <a:font script="Viet" typeface="Times New Roman"/>
+        <a:font script="Uigh" typeface="Microsoft Uighur"/>
+        <a:font script="Geor" typeface="Sylfaen"/>
+      </a:majorFont>
+      <a:minorFont>
+        <a:latin typeface="Calibri" panose="020F0502020204030204"/>
+        <a:ea typeface=""/>
+        <a:cs typeface=""/>
+        <a:font script="Jpan" typeface="ＭＳ Ｐゴシック"/>
+        <a:font script="Hang" typeface="맑은 고딕"/>
+        <a:font script="Hans" typeface="宋体"/>
+        <a:font script="Hant" typeface="新細明體"/>
+        <a:font script="Arab" typeface="Arial"/>
+        <a:font script="Hebr" typeface="Arial"/>
+        <a:font script="Thai" typeface="Cordia New"/>
+        <a:font script="Ethi" typeface="Nyala"/>
+        <a:font script="Beng" typeface="Vrinda"/>
+        <a:font script="Gujr" typeface="Shruti"/>
+        <a:font script="Khmr" typeface="DaunPenh"/>
+        <a:font script="Knda" typeface="Tunga"/>
+        <a:font script="Guru" typeface="Raavi"/>
+        <a:font script="Cans" typeface="Euphemia"/>
+        <a:font script="Cher" typeface="Plantagenet Cherokee"/>
+        <a:font script="Yiii" typeface="Microsoft Yi Baiti"/>
+        <a:font script="Tibt" typeface="Microsoft Himalaya"/>
+        <a:font script="Thaa" typeface="MV Boli"/>
+        <a:font script="Deva" typeface="Mangal"/>
+        <a:font script="Telu" typeface="Gautami"/>
+        <a:font script="Taml" typeface="Latha"/>
+        <a:font script="Syrc" typeface="Estrangelo Edessa"/>
+        <a:font script="Orya" typeface="Kalinga"/>
+        <a:font script="Mlym" typeface="Kartika"/>
+        <a:font script="Laoo" typeface="DokChampa"/>
+        <a:font script="Sinh" typeface="Iskoola Pota"/>
+        <a:font script="Mong" typeface="Mongolian Baiti"/>
+        <a:font script="Viet" typeface="Arial"/>
+        <a:font script="Uigh" typeface="Microsoft Uighur"/>
+        <a:font script="Geor" typeface="Sylfaen"/>
+      </a:minorFont>
+    </a:fontScheme>
+    <a:fmtScheme name="Office">
+      <a:fillStyleLst>
+        <a:solidFill>
+          <a:schemeClr val="phClr"/>
+        </a:solidFill>
+        <a:gradFill rotWithShape="1">
+          <a:gsLst>
+            <a:gs pos="0">
+              <a:schemeClr val="phClr">
+                <a:lumMod val="110000"/>
+                <a:satMod val="105000"/>
+                <a:tint val="67000"/>
+              </a:schemeClr>
+            </a:gs>
+            <a:gs pos="50000">
+              <a:schemeClr val="phClr">
+                <a:lumMod val="105000"/>
+                <a:satMod val="103000"/>
+                <a:tint val="73000"/>
+              </a:schemeClr>
+            </a:gs>
+            <a:gs pos="100000">
+              <a:schemeClr val="phClr">
+                <a:lumMod val="105000"/>
+                <a:satMod val="109000"/>
+                <a:tint val="81000"/>
+              </a:schemeClr>
+            </a:gs>
+          </a:gsLst>
+          <a:lin ang="5400000" scaled="0"/>
+        </a:gradFill>
+        <a:gradFill rotWithShape="1">
+          <a:gsLst>
+            <a:gs pos="0">
+              <a:schemeClr val="phClr">
+                <a:satMod val="103000"/>
+                <a:lumMod val="102000"/>
+                <a:tint val="94000"/>
+              </a:schemeClr>
+            </a:gs>
+            <a:gs pos="50000">
+              <a:schemeClr val="phClr">
+                <a:satMod val="110000"/>
+                <a:lumMod val="100000"/>
+                <a:shade val="100000"/>
+              </a:schemeClr>
+            </a:gs>
+            <a:gs pos="100000">
+              <a:schemeClr val="phClr">
+                <a:lumMod val="99000"/>
+                <a:satMod val="120000"/>
+                <a:shade val="78000"/>
+              </a:schemeClr>
+            </a:gs>
+          </a:gsLst>
+          <a:lin ang="5400000" scaled="0"/>
+        </a:gradFill>
+      </a:fillStyleLst>
+      <a:lnStyleLst>
+        <a:ln w="6350" cap="flat" cmpd="sng" algn="ctr">
+          <a:solidFill>
+            <a:schemeClr val="phClr"/>
+          </a:solidFill>
+          <a:prstDash val="solid"/>
+          <a:miter lim="800000"/>
+        </a:ln>
+        <a:ln w="12700" cap="flat" cmpd="sng" algn="ctr">
+          <a:solidFill>
+            <a:schemeClr val="phClr"/>
+          </a:solidFill>
+          <a:prstDash val="solid"/>
+          <a:miter lim="800000"/>
+        </a:ln>
+        <a:ln w="19050" cap="flat" cmpd="sng" algn="ctr">
+          <a:solidFill>
+            <a:schemeClr val="phClr"/>
+          </a:solidFill>
+          <a:prstDash val="solid"/>
+          <a:miter lim="800000"/>
+        </a:ln>
+      </a:lnStyleLst>
+      <a:effectStyleLst>
+        <a:effectStyle>
+          <a:effectLst/>
+        </a:effectStyle>
+        <a:effectStyle>
+          <a:effectLst/>
+        </a:effectStyle>
+        <a:effectStyle>
+          <a:effectLst>
+            <a:outerShdw blurRad="57150" dist="19050" dir="5400000" algn="ctr" rotWithShape="0">
+              <a:srgbClr val="000000">
+                <a:alpha val="63000"/>
+              </a:srgbClr>
+            </a:outerShdw>
+          </a:effectLst>
+        </a:effectStyle>
+      </a:effectStyleLst>
+      <a:bgFillStyleLst>
+        <a:solidFill>
+          <a:schemeClr val="phClr"/>
+        </a:solidFill>
+        <a:solidFill>
+          <a:schemeClr val="phClr">
+            <a:tint val="95000"/>
+            <a:satMod val="170000"/>
+          </a:schemeClr>
+        </a:solidFill>
+        <a:gradFill rotWithShape="1">
+          <a:gsLst>
+            <a:gs pos="0">
+              <a:schemeClr val="phClr">
+                <a:tint val="93000"/>
+                <a:satMod val="150000"/>
+                <a:shade val="98000"/>
+                <a:lumMod val="102000"/>
+              </a:schemeClr>
+            </a:gs>
+            <a:gs pos="50000">
+              <a:schemeClr val="phClr">
+                <a:tint val="98000"/>
+                <a:satMod val="130000"/>
+                <a:shade val="90000"/>
+                <a:lumMod val="103000"/>
+              </a:schemeClr>
+            </a:gs>
+            <a:gs pos="100000">
+              <a:schemeClr val="phClr">
+                <a:shade val="63000"/>
+                <a:satMod val="120000"/>
+              </a:schemeClr>
+            </a:gs>
+          </a:gsLst>
+          <a:lin ang="5400000" scaled="0"/>
+        </a:gradFill>
+      </a:bgFillStyleLst>
+    </a:fmtScheme>
+  </a:themeElements>
+  <a:objectDefaults/>
+  <a:extraClrSchemeLst/>
+  <a:extLst>
+    <a:ext uri="{05A4C25C-085E-4340-85A3-A5531E510DB2}">
+      <thm15:themeFamily xmlns:thm15="http://schemas.microsoft.com/office/thememl/2012/main" name="Office Theme" id="{62F939B6-93AF-4DB8-9C6B-D6C7DFDC589F}" vid="{4A3C46E8-61CC-4603-A589-7422A47A8E4A}"/>
+    </a:ext>
+  </a:extLst>
+</a:theme>
 </file>
--- a/Disputation/Praesentation_DominikSteffen.pptx
+++ b/Disputation/Praesentation_DominikSteffen.pptx
@@ -5,7 +5,7 @@
     <p:sldMasterId id="2147483648" r:id="rId1"/>
   </p:sldMasterIdLst>
   <p:notesMasterIdLst>
-    <p:notesMasterId r:id="rId19"/>
+    <p:notesMasterId r:id="rId31"/>
   </p:notesMasterIdLst>
   <p:sldIdLst>
     <p:sldId id="256" r:id="rId2"/>
@@ -23,8 +23,20 @@
     <p:sldId id="272" r:id="rId14"/>
     <p:sldId id="265" r:id="rId15"/>
     <p:sldId id="266" r:id="rId16"/>
-    <p:sldId id="267" r:id="rId17"/>
-    <p:sldId id="268" r:id="rId18"/>
+    <p:sldId id="277" r:id="rId17"/>
+    <p:sldId id="273" r:id="rId18"/>
+    <p:sldId id="274" r:id="rId19"/>
+    <p:sldId id="275" r:id="rId20"/>
+    <p:sldId id="276" r:id="rId21"/>
+    <p:sldId id="278" r:id="rId22"/>
+    <p:sldId id="279" r:id="rId23"/>
+    <p:sldId id="281" r:id="rId24"/>
+    <p:sldId id="280" r:id="rId25"/>
+    <p:sldId id="284" r:id="rId26"/>
+    <p:sldId id="282" r:id="rId27"/>
+    <p:sldId id="283" r:id="rId28"/>
+    <p:sldId id="267" r:id="rId29"/>
+    <p:sldId id="268" r:id="rId30"/>
   </p:sldIdLst>
   <p:sldSz cx="12192000" cy="6858000"/>
   <p:notesSz cx="6858000" cy="9144000"/>
@@ -123,6 +135,11 @@
       </a:defRPr>
     </a:lvl9pPr>
   </p:defaultTextStyle>
+  <p:extLst>
+    <p:ext uri="{EFAFB233-063F-42B5-8137-9DF3F51BA10A}">
+      <p15:sldGuideLst xmlns:p15="http://schemas.microsoft.com/office/powerpoint/2012/main"/>
+    </p:ext>
+  </p:extLst>
 </p:presentation>
 </file>
 
@@ -208,7 +225,7 @@
           <a:p>
             <a:fld id="{7C160E95-576B-4A71-8EBB-932E408482CC}" type="datetimeFigureOut">
               <a:rPr lang="de-DE" smtClean="0"/>
-              <a:t>06.07.2015</a:t>
+              <a:t>07.07.2015</a:t>
             </a:fld>
             <a:endParaRPr lang="de-DE"/>
           </a:p>
@@ -609,6 +626,582 @@
           <a:lstStyle/>
           <a:p>
             <a:r>
+              <a:rPr lang="de-DE" sz="1200" kern="1200" dirty="0" smtClean="0">
+                <a:solidFill>
+                  <a:schemeClr val="tx1"/>
+                </a:solidFill>
+                <a:effectLst/>
+                <a:latin typeface="+mn-lt"/>
+                <a:ea typeface="+mn-ea"/>
+                <a:cs typeface="+mn-cs"/>
+              </a:rPr>
+              <a:t>Von einem Hintergrundprozess des Frameworks / Tools (beim Export oder Speichern des Projektes) als ein der </a:t>
+            </a:r>
+            <a:r>
+              <a:rPr lang="de-DE" sz="1200" kern="1200" dirty="0" err="1" smtClean="0">
+                <a:solidFill>
+                  <a:schemeClr val="tx1"/>
+                </a:solidFill>
+                <a:effectLst/>
+                <a:latin typeface="+mn-lt"/>
+                <a:ea typeface="+mn-ea"/>
+                <a:cs typeface="+mn-cs"/>
+              </a:rPr>
+              <a:t>GameEngine</a:t>
+            </a:r>
+            <a:r>
+              <a:rPr lang="de-DE" sz="1200" kern="1200" dirty="0" smtClean="0">
+                <a:solidFill>
+                  <a:schemeClr val="tx1"/>
+                </a:solidFill>
+                <a:effectLst/>
+                <a:latin typeface="+mn-lt"/>
+                <a:ea typeface="+mn-ea"/>
+                <a:cs typeface="+mn-cs"/>
+              </a:rPr>
+              <a:t> bekanntes binäres oder lesbares Format (z.B. </a:t>
+            </a:r>
+            <a:r>
+              <a:rPr lang="de-DE" sz="1200" kern="1200" dirty="0" err="1" smtClean="0">
+                <a:solidFill>
+                  <a:schemeClr val="tx1"/>
+                </a:solidFill>
+                <a:effectLst/>
+                <a:latin typeface="+mn-lt"/>
+                <a:ea typeface="+mn-ea"/>
+                <a:cs typeface="+mn-cs"/>
+              </a:rPr>
+              <a:t>Fusee</a:t>
+            </a:r>
+            <a:r>
+              <a:rPr lang="de-DE" sz="1200" kern="1200" dirty="0" smtClean="0">
+                <a:solidFill>
+                  <a:schemeClr val="tx1"/>
+                </a:solidFill>
+                <a:effectLst/>
+                <a:latin typeface="+mn-lt"/>
+                <a:ea typeface="+mn-ea"/>
+                <a:cs typeface="+mn-cs"/>
+              </a:rPr>
+              <a:t> .</a:t>
+            </a:r>
+            <a:r>
+              <a:rPr lang="de-DE" sz="1200" kern="1200" dirty="0" err="1" smtClean="0">
+                <a:solidFill>
+                  <a:schemeClr val="tx1"/>
+                </a:solidFill>
+                <a:effectLst/>
+                <a:latin typeface="+mn-lt"/>
+                <a:ea typeface="+mn-ea"/>
+                <a:cs typeface="+mn-cs"/>
+              </a:rPr>
+              <a:t>fus</a:t>
+            </a:r>
+            <a:r>
+              <a:rPr lang="de-DE" sz="1200" kern="1200" dirty="0" smtClean="0">
+                <a:solidFill>
+                  <a:schemeClr val="tx1"/>
+                </a:solidFill>
+                <a:effectLst/>
+                <a:latin typeface="+mn-lt"/>
+                <a:ea typeface="+mn-ea"/>
+                <a:cs typeface="+mn-cs"/>
+              </a:rPr>
+              <a:t> oder .</a:t>
+            </a:r>
+            <a:r>
+              <a:rPr lang="de-DE" sz="1200" kern="1200" dirty="0" err="1" smtClean="0">
+                <a:solidFill>
+                  <a:schemeClr val="tx1"/>
+                </a:solidFill>
+                <a:effectLst/>
+                <a:latin typeface="+mn-lt"/>
+                <a:ea typeface="+mn-ea"/>
+                <a:cs typeface="+mn-cs"/>
+              </a:rPr>
+              <a:t>fbx</a:t>
+            </a:r>
+            <a:r>
+              <a:rPr lang="de-DE" sz="1200" kern="1200" dirty="0" smtClean="0">
+                <a:solidFill>
+                  <a:schemeClr val="tx1"/>
+                </a:solidFill>
+                <a:effectLst/>
+                <a:latin typeface="+mn-lt"/>
+                <a:ea typeface="+mn-ea"/>
+                <a:cs typeface="+mn-cs"/>
+              </a:rPr>
+              <a:t>, oder per </a:t>
+            </a:r>
+            <a:r>
+              <a:rPr lang="de-DE" sz="1200" kern="1200" dirty="0" err="1" smtClean="0">
+                <a:solidFill>
+                  <a:schemeClr val="tx1"/>
+                </a:solidFill>
+                <a:effectLst/>
+                <a:latin typeface="+mn-lt"/>
+                <a:ea typeface="+mn-ea"/>
+                <a:cs typeface="+mn-cs"/>
+              </a:rPr>
+              <a:t>protocol</a:t>
+            </a:r>
+            <a:r>
+              <a:rPr lang="de-DE" sz="1200" kern="1200" dirty="0" smtClean="0">
+                <a:solidFill>
+                  <a:schemeClr val="tx1"/>
+                </a:solidFill>
+                <a:effectLst/>
+                <a:latin typeface="+mn-lt"/>
+                <a:ea typeface="+mn-ea"/>
+                <a:cs typeface="+mn-cs"/>
+              </a:rPr>
+              <a:t> </a:t>
+            </a:r>
+            <a:r>
+              <a:rPr lang="de-DE" sz="1200" kern="1200" dirty="0" err="1" smtClean="0">
+                <a:solidFill>
+                  <a:schemeClr val="tx1"/>
+                </a:solidFill>
+                <a:effectLst/>
+                <a:latin typeface="+mn-lt"/>
+                <a:ea typeface="+mn-ea"/>
+                <a:cs typeface="+mn-cs"/>
+              </a:rPr>
+              <a:t>buffers</a:t>
+            </a:r>
+            <a:r>
+              <a:rPr lang="de-DE" sz="1200" kern="1200" dirty="0" smtClean="0">
+                <a:solidFill>
+                  <a:schemeClr val="tx1"/>
+                </a:solidFill>
+                <a:effectLst/>
+                <a:latin typeface="+mn-lt"/>
+                <a:ea typeface="+mn-ea"/>
+                <a:cs typeface="+mn-cs"/>
+              </a:rPr>
+              <a:t>) exportieren. Hierbei eine Klasse / ein Konstrukt (</a:t>
+            </a:r>
+            <a:r>
+              <a:rPr lang="de-DE" sz="1200" kern="1200" dirty="0" err="1" smtClean="0">
+                <a:solidFill>
+                  <a:schemeClr val="tx1"/>
+                </a:solidFill>
+                <a:effectLst/>
+                <a:latin typeface="+mn-lt"/>
+                <a:ea typeface="+mn-ea"/>
+                <a:cs typeface="+mn-cs"/>
+              </a:rPr>
+              <a:t>Struct</a:t>
+            </a:r>
+            <a:r>
+              <a:rPr lang="de-DE" sz="1200" kern="1200" dirty="0" smtClean="0">
+                <a:solidFill>
+                  <a:schemeClr val="tx1"/>
+                </a:solidFill>
+                <a:effectLst/>
+                <a:latin typeface="+mn-lt"/>
+                <a:ea typeface="+mn-ea"/>
+                <a:cs typeface="+mn-cs"/>
+              </a:rPr>
+              <a:t>) mit einem spezifischen Namen / ID anlegen. Dieses Konstrukt enthält eine Verbindung zu den Daten (Pfade) des exportierten „</a:t>
+            </a:r>
+            <a:r>
+              <a:rPr lang="de-DE" sz="1200" kern="1200" dirty="0" err="1" smtClean="0">
+                <a:solidFill>
+                  <a:schemeClr val="tx1"/>
+                </a:solidFill>
+                <a:effectLst/>
+                <a:latin typeface="+mn-lt"/>
+                <a:ea typeface="+mn-ea"/>
+                <a:cs typeface="+mn-cs"/>
+              </a:rPr>
+              <a:t>Deliverable</a:t>
+            </a:r>
+            <a:r>
+              <a:rPr lang="de-DE" sz="1200" kern="1200" dirty="0" smtClean="0">
+                <a:solidFill>
+                  <a:schemeClr val="tx1"/>
+                </a:solidFill>
+                <a:effectLst/>
+                <a:latin typeface="+mn-lt"/>
+                <a:ea typeface="+mn-ea"/>
+                <a:cs typeface="+mn-cs"/>
+              </a:rPr>
+              <a:t>“ Objektes (</a:t>
+            </a:r>
+            <a:r>
+              <a:rPr lang="de-DE" sz="1200" kern="1200" dirty="0" err="1" smtClean="0">
+                <a:solidFill>
+                  <a:schemeClr val="tx1"/>
+                </a:solidFill>
+                <a:effectLst/>
+                <a:latin typeface="+mn-lt"/>
+                <a:ea typeface="+mn-ea"/>
+                <a:cs typeface="+mn-cs"/>
+              </a:rPr>
+              <a:t>Component</a:t>
+            </a:r>
+            <a:r>
+              <a:rPr lang="de-DE" sz="1200" kern="1200" dirty="0" smtClean="0">
+                <a:solidFill>
+                  <a:schemeClr val="tx1"/>
+                </a:solidFill>
+                <a:effectLst/>
+                <a:latin typeface="+mn-lt"/>
+                <a:ea typeface="+mn-ea"/>
+                <a:cs typeface="+mn-cs"/>
+              </a:rPr>
+              <a:t> basiertes System). Es enthält außerdem wenn nötig Prüfsummen (für Prüfung durch das Framework) zur Integrität des Objektes.</a:t>
+            </a:r>
+          </a:p>
+          <a:p>
+            <a:r>
+              <a:rPr lang="de-DE" sz="1200" kern="1200" dirty="0" smtClean="0">
+                <a:solidFill>
+                  <a:schemeClr val="tx1"/>
+                </a:solidFill>
+                <a:effectLst/>
+                <a:latin typeface="+mn-lt"/>
+                <a:ea typeface="+mn-ea"/>
+                <a:cs typeface="+mn-cs"/>
+              </a:rPr>
+              <a:t>Der </a:t>
+            </a:r>
+            <a:r>
+              <a:rPr lang="de-DE" sz="1200" kern="1200" dirty="0" err="1" smtClean="0">
+                <a:solidFill>
+                  <a:schemeClr val="tx1"/>
+                </a:solidFill>
+                <a:effectLst/>
+                <a:latin typeface="+mn-lt"/>
+                <a:ea typeface="+mn-ea"/>
+                <a:cs typeface="+mn-cs"/>
+              </a:rPr>
+              <a:t>Basistyp</a:t>
+            </a:r>
+            <a:r>
+              <a:rPr lang="de-DE" sz="1200" kern="1200" dirty="0" smtClean="0">
+                <a:solidFill>
+                  <a:schemeClr val="tx1"/>
+                </a:solidFill>
+                <a:effectLst/>
+                <a:latin typeface="+mn-lt"/>
+                <a:ea typeface="+mn-ea"/>
+                <a:cs typeface="+mn-cs"/>
+              </a:rPr>
+              <a:t> der Konstrukt-Klasse könnte von einer Engine eigenen „</a:t>
+            </a:r>
+            <a:r>
+              <a:rPr lang="de-DE" sz="1200" kern="1200" dirty="0" err="1" smtClean="0">
+                <a:solidFill>
+                  <a:schemeClr val="tx1"/>
+                </a:solidFill>
+                <a:effectLst/>
+                <a:latin typeface="+mn-lt"/>
+                <a:ea typeface="+mn-ea"/>
+                <a:cs typeface="+mn-cs"/>
+              </a:rPr>
+              <a:t>Object</a:t>
+            </a:r>
+            <a:r>
+              <a:rPr lang="de-DE" sz="1200" kern="1200" dirty="0" smtClean="0">
+                <a:solidFill>
+                  <a:schemeClr val="tx1"/>
+                </a:solidFill>
+                <a:effectLst/>
+                <a:latin typeface="+mn-lt"/>
+                <a:ea typeface="+mn-ea"/>
+                <a:cs typeface="+mn-cs"/>
+              </a:rPr>
+              <a:t>“ (generischer </a:t>
+            </a:r>
+            <a:r>
+              <a:rPr lang="de-DE" sz="1200" kern="1200" dirty="0" err="1" smtClean="0">
+                <a:solidFill>
+                  <a:schemeClr val="tx1"/>
+                </a:solidFill>
+                <a:effectLst/>
+                <a:latin typeface="+mn-lt"/>
+                <a:ea typeface="+mn-ea"/>
+                <a:cs typeface="+mn-cs"/>
+              </a:rPr>
+              <a:t>Assettyp</a:t>
+            </a:r>
+            <a:r>
+              <a:rPr lang="de-DE" sz="1200" kern="1200" dirty="0" smtClean="0">
+                <a:solidFill>
+                  <a:schemeClr val="tx1"/>
+                </a:solidFill>
+                <a:effectLst/>
+                <a:latin typeface="+mn-lt"/>
+                <a:ea typeface="+mn-ea"/>
+                <a:cs typeface="+mn-cs"/>
+              </a:rPr>
+              <a:t> für Engine Objekte / 3D Objekte etc.) Klasse abgeleitet sein.</a:t>
+            </a:r>
+          </a:p>
+          <a:p>
+            <a:r>
+              <a:rPr lang="de-DE" sz="1200" kern="1200" dirty="0" smtClean="0">
+                <a:solidFill>
+                  <a:schemeClr val="tx1"/>
+                </a:solidFill>
+                <a:effectLst/>
+                <a:latin typeface="+mn-lt"/>
+                <a:ea typeface="+mn-ea"/>
+                <a:cs typeface="+mn-cs"/>
+              </a:rPr>
+              <a:t>Das Objekt könnte als „Partial Class“ (mehrfach aufgeteilte Klassen zur Repräsentation eines Objekts, physikalisch separierte Dateien, nicht vom Compiler beachtet sondern eher für den Nutzer gedacht) repräsentiert werden. Somit würde der Entwickler ein „sauberes“ Objekt enthalten, während die nötigen Daten im zweiten Teil der „Partial Class“ stecken. Dieser wird  jedoch nur vom Framework kontrolliert und nicht durch den Programmierer bearbeitet. Natürlich müsste das Framework prüfen, ob das Objekt so schon vorhanden ist. Hierzu gleich noch eine Anmerkung.</a:t>
+            </a:r>
+          </a:p>
+          <a:p>
+            <a:r>
+              <a:rPr lang="de-DE" sz="1200" kern="1200" dirty="0" smtClean="0">
+                <a:solidFill>
+                  <a:schemeClr val="tx1"/>
+                </a:solidFill>
+                <a:effectLst/>
+                <a:latin typeface="+mn-lt"/>
+                <a:ea typeface="+mn-ea"/>
+                <a:cs typeface="+mn-cs"/>
+              </a:rPr>
+              <a:t>Für das Toolkit / Framework an sich benötigt es noch ein Informationsfile welches alle nötigen Pfade und wichtige Parameter sammelt, damit das Projekt im 3D Editor wieder rekonstruiert werden kann. Hierzu ist im System Design von </a:t>
+            </a:r>
+            <a:r>
+              <a:rPr lang="de-DE" sz="1200" kern="1200" dirty="0" err="1" smtClean="0">
+                <a:solidFill>
+                  <a:schemeClr val="tx1"/>
+                </a:solidFill>
+                <a:effectLst/>
+                <a:latin typeface="+mn-lt"/>
+                <a:ea typeface="+mn-ea"/>
+                <a:cs typeface="+mn-cs"/>
+              </a:rPr>
+              <a:t>FuseeAT</a:t>
+            </a:r>
+            <a:r>
+              <a:rPr lang="de-DE" sz="1200" kern="1200" dirty="0" smtClean="0">
+                <a:solidFill>
+                  <a:schemeClr val="tx1"/>
+                </a:solidFill>
+                <a:effectLst/>
+                <a:latin typeface="+mn-lt"/>
+                <a:ea typeface="+mn-ea"/>
+                <a:cs typeface="+mn-cs"/>
+              </a:rPr>
+              <a:t> das Konstrukt „</a:t>
+            </a:r>
+            <a:r>
+              <a:rPr lang="de-DE" sz="1200" kern="1200" dirty="0" err="1" smtClean="0">
+                <a:solidFill>
+                  <a:schemeClr val="tx1"/>
+                </a:solidFill>
+                <a:effectLst/>
+                <a:latin typeface="+mn-lt"/>
+                <a:ea typeface="+mn-ea"/>
+                <a:cs typeface="+mn-cs"/>
+              </a:rPr>
+              <a:t>struct</a:t>
+            </a:r>
+            <a:r>
+              <a:rPr lang="de-DE" sz="1200" kern="1200" dirty="0" smtClean="0">
+                <a:solidFill>
+                  <a:schemeClr val="tx1"/>
+                </a:solidFill>
+                <a:effectLst/>
+                <a:latin typeface="+mn-lt"/>
+                <a:ea typeface="+mn-ea"/>
+                <a:cs typeface="+mn-cs"/>
+              </a:rPr>
+              <a:t> </a:t>
+            </a:r>
+            <a:r>
+              <a:rPr lang="de-DE" sz="1200" kern="1200" dirty="0" err="1" smtClean="0">
+                <a:solidFill>
+                  <a:schemeClr val="tx1"/>
+                </a:solidFill>
+                <a:effectLst/>
+                <a:latin typeface="+mn-lt"/>
+                <a:ea typeface="+mn-ea"/>
+                <a:cs typeface="+mn-cs"/>
+              </a:rPr>
+              <a:t>ACRelationData</a:t>
+            </a:r>
+            <a:r>
+              <a:rPr lang="de-DE" sz="1200" kern="1200" dirty="0" smtClean="0">
+                <a:solidFill>
+                  <a:schemeClr val="tx1"/>
+                </a:solidFill>
+                <a:effectLst/>
+                <a:latin typeface="+mn-lt"/>
+                <a:ea typeface="+mn-ea"/>
+                <a:cs typeface="+mn-cs"/>
+              </a:rPr>
+              <a:t>“ vorgesehen. Es speichert die erwähnten Parameter über eine Asset Code Beziehung und wird anschließend als XML File </a:t>
+            </a:r>
+            <a:r>
+              <a:rPr lang="de-DE" sz="1200" kern="1200" dirty="0" err="1" smtClean="0">
+                <a:solidFill>
+                  <a:schemeClr val="tx1"/>
+                </a:solidFill>
+                <a:effectLst/>
+                <a:latin typeface="+mn-lt"/>
+                <a:ea typeface="+mn-ea"/>
+                <a:cs typeface="+mn-cs"/>
+              </a:rPr>
+              <a:t>serialisiert</a:t>
+            </a:r>
+            <a:r>
+              <a:rPr lang="de-DE" sz="1200" kern="1200" dirty="0" smtClean="0">
+                <a:solidFill>
+                  <a:schemeClr val="tx1"/>
+                </a:solidFill>
+                <a:effectLst/>
+                <a:latin typeface="+mn-lt"/>
+                <a:ea typeface="+mn-ea"/>
+                <a:cs typeface="+mn-cs"/>
+              </a:rPr>
+              <a:t>. Es wird benötigt, sollte ein Projekt im 3D Editor geöffnet werden um im Speichert die Beziehungen zuzuordnen.</a:t>
+            </a:r>
+          </a:p>
+          <a:p>
+            <a:r>
+              <a:rPr lang="de-DE" sz="1200" kern="1200" dirty="0" smtClean="0">
+                <a:solidFill>
+                  <a:schemeClr val="tx1"/>
+                </a:solidFill>
+                <a:effectLst/>
+                <a:latin typeface="+mn-lt"/>
+                <a:ea typeface="+mn-ea"/>
+                <a:cs typeface="+mn-cs"/>
+              </a:rPr>
+              <a:t>Der Programmierer kann nun im Code Objekte des gewünschten Typs instanziieren bzw. sie in ein Szene </a:t>
+            </a:r>
+            <a:r>
+              <a:rPr lang="de-DE" sz="1200" kern="1200" dirty="0" err="1" smtClean="0">
+                <a:solidFill>
+                  <a:schemeClr val="tx1"/>
+                </a:solidFill>
+                <a:effectLst/>
+                <a:latin typeface="+mn-lt"/>
+                <a:ea typeface="+mn-ea"/>
+                <a:cs typeface="+mn-cs"/>
+              </a:rPr>
+              <a:t>Node</a:t>
+            </a:r>
+            <a:r>
+              <a:rPr lang="de-DE" sz="1200" kern="1200" dirty="0" smtClean="0">
+                <a:solidFill>
+                  <a:schemeClr val="tx1"/>
+                </a:solidFill>
+                <a:effectLst/>
+                <a:latin typeface="+mn-lt"/>
+                <a:ea typeface="+mn-ea"/>
+                <a:cs typeface="+mn-cs"/>
+              </a:rPr>
+              <a:t> System integrieren.</a:t>
+            </a:r>
+          </a:p>
+          <a:p>
+            <a:r>
+              <a:rPr lang="de-DE" sz="1200" kern="1200" dirty="0" smtClean="0">
+                <a:solidFill>
+                  <a:schemeClr val="tx1"/>
+                </a:solidFill>
+                <a:effectLst/>
+                <a:latin typeface="+mn-lt"/>
+                <a:ea typeface="+mn-ea"/>
+                <a:cs typeface="+mn-cs"/>
+              </a:rPr>
+              <a:t>Der Vorteil ist, Informationen die von einem Code Generator stammen (in diesem Fall das Toolkit / Framework) verändern nicht den Code der  während der Entwicklung vom Programmierer geschrieben wurde.</a:t>
+            </a:r>
+          </a:p>
+          <a:p>
+            <a:endParaRPr lang="de-DE" dirty="0"/>
+          </a:p>
+        </p:txBody>
+      </p:sp>
+      <p:sp>
+        <p:nvSpPr>
+          <p:cNvPr id="4" name="Foliennummernplatzhalter 3"/>
+          <p:cNvSpPr>
+            <a:spLocks noGrp="1"/>
+          </p:cNvSpPr>
+          <p:nvPr>
+            <p:ph type="sldNum" sz="quarter" idx="10"/>
+          </p:nvPr>
+        </p:nvSpPr>
+        <p:spPr/>
+        <p:txBody>
+          <a:bodyPr/>
+          <a:lstStyle/>
+          <a:p>
+            <a:fld id="{B31920E4-02A0-409B-A8B9-098E88402350}" type="slidenum">
+              <a:rPr lang="de-DE" smtClean="0"/>
+              <a:t>15</a:t>
+            </a:fld>
+            <a:endParaRPr lang="de-DE"/>
+          </a:p>
+        </p:txBody>
+      </p:sp>
+    </p:spTree>
+    <p:extLst>
+      <p:ext uri="{BB962C8B-B14F-4D97-AF65-F5344CB8AC3E}">
+        <p14:creationId xmlns:p14="http://schemas.microsoft.com/office/powerpoint/2010/main" val="2809768598"/>
+      </p:ext>
+    </p:extLst>
+  </p:cSld>
+  <p:clrMapOvr>
+    <a:masterClrMapping/>
+  </p:clrMapOvr>
+</p:notes>
+</file>
+
+<file path=ppt/notesSlides/notesSlide3.xml><?xml version="1.0" encoding="utf-8"?>
+<p:notes xmlns:a="http://schemas.openxmlformats.org/drawingml/2006/main" xmlns:r="http://schemas.openxmlformats.org/officeDocument/2006/relationships" xmlns:p="http://schemas.openxmlformats.org/presentationml/2006/main">
+  <p:cSld>
+    <p:spTree>
+      <p:nvGrpSpPr>
+        <p:cNvPr id="1" name=""/>
+        <p:cNvGrpSpPr/>
+        <p:nvPr/>
+      </p:nvGrpSpPr>
+      <p:grpSpPr>
+        <a:xfrm>
+          <a:off x="0" y="0"/>
+          <a:ext cx="0" cy="0"/>
+          <a:chOff x="0" y="0"/>
+          <a:chExt cx="0" cy="0"/>
+        </a:xfrm>
+      </p:grpSpPr>
+      <p:sp>
+        <p:nvSpPr>
+          <p:cNvPr id="2" name="Folienbildplatzhalter 1"/>
+          <p:cNvSpPr>
+            <a:spLocks noGrp="1" noRot="1" noChangeAspect="1"/>
+          </p:cNvSpPr>
+          <p:nvPr>
+            <p:ph type="sldImg"/>
+          </p:nvPr>
+        </p:nvSpPr>
+        <p:spPr/>
+      </p:sp>
+      <p:sp>
+        <p:nvSpPr>
+          <p:cNvPr id="3" name="Notizenplatzhalter 2"/>
+          <p:cNvSpPr>
+            <a:spLocks noGrp="1"/>
+          </p:cNvSpPr>
+          <p:nvPr>
+            <p:ph type="body" idx="1"/>
+          </p:nvPr>
+        </p:nvSpPr>
+        <p:spPr/>
+        <p:txBody>
+          <a:bodyPr/>
+          <a:lstStyle/>
+          <a:p>
+            <a:r>
               <a:rPr lang="de-DE" dirty="0" smtClean="0"/>
               <a:t>Hier noch </a:t>
             </a:r>
@@ -645,7 +1238,7 @@
           <a:p>
             <a:fld id="{B31920E4-02A0-409B-A8B9-098E88402350}" type="slidenum">
               <a:rPr lang="de-DE" smtClean="0"/>
-              <a:t>17</a:t>
+              <a:t>29</a:t>
             </a:fld>
             <a:endParaRPr lang="de-DE"/>
           </a:p>
@@ -850,7 +1443,7 @@
           <a:p>
             <a:fld id="{4AAD347D-5ACD-4C99-B74B-A9C85AD731AF}" type="datetimeFigureOut">
               <a:rPr lang="en-US" dirty="0"/>
-              <a:t>7/6/2015</a:t>
+              <a:t>7/7/2015</a:t>
             </a:fld>
             <a:endParaRPr lang="en-US" dirty="0"/>
           </a:p>
@@ -1120,7 +1713,7 @@
           <a:p>
             <a:fld id="{4509A250-FF31-4206-8172-F9D3106AACB1}" type="datetimeFigureOut">
               <a:rPr lang="en-US" dirty="0"/>
-              <a:t>7/6/2015</a:t>
+              <a:t>7/7/2015</a:t>
             </a:fld>
             <a:endParaRPr lang="en-US" dirty="0"/>
           </a:p>
@@ -1309,7 +1902,7 @@
           <a:p>
             <a:fld id="{4509A250-FF31-4206-8172-F9D3106AACB1}" type="datetimeFigureOut">
               <a:rPr lang="en-US" dirty="0"/>
-              <a:t>7/6/2015</a:t>
+              <a:t>7/7/2015</a:t>
             </a:fld>
             <a:endParaRPr lang="en-US" dirty="0"/>
           </a:p>
@@ -1577,7 +2170,7 @@
           <a:p>
             <a:fld id="{4509A250-FF31-4206-8172-F9D3106AACB1}" type="datetimeFigureOut">
               <a:rPr lang="en-US" dirty="0"/>
-              <a:t>7/6/2015</a:t>
+              <a:t>7/7/2015</a:t>
             </a:fld>
             <a:endParaRPr lang="en-US" dirty="0"/>
           </a:p>
@@ -1913,7 +2506,7 @@
           <a:p>
             <a:fld id="{4509A250-FF31-4206-8172-F9D3106AACB1}" type="datetimeFigureOut">
               <a:rPr lang="en-US" dirty="0"/>
-              <a:t>7/6/2015</a:t>
+              <a:t>7/7/2015</a:t>
             </a:fld>
             <a:endParaRPr lang="en-US" dirty="0"/>
           </a:p>
@@ -2531,7 +3124,7 @@
           <a:p>
             <a:fld id="{4509A250-FF31-4206-8172-F9D3106AACB1}" type="datetimeFigureOut">
               <a:rPr lang="en-US" dirty="0"/>
-              <a:t>7/6/2015</a:t>
+              <a:t>7/7/2015</a:t>
             </a:fld>
             <a:endParaRPr lang="en-US" dirty="0"/>
           </a:p>
@@ -3386,7 +3979,7 @@
           <a:p>
             <a:fld id="{4509A250-FF31-4206-8172-F9D3106AACB1}" type="datetimeFigureOut">
               <a:rPr lang="en-US" dirty="0"/>
-              <a:t>7/6/2015</a:t>
+              <a:t>7/7/2015</a:t>
             </a:fld>
             <a:endParaRPr lang="en-US" dirty="0"/>
           </a:p>
@@ -3551,7 +4144,7 @@
           <a:p>
             <a:fld id="{4509A250-FF31-4206-8172-F9D3106AACB1}" type="datetimeFigureOut">
               <a:rPr lang="en-US" dirty="0"/>
-              <a:t>7/6/2015</a:t>
+              <a:t>7/7/2015</a:t>
             </a:fld>
             <a:endParaRPr lang="en-US" dirty="0"/>
           </a:p>
@@ -3726,7 +4319,7 @@
           <a:p>
             <a:fld id="{4509A250-FF31-4206-8172-F9D3106AACB1}" type="datetimeFigureOut">
               <a:rPr lang="en-US" dirty="0"/>
-              <a:t>7/6/2015</a:t>
+              <a:t>7/7/2015</a:t>
             </a:fld>
             <a:endParaRPr lang="en-US" dirty="0"/>
           </a:p>
@@ -3891,7 +4484,7 @@
           <a:p>
             <a:fld id="{4509A250-FF31-4206-8172-F9D3106AACB1}" type="datetimeFigureOut">
               <a:rPr lang="en-US" dirty="0"/>
-              <a:t>7/6/2015</a:t>
+              <a:t>7/7/2015</a:t>
             </a:fld>
             <a:endParaRPr lang="en-US" dirty="0"/>
           </a:p>
@@ -4133,7 +4726,7 @@
           <a:p>
             <a:fld id="{9796027F-7875-4030-9381-8BD8C4F21935}" type="datetimeFigureOut">
               <a:rPr lang="en-US" dirty="0"/>
-              <a:t>7/6/2015</a:t>
+              <a:t>7/7/2015</a:t>
             </a:fld>
             <a:endParaRPr lang="en-US" dirty="0"/>
           </a:p>
@@ -4420,7 +5013,7 @@
           <a:p>
             <a:fld id="{9796027F-7875-4030-9381-8BD8C4F21935}" type="datetimeFigureOut">
               <a:rPr lang="en-US" dirty="0"/>
-              <a:t>7/6/2015</a:t>
+              <a:t>7/7/2015</a:t>
             </a:fld>
             <a:endParaRPr lang="en-US" dirty="0"/>
           </a:p>
@@ -4859,7 +5452,7 @@
           <a:p>
             <a:fld id="{9796027F-7875-4030-9381-8BD8C4F21935}" type="datetimeFigureOut">
               <a:rPr lang="en-US" dirty="0"/>
-              <a:t>7/6/2015</a:t>
+              <a:t>7/7/2015</a:t>
             </a:fld>
             <a:endParaRPr lang="en-US" dirty="0"/>
           </a:p>
@@ -4972,7 +5565,7 @@
           <a:p>
             <a:fld id="{4509A250-FF31-4206-8172-F9D3106AACB1}" type="datetimeFigureOut">
               <a:rPr lang="en-US" dirty="0"/>
-              <a:t>7/6/2015</a:t>
+              <a:t>7/7/2015</a:t>
             </a:fld>
             <a:endParaRPr lang="en-US" dirty="0"/>
           </a:p>
@@ -5062,7 +5655,7 @@
           <a:p>
             <a:fld id="{4509A250-FF31-4206-8172-F9D3106AACB1}" type="datetimeFigureOut">
               <a:rPr lang="en-US" dirty="0"/>
-              <a:t>7/6/2015</a:t>
+              <a:t>7/7/2015</a:t>
             </a:fld>
             <a:endParaRPr lang="en-US" dirty="0"/>
           </a:p>
@@ -5336,7 +5929,7 @@
           <a:p>
             <a:fld id="{4509A250-FF31-4206-8172-F9D3106AACB1}" type="datetimeFigureOut">
               <a:rPr lang="en-US" dirty="0"/>
-              <a:t>7/6/2015</a:t>
+              <a:t>7/7/2015</a:t>
             </a:fld>
             <a:endParaRPr lang="en-US" dirty="0"/>
           </a:p>
@@ -5606,7 +6199,7 @@
           <a:p>
             <a:fld id="{4509A250-FF31-4206-8172-F9D3106AACB1}" type="datetimeFigureOut">
               <a:rPr lang="en-US" dirty="0"/>
-              <a:t>7/6/2015</a:t>
+              <a:t>7/7/2015</a:t>
             </a:fld>
             <a:endParaRPr lang="en-US" dirty="0"/>
           </a:p>
@@ -5994,7 +6587,7 @@
           <a:p>
             <a:fld id="{4AAD347D-5ACD-4C99-B74B-A9C85AD731AF}" type="datetimeFigureOut">
               <a:rPr lang="en-US" dirty="0"/>
-              <a:t>7/6/2015</a:t>
+              <a:t>7/7/2015</a:t>
             </a:fld>
             <a:endParaRPr lang="en-US" dirty="0"/>
           </a:p>
@@ -7303,9 +7896,21 @@
           <a:p>
             <a:r>
               <a:rPr lang="de-DE" dirty="0" smtClean="0"/>
-              <a:t>Fragen Block A (Prof. Taube)</a:t>
-            </a:r>
-            <a:endParaRPr lang="de-DE" dirty="0"/>
+              <a:t>Fragen Block A </a:t>
+            </a:r>
+            <a:r>
+              <a:rPr lang="de-DE" sz="2000" i="1" dirty="0" smtClean="0"/>
+              <a:t>(Prof. </a:t>
+            </a:r>
+            <a:r>
+              <a:rPr lang="de-DE" sz="2000" i="1" dirty="0" smtClean="0"/>
+              <a:t>Dr. W. Taube</a:t>
+            </a:r>
+            <a:r>
+              <a:rPr lang="de-DE" sz="2000" i="1" dirty="0" smtClean="0"/>
+              <a:t>)</a:t>
+            </a:r>
+            <a:endParaRPr lang="de-DE" sz="2000" i="1" dirty="0"/>
           </a:p>
         </p:txBody>
       </p:sp>
@@ -7382,9 +7987,33 @@
           <a:p>
             <a:r>
               <a:rPr lang="de-DE" dirty="0" smtClean="0"/>
-              <a:t>Fragen Block B (Prof. Müller)</a:t>
-            </a:r>
-            <a:endParaRPr lang="de-DE" dirty="0"/>
+              <a:t>Fragen Block B</a:t>
+            </a:r>
+            <a:r>
+              <a:rPr lang="de-DE" dirty="0" smtClean="0"/>
+              <a:t> </a:t>
+            </a:r>
+            <a:r>
+              <a:rPr lang="de-DE" sz="2000" i="1" dirty="0" smtClean="0"/>
+              <a:t>(</a:t>
+            </a:r>
+            <a:r>
+              <a:rPr lang="de-DE" sz="2000" i="1" dirty="0" smtClean="0"/>
+              <a:t>Prof</a:t>
+            </a:r>
+            <a:r>
+              <a:rPr lang="de-DE" sz="2000" i="1" dirty="0" smtClean="0"/>
+              <a:t>. </a:t>
+            </a:r>
+            <a:r>
+              <a:rPr lang="de-DE" sz="2000" i="1" dirty="0" smtClean="0"/>
+              <a:t>C. Müller</a:t>
+            </a:r>
+            <a:r>
+              <a:rPr lang="de-DE" sz="2000" i="1" dirty="0" smtClean="0"/>
+              <a:t>)</a:t>
+            </a:r>
+            <a:endParaRPr lang="de-DE" sz="2000" i="1" dirty="0"/>
           </a:p>
         </p:txBody>
       </p:sp>
@@ -7400,10 +8029,32 @@
         </p:nvSpPr>
         <p:spPr/>
         <p:txBody>
-          <a:bodyPr/>
-          <a:lstStyle/>
-          <a:p>
-            <a:endParaRPr lang="de-DE"/>
+          <a:bodyPr>
+            <a:normAutofit/>
+          </a:bodyPr>
+          <a:lstStyle/>
+          <a:p>
+            <a:pPr lvl="0"/>
+            <a:r>
+              <a:rPr lang="de-DE" sz="2400" b="1" dirty="0" smtClean="0"/>
+              <a:t>F1: Welche </a:t>
+            </a:r>
+            <a:r>
+              <a:rPr lang="de-DE" sz="2400" b="1" dirty="0"/>
+              <a:t>Möglichkeiten gibt es, von 3D-Modellierern erzeugte „</a:t>
+            </a:r>
+            <a:r>
+              <a:rPr lang="de-DE" sz="2400" b="1" dirty="0" err="1"/>
+              <a:t>Deliverables</a:t>
+            </a:r>
+            <a:r>
+              <a:rPr lang="de-DE" sz="2400" b="1" dirty="0"/>
+              <a:t>“ (3D-Objekte, 3D-Objekt-Bestandteile, -Eigenschaften) automatisiert als geeignete programmiersprachliche Konstrukte (Klassen/Objekte/Eigenschaften) zu repräsentieren, so dass Programmierer darauf Zugriff haben</a:t>
+            </a:r>
+            <a:r>
+              <a:rPr lang="de-DE" sz="2400" b="1" dirty="0" smtClean="0"/>
+              <a:t>?</a:t>
+            </a:r>
           </a:p>
         </p:txBody>
       </p:sp>
@@ -7460,8 +8111,20 @@
           <a:lstStyle/>
           <a:p>
             <a:r>
-              <a:rPr lang="de-DE" dirty="0" smtClean="0"/>
-              <a:t>Abschluss</a:t>
+              <a:rPr lang="de-DE" dirty="0">
+                <a:solidFill>
+                  <a:srgbClr val="EBEBEB"/>
+                </a:solidFill>
+              </a:rPr>
+              <a:t>Fragen Block B </a:t>
+            </a:r>
+            <a:r>
+              <a:rPr lang="de-DE" sz="2000" i="1" dirty="0">
+                <a:solidFill>
+                  <a:srgbClr val="EBEBEB"/>
+                </a:solidFill>
+              </a:rPr>
+              <a:t>(Prof. C. Müller)</a:t>
             </a:r>
             <a:endParaRPr lang="de-DE" dirty="0"/>
           </a:p>
@@ -7469,30 +8132,243 @@
       </p:sp>
       <p:sp>
         <p:nvSpPr>
-          <p:cNvPr id="3" name="Inhaltsplatzhalter 2"/>
-          <p:cNvSpPr>
-            <a:spLocks noGrp="1"/>
-          </p:cNvSpPr>
-          <p:nvPr>
-            <p:ph idx="1"/>
-          </p:nvPr>
-        </p:nvSpPr>
-        <p:spPr/>
-        <p:txBody>
-          <a:bodyPr/>
-          <a:lstStyle/>
-          <a:p>
-            <a:r>
-              <a:rPr lang="de-DE" dirty="0" smtClean="0"/>
-              <a:t>Fragen und Diskussion des Auditoriums.</a:t>
-            </a:r>
+          <p:cNvPr id="4" name="Abgerundetes Rechteck 3"/>
+          <p:cNvSpPr/>
+          <p:nvPr/>
+        </p:nvSpPr>
+        <p:spPr>
+          <a:xfrm>
+            <a:off x="1498166" y="3158836"/>
+            <a:ext cx="1847707" cy="1018309"/>
+          </a:xfrm>
+          <a:prstGeom prst="roundRect">
+            <a:avLst/>
+          </a:prstGeom>
+          <a:ln>
+            <a:noFill/>
+          </a:ln>
+        </p:spPr>
+        <p:style>
+          <a:lnRef idx="2">
+            <a:schemeClr val="accent6"/>
+          </a:lnRef>
+          <a:fillRef idx="1001">
+            <a:schemeClr val="lt1"/>
+          </a:fillRef>
+          <a:effectRef idx="0">
+            <a:schemeClr val="accent6"/>
+          </a:effectRef>
+          <a:fontRef idx="minor">
+            <a:schemeClr val="dk1"/>
+          </a:fontRef>
+        </p:style>
+        <p:txBody>
+          <a:bodyPr rtlCol="0" anchor="ctr"/>
+          <a:lstStyle/>
+          <a:p>
+            <a:pPr algn="ctr"/>
+            <a:r>
+              <a:rPr lang="de-DE" b="1" dirty="0" smtClean="0"/>
+              <a:t>Trigger </a:t>
+            </a:r>
+          </a:p>
+          <a:p>
+            <a:pPr algn="ctr"/>
+            <a:r>
+              <a:rPr lang="de-DE" b="1" dirty="0" smtClean="0"/>
+              <a:t>im Editor</a:t>
+            </a:r>
+            <a:endParaRPr lang="de-DE" b="1" dirty="0"/>
+          </a:p>
+        </p:txBody>
+      </p:sp>
+      <p:sp>
+        <p:nvSpPr>
+          <p:cNvPr id="5" name="Abgerundetes Rechteck 4"/>
+          <p:cNvSpPr/>
+          <p:nvPr/>
+        </p:nvSpPr>
+        <p:spPr>
+          <a:xfrm>
+            <a:off x="5250699" y="3158835"/>
+            <a:ext cx="1847707" cy="1018309"/>
+          </a:xfrm>
+          <a:prstGeom prst="roundRect">
+            <a:avLst/>
+          </a:prstGeom>
+          <a:ln>
+            <a:noFill/>
+          </a:ln>
+        </p:spPr>
+        <p:style>
+          <a:lnRef idx="2">
+            <a:schemeClr val="accent6"/>
+          </a:lnRef>
+          <a:fillRef idx="1001">
+            <a:schemeClr val="lt1"/>
+          </a:fillRef>
+          <a:effectRef idx="0">
+            <a:schemeClr val="accent6"/>
+          </a:effectRef>
+          <a:fontRef idx="minor">
+            <a:schemeClr val="dk1"/>
+          </a:fontRef>
+        </p:style>
+        <p:txBody>
+          <a:bodyPr rtlCol="0" anchor="ctr"/>
+          <a:lstStyle/>
+          <a:p>
+            <a:pPr algn="ctr"/>
+            <a:r>
+              <a:rPr lang="de-DE" b="1" dirty="0" smtClean="0"/>
+              <a:t>Aktion</a:t>
+            </a:r>
+          </a:p>
+          <a:p>
+            <a:pPr algn="ctr"/>
+            <a:r>
+              <a:rPr lang="de-DE" b="1" dirty="0" smtClean="0"/>
+              <a:t>des </a:t>
+            </a:r>
+            <a:r>
+              <a:rPr lang="de-DE" b="1" dirty="0" err="1" smtClean="0"/>
+              <a:t>FuseeAT</a:t>
+            </a:r>
+            <a:endParaRPr lang="de-DE" b="1" dirty="0"/>
+          </a:p>
+        </p:txBody>
+      </p:sp>
+      <p:sp>
+        <p:nvSpPr>
+          <p:cNvPr id="6" name="Abgerundetes Rechteck 5"/>
+          <p:cNvSpPr/>
+          <p:nvPr/>
+        </p:nvSpPr>
+        <p:spPr>
+          <a:xfrm>
+            <a:off x="9003233" y="3158836"/>
+            <a:ext cx="2095202" cy="1018309"/>
+          </a:xfrm>
+          <a:prstGeom prst="roundRect">
+            <a:avLst/>
+          </a:prstGeom>
+          <a:ln>
+            <a:noFill/>
+          </a:ln>
+        </p:spPr>
+        <p:style>
+          <a:lnRef idx="2">
+            <a:schemeClr val="accent6"/>
+          </a:lnRef>
+          <a:fillRef idx="1001">
+            <a:schemeClr val="lt1"/>
+          </a:fillRef>
+          <a:effectRef idx="0">
+            <a:schemeClr val="accent6"/>
+          </a:effectRef>
+          <a:fontRef idx="minor">
+            <a:schemeClr val="dk1"/>
+          </a:fontRef>
+        </p:style>
+        <p:txBody>
+          <a:bodyPr rtlCol="0" anchor="ctr"/>
+          <a:lstStyle/>
+          <a:p>
+            <a:pPr algn="ctr"/>
+            <a:r>
+              <a:rPr lang="de-DE" b="1" dirty="0" smtClean="0"/>
+              <a:t>Repräsentation der Daten</a:t>
+            </a:r>
+            <a:endParaRPr lang="de-DE" b="1" dirty="0"/>
+          </a:p>
+        </p:txBody>
+      </p:sp>
+      <p:sp>
+        <p:nvSpPr>
+          <p:cNvPr id="7" name="Pfeil nach rechts 6"/>
+          <p:cNvSpPr/>
+          <p:nvPr/>
+        </p:nvSpPr>
+        <p:spPr>
+          <a:xfrm>
+            <a:off x="3955386" y="3475755"/>
+            <a:ext cx="685800" cy="384465"/>
+          </a:xfrm>
+          <a:prstGeom prst="rightArrow">
+            <a:avLst/>
+          </a:prstGeom>
+          <a:ln>
+            <a:noFill/>
+          </a:ln>
+        </p:spPr>
+        <p:style>
+          <a:lnRef idx="2">
+            <a:schemeClr val="accent6"/>
+          </a:lnRef>
+          <a:fillRef idx="1">
+            <a:schemeClr val="lt1"/>
+          </a:fillRef>
+          <a:effectRef idx="0">
+            <a:schemeClr val="accent6"/>
+          </a:effectRef>
+          <a:fontRef idx="minor">
+            <a:schemeClr val="dk1"/>
+          </a:fontRef>
+        </p:style>
+        <p:txBody>
+          <a:bodyPr rtlCol="0" anchor="ctr"/>
+          <a:lstStyle/>
+          <a:p>
+            <a:pPr algn="ctr"/>
+            <a:endParaRPr lang="de-DE"/>
+          </a:p>
+        </p:txBody>
+      </p:sp>
+      <p:sp>
+        <p:nvSpPr>
+          <p:cNvPr id="9" name="Pfeil nach rechts 8"/>
+          <p:cNvSpPr/>
+          <p:nvPr/>
+        </p:nvSpPr>
+        <p:spPr>
+          <a:xfrm>
+            <a:off x="7707919" y="3512120"/>
+            <a:ext cx="685800" cy="384465"/>
+          </a:xfrm>
+          <a:prstGeom prst="rightArrow">
+            <a:avLst/>
+          </a:prstGeom>
+          <a:ln>
+            <a:noFill/>
+          </a:ln>
+        </p:spPr>
+        <p:style>
+          <a:lnRef idx="2">
+            <a:schemeClr val="accent6"/>
+          </a:lnRef>
+          <a:fillRef idx="1">
+            <a:schemeClr val="lt1"/>
+          </a:fillRef>
+          <a:effectRef idx="0">
+            <a:schemeClr val="accent6"/>
+          </a:effectRef>
+          <a:fontRef idx="minor">
+            <a:schemeClr val="dk1"/>
+          </a:fontRef>
+        </p:style>
+        <p:txBody>
+          <a:bodyPr rtlCol="0" anchor="ctr"/>
+          <a:lstStyle/>
+          <a:p>
+            <a:pPr algn="ctr"/>
+            <a:endParaRPr lang="de-DE"/>
           </a:p>
         </p:txBody>
       </p:sp>
     </p:spTree>
     <p:extLst>
       <p:ext uri="{BB962C8B-B14F-4D97-AF65-F5344CB8AC3E}">
-        <p14:creationId xmlns:p14="http://schemas.microsoft.com/office/powerpoint/2010/main" val="1620754771"/>
+        <p14:creationId xmlns:p14="http://schemas.microsoft.com/office/powerpoint/2010/main" val="281458669"/>
       </p:ext>
     </p:extLst>
   </p:cSld>
@@ -7542,10 +8418,14 @@
           <a:lstStyle/>
           <a:p>
             <a:r>
-              <a:rPr lang="de-DE" dirty="0" smtClean="0"/>
-              <a:t>Verabschiedung und Dank</a:t>
-            </a:r>
-            <a:endParaRPr lang="de-DE" dirty="0"/>
+              <a:rPr lang="de-DE" dirty="0"/>
+              <a:t>Fragen Block B </a:t>
+            </a:r>
+            <a:r>
+              <a:rPr lang="de-DE" sz="2000" i="1" dirty="0"/>
+              <a:t>(Prof. C. Müller)</a:t>
+            </a:r>
+            <a:endParaRPr lang="de-DE" sz="2000" dirty="0"/>
           </a:p>
         </p:txBody>
       </p:sp>
@@ -7566,25 +8446,437 @@
           <a:p>
             <a:r>
               <a:rPr lang="de-DE" dirty="0" smtClean="0"/>
-              <a:t>Vielen</a:t>
+              <a:t>Trigger zu Beginn:</a:t>
+            </a:r>
+          </a:p>
+          <a:p>
+            <a:pPr lvl="1"/>
+            <a:r>
+              <a:rPr lang="de-DE" dirty="0" smtClean="0"/>
+              <a:t>Von einem Hintergrundprozess oder GUI Aktion (Speichern eines Projektes) ausgehend.</a:t>
+            </a:r>
+          </a:p>
+          <a:p>
+            <a:pPr lvl="0"/>
+            <a:r>
+              <a:rPr lang="de-DE" dirty="0" smtClean="0"/>
+              <a:t>Endbedingungen:</a:t>
             </a:r>
             <a:r>
               <a:rPr lang="de-DE" baseline="0" dirty="0" smtClean="0"/>
-              <a:t> Dank an die Betreuer der Arbeit für ihre Unterstützung.</a:t>
-            </a:r>
-          </a:p>
-          <a:p>
+              <a:t> </a:t>
+            </a:r>
+            <a:r>
+              <a:rPr lang="de-DE" dirty="0" smtClean="0"/>
+              <a:t>Die</a:t>
+            </a:r>
             <a:r>
               <a:rPr lang="de-DE" baseline="0" dirty="0" smtClean="0"/>
-              <a:t>Vielen Dank an die Fakultät Digitale Medien für die Unterstützung in meiner Tätigkeit als Akademischer Mitarbeiter während des Bearbeitungszeitraums.</a:t>
-            </a:r>
+              <a:t> </a:t>
+            </a:r>
+            <a:r>
+              <a:rPr lang="de-DE" dirty="0" smtClean="0"/>
+              <a:t>„Objektrelation“ muss für das </a:t>
+            </a:r>
+            <a:r>
+              <a:rPr lang="de-DE" dirty="0" err="1" smtClean="0"/>
+              <a:t>FuseeAT</a:t>
+            </a:r>
+            <a:r>
+              <a:rPr lang="de-DE" dirty="0" smtClean="0"/>
+              <a:t> </a:t>
+            </a:r>
+            <a:r>
+              <a:rPr lang="de-DE" baseline="0" dirty="0" smtClean="0"/>
+              <a:t>identifizierbar bleiben.</a:t>
+            </a:r>
+          </a:p>
+          <a:p>
+            <a:pPr lvl="1"/>
+            <a:r>
+              <a:rPr lang="de-DE" baseline="0" dirty="0" smtClean="0"/>
+              <a:t>Lesbares Format mit Informationen für das </a:t>
+            </a:r>
+            <a:r>
+              <a:rPr lang="de-DE" baseline="0" dirty="0" err="1" smtClean="0"/>
+              <a:t>FuseeAT</a:t>
+            </a:r>
+            <a:r>
+              <a:rPr lang="de-DE" baseline="0" dirty="0" smtClean="0"/>
+              <a:t> (XML in </a:t>
+            </a:r>
+            <a:r>
+              <a:rPr lang="de-DE" baseline="0" dirty="0" err="1" smtClean="0"/>
+              <a:t>FuseeAT</a:t>
+            </a:r>
+            <a:r>
+              <a:rPr lang="de-DE" baseline="0" dirty="0" smtClean="0"/>
+              <a:t>) enthält:</a:t>
+            </a:r>
+          </a:p>
+          <a:p>
+            <a:pPr lvl="2"/>
+            <a:r>
+              <a:rPr lang="de-DE" baseline="0" dirty="0" smtClean="0"/>
+              <a:t>IDs</a:t>
+            </a:r>
+          </a:p>
+          <a:p>
+            <a:pPr lvl="2"/>
+            <a:r>
+              <a:rPr lang="de-DE" baseline="0" dirty="0" smtClean="0"/>
+              <a:t>Pfade</a:t>
+            </a:r>
+          </a:p>
+          <a:p>
+            <a:pPr lvl="2"/>
+            <a:r>
+              <a:rPr lang="de-DE" baseline="0" dirty="0" smtClean="0"/>
+              <a:t>Prüfsummen</a:t>
+            </a:r>
+          </a:p>
+          <a:p>
+            <a:r>
+              <a:rPr lang="de-DE" dirty="0" smtClean="0"/>
+              <a:t>Wie kann also die das Problem der Aktion gelöst werden?</a:t>
+            </a:r>
+            <a:endParaRPr lang="de-DE" baseline="0" dirty="0" smtClean="0"/>
           </a:p>
         </p:txBody>
       </p:sp>
     </p:spTree>
     <p:extLst>
       <p:ext uri="{BB962C8B-B14F-4D97-AF65-F5344CB8AC3E}">
-        <p14:creationId xmlns:p14="http://schemas.microsoft.com/office/powerpoint/2010/main" val="1386344869"/>
+        <p14:creationId xmlns:p14="http://schemas.microsoft.com/office/powerpoint/2010/main" val="1414374061"/>
+      </p:ext>
+    </p:extLst>
+  </p:cSld>
+  <p:clrMapOvr>
+    <a:masterClrMapping/>
+  </p:clrMapOvr>
+  <p:timing>
+    <p:tnLst>
+      <p:par>
+        <p:cTn id="1" dur="indefinite" restart="never" nodeType="tmRoot"/>
+      </p:par>
+    </p:tnLst>
+  </p:timing>
+</p:sld>
+</file>
+
+<file path=ppt/slides/slide18.xml><?xml version="1.0" encoding="utf-8"?>
+<p:sld xmlns:a="http://schemas.openxmlformats.org/drawingml/2006/main" xmlns:r="http://schemas.openxmlformats.org/officeDocument/2006/relationships" xmlns:p="http://schemas.openxmlformats.org/presentationml/2006/main">
+  <p:cSld>
+    <p:spTree>
+      <p:nvGrpSpPr>
+        <p:cNvPr id="1" name=""/>
+        <p:cNvGrpSpPr/>
+        <p:nvPr/>
+      </p:nvGrpSpPr>
+      <p:grpSpPr>
+        <a:xfrm>
+          <a:off x="0" y="0"/>
+          <a:ext cx="0" cy="0"/>
+          <a:chOff x="0" y="0"/>
+          <a:chExt cx="0" cy="0"/>
+        </a:xfrm>
+      </p:grpSpPr>
+      <p:sp>
+        <p:nvSpPr>
+          <p:cNvPr id="2" name="Titel 1"/>
+          <p:cNvSpPr>
+            <a:spLocks noGrp="1"/>
+          </p:cNvSpPr>
+          <p:nvPr>
+            <p:ph type="title"/>
+          </p:nvPr>
+        </p:nvSpPr>
+        <p:spPr/>
+        <p:txBody>
+          <a:bodyPr/>
+          <a:lstStyle/>
+          <a:p>
+            <a:r>
+              <a:rPr lang="de-DE" dirty="0" smtClean="0"/>
+              <a:t>Fragen</a:t>
+            </a:r>
+            <a:r>
+              <a:rPr lang="de-DE" baseline="0" dirty="0" smtClean="0"/>
+              <a:t> Block B </a:t>
+            </a:r>
+            <a:r>
+              <a:rPr lang="de-DE" sz="2000" i="1" baseline="0" dirty="0" smtClean="0"/>
+              <a:t>(Prof. C. Müller)</a:t>
+            </a:r>
+            <a:endParaRPr lang="de-DE" sz="2000" i="1" dirty="0"/>
+          </a:p>
+        </p:txBody>
+      </p:sp>
+      <p:sp>
+        <p:nvSpPr>
+          <p:cNvPr id="3" name="Inhaltsplatzhalter 2"/>
+          <p:cNvSpPr>
+            <a:spLocks noGrp="1"/>
+          </p:cNvSpPr>
+          <p:nvPr>
+            <p:ph idx="1"/>
+          </p:nvPr>
+        </p:nvSpPr>
+        <p:spPr/>
+        <p:txBody>
+          <a:bodyPr>
+            <a:normAutofit lnSpcReduction="10000"/>
+          </a:bodyPr>
+          <a:lstStyle/>
+          <a:p>
+            <a:r>
+              <a:rPr lang="de-DE" dirty="0" smtClean="0"/>
+              <a:t>„</a:t>
+            </a:r>
+            <a:r>
+              <a:rPr lang="de-DE" dirty="0" err="1" smtClean="0"/>
+              <a:t>Deliverable</a:t>
+            </a:r>
+            <a:r>
+              <a:rPr lang="de-DE" dirty="0" smtClean="0"/>
+              <a:t>“ Repräsentation</a:t>
+            </a:r>
+            <a:r>
+              <a:rPr lang="de-DE" baseline="0" dirty="0" smtClean="0"/>
+              <a:t> als C# Klasse für Programmierer</a:t>
+            </a:r>
+          </a:p>
+          <a:p>
+            <a:pPr lvl="1"/>
+            <a:r>
+              <a:rPr lang="de-DE" dirty="0" smtClean="0"/>
+              <a:t>Als Partial Class repräsentieren</a:t>
+            </a:r>
+          </a:p>
+          <a:p>
+            <a:pPr lvl="2"/>
+            <a:r>
+              <a:rPr lang="de-DE" dirty="0" smtClean="0"/>
+              <a:t>Klasse aufgeteilt auf mehrere Files</a:t>
+            </a:r>
+          </a:p>
+          <a:p>
+            <a:pPr lvl="2"/>
+            <a:r>
+              <a:rPr lang="de-DE" dirty="0" smtClean="0"/>
+              <a:t>Compiler baut daraus wieder eine Klasse</a:t>
+            </a:r>
+          </a:p>
+          <a:p>
+            <a:pPr lvl="1"/>
+            <a:r>
+              <a:rPr lang="de-DE" dirty="0" smtClean="0"/>
+              <a:t>Das ermöglicht:</a:t>
+            </a:r>
+          </a:p>
+          <a:p>
+            <a:pPr lvl="2"/>
+            <a:r>
+              <a:rPr lang="de-DE" dirty="0" smtClean="0"/>
+              <a:t>Sauberen</a:t>
+            </a:r>
+            <a:r>
+              <a:rPr lang="de-DE" baseline="0" dirty="0" smtClean="0"/>
+              <a:t> Code.</a:t>
+            </a:r>
+          </a:p>
+          <a:p>
+            <a:pPr lvl="2"/>
+            <a:r>
+              <a:rPr lang="de-DE" dirty="0" smtClean="0"/>
+              <a:t>Generierter</a:t>
+            </a:r>
+            <a:r>
+              <a:rPr lang="de-DE" baseline="0" dirty="0" smtClean="0"/>
+              <a:t> Code getrennt von selbst erstelltem.</a:t>
+            </a:r>
+          </a:p>
+          <a:p>
+            <a:pPr lvl="2"/>
+            <a:r>
+              <a:rPr lang="de-DE" baseline="0" dirty="0" smtClean="0"/>
+              <a:t>System greift nicht in Nutzercode ein.</a:t>
+            </a:r>
+          </a:p>
+          <a:p>
+            <a:pPr lvl="2"/>
+            <a:r>
+              <a:rPr lang="de-DE" baseline="0" dirty="0" smtClean="0"/>
+              <a:t>Informationen zur Projektverwaltung stecken im automatisch generierten Teil. (bzw. Verweise auf XML Datencontainer)</a:t>
+            </a:r>
+          </a:p>
+          <a:p>
+            <a:pPr lvl="1"/>
+            <a:r>
+              <a:rPr lang="de-DE" dirty="0" smtClean="0"/>
+              <a:t>Das bedingt:</a:t>
+            </a:r>
+          </a:p>
+          <a:p>
+            <a:pPr lvl="2"/>
+            <a:r>
+              <a:rPr lang="de-DE" dirty="0" smtClean="0"/>
+              <a:t>Kontrollmechanismen</a:t>
+            </a:r>
+            <a:r>
+              <a:rPr lang="de-DE" baseline="0" dirty="0" smtClean="0"/>
+              <a:t> im Framework ob z.B. Dateien schon vorhanden sind.</a:t>
+            </a:r>
+          </a:p>
+        </p:txBody>
+      </p:sp>
+    </p:spTree>
+    <p:extLst>
+      <p:ext uri="{BB962C8B-B14F-4D97-AF65-F5344CB8AC3E}">
+        <p14:creationId xmlns:p14="http://schemas.microsoft.com/office/powerpoint/2010/main" val="1492797721"/>
+      </p:ext>
+    </p:extLst>
+  </p:cSld>
+  <p:clrMapOvr>
+    <a:masterClrMapping/>
+  </p:clrMapOvr>
+  <p:timing>
+    <p:tnLst>
+      <p:par>
+        <p:cTn id="1" dur="indefinite" restart="never" nodeType="tmRoot"/>
+      </p:par>
+    </p:tnLst>
+  </p:timing>
+</p:sld>
+</file>
+
+<file path=ppt/slides/slide19.xml><?xml version="1.0" encoding="utf-8"?>
+<p:sld xmlns:a="http://schemas.openxmlformats.org/drawingml/2006/main" xmlns:r="http://schemas.openxmlformats.org/officeDocument/2006/relationships" xmlns:p="http://schemas.openxmlformats.org/presentationml/2006/main">
+  <p:cSld>
+    <p:spTree>
+      <p:nvGrpSpPr>
+        <p:cNvPr id="1" name=""/>
+        <p:cNvGrpSpPr/>
+        <p:nvPr/>
+      </p:nvGrpSpPr>
+      <p:grpSpPr>
+        <a:xfrm>
+          <a:off x="0" y="0"/>
+          <a:ext cx="0" cy="0"/>
+          <a:chOff x="0" y="0"/>
+          <a:chExt cx="0" cy="0"/>
+        </a:xfrm>
+      </p:grpSpPr>
+      <p:sp>
+        <p:nvSpPr>
+          <p:cNvPr id="2" name="Titel 1"/>
+          <p:cNvSpPr>
+            <a:spLocks noGrp="1"/>
+          </p:cNvSpPr>
+          <p:nvPr>
+            <p:ph type="title"/>
+          </p:nvPr>
+        </p:nvSpPr>
+        <p:spPr/>
+        <p:txBody>
+          <a:bodyPr/>
+          <a:lstStyle/>
+          <a:p>
+            <a:r>
+              <a:rPr lang="de-DE" dirty="0">
+                <a:solidFill>
+                  <a:srgbClr val="EBEBEB"/>
+                </a:solidFill>
+              </a:rPr>
+              <a:t>Fragen Block B </a:t>
+            </a:r>
+            <a:r>
+              <a:rPr lang="de-DE" sz="2000" i="1" dirty="0">
+                <a:solidFill>
+                  <a:srgbClr val="EBEBEB"/>
+                </a:solidFill>
+              </a:rPr>
+              <a:t>(Prof. C. Müller)</a:t>
+            </a:r>
+            <a:endParaRPr lang="de-DE" dirty="0"/>
+          </a:p>
+        </p:txBody>
+      </p:sp>
+      <p:sp>
+        <p:nvSpPr>
+          <p:cNvPr id="3" name="Inhaltsplatzhalter 2"/>
+          <p:cNvSpPr>
+            <a:spLocks noGrp="1"/>
+          </p:cNvSpPr>
+          <p:nvPr>
+            <p:ph idx="1"/>
+          </p:nvPr>
+        </p:nvSpPr>
+        <p:spPr/>
+        <p:txBody>
+          <a:bodyPr/>
+          <a:lstStyle/>
+          <a:p>
+            <a:r>
+              <a:rPr lang="de-DE" dirty="0" smtClean="0"/>
+              <a:t>XML Datencontainer</a:t>
+            </a:r>
+          </a:p>
+          <a:p>
+            <a:pPr lvl="1"/>
+            <a:r>
+              <a:rPr lang="de-DE" dirty="0" smtClean="0"/>
+              <a:t>Repräsentiert durch ein </a:t>
+            </a:r>
+            <a:r>
+              <a:rPr lang="de-DE" dirty="0" err="1" smtClean="0"/>
+              <a:t>Struct</a:t>
+            </a:r>
+            <a:endParaRPr lang="de-DE" dirty="0" smtClean="0"/>
+          </a:p>
+          <a:p>
+            <a:pPr lvl="1"/>
+            <a:r>
+              <a:rPr lang="de-DE" dirty="0" err="1" smtClean="0"/>
+              <a:t>Serialisierbar</a:t>
+            </a:r>
+            <a:r>
+              <a:rPr lang="de-DE" dirty="0" smtClean="0"/>
+              <a:t> über C# Mechanismen</a:t>
+            </a:r>
+          </a:p>
+          <a:p>
+            <a:pPr lvl="1"/>
+            <a:r>
+              <a:rPr lang="de-DE" dirty="0" smtClean="0"/>
+              <a:t>Enthält</a:t>
+            </a:r>
+            <a:r>
+              <a:rPr lang="de-DE" baseline="0" dirty="0" smtClean="0"/>
+              <a:t> Daten zur „</a:t>
+            </a:r>
+            <a:r>
+              <a:rPr lang="de-DE" baseline="0" dirty="0" err="1" smtClean="0"/>
+              <a:t>Deliverable</a:t>
+            </a:r>
+            <a:r>
+              <a:rPr lang="de-DE" baseline="0" dirty="0" smtClean="0"/>
+              <a:t>“ / „Asset“ Code Relation.</a:t>
+            </a:r>
+          </a:p>
+          <a:p>
+            <a:pPr lvl="1"/>
+            <a:r>
+              <a:rPr lang="de-DE" baseline="0" dirty="0" smtClean="0"/>
+              <a:t>Wird benötigt wenn ein Projekt im Editor geöffnet wird um Relationen wieder herzustellen.</a:t>
+            </a:r>
+          </a:p>
+        </p:txBody>
+      </p:sp>
+    </p:spTree>
+    <p:extLst>
+      <p:ext uri="{BB962C8B-B14F-4D97-AF65-F5344CB8AC3E}">
+        <p14:creationId xmlns:p14="http://schemas.microsoft.com/office/powerpoint/2010/main" val="1784599144"/>
       </p:ext>
     </p:extLst>
   </p:cSld>
@@ -7725,6 +9017,1359 @@
     <p:extLst>
       <p:ext uri="{BB962C8B-B14F-4D97-AF65-F5344CB8AC3E}">
         <p14:creationId xmlns:p14="http://schemas.microsoft.com/office/powerpoint/2010/main" val="4118849458"/>
+      </p:ext>
+    </p:extLst>
+  </p:cSld>
+  <p:clrMapOvr>
+    <a:masterClrMapping/>
+  </p:clrMapOvr>
+  <p:timing>
+    <p:tnLst>
+      <p:par>
+        <p:cTn id="1" dur="indefinite" restart="never" nodeType="tmRoot"/>
+      </p:par>
+    </p:tnLst>
+  </p:timing>
+</p:sld>
+</file>
+
+<file path=ppt/slides/slide20.xml><?xml version="1.0" encoding="utf-8"?>
+<p:sld xmlns:a="http://schemas.openxmlformats.org/drawingml/2006/main" xmlns:r="http://schemas.openxmlformats.org/officeDocument/2006/relationships" xmlns:p="http://schemas.openxmlformats.org/presentationml/2006/main">
+  <p:cSld>
+    <p:spTree>
+      <p:nvGrpSpPr>
+        <p:cNvPr id="1" name=""/>
+        <p:cNvGrpSpPr/>
+        <p:nvPr/>
+      </p:nvGrpSpPr>
+      <p:grpSpPr>
+        <a:xfrm>
+          <a:off x="0" y="0"/>
+          <a:ext cx="0" cy="0"/>
+          <a:chOff x="0" y="0"/>
+          <a:chExt cx="0" cy="0"/>
+        </a:xfrm>
+      </p:grpSpPr>
+      <p:sp>
+        <p:nvSpPr>
+          <p:cNvPr id="2" name="Titel 1"/>
+          <p:cNvSpPr>
+            <a:spLocks noGrp="1"/>
+          </p:cNvSpPr>
+          <p:nvPr>
+            <p:ph type="title"/>
+          </p:nvPr>
+        </p:nvSpPr>
+        <p:spPr/>
+        <p:txBody>
+          <a:bodyPr/>
+          <a:lstStyle/>
+          <a:p>
+            <a:r>
+              <a:rPr lang="de-DE" dirty="0">
+                <a:solidFill>
+                  <a:srgbClr val="EBEBEB"/>
+                </a:solidFill>
+              </a:rPr>
+              <a:t>Fragen Block B </a:t>
+            </a:r>
+            <a:r>
+              <a:rPr lang="de-DE" sz="2000" i="1" dirty="0">
+                <a:solidFill>
+                  <a:srgbClr val="EBEBEB"/>
+                </a:solidFill>
+              </a:rPr>
+              <a:t>(Prof. C. Müller)</a:t>
+            </a:r>
+            <a:endParaRPr lang="de-DE" dirty="0"/>
+          </a:p>
+        </p:txBody>
+      </p:sp>
+      <p:sp>
+        <p:nvSpPr>
+          <p:cNvPr id="3" name="Inhaltsplatzhalter 2"/>
+          <p:cNvSpPr>
+            <a:spLocks noGrp="1"/>
+          </p:cNvSpPr>
+          <p:nvPr>
+            <p:ph idx="1"/>
+          </p:nvPr>
+        </p:nvSpPr>
+        <p:spPr/>
+        <p:txBody>
+          <a:bodyPr/>
+          <a:lstStyle/>
+          <a:p>
+            <a:r>
+              <a:rPr lang="de-DE" dirty="0" smtClean="0"/>
+              <a:t>Welche Vorteile ergeben sich aus diesem Lösungsweg?</a:t>
+            </a:r>
+          </a:p>
+          <a:p>
+            <a:pPr lvl="1"/>
+            <a:r>
+              <a:rPr lang="de-DE" dirty="0" smtClean="0"/>
+              <a:t>Programmierer kann Objekte im Code instanziieren.</a:t>
+            </a:r>
+          </a:p>
+          <a:p>
+            <a:pPr lvl="1"/>
+            <a:r>
+              <a:rPr lang="de-DE" baseline="0" dirty="0" smtClean="0"/>
+              <a:t>Relationsdaten automatisch vom </a:t>
+            </a:r>
+            <a:r>
+              <a:rPr lang="de-DE" baseline="0" dirty="0" err="1" smtClean="0"/>
+              <a:t>FuseeAT</a:t>
+            </a:r>
+            <a:r>
+              <a:rPr lang="de-DE" baseline="0" dirty="0" smtClean="0"/>
+              <a:t> generiert und behandelt.</a:t>
+            </a:r>
+          </a:p>
+          <a:p>
+            <a:pPr lvl="1"/>
+            <a:r>
+              <a:rPr lang="de-DE" baseline="0" dirty="0" smtClean="0"/>
+              <a:t>Partial </a:t>
+            </a:r>
+            <a:r>
+              <a:rPr lang="de-DE" baseline="0" dirty="0" err="1" smtClean="0"/>
+              <a:t>Classes</a:t>
+            </a:r>
+            <a:r>
+              <a:rPr lang="de-DE" baseline="0" dirty="0" smtClean="0"/>
+              <a:t> trennen</a:t>
+            </a:r>
+            <a:r>
+              <a:rPr lang="de-DE" dirty="0" smtClean="0"/>
+              <a:t> generierten und manuellen Code.</a:t>
+            </a:r>
+            <a:endParaRPr lang="de-DE" baseline="0" dirty="0" smtClean="0"/>
+          </a:p>
+          <a:p>
+            <a:pPr lvl="0"/>
+            <a:r>
+              <a:rPr lang="de-DE" dirty="0" smtClean="0"/>
+              <a:t>Wie sieht diese</a:t>
+            </a:r>
+            <a:r>
+              <a:rPr lang="de-DE" baseline="0" dirty="0" smtClean="0"/>
+              <a:t> Repräsentation grafisch aus?</a:t>
+            </a:r>
+          </a:p>
+          <a:p>
+            <a:pPr lvl="1"/>
+            <a:r>
+              <a:rPr lang="de-DE" dirty="0" smtClean="0"/>
+              <a:t>Das Schaubild verdeutlicht den Zusammenhang des Systems.</a:t>
+            </a:r>
+            <a:endParaRPr lang="de-DE" baseline="0" dirty="0" smtClean="0"/>
+          </a:p>
+        </p:txBody>
+      </p:sp>
+    </p:spTree>
+    <p:extLst>
+      <p:ext uri="{BB962C8B-B14F-4D97-AF65-F5344CB8AC3E}">
+        <p14:creationId xmlns:p14="http://schemas.microsoft.com/office/powerpoint/2010/main" val="3003060857"/>
+      </p:ext>
+    </p:extLst>
+  </p:cSld>
+  <p:clrMapOvr>
+    <a:masterClrMapping/>
+  </p:clrMapOvr>
+  <p:timing>
+    <p:tnLst>
+      <p:par>
+        <p:cTn id="1" dur="indefinite" restart="never" nodeType="tmRoot"/>
+      </p:par>
+    </p:tnLst>
+  </p:timing>
+</p:sld>
+</file>
+
+<file path=ppt/slides/slide21.xml><?xml version="1.0" encoding="utf-8"?>
+<p:sld xmlns:a="http://schemas.openxmlformats.org/drawingml/2006/main" xmlns:r="http://schemas.openxmlformats.org/officeDocument/2006/relationships" xmlns:p="http://schemas.openxmlformats.org/presentationml/2006/main">
+  <p:cSld>
+    <p:spTree>
+      <p:nvGrpSpPr>
+        <p:cNvPr id="1" name=""/>
+        <p:cNvGrpSpPr/>
+        <p:nvPr/>
+      </p:nvGrpSpPr>
+      <p:grpSpPr>
+        <a:xfrm>
+          <a:off x="0" y="0"/>
+          <a:ext cx="0" cy="0"/>
+          <a:chOff x="0" y="0"/>
+          <a:chExt cx="0" cy="0"/>
+        </a:xfrm>
+      </p:grpSpPr>
+      <p:sp>
+        <p:nvSpPr>
+          <p:cNvPr id="2" name="Titel 1"/>
+          <p:cNvSpPr>
+            <a:spLocks noGrp="1"/>
+          </p:cNvSpPr>
+          <p:nvPr>
+            <p:ph type="title"/>
+          </p:nvPr>
+        </p:nvSpPr>
+        <p:spPr/>
+        <p:txBody>
+          <a:bodyPr/>
+          <a:lstStyle/>
+          <a:p>
+            <a:r>
+              <a:rPr lang="de-DE" dirty="0">
+                <a:solidFill>
+                  <a:srgbClr val="EBEBEB"/>
+                </a:solidFill>
+              </a:rPr>
+              <a:t>Fragen Block B </a:t>
+            </a:r>
+            <a:r>
+              <a:rPr lang="de-DE" sz="2000" i="1" dirty="0">
+                <a:solidFill>
+                  <a:srgbClr val="EBEBEB"/>
+                </a:solidFill>
+              </a:rPr>
+              <a:t>(Prof. C. Müller)</a:t>
+            </a:r>
+            <a:endParaRPr lang="de-DE" dirty="0"/>
+          </a:p>
+        </p:txBody>
+      </p:sp>
+      <p:pic>
+        <p:nvPicPr>
+          <p:cNvPr id="4" name="Inhaltsplatzhalter 3"/>
+          <p:cNvPicPr>
+            <a:picLocks noGrp="1" noChangeAspect="1"/>
+          </p:cNvPicPr>
+          <p:nvPr>
+            <p:ph idx="1"/>
+          </p:nvPr>
+        </p:nvPicPr>
+        <p:blipFill>
+          <a:blip r:embed="rId2">
+            <a:extLst>
+              <a:ext uri="{28A0092B-C50C-407E-A947-70E740481C1C}">
+                <a14:useLocalDpi xmlns:a14="http://schemas.microsoft.com/office/drawing/2010/main" val="0"/>
+              </a:ext>
+            </a:extLst>
+          </a:blip>
+          <a:stretch>
+            <a:fillRect/>
+          </a:stretch>
+        </p:blipFill>
+        <p:spPr>
+          <a:xfrm>
+            <a:off x="2851666" y="1853248"/>
+            <a:ext cx="6762750" cy="3429000"/>
+          </a:xfrm>
+        </p:spPr>
+      </p:pic>
+    </p:spTree>
+    <p:extLst>
+      <p:ext uri="{BB962C8B-B14F-4D97-AF65-F5344CB8AC3E}">
+        <p14:creationId xmlns:p14="http://schemas.microsoft.com/office/powerpoint/2010/main" val="2588284234"/>
+      </p:ext>
+    </p:extLst>
+  </p:cSld>
+  <p:clrMapOvr>
+    <a:masterClrMapping/>
+  </p:clrMapOvr>
+  <p:timing>
+    <p:tnLst>
+      <p:par>
+        <p:cTn id="1" dur="indefinite" restart="never" nodeType="tmRoot"/>
+      </p:par>
+    </p:tnLst>
+  </p:timing>
+</p:sld>
+</file>
+
+<file path=ppt/slides/slide22.xml><?xml version="1.0" encoding="utf-8"?>
+<p:sld xmlns:a="http://schemas.openxmlformats.org/drawingml/2006/main" xmlns:r="http://schemas.openxmlformats.org/officeDocument/2006/relationships" xmlns:p="http://schemas.openxmlformats.org/presentationml/2006/main">
+  <p:cSld>
+    <p:spTree>
+      <p:nvGrpSpPr>
+        <p:cNvPr id="1" name=""/>
+        <p:cNvGrpSpPr/>
+        <p:nvPr/>
+      </p:nvGrpSpPr>
+      <p:grpSpPr>
+        <a:xfrm>
+          <a:off x="0" y="0"/>
+          <a:ext cx="0" cy="0"/>
+          <a:chOff x="0" y="0"/>
+          <a:chExt cx="0" cy="0"/>
+        </a:xfrm>
+      </p:grpSpPr>
+      <p:sp>
+        <p:nvSpPr>
+          <p:cNvPr id="2" name="Titel 1"/>
+          <p:cNvSpPr>
+            <a:spLocks noGrp="1"/>
+          </p:cNvSpPr>
+          <p:nvPr>
+            <p:ph type="title"/>
+          </p:nvPr>
+        </p:nvSpPr>
+        <p:spPr/>
+        <p:txBody>
+          <a:bodyPr/>
+          <a:lstStyle/>
+          <a:p>
+            <a:r>
+              <a:rPr lang="de-DE" dirty="0">
+                <a:solidFill>
+                  <a:srgbClr val="EBEBEB"/>
+                </a:solidFill>
+              </a:rPr>
+              <a:t>Fragen Block B </a:t>
+            </a:r>
+            <a:r>
+              <a:rPr lang="de-DE" sz="2000" i="1" dirty="0">
+                <a:solidFill>
+                  <a:srgbClr val="EBEBEB"/>
+                </a:solidFill>
+              </a:rPr>
+              <a:t>(Prof. C. Müller)</a:t>
+            </a:r>
+            <a:endParaRPr lang="de-DE" dirty="0"/>
+          </a:p>
+        </p:txBody>
+      </p:sp>
+      <p:sp>
+        <p:nvSpPr>
+          <p:cNvPr id="3" name="Inhaltsplatzhalter 2"/>
+          <p:cNvSpPr>
+            <a:spLocks noGrp="1"/>
+          </p:cNvSpPr>
+          <p:nvPr>
+            <p:ph idx="1"/>
+          </p:nvPr>
+        </p:nvSpPr>
+        <p:spPr/>
+        <p:txBody>
+          <a:bodyPr/>
+          <a:lstStyle/>
+          <a:p>
+            <a:r>
+              <a:rPr lang="de-DE" b="1" dirty="0"/>
+              <a:t>F2: -	Wie kann eine solche automatisiert generierte Brücke zwischen 3D-Modellierer und Programmierer funktionieren, </a:t>
+            </a:r>
+            <a:r>
+              <a:rPr lang="de-DE" b="1" dirty="0" smtClean="0"/>
+              <a:t>wenn:</a:t>
+            </a:r>
+          </a:p>
+          <a:p>
+            <a:pPr lvl="1"/>
+            <a:r>
+              <a:rPr lang="de-DE" b="1" dirty="0"/>
+              <a:t>A: Programmierer und Modellierer nicht über das vollständige </a:t>
+            </a:r>
+            <a:r>
+              <a:rPr lang="de-DE" b="1" dirty="0" err="1"/>
+              <a:t>Toolset</a:t>
+            </a:r>
+            <a:r>
+              <a:rPr lang="de-DE" b="1" dirty="0"/>
+              <a:t> verfügen (Modellierer hat nur C4D, Programmierer hat nur Visual Studio)? </a:t>
+            </a:r>
+          </a:p>
+          <a:p>
+            <a:pPr lvl="1"/>
+            <a:r>
+              <a:rPr lang="de-DE" sz="1600" dirty="0"/>
+              <a:t>B: Programmierer und Modellierer abwechselnd/gleichzeitig iterativ an ihren jeweiligen Bestandteilen arbeiten</a:t>
+            </a:r>
+            <a:r>
+              <a:rPr lang="de-DE" sz="1600" dirty="0" smtClean="0"/>
+              <a:t>?</a:t>
+            </a:r>
+          </a:p>
+        </p:txBody>
+      </p:sp>
+    </p:spTree>
+    <p:extLst>
+      <p:ext uri="{BB962C8B-B14F-4D97-AF65-F5344CB8AC3E}">
+        <p14:creationId xmlns:p14="http://schemas.microsoft.com/office/powerpoint/2010/main" val="968593373"/>
+      </p:ext>
+    </p:extLst>
+  </p:cSld>
+  <p:clrMapOvr>
+    <a:masterClrMapping/>
+  </p:clrMapOvr>
+  <p:timing>
+    <p:tnLst>
+      <p:par>
+        <p:cTn id="1" dur="indefinite" restart="never" nodeType="tmRoot"/>
+      </p:par>
+    </p:tnLst>
+  </p:timing>
+</p:sld>
+</file>
+
+<file path=ppt/slides/slide23.xml><?xml version="1.0" encoding="utf-8"?>
+<p:sld xmlns:a="http://schemas.openxmlformats.org/drawingml/2006/main" xmlns:r="http://schemas.openxmlformats.org/officeDocument/2006/relationships" xmlns:p="http://schemas.openxmlformats.org/presentationml/2006/main">
+  <p:cSld>
+    <p:spTree>
+      <p:nvGrpSpPr>
+        <p:cNvPr id="1" name=""/>
+        <p:cNvGrpSpPr/>
+        <p:nvPr/>
+      </p:nvGrpSpPr>
+      <p:grpSpPr>
+        <a:xfrm>
+          <a:off x="0" y="0"/>
+          <a:ext cx="0" cy="0"/>
+          <a:chOff x="0" y="0"/>
+          <a:chExt cx="0" cy="0"/>
+        </a:xfrm>
+      </p:grpSpPr>
+      <p:sp>
+        <p:nvSpPr>
+          <p:cNvPr id="2" name="Titel 1"/>
+          <p:cNvSpPr>
+            <a:spLocks noGrp="1"/>
+          </p:cNvSpPr>
+          <p:nvPr>
+            <p:ph type="title"/>
+          </p:nvPr>
+        </p:nvSpPr>
+        <p:spPr/>
+        <p:txBody>
+          <a:bodyPr/>
+          <a:lstStyle/>
+          <a:p>
+            <a:r>
+              <a:rPr lang="de-DE" dirty="0">
+                <a:solidFill>
+                  <a:srgbClr val="EBEBEB"/>
+                </a:solidFill>
+              </a:rPr>
+              <a:t>Fragen Block B </a:t>
+            </a:r>
+            <a:r>
+              <a:rPr lang="de-DE" sz="2000" i="1" dirty="0">
+                <a:solidFill>
+                  <a:srgbClr val="EBEBEB"/>
+                </a:solidFill>
+              </a:rPr>
+              <a:t>(Prof. C. Müller)</a:t>
+            </a:r>
+            <a:endParaRPr lang="de-DE" dirty="0"/>
+          </a:p>
+        </p:txBody>
+      </p:sp>
+      <p:sp>
+        <p:nvSpPr>
+          <p:cNvPr id="3" name="Inhaltsplatzhalter 2"/>
+          <p:cNvSpPr>
+            <a:spLocks noGrp="1"/>
+          </p:cNvSpPr>
+          <p:nvPr>
+            <p:ph idx="1"/>
+          </p:nvPr>
+        </p:nvSpPr>
+        <p:spPr/>
+        <p:txBody>
+          <a:bodyPr/>
+          <a:lstStyle/>
+          <a:p>
+            <a:r>
+              <a:rPr lang="de-DE" dirty="0" smtClean="0"/>
+              <a:t>Das </a:t>
+            </a:r>
+            <a:r>
+              <a:rPr lang="de-DE" dirty="0" err="1" smtClean="0"/>
+              <a:t>Toolset</a:t>
+            </a:r>
+            <a:r>
+              <a:rPr lang="de-DE" dirty="0" smtClean="0"/>
+              <a:t> übernimmt das Eintragen von Projektpfaden im Visual Studio .</a:t>
+            </a:r>
+            <a:r>
+              <a:rPr lang="de-DE" dirty="0" err="1" smtClean="0"/>
+              <a:t>sln</a:t>
+            </a:r>
+            <a:r>
+              <a:rPr lang="de-DE" dirty="0" smtClean="0"/>
+              <a:t> Projekt.</a:t>
+            </a:r>
+          </a:p>
+          <a:p>
+            <a:pPr lvl="1"/>
+            <a:r>
+              <a:rPr lang="de-DE" dirty="0" smtClean="0"/>
+              <a:t>Beim ersten generieren der Dateien.</a:t>
+            </a:r>
+          </a:p>
+          <a:p>
+            <a:pPr lvl="1"/>
+            <a:r>
+              <a:rPr lang="de-DE" dirty="0" smtClean="0"/>
+              <a:t>Speichert </a:t>
+            </a:r>
+            <a:r>
+              <a:rPr lang="de-DE" dirty="0" err="1" smtClean="0"/>
+              <a:t>Deliverables</a:t>
+            </a:r>
+            <a:r>
+              <a:rPr lang="de-DE" dirty="0" smtClean="0"/>
+              <a:t> im Projektverzeichnis (</a:t>
+            </a:r>
+            <a:r>
+              <a:rPr lang="de-DE" dirty="0" err="1" smtClean="0"/>
+              <a:t>Vorraussetzung</a:t>
+            </a:r>
+            <a:r>
+              <a:rPr lang="de-DE" dirty="0" smtClean="0"/>
+              <a:t>)</a:t>
+            </a:r>
+          </a:p>
+          <a:p>
+            <a:r>
+              <a:rPr lang="de-DE" dirty="0" smtClean="0"/>
+              <a:t>Somit sind die Dateien im Visual Studio Projekt ansprechbar</a:t>
+            </a:r>
+          </a:p>
+          <a:p>
+            <a:pPr lvl="1"/>
+            <a:r>
+              <a:rPr lang="de-DE" dirty="0" smtClean="0"/>
+              <a:t>Hierzu zählen:</a:t>
+            </a:r>
+          </a:p>
+          <a:p>
+            <a:pPr lvl="2"/>
+            <a:r>
+              <a:rPr lang="de-DE" dirty="0" err="1" smtClean="0"/>
+              <a:t>Deliverable</a:t>
+            </a:r>
+            <a:r>
+              <a:rPr lang="de-DE" dirty="0" smtClean="0"/>
+              <a:t> Dateien  (.</a:t>
+            </a:r>
+            <a:r>
+              <a:rPr lang="de-DE" dirty="0" err="1" smtClean="0"/>
+              <a:t>obj</a:t>
+            </a:r>
+            <a:r>
+              <a:rPr lang="de-DE" dirty="0" smtClean="0"/>
+              <a:t>, .</a:t>
+            </a:r>
+            <a:r>
+              <a:rPr lang="de-DE" dirty="0" err="1" smtClean="0"/>
+              <a:t>fbx</a:t>
+            </a:r>
+            <a:r>
+              <a:rPr lang="de-DE" dirty="0" smtClean="0"/>
+              <a:t>, etc.)</a:t>
+            </a:r>
+          </a:p>
+          <a:p>
+            <a:pPr lvl="2"/>
+            <a:r>
+              <a:rPr lang="de-DE" dirty="0" smtClean="0"/>
+              <a:t>Generierte Partial </a:t>
+            </a:r>
+            <a:r>
+              <a:rPr lang="de-DE" dirty="0" err="1" smtClean="0"/>
+              <a:t>Classes</a:t>
+            </a:r>
+            <a:r>
+              <a:rPr lang="de-DE" dirty="0" smtClean="0"/>
+              <a:t>	</a:t>
+            </a:r>
+          </a:p>
+          <a:p>
+            <a:r>
+              <a:rPr lang="de-DE" dirty="0" smtClean="0"/>
+              <a:t>Bedingungen hierfür:</a:t>
+            </a:r>
+          </a:p>
+          <a:p>
+            <a:pPr lvl="1"/>
+            <a:r>
+              <a:rPr lang="de-DE" dirty="0" smtClean="0"/>
+              <a:t>Tool kann die Pfade der Objekte Abfragen und hat Zugriff auf das Dateisystem (Cinema 4D API ermöglicht das).</a:t>
+            </a:r>
+          </a:p>
+          <a:p>
+            <a:endParaRPr lang="de-DE" dirty="0"/>
+          </a:p>
+        </p:txBody>
+      </p:sp>
+    </p:spTree>
+    <p:extLst>
+      <p:ext uri="{BB962C8B-B14F-4D97-AF65-F5344CB8AC3E}">
+        <p14:creationId xmlns:p14="http://schemas.microsoft.com/office/powerpoint/2010/main" val="1384580296"/>
+      </p:ext>
+    </p:extLst>
+  </p:cSld>
+  <p:clrMapOvr>
+    <a:masterClrMapping/>
+  </p:clrMapOvr>
+  <p:timing>
+    <p:tnLst>
+      <p:par>
+        <p:cTn id="1" dur="indefinite" restart="never" nodeType="tmRoot"/>
+      </p:par>
+    </p:tnLst>
+  </p:timing>
+</p:sld>
+</file>
+
+<file path=ppt/slides/slide24.xml><?xml version="1.0" encoding="utf-8"?>
+<p:sld xmlns:a="http://schemas.openxmlformats.org/drawingml/2006/main" xmlns:r="http://schemas.openxmlformats.org/officeDocument/2006/relationships" xmlns:p="http://schemas.openxmlformats.org/presentationml/2006/main">
+  <p:cSld>
+    <p:spTree>
+      <p:nvGrpSpPr>
+        <p:cNvPr id="1" name=""/>
+        <p:cNvGrpSpPr/>
+        <p:nvPr/>
+      </p:nvGrpSpPr>
+      <p:grpSpPr>
+        <a:xfrm>
+          <a:off x="0" y="0"/>
+          <a:ext cx="0" cy="0"/>
+          <a:chOff x="0" y="0"/>
+          <a:chExt cx="0" cy="0"/>
+        </a:xfrm>
+      </p:grpSpPr>
+      <p:sp>
+        <p:nvSpPr>
+          <p:cNvPr id="2" name="Titel 1"/>
+          <p:cNvSpPr>
+            <a:spLocks noGrp="1"/>
+          </p:cNvSpPr>
+          <p:nvPr>
+            <p:ph type="title"/>
+          </p:nvPr>
+        </p:nvSpPr>
+        <p:spPr/>
+        <p:txBody>
+          <a:bodyPr/>
+          <a:lstStyle/>
+          <a:p>
+            <a:r>
+              <a:rPr lang="de-DE" dirty="0">
+                <a:solidFill>
+                  <a:srgbClr val="EBEBEB"/>
+                </a:solidFill>
+              </a:rPr>
+              <a:t>Fragen Block B </a:t>
+            </a:r>
+            <a:r>
+              <a:rPr lang="de-DE" sz="2000" i="1" dirty="0">
+                <a:solidFill>
+                  <a:srgbClr val="EBEBEB"/>
+                </a:solidFill>
+              </a:rPr>
+              <a:t>(Prof. C. Müller)</a:t>
+            </a:r>
+            <a:endParaRPr lang="de-DE" dirty="0"/>
+          </a:p>
+        </p:txBody>
+      </p:sp>
+      <p:sp>
+        <p:nvSpPr>
+          <p:cNvPr id="3" name="Inhaltsplatzhalter 2"/>
+          <p:cNvSpPr>
+            <a:spLocks noGrp="1"/>
+          </p:cNvSpPr>
+          <p:nvPr>
+            <p:ph idx="1"/>
+          </p:nvPr>
+        </p:nvSpPr>
+        <p:spPr/>
+        <p:txBody>
+          <a:bodyPr/>
+          <a:lstStyle/>
+          <a:p>
+            <a:r>
+              <a:rPr lang="de-DE" b="1" dirty="0"/>
+              <a:t>F2: -	Wie kann eine solche automatisiert generierte Brücke zwischen 3D-Modellierer und Programmierer funktionieren, </a:t>
+            </a:r>
+            <a:r>
+              <a:rPr lang="de-DE" b="1" dirty="0" smtClean="0"/>
+              <a:t>wenn:</a:t>
+            </a:r>
+          </a:p>
+          <a:p>
+            <a:pPr lvl="1"/>
+            <a:r>
+              <a:rPr lang="de-DE" sz="1600" dirty="0"/>
+              <a:t>A: Programmierer und Modellierer nicht über das vollständige </a:t>
+            </a:r>
+            <a:r>
+              <a:rPr lang="de-DE" sz="1600" dirty="0" err="1"/>
+              <a:t>Toolset</a:t>
+            </a:r>
+            <a:r>
+              <a:rPr lang="de-DE" sz="1600" dirty="0"/>
+              <a:t> verfügen (Modellierer hat nur C4D, Programmierer hat nur Visual Studio)? </a:t>
+            </a:r>
+          </a:p>
+          <a:p>
+            <a:pPr lvl="1"/>
+            <a:r>
+              <a:rPr lang="de-DE" b="1" dirty="0"/>
+              <a:t>B: Programmierer und Modellierer abwechselnd/gleichzeitig iterativ an ihren jeweiligen Bestandteilen arbeiten</a:t>
+            </a:r>
+            <a:r>
+              <a:rPr lang="de-DE" b="1" dirty="0" smtClean="0"/>
+              <a:t>?</a:t>
+            </a:r>
+          </a:p>
+        </p:txBody>
+      </p:sp>
+    </p:spTree>
+    <p:extLst>
+      <p:ext uri="{BB962C8B-B14F-4D97-AF65-F5344CB8AC3E}">
+        <p14:creationId xmlns:p14="http://schemas.microsoft.com/office/powerpoint/2010/main" val="2838863598"/>
+      </p:ext>
+    </p:extLst>
+  </p:cSld>
+  <p:clrMapOvr>
+    <a:masterClrMapping/>
+  </p:clrMapOvr>
+  <p:timing>
+    <p:tnLst>
+      <p:par>
+        <p:cTn id="1" dur="indefinite" restart="never" nodeType="tmRoot"/>
+      </p:par>
+    </p:tnLst>
+  </p:timing>
+</p:sld>
+</file>
+
+<file path=ppt/slides/slide25.xml><?xml version="1.0" encoding="utf-8"?>
+<p:sld xmlns:a="http://schemas.openxmlformats.org/drawingml/2006/main" xmlns:r="http://schemas.openxmlformats.org/officeDocument/2006/relationships" xmlns:p="http://schemas.openxmlformats.org/presentationml/2006/main">
+  <p:cSld>
+    <p:spTree>
+      <p:nvGrpSpPr>
+        <p:cNvPr id="1" name=""/>
+        <p:cNvGrpSpPr/>
+        <p:nvPr/>
+      </p:nvGrpSpPr>
+      <p:grpSpPr>
+        <a:xfrm>
+          <a:off x="0" y="0"/>
+          <a:ext cx="0" cy="0"/>
+          <a:chOff x="0" y="0"/>
+          <a:chExt cx="0" cy="0"/>
+        </a:xfrm>
+      </p:grpSpPr>
+      <p:sp>
+        <p:nvSpPr>
+          <p:cNvPr id="2" name="Titel 1"/>
+          <p:cNvSpPr>
+            <a:spLocks noGrp="1"/>
+          </p:cNvSpPr>
+          <p:nvPr>
+            <p:ph type="title"/>
+          </p:nvPr>
+        </p:nvSpPr>
+        <p:spPr/>
+        <p:txBody>
+          <a:bodyPr/>
+          <a:lstStyle/>
+          <a:p>
+            <a:r>
+              <a:rPr lang="de-DE" dirty="0">
+                <a:solidFill>
+                  <a:srgbClr val="EBEBEB"/>
+                </a:solidFill>
+              </a:rPr>
+              <a:t>Fragen Block B </a:t>
+            </a:r>
+            <a:r>
+              <a:rPr lang="de-DE" sz="2000" i="1" dirty="0">
+                <a:solidFill>
+                  <a:srgbClr val="EBEBEB"/>
+                </a:solidFill>
+              </a:rPr>
+              <a:t>(Prof. C. Müller)</a:t>
+            </a:r>
+            <a:endParaRPr lang="de-DE" dirty="0"/>
+          </a:p>
+        </p:txBody>
+      </p:sp>
+      <p:sp>
+        <p:nvSpPr>
+          <p:cNvPr id="3" name="Inhaltsplatzhalter 2"/>
+          <p:cNvSpPr>
+            <a:spLocks noGrp="1"/>
+          </p:cNvSpPr>
+          <p:nvPr>
+            <p:ph idx="1"/>
+          </p:nvPr>
+        </p:nvSpPr>
+        <p:spPr/>
+        <p:txBody>
+          <a:bodyPr>
+            <a:normAutofit lnSpcReduction="10000"/>
+          </a:bodyPr>
+          <a:lstStyle/>
+          <a:p>
+            <a:r>
+              <a:rPr lang="de-DE" dirty="0" smtClean="0"/>
+              <a:t>Voraussetzung für die Funktionalität der folgenden Lösung</a:t>
+            </a:r>
+          </a:p>
+          <a:p>
+            <a:pPr lvl="1"/>
+            <a:r>
+              <a:rPr lang="de-DE" dirty="0" smtClean="0"/>
+              <a:t>Ist ein funktionierendes Versionskontrollsystem und eine geordnete Projektstruktur</a:t>
+            </a:r>
+          </a:p>
+          <a:p>
+            <a:r>
+              <a:rPr lang="de-DE" dirty="0" smtClean="0"/>
+              <a:t>Es wird GIT als Versionskontrollsystem angenommen weil:</a:t>
+            </a:r>
+          </a:p>
+          <a:p>
+            <a:pPr lvl="1"/>
+            <a:r>
+              <a:rPr lang="de-DE" dirty="0" err="1" smtClean="0"/>
+              <a:t>Git</a:t>
+            </a:r>
+            <a:r>
+              <a:rPr lang="de-DE" dirty="0" smtClean="0"/>
+              <a:t> weit verbreitet ist.</a:t>
+            </a:r>
+          </a:p>
+          <a:p>
+            <a:pPr lvl="1"/>
+            <a:r>
+              <a:rPr lang="de-DE" dirty="0" err="1" smtClean="0"/>
+              <a:t>Git</a:t>
+            </a:r>
+            <a:r>
+              <a:rPr lang="de-DE" dirty="0" smtClean="0"/>
+              <a:t> bereits in der </a:t>
+            </a:r>
+            <a:r>
+              <a:rPr lang="de-DE" dirty="0" err="1" smtClean="0"/>
+              <a:t>Fusee</a:t>
+            </a:r>
+            <a:r>
+              <a:rPr lang="de-DE" dirty="0" smtClean="0"/>
+              <a:t> Entwicklung verwendet wird.</a:t>
+            </a:r>
+          </a:p>
+          <a:p>
+            <a:pPr lvl="1"/>
+            <a:r>
+              <a:rPr lang="de-DE" dirty="0" smtClean="0"/>
+              <a:t>Die Konzepte der Versionskontrollsysteme sich für einfache Anwender wenig unterscheiden.</a:t>
+            </a:r>
+          </a:p>
+          <a:p>
+            <a:r>
+              <a:rPr lang="de-DE" dirty="0" smtClean="0"/>
+              <a:t>Der Prozess des abwechselnden Arbeitens inkludiert</a:t>
+            </a:r>
+          </a:p>
+          <a:p>
+            <a:pPr lvl="1"/>
+            <a:r>
+              <a:rPr lang="de-DE" dirty="0" smtClean="0"/>
+              <a:t>Hinzufügen von Dateien zum Versionskontrollsystem.</a:t>
+            </a:r>
+          </a:p>
+          <a:p>
+            <a:pPr lvl="1"/>
+            <a:r>
+              <a:rPr lang="de-DE" dirty="0" smtClean="0"/>
+              <a:t>Übertragen der Dateien zu anderen Mitarbeitern.</a:t>
+            </a:r>
+          </a:p>
+        </p:txBody>
+      </p:sp>
+    </p:spTree>
+    <p:extLst>
+      <p:ext uri="{BB962C8B-B14F-4D97-AF65-F5344CB8AC3E}">
+        <p14:creationId xmlns:p14="http://schemas.microsoft.com/office/powerpoint/2010/main" val="1663018032"/>
+      </p:ext>
+    </p:extLst>
+  </p:cSld>
+  <p:clrMapOvr>
+    <a:masterClrMapping/>
+  </p:clrMapOvr>
+  <p:timing>
+    <p:tnLst>
+      <p:par>
+        <p:cTn id="1" dur="indefinite" restart="never" nodeType="tmRoot"/>
+      </p:par>
+    </p:tnLst>
+  </p:timing>
+</p:sld>
+</file>
+
+<file path=ppt/slides/slide26.xml><?xml version="1.0" encoding="utf-8"?>
+<p:sld xmlns:a="http://schemas.openxmlformats.org/drawingml/2006/main" xmlns:r="http://schemas.openxmlformats.org/officeDocument/2006/relationships" xmlns:p="http://schemas.openxmlformats.org/presentationml/2006/main">
+  <p:cSld>
+    <p:spTree>
+      <p:nvGrpSpPr>
+        <p:cNvPr id="1" name=""/>
+        <p:cNvGrpSpPr/>
+        <p:nvPr/>
+      </p:nvGrpSpPr>
+      <p:grpSpPr>
+        <a:xfrm>
+          <a:off x="0" y="0"/>
+          <a:ext cx="0" cy="0"/>
+          <a:chOff x="0" y="0"/>
+          <a:chExt cx="0" cy="0"/>
+        </a:xfrm>
+      </p:grpSpPr>
+      <p:sp>
+        <p:nvSpPr>
+          <p:cNvPr id="2" name="Titel 1"/>
+          <p:cNvSpPr>
+            <a:spLocks noGrp="1"/>
+          </p:cNvSpPr>
+          <p:nvPr>
+            <p:ph type="title"/>
+          </p:nvPr>
+        </p:nvSpPr>
+        <p:spPr/>
+        <p:txBody>
+          <a:bodyPr/>
+          <a:lstStyle/>
+          <a:p>
+            <a:r>
+              <a:rPr lang="de-DE" dirty="0">
+                <a:solidFill>
+                  <a:srgbClr val="EBEBEB"/>
+                </a:solidFill>
+              </a:rPr>
+              <a:t>Fragen Block B </a:t>
+            </a:r>
+            <a:r>
+              <a:rPr lang="de-DE" sz="2000" i="1" dirty="0">
+                <a:solidFill>
+                  <a:srgbClr val="EBEBEB"/>
+                </a:solidFill>
+              </a:rPr>
+              <a:t>(Prof. C. Müller)</a:t>
+            </a:r>
+            <a:endParaRPr lang="de-DE" dirty="0"/>
+          </a:p>
+        </p:txBody>
+      </p:sp>
+      <p:sp>
+        <p:nvSpPr>
+          <p:cNvPr id="3" name="Inhaltsplatzhalter 2"/>
+          <p:cNvSpPr>
+            <a:spLocks noGrp="1"/>
+          </p:cNvSpPr>
+          <p:nvPr>
+            <p:ph idx="1"/>
+          </p:nvPr>
+        </p:nvSpPr>
+        <p:spPr/>
+        <p:txBody>
+          <a:bodyPr>
+            <a:normAutofit/>
+          </a:bodyPr>
+          <a:lstStyle/>
+          <a:p>
+            <a:r>
+              <a:rPr lang="de-DE" dirty="0" smtClean="0"/>
+              <a:t>Partial </a:t>
+            </a:r>
+            <a:r>
+              <a:rPr lang="de-DE" dirty="0" err="1" smtClean="0"/>
+              <a:t>Classes</a:t>
+            </a:r>
+            <a:r>
+              <a:rPr lang="de-DE" dirty="0" smtClean="0"/>
+              <a:t> verhindern Probleme durch Konflikte</a:t>
+            </a:r>
+          </a:p>
+          <a:p>
+            <a:pPr lvl="1"/>
+            <a:r>
+              <a:rPr lang="de-DE" dirty="0" smtClean="0"/>
+              <a:t>Der Programmierer bearbeitet nur  die manuelle Datei.</a:t>
+            </a:r>
+          </a:p>
+          <a:p>
+            <a:pPr lvl="1"/>
+            <a:r>
+              <a:rPr lang="de-DE" dirty="0" smtClean="0"/>
+              <a:t>Das Tool greift nur auf den generierten Teil der Klasse zu.</a:t>
+            </a:r>
+          </a:p>
+          <a:p>
+            <a:r>
+              <a:rPr lang="de-DE" dirty="0" smtClean="0"/>
+              <a:t>Problematik ergibt sich nur in der Handhabung der Projektdateien</a:t>
+            </a:r>
+          </a:p>
+          <a:p>
+            <a:pPr lvl="1"/>
+            <a:r>
+              <a:rPr lang="de-DE" dirty="0" smtClean="0"/>
+              <a:t>Designer muss seine Dateien erst zur Verfügung stellen.</a:t>
+            </a:r>
+          </a:p>
+          <a:p>
+            <a:pPr lvl="1"/>
+            <a:r>
+              <a:rPr lang="de-DE" dirty="0" smtClean="0"/>
+              <a:t>Tool muss korrekte Pfade übergeben.</a:t>
+            </a:r>
+          </a:p>
+        </p:txBody>
+      </p:sp>
+    </p:spTree>
+    <p:extLst>
+      <p:ext uri="{BB962C8B-B14F-4D97-AF65-F5344CB8AC3E}">
+        <p14:creationId xmlns:p14="http://schemas.microsoft.com/office/powerpoint/2010/main" val="1938138661"/>
+      </p:ext>
+    </p:extLst>
+  </p:cSld>
+  <p:clrMapOvr>
+    <a:masterClrMapping/>
+  </p:clrMapOvr>
+  <p:timing>
+    <p:tnLst>
+      <p:par>
+        <p:cTn id="1" dur="indefinite" restart="never" nodeType="tmRoot"/>
+      </p:par>
+    </p:tnLst>
+  </p:timing>
+</p:sld>
+</file>
+
+<file path=ppt/slides/slide27.xml><?xml version="1.0" encoding="utf-8"?>
+<p:sld xmlns:a="http://schemas.openxmlformats.org/drawingml/2006/main" xmlns:r="http://schemas.openxmlformats.org/officeDocument/2006/relationships" xmlns:p="http://schemas.openxmlformats.org/presentationml/2006/main">
+  <p:cSld>
+    <p:spTree>
+      <p:nvGrpSpPr>
+        <p:cNvPr id="1" name=""/>
+        <p:cNvGrpSpPr/>
+        <p:nvPr/>
+      </p:nvGrpSpPr>
+      <p:grpSpPr>
+        <a:xfrm>
+          <a:off x="0" y="0"/>
+          <a:ext cx="0" cy="0"/>
+          <a:chOff x="0" y="0"/>
+          <a:chExt cx="0" cy="0"/>
+        </a:xfrm>
+      </p:grpSpPr>
+      <p:sp>
+        <p:nvSpPr>
+          <p:cNvPr id="2" name="Titel 1"/>
+          <p:cNvSpPr>
+            <a:spLocks noGrp="1"/>
+          </p:cNvSpPr>
+          <p:nvPr>
+            <p:ph type="title"/>
+          </p:nvPr>
+        </p:nvSpPr>
+        <p:spPr/>
+        <p:txBody>
+          <a:bodyPr/>
+          <a:lstStyle/>
+          <a:p>
+            <a:r>
+              <a:rPr lang="de-DE" dirty="0">
+                <a:solidFill>
+                  <a:srgbClr val="EBEBEB"/>
+                </a:solidFill>
+              </a:rPr>
+              <a:t>Fragen Block B </a:t>
+            </a:r>
+            <a:r>
+              <a:rPr lang="de-DE" sz="2000" i="1" dirty="0">
+                <a:solidFill>
+                  <a:srgbClr val="EBEBEB"/>
+                </a:solidFill>
+              </a:rPr>
+              <a:t>(Prof. C. Müller)</a:t>
+            </a:r>
+            <a:endParaRPr lang="de-DE" dirty="0"/>
+          </a:p>
+        </p:txBody>
+      </p:sp>
+      <p:sp>
+        <p:nvSpPr>
+          <p:cNvPr id="3" name="Inhaltsplatzhalter 2"/>
+          <p:cNvSpPr>
+            <a:spLocks noGrp="1"/>
+          </p:cNvSpPr>
+          <p:nvPr>
+            <p:ph idx="1"/>
+          </p:nvPr>
+        </p:nvSpPr>
+        <p:spPr/>
+        <p:txBody>
+          <a:bodyPr/>
+          <a:lstStyle/>
+          <a:p>
+            <a:r>
+              <a:rPr lang="de-DE" dirty="0"/>
+              <a:t>Sollten sich Daten ändern so</a:t>
+            </a:r>
+          </a:p>
+          <a:p>
+            <a:pPr lvl="1"/>
+            <a:r>
+              <a:rPr lang="de-DE" dirty="0"/>
+              <a:t>Kann das </a:t>
+            </a:r>
+            <a:r>
+              <a:rPr lang="de-DE" dirty="0" err="1"/>
+              <a:t>FuseeAT</a:t>
+            </a:r>
+            <a:r>
+              <a:rPr lang="de-DE" dirty="0"/>
+              <a:t> diese im generierten Teil updaten</a:t>
+            </a:r>
+          </a:p>
+          <a:p>
+            <a:pPr lvl="1"/>
+            <a:r>
+              <a:rPr lang="de-DE" dirty="0"/>
+              <a:t>Kann der nächste Commit diese Dateien dem Programmierer zur Verfügung stellen.</a:t>
+            </a:r>
+          </a:p>
+          <a:p>
+            <a:r>
+              <a:rPr lang="de-DE" dirty="0" smtClean="0"/>
+              <a:t>XML</a:t>
+            </a:r>
+            <a:r>
+              <a:rPr lang="de-DE" baseline="0" dirty="0" smtClean="0"/>
+              <a:t> </a:t>
+            </a:r>
+            <a:r>
+              <a:rPr lang="de-DE" dirty="0" smtClean="0"/>
+              <a:t>Datencontainer unterstützen Programmierer</a:t>
+            </a:r>
+          </a:p>
+          <a:p>
+            <a:pPr lvl="1"/>
+            <a:r>
+              <a:rPr lang="de-DE" dirty="0" smtClean="0"/>
+              <a:t>Werden von </a:t>
+            </a:r>
+            <a:r>
+              <a:rPr lang="de-DE" dirty="0" err="1" smtClean="0"/>
+              <a:t>FuseeAT</a:t>
+            </a:r>
+            <a:r>
+              <a:rPr lang="de-DE" dirty="0" smtClean="0"/>
+              <a:t> aktualisiert.</a:t>
+            </a:r>
+          </a:p>
+          <a:p>
+            <a:pPr lvl="1"/>
+            <a:r>
+              <a:rPr lang="de-DE" dirty="0" smtClean="0"/>
+              <a:t>Können zur Not vom Programmierer angepasst werden.</a:t>
+            </a:r>
+          </a:p>
+          <a:p>
+            <a:pPr lvl="1"/>
+            <a:r>
+              <a:rPr lang="de-DE" dirty="0" smtClean="0"/>
+              <a:t>Updaten gleichzeitig indirekt den generierten Code beim nächsten verwenden des Editors.</a:t>
+            </a:r>
+            <a:endParaRPr lang="de-DE" dirty="0"/>
+          </a:p>
+        </p:txBody>
+      </p:sp>
+    </p:spTree>
+    <p:extLst>
+      <p:ext uri="{BB962C8B-B14F-4D97-AF65-F5344CB8AC3E}">
+        <p14:creationId xmlns:p14="http://schemas.microsoft.com/office/powerpoint/2010/main" val="4167901931"/>
+      </p:ext>
+    </p:extLst>
+  </p:cSld>
+  <p:clrMapOvr>
+    <a:masterClrMapping/>
+  </p:clrMapOvr>
+  <p:timing>
+    <p:tnLst>
+      <p:par>
+        <p:cTn id="1" dur="indefinite" restart="never" nodeType="tmRoot"/>
+      </p:par>
+    </p:tnLst>
+  </p:timing>
+</p:sld>
+</file>
+
+<file path=ppt/slides/slide28.xml><?xml version="1.0" encoding="utf-8"?>
+<p:sld xmlns:a="http://schemas.openxmlformats.org/drawingml/2006/main" xmlns:r="http://schemas.openxmlformats.org/officeDocument/2006/relationships" xmlns:p="http://schemas.openxmlformats.org/presentationml/2006/main">
+  <p:cSld>
+    <p:spTree>
+      <p:nvGrpSpPr>
+        <p:cNvPr id="1" name=""/>
+        <p:cNvGrpSpPr/>
+        <p:nvPr/>
+      </p:nvGrpSpPr>
+      <p:grpSpPr>
+        <a:xfrm>
+          <a:off x="0" y="0"/>
+          <a:ext cx="0" cy="0"/>
+          <a:chOff x="0" y="0"/>
+          <a:chExt cx="0" cy="0"/>
+        </a:xfrm>
+      </p:grpSpPr>
+      <p:sp>
+        <p:nvSpPr>
+          <p:cNvPr id="2" name="Titel 1"/>
+          <p:cNvSpPr>
+            <a:spLocks noGrp="1"/>
+          </p:cNvSpPr>
+          <p:nvPr>
+            <p:ph type="title"/>
+          </p:nvPr>
+        </p:nvSpPr>
+        <p:spPr/>
+        <p:txBody>
+          <a:bodyPr/>
+          <a:lstStyle/>
+          <a:p>
+            <a:r>
+              <a:rPr lang="de-DE" dirty="0" smtClean="0"/>
+              <a:t>Abschluss</a:t>
+            </a:r>
+            <a:endParaRPr lang="de-DE" dirty="0"/>
+          </a:p>
+        </p:txBody>
+      </p:sp>
+      <p:sp>
+        <p:nvSpPr>
+          <p:cNvPr id="3" name="Inhaltsplatzhalter 2"/>
+          <p:cNvSpPr>
+            <a:spLocks noGrp="1"/>
+          </p:cNvSpPr>
+          <p:nvPr>
+            <p:ph idx="1"/>
+          </p:nvPr>
+        </p:nvSpPr>
+        <p:spPr/>
+        <p:txBody>
+          <a:bodyPr/>
+          <a:lstStyle/>
+          <a:p>
+            <a:r>
+              <a:rPr lang="de-DE" dirty="0" smtClean="0"/>
+              <a:t>Fragen und Diskussion des Auditoriums.</a:t>
+            </a:r>
+          </a:p>
+        </p:txBody>
+      </p:sp>
+    </p:spTree>
+    <p:extLst>
+      <p:ext uri="{BB962C8B-B14F-4D97-AF65-F5344CB8AC3E}">
+        <p14:creationId xmlns:p14="http://schemas.microsoft.com/office/powerpoint/2010/main" val="1620754771"/>
+      </p:ext>
+    </p:extLst>
+  </p:cSld>
+  <p:clrMapOvr>
+    <a:masterClrMapping/>
+  </p:clrMapOvr>
+  <p:timing>
+    <p:tnLst>
+      <p:par>
+        <p:cTn id="1" dur="indefinite" restart="never" nodeType="tmRoot"/>
+      </p:par>
+    </p:tnLst>
+  </p:timing>
+</p:sld>
+</file>
+
+<file path=ppt/slides/slide29.xml><?xml version="1.0" encoding="utf-8"?>
+<p:sld xmlns:a="http://schemas.openxmlformats.org/drawingml/2006/main" xmlns:r="http://schemas.openxmlformats.org/officeDocument/2006/relationships" xmlns:p="http://schemas.openxmlformats.org/presentationml/2006/main">
+  <p:cSld>
+    <p:spTree>
+      <p:nvGrpSpPr>
+        <p:cNvPr id="1" name=""/>
+        <p:cNvGrpSpPr/>
+        <p:nvPr/>
+      </p:nvGrpSpPr>
+      <p:grpSpPr>
+        <a:xfrm>
+          <a:off x="0" y="0"/>
+          <a:ext cx="0" cy="0"/>
+          <a:chOff x="0" y="0"/>
+          <a:chExt cx="0" cy="0"/>
+        </a:xfrm>
+      </p:grpSpPr>
+      <p:sp>
+        <p:nvSpPr>
+          <p:cNvPr id="2" name="Titel 1"/>
+          <p:cNvSpPr>
+            <a:spLocks noGrp="1"/>
+          </p:cNvSpPr>
+          <p:nvPr>
+            <p:ph type="title"/>
+          </p:nvPr>
+        </p:nvSpPr>
+        <p:spPr/>
+        <p:txBody>
+          <a:bodyPr/>
+          <a:lstStyle/>
+          <a:p>
+            <a:r>
+              <a:rPr lang="de-DE" dirty="0" smtClean="0"/>
+              <a:t>Verabschiedung und Dank</a:t>
+            </a:r>
+            <a:endParaRPr lang="de-DE" dirty="0"/>
+          </a:p>
+        </p:txBody>
+      </p:sp>
+      <p:sp>
+        <p:nvSpPr>
+          <p:cNvPr id="3" name="Inhaltsplatzhalter 2"/>
+          <p:cNvSpPr>
+            <a:spLocks noGrp="1"/>
+          </p:cNvSpPr>
+          <p:nvPr>
+            <p:ph idx="1"/>
+          </p:nvPr>
+        </p:nvSpPr>
+        <p:spPr/>
+        <p:txBody>
+          <a:bodyPr/>
+          <a:lstStyle/>
+          <a:p>
+            <a:r>
+              <a:rPr lang="de-DE" dirty="0" smtClean="0"/>
+              <a:t>Vielen</a:t>
+            </a:r>
+            <a:r>
+              <a:rPr lang="de-DE" baseline="0" dirty="0" smtClean="0"/>
+              <a:t> Dank an die Betreuer der Arbeit für ihre Unterstützung.</a:t>
+            </a:r>
+          </a:p>
+          <a:p>
+            <a:r>
+              <a:rPr lang="de-DE" baseline="0" dirty="0" smtClean="0"/>
+              <a:t>Vielen Dank an die Fakultät Digitale Medien für die Unterstützung in meiner Tätigkeit als Akademischer Mitarbeiter während des Bearbeitungszeitraums.</a:t>
+            </a:r>
+          </a:p>
+        </p:txBody>
+      </p:sp>
+    </p:spTree>
+    <p:extLst>
+      <p:ext uri="{BB962C8B-B14F-4D97-AF65-F5344CB8AC3E}">
+        <p14:creationId xmlns:p14="http://schemas.microsoft.com/office/powerpoint/2010/main" val="1386344869"/>
       </p:ext>
     </p:extLst>
   </p:cSld>

--- a/Disputation/Praesentation_DominikSteffen.pptx
+++ b/Disputation/Praesentation_DominikSteffen.pptx
@@ -5,7 +5,7 @@
     <p:sldMasterId id="2147483648" r:id="rId1"/>
   </p:sldMasterIdLst>
   <p:notesMasterIdLst>
-    <p:notesMasterId r:id="rId31"/>
+    <p:notesMasterId r:id="rId49"/>
   </p:notesMasterIdLst>
   <p:sldIdLst>
     <p:sldId id="256" r:id="rId2"/>
@@ -22,21 +22,39 @@
     <p:sldId id="264" r:id="rId13"/>
     <p:sldId id="272" r:id="rId14"/>
     <p:sldId id="265" r:id="rId15"/>
-    <p:sldId id="266" r:id="rId16"/>
-    <p:sldId id="277" r:id="rId17"/>
-    <p:sldId id="273" r:id="rId18"/>
-    <p:sldId id="274" r:id="rId19"/>
-    <p:sldId id="275" r:id="rId20"/>
-    <p:sldId id="276" r:id="rId21"/>
-    <p:sldId id="278" r:id="rId22"/>
-    <p:sldId id="279" r:id="rId23"/>
-    <p:sldId id="281" r:id="rId24"/>
-    <p:sldId id="280" r:id="rId25"/>
-    <p:sldId id="284" r:id="rId26"/>
-    <p:sldId id="282" r:id="rId27"/>
-    <p:sldId id="283" r:id="rId28"/>
-    <p:sldId id="267" r:id="rId29"/>
-    <p:sldId id="268" r:id="rId30"/>
+    <p:sldId id="285" r:id="rId16"/>
+    <p:sldId id="286" r:id="rId17"/>
+    <p:sldId id="287" r:id="rId18"/>
+    <p:sldId id="288" r:id="rId19"/>
+    <p:sldId id="289" r:id="rId20"/>
+    <p:sldId id="290" r:id="rId21"/>
+    <p:sldId id="291" r:id="rId22"/>
+    <p:sldId id="292" r:id="rId23"/>
+    <p:sldId id="293" r:id="rId24"/>
+    <p:sldId id="294" r:id="rId25"/>
+    <p:sldId id="295" r:id="rId26"/>
+    <p:sldId id="296" r:id="rId27"/>
+    <p:sldId id="297" r:id="rId28"/>
+    <p:sldId id="298" r:id="rId29"/>
+    <p:sldId id="300" r:id="rId30"/>
+    <p:sldId id="301" r:id="rId31"/>
+    <p:sldId id="302" r:id="rId32"/>
+    <p:sldId id="303" r:id="rId33"/>
+    <p:sldId id="266" r:id="rId34"/>
+    <p:sldId id="277" r:id="rId35"/>
+    <p:sldId id="273" r:id="rId36"/>
+    <p:sldId id="274" r:id="rId37"/>
+    <p:sldId id="275" r:id="rId38"/>
+    <p:sldId id="276" r:id="rId39"/>
+    <p:sldId id="278" r:id="rId40"/>
+    <p:sldId id="279" r:id="rId41"/>
+    <p:sldId id="281" r:id="rId42"/>
+    <p:sldId id="280" r:id="rId43"/>
+    <p:sldId id="284" r:id="rId44"/>
+    <p:sldId id="282" r:id="rId45"/>
+    <p:sldId id="283" r:id="rId46"/>
+    <p:sldId id="267" r:id="rId47"/>
+    <p:sldId id="268" r:id="rId48"/>
   </p:sldIdLst>
   <p:sldSz cx="12192000" cy="6858000"/>
   <p:notesSz cx="6858000" cy="9144000"/>
@@ -1138,7 +1156,7 @@
           <a:p>
             <a:fld id="{B31920E4-02A0-409B-A8B9-098E88402350}" type="slidenum">
               <a:rPr lang="de-DE" smtClean="0"/>
-              <a:t>15</a:t>
+              <a:t>33</a:t>
             </a:fld>
             <a:endParaRPr lang="de-DE"/>
           </a:p>
@@ -1238,7 +1256,7 @@
           <a:p>
             <a:fld id="{B31920E4-02A0-409B-A8B9-098E88402350}" type="slidenum">
               <a:rPr lang="de-DE" smtClean="0"/>
-              <a:t>29</a:t>
+              <a:t>47</a:t>
             </a:fld>
             <a:endParaRPr lang="de-DE"/>
           </a:p>
@@ -7929,7 +7947,19 @@
           <a:bodyPr/>
           <a:lstStyle/>
           <a:p>
-            <a:endParaRPr lang="de-DE"/>
+            <a:r>
+              <a:rPr lang="de-DE" b="1" dirty="0" smtClean="0"/>
+              <a:t>„Welche </a:t>
+            </a:r>
+            <a:r>
+              <a:rPr lang="de-DE" b="1" dirty="0"/>
+              <a:t>Objekte werden von welchen Benutzergruppen wie bearbeitet und wie hängen diese Objekte untereinander zusammen? Und wie entwickeln sich die Abhängigkeiten im Zeitverlauf – also bei Änderungen von Objekten</a:t>
+            </a:r>
+            <a:r>
+              <a:rPr lang="de-DE" b="1" dirty="0" smtClean="0"/>
+              <a:t>?“</a:t>
+            </a:r>
+            <a:endParaRPr lang="de-DE" b="1" dirty="0"/>
           </a:p>
         </p:txBody>
       </p:sp>
@@ -7986,34 +8016,22 @@
           <a:lstStyle/>
           <a:p>
             <a:r>
-              <a:rPr lang="de-DE" dirty="0" smtClean="0"/>
-              <a:t>Fragen Block B</a:t>
-            </a:r>
-            <a:r>
-              <a:rPr lang="de-DE" dirty="0" smtClean="0"/>
-              <a:t> </a:t>
-            </a:r>
-            <a:r>
-              <a:rPr lang="de-DE" sz="2000" i="1" dirty="0" smtClean="0"/>
-              <a:t>(</a:t>
-            </a:r>
-            <a:r>
-              <a:rPr lang="de-DE" sz="2000" i="1" dirty="0" smtClean="0"/>
-              <a:t>Prof</a:t>
-            </a:r>
-            <a:r>
-              <a:rPr lang="de-DE" sz="2000" i="1" dirty="0" smtClean="0"/>
-              <a:t>. </a:t>
-            </a:r>
-            <a:r>
-              <a:rPr lang="de-DE" sz="2000" i="1" dirty="0" smtClean="0"/>
-              <a:t>C. Müller</a:t>
-            </a:r>
-            <a:r>
-              <a:rPr lang="de-DE" sz="2000" i="1" dirty="0" smtClean="0"/>
-              <a:t>)</a:t>
-            </a:r>
-            <a:endParaRPr lang="de-DE" sz="2000" i="1" dirty="0"/>
+              <a:rPr lang="de-DE" dirty="0">
+                <a:solidFill>
+                  <a:srgbClr val="EBEBEB"/>
+                </a:solidFill>
+              </a:rPr>
+              <a:t>Fragen Block A </a:t>
+            </a:r>
+            <a:r>
+              <a:rPr lang="de-DE" sz="2000" i="1" dirty="0">
+                <a:solidFill>
+                  <a:srgbClr val="EBEBEB"/>
+                </a:solidFill>
+              </a:rPr>
+              <a:t>(Prof. Dr. W. Taube)</a:t>
+            </a:r>
+            <a:endParaRPr lang="de-DE" dirty="0"/>
           </a:p>
         </p:txBody>
       </p:sp>
@@ -8029,39 +8047,55 @@
         </p:nvSpPr>
         <p:spPr/>
         <p:txBody>
-          <a:bodyPr>
-            <a:normAutofit/>
-          </a:bodyPr>
-          <a:lstStyle/>
+          <a:bodyPr/>
+          <a:lstStyle/>
+          <a:p>
+            <a:r>
+              <a:rPr lang="de-DE" dirty="0" smtClean="0"/>
+              <a:t>Alle Antworten auf </a:t>
+            </a:r>
+            <a:r>
+              <a:rPr lang="de-DE" dirty="0" err="1" smtClean="0"/>
+              <a:t>Fusee</a:t>
+            </a:r>
+            <a:r>
+              <a:rPr lang="de-DE" dirty="0" smtClean="0"/>
+              <a:t> bezogen</a:t>
+            </a:r>
+          </a:p>
           <a:p>
             <a:pPr lvl="0"/>
             <a:r>
-              <a:rPr lang="de-DE" sz="2400" b="1" dirty="0" smtClean="0"/>
-              <a:t>F1: Welche </a:t>
-            </a:r>
-            <a:r>
-              <a:rPr lang="de-DE" sz="2400" b="1" dirty="0"/>
-              <a:t>Möglichkeiten gibt es, von 3D-Modellierern erzeugte „</a:t>
-            </a:r>
-            <a:r>
-              <a:rPr lang="de-DE" sz="2400" b="1" dirty="0" err="1"/>
-              <a:t>Deliverables</a:t>
-            </a:r>
-            <a:r>
-              <a:rPr lang="de-DE" sz="2400" b="1" dirty="0"/>
-              <a:t>“ (3D-Objekte, 3D-Objekt-Bestandteile, -Eigenschaften) automatisiert als geeignete programmiersprachliche Konstrukte (Klassen/Objekte/Eigenschaften) zu repräsentieren, so dass Programmierer darauf Zugriff haben</a:t>
-            </a:r>
-            <a:r>
-              <a:rPr lang="de-DE" sz="2400" b="1" dirty="0" smtClean="0"/>
-              <a:t>?</a:t>
-            </a:r>
+              <a:rPr lang="de-DE" dirty="0"/>
+              <a:t>Programmierer bearbeiten C# Code Dateien. (Evtl. JS und Projekt-Dateien)</a:t>
+            </a:r>
+          </a:p>
+          <a:p>
+            <a:pPr lvl="0"/>
+            <a:r>
+              <a:rPr lang="de-DE" dirty="0"/>
+              <a:t>Designer und </a:t>
+            </a:r>
+            <a:r>
+              <a:rPr lang="de-DE" dirty="0" err="1"/>
+              <a:t>Artists</a:t>
+            </a:r>
+            <a:r>
+              <a:rPr lang="de-DE" dirty="0"/>
+              <a:t> erstellen Assets (Texturen, Modelle, Sound, etc</a:t>
+            </a:r>
+            <a:r>
+              <a:rPr lang="de-DE" dirty="0" smtClean="0"/>
+              <a:t>.)</a:t>
+            </a:r>
+            <a:endParaRPr lang="de-DE" dirty="0"/>
           </a:p>
         </p:txBody>
       </p:sp>
     </p:spTree>
     <p:extLst>
       <p:ext uri="{BB962C8B-B14F-4D97-AF65-F5344CB8AC3E}">
-        <p14:creationId xmlns:p14="http://schemas.microsoft.com/office/powerpoint/2010/main" val="1356527938"/>
+        <p14:creationId xmlns:p14="http://schemas.microsoft.com/office/powerpoint/2010/main" val="637434444"/>
       </p:ext>
     </p:extLst>
   </p:cSld>
@@ -8116,7 +8150,7 @@
                   <a:srgbClr val="EBEBEB"/>
                 </a:solidFill>
               </a:rPr>
-              <a:t>Fragen Block B </a:t>
+              <a:t>Fragen Block A </a:t>
             </a:r>
             <a:r>
               <a:rPr lang="de-DE" sz="2000" i="1" dirty="0">
@@ -8124,7 +8158,7 @@
                   <a:srgbClr val="EBEBEB"/>
                 </a:solidFill>
               </a:rPr>
-              <a:t>(Prof. C. Müller)</a:t>
+              <a:t>(Prof. Dr. W. Taube)</a:t>
             </a:r>
             <a:endParaRPr lang="de-DE" dirty="0"/>
           </a:p>
@@ -8132,243 +8166,61 @@
       </p:sp>
       <p:sp>
         <p:nvSpPr>
-          <p:cNvPr id="4" name="Abgerundetes Rechteck 3"/>
-          <p:cNvSpPr/>
-          <p:nvPr/>
-        </p:nvSpPr>
-        <p:spPr>
-          <a:xfrm>
-            <a:off x="1498166" y="3158836"/>
-            <a:ext cx="1847707" cy="1018309"/>
-          </a:xfrm>
-          <a:prstGeom prst="roundRect">
-            <a:avLst/>
-          </a:prstGeom>
-          <a:ln>
-            <a:noFill/>
-          </a:ln>
-        </p:spPr>
-        <p:style>
-          <a:lnRef idx="2">
-            <a:schemeClr val="accent6"/>
-          </a:lnRef>
-          <a:fillRef idx="1001">
-            <a:schemeClr val="lt1"/>
-          </a:fillRef>
-          <a:effectRef idx="0">
-            <a:schemeClr val="accent6"/>
-          </a:effectRef>
-          <a:fontRef idx="minor">
-            <a:schemeClr val="dk1"/>
-          </a:fontRef>
-        </p:style>
-        <p:txBody>
-          <a:bodyPr rtlCol="0" anchor="ctr"/>
-          <a:lstStyle/>
-          <a:p>
-            <a:pPr algn="ctr"/>
-            <a:r>
-              <a:rPr lang="de-DE" b="1" dirty="0" smtClean="0"/>
-              <a:t>Trigger </a:t>
-            </a:r>
-          </a:p>
-          <a:p>
-            <a:pPr algn="ctr"/>
-            <a:r>
-              <a:rPr lang="de-DE" b="1" dirty="0" smtClean="0"/>
-              <a:t>im Editor</a:t>
-            </a:r>
-            <a:endParaRPr lang="de-DE" b="1" dirty="0"/>
-          </a:p>
-        </p:txBody>
-      </p:sp>
-      <p:sp>
-        <p:nvSpPr>
-          <p:cNvPr id="5" name="Abgerundetes Rechteck 4"/>
-          <p:cNvSpPr/>
-          <p:nvPr/>
-        </p:nvSpPr>
-        <p:spPr>
-          <a:xfrm>
-            <a:off x="5250699" y="3158835"/>
-            <a:ext cx="1847707" cy="1018309"/>
-          </a:xfrm>
-          <a:prstGeom prst="roundRect">
-            <a:avLst/>
-          </a:prstGeom>
-          <a:ln>
-            <a:noFill/>
-          </a:ln>
-        </p:spPr>
-        <p:style>
-          <a:lnRef idx="2">
-            <a:schemeClr val="accent6"/>
-          </a:lnRef>
-          <a:fillRef idx="1001">
-            <a:schemeClr val="lt1"/>
-          </a:fillRef>
-          <a:effectRef idx="0">
-            <a:schemeClr val="accent6"/>
-          </a:effectRef>
-          <a:fontRef idx="minor">
-            <a:schemeClr val="dk1"/>
-          </a:fontRef>
-        </p:style>
-        <p:txBody>
-          <a:bodyPr rtlCol="0" anchor="ctr"/>
-          <a:lstStyle/>
-          <a:p>
-            <a:pPr algn="ctr"/>
-            <a:r>
-              <a:rPr lang="de-DE" b="1" dirty="0" smtClean="0"/>
-              <a:t>Aktion</a:t>
-            </a:r>
-          </a:p>
-          <a:p>
-            <a:pPr algn="ctr"/>
-            <a:r>
-              <a:rPr lang="de-DE" b="1" dirty="0" smtClean="0"/>
-              <a:t>des </a:t>
-            </a:r>
-            <a:r>
-              <a:rPr lang="de-DE" b="1" dirty="0" err="1" smtClean="0"/>
-              <a:t>FuseeAT</a:t>
-            </a:r>
-            <a:endParaRPr lang="de-DE" b="1" dirty="0"/>
-          </a:p>
-        </p:txBody>
-      </p:sp>
-      <p:sp>
-        <p:nvSpPr>
-          <p:cNvPr id="6" name="Abgerundetes Rechteck 5"/>
-          <p:cNvSpPr/>
-          <p:nvPr/>
-        </p:nvSpPr>
-        <p:spPr>
-          <a:xfrm>
-            <a:off x="9003233" y="3158836"/>
-            <a:ext cx="2095202" cy="1018309"/>
-          </a:xfrm>
-          <a:prstGeom prst="roundRect">
-            <a:avLst/>
-          </a:prstGeom>
-          <a:ln>
-            <a:noFill/>
-          </a:ln>
-        </p:spPr>
-        <p:style>
-          <a:lnRef idx="2">
-            <a:schemeClr val="accent6"/>
-          </a:lnRef>
-          <a:fillRef idx="1001">
-            <a:schemeClr val="lt1"/>
-          </a:fillRef>
-          <a:effectRef idx="0">
-            <a:schemeClr val="accent6"/>
-          </a:effectRef>
-          <a:fontRef idx="minor">
-            <a:schemeClr val="dk1"/>
-          </a:fontRef>
-        </p:style>
-        <p:txBody>
-          <a:bodyPr rtlCol="0" anchor="ctr"/>
-          <a:lstStyle/>
-          <a:p>
-            <a:pPr algn="ctr"/>
-            <a:r>
-              <a:rPr lang="de-DE" b="1" dirty="0" smtClean="0"/>
-              <a:t>Repräsentation der Daten</a:t>
-            </a:r>
-            <a:endParaRPr lang="de-DE" b="1" dirty="0"/>
-          </a:p>
-        </p:txBody>
-      </p:sp>
-      <p:sp>
-        <p:nvSpPr>
-          <p:cNvPr id="7" name="Pfeil nach rechts 6"/>
-          <p:cNvSpPr/>
-          <p:nvPr/>
-        </p:nvSpPr>
-        <p:spPr>
-          <a:xfrm>
-            <a:off x="3955386" y="3475755"/>
-            <a:ext cx="685800" cy="384465"/>
-          </a:xfrm>
-          <a:prstGeom prst="rightArrow">
-            <a:avLst/>
-          </a:prstGeom>
-          <a:ln>
-            <a:noFill/>
-          </a:ln>
-        </p:spPr>
-        <p:style>
-          <a:lnRef idx="2">
-            <a:schemeClr val="accent6"/>
-          </a:lnRef>
-          <a:fillRef idx="1">
-            <a:schemeClr val="lt1"/>
-          </a:fillRef>
-          <a:effectRef idx="0">
-            <a:schemeClr val="accent6"/>
-          </a:effectRef>
-          <a:fontRef idx="minor">
-            <a:schemeClr val="dk1"/>
-          </a:fontRef>
-        </p:style>
-        <p:txBody>
-          <a:bodyPr rtlCol="0" anchor="ctr"/>
-          <a:lstStyle/>
-          <a:p>
-            <a:pPr algn="ctr"/>
-            <a:endParaRPr lang="de-DE"/>
-          </a:p>
-        </p:txBody>
-      </p:sp>
-      <p:sp>
-        <p:nvSpPr>
-          <p:cNvPr id="9" name="Pfeil nach rechts 8"/>
-          <p:cNvSpPr/>
-          <p:nvPr/>
-        </p:nvSpPr>
-        <p:spPr>
-          <a:xfrm>
-            <a:off x="7707919" y="3512120"/>
-            <a:ext cx="685800" cy="384465"/>
-          </a:xfrm>
-          <a:prstGeom prst="rightArrow">
-            <a:avLst/>
-          </a:prstGeom>
-          <a:ln>
-            <a:noFill/>
-          </a:ln>
-        </p:spPr>
-        <p:style>
-          <a:lnRef idx="2">
-            <a:schemeClr val="accent6"/>
-          </a:lnRef>
-          <a:fillRef idx="1">
-            <a:schemeClr val="lt1"/>
-          </a:fillRef>
-          <a:effectRef idx="0">
-            <a:schemeClr val="accent6"/>
-          </a:effectRef>
-          <a:fontRef idx="minor">
-            <a:schemeClr val="dk1"/>
-          </a:fontRef>
-        </p:style>
-        <p:txBody>
-          <a:bodyPr rtlCol="0" anchor="ctr"/>
-          <a:lstStyle/>
-          <a:p>
-            <a:pPr algn="ctr"/>
-            <a:endParaRPr lang="de-DE"/>
+          <p:cNvPr id="3" name="Inhaltsplatzhalter 2"/>
+          <p:cNvSpPr>
+            <a:spLocks noGrp="1"/>
+          </p:cNvSpPr>
+          <p:nvPr>
+            <p:ph idx="1"/>
+          </p:nvPr>
+        </p:nvSpPr>
+        <p:spPr/>
+        <p:txBody>
+          <a:bodyPr/>
+          <a:lstStyle/>
+          <a:p>
+            <a:pPr lvl="0"/>
+            <a:r>
+              <a:rPr lang="de-DE" dirty="0"/>
+              <a:t>Der Zusammenhang: </a:t>
+            </a:r>
+          </a:p>
+          <a:p>
+            <a:pPr lvl="1"/>
+            <a:r>
+              <a:rPr lang="de-DE" dirty="0"/>
+              <a:t>Ergibt sich daraus, dass Programmierer Assets verwenden, um sie in die Spiellogik zu integrieren. </a:t>
+            </a:r>
+          </a:p>
+          <a:p>
+            <a:pPr lvl="1"/>
+            <a:r>
+              <a:rPr lang="de-DE" dirty="0" smtClean="0"/>
+              <a:t>Ergibt </a:t>
+            </a:r>
+            <a:r>
+              <a:rPr lang="de-DE" dirty="0"/>
+              <a:t>sich daraus, dass Designer Code Dateien verwenden um sie in einer Szene zu platzieren, oder ihre Parameter verändern (Geschwindigkeiten, Positionen, etc.).  Sie erstellen Welten aus einer Sammlung von </a:t>
+            </a:r>
+            <a:r>
+              <a:rPr lang="de-DE" dirty="0" smtClean="0"/>
+              <a:t>Assets</a:t>
+            </a:r>
+            <a:r>
+              <a:rPr lang="de-DE" dirty="0"/>
+              <a:t> </a:t>
+            </a:r>
+            <a:r>
+              <a:rPr lang="de-DE" dirty="0" smtClean="0"/>
+              <a:t>und setzen hierzu Skripte und Grafische Assets ein.</a:t>
+            </a:r>
           </a:p>
         </p:txBody>
       </p:sp>
     </p:spTree>
     <p:extLst>
       <p:ext uri="{BB962C8B-B14F-4D97-AF65-F5344CB8AC3E}">
-        <p14:creationId xmlns:p14="http://schemas.microsoft.com/office/powerpoint/2010/main" val="281458669"/>
+        <p14:creationId xmlns:p14="http://schemas.microsoft.com/office/powerpoint/2010/main" val="3819144442"/>
       </p:ext>
     </p:extLst>
   </p:cSld>
@@ -8418,136 +8270,78 @@
           <a:lstStyle/>
           <a:p>
             <a:r>
+              <a:rPr lang="de-DE" dirty="0">
+                <a:solidFill>
+                  <a:srgbClr val="EBEBEB"/>
+                </a:solidFill>
+              </a:rPr>
+              <a:t>Fragen Block A </a:t>
+            </a:r>
+            <a:r>
+              <a:rPr lang="de-DE" sz="2000" i="1" dirty="0">
+                <a:solidFill>
+                  <a:srgbClr val="EBEBEB"/>
+                </a:solidFill>
+              </a:rPr>
+              <a:t>(Prof. Dr. W. Taube)</a:t>
+            </a:r>
+            <a:endParaRPr lang="de-DE" dirty="0"/>
+          </a:p>
+        </p:txBody>
+      </p:sp>
+      <p:sp>
+        <p:nvSpPr>
+          <p:cNvPr id="3" name="Inhaltsplatzhalter 2"/>
+          <p:cNvSpPr>
+            <a:spLocks noGrp="1"/>
+          </p:cNvSpPr>
+          <p:nvPr>
+            <p:ph idx="1"/>
+          </p:nvPr>
+        </p:nvSpPr>
+        <p:spPr/>
+        <p:txBody>
+          <a:bodyPr/>
+          <a:lstStyle/>
+          <a:p>
+            <a:pPr lvl="0"/>
+            <a:r>
               <a:rPr lang="de-DE" dirty="0"/>
-              <a:t>Fragen Block B </a:t>
-            </a:r>
-            <a:r>
-              <a:rPr lang="de-DE" sz="2000" i="1" dirty="0"/>
-              <a:t>(Prof. C. Müller)</a:t>
-            </a:r>
-            <a:endParaRPr lang="de-DE" sz="2000" dirty="0"/>
-          </a:p>
-        </p:txBody>
-      </p:sp>
-      <p:sp>
-        <p:nvSpPr>
-          <p:cNvPr id="3" name="Inhaltsplatzhalter 2"/>
-          <p:cNvSpPr>
-            <a:spLocks noGrp="1"/>
-          </p:cNvSpPr>
-          <p:nvPr>
-            <p:ph idx="1"/>
-          </p:nvPr>
-        </p:nvSpPr>
-        <p:spPr/>
-        <p:txBody>
-          <a:bodyPr/>
-          <a:lstStyle/>
-          <a:p>
-            <a:r>
-              <a:rPr lang="de-DE" dirty="0" smtClean="0"/>
-              <a:t>Trigger zu Beginn:</a:t>
+              <a:t>Während der Entwicklung wachsen diese Objekte meist näher zusammen.</a:t>
+            </a:r>
+          </a:p>
+          <a:p>
+            <a:pPr marL="342900" lvl="1" indent="-342900"/>
+            <a:r>
+              <a:rPr lang="de-DE" dirty="0"/>
+              <a:t>Durch eine Mechanik welche sich im Framework um die Verwaltung der Assets kümmert, muss der jeweilige Entwickler nicht bei jeder neuen Version eines Assets das Objekt neu einbinden, sondern durch eine Referenz geschieht dies „automatisch“. Code Dateien sind für das Verhalten von Assets im Produkt verantwortlich.</a:t>
+            </a:r>
+          </a:p>
+          <a:p>
+            <a:pPr lvl="0"/>
+            <a:r>
+              <a:rPr lang="de-DE" dirty="0"/>
+              <a:t>Theoretisch soll eine möglichst lose Kopplung der Elemente erreicht werden.</a:t>
             </a:r>
           </a:p>
           <a:p>
             <a:pPr lvl="1"/>
             <a:r>
-              <a:rPr lang="de-DE" dirty="0" smtClean="0"/>
-              <a:t>Von einem Hintergrundprozess oder GUI Aktion (Speichern eines Projektes) ausgehend.</a:t>
-            </a:r>
-          </a:p>
-          <a:p>
-            <a:pPr lvl="0"/>
-            <a:r>
-              <a:rPr lang="de-DE" dirty="0" smtClean="0"/>
-              <a:t>Endbedingungen:</a:t>
-            </a:r>
-            <a:r>
-              <a:rPr lang="de-DE" baseline="0" dirty="0" smtClean="0"/>
-              <a:t> </a:t>
-            </a:r>
-            <a:r>
-              <a:rPr lang="de-DE" dirty="0" smtClean="0"/>
-              <a:t>Die</a:t>
-            </a:r>
-            <a:r>
-              <a:rPr lang="de-DE" baseline="0" dirty="0" smtClean="0"/>
-              <a:t> </a:t>
-            </a:r>
-            <a:r>
-              <a:rPr lang="de-DE" dirty="0" smtClean="0"/>
-              <a:t>„Objektrelation“ muss für das </a:t>
-            </a:r>
-            <a:r>
-              <a:rPr lang="de-DE" dirty="0" err="1" smtClean="0"/>
-              <a:t>FuseeAT</a:t>
-            </a:r>
-            <a:r>
-              <a:rPr lang="de-DE" dirty="0" smtClean="0"/>
-              <a:t> </a:t>
-            </a:r>
-            <a:r>
-              <a:rPr lang="de-DE" baseline="0" dirty="0" smtClean="0"/>
-              <a:t>identifizierbar bleiben.</a:t>
-            </a:r>
-          </a:p>
-          <a:p>
-            <a:pPr lvl="1"/>
-            <a:r>
-              <a:rPr lang="de-DE" baseline="0" dirty="0" smtClean="0"/>
-              <a:t>Lesbares Format mit Informationen für das </a:t>
-            </a:r>
-            <a:r>
-              <a:rPr lang="de-DE" baseline="0" dirty="0" err="1" smtClean="0"/>
-              <a:t>FuseeAT</a:t>
-            </a:r>
-            <a:r>
-              <a:rPr lang="de-DE" baseline="0" dirty="0" smtClean="0"/>
-              <a:t> (XML in </a:t>
-            </a:r>
-            <a:r>
-              <a:rPr lang="de-DE" baseline="0" dirty="0" err="1" smtClean="0"/>
-              <a:t>FuseeAT</a:t>
-            </a:r>
-            <a:r>
-              <a:rPr lang="de-DE" baseline="0" dirty="0" smtClean="0"/>
-              <a:t>) enthält:</a:t>
-            </a:r>
-          </a:p>
-          <a:p>
-            <a:pPr lvl="2"/>
-            <a:r>
-              <a:rPr lang="de-DE" baseline="0" dirty="0" smtClean="0"/>
-              <a:t>IDs</a:t>
-            </a:r>
-          </a:p>
-          <a:p>
-            <a:pPr lvl="2"/>
-            <a:r>
-              <a:rPr lang="de-DE" baseline="0" dirty="0" smtClean="0"/>
-              <a:t>Pfade</a:t>
-            </a:r>
-          </a:p>
-          <a:p>
-            <a:pPr lvl="2"/>
-            <a:r>
-              <a:rPr lang="de-DE" baseline="0" dirty="0" smtClean="0"/>
-              <a:t>Prüfsummen</a:t>
-            </a:r>
-          </a:p>
-          <a:p>
-            <a:r>
-              <a:rPr lang="de-DE" dirty="0" smtClean="0"/>
-              <a:t>Wie kann also die das Problem der Aktion gelöst werden?</a:t>
-            </a:r>
-            <a:endParaRPr lang="de-DE" baseline="0" dirty="0" smtClean="0"/>
+              <a:rPr lang="de-DE" dirty="0"/>
+              <a:t>Dies unterstützt den Entwicklungsprozess und vereinfacht das Erstellen der einzelnen Objekte</a:t>
+            </a:r>
+            <a:r>
+              <a:rPr lang="de-DE" dirty="0" smtClean="0"/>
+              <a:t>.</a:t>
+            </a:r>
+            <a:endParaRPr lang="de-DE" dirty="0"/>
           </a:p>
         </p:txBody>
       </p:sp>
     </p:spTree>
     <p:extLst>
       <p:ext uri="{BB962C8B-B14F-4D97-AF65-F5344CB8AC3E}">
-        <p14:creationId xmlns:p14="http://schemas.microsoft.com/office/powerpoint/2010/main" val="1414374061"/>
+        <p14:creationId xmlns:p14="http://schemas.microsoft.com/office/powerpoint/2010/main" val="2237565356"/>
       </p:ext>
     </p:extLst>
   </p:cSld>
@@ -8597,18 +8391,22 @@
           <a:lstStyle/>
           <a:p>
             <a:r>
-              <a:rPr lang="de-DE" dirty="0" smtClean="0"/>
-              <a:t>Fragen</a:t>
-            </a:r>
-            <a:r>
-              <a:rPr lang="de-DE" baseline="0" dirty="0" smtClean="0"/>
-              <a:t> Block B </a:t>
-            </a:r>
-            <a:r>
-              <a:rPr lang="de-DE" sz="2000" i="1" baseline="0" dirty="0" smtClean="0"/>
-              <a:t>(Prof. C. Müller)</a:t>
-            </a:r>
-            <a:endParaRPr lang="de-DE" sz="2000" i="1" dirty="0"/>
+              <a:rPr lang="de-DE" dirty="0">
+                <a:solidFill>
+                  <a:srgbClr val="EBEBEB"/>
+                </a:solidFill>
+              </a:rPr>
+              <a:t>Fragen Block A </a:t>
+            </a:r>
+            <a:r>
+              <a:rPr lang="de-DE" sz="2000" i="1" dirty="0">
+                <a:solidFill>
+                  <a:srgbClr val="EBEBEB"/>
+                </a:solidFill>
+              </a:rPr>
+              <a:t>(Prof. Dr. W. Taube)</a:t>
+            </a:r>
+            <a:endParaRPr lang="de-DE" dirty="0"/>
           </a:p>
         </p:txBody>
       </p:sp>
@@ -8624,116 +8422,91 @@
         </p:nvSpPr>
         <p:spPr/>
         <p:txBody>
-          <a:bodyPr>
-            <a:normAutofit lnSpcReduction="10000"/>
-          </a:bodyPr>
-          <a:lstStyle/>
-          <a:p>
-            <a:r>
-              <a:rPr lang="de-DE" dirty="0" smtClean="0"/>
-              <a:t>„</a:t>
-            </a:r>
-            <a:r>
-              <a:rPr lang="de-DE" dirty="0" err="1" smtClean="0"/>
-              <a:t>Deliverable</a:t>
-            </a:r>
-            <a:r>
-              <a:rPr lang="de-DE" dirty="0" smtClean="0"/>
-              <a:t>“ Repräsentation</a:t>
-            </a:r>
-            <a:r>
-              <a:rPr lang="de-DE" baseline="0" dirty="0" smtClean="0"/>
-              <a:t> als C# Klasse für Programmierer</a:t>
-            </a:r>
-          </a:p>
-          <a:p>
-            <a:pPr lvl="1"/>
-            <a:r>
-              <a:rPr lang="de-DE" dirty="0" smtClean="0"/>
-              <a:t>Als Partial Class repräsentieren</a:t>
-            </a:r>
-          </a:p>
-          <a:p>
-            <a:pPr lvl="2"/>
-            <a:r>
-              <a:rPr lang="de-DE" dirty="0" smtClean="0"/>
-              <a:t>Klasse aufgeteilt auf mehrere Files</a:t>
-            </a:r>
-          </a:p>
-          <a:p>
-            <a:pPr lvl="2"/>
-            <a:r>
-              <a:rPr lang="de-DE" dirty="0" smtClean="0"/>
-              <a:t>Compiler baut daraus wieder eine Klasse</a:t>
-            </a:r>
-          </a:p>
-          <a:p>
-            <a:pPr lvl="1"/>
-            <a:r>
-              <a:rPr lang="de-DE" dirty="0" smtClean="0"/>
-              <a:t>Das ermöglicht:</a:t>
-            </a:r>
-          </a:p>
-          <a:p>
-            <a:pPr lvl="2"/>
-            <a:r>
-              <a:rPr lang="de-DE" dirty="0" smtClean="0"/>
-              <a:t>Sauberen</a:t>
-            </a:r>
-            <a:r>
-              <a:rPr lang="de-DE" baseline="0" dirty="0" smtClean="0"/>
-              <a:t> Code.</a:t>
-            </a:r>
-          </a:p>
-          <a:p>
-            <a:pPr lvl="2"/>
-            <a:r>
-              <a:rPr lang="de-DE" dirty="0" smtClean="0"/>
-              <a:t>Generierter</a:t>
-            </a:r>
-            <a:r>
-              <a:rPr lang="de-DE" baseline="0" dirty="0" smtClean="0"/>
-              <a:t> Code getrennt von selbst erstelltem.</a:t>
-            </a:r>
-          </a:p>
-          <a:p>
-            <a:pPr lvl="2"/>
-            <a:r>
-              <a:rPr lang="de-DE" baseline="0" dirty="0" smtClean="0"/>
-              <a:t>System greift nicht in Nutzercode ein.</a:t>
-            </a:r>
-          </a:p>
-          <a:p>
-            <a:pPr lvl="2"/>
-            <a:r>
-              <a:rPr lang="de-DE" baseline="0" dirty="0" smtClean="0"/>
-              <a:t>Informationen zur Projektverwaltung stecken im automatisch generierten Teil. (bzw. Verweise auf XML Datencontainer)</a:t>
-            </a:r>
-          </a:p>
-          <a:p>
-            <a:pPr lvl="1"/>
-            <a:r>
-              <a:rPr lang="de-DE" dirty="0" smtClean="0"/>
-              <a:t>Das bedingt:</a:t>
-            </a:r>
-          </a:p>
-          <a:p>
-            <a:pPr lvl="2"/>
-            <a:r>
-              <a:rPr lang="de-DE" dirty="0" smtClean="0"/>
-              <a:t>Kontrollmechanismen</a:t>
-            </a:r>
-            <a:r>
-              <a:rPr lang="de-DE" baseline="0" dirty="0" smtClean="0"/>
-              <a:t> im Framework ob z.B. Dateien schon vorhanden sind.</a:t>
-            </a:r>
+          <a:bodyPr/>
+          <a:lstStyle/>
+          <a:p>
+            <a:pPr>
+              <a:lnSpc>
+                <a:spcPct val="107000"/>
+              </a:lnSpc>
+              <a:spcAft>
+                <a:spcPts val="800"/>
+              </a:spcAft>
+            </a:pPr>
+            <a:r>
+              <a:rPr lang="de-DE" b="1" dirty="0" smtClean="0">
+                <a:latin typeface="Calibri" panose="020F0502020204030204" pitchFamily="34" charset="0"/>
+                <a:ea typeface="Times New Roman" panose="02020603050405020304" pitchFamily="18" charset="0"/>
+                <a:cs typeface="Times New Roman" panose="02020603050405020304" pitchFamily="18" charset="0"/>
+              </a:rPr>
+              <a:t>F2 - „Wie </a:t>
+            </a:r>
+            <a:r>
+              <a:rPr lang="de-DE" b="1" dirty="0">
+                <a:latin typeface="Calibri" panose="020F0502020204030204" pitchFamily="34" charset="0"/>
+                <a:ea typeface="Times New Roman" panose="02020603050405020304" pitchFamily="18" charset="0"/>
+                <a:cs typeface="Times New Roman" panose="02020603050405020304" pitchFamily="18" charset="0"/>
+              </a:rPr>
+              <a:t>wirken sich denn die unterschiedlichen Sichtweisen der verschiedenen Gruppen auf das konkrete Design des </a:t>
+            </a:r>
+            <a:r>
+              <a:rPr lang="de-DE" b="1" dirty="0" err="1">
+                <a:latin typeface="Calibri" panose="020F0502020204030204" pitchFamily="34" charset="0"/>
+                <a:ea typeface="Times New Roman" panose="02020603050405020304" pitchFamily="18" charset="0"/>
+                <a:cs typeface="Times New Roman" panose="02020603050405020304" pitchFamily="18" charset="0"/>
+              </a:rPr>
+              <a:t>FuseeAT</a:t>
+            </a:r>
+            <a:r>
+              <a:rPr lang="de-DE" b="1" dirty="0">
+                <a:latin typeface="Calibri" panose="020F0502020204030204" pitchFamily="34" charset="0"/>
+                <a:ea typeface="Times New Roman" panose="02020603050405020304" pitchFamily="18" charset="0"/>
+                <a:cs typeface="Times New Roman" panose="02020603050405020304" pitchFamily="18" charset="0"/>
+              </a:rPr>
+              <a:t> aus</a:t>
+            </a:r>
+            <a:r>
+              <a:rPr lang="de-DE" b="1" dirty="0" smtClean="0">
+                <a:latin typeface="Calibri" panose="020F0502020204030204" pitchFamily="34" charset="0"/>
+                <a:ea typeface="Times New Roman" panose="02020603050405020304" pitchFamily="18" charset="0"/>
+                <a:cs typeface="Times New Roman" panose="02020603050405020304" pitchFamily="18" charset="0"/>
+              </a:rPr>
+              <a:t>?“</a:t>
+            </a:r>
+          </a:p>
+          <a:p>
+            <a:pPr lvl="1">
+              <a:lnSpc>
+                <a:spcPct val="107000"/>
+              </a:lnSpc>
+              <a:spcAft>
+                <a:spcPts val="800"/>
+              </a:spcAft>
+            </a:pPr>
+            <a:r>
+              <a:rPr lang="de-DE" dirty="0"/>
+              <a:t>Das nach Entwicklergruppen getrennte Design zeigt sich hauptsächlich durch die Konzeption des </a:t>
+            </a:r>
+            <a:r>
+              <a:rPr lang="de-DE" dirty="0" err="1"/>
+              <a:t>FuseeAT</a:t>
+            </a:r>
+            <a:r>
+              <a:rPr lang="de-DE" dirty="0"/>
+              <a:t> als Framework welches als Vermittler in der Mitte zwischen den jeweiligen Tools sitzt</a:t>
+            </a:r>
+            <a:r>
+              <a:rPr lang="de-DE" dirty="0" smtClean="0"/>
+              <a:t>.</a:t>
+            </a:r>
+            <a:endParaRPr lang="de-DE" b="1" dirty="0"/>
           </a:p>
         </p:txBody>
       </p:sp>
     </p:spTree>
     <p:extLst>
       <p:ext uri="{BB962C8B-B14F-4D97-AF65-F5344CB8AC3E}">
-        <p14:creationId xmlns:p14="http://schemas.microsoft.com/office/powerpoint/2010/main" val="1492797721"/>
+        <p14:creationId xmlns:p14="http://schemas.microsoft.com/office/powerpoint/2010/main" val="2413181115"/>
       </p:ext>
     </p:extLst>
   </p:cSld>
@@ -8788,7 +8561,7 @@
                   <a:srgbClr val="EBEBEB"/>
                 </a:solidFill>
               </a:rPr>
-              <a:t>Fragen Block B </a:t>
+              <a:t>Fragen Block A </a:t>
             </a:r>
             <a:r>
               <a:rPr lang="de-DE" sz="2000" i="1" dirty="0">
@@ -8796,7 +8569,7 @@
                   <a:srgbClr val="EBEBEB"/>
                 </a:solidFill>
               </a:rPr>
-              <a:t>(Prof. C. Müller)</a:t>
+              <a:t>(Prof. Dr. W. Taube)</a:t>
             </a:r>
             <a:endParaRPr lang="de-DE" dirty="0"/>
           </a:p>
@@ -8814,69 +8587,103 @@
         </p:nvSpPr>
         <p:spPr/>
         <p:txBody>
-          <a:bodyPr/>
-          <a:lstStyle/>
-          <a:p>
-            <a:r>
-              <a:rPr lang="de-DE" dirty="0" smtClean="0"/>
-              <a:t>XML Datencontainer</a:t>
+          <a:bodyPr>
+            <a:normAutofit/>
+          </a:bodyPr>
+          <a:lstStyle/>
+          <a:p>
+            <a:r>
+              <a:rPr lang="de-DE" dirty="0" smtClean="0"/>
+              <a:t>Programmierer </a:t>
+            </a:r>
+            <a:r>
+              <a:rPr lang="de-DE" dirty="0"/>
+              <a:t>arbeiten weiterhin in Visual Studio</a:t>
+            </a:r>
+          </a:p>
+          <a:p>
+            <a:r>
+              <a:rPr lang="de-DE" dirty="0" err="1" smtClean="0"/>
+              <a:t>Artists</a:t>
+            </a:r>
+            <a:r>
+              <a:rPr lang="de-DE" dirty="0" smtClean="0"/>
+              <a:t> </a:t>
+            </a:r>
+            <a:r>
+              <a:rPr lang="de-DE" dirty="0"/>
+              <a:t>arbeiten in ihrer Modeling Software (Cinema 4D)</a:t>
             </a:r>
           </a:p>
           <a:p>
             <a:pPr lvl="1"/>
             <a:r>
               <a:rPr lang="de-DE" dirty="0" smtClean="0"/>
-              <a:t>Repräsentiert durch ein </a:t>
-            </a:r>
-            <a:r>
-              <a:rPr lang="de-DE" dirty="0" err="1" smtClean="0"/>
-              <a:t>Struct</a:t>
-            </a:r>
-            <a:endParaRPr lang="de-DE" dirty="0" smtClean="0"/>
+              <a:t>Vereinfachte </a:t>
+            </a:r>
+            <a:r>
+              <a:rPr lang="de-DE" dirty="0" err="1"/>
+              <a:t>repräsentation</a:t>
+            </a:r>
+            <a:r>
+              <a:rPr lang="de-DE" dirty="0"/>
+              <a:t> von Projektoptionen wie:</a:t>
+            </a:r>
           </a:p>
           <a:p>
             <a:pPr lvl="1"/>
             <a:r>
-              <a:rPr lang="de-DE" dirty="0" err="1" smtClean="0"/>
-              <a:t>Serialisierbar</a:t>
-            </a:r>
-            <a:r>
-              <a:rPr lang="de-DE" dirty="0" smtClean="0"/>
-              <a:t> über C# Mechanismen</a:t>
+              <a:rPr lang="de-DE" dirty="0" smtClean="0"/>
+              <a:t>Neues </a:t>
+            </a:r>
+            <a:r>
+              <a:rPr lang="de-DE" dirty="0"/>
+              <a:t>Level erstellen</a:t>
             </a:r>
           </a:p>
           <a:p>
             <a:pPr lvl="1"/>
             <a:r>
               <a:rPr lang="de-DE" dirty="0" smtClean="0"/>
-              <a:t>Enthält</a:t>
-            </a:r>
-            <a:r>
-              <a:rPr lang="de-DE" baseline="0" dirty="0" smtClean="0"/>
-              <a:t> Daten zur „</a:t>
-            </a:r>
-            <a:r>
-              <a:rPr lang="de-DE" baseline="0" dirty="0" err="1" smtClean="0"/>
-              <a:t>Deliverable</a:t>
-            </a:r>
-            <a:r>
-              <a:rPr lang="de-DE" baseline="0" dirty="0" smtClean="0"/>
-              <a:t>“ / „Asset“ Code Relation.</a:t>
+              <a:t>Assets </a:t>
+            </a:r>
+            <a:r>
+              <a:rPr lang="de-DE" dirty="0"/>
+              <a:t>platzieren</a:t>
             </a:r>
           </a:p>
           <a:p>
             <a:pPr lvl="1"/>
             <a:r>
-              <a:rPr lang="de-DE" baseline="0" dirty="0" smtClean="0"/>
-              <a:t>Wird benötigt wenn ein Projekt im Editor geöffnet wird um Relationen wieder herzustellen.</a:t>
-            </a:r>
+              <a:rPr lang="de-DE" dirty="0" smtClean="0"/>
+              <a:t>Code </a:t>
+            </a:r>
+            <a:r>
+              <a:rPr lang="de-DE" dirty="0"/>
+              <a:t>Dateien anlegen</a:t>
+            </a:r>
+          </a:p>
+          <a:p>
+            <a:r>
+              <a:rPr lang="de-DE" dirty="0" smtClean="0"/>
+              <a:t>Designer </a:t>
+            </a:r>
+            <a:r>
+              <a:rPr lang="de-DE" dirty="0"/>
+              <a:t>nutzen bevorzugt die grafische Oberfläche von Cinema 4D, können aber optional in den Code eintauchen</a:t>
+            </a:r>
+            <a:r>
+              <a:rPr lang="de-DE" dirty="0" smtClean="0"/>
+              <a:t>.</a:t>
+            </a:r>
+            <a:endParaRPr lang="de-DE" dirty="0"/>
           </a:p>
         </p:txBody>
       </p:sp>
     </p:spTree>
     <p:extLst>
       <p:ext uri="{BB962C8B-B14F-4D97-AF65-F5344CB8AC3E}">
-        <p14:creationId xmlns:p14="http://schemas.microsoft.com/office/powerpoint/2010/main" val="1784599144"/>
+        <p14:creationId xmlns:p14="http://schemas.microsoft.com/office/powerpoint/2010/main" val="3823420677"/>
       </p:ext>
     </p:extLst>
   </p:cSld>
@@ -9071,6 +8878,3392 @@
                   <a:srgbClr val="EBEBEB"/>
                 </a:solidFill>
               </a:rPr>
+              <a:t>Fragen Block A </a:t>
+            </a:r>
+            <a:r>
+              <a:rPr lang="de-DE" sz="2000" i="1" dirty="0">
+                <a:solidFill>
+                  <a:srgbClr val="EBEBEB"/>
+                </a:solidFill>
+              </a:rPr>
+              <a:t>(Prof. Dr. W. Taube)</a:t>
+            </a:r>
+            <a:endParaRPr lang="de-DE" dirty="0"/>
+          </a:p>
+        </p:txBody>
+      </p:sp>
+      <p:sp>
+        <p:nvSpPr>
+          <p:cNvPr id="3" name="Inhaltsplatzhalter 2"/>
+          <p:cNvSpPr>
+            <a:spLocks noGrp="1"/>
+          </p:cNvSpPr>
+          <p:nvPr>
+            <p:ph idx="1"/>
+          </p:nvPr>
+        </p:nvSpPr>
+        <p:spPr/>
+        <p:txBody>
+          <a:bodyPr>
+            <a:normAutofit lnSpcReduction="10000"/>
+          </a:bodyPr>
+          <a:lstStyle/>
+          <a:p>
+            <a:r>
+              <a:rPr lang="de-DE" dirty="0"/>
+              <a:t>Gesteuert wird die Verwaltung der Projekte von </a:t>
+            </a:r>
+            <a:r>
+              <a:rPr lang="de-DE" dirty="0" err="1" smtClean="0"/>
+              <a:t>FuseeAT</a:t>
+            </a:r>
+            <a:r>
+              <a:rPr lang="de-DE" dirty="0" smtClean="0"/>
+              <a:t> aus.</a:t>
+            </a:r>
+            <a:endParaRPr lang="de-DE" dirty="0"/>
+          </a:p>
+          <a:p>
+            <a:r>
+              <a:rPr lang="de-DE" dirty="0"/>
+              <a:t>Die </a:t>
+            </a:r>
+            <a:r>
+              <a:rPr lang="de-DE" dirty="0" err="1"/>
+              <a:t>Plugins</a:t>
+            </a:r>
+            <a:r>
+              <a:rPr lang="de-DE" dirty="0"/>
+              <a:t> für Cinema 4D erleichtern und ermöglichen den </a:t>
+            </a:r>
+            <a:r>
+              <a:rPr lang="de-DE" dirty="0" err="1"/>
+              <a:t>Artists</a:t>
+            </a:r>
+            <a:r>
+              <a:rPr lang="de-DE" dirty="0"/>
+              <a:t> und Designern die Arbeit an Welten und </a:t>
+            </a:r>
+            <a:r>
+              <a:rPr lang="de-DE" dirty="0" err="1"/>
+              <a:t>Leveln</a:t>
+            </a:r>
+            <a:r>
+              <a:rPr lang="de-DE" dirty="0" smtClean="0"/>
+              <a:t>.</a:t>
+            </a:r>
+          </a:p>
+          <a:p>
+            <a:pPr lvl="1"/>
+            <a:r>
+              <a:rPr lang="de-DE" dirty="0" err="1" smtClean="0"/>
+              <a:t>Fusee</a:t>
+            </a:r>
+            <a:r>
+              <a:rPr lang="de-DE" dirty="0" smtClean="0"/>
+              <a:t> verfügt aktuell über keinen Welt Editor</a:t>
+            </a:r>
+          </a:p>
+          <a:p>
+            <a:pPr lvl="1"/>
+            <a:r>
+              <a:rPr lang="de-DE" dirty="0" smtClean="0"/>
+              <a:t>Level werden von Hand im Code gebaut oder als Geometrie importiert.</a:t>
+            </a:r>
+            <a:endParaRPr lang="de-DE" dirty="0"/>
+          </a:p>
+          <a:p>
+            <a:r>
+              <a:rPr lang="de-DE" dirty="0"/>
+              <a:t>Ein Teil des Designs ist auch der Anforderung an ein Editor Unabhängiges Tool </a:t>
+            </a:r>
+            <a:r>
+              <a:rPr lang="de-DE" dirty="0" smtClean="0"/>
+              <a:t>geschuldet</a:t>
+            </a:r>
+          </a:p>
+          <a:p>
+            <a:pPr lvl="1"/>
+            <a:r>
+              <a:rPr lang="de-DE" dirty="0" smtClean="0">
+                <a:sym typeface="Wingdings" panose="05000000000000000000" pitchFamily="2" charset="2"/>
+              </a:rPr>
+              <a:t> </a:t>
+            </a:r>
+            <a:r>
+              <a:rPr lang="de-DE" dirty="0" smtClean="0"/>
+              <a:t>der </a:t>
+            </a:r>
+            <a:r>
+              <a:rPr lang="de-DE" dirty="0"/>
+              <a:t>Extra „Layer“ „</a:t>
+            </a:r>
+            <a:r>
+              <a:rPr lang="de-DE" dirty="0" err="1"/>
+              <a:t>Plugin</a:t>
+            </a:r>
+            <a:r>
+              <a:rPr lang="de-DE" dirty="0"/>
+              <a:t> Cinema 4D </a:t>
+            </a:r>
+            <a:r>
+              <a:rPr lang="de-DE" dirty="0" err="1"/>
+              <a:t>Uniplug</a:t>
+            </a:r>
+            <a:r>
+              <a:rPr lang="de-DE" dirty="0"/>
+              <a:t> in C#“. </a:t>
+            </a:r>
+            <a:endParaRPr lang="de-DE" dirty="0" smtClean="0"/>
+          </a:p>
+          <a:p>
+            <a:pPr lvl="1"/>
+            <a:r>
+              <a:rPr lang="de-DE" dirty="0" smtClean="0"/>
+              <a:t>Dieser </a:t>
+            </a:r>
+            <a:r>
+              <a:rPr lang="de-DE" dirty="0"/>
+              <a:t>enthält speziellen Cinema 4D Code aber keine </a:t>
+            </a:r>
+            <a:r>
+              <a:rPr lang="de-DE" dirty="0" err="1"/>
+              <a:t>FuseeAT</a:t>
+            </a:r>
+            <a:r>
+              <a:rPr lang="de-DE" dirty="0"/>
+              <a:t> </a:t>
+            </a:r>
+            <a:r>
+              <a:rPr lang="de-DE" dirty="0" smtClean="0"/>
+              <a:t>Funktionalität.</a:t>
+            </a:r>
+          </a:p>
+          <a:p>
+            <a:pPr lvl="1"/>
+            <a:r>
+              <a:rPr lang="de-DE" dirty="0" smtClean="0"/>
+              <a:t>Er </a:t>
+            </a:r>
+            <a:r>
+              <a:rPr lang="de-DE" dirty="0"/>
+              <a:t>ruft diese nur auf. So kann das Tool an andere Editoren angepasst werden</a:t>
+            </a:r>
+            <a:r>
+              <a:rPr lang="de-DE" dirty="0" smtClean="0"/>
+              <a:t>.</a:t>
+            </a:r>
+            <a:endParaRPr lang="de-DE" dirty="0"/>
+          </a:p>
+        </p:txBody>
+      </p:sp>
+    </p:spTree>
+    <p:extLst>
+      <p:ext uri="{BB962C8B-B14F-4D97-AF65-F5344CB8AC3E}">
+        <p14:creationId xmlns:p14="http://schemas.microsoft.com/office/powerpoint/2010/main" val="2536137674"/>
+      </p:ext>
+    </p:extLst>
+  </p:cSld>
+  <p:clrMapOvr>
+    <a:masterClrMapping/>
+  </p:clrMapOvr>
+  <p:timing>
+    <p:tnLst>
+      <p:par>
+        <p:cTn id="1" dur="indefinite" restart="never" nodeType="tmRoot"/>
+      </p:par>
+    </p:tnLst>
+  </p:timing>
+</p:sld>
+</file>
+
+<file path=ppt/slides/slide21.xml><?xml version="1.0" encoding="utf-8"?>
+<p:sld xmlns:a="http://schemas.openxmlformats.org/drawingml/2006/main" xmlns:r="http://schemas.openxmlformats.org/officeDocument/2006/relationships" xmlns:p="http://schemas.openxmlformats.org/presentationml/2006/main">
+  <p:cSld>
+    <p:spTree>
+      <p:nvGrpSpPr>
+        <p:cNvPr id="1" name=""/>
+        <p:cNvGrpSpPr/>
+        <p:nvPr/>
+      </p:nvGrpSpPr>
+      <p:grpSpPr>
+        <a:xfrm>
+          <a:off x="0" y="0"/>
+          <a:ext cx="0" cy="0"/>
+          <a:chOff x="0" y="0"/>
+          <a:chExt cx="0" cy="0"/>
+        </a:xfrm>
+      </p:grpSpPr>
+      <p:sp>
+        <p:nvSpPr>
+          <p:cNvPr id="2" name="Titel 1"/>
+          <p:cNvSpPr>
+            <a:spLocks noGrp="1"/>
+          </p:cNvSpPr>
+          <p:nvPr>
+            <p:ph type="title"/>
+          </p:nvPr>
+        </p:nvSpPr>
+        <p:spPr/>
+        <p:txBody>
+          <a:bodyPr/>
+          <a:lstStyle/>
+          <a:p>
+            <a:r>
+              <a:rPr lang="de-DE" dirty="0">
+                <a:solidFill>
+                  <a:srgbClr val="EBEBEB"/>
+                </a:solidFill>
+              </a:rPr>
+              <a:t>Fragen Block A </a:t>
+            </a:r>
+            <a:r>
+              <a:rPr lang="de-DE" sz="2000" i="1" dirty="0">
+                <a:solidFill>
+                  <a:srgbClr val="EBEBEB"/>
+                </a:solidFill>
+              </a:rPr>
+              <a:t>(Prof. Dr. W. Taube)</a:t>
+            </a:r>
+            <a:endParaRPr lang="de-DE" dirty="0"/>
+          </a:p>
+        </p:txBody>
+      </p:sp>
+      <p:pic>
+        <p:nvPicPr>
+          <p:cNvPr id="4" name="Grafik 3" descr="C:\Users\dominik\Development\MasterThesisWS1415\Source\Bilder\Ueberblick_System.jpg"/>
+          <p:cNvPicPr/>
+          <p:nvPr/>
+        </p:nvPicPr>
+        <p:blipFill>
+          <a:blip r:embed="rId2">
+            <a:extLst>
+              <a:ext uri="{28A0092B-C50C-407E-A947-70E740481C1C}">
+                <a14:useLocalDpi xmlns:a14="http://schemas.microsoft.com/office/drawing/2010/main" val="0"/>
+              </a:ext>
+            </a:extLst>
+          </a:blip>
+          <a:srcRect/>
+          <a:stretch>
+            <a:fillRect/>
+          </a:stretch>
+        </p:blipFill>
+        <p:spPr bwMode="auto">
+          <a:xfrm>
+            <a:off x="3277985" y="1853248"/>
+            <a:ext cx="5760720" cy="3299460"/>
+          </a:xfrm>
+          <a:prstGeom prst="rect">
+            <a:avLst/>
+          </a:prstGeom>
+          <a:noFill/>
+          <a:ln>
+            <a:noFill/>
+          </a:ln>
+        </p:spPr>
+      </p:pic>
+    </p:spTree>
+    <p:extLst>
+      <p:ext uri="{BB962C8B-B14F-4D97-AF65-F5344CB8AC3E}">
+        <p14:creationId xmlns:p14="http://schemas.microsoft.com/office/powerpoint/2010/main" val="690772166"/>
+      </p:ext>
+    </p:extLst>
+  </p:cSld>
+  <p:clrMapOvr>
+    <a:masterClrMapping/>
+  </p:clrMapOvr>
+  <p:timing>
+    <p:tnLst>
+      <p:par>
+        <p:cTn id="1" dur="indefinite" restart="never" nodeType="tmRoot"/>
+      </p:par>
+    </p:tnLst>
+  </p:timing>
+</p:sld>
+</file>
+
+<file path=ppt/slides/slide22.xml><?xml version="1.0" encoding="utf-8"?>
+<p:sld xmlns:a="http://schemas.openxmlformats.org/drawingml/2006/main" xmlns:r="http://schemas.openxmlformats.org/officeDocument/2006/relationships" xmlns:p="http://schemas.openxmlformats.org/presentationml/2006/main">
+  <p:cSld>
+    <p:spTree>
+      <p:nvGrpSpPr>
+        <p:cNvPr id="1" name=""/>
+        <p:cNvGrpSpPr/>
+        <p:nvPr/>
+      </p:nvGrpSpPr>
+      <p:grpSpPr>
+        <a:xfrm>
+          <a:off x="0" y="0"/>
+          <a:ext cx="0" cy="0"/>
+          <a:chOff x="0" y="0"/>
+          <a:chExt cx="0" cy="0"/>
+        </a:xfrm>
+      </p:grpSpPr>
+      <p:sp>
+        <p:nvSpPr>
+          <p:cNvPr id="2" name="Titel 1"/>
+          <p:cNvSpPr>
+            <a:spLocks noGrp="1"/>
+          </p:cNvSpPr>
+          <p:nvPr>
+            <p:ph type="title"/>
+          </p:nvPr>
+        </p:nvSpPr>
+        <p:spPr/>
+        <p:txBody>
+          <a:bodyPr/>
+          <a:lstStyle/>
+          <a:p>
+            <a:r>
+              <a:rPr lang="de-DE" dirty="0">
+                <a:solidFill>
+                  <a:srgbClr val="EBEBEB"/>
+                </a:solidFill>
+              </a:rPr>
+              <a:t>Fragen Block A </a:t>
+            </a:r>
+            <a:r>
+              <a:rPr lang="de-DE" sz="2000" i="1" dirty="0">
+                <a:solidFill>
+                  <a:srgbClr val="EBEBEB"/>
+                </a:solidFill>
+              </a:rPr>
+              <a:t>(Prof. Dr. W. Taube)</a:t>
+            </a:r>
+            <a:endParaRPr lang="de-DE" dirty="0"/>
+          </a:p>
+        </p:txBody>
+      </p:sp>
+      <p:sp>
+        <p:nvSpPr>
+          <p:cNvPr id="3" name="Inhaltsplatzhalter 2"/>
+          <p:cNvSpPr>
+            <a:spLocks noGrp="1"/>
+          </p:cNvSpPr>
+          <p:nvPr>
+            <p:ph idx="1"/>
+          </p:nvPr>
+        </p:nvSpPr>
+        <p:spPr/>
+        <p:txBody>
+          <a:bodyPr/>
+          <a:lstStyle/>
+          <a:p>
+            <a:r>
+              <a:rPr lang="de-DE" dirty="0" smtClean="0"/>
+              <a:t>F3 – „Existieren Zentrale </a:t>
+            </a:r>
+            <a:r>
+              <a:rPr lang="de-DE" dirty="0"/>
+              <a:t>Probleme bei </a:t>
+            </a:r>
+            <a:r>
+              <a:rPr lang="de-DE" dirty="0" smtClean="0"/>
+              <a:t>der </a:t>
+            </a:r>
+            <a:r>
+              <a:rPr lang="de-DE" dirty="0" err="1" smtClean="0"/>
+              <a:t>Versionierung</a:t>
+            </a:r>
+            <a:r>
+              <a:rPr lang="de-DE" dirty="0" smtClean="0"/>
+              <a:t>? </a:t>
+            </a:r>
+            <a:r>
+              <a:rPr lang="de-DE" dirty="0"/>
+              <a:t>Ist das </a:t>
+            </a:r>
+            <a:r>
+              <a:rPr lang="de-DE" dirty="0" smtClean="0"/>
+              <a:t>bei </a:t>
+            </a:r>
+            <a:r>
+              <a:rPr lang="de-DE" dirty="0"/>
+              <a:t>der </a:t>
+            </a:r>
+            <a:r>
+              <a:rPr lang="de-DE" dirty="0" err="1"/>
+              <a:t>FuseeAT</a:t>
+            </a:r>
+            <a:r>
+              <a:rPr lang="de-DE" dirty="0"/>
+              <a:t> der Fall und wie werden die Probleme gelöst? Bei der </a:t>
+            </a:r>
+            <a:r>
+              <a:rPr lang="de-DE" dirty="0" err="1"/>
+              <a:t>Versionierung</a:t>
+            </a:r>
+            <a:r>
+              <a:rPr lang="de-DE" dirty="0"/>
+              <a:t> von Assets verweisen Sie auf </a:t>
+            </a:r>
+            <a:r>
+              <a:rPr lang="de-DE" dirty="0" err="1"/>
+              <a:t>Git</a:t>
+            </a:r>
+            <a:r>
+              <a:rPr lang="de-DE" dirty="0"/>
+              <a:t> (S. 71) – aber das bedeutet ja wieder eine völlig andere Oberfläche mit anderen, gar nicht so einfach zu verstehenden Konzepten</a:t>
+            </a:r>
+            <a:r>
+              <a:rPr lang="de-DE" dirty="0" smtClean="0"/>
+              <a:t>.“</a:t>
+            </a:r>
+            <a:endParaRPr lang="de-DE" dirty="0"/>
+          </a:p>
+        </p:txBody>
+      </p:sp>
+    </p:spTree>
+    <p:extLst>
+      <p:ext uri="{BB962C8B-B14F-4D97-AF65-F5344CB8AC3E}">
+        <p14:creationId xmlns:p14="http://schemas.microsoft.com/office/powerpoint/2010/main" val="1949526875"/>
+      </p:ext>
+    </p:extLst>
+  </p:cSld>
+  <p:clrMapOvr>
+    <a:masterClrMapping/>
+  </p:clrMapOvr>
+  <p:timing>
+    <p:tnLst>
+      <p:par>
+        <p:cTn id="1" dur="indefinite" restart="never" nodeType="tmRoot"/>
+      </p:par>
+    </p:tnLst>
+  </p:timing>
+</p:sld>
+</file>
+
+<file path=ppt/slides/slide23.xml><?xml version="1.0" encoding="utf-8"?>
+<p:sld xmlns:a="http://schemas.openxmlformats.org/drawingml/2006/main" xmlns:r="http://schemas.openxmlformats.org/officeDocument/2006/relationships" xmlns:p="http://schemas.openxmlformats.org/presentationml/2006/main">
+  <p:cSld>
+    <p:spTree>
+      <p:nvGrpSpPr>
+        <p:cNvPr id="1" name=""/>
+        <p:cNvGrpSpPr/>
+        <p:nvPr/>
+      </p:nvGrpSpPr>
+      <p:grpSpPr>
+        <a:xfrm>
+          <a:off x="0" y="0"/>
+          <a:ext cx="0" cy="0"/>
+          <a:chOff x="0" y="0"/>
+          <a:chExt cx="0" cy="0"/>
+        </a:xfrm>
+      </p:grpSpPr>
+      <p:sp>
+        <p:nvSpPr>
+          <p:cNvPr id="2" name="Titel 1"/>
+          <p:cNvSpPr>
+            <a:spLocks noGrp="1"/>
+          </p:cNvSpPr>
+          <p:nvPr>
+            <p:ph type="title"/>
+          </p:nvPr>
+        </p:nvSpPr>
+        <p:spPr/>
+        <p:txBody>
+          <a:bodyPr/>
+          <a:lstStyle/>
+          <a:p>
+            <a:r>
+              <a:rPr lang="de-DE" dirty="0">
+                <a:solidFill>
+                  <a:srgbClr val="EBEBEB"/>
+                </a:solidFill>
+              </a:rPr>
+              <a:t>Fragen Block A </a:t>
+            </a:r>
+            <a:r>
+              <a:rPr lang="de-DE" sz="2000" i="1" dirty="0">
+                <a:solidFill>
+                  <a:srgbClr val="EBEBEB"/>
+                </a:solidFill>
+              </a:rPr>
+              <a:t>(Prof. Dr. W. Taube)</a:t>
+            </a:r>
+            <a:endParaRPr lang="de-DE" dirty="0"/>
+          </a:p>
+        </p:txBody>
+      </p:sp>
+      <p:sp>
+        <p:nvSpPr>
+          <p:cNvPr id="3" name="Inhaltsplatzhalter 2"/>
+          <p:cNvSpPr>
+            <a:spLocks noGrp="1"/>
+          </p:cNvSpPr>
+          <p:nvPr>
+            <p:ph idx="1"/>
+          </p:nvPr>
+        </p:nvSpPr>
+        <p:spPr/>
+        <p:txBody>
+          <a:bodyPr/>
+          <a:lstStyle/>
+          <a:p>
+            <a:r>
+              <a:rPr lang="de-DE" dirty="0" smtClean="0"/>
+              <a:t>Bei </a:t>
+            </a:r>
+            <a:r>
+              <a:rPr lang="de-DE" dirty="0" err="1" smtClean="0"/>
+              <a:t>Fusee</a:t>
+            </a:r>
+            <a:r>
+              <a:rPr lang="de-DE" dirty="0" smtClean="0"/>
+              <a:t> vorerst</a:t>
+            </a:r>
+            <a:r>
+              <a:rPr lang="de-DE" baseline="0" dirty="0" smtClean="0"/>
+              <a:t> keine verlustbehaftete Konvertierung.</a:t>
+            </a:r>
+          </a:p>
+          <a:p>
+            <a:pPr lvl="1"/>
+            <a:r>
+              <a:rPr lang="de-DE" baseline="0" dirty="0" err="1" smtClean="0"/>
+              <a:t>Packaging</a:t>
+            </a:r>
+            <a:r>
+              <a:rPr lang="de-DE" baseline="0" dirty="0" smtClean="0"/>
+              <a:t> etc. ist aktuell nicht implementiert.</a:t>
+            </a:r>
+          </a:p>
+          <a:p>
+            <a:pPr lvl="0"/>
+            <a:r>
+              <a:rPr lang="de-DE" baseline="0" dirty="0" smtClean="0"/>
+              <a:t>Verlustloser Export wird durch Cinema 4D behandelt.</a:t>
+            </a:r>
+          </a:p>
+          <a:p>
+            <a:pPr lvl="1"/>
+            <a:r>
+              <a:rPr lang="de-DE" baseline="0" dirty="0" smtClean="0"/>
+              <a:t>Export als .</a:t>
+            </a:r>
+            <a:r>
+              <a:rPr lang="de-DE" baseline="0" dirty="0" err="1" smtClean="0"/>
+              <a:t>obj</a:t>
+            </a:r>
+            <a:r>
+              <a:rPr lang="de-DE" baseline="0" dirty="0" smtClean="0"/>
+              <a:t> oder .</a:t>
+            </a:r>
+            <a:r>
+              <a:rPr lang="de-DE" baseline="0" dirty="0" err="1" smtClean="0"/>
+              <a:t>fbx</a:t>
+            </a:r>
+            <a:r>
+              <a:rPr lang="de-DE" baseline="0" dirty="0" smtClean="0"/>
+              <a:t> oder .</a:t>
+            </a:r>
+            <a:r>
+              <a:rPr lang="de-DE" baseline="0" dirty="0" err="1" smtClean="0"/>
+              <a:t>fus</a:t>
+            </a:r>
+            <a:endParaRPr lang="de-DE" baseline="0" dirty="0" smtClean="0"/>
+          </a:p>
+          <a:p>
+            <a:pPr lvl="0"/>
+            <a:r>
+              <a:rPr lang="de-DE" baseline="0" dirty="0" smtClean="0"/>
+              <a:t>Die Problematik der </a:t>
+            </a:r>
+            <a:r>
+              <a:rPr lang="de-DE" baseline="0" dirty="0" err="1" smtClean="0"/>
+              <a:t>Versionierung</a:t>
+            </a:r>
+            <a:r>
+              <a:rPr lang="de-DE" baseline="0" dirty="0" smtClean="0"/>
+              <a:t> ergibt sich also nur durch die allgemeine Entwicklung an sich.</a:t>
+            </a:r>
+          </a:p>
+          <a:p>
+            <a:pPr lvl="1"/>
+            <a:r>
+              <a:rPr lang="de-DE" baseline="0" dirty="0" smtClean="0"/>
+              <a:t>Es werden Konzepte zur Lösung des Problems eingesetzt die erprobt sind</a:t>
+            </a:r>
+          </a:p>
+          <a:p>
+            <a:pPr lvl="2"/>
+            <a:r>
+              <a:rPr lang="de-DE" baseline="0" dirty="0" smtClean="0"/>
+              <a:t>Versionskontrolle mit Hilfe</a:t>
+            </a:r>
+            <a:r>
+              <a:rPr lang="de-DE" dirty="0" smtClean="0"/>
+              <a:t> eines erprobten Systems.</a:t>
+            </a:r>
+            <a:endParaRPr lang="de-DE" baseline="0" dirty="0" smtClean="0"/>
+          </a:p>
+        </p:txBody>
+      </p:sp>
+    </p:spTree>
+    <p:extLst>
+      <p:ext uri="{BB962C8B-B14F-4D97-AF65-F5344CB8AC3E}">
+        <p14:creationId xmlns:p14="http://schemas.microsoft.com/office/powerpoint/2010/main" val="2897595323"/>
+      </p:ext>
+    </p:extLst>
+  </p:cSld>
+  <p:clrMapOvr>
+    <a:masterClrMapping/>
+  </p:clrMapOvr>
+  <p:timing>
+    <p:tnLst>
+      <p:par>
+        <p:cTn id="1" dur="indefinite" restart="never" nodeType="tmRoot"/>
+      </p:par>
+    </p:tnLst>
+  </p:timing>
+</p:sld>
+</file>
+
+<file path=ppt/slides/slide24.xml><?xml version="1.0" encoding="utf-8"?>
+<p:sld xmlns:a="http://schemas.openxmlformats.org/drawingml/2006/main" xmlns:r="http://schemas.openxmlformats.org/officeDocument/2006/relationships" xmlns:p="http://schemas.openxmlformats.org/presentationml/2006/main">
+  <p:cSld>
+    <p:spTree>
+      <p:nvGrpSpPr>
+        <p:cNvPr id="1" name=""/>
+        <p:cNvGrpSpPr/>
+        <p:nvPr/>
+      </p:nvGrpSpPr>
+      <p:grpSpPr>
+        <a:xfrm>
+          <a:off x="0" y="0"/>
+          <a:ext cx="0" cy="0"/>
+          <a:chOff x="0" y="0"/>
+          <a:chExt cx="0" cy="0"/>
+        </a:xfrm>
+      </p:grpSpPr>
+      <p:sp>
+        <p:nvSpPr>
+          <p:cNvPr id="2" name="Titel 1"/>
+          <p:cNvSpPr>
+            <a:spLocks noGrp="1"/>
+          </p:cNvSpPr>
+          <p:nvPr>
+            <p:ph type="title"/>
+          </p:nvPr>
+        </p:nvSpPr>
+        <p:spPr/>
+        <p:txBody>
+          <a:bodyPr/>
+          <a:lstStyle/>
+          <a:p>
+            <a:r>
+              <a:rPr lang="de-DE" dirty="0">
+                <a:solidFill>
+                  <a:srgbClr val="EBEBEB"/>
+                </a:solidFill>
+              </a:rPr>
+              <a:t>Fragen Block A </a:t>
+            </a:r>
+            <a:r>
+              <a:rPr lang="de-DE" sz="2000" i="1" dirty="0">
+                <a:solidFill>
+                  <a:srgbClr val="EBEBEB"/>
+                </a:solidFill>
+              </a:rPr>
+              <a:t>(Prof. Dr. W. Taube)</a:t>
+            </a:r>
+            <a:endParaRPr lang="de-DE" dirty="0"/>
+          </a:p>
+        </p:txBody>
+      </p:sp>
+      <p:sp>
+        <p:nvSpPr>
+          <p:cNvPr id="3" name="Inhaltsplatzhalter 2"/>
+          <p:cNvSpPr>
+            <a:spLocks noGrp="1"/>
+          </p:cNvSpPr>
+          <p:nvPr>
+            <p:ph idx="1"/>
+          </p:nvPr>
+        </p:nvSpPr>
+        <p:spPr/>
+        <p:txBody>
+          <a:bodyPr>
+            <a:normAutofit fontScale="92500" lnSpcReduction="10000"/>
+          </a:bodyPr>
+          <a:lstStyle/>
+          <a:p>
+            <a:r>
+              <a:rPr lang="de-DE" dirty="0" smtClean="0"/>
+              <a:t>Wie werden die Assets verwaltet?</a:t>
+            </a:r>
+          </a:p>
+          <a:p>
+            <a:pPr lvl="1"/>
+            <a:r>
+              <a:rPr lang="de-DE" dirty="0" smtClean="0"/>
+              <a:t>Sie werden im Nativen Format vorgehalten.</a:t>
+            </a:r>
+          </a:p>
+          <a:p>
+            <a:pPr lvl="2"/>
+            <a:r>
+              <a:rPr lang="de-DE" dirty="0" smtClean="0"/>
+              <a:t>Für spätere Änderungen und Ergänzungen.</a:t>
+            </a:r>
+          </a:p>
+          <a:p>
+            <a:pPr lvl="1"/>
+            <a:r>
+              <a:rPr lang="de-DE" dirty="0" smtClean="0"/>
+              <a:t>Für den Einsatz im Projekt exportiert und im Projektverzeichnis verortet.</a:t>
+            </a:r>
+          </a:p>
+          <a:p>
+            <a:pPr lvl="0"/>
+            <a:r>
+              <a:rPr lang="de-DE" dirty="0" smtClean="0"/>
+              <a:t>Für die Versionskontrolle</a:t>
+            </a:r>
+            <a:r>
+              <a:rPr lang="de-DE" baseline="0" dirty="0" smtClean="0"/>
+              <a:t> (Arbeit Seite 71, Abschnitt 4.7.2) wird:</a:t>
+            </a:r>
+          </a:p>
+          <a:p>
+            <a:pPr lvl="1"/>
+            <a:r>
+              <a:rPr lang="de-DE" dirty="0" err="1" smtClean="0"/>
+              <a:t>Git</a:t>
+            </a:r>
+            <a:r>
+              <a:rPr lang="de-DE" dirty="0" smtClean="0"/>
+              <a:t> empfohlen.</a:t>
+            </a:r>
+          </a:p>
+          <a:p>
+            <a:pPr lvl="1"/>
+            <a:r>
+              <a:rPr lang="de-DE" dirty="0" err="1" smtClean="0"/>
+              <a:t>Fusee</a:t>
+            </a:r>
+            <a:r>
+              <a:rPr lang="de-DE" dirty="0" smtClean="0"/>
+              <a:t> Projekte werden</a:t>
+            </a:r>
+            <a:r>
+              <a:rPr lang="de-DE" baseline="0" dirty="0" smtClean="0"/>
+              <a:t> aktuell mit GIT verwaltet.</a:t>
+            </a:r>
+          </a:p>
+          <a:p>
+            <a:pPr lvl="1"/>
+            <a:r>
+              <a:rPr lang="de-DE" baseline="0" dirty="0" smtClean="0"/>
+              <a:t>Es macht wenig Sinn eine neue Versionskontrollsoftware zu entwickeln.</a:t>
+            </a:r>
+          </a:p>
+          <a:p>
+            <a:pPr lvl="0"/>
+            <a:r>
+              <a:rPr lang="de-DE" dirty="0" smtClean="0"/>
+              <a:t>Für nicht lesbare Dateiformate</a:t>
+            </a:r>
+            <a:r>
+              <a:rPr lang="de-DE" baseline="0" dirty="0" smtClean="0"/>
+              <a:t> können andere Tools eingesetzt werden.</a:t>
+            </a:r>
+          </a:p>
+          <a:p>
+            <a:pPr lvl="1"/>
+            <a:r>
+              <a:rPr lang="de-DE" dirty="0" err="1" smtClean="0"/>
+              <a:t>Alienbrain</a:t>
+            </a:r>
+            <a:endParaRPr lang="de-DE" dirty="0" smtClean="0"/>
+          </a:p>
+          <a:p>
+            <a:pPr lvl="1"/>
+            <a:r>
+              <a:rPr lang="de-DE" dirty="0" err="1" smtClean="0"/>
+              <a:t>Shotgun</a:t>
+            </a:r>
+            <a:endParaRPr lang="de-DE" dirty="0" smtClean="0"/>
+          </a:p>
+        </p:txBody>
+      </p:sp>
+    </p:spTree>
+    <p:extLst>
+      <p:ext uri="{BB962C8B-B14F-4D97-AF65-F5344CB8AC3E}">
+        <p14:creationId xmlns:p14="http://schemas.microsoft.com/office/powerpoint/2010/main" val="2366645136"/>
+      </p:ext>
+    </p:extLst>
+  </p:cSld>
+  <p:clrMapOvr>
+    <a:masterClrMapping/>
+  </p:clrMapOvr>
+  <p:timing>
+    <p:tnLst>
+      <p:par>
+        <p:cTn id="1" dur="indefinite" restart="never" nodeType="tmRoot"/>
+      </p:par>
+    </p:tnLst>
+  </p:timing>
+</p:sld>
+</file>
+
+<file path=ppt/slides/slide25.xml><?xml version="1.0" encoding="utf-8"?>
+<p:sld xmlns:a="http://schemas.openxmlformats.org/drawingml/2006/main" xmlns:r="http://schemas.openxmlformats.org/officeDocument/2006/relationships" xmlns:p="http://schemas.openxmlformats.org/presentationml/2006/main">
+  <p:cSld>
+    <p:spTree>
+      <p:nvGrpSpPr>
+        <p:cNvPr id="1" name=""/>
+        <p:cNvGrpSpPr/>
+        <p:nvPr/>
+      </p:nvGrpSpPr>
+      <p:grpSpPr>
+        <a:xfrm>
+          <a:off x="0" y="0"/>
+          <a:ext cx="0" cy="0"/>
+          <a:chOff x="0" y="0"/>
+          <a:chExt cx="0" cy="0"/>
+        </a:xfrm>
+      </p:grpSpPr>
+      <p:sp>
+        <p:nvSpPr>
+          <p:cNvPr id="2" name="Titel 1"/>
+          <p:cNvSpPr>
+            <a:spLocks noGrp="1"/>
+          </p:cNvSpPr>
+          <p:nvPr>
+            <p:ph type="title"/>
+          </p:nvPr>
+        </p:nvSpPr>
+        <p:spPr/>
+        <p:txBody>
+          <a:bodyPr/>
+          <a:lstStyle/>
+          <a:p>
+            <a:r>
+              <a:rPr lang="de-DE" dirty="0">
+                <a:solidFill>
+                  <a:srgbClr val="EBEBEB"/>
+                </a:solidFill>
+              </a:rPr>
+              <a:t>Fragen Block A </a:t>
+            </a:r>
+            <a:r>
+              <a:rPr lang="de-DE" sz="2000" i="1" dirty="0">
+                <a:solidFill>
+                  <a:srgbClr val="EBEBEB"/>
+                </a:solidFill>
+              </a:rPr>
+              <a:t>(Prof. Dr. W. Taube)</a:t>
+            </a:r>
+            <a:endParaRPr lang="de-DE" dirty="0"/>
+          </a:p>
+        </p:txBody>
+      </p:sp>
+      <p:sp>
+        <p:nvSpPr>
+          <p:cNvPr id="3" name="Inhaltsplatzhalter 2"/>
+          <p:cNvSpPr>
+            <a:spLocks noGrp="1"/>
+          </p:cNvSpPr>
+          <p:nvPr>
+            <p:ph idx="1"/>
+          </p:nvPr>
+        </p:nvSpPr>
+        <p:spPr/>
+        <p:txBody>
+          <a:bodyPr>
+            <a:normAutofit lnSpcReduction="10000"/>
+          </a:bodyPr>
+          <a:lstStyle/>
+          <a:p>
+            <a:r>
+              <a:rPr lang="de-DE" dirty="0" smtClean="0"/>
+              <a:t>Das</a:t>
+            </a:r>
+            <a:r>
+              <a:rPr lang="de-DE" baseline="0" dirty="0" smtClean="0"/>
+              <a:t> Konzept Versionskontrolle</a:t>
+            </a:r>
+          </a:p>
+          <a:p>
+            <a:pPr lvl="1"/>
+            <a:r>
+              <a:rPr lang="de-DE" dirty="0" smtClean="0"/>
+              <a:t>Sicherlich kein</a:t>
+            </a:r>
+            <a:r>
+              <a:rPr lang="de-DE" baseline="0" dirty="0" smtClean="0"/>
+              <a:t> extrem einfaches Konzept …</a:t>
+            </a:r>
+          </a:p>
+          <a:p>
+            <a:pPr lvl="1"/>
+            <a:r>
+              <a:rPr lang="de-DE" baseline="0" dirty="0" smtClean="0"/>
+              <a:t>… Aber nötig um ein Projekt zu stemmen.</a:t>
+            </a:r>
+          </a:p>
+          <a:p>
+            <a:pPr lvl="0"/>
+            <a:r>
+              <a:rPr lang="de-DE" dirty="0" smtClean="0"/>
+              <a:t>Die anderen analysierten</a:t>
+            </a:r>
+            <a:r>
+              <a:rPr lang="de-DE" baseline="0" dirty="0" smtClean="0"/>
+              <a:t> </a:t>
+            </a:r>
+            <a:r>
+              <a:rPr lang="de-DE" baseline="0" dirty="0" err="1" smtClean="0"/>
+              <a:t>Engines</a:t>
+            </a:r>
+            <a:r>
+              <a:rPr lang="de-DE" baseline="0" dirty="0" smtClean="0"/>
+              <a:t> (</a:t>
+            </a:r>
+            <a:r>
+              <a:rPr lang="de-DE" baseline="0" dirty="0" err="1" smtClean="0"/>
+              <a:t>Unity</a:t>
+            </a:r>
+            <a:r>
+              <a:rPr lang="de-DE" baseline="0" dirty="0" smtClean="0"/>
+              <a:t> und Unreal)</a:t>
+            </a:r>
+          </a:p>
+          <a:p>
+            <a:pPr lvl="1"/>
+            <a:r>
+              <a:rPr lang="de-DE" dirty="0" smtClean="0"/>
+              <a:t>Bieten Versionskontrolle über Schnittstellen</a:t>
+            </a:r>
+          </a:p>
+          <a:p>
+            <a:pPr lvl="1"/>
+            <a:r>
+              <a:rPr lang="de-DE" dirty="0" smtClean="0"/>
+              <a:t>Bieten</a:t>
+            </a:r>
+            <a:r>
+              <a:rPr lang="de-DE" baseline="0" dirty="0" smtClean="0"/>
+              <a:t> Versionskontrolle über:</a:t>
+            </a:r>
+          </a:p>
+          <a:p>
+            <a:pPr lvl="2"/>
+            <a:r>
+              <a:rPr lang="de-DE" dirty="0" smtClean="0"/>
+              <a:t>Lizenzpflichtige Team Server Software</a:t>
+            </a:r>
+          </a:p>
+          <a:p>
+            <a:pPr lvl="2"/>
+            <a:r>
+              <a:rPr lang="de-DE" dirty="0" smtClean="0"/>
+              <a:t>Open Source Software (</a:t>
+            </a:r>
+            <a:r>
+              <a:rPr lang="de-DE" dirty="0" err="1" smtClean="0"/>
+              <a:t>Git</a:t>
+            </a:r>
+            <a:r>
+              <a:rPr lang="de-DE" dirty="0" smtClean="0"/>
+              <a:t>)</a:t>
+            </a:r>
+          </a:p>
+          <a:p>
+            <a:r>
+              <a:rPr lang="de-DE" dirty="0" smtClean="0"/>
+              <a:t>Versionskontrolle muss vom Team verstanden werden.</a:t>
+            </a:r>
+          </a:p>
+          <a:p>
+            <a:pPr lvl="1"/>
+            <a:r>
+              <a:rPr lang="de-DE" dirty="0" smtClean="0"/>
+              <a:t>Einsatz in vielen Projekten</a:t>
+            </a:r>
+          </a:p>
+          <a:p>
+            <a:pPr lvl="1"/>
+            <a:r>
+              <a:rPr lang="de-DE" dirty="0" smtClean="0"/>
+              <a:t>Unreal </a:t>
+            </a:r>
+            <a:r>
+              <a:rPr lang="de-DE" dirty="0" err="1" smtClean="0"/>
+              <a:t>Tournament</a:t>
+            </a:r>
+            <a:r>
+              <a:rPr lang="de-DE" dirty="0" smtClean="0"/>
+              <a:t> als Open Source Community Entwicklung</a:t>
+            </a:r>
+            <a:endParaRPr lang="de-DE" dirty="0"/>
+          </a:p>
+        </p:txBody>
+      </p:sp>
+    </p:spTree>
+    <p:extLst>
+      <p:ext uri="{BB962C8B-B14F-4D97-AF65-F5344CB8AC3E}">
+        <p14:creationId xmlns:p14="http://schemas.microsoft.com/office/powerpoint/2010/main" val="3180782123"/>
+      </p:ext>
+    </p:extLst>
+  </p:cSld>
+  <p:clrMapOvr>
+    <a:masterClrMapping/>
+  </p:clrMapOvr>
+  <p:timing>
+    <p:tnLst>
+      <p:par>
+        <p:cTn id="1" dur="indefinite" restart="never" nodeType="tmRoot"/>
+      </p:par>
+    </p:tnLst>
+  </p:timing>
+</p:sld>
+</file>
+
+<file path=ppt/slides/slide26.xml><?xml version="1.0" encoding="utf-8"?>
+<p:sld xmlns:a="http://schemas.openxmlformats.org/drawingml/2006/main" xmlns:r="http://schemas.openxmlformats.org/officeDocument/2006/relationships" xmlns:p="http://schemas.openxmlformats.org/presentationml/2006/main">
+  <p:cSld>
+    <p:spTree>
+      <p:nvGrpSpPr>
+        <p:cNvPr id="1" name=""/>
+        <p:cNvGrpSpPr/>
+        <p:nvPr/>
+      </p:nvGrpSpPr>
+      <p:grpSpPr>
+        <a:xfrm>
+          <a:off x="0" y="0"/>
+          <a:ext cx="0" cy="0"/>
+          <a:chOff x="0" y="0"/>
+          <a:chExt cx="0" cy="0"/>
+        </a:xfrm>
+      </p:grpSpPr>
+      <p:sp>
+        <p:nvSpPr>
+          <p:cNvPr id="2" name="Titel 1"/>
+          <p:cNvSpPr>
+            <a:spLocks noGrp="1"/>
+          </p:cNvSpPr>
+          <p:nvPr>
+            <p:ph type="title"/>
+          </p:nvPr>
+        </p:nvSpPr>
+        <p:spPr/>
+        <p:txBody>
+          <a:bodyPr/>
+          <a:lstStyle/>
+          <a:p>
+            <a:r>
+              <a:rPr lang="de-DE" dirty="0">
+                <a:solidFill>
+                  <a:srgbClr val="EBEBEB"/>
+                </a:solidFill>
+              </a:rPr>
+              <a:t>Fragen Block A </a:t>
+            </a:r>
+            <a:r>
+              <a:rPr lang="de-DE" sz="2000" i="1" dirty="0">
+                <a:solidFill>
+                  <a:srgbClr val="EBEBEB"/>
+                </a:solidFill>
+              </a:rPr>
+              <a:t>(Prof. Dr. W. Taube)</a:t>
+            </a:r>
+            <a:endParaRPr lang="de-DE" dirty="0"/>
+          </a:p>
+        </p:txBody>
+      </p:sp>
+      <p:sp>
+        <p:nvSpPr>
+          <p:cNvPr id="3" name="Inhaltsplatzhalter 2"/>
+          <p:cNvSpPr>
+            <a:spLocks noGrp="1"/>
+          </p:cNvSpPr>
+          <p:nvPr>
+            <p:ph idx="1"/>
+          </p:nvPr>
+        </p:nvSpPr>
+        <p:spPr/>
+        <p:txBody>
+          <a:bodyPr/>
+          <a:lstStyle/>
+          <a:p>
+            <a:r>
+              <a:rPr lang="de-DE" b="1" dirty="0" smtClean="0"/>
+              <a:t>F4 – „Die </a:t>
+            </a:r>
+            <a:r>
+              <a:rPr lang="de-DE" b="1" dirty="0"/>
+              <a:t>Unterstützung von Arbeitsprozessen macht sich doch sicherlich auch in Screen‐Designs </a:t>
+            </a:r>
+            <a:r>
+              <a:rPr lang="de-DE" b="1" dirty="0" smtClean="0"/>
+              <a:t>für die </a:t>
+            </a:r>
+            <a:r>
+              <a:rPr lang="de-DE" b="1" dirty="0"/>
+              <a:t>unterschiedlichen beteiligten Entwicklergruppen bemerkbar</a:t>
+            </a:r>
+            <a:r>
+              <a:rPr lang="de-DE" b="1" dirty="0" smtClean="0"/>
+              <a:t>?“</a:t>
+            </a:r>
+            <a:endParaRPr lang="de-DE" b="1" dirty="0"/>
+          </a:p>
+          <a:p>
+            <a:pPr lvl="1"/>
+            <a:r>
+              <a:rPr lang="de-DE" dirty="0" smtClean="0"/>
+              <a:t>Leider </a:t>
+            </a:r>
+            <a:r>
+              <a:rPr lang="de-DE" dirty="0" err="1" smtClean="0"/>
+              <a:t>Jein</a:t>
+            </a:r>
+            <a:r>
+              <a:rPr lang="de-DE" dirty="0" smtClean="0"/>
+              <a:t>.</a:t>
+            </a:r>
+          </a:p>
+          <a:p>
+            <a:pPr lvl="1"/>
+            <a:r>
+              <a:rPr lang="de-DE" dirty="0" smtClean="0"/>
+              <a:t>Cinema 4D </a:t>
+            </a:r>
+            <a:r>
+              <a:rPr lang="de-DE" dirty="0" err="1" smtClean="0"/>
+              <a:t>Plugins</a:t>
+            </a:r>
+            <a:r>
+              <a:rPr lang="de-DE" dirty="0" smtClean="0"/>
+              <a:t> ermöglichen keine freie Anpassung des Interfaces.</a:t>
+            </a:r>
+          </a:p>
+          <a:p>
+            <a:pPr lvl="1"/>
+            <a:r>
+              <a:rPr lang="de-DE" dirty="0" smtClean="0"/>
+              <a:t>Hinzufügen von Caption Text und Buttons gestattet.</a:t>
+            </a:r>
+          </a:p>
+          <a:p>
+            <a:pPr lvl="1"/>
+            <a:r>
+              <a:rPr lang="de-DE" dirty="0" smtClean="0"/>
+              <a:t>GUI Funktionalität Problematisch in </a:t>
+            </a:r>
+            <a:r>
+              <a:rPr lang="de-DE" dirty="0" err="1" smtClean="0"/>
+              <a:t>Uniplug</a:t>
+            </a:r>
+            <a:r>
+              <a:rPr lang="de-DE" dirty="0" smtClean="0"/>
+              <a:t>.</a:t>
+            </a:r>
+          </a:p>
+          <a:p>
+            <a:pPr lvl="1"/>
+            <a:r>
+              <a:rPr lang="de-DE" dirty="0" err="1" smtClean="0"/>
+              <a:t>FuseeAT</a:t>
+            </a:r>
+            <a:r>
+              <a:rPr lang="de-DE" dirty="0" smtClean="0"/>
+              <a:t> unterstützt aktuell nur Funktionalität im Hintergrund des Editors und bietet nur wenig GUI Elemente.</a:t>
+            </a:r>
+            <a:endParaRPr lang="de-DE" dirty="0"/>
+          </a:p>
+        </p:txBody>
+      </p:sp>
+    </p:spTree>
+    <p:extLst>
+      <p:ext uri="{BB962C8B-B14F-4D97-AF65-F5344CB8AC3E}">
+        <p14:creationId xmlns:p14="http://schemas.microsoft.com/office/powerpoint/2010/main" val="4062120508"/>
+      </p:ext>
+    </p:extLst>
+  </p:cSld>
+  <p:clrMapOvr>
+    <a:masterClrMapping/>
+  </p:clrMapOvr>
+  <p:timing>
+    <p:tnLst>
+      <p:par>
+        <p:cTn id="1" dur="indefinite" restart="never" nodeType="tmRoot"/>
+      </p:par>
+    </p:tnLst>
+  </p:timing>
+</p:sld>
+</file>
+
+<file path=ppt/slides/slide27.xml><?xml version="1.0" encoding="utf-8"?>
+<p:sld xmlns:a="http://schemas.openxmlformats.org/drawingml/2006/main" xmlns:r="http://schemas.openxmlformats.org/officeDocument/2006/relationships" xmlns:p="http://schemas.openxmlformats.org/presentationml/2006/main">
+  <p:cSld>
+    <p:spTree>
+      <p:nvGrpSpPr>
+        <p:cNvPr id="1" name=""/>
+        <p:cNvGrpSpPr/>
+        <p:nvPr/>
+      </p:nvGrpSpPr>
+      <p:grpSpPr>
+        <a:xfrm>
+          <a:off x="0" y="0"/>
+          <a:ext cx="0" cy="0"/>
+          <a:chOff x="0" y="0"/>
+          <a:chExt cx="0" cy="0"/>
+        </a:xfrm>
+      </p:grpSpPr>
+      <p:sp>
+        <p:nvSpPr>
+          <p:cNvPr id="2" name="Titel 1"/>
+          <p:cNvSpPr>
+            <a:spLocks noGrp="1"/>
+          </p:cNvSpPr>
+          <p:nvPr>
+            <p:ph type="title"/>
+          </p:nvPr>
+        </p:nvSpPr>
+        <p:spPr/>
+        <p:txBody>
+          <a:bodyPr/>
+          <a:lstStyle/>
+          <a:p>
+            <a:r>
+              <a:rPr lang="de-DE" dirty="0">
+                <a:solidFill>
+                  <a:srgbClr val="EBEBEB"/>
+                </a:solidFill>
+              </a:rPr>
+              <a:t>Fragen Block A </a:t>
+            </a:r>
+            <a:r>
+              <a:rPr lang="de-DE" sz="2000" i="1" dirty="0">
+                <a:solidFill>
+                  <a:srgbClr val="EBEBEB"/>
+                </a:solidFill>
+              </a:rPr>
+              <a:t>(Prof. Dr. W. Taube)</a:t>
+            </a:r>
+            <a:endParaRPr lang="de-DE" dirty="0"/>
+          </a:p>
+        </p:txBody>
+      </p:sp>
+      <p:pic>
+        <p:nvPicPr>
+          <p:cNvPr id="4" name="Grafik 3"/>
+          <p:cNvPicPr/>
+          <p:nvPr/>
+        </p:nvPicPr>
+        <p:blipFill>
+          <a:blip r:embed="rId2" cstate="print">
+            <a:extLst>
+              <a:ext uri="{28A0092B-C50C-407E-A947-70E740481C1C}">
+                <a14:useLocalDpi xmlns:a14="http://schemas.microsoft.com/office/drawing/2010/main" val="0"/>
+              </a:ext>
+            </a:extLst>
+          </a:blip>
+          <a:stretch>
+            <a:fillRect/>
+          </a:stretch>
+        </p:blipFill>
+        <p:spPr>
+          <a:xfrm>
+            <a:off x="3070167" y="1853248"/>
+            <a:ext cx="5760720" cy="3240405"/>
+          </a:xfrm>
+          <a:prstGeom prst="rect">
+            <a:avLst/>
+          </a:prstGeom>
+        </p:spPr>
+      </p:pic>
+    </p:spTree>
+    <p:extLst>
+      <p:ext uri="{BB962C8B-B14F-4D97-AF65-F5344CB8AC3E}">
+        <p14:creationId xmlns:p14="http://schemas.microsoft.com/office/powerpoint/2010/main" val="2081648679"/>
+      </p:ext>
+    </p:extLst>
+  </p:cSld>
+  <p:clrMapOvr>
+    <a:masterClrMapping/>
+  </p:clrMapOvr>
+  <p:timing>
+    <p:tnLst>
+      <p:par>
+        <p:cTn id="1" dur="indefinite" restart="never" nodeType="tmRoot"/>
+      </p:par>
+    </p:tnLst>
+  </p:timing>
+</p:sld>
+</file>
+
+<file path=ppt/slides/slide28.xml><?xml version="1.0" encoding="utf-8"?>
+<p:sld xmlns:a="http://schemas.openxmlformats.org/drawingml/2006/main" xmlns:r="http://schemas.openxmlformats.org/officeDocument/2006/relationships" xmlns:p="http://schemas.openxmlformats.org/presentationml/2006/main">
+  <p:cSld>
+    <p:spTree>
+      <p:nvGrpSpPr>
+        <p:cNvPr id="1" name=""/>
+        <p:cNvGrpSpPr/>
+        <p:nvPr/>
+      </p:nvGrpSpPr>
+      <p:grpSpPr>
+        <a:xfrm>
+          <a:off x="0" y="0"/>
+          <a:ext cx="0" cy="0"/>
+          <a:chOff x="0" y="0"/>
+          <a:chExt cx="0" cy="0"/>
+        </a:xfrm>
+      </p:grpSpPr>
+      <p:sp>
+        <p:nvSpPr>
+          <p:cNvPr id="2" name="Titel 1"/>
+          <p:cNvSpPr>
+            <a:spLocks noGrp="1"/>
+          </p:cNvSpPr>
+          <p:nvPr>
+            <p:ph type="title"/>
+          </p:nvPr>
+        </p:nvSpPr>
+        <p:spPr/>
+        <p:txBody>
+          <a:bodyPr/>
+          <a:lstStyle/>
+          <a:p>
+            <a:r>
+              <a:rPr lang="de-DE" dirty="0">
+                <a:solidFill>
+                  <a:srgbClr val="EBEBEB"/>
+                </a:solidFill>
+              </a:rPr>
+              <a:t>Fragen Block A </a:t>
+            </a:r>
+            <a:r>
+              <a:rPr lang="de-DE" sz="2000" i="1" dirty="0">
+                <a:solidFill>
+                  <a:srgbClr val="EBEBEB"/>
+                </a:solidFill>
+              </a:rPr>
+              <a:t>(Prof. Dr. W. Taube)</a:t>
+            </a:r>
+            <a:endParaRPr lang="de-DE" dirty="0"/>
+          </a:p>
+        </p:txBody>
+      </p:sp>
+      <p:sp>
+        <p:nvSpPr>
+          <p:cNvPr id="3" name="Inhaltsplatzhalter 2"/>
+          <p:cNvSpPr>
+            <a:spLocks noGrp="1"/>
+          </p:cNvSpPr>
+          <p:nvPr>
+            <p:ph idx="1"/>
+          </p:nvPr>
+        </p:nvSpPr>
+        <p:spPr/>
+        <p:txBody>
+          <a:bodyPr>
+            <a:normAutofit lnSpcReduction="10000"/>
+          </a:bodyPr>
+          <a:lstStyle/>
+          <a:p>
+            <a:r>
+              <a:rPr lang="de-DE" b="1" dirty="0" smtClean="0"/>
+              <a:t>F5 – „</a:t>
+            </a:r>
+            <a:r>
+              <a:rPr lang="de-DE" b="1" dirty="0"/>
+              <a:t>Wo bleiben </a:t>
+            </a:r>
+            <a:r>
+              <a:rPr lang="de-DE" b="1" dirty="0" smtClean="0"/>
+              <a:t>in </a:t>
+            </a:r>
+            <a:r>
+              <a:rPr lang="de-DE" b="1" dirty="0" err="1" smtClean="0"/>
+              <a:t>Fusee</a:t>
+            </a:r>
+            <a:r>
+              <a:rPr lang="de-DE" b="1" dirty="0" smtClean="0"/>
+              <a:t> (Umwandlung </a:t>
+            </a:r>
+            <a:r>
+              <a:rPr lang="de-DE" b="1" dirty="0"/>
+              <a:t>des C4D in den </a:t>
+            </a:r>
+            <a:r>
+              <a:rPr lang="de-DE" b="1" dirty="0" err="1"/>
+              <a:t>Fusee</a:t>
+            </a:r>
+            <a:r>
+              <a:rPr lang="de-DE" b="1" dirty="0"/>
+              <a:t> Graphen) die zusätzlichen C4D‐Daten? Vermutlich werden sie als Components gespeichert, </a:t>
+            </a:r>
+            <a:r>
+              <a:rPr lang="de-DE" b="1" dirty="0" smtClean="0"/>
+              <a:t>oder? </a:t>
+            </a:r>
+          </a:p>
+          <a:p>
+            <a:r>
+              <a:rPr lang="de-DE" dirty="0" smtClean="0"/>
+              <a:t>Die zusätzlichen </a:t>
+            </a:r>
+            <a:r>
+              <a:rPr lang="de-DE" dirty="0"/>
+              <a:t>Daten können/werden wie Sie angemerkt hatten als Components gespeichert falls sie für die Arbeit mit </a:t>
+            </a:r>
+            <a:r>
+              <a:rPr lang="de-DE" dirty="0" err="1"/>
+              <a:t>Fusee</a:t>
+            </a:r>
+            <a:r>
+              <a:rPr lang="de-DE" dirty="0"/>
+              <a:t>/</a:t>
+            </a:r>
+            <a:r>
+              <a:rPr lang="de-DE" dirty="0" err="1"/>
+              <a:t>FuseeAT</a:t>
+            </a:r>
+            <a:r>
+              <a:rPr lang="de-DE" dirty="0"/>
+              <a:t> benötigt werden</a:t>
+            </a:r>
+            <a:r>
+              <a:rPr lang="de-DE" dirty="0" smtClean="0"/>
+              <a:t>.</a:t>
+            </a:r>
+          </a:p>
+          <a:p>
+            <a:pPr lvl="1"/>
+            <a:r>
+              <a:rPr lang="de-DE" dirty="0" smtClean="0"/>
+              <a:t>Hierzu zählen folgende Daten:</a:t>
+            </a:r>
+          </a:p>
+          <a:p>
+            <a:pPr lvl="2"/>
+            <a:r>
+              <a:rPr lang="de-DE" dirty="0" smtClean="0"/>
+              <a:t>Transformationen (Positionsdaten etc.)</a:t>
+            </a:r>
+          </a:p>
+          <a:p>
+            <a:pPr lvl="2"/>
+            <a:r>
+              <a:rPr lang="de-DE" dirty="0" smtClean="0"/>
+              <a:t>Texturen / Materialien</a:t>
+            </a:r>
+          </a:p>
+          <a:p>
+            <a:pPr lvl="2"/>
+            <a:r>
+              <a:rPr lang="de-DE" dirty="0" err="1" smtClean="0"/>
+              <a:t>Mesh</a:t>
+            </a:r>
+            <a:r>
+              <a:rPr lang="de-DE" dirty="0" smtClean="0"/>
+              <a:t> Objekte (entspricht Geometriedaten)</a:t>
+            </a:r>
+            <a:endParaRPr lang="de-DE" dirty="0"/>
+          </a:p>
+          <a:p>
+            <a:pPr lvl="1"/>
+            <a:r>
+              <a:rPr lang="de-DE" dirty="0"/>
+              <a:t>Cinema 4D speichert aufgrund seiner Natur als Modeling- und Animations-Editor noch weitere Daten welche aktuell nicht in </a:t>
+            </a:r>
+            <a:r>
+              <a:rPr lang="de-DE" dirty="0" err="1"/>
+              <a:t>Fusee</a:t>
+            </a:r>
+            <a:r>
+              <a:rPr lang="de-DE" dirty="0"/>
+              <a:t> verwendet werden</a:t>
+            </a:r>
+            <a:r>
+              <a:rPr lang="de-DE" dirty="0" smtClean="0"/>
+              <a:t>.</a:t>
+            </a:r>
+            <a:endParaRPr lang="de-DE" dirty="0"/>
+          </a:p>
+        </p:txBody>
+      </p:sp>
+    </p:spTree>
+    <p:extLst>
+      <p:ext uri="{BB962C8B-B14F-4D97-AF65-F5344CB8AC3E}">
+        <p14:creationId xmlns:p14="http://schemas.microsoft.com/office/powerpoint/2010/main" val="3423218262"/>
+      </p:ext>
+    </p:extLst>
+  </p:cSld>
+  <p:clrMapOvr>
+    <a:masterClrMapping/>
+  </p:clrMapOvr>
+  <p:timing>
+    <p:tnLst>
+      <p:par>
+        <p:cTn id="1" dur="indefinite" restart="never" nodeType="tmRoot"/>
+      </p:par>
+    </p:tnLst>
+  </p:timing>
+</p:sld>
+</file>
+
+<file path=ppt/slides/slide29.xml><?xml version="1.0" encoding="utf-8"?>
+<p:sld xmlns:a="http://schemas.openxmlformats.org/drawingml/2006/main" xmlns:r="http://schemas.openxmlformats.org/officeDocument/2006/relationships" xmlns:p="http://schemas.openxmlformats.org/presentationml/2006/main">
+  <p:cSld>
+    <p:spTree>
+      <p:nvGrpSpPr>
+        <p:cNvPr id="1" name=""/>
+        <p:cNvGrpSpPr/>
+        <p:nvPr/>
+      </p:nvGrpSpPr>
+      <p:grpSpPr>
+        <a:xfrm>
+          <a:off x="0" y="0"/>
+          <a:ext cx="0" cy="0"/>
+          <a:chOff x="0" y="0"/>
+          <a:chExt cx="0" cy="0"/>
+        </a:xfrm>
+      </p:grpSpPr>
+      <p:sp>
+        <p:nvSpPr>
+          <p:cNvPr id="2" name="Titel 1"/>
+          <p:cNvSpPr>
+            <a:spLocks noGrp="1"/>
+          </p:cNvSpPr>
+          <p:nvPr>
+            <p:ph type="title"/>
+          </p:nvPr>
+        </p:nvSpPr>
+        <p:spPr/>
+        <p:txBody>
+          <a:bodyPr/>
+          <a:lstStyle/>
+          <a:p>
+            <a:r>
+              <a:rPr lang="de-DE" dirty="0">
+                <a:solidFill>
+                  <a:srgbClr val="EBEBEB"/>
+                </a:solidFill>
+              </a:rPr>
+              <a:t>Fragen Block A </a:t>
+            </a:r>
+            <a:r>
+              <a:rPr lang="de-DE" sz="2000" i="1" dirty="0">
+                <a:solidFill>
+                  <a:srgbClr val="EBEBEB"/>
+                </a:solidFill>
+              </a:rPr>
+              <a:t>(Prof. Dr. W. Taube)</a:t>
+            </a:r>
+            <a:endParaRPr lang="de-DE" dirty="0"/>
+          </a:p>
+        </p:txBody>
+      </p:sp>
+      <p:sp>
+        <p:nvSpPr>
+          <p:cNvPr id="3" name="Inhaltsplatzhalter 2"/>
+          <p:cNvSpPr>
+            <a:spLocks noGrp="1"/>
+          </p:cNvSpPr>
+          <p:nvPr>
+            <p:ph idx="1"/>
+          </p:nvPr>
+        </p:nvSpPr>
+        <p:spPr/>
+        <p:txBody>
+          <a:bodyPr>
+            <a:normAutofit/>
+          </a:bodyPr>
+          <a:lstStyle/>
+          <a:p>
+            <a:r>
+              <a:rPr lang="de-DE" b="1" dirty="0" smtClean="0"/>
+              <a:t>F5.5 - Was </a:t>
+            </a:r>
+            <a:r>
+              <a:rPr lang="de-DE" b="1" dirty="0"/>
+              <a:t>ist denn der große Vorteil vom </a:t>
+            </a:r>
+            <a:r>
+              <a:rPr lang="de-DE" b="1" dirty="0" err="1"/>
+              <a:t>Fusee</a:t>
+            </a:r>
+            <a:r>
+              <a:rPr lang="de-DE" b="1" dirty="0"/>
+              <a:t>‐Szenegraphen? Es muss ja einen Sinn haben, die Nodes nur als Container zu fassen</a:t>
+            </a:r>
+            <a:r>
+              <a:rPr lang="de-DE" b="1" dirty="0" smtClean="0"/>
+              <a:t>.“</a:t>
+            </a:r>
+            <a:endParaRPr lang="de-DE" sz="2000" b="0" i="0" kern="1200" dirty="0" smtClean="0">
+              <a:solidFill>
+                <a:schemeClr val="tx1"/>
+              </a:solidFill>
+              <a:effectLst/>
+              <a:latin typeface="+mj-lt"/>
+              <a:ea typeface="+mj-ea"/>
+              <a:cs typeface="+mj-cs"/>
+            </a:endParaRPr>
+          </a:p>
+          <a:p>
+            <a:pPr lvl="1" indent="-342900"/>
+            <a:r>
+              <a:rPr lang="de-DE" sz="1800" b="0" i="0" kern="1200" dirty="0" smtClean="0">
+                <a:solidFill>
+                  <a:schemeClr val="tx1"/>
+                </a:solidFill>
+                <a:effectLst/>
+                <a:latin typeface="+mj-lt"/>
+                <a:ea typeface="+mj-ea"/>
+                <a:cs typeface="+mj-cs"/>
+              </a:rPr>
+              <a:t>Der </a:t>
+            </a:r>
+            <a:r>
+              <a:rPr lang="de-DE" sz="1800" b="0" i="0" kern="1200" dirty="0" err="1" smtClean="0">
+                <a:solidFill>
+                  <a:schemeClr val="tx1"/>
+                </a:solidFill>
+                <a:effectLst/>
+                <a:latin typeface="+mj-lt"/>
+                <a:ea typeface="+mj-ea"/>
+                <a:cs typeface="+mj-cs"/>
+              </a:rPr>
+              <a:t>Fusee</a:t>
+            </a:r>
+            <a:r>
+              <a:rPr lang="de-DE" sz="1800" b="0" i="0" kern="1200" dirty="0" smtClean="0">
+                <a:solidFill>
+                  <a:schemeClr val="tx1"/>
+                </a:solidFill>
+                <a:effectLst/>
+                <a:latin typeface="+mj-lt"/>
+                <a:ea typeface="+mj-ea"/>
+                <a:cs typeface="+mj-cs"/>
+              </a:rPr>
+              <a:t> Szenengraph ist vom </a:t>
+            </a:r>
+            <a:r>
+              <a:rPr lang="de-DE" sz="1800" b="0" i="0" kern="1200" dirty="0" err="1" smtClean="0">
+                <a:solidFill>
+                  <a:schemeClr val="tx1"/>
+                </a:solidFill>
+                <a:effectLst/>
+                <a:latin typeface="+mj-lt"/>
+                <a:ea typeface="+mj-ea"/>
+                <a:cs typeface="+mj-cs"/>
+              </a:rPr>
+              <a:t>Fusee</a:t>
+            </a:r>
+            <a:r>
+              <a:rPr lang="de-DE" sz="1800" b="0" i="0" kern="1200" dirty="0" smtClean="0">
+                <a:solidFill>
+                  <a:schemeClr val="tx1"/>
+                </a:solidFill>
+                <a:effectLst/>
+                <a:latin typeface="+mj-lt"/>
+                <a:ea typeface="+mj-ea"/>
+                <a:cs typeface="+mj-cs"/>
+              </a:rPr>
+              <a:t> Team (in diesem Fall Herrn Prof. C. Müller) entworfen worden um die Traversierung von Szenenobjekten zu vereinfachen und ein auf Components basierendes System mit Hierarchien aufzubauen. </a:t>
+            </a:r>
+          </a:p>
+          <a:p>
+            <a:pPr lvl="1" indent="-342900"/>
+            <a:r>
+              <a:rPr lang="de-DE" dirty="0" smtClean="0"/>
+              <a:t>Die Daten als Components zu hinterlegen ergibt folgende Vorteile:</a:t>
+            </a:r>
+          </a:p>
+          <a:p>
+            <a:pPr lvl="2"/>
+            <a:r>
+              <a:rPr lang="de-DE" dirty="0"/>
+              <a:t>Verschiedene Components können zur Laufzeit unproblematisch ausgetauscht werden</a:t>
+            </a:r>
+          </a:p>
+          <a:p>
+            <a:pPr lvl="3"/>
+            <a:r>
+              <a:rPr lang="de-DE" dirty="0"/>
+              <a:t>Model wechseln</a:t>
+            </a:r>
+          </a:p>
+          <a:p>
+            <a:pPr lvl="3"/>
+            <a:r>
+              <a:rPr lang="de-DE" dirty="0"/>
+              <a:t>Material wechseln</a:t>
+            </a:r>
+          </a:p>
+          <a:p>
+            <a:pPr lvl="3"/>
+            <a:r>
+              <a:rPr lang="de-DE" dirty="0"/>
+              <a:t>Transformationskomponenten </a:t>
+            </a:r>
+            <a:r>
+              <a:rPr lang="de-DE" dirty="0" smtClean="0"/>
+              <a:t>bearbeiten</a:t>
+            </a:r>
+            <a:endParaRPr lang="de-DE" dirty="0"/>
+          </a:p>
+        </p:txBody>
+      </p:sp>
+    </p:spTree>
+    <p:extLst>
+      <p:ext uri="{BB962C8B-B14F-4D97-AF65-F5344CB8AC3E}">
+        <p14:creationId xmlns:p14="http://schemas.microsoft.com/office/powerpoint/2010/main" val="2714486780"/>
+      </p:ext>
+    </p:extLst>
+  </p:cSld>
+  <p:clrMapOvr>
+    <a:masterClrMapping/>
+  </p:clrMapOvr>
+  <p:timing>
+    <p:tnLst>
+      <p:par>
+        <p:cTn id="1" dur="indefinite" restart="never" nodeType="tmRoot"/>
+      </p:par>
+    </p:tnLst>
+  </p:timing>
+</p:sld>
+</file>
+
+<file path=ppt/slides/slide3.xml><?xml version="1.0" encoding="utf-8"?>
+<p:sld xmlns:a="http://schemas.openxmlformats.org/drawingml/2006/main" xmlns:r="http://schemas.openxmlformats.org/officeDocument/2006/relationships" xmlns:p="http://schemas.openxmlformats.org/presentationml/2006/main">
+  <p:cSld>
+    <p:spTree>
+      <p:nvGrpSpPr>
+        <p:cNvPr id="1" name=""/>
+        <p:cNvGrpSpPr/>
+        <p:nvPr/>
+      </p:nvGrpSpPr>
+      <p:grpSpPr>
+        <a:xfrm>
+          <a:off x="0" y="0"/>
+          <a:ext cx="0" cy="0"/>
+          <a:chOff x="0" y="0"/>
+          <a:chExt cx="0" cy="0"/>
+        </a:xfrm>
+      </p:grpSpPr>
+      <p:sp>
+        <p:nvSpPr>
+          <p:cNvPr id="2" name="Titel 1"/>
+          <p:cNvSpPr>
+            <a:spLocks noGrp="1"/>
+          </p:cNvSpPr>
+          <p:nvPr>
+            <p:ph type="title"/>
+          </p:nvPr>
+        </p:nvSpPr>
+        <p:spPr/>
+        <p:txBody>
+          <a:bodyPr/>
+          <a:lstStyle/>
+          <a:p>
+            <a:r>
+              <a:rPr lang="de-DE" sz="4200" b="0" i="0" kern="1200" dirty="0" smtClean="0">
+                <a:solidFill>
+                  <a:schemeClr val="tx2"/>
+                </a:solidFill>
+                <a:effectLst/>
+                <a:latin typeface="+mj-lt"/>
+                <a:ea typeface="+mj-ea"/>
+                <a:cs typeface="+mj-cs"/>
+              </a:rPr>
+              <a:t>Vorstellung des Themas</a:t>
+            </a:r>
+            <a:endParaRPr lang="de-DE" dirty="0"/>
+          </a:p>
+        </p:txBody>
+      </p:sp>
+      <p:sp>
+        <p:nvSpPr>
+          <p:cNvPr id="3" name="Inhaltsplatzhalter 2"/>
+          <p:cNvSpPr>
+            <a:spLocks noGrp="1"/>
+          </p:cNvSpPr>
+          <p:nvPr>
+            <p:ph idx="1"/>
+          </p:nvPr>
+        </p:nvSpPr>
+        <p:spPr/>
+        <p:txBody>
+          <a:bodyPr>
+            <a:normAutofit/>
+          </a:bodyPr>
+          <a:lstStyle/>
+          <a:p>
+            <a:pPr marL="342900" marR="0" lvl="2" indent="-342900" algn="l" defTabSz="457200" rtl="0" eaLnBrk="1" fontAlgn="auto" latinLnBrk="0" hangingPunct="1">
+              <a:lnSpc>
+                <a:spcPct val="100000"/>
+              </a:lnSpc>
+              <a:spcBef>
+                <a:spcPts val="1000"/>
+              </a:spcBef>
+              <a:spcAft>
+                <a:spcPts val="0"/>
+              </a:spcAft>
+              <a:buClr>
+                <a:schemeClr val="bg2">
+                  <a:lumMod val="40000"/>
+                  <a:lumOff val="60000"/>
+                </a:schemeClr>
+              </a:buClr>
+              <a:buSzPct val="80000"/>
+              <a:buFont typeface="Wingdings 3" charset="2"/>
+              <a:buChar char=""/>
+              <a:tabLst/>
+              <a:defRPr/>
+            </a:pPr>
+            <a:r>
+              <a:rPr lang="de-DE" sz="2400" b="1" i="0" kern="1200" dirty="0" smtClean="0">
+                <a:solidFill>
+                  <a:schemeClr val="tx1"/>
+                </a:solidFill>
+                <a:effectLst/>
+                <a:latin typeface="+mj-lt"/>
+                <a:ea typeface="+mj-ea"/>
+                <a:cs typeface="+mj-cs"/>
+              </a:rPr>
+              <a:t>„Analyse des Game </a:t>
+            </a:r>
+            <a:r>
+              <a:rPr lang="de-DE" sz="2400" b="1" i="0" kern="1200" dirty="0" err="1" smtClean="0">
+                <a:solidFill>
+                  <a:schemeClr val="tx1"/>
+                </a:solidFill>
+                <a:effectLst/>
+                <a:latin typeface="+mj-lt"/>
+                <a:ea typeface="+mj-ea"/>
+                <a:cs typeface="+mj-cs"/>
+              </a:rPr>
+              <a:t>Authoring</a:t>
+            </a:r>
+            <a:r>
+              <a:rPr lang="de-DE" sz="2400" b="1" i="0" kern="1200" dirty="0" smtClean="0">
+                <a:solidFill>
+                  <a:schemeClr val="tx1"/>
+                </a:solidFill>
+                <a:effectLst/>
+                <a:latin typeface="+mj-lt"/>
+                <a:ea typeface="+mj-ea"/>
+                <a:cs typeface="+mj-cs"/>
+              </a:rPr>
+              <a:t> Tool Entwicklungsprozesses und Konzeption eines </a:t>
+            </a:r>
+            <a:r>
+              <a:rPr lang="de-DE" sz="2400" b="1" i="0" kern="1200" dirty="0" err="1" smtClean="0">
+                <a:solidFill>
+                  <a:schemeClr val="tx1"/>
+                </a:solidFill>
+                <a:effectLst/>
+                <a:latin typeface="+mj-lt"/>
+                <a:ea typeface="+mj-ea"/>
+                <a:cs typeface="+mj-cs"/>
+              </a:rPr>
+              <a:t>Authoring</a:t>
+            </a:r>
+            <a:r>
+              <a:rPr lang="de-DE" sz="2400" b="1" i="0" kern="1200" dirty="0" smtClean="0">
+                <a:solidFill>
+                  <a:schemeClr val="tx1"/>
+                </a:solidFill>
+                <a:effectLst/>
+                <a:latin typeface="+mj-lt"/>
+                <a:ea typeface="+mj-ea"/>
+                <a:cs typeface="+mj-cs"/>
+              </a:rPr>
+              <a:t> Tool Frameworks“.</a:t>
+            </a:r>
+          </a:p>
+        </p:txBody>
+      </p:sp>
+    </p:spTree>
+    <p:extLst>
+      <p:ext uri="{BB962C8B-B14F-4D97-AF65-F5344CB8AC3E}">
+        <p14:creationId xmlns:p14="http://schemas.microsoft.com/office/powerpoint/2010/main" val="2081582136"/>
+      </p:ext>
+    </p:extLst>
+  </p:cSld>
+  <p:clrMapOvr>
+    <a:masterClrMapping/>
+  </p:clrMapOvr>
+  <p:timing>
+    <p:tnLst>
+      <p:par>
+        <p:cTn id="1" dur="indefinite" restart="never" nodeType="tmRoot"/>
+      </p:par>
+    </p:tnLst>
+  </p:timing>
+</p:sld>
+</file>
+
+<file path=ppt/slides/slide30.xml><?xml version="1.0" encoding="utf-8"?>
+<p:sld xmlns:a="http://schemas.openxmlformats.org/drawingml/2006/main" xmlns:r="http://schemas.openxmlformats.org/officeDocument/2006/relationships" xmlns:p="http://schemas.openxmlformats.org/presentationml/2006/main">
+  <p:cSld>
+    <p:spTree>
+      <p:nvGrpSpPr>
+        <p:cNvPr id="1" name=""/>
+        <p:cNvGrpSpPr/>
+        <p:nvPr/>
+      </p:nvGrpSpPr>
+      <p:grpSpPr>
+        <a:xfrm>
+          <a:off x="0" y="0"/>
+          <a:ext cx="0" cy="0"/>
+          <a:chOff x="0" y="0"/>
+          <a:chExt cx="0" cy="0"/>
+        </a:xfrm>
+      </p:grpSpPr>
+      <p:sp>
+        <p:nvSpPr>
+          <p:cNvPr id="2" name="Titel 1"/>
+          <p:cNvSpPr>
+            <a:spLocks noGrp="1"/>
+          </p:cNvSpPr>
+          <p:nvPr>
+            <p:ph type="title"/>
+          </p:nvPr>
+        </p:nvSpPr>
+        <p:spPr/>
+        <p:txBody>
+          <a:bodyPr/>
+          <a:lstStyle/>
+          <a:p>
+            <a:r>
+              <a:rPr lang="de-DE" dirty="0">
+                <a:solidFill>
+                  <a:srgbClr val="EBEBEB"/>
+                </a:solidFill>
+              </a:rPr>
+              <a:t>Fragen Block A </a:t>
+            </a:r>
+            <a:r>
+              <a:rPr lang="de-DE" sz="2000" i="1" dirty="0">
+                <a:solidFill>
+                  <a:srgbClr val="EBEBEB"/>
+                </a:solidFill>
+              </a:rPr>
+              <a:t>(Prof. Dr. W. Taube)</a:t>
+            </a:r>
+            <a:endParaRPr lang="de-DE" dirty="0"/>
+          </a:p>
+        </p:txBody>
+      </p:sp>
+      <p:sp>
+        <p:nvSpPr>
+          <p:cNvPr id="3" name="Inhaltsplatzhalter 2"/>
+          <p:cNvSpPr>
+            <a:spLocks noGrp="1"/>
+          </p:cNvSpPr>
+          <p:nvPr>
+            <p:ph idx="1"/>
+          </p:nvPr>
+        </p:nvSpPr>
+        <p:spPr/>
+        <p:txBody>
+          <a:bodyPr/>
+          <a:lstStyle/>
+          <a:p>
+            <a:pPr lvl="0"/>
+            <a:r>
+              <a:rPr lang="de-DE" dirty="0"/>
+              <a:t>Es muss hierzu kein neues Szenenobjekt instanziiert </a:t>
+            </a:r>
+            <a:r>
+              <a:rPr lang="de-DE" dirty="0" smtClean="0"/>
+              <a:t>werden.</a:t>
+            </a:r>
+          </a:p>
+          <a:p>
+            <a:pPr lvl="0"/>
+            <a:r>
+              <a:rPr lang="de-DE" dirty="0" smtClean="0"/>
+              <a:t>Es </a:t>
+            </a:r>
+            <a:r>
+              <a:rPr lang="de-DE" dirty="0"/>
+              <a:t>genügt lediglich eine Referenz auf das </a:t>
+            </a:r>
+            <a:r>
+              <a:rPr lang="de-DE" dirty="0" err="1"/>
+              <a:t>Component</a:t>
+            </a:r>
+            <a:r>
+              <a:rPr lang="de-DE" dirty="0"/>
+              <a:t>-Objekt zu verändern um die neuen Eigenschaften an das Szenenobjekt zuzuweisen</a:t>
+            </a:r>
+            <a:r>
+              <a:rPr lang="de-DE" dirty="0" smtClean="0"/>
+              <a:t>.</a:t>
+            </a:r>
+          </a:p>
+          <a:p>
+            <a:pPr lvl="0"/>
+            <a:r>
+              <a:rPr lang="de-DE" dirty="0" smtClean="0"/>
+              <a:t>Das System ist zukünftig erweiterbar für neue </a:t>
+            </a:r>
+            <a:r>
+              <a:rPr lang="de-DE" dirty="0" err="1" smtClean="0"/>
+              <a:t>Component</a:t>
+            </a:r>
+            <a:r>
+              <a:rPr lang="de-DE" dirty="0" smtClean="0"/>
+              <a:t> Typen</a:t>
+            </a:r>
+            <a:endParaRPr lang="de-DE" dirty="0"/>
+          </a:p>
+          <a:p>
+            <a:endParaRPr lang="de-DE" dirty="0"/>
+          </a:p>
+        </p:txBody>
+      </p:sp>
+    </p:spTree>
+    <p:extLst>
+      <p:ext uri="{BB962C8B-B14F-4D97-AF65-F5344CB8AC3E}">
+        <p14:creationId xmlns:p14="http://schemas.microsoft.com/office/powerpoint/2010/main" val="4266975391"/>
+      </p:ext>
+    </p:extLst>
+  </p:cSld>
+  <p:clrMapOvr>
+    <a:masterClrMapping/>
+  </p:clrMapOvr>
+  <p:timing>
+    <p:tnLst>
+      <p:par>
+        <p:cTn id="1" dur="indefinite" restart="never" nodeType="tmRoot"/>
+      </p:par>
+    </p:tnLst>
+  </p:timing>
+</p:sld>
+</file>
+
+<file path=ppt/slides/slide31.xml><?xml version="1.0" encoding="utf-8"?>
+<p:sld xmlns:a="http://schemas.openxmlformats.org/drawingml/2006/main" xmlns:r="http://schemas.openxmlformats.org/officeDocument/2006/relationships" xmlns:p="http://schemas.openxmlformats.org/presentationml/2006/main">
+  <p:cSld>
+    <p:spTree>
+      <p:nvGrpSpPr>
+        <p:cNvPr id="1" name=""/>
+        <p:cNvGrpSpPr/>
+        <p:nvPr/>
+      </p:nvGrpSpPr>
+      <p:grpSpPr>
+        <a:xfrm>
+          <a:off x="0" y="0"/>
+          <a:ext cx="0" cy="0"/>
+          <a:chOff x="0" y="0"/>
+          <a:chExt cx="0" cy="0"/>
+        </a:xfrm>
+      </p:grpSpPr>
+      <p:sp>
+        <p:nvSpPr>
+          <p:cNvPr id="2" name="Titel 1"/>
+          <p:cNvSpPr>
+            <a:spLocks noGrp="1"/>
+          </p:cNvSpPr>
+          <p:nvPr>
+            <p:ph type="title"/>
+          </p:nvPr>
+        </p:nvSpPr>
+        <p:spPr/>
+        <p:txBody>
+          <a:bodyPr/>
+          <a:lstStyle/>
+          <a:p>
+            <a:r>
+              <a:rPr lang="de-DE" dirty="0">
+                <a:solidFill>
+                  <a:srgbClr val="EBEBEB"/>
+                </a:solidFill>
+              </a:rPr>
+              <a:t>Fragen Block A </a:t>
+            </a:r>
+            <a:r>
+              <a:rPr lang="de-DE" sz="2000" i="1" dirty="0">
+                <a:solidFill>
+                  <a:srgbClr val="EBEBEB"/>
+                </a:solidFill>
+              </a:rPr>
+              <a:t>(Prof. Dr. W. Taube)</a:t>
+            </a:r>
+            <a:endParaRPr lang="de-DE" dirty="0"/>
+          </a:p>
+        </p:txBody>
+      </p:sp>
+      <p:sp>
+        <p:nvSpPr>
+          <p:cNvPr id="3" name="Inhaltsplatzhalter 2"/>
+          <p:cNvSpPr>
+            <a:spLocks noGrp="1"/>
+          </p:cNvSpPr>
+          <p:nvPr>
+            <p:ph idx="1"/>
+          </p:nvPr>
+        </p:nvSpPr>
+        <p:spPr/>
+        <p:txBody>
+          <a:bodyPr/>
+          <a:lstStyle/>
+          <a:p>
+            <a:r>
+              <a:rPr lang="de-DE" b="1" dirty="0" smtClean="0"/>
+              <a:t>F6 - "Der </a:t>
+            </a:r>
+            <a:r>
+              <a:rPr lang="de-DE" b="1" dirty="0"/>
+              <a:t>Szenegraph der UE4 gleicht dem </a:t>
+            </a:r>
+            <a:r>
+              <a:rPr lang="de-DE" b="1" dirty="0" err="1"/>
+              <a:t>Fusee</a:t>
+            </a:r>
+            <a:r>
+              <a:rPr lang="de-DE" b="1" dirty="0"/>
+              <a:t> und </a:t>
+            </a:r>
+            <a:r>
+              <a:rPr lang="de-DE" b="1" dirty="0" err="1"/>
+              <a:t>Unity</a:t>
+            </a:r>
+            <a:r>
+              <a:rPr lang="de-DE" b="1" dirty="0"/>
+              <a:t> 3D Szenengraphen stark. …. und darum </a:t>
+            </a:r>
+            <a:r>
+              <a:rPr lang="de-DE" b="1" dirty="0" smtClean="0"/>
+              <a:t>kann das </a:t>
+            </a:r>
+            <a:r>
+              <a:rPr lang="de-DE" b="1" dirty="0"/>
+              <a:t>System von Cinema 4D übernommen werden ohne voraussichtlich dem </a:t>
+            </a:r>
+            <a:r>
+              <a:rPr lang="de-DE" b="1" dirty="0" err="1"/>
+              <a:t>Arbeitsfluß</a:t>
+            </a:r>
+            <a:r>
+              <a:rPr lang="de-DE" b="1" dirty="0"/>
+              <a:t> der </a:t>
+            </a:r>
+            <a:r>
+              <a:rPr lang="de-DE" b="1" dirty="0" smtClean="0"/>
+              <a:t>Designer und </a:t>
+            </a:r>
+            <a:r>
+              <a:rPr lang="de-DE" b="1" dirty="0" err="1"/>
+              <a:t>Artists</a:t>
+            </a:r>
+            <a:r>
+              <a:rPr lang="de-DE" b="1" dirty="0"/>
+              <a:t> zu schaden." ‐ Das ist ja die zentrale </a:t>
+            </a:r>
+            <a:r>
+              <a:rPr lang="de-DE" b="1" dirty="0" smtClean="0"/>
+              <a:t>Fragestellung </a:t>
+            </a:r>
+            <a:r>
+              <a:rPr lang="de-DE" b="1" dirty="0"/>
+              <a:t>der Arbeit, die sie hier einfach </a:t>
+            </a:r>
+            <a:r>
+              <a:rPr lang="de-DE" b="1" dirty="0" smtClean="0"/>
+              <a:t>als gesetzt </a:t>
+            </a:r>
+            <a:r>
+              <a:rPr lang="de-DE" b="1" dirty="0"/>
+              <a:t>voraussetzen und dies bedarf dann doch wohl einer Erläuterung.</a:t>
+            </a:r>
+            <a:endParaRPr lang="de-DE" b="1" dirty="0"/>
+          </a:p>
+        </p:txBody>
+      </p:sp>
+    </p:spTree>
+    <p:extLst>
+      <p:ext uri="{BB962C8B-B14F-4D97-AF65-F5344CB8AC3E}">
+        <p14:creationId xmlns:p14="http://schemas.microsoft.com/office/powerpoint/2010/main" val="273894980"/>
+      </p:ext>
+    </p:extLst>
+  </p:cSld>
+  <p:clrMapOvr>
+    <a:masterClrMapping/>
+  </p:clrMapOvr>
+  <p:timing>
+    <p:tnLst>
+      <p:par>
+        <p:cTn id="1" dur="indefinite" restart="never" nodeType="tmRoot"/>
+      </p:par>
+    </p:tnLst>
+  </p:timing>
+</p:sld>
+</file>
+
+<file path=ppt/slides/slide32.xml><?xml version="1.0" encoding="utf-8"?>
+<p:sld xmlns:a="http://schemas.openxmlformats.org/drawingml/2006/main" xmlns:r="http://schemas.openxmlformats.org/officeDocument/2006/relationships" xmlns:p="http://schemas.openxmlformats.org/presentationml/2006/main">
+  <p:cSld>
+    <p:spTree>
+      <p:nvGrpSpPr>
+        <p:cNvPr id="1" name=""/>
+        <p:cNvGrpSpPr/>
+        <p:nvPr/>
+      </p:nvGrpSpPr>
+      <p:grpSpPr>
+        <a:xfrm>
+          <a:off x="0" y="0"/>
+          <a:ext cx="0" cy="0"/>
+          <a:chOff x="0" y="0"/>
+          <a:chExt cx="0" cy="0"/>
+        </a:xfrm>
+      </p:grpSpPr>
+      <p:sp>
+        <p:nvSpPr>
+          <p:cNvPr id="2" name="Titel 1"/>
+          <p:cNvSpPr>
+            <a:spLocks noGrp="1"/>
+          </p:cNvSpPr>
+          <p:nvPr>
+            <p:ph type="title"/>
+          </p:nvPr>
+        </p:nvSpPr>
+        <p:spPr/>
+        <p:txBody>
+          <a:bodyPr/>
+          <a:lstStyle/>
+          <a:p>
+            <a:r>
+              <a:rPr lang="de-DE" dirty="0">
+                <a:solidFill>
+                  <a:srgbClr val="EBEBEB"/>
+                </a:solidFill>
+              </a:rPr>
+              <a:t>Fragen Block A </a:t>
+            </a:r>
+            <a:r>
+              <a:rPr lang="de-DE" sz="2000" i="1" dirty="0">
+                <a:solidFill>
+                  <a:srgbClr val="EBEBEB"/>
+                </a:solidFill>
+              </a:rPr>
+              <a:t>(Prof. Dr. W. Taube)</a:t>
+            </a:r>
+            <a:endParaRPr lang="de-DE" dirty="0"/>
+          </a:p>
+        </p:txBody>
+      </p:sp>
+      <p:sp>
+        <p:nvSpPr>
+          <p:cNvPr id="3" name="Inhaltsplatzhalter 2"/>
+          <p:cNvSpPr>
+            <a:spLocks noGrp="1"/>
+          </p:cNvSpPr>
+          <p:nvPr>
+            <p:ph idx="1"/>
+          </p:nvPr>
+        </p:nvSpPr>
+        <p:spPr/>
+        <p:txBody>
+          <a:bodyPr>
+            <a:normAutofit lnSpcReduction="10000"/>
+          </a:bodyPr>
+          <a:lstStyle/>
+          <a:p>
+            <a:r>
+              <a:rPr lang="de-DE" dirty="0" smtClean="0"/>
+              <a:t>Der Abschnitt betrachtet die Verwendung des Szenengraphen bzw. der Repräsentation dieses Systems in der </a:t>
+            </a:r>
+            <a:r>
+              <a:rPr lang="de-DE" dirty="0" err="1" smtClean="0"/>
+              <a:t>Fusee</a:t>
+            </a:r>
+            <a:r>
+              <a:rPr lang="de-DE" dirty="0" smtClean="0"/>
+              <a:t> Engine.</a:t>
+            </a:r>
+          </a:p>
+          <a:p>
+            <a:r>
+              <a:rPr lang="de-DE" dirty="0" smtClean="0"/>
+              <a:t>Orientiert sich an Best Practice </a:t>
+            </a:r>
+            <a:r>
+              <a:rPr lang="de-DE" dirty="0" err="1" smtClean="0"/>
+              <a:t>Beispielene</a:t>
+            </a:r>
+            <a:r>
+              <a:rPr lang="de-DE" dirty="0" smtClean="0"/>
+              <a:t> der analysierten </a:t>
+            </a:r>
+            <a:r>
+              <a:rPr lang="de-DE" dirty="0" err="1" smtClean="0"/>
+              <a:t>Engines</a:t>
+            </a:r>
+            <a:endParaRPr lang="de-DE" dirty="0" smtClean="0"/>
+          </a:p>
+          <a:p>
+            <a:pPr lvl="1"/>
+            <a:r>
+              <a:rPr lang="de-DE" dirty="0" err="1" smtClean="0"/>
+              <a:t>Unity</a:t>
+            </a:r>
+            <a:endParaRPr lang="de-DE" dirty="0"/>
+          </a:p>
+          <a:p>
+            <a:pPr lvl="1"/>
+            <a:r>
+              <a:rPr lang="de-DE" dirty="0" smtClean="0"/>
+              <a:t>Unreal Engine 4</a:t>
+            </a:r>
+          </a:p>
+          <a:p>
+            <a:r>
+              <a:rPr lang="de-DE" dirty="0" err="1" smtClean="0"/>
+              <a:t>Component</a:t>
+            </a:r>
+            <a:r>
+              <a:rPr lang="de-DE" dirty="0" smtClean="0"/>
+              <a:t> basiertes Szenengraphen System in </a:t>
+            </a:r>
+            <a:r>
+              <a:rPr lang="de-DE" dirty="0" err="1" smtClean="0"/>
+              <a:t>Fusee</a:t>
+            </a:r>
+            <a:r>
+              <a:rPr lang="de-DE" dirty="0" smtClean="0"/>
+              <a:t> sollte den Workflow nicht beeinträchtigen.</a:t>
+            </a:r>
+          </a:p>
+          <a:p>
+            <a:pPr lvl="1"/>
+            <a:r>
+              <a:rPr lang="de-DE" dirty="0" smtClean="0"/>
+              <a:t>Erfolgreiche Tools auf dem Markt setzen es so ein</a:t>
+            </a:r>
+          </a:p>
+          <a:p>
+            <a:pPr lvl="1"/>
+            <a:r>
+              <a:rPr lang="de-DE" dirty="0" smtClean="0"/>
+              <a:t>Es ist ein bekanntes Konzept in der Spieleentwicklung</a:t>
+            </a:r>
+          </a:p>
+          <a:p>
+            <a:r>
+              <a:rPr lang="de-DE" dirty="0" smtClean="0"/>
+              <a:t>Für </a:t>
+            </a:r>
+            <a:r>
+              <a:rPr lang="de-DE" dirty="0" err="1" smtClean="0"/>
+              <a:t>Artists</a:t>
+            </a:r>
+            <a:r>
+              <a:rPr lang="de-DE" dirty="0" smtClean="0"/>
+              <a:t> und Designer bezieht sich diese Aussage nur auf die Grafische Repräsentation des Konzeptes.</a:t>
+            </a:r>
+            <a:endParaRPr lang="de-DE" dirty="0"/>
+          </a:p>
+        </p:txBody>
+      </p:sp>
+    </p:spTree>
+    <p:extLst>
+      <p:ext uri="{BB962C8B-B14F-4D97-AF65-F5344CB8AC3E}">
+        <p14:creationId xmlns:p14="http://schemas.microsoft.com/office/powerpoint/2010/main" val="3346724891"/>
+      </p:ext>
+    </p:extLst>
+  </p:cSld>
+  <p:clrMapOvr>
+    <a:masterClrMapping/>
+  </p:clrMapOvr>
+  <p:timing>
+    <p:tnLst>
+      <p:par>
+        <p:cTn id="1" dur="indefinite" restart="never" nodeType="tmRoot"/>
+      </p:par>
+    </p:tnLst>
+  </p:timing>
+</p:sld>
+</file>
+
+<file path=ppt/slides/slide33.xml><?xml version="1.0" encoding="utf-8"?>
+<p:sld xmlns:a="http://schemas.openxmlformats.org/drawingml/2006/main" xmlns:r="http://schemas.openxmlformats.org/officeDocument/2006/relationships" xmlns:p="http://schemas.openxmlformats.org/presentationml/2006/main">
+  <p:cSld>
+    <p:spTree>
+      <p:nvGrpSpPr>
+        <p:cNvPr id="1" name=""/>
+        <p:cNvGrpSpPr/>
+        <p:nvPr/>
+      </p:nvGrpSpPr>
+      <p:grpSpPr>
+        <a:xfrm>
+          <a:off x="0" y="0"/>
+          <a:ext cx="0" cy="0"/>
+          <a:chOff x="0" y="0"/>
+          <a:chExt cx="0" cy="0"/>
+        </a:xfrm>
+      </p:grpSpPr>
+      <p:sp>
+        <p:nvSpPr>
+          <p:cNvPr id="2" name="Titel 1"/>
+          <p:cNvSpPr>
+            <a:spLocks noGrp="1"/>
+          </p:cNvSpPr>
+          <p:nvPr>
+            <p:ph type="title"/>
+          </p:nvPr>
+        </p:nvSpPr>
+        <p:spPr/>
+        <p:txBody>
+          <a:bodyPr/>
+          <a:lstStyle/>
+          <a:p>
+            <a:r>
+              <a:rPr lang="de-DE" dirty="0" smtClean="0"/>
+              <a:t>Fragen Block B</a:t>
+            </a:r>
+            <a:r>
+              <a:rPr lang="de-DE" dirty="0" smtClean="0"/>
+              <a:t> </a:t>
+            </a:r>
+            <a:r>
+              <a:rPr lang="de-DE" sz="2000" i="1" dirty="0" smtClean="0"/>
+              <a:t>(</a:t>
+            </a:r>
+            <a:r>
+              <a:rPr lang="de-DE" sz="2000" i="1" dirty="0" smtClean="0"/>
+              <a:t>Prof</a:t>
+            </a:r>
+            <a:r>
+              <a:rPr lang="de-DE" sz="2000" i="1" dirty="0" smtClean="0"/>
+              <a:t>. </a:t>
+            </a:r>
+            <a:r>
+              <a:rPr lang="de-DE" sz="2000" i="1" dirty="0" smtClean="0"/>
+              <a:t>C. Müller</a:t>
+            </a:r>
+            <a:r>
+              <a:rPr lang="de-DE" sz="2000" i="1" dirty="0" smtClean="0"/>
+              <a:t>)</a:t>
+            </a:r>
+            <a:endParaRPr lang="de-DE" sz="2000" i="1" dirty="0"/>
+          </a:p>
+        </p:txBody>
+      </p:sp>
+      <p:sp>
+        <p:nvSpPr>
+          <p:cNvPr id="3" name="Inhaltsplatzhalter 2"/>
+          <p:cNvSpPr>
+            <a:spLocks noGrp="1"/>
+          </p:cNvSpPr>
+          <p:nvPr>
+            <p:ph idx="1"/>
+          </p:nvPr>
+        </p:nvSpPr>
+        <p:spPr/>
+        <p:txBody>
+          <a:bodyPr>
+            <a:normAutofit/>
+          </a:bodyPr>
+          <a:lstStyle/>
+          <a:p>
+            <a:pPr lvl="0"/>
+            <a:r>
+              <a:rPr lang="de-DE" sz="2400" b="1" dirty="0" smtClean="0"/>
+              <a:t>F1: „Welche </a:t>
+            </a:r>
+            <a:r>
+              <a:rPr lang="de-DE" sz="2400" b="1" dirty="0"/>
+              <a:t>Möglichkeiten gibt es, von 3D-Modellierern erzeugte „</a:t>
+            </a:r>
+            <a:r>
+              <a:rPr lang="de-DE" sz="2400" b="1" dirty="0" err="1"/>
+              <a:t>Deliverables</a:t>
+            </a:r>
+            <a:r>
+              <a:rPr lang="de-DE" sz="2400" b="1" dirty="0"/>
+              <a:t>“ (3D-Objekte, 3D-Objekt-Bestandteile, -Eigenschaften) automatisiert als geeignete programmiersprachliche Konstrukte (Klassen/Objekte/Eigenschaften) zu repräsentieren, so dass Programmierer darauf Zugriff haben</a:t>
+            </a:r>
+            <a:r>
+              <a:rPr lang="de-DE" sz="2400" b="1" dirty="0" smtClean="0"/>
+              <a:t>?“</a:t>
+            </a:r>
+          </a:p>
+        </p:txBody>
+      </p:sp>
+    </p:spTree>
+    <p:extLst>
+      <p:ext uri="{BB962C8B-B14F-4D97-AF65-F5344CB8AC3E}">
+        <p14:creationId xmlns:p14="http://schemas.microsoft.com/office/powerpoint/2010/main" val="1356527938"/>
+      </p:ext>
+    </p:extLst>
+  </p:cSld>
+  <p:clrMapOvr>
+    <a:masterClrMapping/>
+  </p:clrMapOvr>
+  <p:timing>
+    <p:tnLst>
+      <p:par>
+        <p:cTn id="1" dur="indefinite" restart="never" nodeType="tmRoot"/>
+      </p:par>
+    </p:tnLst>
+  </p:timing>
+</p:sld>
+</file>
+
+<file path=ppt/slides/slide34.xml><?xml version="1.0" encoding="utf-8"?>
+<p:sld xmlns:a="http://schemas.openxmlformats.org/drawingml/2006/main" xmlns:r="http://schemas.openxmlformats.org/officeDocument/2006/relationships" xmlns:p="http://schemas.openxmlformats.org/presentationml/2006/main">
+  <p:cSld>
+    <p:spTree>
+      <p:nvGrpSpPr>
+        <p:cNvPr id="1" name=""/>
+        <p:cNvGrpSpPr/>
+        <p:nvPr/>
+      </p:nvGrpSpPr>
+      <p:grpSpPr>
+        <a:xfrm>
+          <a:off x="0" y="0"/>
+          <a:ext cx="0" cy="0"/>
+          <a:chOff x="0" y="0"/>
+          <a:chExt cx="0" cy="0"/>
+        </a:xfrm>
+      </p:grpSpPr>
+      <p:sp>
+        <p:nvSpPr>
+          <p:cNvPr id="2" name="Titel 1"/>
+          <p:cNvSpPr>
+            <a:spLocks noGrp="1"/>
+          </p:cNvSpPr>
+          <p:nvPr>
+            <p:ph type="title"/>
+          </p:nvPr>
+        </p:nvSpPr>
+        <p:spPr/>
+        <p:txBody>
+          <a:bodyPr/>
+          <a:lstStyle/>
+          <a:p>
+            <a:r>
+              <a:rPr lang="de-DE" dirty="0">
+                <a:solidFill>
+                  <a:srgbClr val="EBEBEB"/>
+                </a:solidFill>
+              </a:rPr>
+              <a:t>Fragen Block B </a:t>
+            </a:r>
+            <a:r>
+              <a:rPr lang="de-DE" sz="2000" i="1" dirty="0">
+                <a:solidFill>
+                  <a:srgbClr val="EBEBEB"/>
+                </a:solidFill>
+              </a:rPr>
+              <a:t>(Prof. C. Müller)</a:t>
+            </a:r>
+            <a:endParaRPr lang="de-DE" dirty="0"/>
+          </a:p>
+        </p:txBody>
+      </p:sp>
+      <p:sp>
+        <p:nvSpPr>
+          <p:cNvPr id="4" name="Abgerundetes Rechteck 3"/>
+          <p:cNvSpPr/>
+          <p:nvPr/>
+        </p:nvSpPr>
+        <p:spPr>
+          <a:xfrm>
+            <a:off x="1498166" y="3158836"/>
+            <a:ext cx="1847707" cy="1018309"/>
+          </a:xfrm>
+          <a:prstGeom prst="roundRect">
+            <a:avLst/>
+          </a:prstGeom>
+          <a:ln>
+            <a:noFill/>
+          </a:ln>
+        </p:spPr>
+        <p:style>
+          <a:lnRef idx="2">
+            <a:schemeClr val="accent6"/>
+          </a:lnRef>
+          <a:fillRef idx="1001">
+            <a:schemeClr val="lt1"/>
+          </a:fillRef>
+          <a:effectRef idx="0">
+            <a:schemeClr val="accent6"/>
+          </a:effectRef>
+          <a:fontRef idx="minor">
+            <a:schemeClr val="dk1"/>
+          </a:fontRef>
+        </p:style>
+        <p:txBody>
+          <a:bodyPr rtlCol="0" anchor="ctr"/>
+          <a:lstStyle/>
+          <a:p>
+            <a:pPr algn="ctr"/>
+            <a:r>
+              <a:rPr lang="de-DE" b="1" dirty="0" smtClean="0"/>
+              <a:t>Trigger </a:t>
+            </a:r>
+          </a:p>
+          <a:p>
+            <a:pPr algn="ctr"/>
+            <a:r>
+              <a:rPr lang="de-DE" b="1" dirty="0" smtClean="0"/>
+              <a:t>im Editor</a:t>
+            </a:r>
+            <a:endParaRPr lang="de-DE" b="1" dirty="0"/>
+          </a:p>
+        </p:txBody>
+      </p:sp>
+      <p:sp>
+        <p:nvSpPr>
+          <p:cNvPr id="5" name="Abgerundetes Rechteck 4"/>
+          <p:cNvSpPr/>
+          <p:nvPr/>
+        </p:nvSpPr>
+        <p:spPr>
+          <a:xfrm>
+            <a:off x="5250699" y="3158835"/>
+            <a:ext cx="1847707" cy="1018309"/>
+          </a:xfrm>
+          <a:prstGeom prst="roundRect">
+            <a:avLst/>
+          </a:prstGeom>
+          <a:ln>
+            <a:noFill/>
+          </a:ln>
+        </p:spPr>
+        <p:style>
+          <a:lnRef idx="2">
+            <a:schemeClr val="accent6"/>
+          </a:lnRef>
+          <a:fillRef idx="1001">
+            <a:schemeClr val="lt1"/>
+          </a:fillRef>
+          <a:effectRef idx="0">
+            <a:schemeClr val="accent6"/>
+          </a:effectRef>
+          <a:fontRef idx="minor">
+            <a:schemeClr val="dk1"/>
+          </a:fontRef>
+        </p:style>
+        <p:txBody>
+          <a:bodyPr rtlCol="0" anchor="ctr"/>
+          <a:lstStyle/>
+          <a:p>
+            <a:pPr algn="ctr"/>
+            <a:r>
+              <a:rPr lang="de-DE" b="1" dirty="0" smtClean="0"/>
+              <a:t>Aktion</a:t>
+            </a:r>
+          </a:p>
+          <a:p>
+            <a:pPr algn="ctr"/>
+            <a:r>
+              <a:rPr lang="de-DE" b="1" dirty="0" smtClean="0"/>
+              <a:t>des </a:t>
+            </a:r>
+            <a:r>
+              <a:rPr lang="de-DE" b="1" dirty="0" err="1" smtClean="0"/>
+              <a:t>FuseeAT</a:t>
+            </a:r>
+            <a:endParaRPr lang="de-DE" b="1" dirty="0"/>
+          </a:p>
+        </p:txBody>
+      </p:sp>
+      <p:sp>
+        <p:nvSpPr>
+          <p:cNvPr id="6" name="Abgerundetes Rechteck 5"/>
+          <p:cNvSpPr/>
+          <p:nvPr/>
+        </p:nvSpPr>
+        <p:spPr>
+          <a:xfrm>
+            <a:off x="9003233" y="3158836"/>
+            <a:ext cx="2095202" cy="1018309"/>
+          </a:xfrm>
+          <a:prstGeom prst="roundRect">
+            <a:avLst/>
+          </a:prstGeom>
+          <a:ln>
+            <a:noFill/>
+          </a:ln>
+        </p:spPr>
+        <p:style>
+          <a:lnRef idx="2">
+            <a:schemeClr val="accent6"/>
+          </a:lnRef>
+          <a:fillRef idx="1001">
+            <a:schemeClr val="lt1"/>
+          </a:fillRef>
+          <a:effectRef idx="0">
+            <a:schemeClr val="accent6"/>
+          </a:effectRef>
+          <a:fontRef idx="minor">
+            <a:schemeClr val="dk1"/>
+          </a:fontRef>
+        </p:style>
+        <p:txBody>
+          <a:bodyPr rtlCol="0" anchor="ctr"/>
+          <a:lstStyle/>
+          <a:p>
+            <a:pPr algn="ctr"/>
+            <a:r>
+              <a:rPr lang="de-DE" b="1" dirty="0" smtClean="0"/>
+              <a:t>Repräsentation der Daten</a:t>
+            </a:r>
+            <a:endParaRPr lang="de-DE" b="1" dirty="0"/>
+          </a:p>
+        </p:txBody>
+      </p:sp>
+      <p:sp>
+        <p:nvSpPr>
+          <p:cNvPr id="7" name="Pfeil nach rechts 6"/>
+          <p:cNvSpPr/>
+          <p:nvPr/>
+        </p:nvSpPr>
+        <p:spPr>
+          <a:xfrm>
+            <a:off x="3955386" y="3475755"/>
+            <a:ext cx="685800" cy="384465"/>
+          </a:xfrm>
+          <a:prstGeom prst="rightArrow">
+            <a:avLst/>
+          </a:prstGeom>
+          <a:ln>
+            <a:noFill/>
+          </a:ln>
+        </p:spPr>
+        <p:style>
+          <a:lnRef idx="2">
+            <a:schemeClr val="accent6"/>
+          </a:lnRef>
+          <a:fillRef idx="1">
+            <a:schemeClr val="lt1"/>
+          </a:fillRef>
+          <a:effectRef idx="0">
+            <a:schemeClr val="accent6"/>
+          </a:effectRef>
+          <a:fontRef idx="minor">
+            <a:schemeClr val="dk1"/>
+          </a:fontRef>
+        </p:style>
+        <p:txBody>
+          <a:bodyPr rtlCol="0" anchor="ctr"/>
+          <a:lstStyle/>
+          <a:p>
+            <a:pPr algn="ctr"/>
+            <a:endParaRPr lang="de-DE"/>
+          </a:p>
+        </p:txBody>
+      </p:sp>
+      <p:sp>
+        <p:nvSpPr>
+          <p:cNvPr id="9" name="Pfeil nach rechts 8"/>
+          <p:cNvSpPr/>
+          <p:nvPr/>
+        </p:nvSpPr>
+        <p:spPr>
+          <a:xfrm>
+            <a:off x="7707919" y="3512120"/>
+            <a:ext cx="685800" cy="384465"/>
+          </a:xfrm>
+          <a:prstGeom prst="rightArrow">
+            <a:avLst/>
+          </a:prstGeom>
+          <a:ln>
+            <a:noFill/>
+          </a:ln>
+        </p:spPr>
+        <p:style>
+          <a:lnRef idx="2">
+            <a:schemeClr val="accent6"/>
+          </a:lnRef>
+          <a:fillRef idx="1">
+            <a:schemeClr val="lt1"/>
+          </a:fillRef>
+          <a:effectRef idx="0">
+            <a:schemeClr val="accent6"/>
+          </a:effectRef>
+          <a:fontRef idx="minor">
+            <a:schemeClr val="dk1"/>
+          </a:fontRef>
+        </p:style>
+        <p:txBody>
+          <a:bodyPr rtlCol="0" anchor="ctr"/>
+          <a:lstStyle/>
+          <a:p>
+            <a:pPr algn="ctr"/>
+            <a:endParaRPr lang="de-DE"/>
+          </a:p>
+        </p:txBody>
+      </p:sp>
+    </p:spTree>
+    <p:extLst>
+      <p:ext uri="{BB962C8B-B14F-4D97-AF65-F5344CB8AC3E}">
+        <p14:creationId xmlns:p14="http://schemas.microsoft.com/office/powerpoint/2010/main" val="281458669"/>
+      </p:ext>
+    </p:extLst>
+  </p:cSld>
+  <p:clrMapOvr>
+    <a:masterClrMapping/>
+  </p:clrMapOvr>
+  <p:timing>
+    <p:tnLst>
+      <p:par>
+        <p:cTn id="1" dur="indefinite" restart="never" nodeType="tmRoot"/>
+      </p:par>
+    </p:tnLst>
+  </p:timing>
+</p:sld>
+</file>
+
+<file path=ppt/slides/slide35.xml><?xml version="1.0" encoding="utf-8"?>
+<p:sld xmlns:a="http://schemas.openxmlformats.org/drawingml/2006/main" xmlns:r="http://schemas.openxmlformats.org/officeDocument/2006/relationships" xmlns:p="http://schemas.openxmlformats.org/presentationml/2006/main">
+  <p:cSld>
+    <p:spTree>
+      <p:nvGrpSpPr>
+        <p:cNvPr id="1" name=""/>
+        <p:cNvGrpSpPr/>
+        <p:nvPr/>
+      </p:nvGrpSpPr>
+      <p:grpSpPr>
+        <a:xfrm>
+          <a:off x="0" y="0"/>
+          <a:ext cx="0" cy="0"/>
+          <a:chOff x="0" y="0"/>
+          <a:chExt cx="0" cy="0"/>
+        </a:xfrm>
+      </p:grpSpPr>
+      <p:sp>
+        <p:nvSpPr>
+          <p:cNvPr id="2" name="Titel 1"/>
+          <p:cNvSpPr>
+            <a:spLocks noGrp="1"/>
+          </p:cNvSpPr>
+          <p:nvPr>
+            <p:ph type="title"/>
+          </p:nvPr>
+        </p:nvSpPr>
+        <p:spPr/>
+        <p:txBody>
+          <a:bodyPr/>
+          <a:lstStyle/>
+          <a:p>
+            <a:r>
+              <a:rPr lang="de-DE" dirty="0"/>
+              <a:t>Fragen Block B </a:t>
+            </a:r>
+            <a:r>
+              <a:rPr lang="de-DE" sz="2000" i="1" dirty="0"/>
+              <a:t>(Prof. C. Müller)</a:t>
+            </a:r>
+            <a:endParaRPr lang="de-DE" sz="2000" dirty="0"/>
+          </a:p>
+        </p:txBody>
+      </p:sp>
+      <p:sp>
+        <p:nvSpPr>
+          <p:cNvPr id="3" name="Inhaltsplatzhalter 2"/>
+          <p:cNvSpPr>
+            <a:spLocks noGrp="1"/>
+          </p:cNvSpPr>
+          <p:nvPr>
+            <p:ph idx="1"/>
+          </p:nvPr>
+        </p:nvSpPr>
+        <p:spPr/>
+        <p:txBody>
+          <a:bodyPr/>
+          <a:lstStyle/>
+          <a:p>
+            <a:r>
+              <a:rPr lang="de-DE" dirty="0" smtClean="0"/>
+              <a:t>Trigger zu Beginn:</a:t>
+            </a:r>
+          </a:p>
+          <a:p>
+            <a:pPr lvl="1"/>
+            <a:r>
+              <a:rPr lang="de-DE" dirty="0" smtClean="0"/>
+              <a:t>Von einem Hintergrundprozess oder GUI Aktion (Speichern eines Projektes) ausgehend.</a:t>
+            </a:r>
+          </a:p>
+          <a:p>
+            <a:pPr lvl="0"/>
+            <a:r>
+              <a:rPr lang="de-DE" dirty="0" smtClean="0"/>
+              <a:t>Endbedingungen:</a:t>
+            </a:r>
+            <a:r>
+              <a:rPr lang="de-DE" baseline="0" dirty="0" smtClean="0"/>
+              <a:t> </a:t>
+            </a:r>
+            <a:r>
+              <a:rPr lang="de-DE" dirty="0" smtClean="0"/>
+              <a:t>Die</a:t>
+            </a:r>
+            <a:r>
+              <a:rPr lang="de-DE" baseline="0" dirty="0" smtClean="0"/>
+              <a:t> </a:t>
+            </a:r>
+            <a:r>
+              <a:rPr lang="de-DE" dirty="0" smtClean="0"/>
+              <a:t>„Objektrelation“ muss für das </a:t>
+            </a:r>
+            <a:r>
+              <a:rPr lang="de-DE" dirty="0" err="1" smtClean="0"/>
+              <a:t>FuseeAT</a:t>
+            </a:r>
+            <a:r>
+              <a:rPr lang="de-DE" dirty="0" smtClean="0"/>
+              <a:t> </a:t>
+            </a:r>
+            <a:r>
+              <a:rPr lang="de-DE" baseline="0" dirty="0" smtClean="0"/>
+              <a:t>identifizierbar bleiben.</a:t>
+            </a:r>
+          </a:p>
+          <a:p>
+            <a:pPr lvl="1"/>
+            <a:r>
+              <a:rPr lang="de-DE" baseline="0" dirty="0" smtClean="0"/>
+              <a:t>Lesbares Format mit Informationen für das </a:t>
+            </a:r>
+            <a:r>
+              <a:rPr lang="de-DE" baseline="0" dirty="0" err="1" smtClean="0"/>
+              <a:t>FuseeAT</a:t>
+            </a:r>
+            <a:r>
+              <a:rPr lang="de-DE" baseline="0" dirty="0" smtClean="0"/>
+              <a:t> (XML in </a:t>
+            </a:r>
+            <a:r>
+              <a:rPr lang="de-DE" baseline="0" dirty="0" err="1" smtClean="0"/>
+              <a:t>FuseeAT</a:t>
+            </a:r>
+            <a:r>
+              <a:rPr lang="de-DE" baseline="0" dirty="0" smtClean="0"/>
+              <a:t>) enthält:</a:t>
+            </a:r>
+          </a:p>
+          <a:p>
+            <a:pPr lvl="2"/>
+            <a:r>
+              <a:rPr lang="de-DE" baseline="0" dirty="0" smtClean="0"/>
+              <a:t>IDs</a:t>
+            </a:r>
+          </a:p>
+          <a:p>
+            <a:pPr lvl="2"/>
+            <a:r>
+              <a:rPr lang="de-DE" baseline="0" dirty="0" smtClean="0"/>
+              <a:t>Pfade</a:t>
+            </a:r>
+          </a:p>
+          <a:p>
+            <a:pPr lvl="2"/>
+            <a:r>
+              <a:rPr lang="de-DE" baseline="0" dirty="0" smtClean="0"/>
+              <a:t>Prüfsummen</a:t>
+            </a:r>
+          </a:p>
+          <a:p>
+            <a:r>
+              <a:rPr lang="de-DE" dirty="0" smtClean="0"/>
+              <a:t>Wie kann also die das Problem der Aktion gelöst werden?</a:t>
+            </a:r>
+            <a:endParaRPr lang="de-DE" baseline="0" dirty="0" smtClean="0"/>
+          </a:p>
+        </p:txBody>
+      </p:sp>
+    </p:spTree>
+    <p:extLst>
+      <p:ext uri="{BB962C8B-B14F-4D97-AF65-F5344CB8AC3E}">
+        <p14:creationId xmlns:p14="http://schemas.microsoft.com/office/powerpoint/2010/main" val="1414374061"/>
+      </p:ext>
+    </p:extLst>
+  </p:cSld>
+  <p:clrMapOvr>
+    <a:masterClrMapping/>
+  </p:clrMapOvr>
+  <p:timing>
+    <p:tnLst>
+      <p:par>
+        <p:cTn id="1" dur="indefinite" restart="never" nodeType="tmRoot"/>
+      </p:par>
+    </p:tnLst>
+  </p:timing>
+</p:sld>
+</file>
+
+<file path=ppt/slides/slide36.xml><?xml version="1.0" encoding="utf-8"?>
+<p:sld xmlns:a="http://schemas.openxmlformats.org/drawingml/2006/main" xmlns:r="http://schemas.openxmlformats.org/officeDocument/2006/relationships" xmlns:p="http://schemas.openxmlformats.org/presentationml/2006/main">
+  <p:cSld>
+    <p:spTree>
+      <p:nvGrpSpPr>
+        <p:cNvPr id="1" name=""/>
+        <p:cNvGrpSpPr/>
+        <p:nvPr/>
+      </p:nvGrpSpPr>
+      <p:grpSpPr>
+        <a:xfrm>
+          <a:off x="0" y="0"/>
+          <a:ext cx="0" cy="0"/>
+          <a:chOff x="0" y="0"/>
+          <a:chExt cx="0" cy="0"/>
+        </a:xfrm>
+      </p:grpSpPr>
+      <p:sp>
+        <p:nvSpPr>
+          <p:cNvPr id="2" name="Titel 1"/>
+          <p:cNvSpPr>
+            <a:spLocks noGrp="1"/>
+          </p:cNvSpPr>
+          <p:nvPr>
+            <p:ph type="title"/>
+          </p:nvPr>
+        </p:nvSpPr>
+        <p:spPr/>
+        <p:txBody>
+          <a:bodyPr/>
+          <a:lstStyle/>
+          <a:p>
+            <a:r>
+              <a:rPr lang="de-DE" dirty="0" smtClean="0"/>
+              <a:t>Fragen</a:t>
+            </a:r>
+            <a:r>
+              <a:rPr lang="de-DE" baseline="0" dirty="0" smtClean="0"/>
+              <a:t> Block B </a:t>
+            </a:r>
+            <a:r>
+              <a:rPr lang="de-DE" sz="2000" i="1" baseline="0" dirty="0" smtClean="0"/>
+              <a:t>(Prof. C. Müller)</a:t>
+            </a:r>
+            <a:endParaRPr lang="de-DE" sz="2000" i="1" dirty="0"/>
+          </a:p>
+        </p:txBody>
+      </p:sp>
+      <p:sp>
+        <p:nvSpPr>
+          <p:cNvPr id="3" name="Inhaltsplatzhalter 2"/>
+          <p:cNvSpPr>
+            <a:spLocks noGrp="1"/>
+          </p:cNvSpPr>
+          <p:nvPr>
+            <p:ph idx="1"/>
+          </p:nvPr>
+        </p:nvSpPr>
+        <p:spPr/>
+        <p:txBody>
+          <a:bodyPr>
+            <a:normAutofit lnSpcReduction="10000"/>
+          </a:bodyPr>
+          <a:lstStyle/>
+          <a:p>
+            <a:r>
+              <a:rPr lang="de-DE" dirty="0" smtClean="0"/>
+              <a:t>„</a:t>
+            </a:r>
+            <a:r>
+              <a:rPr lang="de-DE" dirty="0" err="1" smtClean="0"/>
+              <a:t>Deliverable</a:t>
+            </a:r>
+            <a:r>
+              <a:rPr lang="de-DE" dirty="0" smtClean="0"/>
+              <a:t>“ Repräsentation</a:t>
+            </a:r>
+            <a:r>
+              <a:rPr lang="de-DE" baseline="0" dirty="0" smtClean="0"/>
+              <a:t> als C# Klasse für Programmierer</a:t>
+            </a:r>
+          </a:p>
+          <a:p>
+            <a:pPr lvl="1"/>
+            <a:r>
+              <a:rPr lang="de-DE" dirty="0" smtClean="0"/>
+              <a:t>Als Partial Class repräsentieren</a:t>
+            </a:r>
+          </a:p>
+          <a:p>
+            <a:pPr lvl="2"/>
+            <a:r>
+              <a:rPr lang="de-DE" dirty="0" smtClean="0"/>
+              <a:t>Klasse aufgeteilt auf mehrere Files</a:t>
+            </a:r>
+          </a:p>
+          <a:p>
+            <a:pPr lvl="2"/>
+            <a:r>
+              <a:rPr lang="de-DE" dirty="0" smtClean="0"/>
+              <a:t>Compiler baut daraus wieder eine Klasse</a:t>
+            </a:r>
+          </a:p>
+          <a:p>
+            <a:pPr lvl="1"/>
+            <a:r>
+              <a:rPr lang="de-DE" dirty="0" smtClean="0"/>
+              <a:t>Das ermöglicht:</a:t>
+            </a:r>
+          </a:p>
+          <a:p>
+            <a:pPr lvl="2"/>
+            <a:r>
+              <a:rPr lang="de-DE" dirty="0" smtClean="0"/>
+              <a:t>Sauberen</a:t>
+            </a:r>
+            <a:r>
+              <a:rPr lang="de-DE" baseline="0" dirty="0" smtClean="0"/>
+              <a:t> Code.</a:t>
+            </a:r>
+          </a:p>
+          <a:p>
+            <a:pPr lvl="2"/>
+            <a:r>
+              <a:rPr lang="de-DE" dirty="0" smtClean="0"/>
+              <a:t>Generierter</a:t>
+            </a:r>
+            <a:r>
+              <a:rPr lang="de-DE" baseline="0" dirty="0" smtClean="0"/>
+              <a:t> Code getrennt von selbst erstelltem.</a:t>
+            </a:r>
+          </a:p>
+          <a:p>
+            <a:pPr lvl="2"/>
+            <a:r>
+              <a:rPr lang="de-DE" baseline="0" dirty="0" smtClean="0"/>
+              <a:t>System greift nicht in Nutzercode ein.</a:t>
+            </a:r>
+          </a:p>
+          <a:p>
+            <a:pPr lvl="2"/>
+            <a:r>
+              <a:rPr lang="de-DE" baseline="0" dirty="0" smtClean="0"/>
+              <a:t>Informationen zur Projektverwaltung stecken im automatisch generierten Teil. (bzw. Verweise auf XML Datencontainer)</a:t>
+            </a:r>
+          </a:p>
+          <a:p>
+            <a:pPr lvl="1"/>
+            <a:r>
+              <a:rPr lang="de-DE" dirty="0" smtClean="0"/>
+              <a:t>Das bedingt:</a:t>
+            </a:r>
+          </a:p>
+          <a:p>
+            <a:pPr lvl="2"/>
+            <a:r>
+              <a:rPr lang="de-DE" dirty="0" smtClean="0"/>
+              <a:t>Kontrollmechanismen</a:t>
+            </a:r>
+            <a:r>
+              <a:rPr lang="de-DE" baseline="0" dirty="0" smtClean="0"/>
+              <a:t> im Framework ob z.B. Dateien schon vorhanden sind.</a:t>
+            </a:r>
+          </a:p>
+        </p:txBody>
+      </p:sp>
+    </p:spTree>
+    <p:extLst>
+      <p:ext uri="{BB962C8B-B14F-4D97-AF65-F5344CB8AC3E}">
+        <p14:creationId xmlns:p14="http://schemas.microsoft.com/office/powerpoint/2010/main" val="1492797721"/>
+      </p:ext>
+    </p:extLst>
+  </p:cSld>
+  <p:clrMapOvr>
+    <a:masterClrMapping/>
+  </p:clrMapOvr>
+  <p:timing>
+    <p:tnLst>
+      <p:par>
+        <p:cTn id="1" dur="indefinite" restart="never" nodeType="tmRoot"/>
+      </p:par>
+    </p:tnLst>
+  </p:timing>
+</p:sld>
+</file>
+
+<file path=ppt/slides/slide37.xml><?xml version="1.0" encoding="utf-8"?>
+<p:sld xmlns:a="http://schemas.openxmlformats.org/drawingml/2006/main" xmlns:r="http://schemas.openxmlformats.org/officeDocument/2006/relationships" xmlns:p="http://schemas.openxmlformats.org/presentationml/2006/main">
+  <p:cSld>
+    <p:spTree>
+      <p:nvGrpSpPr>
+        <p:cNvPr id="1" name=""/>
+        <p:cNvGrpSpPr/>
+        <p:nvPr/>
+      </p:nvGrpSpPr>
+      <p:grpSpPr>
+        <a:xfrm>
+          <a:off x="0" y="0"/>
+          <a:ext cx="0" cy="0"/>
+          <a:chOff x="0" y="0"/>
+          <a:chExt cx="0" cy="0"/>
+        </a:xfrm>
+      </p:grpSpPr>
+      <p:sp>
+        <p:nvSpPr>
+          <p:cNvPr id="2" name="Titel 1"/>
+          <p:cNvSpPr>
+            <a:spLocks noGrp="1"/>
+          </p:cNvSpPr>
+          <p:nvPr>
+            <p:ph type="title"/>
+          </p:nvPr>
+        </p:nvSpPr>
+        <p:spPr/>
+        <p:txBody>
+          <a:bodyPr/>
+          <a:lstStyle/>
+          <a:p>
+            <a:r>
+              <a:rPr lang="de-DE" dirty="0">
+                <a:solidFill>
+                  <a:srgbClr val="EBEBEB"/>
+                </a:solidFill>
+              </a:rPr>
+              <a:t>Fragen Block B </a:t>
+            </a:r>
+            <a:r>
+              <a:rPr lang="de-DE" sz="2000" i="1" dirty="0">
+                <a:solidFill>
+                  <a:srgbClr val="EBEBEB"/>
+                </a:solidFill>
+              </a:rPr>
+              <a:t>(Prof. C. Müller)</a:t>
+            </a:r>
+            <a:endParaRPr lang="de-DE" dirty="0"/>
+          </a:p>
+        </p:txBody>
+      </p:sp>
+      <p:sp>
+        <p:nvSpPr>
+          <p:cNvPr id="3" name="Inhaltsplatzhalter 2"/>
+          <p:cNvSpPr>
+            <a:spLocks noGrp="1"/>
+          </p:cNvSpPr>
+          <p:nvPr>
+            <p:ph idx="1"/>
+          </p:nvPr>
+        </p:nvSpPr>
+        <p:spPr/>
+        <p:txBody>
+          <a:bodyPr/>
+          <a:lstStyle/>
+          <a:p>
+            <a:r>
+              <a:rPr lang="de-DE" dirty="0" smtClean="0"/>
+              <a:t>XML Datencontainer</a:t>
+            </a:r>
+          </a:p>
+          <a:p>
+            <a:pPr lvl="1"/>
+            <a:r>
+              <a:rPr lang="de-DE" dirty="0" smtClean="0"/>
+              <a:t>Repräsentiert durch ein </a:t>
+            </a:r>
+            <a:r>
+              <a:rPr lang="de-DE" dirty="0" err="1" smtClean="0"/>
+              <a:t>Struct</a:t>
+            </a:r>
+            <a:endParaRPr lang="de-DE" dirty="0" smtClean="0"/>
+          </a:p>
+          <a:p>
+            <a:pPr lvl="1"/>
+            <a:r>
+              <a:rPr lang="de-DE" dirty="0" err="1" smtClean="0"/>
+              <a:t>Serialisierbar</a:t>
+            </a:r>
+            <a:r>
+              <a:rPr lang="de-DE" dirty="0" smtClean="0"/>
+              <a:t> über C# Mechanismen</a:t>
+            </a:r>
+          </a:p>
+          <a:p>
+            <a:pPr lvl="1"/>
+            <a:r>
+              <a:rPr lang="de-DE" dirty="0" smtClean="0"/>
+              <a:t>Enthält</a:t>
+            </a:r>
+            <a:r>
+              <a:rPr lang="de-DE" baseline="0" dirty="0" smtClean="0"/>
+              <a:t> Daten zur „</a:t>
+            </a:r>
+            <a:r>
+              <a:rPr lang="de-DE" baseline="0" dirty="0" err="1" smtClean="0"/>
+              <a:t>Deliverable</a:t>
+            </a:r>
+            <a:r>
+              <a:rPr lang="de-DE" baseline="0" dirty="0" smtClean="0"/>
+              <a:t>“ / „Asset“ Code Relation.</a:t>
+            </a:r>
+          </a:p>
+          <a:p>
+            <a:pPr lvl="1"/>
+            <a:r>
+              <a:rPr lang="de-DE" baseline="0" dirty="0" smtClean="0"/>
+              <a:t>Wird benötigt wenn ein Projekt im Editor geöffnet wird um Relationen wieder herzustellen.</a:t>
+            </a:r>
+          </a:p>
+        </p:txBody>
+      </p:sp>
+    </p:spTree>
+    <p:extLst>
+      <p:ext uri="{BB962C8B-B14F-4D97-AF65-F5344CB8AC3E}">
+        <p14:creationId xmlns:p14="http://schemas.microsoft.com/office/powerpoint/2010/main" val="1784599144"/>
+      </p:ext>
+    </p:extLst>
+  </p:cSld>
+  <p:clrMapOvr>
+    <a:masterClrMapping/>
+  </p:clrMapOvr>
+  <p:timing>
+    <p:tnLst>
+      <p:par>
+        <p:cTn id="1" dur="indefinite" restart="never" nodeType="tmRoot"/>
+      </p:par>
+    </p:tnLst>
+  </p:timing>
+</p:sld>
+</file>
+
+<file path=ppt/slides/slide38.xml><?xml version="1.0" encoding="utf-8"?>
+<p:sld xmlns:a="http://schemas.openxmlformats.org/drawingml/2006/main" xmlns:r="http://schemas.openxmlformats.org/officeDocument/2006/relationships" xmlns:p="http://schemas.openxmlformats.org/presentationml/2006/main">
+  <p:cSld>
+    <p:spTree>
+      <p:nvGrpSpPr>
+        <p:cNvPr id="1" name=""/>
+        <p:cNvGrpSpPr/>
+        <p:nvPr/>
+      </p:nvGrpSpPr>
+      <p:grpSpPr>
+        <a:xfrm>
+          <a:off x="0" y="0"/>
+          <a:ext cx="0" cy="0"/>
+          <a:chOff x="0" y="0"/>
+          <a:chExt cx="0" cy="0"/>
+        </a:xfrm>
+      </p:grpSpPr>
+      <p:sp>
+        <p:nvSpPr>
+          <p:cNvPr id="2" name="Titel 1"/>
+          <p:cNvSpPr>
+            <a:spLocks noGrp="1"/>
+          </p:cNvSpPr>
+          <p:nvPr>
+            <p:ph type="title"/>
+          </p:nvPr>
+        </p:nvSpPr>
+        <p:spPr/>
+        <p:txBody>
+          <a:bodyPr/>
+          <a:lstStyle/>
+          <a:p>
+            <a:r>
+              <a:rPr lang="de-DE" dirty="0">
+                <a:solidFill>
+                  <a:srgbClr val="EBEBEB"/>
+                </a:solidFill>
+              </a:rPr>
               <a:t>Fragen Block B </a:t>
             </a:r>
             <a:r>
@@ -9188,7 +12381,7 @@
 </p:sld>
 </file>
 
-<file path=ppt/slides/slide21.xml><?xml version="1.0" encoding="utf-8"?>
+<file path=ppt/slides/slide39.xml><?xml version="1.0" encoding="utf-8"?>
 <p:sld xmlns:a="http://schemas.openxmlformats.org/drawingml/2006/main" xmlns:r="http://schemas.openxmlformats.org/officeDocument/2006/relationships" xmlns:p="http://schemas.openxmlformats.org/presentationml/2006/main">
   <p:cSld>
     <p:spTree>
@@ -9289,1273 +12482,6 @@
 </p:sld>
 </file>
 
-<file path=ppt/slides/slide22.xml><?xml version="1.0" encoding="utf-8"?>
-<p:sld xmlns:a="http://schemas.openxmlformats.org/drawingml/2006/main" xmlns:r="http://schemas.openxmlformats.org/officeDocument/2006/relationships" xmlns:p="http://schemas.openxmlformats.org/presentationml/2006/main">
-  <p:cSld>
-    <p:spTree>
-      <p:nvGrpSpPr>
-        <p:cNvPr id="1" name=""/>
-        <p:cNvGrpSpPr/>
-        <p:nvPr/>
-      </p:nvGrpSpPr>
-      <p:grpSpPr>
-        <a:xfrm>
-          <a:off x="0" y="0"/>
-          <a:ext cx="0" cy="0"/>
-          <a:chOff x="0" y="0"/>
-          <a:chExt cx="0" cy="0"/>
-        </a:xfrm>
-      </p:grpSpPr>
-      <p:sp>
-        <p:nvSpPr>
-          <p:cNvPr id="2" name="Titel 1"/>
-          <p:cNvSpPr>
-            <a:spLocks noGrp="1"/>
-          </p:cNvSpPr>
-          <p:nvPr>
-            <p:ph type="title"/>
-          </p:nvPr>
-        </p:nvSpPr>
-        <p:spPr/>
-        <p:txBody>
-          <a:bodyPr/>
-          <a:lstStyle/>
-          <a:p>
-            <a:r>
-              <a:rPr lang="de-DE" dirty="0">
-                <a:solidFill>
-                  <a:srgbClr val="EBEBEB"/>
-                </a:solidFill>
-              </a:rPr>
-              <a:t>Fragen Block B </a:t>
-            </a:r>
-            <a:r>
-              <a:rPr lang="de-DE" sz="2000" i="1" dirty="0">
-                <a:solidFill>
-                  <a:srgbClr val="EBEBEB"/>
-                </a:solidFill>
-              </a:rPr>
-              <a:t>(Prof. C. Müller)</a:t>
-            </a:r>
-            <a:endParaRPr lang="de-DE" dirty="0"/>
-          </a:p>
-        </p:txBody>
-      </p:sp>
-      <p:sp>
-        <p:nvSpPr>
-          <p:cNvPr id="3" name="Inhaltsplatzhalter 2"/>
-          <p:cNvSpPr>
-            <a:spLocks noGrp="1"/>
-          </p:cNvSpPr>
-          <p:nvPr>
-            <p:ph idx="1"/>
-          </p:nvPr>
-        </p:nvSpPr>
-        <p:spPr/>
-        <p:txBody>
-          <a:bodyPr/>
-          <a:lstStyle/>
-          <a:p>
-            <a:r>
-              <a:rPr lang="de-DE" b="1" dirty="0"/>
-              <a:t>F2: -	Wie kann eine solche automatisiert generierte Brücke zwischen 3D-Modellierer und Programmierer funktionieren, </a:t>
-            </a:r>
-            <a:r>
-              <a:rPr lang="de-DE" b="1" dirty="0" smtClean="0"/>
-              <a:t>wenn:</a:t>
-            </a:r>
-          </a:p>
-          <a:p>
-            <a:pPr lvl="1"/>
-            <a:r>
-              <a:rPr lang="de-DE" b="1" dirty="0"/>
-              <a:t>A: Programmierer und Modellierer nicht über das vollständige </a:t>
-            </a:r>
-            <a:r>
-              <a:rPr lang="de-DE" b="1" dirty="0" err="1"/>
-              <a:t>Toolset</a:t>
-            </a:r>
-            <a:r>
-              <a:rPr lang="de-DE" b="1" dirty="0"/>
-              <a:t> verfügen (Modellierer hat nur C4D, Programmierer hat nur Visual Studio)? </a:t>
-            </a:r>
-          </a:p>
-          <a:p>
-            <a:pPr lvl="1"/>
-            <a:r>
-              <a:rPr lang="de-DE" sz="1600" dirty="0"/>
-              <a:t>B: Programmierer und Modellierer abwechselnd/gleichzeitig iterativ an ihren jeweiligen Bestandteilen arbeiten</a:t>
-            </a:r>
-            <a:r>
-              <a:rPr lang="de-DE" sz="1600" dirty="0" smtClean="0"/>
-              <a:t>?</a:t>
-            </a:r>
-          </a:p>
-        </p:txBody>
-      </p:sp>
-    </p:spTree>
-    <p:extLst>
-      <p:ext uri="{BB962C8B-B14F-4D97-AF65-F5344CB8AC3E}">
-        <p14:creationId xmlns:p14="http://schemas.microsoft.com/office/powerpoint/2010/main" val="968593373"/>
-      </p:ext>
-    </p:extLst>
-  </p:cSld>
-  <p:clrMapOvr>
-    <a:masterClrMapping/>
-  </p:clrMapOvr>
-  <p:timing>
-    <p:tnLst>
-      <p:par>
-        <p:cTn id="1" dur="indefinite" restart="never" nodeType="tmRoot"/>
-      </p:par>
-    </p:tnLst>
-  </p:timing>
-</p:sld>
-</file>
-
-<file path=ppt/slides/slide23.xml><?xml version="1.0" encoding="utf-8"?>
-<p:sld xmlns:a="http://schemas.openxmlformats.org/drawingml/2006/main" xmlns:r="http://schemas.openxmlformats.org/officeDocument/2006/relationships" xmlns:p="http://schemas.openxmlformats.org/presentationml/2006/main">
-  <p:cSld>
-    <p:spTree>
-      <p:nvGrpSpPr>
-        <p:cNvPr id="1" name=""/>
-        <p:cNvGrpSpPr/>
-        <p:nvPr/>
-      </p:nvGrpSpPr>
-      <p:grpSpPr>
-        <a:xfrm>
-          <a:off x="0" y="0"/>
-          <a:ext cx="0" cy="0"/>
-          <a:chOff x="0" y="0"/>
-          <a:chExt cx="0" cy="0"/>
-        </a:xfrm>
-      </p:grpSpPr>
-      <p:sp>
-        <p:nvSpPr>
-          <p:cNvPr id="2" name="Titel 1"/>
-          <p:cNvSpPr>
-            <a:spLocks noGrp="1"/>
-          </p:cNvSpPr>
-          <p:nvPr>
-            <p:ph type="title"/>
-          </p:nvPr>
-        </p:nvSpPr>
-        <p:spPr/>
-        <p:txBody>
-          <a:bodyPr/>
-          <a:lstStyle/>
-          <a:p>
-            <a:r>
-              <a:rPr lang="de-DE" dirty="0">
-                <a:solidFill>
-                  <a:srgbClr val="EBEBEB"/>
-                </a:solidFill>
-              </a:rPr>
-              <a:t>Fragen Block B </a:t>
-            </a:r>
-            <a:r>
-              <a:rPr lang="de-DE" sz="2000" i="1" dirty="0">
-                <a:solidFill>
-                  <a:srgbClr val="EBEBEB"/>
-                </a:solidFill>
-              </a:rPr>
-              <a:t>(Prof. C. Müller)</a:t>
-            </a:r>
-            <a:endParaRPr lang="de-DE" dirty="0"/>
-          </a:p>
-        </p:txBody>
-      </p:sp>
-      <p:sp>
-        <p:nvSpPr>
-          <p:cNvPr id="3" name="Inhaltsplatzhalter 2"/>
-          <p:cNvSpPr>
-            <a:spLocks noGrp="1"/>
-          </p:cNvSpPr>
-          <p:nvPr>
-            <p:ph idx="1"/>
-          </p:nvPr>
-        </p:nvSpPr>
-        <p:spPr/>
-        <p:txBody>
-          <a:bodyPr/>
-          <a:lstStyle/>
-          <a:p>
-            <a:r>
-              <a:rPr lang="de-DE" dirty="0" smtClean="0"/>
-              <a:t>Das </a:t>
-            </a:r>
-            <a:r>
-              <a:rPr lang="de-DE" dirty="0" err="1" smtClean="0"/>
-              <a:t>Toolset</a:t>
-            </a:r>
-            <a:r>
-              <a:rPr lang="de-DE" dirty="0" smtClean="0"/>
-              <a:t> übernimmt das Eintragen von Projektpfaden im Visual Studio .</a:t>
-            </a:r>
-            <a:r>
-              <a:rPr lang="de-DE" dirty="0" err="1" smtClean="0"/>
-              <a:t>sln</a:t>
-            </a:r>
-            <a:r>
-              <a:rPr lang="de-DE" dirty="0" smtClean="0"/>
-              <a:t> Projekt.</a:t>
-            </a:r>
-          </a:p>
-          <a:p>
-            <a:pPr lvl="1"/>
-            <a:r>
-              <a:rPr lang="de-DE" dirty="0" smtClean="0"/>
-              <a:t>Beim ersten generieren der Dateien.</a:t>
-            </a:r>
-          </a:p>
-          <a:p>
-            <a:pPr lvl="1"/>
-            <a:r>
-              <a:rPr lang="de-DE" dirty="0" smtClean="0"/>
-              <a:t>Speichert </a:t>
-            </a:r>
-            <a:r>
-              <a:rPr lang="de-DE" dirty="0" err="1" smtClean="0"/>
-              <a:t>Deliverables</a:t>
-            </a:r>
-            <a:r>
-              <a:rPr lang="de-DE" dirty="0" smtClean="0"/>
-              <a:t> im Projektverzeichnis (</a:t>
-            </a:r>
-            <a:r>
-              <a:rPr lang="de-DE" dirty="0" err="1" smtClean="0"/>
-              <a:t>Vorraussetzung</a:t>
-            </a:r>
-            <a:r>
-              <a:rPr lang="de-DE" dirty="0" smtClean="0"/>
-              <a:t>)</a:t>
-            </a:r>
-          </a:p>
-          <a:p>
-            <a:r>
-              <a:rPr lang="de-DE" dirty="0" smtClean="0"/>
-              <a:t>Somit sind die Dateien im Visual Studio Projekt ansprechbar</a:t>
-            </a:r>
-          </a:p>
-          <a:p>
-            <a:pPr lvl="1"/>
-            <a:r>
-              <a:rPr lang="de-DE" dirty="0" smtClean="0"/>
-              <a:t>Hierzu zählen:</a:t>
-            </a:r>
-          </a:p>
-          <a:p>
-            <a:pPr lvl="2"/>
-            <a:r>
-              <a:rPr lang="de-DE" dirty="0" err="1" smtClean="0"/>
-              <a:t>Deliverable</a:t>
-            </a:r>
-            <a:r>
-              <a:rPr lang="de-DE" dirty="0" smtClean="0"/>
-              <a:t> Dateien  (.</a:t>
-            </a:r>
-            <a:r>
-              <a:rPr lang="de-DE" dirty="0" err="1" smtClean="0"/>
-              <a:t>obj</a:t>
-            </a:r>
-            <a:r>
-              <a:rPr lang="de-DE" dirty="0" smtClean="0"/>
-              <a:t>, .</a:t>
-            </a:r>
-            <a:r>
-              <a:rPr lang="de-DE" dirty="0" err="1" smtClean="0"/>
-              <a:t>fbx</a:t>
-            </a:r>
-            <a:r>
-              <a:rPr lang="de-DE" dirty="0" smtClean="0"/>
-              <a:t>, etc.)</a:t>
-            </a:r>
-          </a:p>
-          <a:p>
-            <a:pPr lvl="2"/>
-            <a:r>
-              <a:rPr lang="de-DE" dirty="0" smtClean="0"/>
-              <a:t>Generierte Partial </a:t>
-            </a:r>
-            <a:r>
-              <a:rPr lang="de-DE" dirty="0" err="1" smtClean="0"/>
-              <a:t>Classes</a:t>
-            </a:r>
-            <a:r>
-              <a:rPr lang="de-DE" dirty="0" smtClean="0"/>
-              <a:t>	</a:t>
-            </a:r>
-          </a:p>
-          <a:p>
-            <a:r>
-              <a:rPr lang="de-DE" dirty="0" smtClean="0"/>
-              <a:t>Bedingungen hierfür:</a:t>
-            </a:r>
-          </a:p>
-          <a:p>
-            <a:pPr lvl="1"/>
-            <a:r>
-              <a:rPr lang="de-DE" dirty="0" smtClean="0"/>
-              <a:t>Tool kann die Pfade der Objekte Abfragen und hat Zugriff auf das Dateisystem (Cinema 4D API ermöglicht das).</a:t>
-            </a:r>
-          </a:p>
-          <a:p>
-            <a:endParaRPr lang="de-DE" dirty="0"/>
-          </a:p>
-        </p:txBody>
-      </p:sp>
-    </p:spTree>
-    <p:extLst>
-      <p:ext uri="{BB962C8B-B14F-4D97-AF65-F5344CB8AC3E}">
-        <p14:creationId xmlns:p14="http://schemas.microsoft.com/office/powerpoint/2010/main" val="1384580296"/>
-      </p:ext>
-    </p:extLst>
-  </p:cSld>
-  <p:clrMapOvr>
-    <a:masterClrMapping/>
-  </p:clrMapOvr>
-  <p:timing>
-    <p:tnLst>
-      <p:par>
-        <p:cTn id="1" dur="indefinite" restart="never" nodeType="tmRoot"/>
-      </p:par>
-    </p:tnLst>
-  </p:timing>
-</p:sld>
-</file>
-
-<file path=ppt/slides/slide24.xml><?xml version="1.0" encoding="utf-8"?>
-<p:sld xmlns:a="http://schemas.openxmlformats.org/drawingml/2006/main" xmlns:r="http://schemas.openxmlformats.org/officeDocument/2006/relationships" xmlns:p="http://schemas.openxmlformats.org/presentationml/2006/main">
-  <p:cSld>
-    <p:spTree>
-      <p:nvGrpSpPr>
-        <p:cNvPr id="1" name=""/>
-        <p:cNvGrpSpPr/>
-        <p:nvPr/>
-      </p:nvGrpSpPr>
-      <p:grpSpPr>
-        <a:xfrm>
-          <a:off x="0" y="0"/>
-          <a:ext cx="0" cy="0"/>
-          <a:chOff x="0" y="0"/>
-          <a:chExt cx="0" cy="0"/>
-        </a:xfrm>
-      </p:grpSpPr>
-      <p:sp>
-        <p:nvSpPr>
-          <p:cNvPr id="2" name="Titel 1"/>
-          <p:cNvSpPr>
-            <a:spLocks noGrp="1"/>
-          </p:cNvSpPr>
-          <p:nvPr>
-            <p:ph type="title"/>
-          </p:nvPr>
-        </p:nvSpPr>
-        <p:spPr/>
-        <p:txBody>
-          <a:bodyPr/>
-          <a:lstStyle/>
-          <a:p>
-            <a:r>
-              <a:rPr lang="de-DE" dirty="0">
-                <a:solidFill>
-                  <a:srgbClr val="EBEBEB"/>
-                </a:solidFill>
-              </a:rPr>
-              <a:t>Fragen Block B </a:t>
-            </a:r>
-            <a:r>
-              <a:rPr lang="de-DE" sz="2000" i="1" dirty="0">
-                <a:solidFill>
-                  <a:srgbClr val="EBEBEB"/>
-                </a:solidFill>
-              </a:rPr>
-              <a:t>(Prof. C. Müller)</a:t>
-            </a:r>
-            <a:endParaRPr lang="de-DE" dirty="0"/>
-          </a:p>
-        </p:txBody>
-      </p:sp>
-      <p:sp>
-        <p:nvSpPr>
-          <p:cNvPr id="3" name="Inhaltsplatzhalter 2"/>
-          <p:cNvSpPr>
-            <a:spLocks noGrp="1"/>
-          </p:cNvSpPr>
-          <p:nvPr>
-            <p:ph idx="1"/>
-          </p:nvPr>
-        </p:nvSpPr>
-        <p:spPr/>
-        <p:txBody>
-          <a:bodyPr/>
-          <a:lstStyle/>
-          <a:p>
-            <a:r>
-              <a:rPr lang="de-DE" b="1" dirty="0"/>
-              <a:t>F2: -	Wie kann eine solche automatisiert generierte Brücke zwischen 3D-Modellierer und Programmierer funktionieren, </a:t>
-            </a:r>
-            <a:r>
-              <a:rPr lang="de-DE" b="1" dirty="0" smtClean="0"/>
-              <a:t>wenn:</a:t>
-            </a:r>
-          </a:p>
-          <a:p>
-            <a:pPr lvl="1"/>
-            <a:r>
-              <a:rPr lang="de-DE" sz="1600" dirty="0"/>
-              <a:t>A: Programmierer und Modellierer nicht über das vollständige </a:t>
-            </a:r>
-            <a:r>
-              <a:rPr lang="de-DE" sz="1600" dirty="0" err="1"/>
-              <a:t>Toolset</a:t>
-            </a:r>
-            <a:r>
-              <a:rPr lang="de-DE" sz="1600" dirty="0"/>
-              <a:t> verfügen (Modellierer hat nur C4D, Programmierer hat nur Visual Studio)? </a:t>
-            </a:r>
-          </a:p>
-          <a:p>
-            <a:pPr lvl="1"/>
-            <a:r>
-              <a:rPr lang="de-DE" b="1" dirty="0"/>
-              <a:t>B: Programmierer und Modellierer abwechselnd/gleichzeitig iterativ an ihren jeweiligen Bestandteilen arbeiten</a:t>
-            </a:r>
-            <a:r>
-              <a:rPr lang="de-DE" b="1" dirty="0" smtClean="0"/>
-              <a:t>?</a:t>
-            </a:r>
-          </a:p>
-        </p:txBody>
-      </p:sp>
-    </p:spTree>
-    <p:extLst>
-      <p:ext uri="{BB962C8B-B14F-4D97-AF65-F5344CB8AC3E}">
-        <p14:creationId xmlns:p14="http://schemas.microsoft.com/office/powerpoint/2010/main" val="2838863598"/>
-      </p:ext>
-    </p:extLst>
-  </p:cSld>
-  <p:clrMapOvr>
-    <a:masterClrMapping/>
-  </p:clrMapOvr>
-  <p:timing>
-    <p:tnLst>
-      <p:par>
-        <p:cTn id="1" dur="indefinite" restart="never" nodeType="tmRoot"/>
-      </p:par>
-    </p:tnLst>
-  </p:timing>
-</p:sld>
-</file>
-
-<file path=ppt/slides/slide25.xml><?xml version="1.0" encoding="utf-8"?>
-<p:sld xmlns:a="http://schemas.openxmlformats.org/drawingml/2006/main" xmlns:r="http://schemas.openxmlformats.org/officeDocument/2006/relationships" xmlns:p="http://schemas.openxmlformats.org/presentationml/2006/main">
-  <p:cSld>
-    <p:spTree>
-      <p:nvGrpSpPr>
-        <p:cNvPr id="1" name=""/>
-        <p:cNvGrpSpPr/>
-        <p:nvPr/>
-      </p:nvGrpSpPr>
-      <p:grpSpPr>
-        <a:xfrm>
-          <a:off x="0" y="0"/>
-          <a:ext cx="0" cy="0"/>
-          <a:chOff x="0" y="0"/>
-          <a:chExt cx="0" cy="0"/>
-        </a:xfrm>
-      </p:grpSpPr>
-      <p:sp>
-        <p:nvSpPr>
-          <p:cNvPr id="2" name="Titel 1"/>
-          <p:cNvSpPr>
-            <a:spLocks noGrp="1"/>
-          </p:cNvSpPr>
-          <p:nvPr>
-            <p:ph type="title"/>
-          </p:nvPr>
-        </p:nvSpPr>
-        <p:spPr/>
-        <p:txBody>
-          <a:bodyPr/>
-          <a:lstStyle/>
-          <a:p>
-            <a:r>
-              <a:rPr lang="de-DE" dirty="0">
-                <a:solidFill>
-                  <a:srgbClr val="EBEBEB"/>
-                </a:solidFill>
-              </a:rPr>
-              <a:t>Fragen Block B </a:t>
-            </a:r>
-            <a:r>
-              <a:rPr lang="de-DE" sz="2000" i="1" dirty="0">
-                <a:solidFill>
-                  <a:srgbClr val="EBEBEB"/>
-                </a:solidFill>
-              </a:rPr>
-              <a:t>(Prof. C. Müller)</a:t>
-            </a:r>
-            <a:endParaRPr lang="de-DE" dirty="0"/>
-          </a:p>
-        </p:txBody>
-      </p:sp>
-      <p:sp>
-        <p:nvSpPr>
-          <p:cNvPr id="3" name="Inhaltsplatzhalter 2"/>
-          <p:cNvSpPr>
-            <a:spLocks noGrp="1"/>
-          </p:cNvSpPr>
-          <p:nvPr>
-            <p:ph idx="1"/>
-          </p:nvPr>
-        </p:nvSpPr>
-        <p:spPr/>
-        <p:txBody>
-          <a:bodyPr>
-            <a:normAutofit lnSpcReduction="10000"/>
-          </a:bodyPr>
-          <a:lstStyle/>
-          <a:p>
-            <a:r>
-              <a:rPr lang="de-DE" dirty="0" smtClean="0"/>
-              <a:t>Voraussetzung für die Funktionalität der folgenden Lösung</a:t>
-            </a:r>
-          </a:p>
-          <a:p>
-            <a:pPr lvl="1"/>
-            <a:r>
-              <a:rPr lang="de-DE" dirty="0" smtClean="0"/>
-              <a:t>Ist ein funktionierendes Versionskontrollsystem und eine geordnete Projektstruktur</a:t>
-            </a:r>
-          </a:p>
-          <a:p>
-            <a:r>
-              <a:rPr lang="de-DE" dirty="0" smtClean="0"/>
-              <a:t>Es wird GIT als Versionskontrollsystem angenommen weil:</a:t>
-            </a:r>
-          </a:p>
-          <a:p>
-            <a:pPr lvl="1"/>
-            <a:r>
-              <a:rPr lang="de-DE" dirty="0" err="1" smtClean="0"/>
-              <a:t>Git</a:t>
-            </a:r>
-            <a:r>
-              <a:rPr lang="de-DE" dirty="0" smtClean="0"/>
-              <a:t> weit verbreitet ist.</a:t>
-            </a:r>
-          </a:p>
-          <a:p>
-            <a:pPr lvl="1"/>
-            <a:r>
-              <a:rPr lang="de-DE" dirty="0" err="1" smtClean="0"/>
-              <a:t>Git</a:t>
-            </a:r>
-            <a:r>
-              <a:rPr lang="de-DE" dirty="0" smtClean="0"/>
-              <a:t> bereits in der </a:t>
-            </a:r>
-            <a:r>
-              <a:rPr lang="de-DE" dirty="0" err="1" smtClean="0"/>
-              <a:t>Fusee</a:t>
-            </a:r>
-            <a:r>
-              <a:rPr lang="de-DE" dirty="0" smtClean="0"/>
-              <a:t> Entwicklung verwendet wird.</a:t>
-            </a:r>
-          </a:p>
-          <a:p>
-            <a:pPr lvl="1"/>
-            <a:r>
-              <a:rPr lang="de-DE" dirty="0" smtClean="0"/>
-              <a:t>Die Konzepte der Versionskontrollsysteme sich für einfache Anwender wenig unterscheiden.</a:t>
-            </a:r>
-          </a:p>
-          <a:p>
-            <a:r>
-              <a:rPr lang="de-DE" dirty="0" smtClean="0"/>
-              <a:t>Der Prozess des abwechselnden Arbeitens inkludiert</a:t>
-            </a:r>
-          </a:p>
-          <a:p>
-            <a:pPr lvl="1"/>
-            <a:r>
-              <a:rPr lang="de-DE" dirty="0" smtClean="0"/>
-              <a:t>Hinzufügen von Dateien zum Versionskontrollsystem.</a:t>
-            </a:r>
-          </a:p>
-          <a:p>
-            <a:pPr lvl="1"/>
-            <a:r>
-              <a:rPr lang="de-DE" dirty="0" smtClean="0"/>
-              <a:t>Übertragen der Dateien zu anderen Mitarbeitern.</a:t>
-            </a:r>
-          </a:p>
-        </p:txBody>
-      </p:sp>
-    </p:spTree>
-    <p:extLst>
-      <p:ext uri="{BB962C8B-B14F-4D97-AF65-F5344CB8AC3E}">
-        <p14:creationId xmlns:p14="http://schemas.microsoft.com/office/powerpoint/2010/main" val="1663018032"/>
-      </p:ext>
-    </p:extLst>
-  </p:cSld>
-  <p:clrMapOvr>
-    <a:masterClrMapping/>
-  </p:clrMapOvr>
-  <p:timing>
-    <p:tnLst>
-      <p:par>
-        <p:cTn id="1" dur="indefinite" restart="never" nodeType="tmRoot"/>
-      </p:par>
-    </p:tnLst>
-  </p:timing>
-</p:sld>
-</file>
-
-<file path=ppt/slides/slide26.xml><?xml version="1.0" encoding="utf-8"?>
-<p:sld xmlns:a="http://schemas.openxmlformats.org/drawingml/2006/main" xmlns:r="http://schemas.openxmlformats.org/officeDocument/2006/relationships" xmlns:p="http://schemas.openxmlformats.org/presentationml/2006/main">
-  <p:cSld>
-    <p:spTree>
-      <p:nvGrpSpPr>
-        <p:cNvPr id="1" name=""/>
-        <p:cNvGrpSpPr/>
-        <p:nvPr/>
-      </p:nvGrpSpPr>
-      <p:grpSpPr>
-        <a:xfrm>
-          <a:off x="0" y="0"/>
-          <a:ext cx="0" cy="0"/>
-          <a:chOff x="0" y="0"/>
-          <a:chExt cx="0" cy="0"/>
-        </a:xfrm>
-      </p:grpSpPr>
-      <p:sp>
-        <p:nvSpPr>
-          <p:cNvPr id="2" name="Titel 1"/>
-          <p:cNvSpPr>
-            <a:spLocks noGrp="1"/>
-          </p:cNvSpPr>
-          <p:nvPr>
-            <p:ph type="title"/>
-          </p:nvPr>
-        </p:nvSpPr>
-        <p:spPr/>
-        <p:txBody>
-          <a:bodyPr/>
-          <a:lstStyle/>
-          <a:p>
-            <a:r>
-              <a:rPr lang="de-DE" dirty="0">
-                <a:solidFill>
-                  <a:srgbClr val="EBEBEB"/>
-                </a:solidFill>
-              </a:rPr>
-              <a:t>Fragen Block B </a:t>
-            </a:r>
-            <a:r>
-              <a:rPr lang="de-DE" sz="2000" i="1" dirty="0">
-                <a:solidFill>
-                  <a:srgbClr val="EBEBEB"/>
-                </a:solidFill>
-              </a:rPr>
-              <a:t>(Prof. C. Müller)</a:t>
-            </a:r>
-            <a:endParaRPr lang="de-DE" dirty="0"/>
-          </a:p>
-        </p:txBody>
-      </p:sp>
-      <p:sp>
-        <p:nvSpPr>
-          <p:cNvPr id="3" name="Inhaltsplatzhalter 2"/>
-          <p:cNvSpPr>
-            <a:spLocks noGrp="1"/>
-          </p:cNvSpPr>
-          <p:nvPr>
-            <p:ph idx="1"/>
-          </p:nvPr>
-        </p:nvSpPr>
-        <p:spPr/>
-        <p:txBody>
-          <a:bodyPr>
-            <a:normAutofit/>
-          </a:bodyPr>
-          <a:lstStyle/>
-          <a:p>
-            <a:r>
-              <a:rPr lang="de-DE" dirty="0" smtClean="0"/>
-              <a:t>Partial </a:t>
-            </a:r>
-            <a:r>
-              <a:rPr lang="de-DE" dirty="0" err="1" smtClean="0"/>
-              <a:t>Classes</a:t>
-            </a:r>
-            <a:r>
-              <a:rPr lang="de-DE" dirty="0" smtClean="0"/>
-              <a:t> verhindern Probleme durch Konflikte</a:t>
-            </a:r>
-          </a:p>
-          <a:p>
-            <a:pPr lvl="1"/>
-            <a:r>
-              <a:rPr lang="de-DE" dirty="0" smtClean="0"/>
-              <a:t>Der Programmierer bearbeitet nur  die manuelle Datei.</a:t>
-            </a:r>
-          </a:p>
-          <a:p>
-            <a:pPr lvl="1"/>
-            <a:r>
-              <a:rPr lang="de-DE" dirty="0" smtClean="0"/>
-              <a:t>Das Tool greift nur auf den generierten Teil der Klasse zu.</a:t>
-            </a:r>
-          </a:p>
-          <a:p>
-            <a:r>
-              <a:rPr lang="de-DE" dirty="0" smtClean="0"/>
-              <a:t>Problematik ergibt sich nur in der Handhabung der Projektdateien</a:t>
-            </a:r>
-          </a:p>
-          <a:p>
-            <a:pPr lvl="1"/>
-            <a:r>
-              <a:rPr lang="de-DE" dirty="0" smtClean="0"/>
-              <a:t>Designer muss seine Dateien erst zur Verfügung stellen.</a:t>
-            </a:r>
-          </a:p>
-          <a:p>
-            <a:pPr lvl="1"/>
-            <a:r>
-              <a:rPr lang="de-DE" dirty="0" smtClean="0"/>
-              <a:t>Tool muss korrekte Pfade übergeben.</a:t>
-            </a:r>
-          </a:p>
-        </p:txBody>
-      </p:sp>
-    </p:spTree>
-    <p:extLst>
-      <p:ext uri="{BB962C8B-B14F-4D97-AF65-F5344CB8AC3E}">
-        <p14:creationId xmlns:p14="http://schemas.microsoft.com/office/powerpoint/2010/main" val="1938138661"/>
-      </p:ext>
-    </p:extLst>
-  </p:cSld>
-  <p:clrMapOvr>
-    <a:masterClrMapping/>
-  </p:clrMapOvr>
-  <p:timing>
-    <p:tnLst>
-      <p:par>
-        <p:cTn id="1" dur="indefinite" restart="never" nodeType="tmRoot"/>
-      </p:par>
-    </p:tnLst>
-  </p:timing>
-</p:sld>
-</file>
-
-<file path=ppt/slides/slide27.xml><?xml version="1.0" encoding="utf-8"?>
-<p:sld xmlns:a="http://schemas.openxmlformats.org/drawingml/2006/main" xmlns:r="http://schemas.openxmlformats.org/officeDocument/2006/relationships" xmlns:p="http://schemas.openxmlformats.org/presentationml/2006/main">
-  <p:cSld>
-    <p:spTree>
-      <p:nvGrpSpPr>
-        <p:cNvPr id="1" name=""/>
-        <p:cNvGrpSpPr/>
-        <p:nvPr/>
-      </p:nvGrpSpPr>
-      <p:grpSpPr>
-        <a:xfrm>
-          <a:off x="0" y="0"/>
-          <a:ext cx="0" cy="0"/>
-          <a:chOff x="0" y="0"/>
-          <a:chExt cx="0" cy="0"/>
-        </a:xfrm>
-      </p:grpSpPr>
-      <p:sp>
-        <p:nvSpPr>
-          <p:cNvPr id="2" name="Titel 1"/>
-          <p:cNvSpPr>
-            <a:spLocks noGrp="1"/>
-          </p:cNvSpPr>
-          <p:nvPr>
-            <p:ph type="title"/>
-          </p:nvPr>
-        </p:nvSpPr>
-        <p:spPr/>
-        <p:txBody>
-          <a:bodyPr/>
-          <a:lstStyle/>
-          <a:p>
-            <a:r>
-              <a:rPr lang="de-DE" dirty="0">
-                <a:solidFill>
-                  <a:srgbClr val="EBEBEB"/>
-                </a:solidFill>
-              </a:rPr>
-              <a:t>Fragen Block B </a:t>
-            </a:r>
-            <a:r>
-              <a:rPr lang="de-DE" sz="2000" i="1" dirty="0">
-                <a:solidFill>
-                  <a:srgbClr val="EBEBEB"/>
-                </a:solidFill>
-              </a:rPr>
-              <a:t>(Prof. C. Müller)</a:t>
-            </a:r>
-            <a:endParaRPr lang="de-DE" dirty="0"/>
-          </a:p>
-        </p:txBody>
-      </p:sp>
-      <p:sp>
-        <p:nvSpPr>
-          <p:cNvPr id="3" name="Inhaltsplatzhalter 2"/>
-          <p:cNvSpPr>
-            <a:spLocks noGrp="1"/>
-          </p:cNvSpPr>
-          <p:nvPr>
-            <p:ph idx="1"/>
-          </p:nvPr>
-        </p:nvSpPr>
-        <p:spPr/>
-        <p:txBody>
-          <a:bodyPr/>
-          <a:lstStyle/>
-          <a:p>
-            <a:r>
-              <a:rPr lang="de-DE" dirty="0"/>
-              <a:t>Sollten sich Daten ändern so</a:t>
-            </a:r>
-          </a:p>
-          <a:p>
-            <a:pPr lvl="1"/>
-            <a:r>
-              <a:rPr lang="de-DE" dirty="0"/>
-              <a:t>Kann das </a:t>
-            </a:r>
-            <a:r>
-              <a:rPr lang="de-DE" dirty="0" err="1"/>
-              <a:t>FuseeAT</a:t>
-            </a:r>
-            <a:r>
-              <a:rPr lang="de-DE" dirty="0"/>
-              <a:t> diese im generierten Teil updaten</a:t>
-            </a:r>
-          </a:p>
-          <a:p>
-            <a:pPr lvl="1"/>
-            <a:r>
-              <a:rPr lang="de-DE" dirty="0"/>
-              <a:t>Kann der nächste Commit diese Dateien dem Programmierer zur Verfügung stellen.</a:t>
-            </a:r>
-          </a:p>
-          <a:p>
-            <a:r>
-              <a:rPr lang="de-DE" dirty="0" smtClean="0"/>
-              <a:t>XML</a:t>
-            </a:r>
-            <a:r>
-              <a:rPr lang="de-DE" baseline="0" dirty="0" smtClean="0"/>
-              <a:t> </a:t>
-            </a:r>
-            <a:r>
-              <a:rPr lang="de-DE" dirty="0" smtClean="0"/>
-              <a:t>Datencontainer unterstützen Programmierer</a:t>
-            </a:r>
-          </a:p>
-          <a:p>
-            <a:pPr lvl="1"/>
-            <a:r>
-              <a:rPr lang="de-DE" dirty="0" smtClean="0"/>
-              <a:t>Werden von </a:t>
-            </a:r>
-            <a:r>
-              <a:rPr lang="de-DE" dirty="0" err="1" smtClean="0"/>
-              <a:t>FuseeAT</a:t>
-            </a:r>
-            <a:r>
-              <a:rPr lang="de-DE" dirty="0" smtClean="0"/>
-              <a:t> aktualisiert.</a:t>
-            </a:r>
-          </a:p>
-          <a:p>
-            <a:pPr lvl="1"/>
-            <a:r>
-              <a:rPr lang="de-DE" dirty="0" smtClean="0"/>
-              <a:t>Können zur Not vom Programmierer angepasst werden.</a:t>
-            </a:r>
-          </a:p>
-          <a:p>
-            <a:pPr lvl="1"/>
-            <a:r>
-              <a:rPr lang="de-DE" dirty="0" smtClean="0"/>
-              <a:t>Updaten gleichzeitig indirekt den generierten Code beim nächsten verwenden des Editors.</a:t>
-            </a:r>
-            <a:endParaRPr lang="de-DE" dirty="0"/>
-          </a:p>
-        </p:txBody>
-      </p:sp>
-    </p:spTree>
-    <p:extLst>
-      <p:ext uri="{BB962C8B-B14F-4D97-AF65-F5344CB8AC3E}">
-        <p14:creationId xmlns:p14="http://schemas.microsoft.com/office/powerpoint/2010/main" val="4167901931"/>
-      </p:ext>
-    </p:extLst>
-  </p:cSld>
-  <p:clrMapOvr>
-    <a:masterClrMapping/>
-  </p:clrMapOvr>
-  <p:timing>
-    <p:tnLst>
-      <p:par>
-        <p:cTn id="1" dur="indefinite" restart="never" nodeType="tmRoot"/>
-      </p:par>
-    </p:tnLst>
-  </p:timing>
-</p:sld>
-</file>
-
-<file path=ppt/slides/slide28.xml><?xml version="1.0" encoding="utf-8"?>
-<p:sld xmlns:a="http://schemas.openxmlformats.org/drawingml/2006/main" xmlns:r="http://schemas.openxmlformats.org/officeDocument/2006/relationships" xmlns:p="http://schemas.openxmlformats.org/presentationml/2006/main">
-  <p:cSld>
-    <p:spTree>
-      <p:nvGrpSpPr>
-        <p:cNvPr id="1" name=""/>
-        <p:cNvGrpSpPr/>
-        <p:nvPr/>
-      </p:nvGrpSpPr>
-      <p:grpSpPr>
-        <a:xfrm>
-          <a:off x="0" y="0"/>
-          <a:ext cx="0" cy="0"/>
-          <a:chOff x="0" y="0"/>
-          <a:chExt cx="0" cy="0"/>
-        </a:xfrm>
-      </p:grpSpPr>
-      <p:sp>
-        <p:nvSpPr>
-          <p:cNvPr id="2" name="Titel 1"/>
-          <p:cNvSpPr>
-            <a:spLocks noGrp="1"/>
-          </p:cNvSpPr>
-          <p:nvPr>
-            <p:ph type="title"/>
-          </p:nvPr>
-        </p:nvSpPr>
-        <p:spPr/>
-        <p:txBody>
-          <a:bodyPr/>
-          <a:lstStyle/>
-          <a:p>
-            <a:r>
-              <a:rPr lang="de-DE" dirty="0" smtClean="0"/>
-              <a:t>Abschluss</a:t>
-            </a:r>
-            <a:endParaRPr lang="de-DE" dirty="0"/>
-          </a:p>
-        </p:txBody>
-      </p:sp>
-      <p:sp>
-        <p:nvSpPr>
-          <p:cNvPr id="3" name="Inhaltsplatzhalter 2"/>
-          <p:cNvSpPr>
-            <a:spLocks noGrp="1"/>
-          </p:cNvSpPr>
-          <p:nvPr>
-            <p:ph idx="1"/>
-          </p:nvPr>
-        </p:nvSpPr>
-        <p:spPr/>
-        <p:txBody>
-          <a:bodyPr/>
-          <a:lstStyle/>
-          <a:p>
-            <a:r>
-              <a:rPr lang="de-DE" dirty="0" smtClean="0"/>
-              <a:t>Fragen und Diskussion des Auditoriums.</a:t>
-            </a:r>
-          </a:p>
-        </p:txBody>
-      </p:sp>
-    </p:spTree>
-    <p:extLst>
-      <p:ext uri="{BB962C8B-B14F-4D97-AF65-F5344CB8AC3E}">
-        <p14:creationId xmlns:p14="http://schemas.microsoft.com/office/powerpoint/2010/main" val="1620754771"/>
-      </p:ext>
-    </p:extLst>
-  </p:cSld>
-  <p:clrMapOvr>
-    <a:masterClrMapping/>
-  </p:clrMapOvr>
-  <p:timing>
-    <p:tnLst>
-      <p:par>
-        <p:cTn id="1" dur="indefinite" restart="never" nodeType="tmRoot"/>
-      </p:par>
-    </p:tnLst>
-  </p:timing>
-</p:sld>
-</file>
-
-<file path=ppt/slides/slide29.xml><?xml version="1.0" encoding="utf-8"?>
-<p:sld xmlns:a="http://schemas.openxmlformats.org/drawingml/2006/main" xmlns:r="http://schemas.openxmlformats.org/officeDocument/2006/relationships" xmlns:p="http://schemas.openxmlformats.org/presentationml/2006/main">
-  <p:cSld>
-    <p:spTree>
-      <p:nvGrpSpPr>
-        <p:cNvPr id="1" name=""/>
-        <p:cNvGrpSpPr/>
-        <p:nvPr/>
-      </p:nvGrpSpPr>
-      <p:grpSpPr>
-        <a:xfrm>
-          <a:off x="0" y="0"/>
-          <a:ext cx="0" cy="0"/>
-          <a:chOff x="0" y="0"/>
-          <a:chExt cx="0" cy="0"/>
-        </a:xfrm>
-      </p:grpSpPr>
-      <p:sp>
-        <p:nvSpPr>
-          <p:cNvPr id="2" name="Titel 1"/>
-          <p:cNvSpPr>
-            <a:spLocks noGrp="1"/>
-          </p:cNvSpPr>
-          <p:nvPr>
-            <p:ph type="title"/>
-          </p:nvPr>
-        </p:nvSpPr>
-        <p:spPr/>
-        <p:txBody>
-          <a:bodyPr/>
-          <a:lstStyle/>
-          <a:p>
-            <a:r>
-              <a:rPr lang="de-DE" dirty="0" smtClean="0"/>
-              <a:t>Verabschiedung und Dank</a:t>
-            </a:r>
-            <a:endParaRPr lang="de-DE" dirty="0"/>
-          </a:p>
-        </p:txBody>
-      </p:sp>
-      <p:sp>
-        <p:nvSpPr>
-          <p:cNvPr id="3" name="Inhaltsplatzhalter 2"/>
-          <p:cNvSpPr>
-            <a:spLocks noGrp="1"/>
-          </p:cNvSpPr>
-          <p:nvPr>
-            <p:ph idx="1"/>
-          </p:nvPr>
-        </p:nvSpPr>
-        <p:spPr/>
-        <p:txBody>
-          <a:bodyPr/>
-          <a:lstStyle/>
-          <a:p>
-            <a:r>
-              <a:rPr lang="de-DE" dirty="0" smtClean="0"/>
-              <a:t>Vielen</a:t>
-            </a:r>
-            <a:r>
-              <a:rPr lang="de-DE" baseline="0" dirty="0" smtClean="0"/>
-              <a:t> Dank an die Betreuer der Arbeit für ihre Unterstützung.</a:t>
-            </a:r>
-          </a:p>
-          <a:p>
-            <a:r>
-              <a:rPr lang="de-DE" baseline="0" dirty="0" smtClean="0"/>
-              <a:t>Vielen Dank an die Fakultät Digitale Medien für die Unterstützung in meiner Tätigkeit als Akademischer Mitarbeiter während des Bearbeitungszeitraums.</a:t>
-            </a:r>
-          </a:p>
-        </p:txBody>
-      </p:sp>
-    </p:spTree>
-    <p:extLst>
-      <p:ext uri="{BB962C8B-B14F-4D97-AF65-F5344CB8AC3E}">
-        <p14:creationId xmlns:p14="http://schemas.microsoft.com/office/powerpoint/2010/main" val="1386344869"/>
-      </p:ext>
-    </p:extLst>
-  </p:cSld>
-  <p:clrMapOvr>
-    <a:masterClrMapping/>
-  </p:clrMapOvr>
-  <p:timing>
-    <p:tnLst>
-      <p:par>
-        <p:cTn id="1" dur="indefinite" restart="never" nodeType="tmRoot"/>
-      </p:par>
-    </p:tnLst>
-  </p:timing>
-</p:sld>
-</file>
-
-<file path=ppt/slides/slide3.xml><?xml version="1.0" encoding="utf-8"?>
-<p:sld xmlns:a="http://schemas.openxmlformats.org/drawingml/2006/main" xmlns:r="http://schemas.openxmlformats.org/officeDocument/2006/relationships" xmlns:p="http://schemas.openxmlformats.org/presentationml/2006/main">
-  <p:cSld>
-    <p:spTree>
-      <p:nvGrpSpPr>
-        <p:cNvPr id="1" name=""/>
-        <p:cNvGrpSpPr/>
-        <p:nvPr/>
-      </p:nvGrpSpPr>
-      <p:grpSpPr>
-        <a:xfrm>
-          <a:off x="0" y="0"/>
-          <a:ext cx="0" cy="0"/>
-          <a:chOff x="0" y="0"/>
-          <a:chExt cx="0" cy="0"/>
-        </a:xfrm>
-      </p:grpSpPr>
-      <p:sp>
-        <p:nvSpPr>
-          <p:cNvPr id="2" name="Titel 1"/>
-          <p:cNvSpPr>
-            <a:spLocks noGrp="1"/>
-          </p:cNvSpPr>
-          <p:nvPr>
-            <p:ph type="title"/>
-          </p:nvPr>
-        </p:nvSpPr>
-        <p:spPr/>
-        <p:txBody>
-          <a:bodyPr/>
-          <a:lstStyle/>
-          <a:p>
-            <a:r>
-              <a:rPr lang="de-DE" sz="4200" b="0" i="0" kern="1200" dirty="0" smtClean="0">
-                <a:solidFill>
-                  <a:schemeClr val="tx2"/>
-                </a:solidFill>
-                <a:effectLst/>
-                <a:latin typeface="+mj-lt"/>
-                <a:ea typeface="+mj-ea"/>
-                <a:cs typeface="+mj-cs"/>
-              </a:rPr>
-              <a:t>Vorstellung des Themas</a:t>
-            </a:r>
-            <a:endParaRPr lang="de-DE" dirty="0"/>
-          </a:p>
-        </p:txBody>
-      </p:sp>
-      <p:sp>
-        <p:nvSpPr>
-          <p:cNvPr id="3" name="Inhaltsplatzhalter 2"/>
-          <p:cNvSpPr>
-            <a:spLocks noGrp="1"/>
-          </p:cNvSpPr>
-          <p:nvPr>
-            <p:ph idx="1"/>
-          </p:nvPr>
-        </p:nvSpPr>
-        <p:spPr/>
-        <p:txBody>
-          <a:bodyPr>
-            <a:normAutofit/>
-          </a:bodyPr>
-          <a:lstStyle/>
-          <a:p>
-            <a:pPr marL="342900" marR="0" lvl="2" indent="-342900" algn="l" defTabSz="457200" rtl="0" eaLnBrk="1" fontAlgn="auto" latinLnBrk="0" hangingPunct="1">
-              <a:lnSpc>
-                <a:spcPct val="100000"/>
-              </a:lnSpc>
-              <a:spcBef>
-                <a:spcPts val="1000"/>
-              </a:spcBef>
-              <a:spcAft>
-                <a:spcPts val="0"/>
-              </a:spcAft>
-              <a:buClr>
-                <a:schemeClr val="bg2">
-                  <a:lumMod val="40000"/>
-                  <a:lumOff val="60000"/>
-                </a:schemeClr>
-              </a:buClr>
-              <a:buSzPct val="80000"/>
-              <a:buFont typeface="Wingdings 3" charset="2"/>
-              <a:buChar char=""/>
-              <a:tabLst/>
-              <a:defRPr/>
-            </a:pPr>
-            <a:r>
-              <a:rPr lang="de-DE" sz="2400" b="1" i="0" kern="1200" dirty="0" smtClean="0">
-                <a:solidFill>
-                  <a:schemeClr val="tx1"/>
-                </a:solidFill>
-                <a:effectLst/>
-                <a:latin typeface="+mj-lt"/>
-                <a:ea typeface="+mj-ea"/>
-                <a:cs typeface="+mj-cs"/>
-              </a:rPr>
-              <a:t>„Analyse des Game </a:t>
-            </a:r>
-            <a:r>
-              <a:rPr lang="de-DE" sz="2400" b="1" i="0" kern="1200" dirty="0" err="1" smtClean="0">
-                <a:solidFill>
-                  <a:schemeClr val="tx1"/>
-                </a:solidFill>
-                <a:effectLst/>
-                <a:latin typeface="+mj-lt"/>
-                <a:ea typeface="+mj-ea"/>
-                <a:cs typeface="+mj-cs"/>
-              </a:rPr>
-              <a:t>Authoring</a:t>
-            </a:r>
-            <a:r>
-              <a:rPr lang="de-DE" sz="2400" b="1" i="0" kern="1200" dirty="0" smtClean="0">
-                <a:solidFill>
-                  <a:schemeClr val="tx1"/>
-                </a:solidFill>
-                <a:effectLst/>
-                <a:latin typeface="+mj-lt"/>
-                <a:ea typeface="+mj-ea"/>
-                <a:cs typeface="+mj-cs"/>
-              </a:rPr>
-              <a:t> Tool Entwicklungsprozesses und Konzeption eines </a:t>
-            </a:r>
-            <a:r>
-              <a:rPr lang="de-DE" sz="2400" b="1" i="0" kern="1200" dirty="0" err="1" smtClean="0">
-                <a:solidFill>
-                  <a:schemeClr val="tx1"/>
-                </a:solidFill>
-                <a:effectLst/>
-                <a:latin typeface="+mj-lt"/>
-                <a:ea typeface="+mj-ea"/>
-                <a:cs typeface="+mj-cs"/>
-              </a:rPr>
-              <a:t>Authoring</a:t>
-            </a:r>
-            <a:r>
-              <a:rPr lang="de-DE" sz="2400" b="1" i="0" kern="1200" dirty="0" smtClean="0">
-                <a:solidFill>
-                  <a:schemeClr val="tx1"/>
-                </a:solidFill>
-                <a:effectLst/>
-                <a:latin typeface="+mj-lt"/>
-                <a:ea typeface="+mj-ea"/>
-                <a:cs typeface="+mj-cs"/>
-              </a:rPr>
-              <a:t> Tool Frameworks“.</a:t>
-            </a:r>
-          </a:p>
-        </p:txBody>
-      </p:sp>
-    </p:spTree>
-    <p:extLst>
-      <p:ext uri="{BB962C8B-B14F-4D97-AF65-F5344CB8AC3E}">
-        <p14:creationId xmlns:p14="http://schemas.microsoft.com/office/powerpoint/2010/main" val="2081582136"/>
-      </p:ext>
-    </p:extLst>
-  </p:cSld>
-  <p:clrMapOvr>
-    <a:masterClrMapping/>
-  </p:clrMapOvr>
-  <p:timing>
-    <p:tnLst>
-      <p:par>
-        <p:cTn id="1" dur="indefinite" restart="never" nodeType="tmRoot"/>
-      </p:par>
-    </p:tnLst>
-  </p:timing>
-</p:sld>
-</file>
-
 <file path=ppt/slides/slide4.xml><?xml version="1.0" encoding="utf-8"?>
 <p:sld xmlns:a="http://schemas.openxmlformats.org/drawingml/2006/main" xmlns:r="http://schemas.openxmlformats.org/officeDocument/2006/relationships" xmlns:p="http://schemas.openxmlformats.org/presentationml/2006/main">
   <p:cSld>
@@ -10756,6 +12682,1161 @@
     <p:extLst>
       <p:ext uri="{BB962C8B-B14F-4D97-AF65-F5344CB8AC3E}">
         <p14:creationId xmlns:p14="http://schemas.microsoft.com/office/powerpoint/2010/main" val="2093564235"/>
+      </p:ext>
+    </p:extLst>
+  </p:cSld>
+  <p:clrMapOvr>
+    <a:masterClrMapping/>
+  </p:clrMapOvr>
+  <p:timing>
+    <p:tnLst>
+      <p:par>
+        <p:cTn id="1" dur="indefinite" restart="never" nodeType="tmRoot"/>
+      </p:par>
+    </p:tnLst>
+  </p:timing>
+</p:sld>
+</file>
+
+<file path=ppt/slides/slide40.xml><?xml version="1.0" encoding="utf-8"?>
+<p:sld xmlns:a="http://schemas.openxmlformats.org/drawingml/2006/main" xmlns:r="http://schemas.openxmlformats.org/officeDocument/2006/relationships" xmlns:p="http://schemas.openxmlformats.org/presentationml/2006/main">
+  <p:cSld>
+    <p:spTree>
+      <p:nvGrpSpPr>
+        <p:cNvPr id="1" name=""/>
+        <p:cNvGrpSpPr/>
+        <p:nvPr/>
+      </p:nvGrpSpPr>
+      <p:grpSpPr>
+        <a:xfrm>
+          <a:off x="0" y="0"/>
+          <a:ext cx="0" cy="0"/>
+          <a:chOff x="0" y="0"/>
+          <a:chExt cx="0" cy="0"/>
+        </a:xfrm>
+      </p:grpSpPr>
+      <p:sp>
+        <p:nvSpPr>
+          <p:cNvPr id="2" name="Titel 1"/>
+          <p:cNvSpPr>
+            <a:spLocks noGrp="1"/>
+          </p:cNvSpPr>
+          <p:nvPr>
+            <p:ph type="title"/>
+          </p:nvPr>
+        </p:nvSpPr>
+        <p:spPr/>
+        <p:txBody>
+          <a:bodyPr/>
+          <a:lstStyle/>
+          <a:p>
+            <a:r>
+              <a:rPr lang="de-DE" dirty="0">
+                <a:solidFill>
+                  <a:srgbClr val="EBEBEB"/>
+                </a:solidFill>
+              </a:rPr>
+              <a:t>Fragen Block B </a:t>
+            </a:r>
+            <a:r>
+              <a:rPr lang="de-DE" sz="2000" i="1" dirty="0">
+                <a:solidFill>
+                  <a:srgbClr val="EBEBEB"/>
+                </a:solidFill>
+              </a:rPr>
+              <a:t>(Prof. C. Müller)</a:t>
+            </a:r>
+            <a:endParaRPr lang="de-DE" dirty="0"/>
+          </a:p>
+        </p:txBody>
+      </p:sp>
+      <p:sp>
+        <p:nvSpPr>
+          <p:cNvPr id="3" name="Inhaltsplatzhalter 2"/>
+          <p:cNvSpPr>
+            <a:spLocks noGrp="1"/>
+          </p:cNvSpPr>
+          <p:nvPr>
+            <p:ph idx="1"/>
+          </p:nvPr>
+        </p:nvSpPr>
+        <p:spPr/>
+        <p:txBody>
+          <a:bodyPr/>
+          <a:lstStyle/>
+          <a:p>
+            <a:r>
+              <a:rPr lang="de-DE" b="1" dirty="0"/>
+              <a:t>F2: -	</a:t>
+            </a:r>
+            <a:r>
+              <a:rPr lang="de-DE" b="1" dirty="0" smtClean="0"/>
+              <a:t>„Wie </a:t>
+            </a:r>
+            <a:r>
+              <a:rPr lang="de-DE" b="1" dirty="0"/>
+              <a:t>kann eine solche automatisiert generierte Brücke zwischen 3D-Modellierer und Programmierer funktionieren, </a:t>
+            </a:r>
+            <a:r>
+              <a:rPr lang="de-DE" b="1" dirty="0" smtClean="0"/>
+              <a:t>wenn:“</a:t>
+            </a:r>
+          </a:p>
+          <a:p>
+            <a:pPr lvl="1"/>
+            <a:r>
+              <a:rPr lang="de-DE" b="1" dirty="0"/>
+              <a:t>A: </a:t>
+            </a:r>
+            <a:r>
+              <a:rPr lang="de-DE" b="1" dirty="0" smtClean="0"/>
+              <a:t>„Programmierer </a:t>
+            </a:r>
+            <a:r>
+              <a:rPr lang="de-DE" b="1" dirty="0"/>
+              <a:t>und Modellierer nicht über das vollständige </a:t>
+            </a:r>
+            <a:r>
+              <a:rPr lang="de-DE" b="1" dirty="0" err="1"/>
+              <a:t>Toolset</a:t>
+            </a:r>
+            <a:r>
+              <a:rPr lang="de-DE" b="1" dirty="0"/>
+              <a:t> verfügen (Modellierer hat nur C4D, Programmierer hat nur Visual Studio</a:t>
+            </a:r>
+            <a:r>
+              <a:rPr lang="de-DE" b="1" dirty="0" smtClean="0"/>
+              <a:t>)?“</a:t>
+            </a:r>
+            <a:endParaRPr lang="de-DE" b="1" dirty="0"/>
+          </a:p>
+          <a:p>
+            <a:pPr lvl="1"/>
+            <a:r>
+              <a:rPr lang="de-DE" sz="1600" dirty="0"/>
+              <a:t>B: </a:t>
+            </a:r>
+            <a:r>
+              <a:rPr lang="de-DE" sz="1600" dirty="0" smtClean="0"/>
+              <a:t>„Programmierer </a:t>
+            </a:r>
+            <a:r>
+              <a:rPr lang="de-DE" sz="1600" dirty="0"/>
+              <a:t>und Modellierer abwechselnd/gleichzeitig iterativ an ihren jeweiligen Bestandteilen arbeiten</a:t>
+            </a:r>
+            <a:r>
+              <a:rPr lang="de-DE" sz="1600" dirty="0" smtClean="0"/>
+              <a:t>?“</a:t>
+            </a:r>
+          </a:p>
+        </p:txBody>
+      </p:sp>
+    </p:spTree>
+    <p:extLst>
+      <p:ext uri="{BB962C8B-B14F-4D97-AF65-F5344CB8AC3E}">
+        <p14:creationId xmlns:p14="http://schemas.microsoft.com/office/powerpoint/2010/main" val="968593373"/>
+      </p:ext>
+    </p:extLst>
+  </p:cSld>
+  <p:clrMapOvr>
+    <a:masterClrMapping/>
+  </p:clrMapOvr>
+  <p:timing>
+    <p:tnLst>
+      <p:par>
+        <p:cTn id="1" dur="indefinite" restart="never" nodeType="tmRoot"/>
+      </p:par>
+    </p:tnLst>
+  </p:timing>
+</p:sld>
+</file>
+
+<file path=ppt/slides/slide41.xml><?xml version="1.0" encoding="utf-8"?>
+<p:sld xmlns:a="http://schemas.openxmlformats.org/drawingml/2006/main" xmlns:r="http://schemas.openxmlformats.org/officeDocument/2006/relationships" xmlns:p="http://schemas.openxmlformats.org/presentationml/2006/main">
+  <p:cSld>
+    <p:spTree>
+      <p:nvGrpSpPr>
+        <p:cNvPr id="1" name=""/>
+        <p:cNvGrpSpPr/>
+        <p:nvPr/>
+      </p:nvGrpSpPr>
+      <p:grpSpPr>
+        <a:xfrm>
+          <a:off x="0" y="0"/>
+          <a:ext cx="0" cy="0"/>
+          <a:chOff x="0" y="0"/>
+          <a:chExt cx="0" cy="0"/>
+        </a:xfrm>
+      </p:grpSpPr>
+      <p:sp>
+        <p:nvSpPr>
+          <p:cNvPr id="2" name="Titel 1"/>
+          <p:cNvSpPr>
+            <a:spLocks noGrp="1"/>
+          </p:cNvSpPr>
+          <p:nvPr>
+            <p:ph type="title"/>
+          </p:nvPr>
+        </p:nvSpPr>
+        <p:spPr/>
+        <p:txBody>
+          <a:bodyPr/>
+          <a:lstStyle/>
+          <a:p>
+            <a:r>
+              <a:rPr lang="de-DE" dirty="0">
+                <a:solidFill>
+                  <a:srgbClr val="EBEBEB"/>
+                </a:solidFill>
+              </a:rPr>
+              <a:t>Fragen Block B </a:t>
+            </a:r>
+            <a:r>
+              <a:rPr lang="de-DE" sz="2000" i="1" dirty="0">
+                <a:solidFill>
+                  <a:srgbClr val="EBEBEB"/>
+                </a:solidFill>
+              </a:rPr>
+              <a:t>(Prof. C. Müller)</a:t>
+            </a:r>
+            <a:endParaRPr lang="de-DE" dirty="0"/>
+          </a:p>
+        </p:txBody>
+      </p:sp>
+      <p:sp>
+        <p:nvSpPr>
+          <p:cNvPr id="3" name="Inhaltsplatzhalter 2"/>
+          <p:cNvSpPr>
+            <a:spLocks noGrp="1"/>
+          </p:cNvSpPr>
+          <p:nvPr>
+            <p:ph idx="1"/>
+          </p:nvPr>
+        </p:nvSpPr>
+        <p:spPr/>
+        <p:txBody>
+          <a:bodyPr/>
+          <a:lstStyle/>
+          <a:p>
+            <a:r>
+              <a:rPr lang="de-DE" dirty="0" smtClean="0"/>
+              <a:t>Das </a:t>
+            </a:r>
+            <a:r>
+              <a:rPr lang="de-DE" dirty="0" err="1" smtClean="0"/>
+              <a:t>Toolset</a:t>
+            </a:r>
+            <a:r>
+              <a:rPr lang="de-DE" dirty="0" smtClean="0"/>
+              <a:t> übernimmt das Eintragen von Projektpfaden im Visual Studio .</a:t>
+            </a:r>
+            <a:r>
+              <a:rPr lang="de-DE" dirty="0" err="1" smtClean="0"/>
+              <a:t>sln</a:t>
+            </a:r>
+            <a:r>
+              <a:rPr lang="de-DE" dirty="0" smtClean="0"/>
+              <a:t> Projekt.</a:t>
+            </a:r>
+          </a:p>
+          <a:p>
+            <a:pPr lvl="1"/>
+            <a:r>
+              <a:rPr lang="de-DE" dirty="0" smtClean="0"/>
+              <a:t>Beim ersten generieren der Dateien.</a:t>
+            </a:r>
+          </a:p>
+          <a:p>
+            <a:pPr lvl="1"/>
+            <a:r>
+              <a:rPr lang="de-DE" dirty="0" smtClean="0"/>
+              <a:t>Speichert </a:t>
+            </a:r>
+            <a:r>
+              <a:rPr lang="de-DE" dirty="0" err="1" smtClean="0"/>
+              <a:t>Deliverables</a:t>
+            </a:r>
+            <a:r>
+              <a:rPr lang="de-DE" dirty="0" smtClean="0"/>
+              <a:t> im Projektverzeichnis (</a:t>
+            </a:r>
+            <a:r>
+              <a:rPr lang="de-DE" dirty="0" err="1" smtClean="0"/>
+              <a:t>Vorraussetzung</a:t>
+            </a:r>
+            <a:r>
+              <a:rPr lang="de-DE" dirty="0" smtClean="0"/>
+              <a:t>)</a:t>
+            </a:r>
+          </a:p>
+          <a:p>
+            <a:r>
+              <a:rPr lang="de-DE" dirty="0" smtClean="0"/>
+              <a:t>Somit sind die Dateien im Visual Studio Projekt ansprechbar</a:t>
+            </a:r>
+          </a:p>
+          <a:p>
+            <a:pPr lvl="1"/>
+            <a:r>
+              <a:rPr lang="de-DE" dirty="0" smtClean="0"/>
+              <a:t>Hierzu zählen:</a:t>
+            </a:r>
+          </a:p>
+          <a:p>
+            <a:pPr lvl="2"/>
+            <a:r>
+              <a:rPr lang="de-DE" dirty="0" err="1" smtClean="0"/>
+              <a:t>Deliverable</a:t>
+            </a:r>
+            <a:r>
+              <a:rPr lang="de-DE" dirty="0" smtClean="0"/>
+              <a:t> Dateien  (.</a:t>
+            </a:r>
+            <a:r>
+              <a:rPr lang="de-DE" dirty="0" err="1" smtClean="0"/>
+              <a:t>obj</a:t>
+            </a:r>
+            <a:r>
+              <a:rPr lang="de-DE" dirty="0" smtClean="0"/>
+              <a:t>, .</a:t>
+            </a:r>
+            <a:r>
+              <a:rPr lang="de-DE" dirty="0" err="1" smtClean="0"/>
+              <a:t>fbx</a:t>
+            </a:r>
+            <a:r>
+              <a:rPr lang="de-DE" dirty="0" smtClean="0"/>
+              <a:t>, etc.)</a:t>
+            </a:r>
+          </a:p>
+          <a:p>
+            <a:pPr lvl="2"/>
+            <a:r>
+              <a:rPr lang="de-DE" dirty="0" smtClean="0"/>
+              <a:t>Generierte Partial </a:t>
+            </a:r>
+            <a:r>
+              <a:rPr lang="de-DE" dirty="0" err="1" smtClean="0"/>
+              <a:t>Classes</a:t>
+            </a:r>
+            <a:r>
+              <a:rPr lang="de-DE" dirty="0" smtClean="0"/>
+              <a:t>	</a:t>
+            </a:r>
+          </a:p>
+          <a:p>
+            <a:r>
+              <a:rPr lang="de-DE" dirty="0" smtClean="0"/>
+              <a:t>Bedingungen hierfür:</a:t>
+            </a:r>
+          </a:p>
+          <a:p>
+            <a:pPr lvl="1"/>
+            <a:r>
+              <a:rPr lang="de-DE" dirty="0" smtClean="0"/>
+              <a:t>Tool kann die Pfade der Objekte Abfragen und hat Zugriff auf das Dateisystem (Cinema 4D API ermöglicht das).</a:t>
+            </a:r>
+          </a:p>
+          <a:p>
+            <a:endParaRPr lang="de-DE" dirty="0"/>
+          </a:p>
+        </p:txBody>
+      </p:sp>
+    </p:spTree>
+    <p:extLst>
+      <p:ext uri="{BB962C8B-B14F-4D97-AF65-F5344CB8AC3E}">
+        <p14:creationId xmlns:p14="http://schemas.microsoft.com/office/powerpoint/2010/main" val="1384580296"/>
+      </p:ext>
+    </p:extLst>
+  </p:cSld>
+  <p:clrMapOvr>
+    <a:masterClrMapping/>
+  </p:clrMapOvr>
+  <p:timing>
+    <p:tnLst>
+      <p:par>
+        <p:cTn id="1" dur="indefinite" restart="never" nodeType="tmRoot"/>
+      </p:par>
+    </p:tnLst>
+  </p:timing>
+</p:sld>
+</file>
+
+<file path=ppt/slides/slide42.xml><?xml version="1.0" encoding="utf-8"?>
+<p:sld xmlns:a="http://schemas.openxmlformats.org/drawingml/2006/main" xmlns:r="http://schemas.openxmlformats.org/officeDocument/2006/relationships" xmlns:p="http://schemas.openxmlformats.org/presentationml/2006/main">
+  <p:cSld>
+    <p:spTree>
+      <p:nvGrpSpPr>
+        <p:cNvPr id="1" name=""/>
+        <p:cNvGrpSpPr/>
+        <p:nvPr/>
+      </p:nvGrpSpPr>
+      <p:grpSpPr>
+        <a:xfrm>
+          <a:off x="0" y="0"/>
+          <a:ext cx="0" cy="0"/>
+          <a:chOff x="0" y="0"/>
+          <a:chExt cx="0" cy="0"/>
+        </a:xfrm>
+      </p:grpSpPr>
+      <p:sp>
+        <p:nvSpPr>
+          <p:cNvPr id="2" name="Titel 1"/>
+          <p:cNvSpPr>
+            <a:spLocks noGrp="1"/>
+          </p:cNvSpPr>
+          <p:nvPr>
+            <p:ph type="title"/>
+          </p:nvPr>
+        </p:nvSpPr>
+        <p:spPr/>
+        <p:txBody>
+          <a:bodyPr/>
+          <a:lstStyle/>
+          <a:p>
+            <a:r>
+              <a:rPr lang="de-DE" dirty="0">
+                <a:solidFill>
+                  <a:srgbClr val="EBEBEB"/>
+                </a:solidFill>
+              </a:rPr>
+              <a:t>Fragen Block B </a:t>
+            </a:r>
+            <a:r>
+              <a:rPr lang="de-DE" sz="2000" i="1" dirty="0">
+                <a:solidFill>
+                  <a:srgbClr val="EBEBEB"/>
+                </a:solidFill>
+              </a:rPr>
+              <a:t>(Prof. C. Müller)</a:t>
+            </a:r>
+            <a:endParaRPr lang="de-DE" dirty="0"/>
+          </a:p>
+        </p:txBody>
+      </p:sp>
+      <p:sp>
+        <p:nvSpPr>
+          <p:cNvPr id="3" name="Inhaltsplatzhalter 2"/>
+          <p:cNvSpPr>
+            <a:spLocks noGrp="1"/>
+          </p:cNvSpPr>
+          <p:nvPr>
+            <p:ph idx="1"/>
+          </p:nvPr>
+        </p:nvSpPr>
+        <p:spPr/>
+        <p:txBody>
+          <a:bodyPr/>
+          <a:lstStyle/>
+          <a:p>
+            <a:r>
+              <a:rPr lang="de-DE" b="1" dirty="0"/>
+              <a:t>F2: -	</a:t>
+            </a:r>
+            <a:r>
+              <a:rPr lang="de-DE" b="1" dirty="0" smtClean="0"/>
+              <a:t>„Wie </a:t>
+            </a:r>
+            <a:r>
+              <a:rPr lang="de-DE" b="1" dirty="0"/>
+              <a:t>kann eine solche automatisiert generierte Brücke zwischen 3D-Modellierer und Programmierer funktionieren, </a:t>
+            </a:r>
+            <a:r>
+              <a:rPr lang="de-DE" b="1" dirty="0" smtClean="0"/>
+              <a:t>wenn:“</a:t>
+            </a:r>
+          </a:p>
+          <a:p>
+            <a:pPr lvl="1"/>
+            <a:r>
+              <a:rPr lang="de-DE" sz="1600" dirty="0"/>
+              <a:t>A: </a:t>
+            </a:r>
+            <a:r>
+              <a:rPr lang="de-DE" sz="1600" dirty="0" smtClean="0"/>
+              <a:t>„Programmierer </a:t>
+            </a:r>
+            <a:r>
+              <a:rPr lang="de-DE" sz="1600" dirty="0"/>
+              <a:t>und Modellierer nicht über das vollständige </a:t>
+            </a:r>
+            <a:r>
+              <a:rPr lang="de-DE" sz="1600" dirty="0" err="1"/>
+              <a:t>Toolset</a:t>
+            </a:r>
+            <a:r>
+              <a:rPr lang="de-DE" sz="1600" dirty="0"/>
+              <a:t> verfügen (Modellierer hat nur C4D, Programmierer hat nur Visual Studio</a:t>
+            </a:r>
+            <a:r>
+              <a:rPr lang="de-DE" sz="1600" dirty="0" smtClean="0"/>
+              <a:t>)?“</a:t>
+            </a:r>
+            <a:endParaRPr lang="de-DE" sz="1600" dirty="0"/>
+          </a:p>
+          <a:p>
+            <a:pPr lvl="1"/>
+            <a:r>
+              <a:rPr lang="de-DE" b="1" dirty="0"/>
+              <a:t>B: </a:t>
+            </a:r>
+            <a:r>
+              <a:rPr lang="de-DE" b="1" dirty="0" smtClean="0"/>
+              <a:t>„Programmierer </a:t>
+            </a:r>
+            <a:r>
+              <a:rPr lang="de-DE" b="1" dirty="0"/>
+              <a:t>und Modellierer abwechselnd/gleichzeitig iterativ an ihren jeweiligen Bestandteilen arbeiten</a:t>
+            </a:r>
+            <a:r>
+              <a:rPr lang="de-DE" b="1" dirty="0" smtClean="0"/>
+              <a:t>?“</a:t>
+            </a:r>
+          </a:p>
+        </p:txBody>
+      </p:sp>
+    </p:spTree>
+    <p:extLst>
+      <p:ext uri="{BB962C8B-B14F-4D97-AF65-F5344CB8AC3E}">
+        <p14:creationId xmlns:p14="http://schemas.microsoft.com/office/powerpoint/2010/main" val="2838863598"/>
+      </p:ext>
+    </p:extLst>
+  </p:cSld>
+  <p:clrMapOvr>
+    <a:masterClrMapping/>
+  </p:clrMapOvr>
+  <p:timing>
+    <p:tnLst>
+      <p:par>
+        <p:cTn id="1" dur="indefinite" restart="never" nodeType="tmRoot"/>
+      </p:par>
+    </p:tnLst>
+  </p:timing>
+</p:sld>
+</file>
+
+<file path=ppt/slides/slide43.xml><?xml version="1.0" encoding="utf-8"?>
+<p:sld xmlns:a="http://schemas.openxmlformats.org/drawingml/2006/main" xmlns:r="http://schemas.openxmlformats.org/officeDocument/2006/relationships" xmlns:p="http://schemas.openxmlformats.org/presentationml/2006/main">
+  <p:cSld>
+    <p:spTree>
+      <p:nvGrpSpPr>
+        <p:cNvPr id="1" name=""/>
+        <p:cNvGrpSpPr/>
+        <p:nvPr/>
+      </p:nvGrpSpPr>
+      <p:grpSpPr>
+        <a:xfrm>
+          <a:off x="0" y="0"/>
+          <a:ext cx="0" cy="0"/>
+          <a:chOff x="0" y="0"/>
+          <a:chExt cx="0" cy="0"/>
+        </a:xfrm>
+      </p:grpSpPr>
+      <p:sp>
+        <p:nvSpPr>
+          <p:cNvPr id="2" name="Titel 1"/>
+          <p:cNvSpPr>
+            <a:spLocks noGrp="1"/>
+          </p:cNvSpPr>
+          <p:nvPr>
+            <p:ph type="title"/>
+          </p:nvPr>
+        </p:nvSpPr>
+        <p:spPr/>
+        <p:txBody>
+          <a:bodyPr/>
+          <a:lstStyle/>
+          <a:p>
+            <a:r>
+              <a:rPr lang="de-DE" dirty="0">
+                <a:solidFill>
+                  <a:srgbClr val="EBEBEB"/>
+                </a:solidFill>
+              </a:rPr>
+              <a:t>Fragen Block B </a:t>
+            </a:r>
+            <a:r>
+              <a:rPr lang="de-DE" sz="2000" i="1" dirty="0">
+                <a:solidFill>
+                  <a:srgbClr val="EBEBEB"/>
+                </a:solidFill>
+              </a:rPr>
+              <a:t>(Prof. C. Müller)</a:t>
+            </a:r>
+            <a:endParaRPr lang="de-DE" dirty="0"/>
+          </a:p>
+        </p:txBody>
+      </p:sp>
+      <p:sp>
+        <p:nvSpPr>
+          <p:cNvPr id="3" name="Inhaltsplatzhalter 2"/>
+          <p:cNvSpPr>
+            <a:spLocks noGrp="1"/>
+          </p:cNvSpPr>
+          <p:nvPr>
+            <p:ph idx="1"/>
+          </p:nvPr>
+        </p:nvSpPr>
+        <p:spPr/>
+        <p:txBody>
+          <a:bodyPr>
+            <a:normAutofit lnSpcReduction="10000"/>
+          </a:bodyPr>
+          <a:lstStyle/>
+          <a:p>
+            <a:r>
+              <a:rPr lang="de-DE" dirty="0" smtClean="0"/>
+              <a:t>Voraussetzung für die Funktionalität der folgenden Lösung</a:t>
+            </a:r>
+          </a:p>
+          <a:p>
+            <a:pPr lvl="1"/>
+            <a:r>
+              <a:rPr lang="de-DE" dirty="0" smtClean="0"/>
+              <a:t>Ist ein funktionierendes Versionskontrollsystem und eine geordnete Projektstruktur</a:t>
+            </a:r>
+          </a:p>
+          <a:p>
+            <a:r>
+              <a:rPr lang="de-DE" dirty="0" smtClean="0"/>
+              <a:t>Es wird GIT als Versionskontrollsystem angenommen weil:</a:t>
+            </a:r>
+          </a:p>
+          <a:p>
+            <a:pPr lvl="1"/>
+            <a:r>
+              <a:rPr lang="de-DE" dirty="0" err="1" smtClean="0"/>
+              <a:t>Git</a:t>
+            </a:r>
+            <a:r>
+              <a:rPr lang="de-DE" dirty="0" smtClean="0"/>
+              <a:t> weit verbreitet ist.</a:t>
+            </a:r>
+          </a:p>
+          <a:p>
+            <a:pPr lvl="1"/>
+            <a:r>
+              <a:rPr lang="de-DE" dirty="0" err="1" smtClean="0"/>
+              <a:t>Git</a:t>
+            </a:r>
+            <a:r>
+              <a:rPr lang="de-DE" dirty="0" smtClean="0"/>
+              <a:t> bereits in der </a:t>
+            </a:r>
+            <a:r>
+              <a:rPr lang="de-DE" dirty="0" err="1" smtClean="0"/>
+              <a:t>Fusee</a:t>
+            </a:r>
+            <a:r>
+              <a:rPr lang="de-DE" dirty="0" smtClean="0"/>
+              <a:t> Entwicklung verwendet wird.</a:t>
+            </a:r>
+          </a:p>
+          <a:p>
+            <a:pPr lvl="1"/>
+            <a:r>
+              <a:rPr lang="de-DE" dirty="0" smtClean="0"/>
+              <a:t>Die Konzepte der Versionskontrollsysteme sich für einfache Anwender wenig unterscheiden.</a:t>
+            </a:r>
+          </a:p>
+          <a:p>
+            <a:r>
+              <a:rPr lang="de-DE" dirty="0" smtClean="0"/>
+              <a:t>Der Prozess des abwechselnden Arbeitens inkludiert</a:t>
+            </a:r>
+          </a:p>
+          <a:p>
+            <a:pPr lvl="1"/>
+            <a:r>
+              <a:rPr lang="de-DE" dirty="0" smtClean="0"/>
+              <a:t>Hinzufügen von Dateien zum Versionskontrollsystem.</a:t>
+            </a:r>
+          </a:p>
+          <a:p>
+            <a:pPr lvl="1"/>
+            <a:r>
+              <a:rPr lang="de-DE" dirty="0" smtClean="0"/>
+              <a:t>Übertragen der Dateien zu anderen Mitarbeitern.</a:t>
+            </a:r>
+          </a:p>
+        </p:txBody>
+      </p:sp>
+    </p:spTree>
+    <p:extLst>
+      <p:ext uri="{BB962C8B-B14F-4D97-AF65-F5344CB8AC3E}">
+        <p14:creationId xmlns:p14="http://schemas.microsoft.com/office/powerpoint/2010/main" val="1663018032"/>
+      </p:ext>
+    </p:extLst>
+  </p:cSld>
+  <p:clrMapOvr>
+    <a:masterClrMapping/>
+  </p:clrMapOvr>
+  <p:timing>
+    <p:tnLst>
+      <p:par>
+        <p:cTn id="1" dur="indefinite" restart="never" nodeType="tmRoot"/>
+      </p:par>
+    </p:tnLst>
+  </p:timing>
+</p:sld>
+</file>
+
+<file path=ppt/slides/slide44.xml><?xml version="1.0" encoding="utf-8"?>
+<p:sld xmlns:a="http://schemas.openxmlformats.org/drawingml/2006/main" xmlns:r="http://schemas.openxmlformats.org/officeDocument/2006/relationships" xmlns:p="http://schemas.openxmlformats.org/presentationml/2006/main">
+  <p:cSld>
+    <p:spTree>
+      <p:nvGrpSpPr>
+        <p:cNvPr id="1" name=""/>
+        <p:cNvGrpSpPr/>
+        <p:nvPr/>
+      </p:nvGrpSpPr>
+      <p:grpSpPr>
+        <a:xfrm>
+          <a:off x="0" y="0"/>
+          <a:ext cx="0" cy="0"/>
+          <a:chOff x="0" y="0"/>
+          <a:chExt cx="0" cy="0"/>
+        </a:xfrm>
+      </p:grpSpPr>
+      <p:sp>
+        <p:nvSpPr>
+          <p:cNvPr id="2" name="Titel 1"/>
+          <p:cNvSpPr>
+            <a:spLocks noGrp="1"/>
+          </p:cNvSpPr>
+          <p:nvPr>
+            <p:ph type="title"/>
+          </p:nvPr>
+        </p:nvSpPr>
+        <p:spPr/>
+        <p:txBody>
+          <a:bodyPr/>
+          <a:lstStyle/>
+          <a:p>
+            <a:r>
+              <a:rPr lang="de-DE" dirty="0">
+                <a:solidFill>
+                  <a:srgbClr val="EBEBEB"/>
+                </a:solidFill>
+              </a:rPr>
+              <a:t>Fragen Block B </a:t>
+            </a:r>
+            <a:r>
+              <a:rPr lang="de-DE" sz="2000" i="1" dirty="0">
+                <a:solidFill>
+                  <a:srgbClr val="EBEBEB"/>
+                </a:solidFill>
+              </a:rPr>
+              <a:t>(Prof. C. Müller)</a:t>
+            </a:r>
+            <a:endParaRPr lang="de-DE" dirty="0"/>
+          </a:p>
+        </p:txBody>
+      </p:sp>
+      <p:sp>
+        <p:nvSpPr>
+          <p:cNvPr id="3" name="Inhaltsplatzhalter 2"/>
+          <p:cNvSpPr>
+            <a:spLocks noGrp="1"/>
+          </p:cNvSpPr>
+          <p:nvPr>
+            <p:ph idx="1"/>
+          </p:nvPr>
+        </p:nvSpPr>
+        <p:spPr/>
+        <p:txBody>
+          <a:bodyPr>
+            <a:normAutofit/>
+          </a:bodyPr>
+          <a:lstStyle/>
+          <a:p>
+            <a:r>
+              <a:rPr lang="de-DE" dirty="0" smtClean="0"/>
+              <a:t>Partial </a:t>
+            </a:r>
+            <a:r>
+              <a:rPr lang="de-DE" dirty="0" err="1" smtClean="0"/>
+              <a:t>Classes</a:t>
+            </a:r>
+            <a:r>
+              <a:rPr lang="de-DE" dirty="0" smtClean="0"/>
+              <a:t> verhindern Probleme durch Konflikte</a:t>
+            </a:r>
+          </a:p>
+          <a:p>
+            <a:pPr lvl="1"/>
+            <a:r>
+              <a:rPr lang="de-DE" dirty="0" smtClean="0"/>
+              <a:t>Der Programmierer bearbeitet nur  die manuelle Datei.</a:t>
+            </a:r>
+          </a:p>
+          <a:p>
+            <a:pPr lvl="1"/>
+            <a:r>
+              <a:rPr lang="de-DE" dirty="0" smtClean="0"/>
+              <a:t>Das Tool greift nur auf den generierten Teil der Klasse zu.</a:t>
+            </a:r>
+          </a:p>
+          <a:p>
+            <a:r>
+              <a:rPr lang="de-DE" dirty="0" smtClean="0"/>
+              <a:t>Problematik ergibt sich nur in der Handhabung der Projektdateien</a:t>
+            </a:r>
+          </a:p>
+          <a:p>
+            <a:pPr lvl="1"/>
+            <a:r>
+              <a:rPr lang="de-DE" dirty="0" smtClean="0"/>
+              <a:t>Designer muss seine Dateien erst zur Verfügung stellen.</a:t>
+            </a:r>
+          </a:p>
+          <a:p>
+            <a:pPr lvl="1"/>
+            <a:r>
+              <a:rPr lang="de-DE" dirty="0" smtClean="0"/>
+              <a:t>Tool muss korrekte Pfade übergeben.</a:t>
+            </a:r>
+          </a:p>
+        </p:txBody>
+      </p:sp>
+    </p:spTree>
+    <p:extLst>
+      <p:ext uri="{BB962C8B-B14F-4D97-AF65-F5344CB8AC3E}">
+        <p14:creationId xmlns:p14="http://schemas.microsoft.com/office/powerpoint/2010/main" val="1938138661"/>
+      </p:ext>
+    </p:extLst>
+  </p:cSld>
+  <p:clrMapOvr>
+    <a:masterClrMapping/>
+  </p:clrMapOvr>
+  <p:timing>
+    <p:tnLst>
+      <p:par>
+        <p:cTn id="1" dur="indefinite" restart="never" nodeType="tmRoot"/>
+      </p:par>
+    </p:tnLst>
+  </p:timing>
+</p:sld>
+</file>
+
+<file path=ppt/slides/slide45.xml><?xml version="1.0" encoding="utf-8"?>
+<p:sld xmlns:a="http://schemas.openxmlformats.org/drawingml/2006/main" xmlns:r="http://schemas.openxmlformats.org/officeDocument/2006/relationships" xmlns:p="http://schemas.openxmlformats.org/presentationml/2006/main">
+  <p:cSld>
+    <p:spTree>
+      <p:nvGrpSpPr>
+        <p:cNvPr id="1" name=""/>
+        <p:cNvGrpSpPr/>
+        <p:nvPr/>
+      </p:nvGrpSpPr>
+      <p:grpSpPr>
+        <a:xfrm>
+          <a:off x="0" y="0"/>
+          <a:ext cx="0" cy="0"/>
+          <a:chOff x="0" y="0"/>
+          <a:chExt cx="0" cy="0"/>
+        </a:xfrm>
+      </p:grpSpPr>
+      <p:sp>
+        <p:nvSpPr>
+          <p:cNvPr id="2" name="Titel 1"/>
+          <p:cNvSpPr>
+            <a:spLocks noGrp="1"/>
+          </p:cNvSpPr>
+          <p:nvPr>
+            <p:ph type="title"/>
+          </p:nvPr>
+        </p:nvSpPr>
+        <p:spPr/>
+        <p:txBody>
+          <a:bodyPr/>
+          <a:lstStyle/>
+          <a:p>
+            <a:r>
+              <a:rPr lang="de-DE" dirty="0">
+                <a:solidFill>
+                  <a:srgbClr val="EBEBEB"/>
+                </a:solidFill>
+              </a:rPr>
+              <a:t>Fragen Block B </a:t>
+            </a:r>
+            <a:r>
+              <a:rPr lang="de-DE" sz="2000" i="1" dirty="0">
+                <a:solidFill>
+                  <a:srgbClr val="EBEBEB"/>
+                </a:solidFill>
+              </a:rPr>
+              <a:t>(Prof. C. Müller)</a:t>
+            </a:r>
+            <a:endParaRPr lang="de-DE" dirty="0"/>
+          </a:p>
+        </p:txBody>
+      </p:sp>
+      <p:sp>
+        <p:nvSpPr>
+          <p:cNvPr id="3" name="Inhaltsplatzhalter 2"/>
+          <p:cNvSpPr>
+            <a:spLocks noGrp="1"/>
+          </p:cNvSpPr>
+          <p:nvPr>
+            <p:ph idx="1"/>
+          </p:nvPr>
+        </p:nvSpPr>
+        <p:spPr/>
+        <p:txBody>
+          <a:bodyPr/>
+          <a:lstStyle/>
+          <a:p>
+            <a:r>
+              <a:rPr lang="de-DE" dirty="0"/>
+              <a:t>Sollten sich Daten ändern so</a:t>
+            </a:r>
+          </a:p>
+          <a:p>
+            <a:pPr lvl="1"/>
+            <a:r>
+              <a:rPr lang="de-DE" dirty="0"/>
+              <a:t>Kann das </a:t>
+            </a:r>
+            <a:r>
+              <a:rPr lang="de-DE" dirty="0" err="1"/>
+              <a:t>FuseeAT</a:t>
+            </a:r>
+            <a:r>
+              <a:rPr lang="de-DE" dirty="0"/>
+              <a:t> diese im generierten Teil updaten</a:t>
+            </a:r>
+          </a:p>
+          <a:p>
+            <a:pPr lvl="1"/>
+            <a:r>
+              <a:rPr lang="de-DE" dirty="0"/>
+              <a:t>Kann der nächste Commit diese Dateien dem Programmierer zur Verfügung stellen.</a:t>
+            </a:r>
+          </a:p>
+          <a:p>
+            <a:r>
+              <a:rPr lang="de-DE" dirty="0" smtClean="0"/>
+              <a:t>XML</a:t>
+            </a:r>
+            <a:r>
+              <a:rPr lang="de-DE" baseline="0" dirty="0" smtClean="0"/>
+              <a:t> </a:t>
+            </a:r>
+            <a:r>
+              <a:rPr lang="de-DE" dirty="0" smtClean="0"/>
+              <a:t>Datencontainer unterstützen Programmierer</a:t>
+            </a:r>
+          </a:p>
+          <a:p>
+            <a:pPr lvl="1"/>
+            <a:r>
+              <a:rPr lang="de-DE" dirty="0" smtClean="0"/>
+              <a:t>Werden von </a:t>
+            </a:r>
+            <a:r>
+              <a:rPr lang="de-DE" dirty="0" err="1" smtClean="0"/>
+              <a:t>FuseeAT</a:t>
+            </a:r>
+            <a:r>
+              <a:rPr lang="de-DE" dirty="0" smtClean="0"/>
+              <a:t> aktualisiert.</a:t>
+            </a:r>
+          </a:p>
+          <a:p>
+            <a:pPr lvl="1"/>
+            <a:r>
+              <a:rPr lang="de-DE" dirty="0" smtClean="0"/>
+              <a:t>Können zur Not vom Programmierer angepasst werden.</a:t>
+            </a:r>
+          </a:p>
+          <a:p>
+            <a:pPr lvl="1"/>
+            <a:r>
+              <a:rPr lang="de-DE" dirty="0" smtClean="0"/>
+              <a:t>Updaten gleichzeitig indirekt den generierten Code beim nächsten verwenden des Editors.</a:t>
+            </a:r>
+            <a:endParaRPr lang="de-DE" dirty="0"/>
+          </a:p>
+        </p:txBody>
+      </p:sp>
+    </p:spTree>
+    <p:extLst>
+      <p:ext uri="{BB962C8B-B14F-4D97-AF65-F5344CB8AC3E}">
+        <p14:creationId xmlns:p14="http://schemas.microsoft.com/office/powerpoint/2010/main" val="4167901931"/>
+      </p:ext>
+    </p:extLst>
+  </p:cSld>
+  <p:clrMapOvr>
+    <a:masterClrMapping/>
+  </p:clrMapOvr>
+  <p:timing>
+    <p:tnLst>
+      <p:par>
+        <p:cTn id="1" dur="indefinite" restart="never" nodeType="tmRoot"/>
+      </p:par>
+    </p:tnLst>
+  </p:timing>
+</p:sld>
+</file>
+
+<file path=ppt/slides/slide46.xml><?xml version="1.0" encoding="utf-8"?>
+<p:sld xmlns:a="http://schemas.openxmlformats.org/drawingml/2006/main" xmlns:r="http://schemas.openxmlformats.org/officeDocument/2006/relationships" xmlns:p="http://schemas.openxmlformats.org/presentationml/2006/main">
+  <p:cSld>
+    <p:spTree>
+      <p:nvGrpSpPr>
+        <p:cNvPr id="1" name=""/>
+        <p:cNvGrpSpPr/>
+        <p:nvPr/>
+      </p:nvGrpSpPr>
+      <p:grpSpPr>
+        <a:xfrm>
+          <a:off x="0" y="0"/>
+          <a:ext cx="0" cy="0"/>
+          <a:chOff x="0" y="0"/>
+          <a:chExt cx="0" cy="0"/>
+        </a:xfrm>
+      </p:grpSpPr>
+      <p:sp>
+        <p:nvSpPr>
+          <p:cNvPr id="2" name="Titel 1"/>
+          <p:cNvSpPr>
+            <a:spLocks noGrp="1"/>
+          </p:cNvSpPr>
+          <p:nvPr>
+            <p:ph type="title"/>
+          </p:nvPr>
+        </p:nvSpPr>
+        <p:spPr/>
+        <p:txBody>
+          <a:bodyPr/>
+          <a:lstStyle/>
+          <a:p>
+            <a:r>
+              <a:rPr lang="de-DE" dirty="0" smtClean="0"/>
+              <a:t>Abschluss</a:t>
+            </a:r>
+            <a:endParaRPr lang="de-DE" dirty="0"/>
+          </a:p>
+        </p:txBody>
+      </p:sp>
+      <p:sp>
+        <p:nvSpPr>
+          <p:cNvPr id="3" name="Inhaltsplatzhalter 2"/>
+          <p:cNvSpPr>
+            <a:spLocks noGrp="1"/>
+          </p:cNvSpPr>
+          <p:nvPr>
+            <p:ph idx="1"/>
+          </p:nvPr>
+        </p:nvSpPr>
+        <p:spPr/>
+        <p:txBody>
+          <a:bodyPr/>
+          <a:lstStyle/>
+          <a:p>
+            <a:r>
+              <a:rPr lang="de-DE" dirty="0" smtClean="0"/>
+              <a:t>Fragen und Diskussion des Auditoriums.</a:t>
+            </a:r>
+          </a:p>
+        </p:txBody>
+      </p:sp>
+    </p:spTree>
+    <p:extLst>
+      <p:ext uri="{BB962C8B-B14F-4D97-AF65-F5344CB8AC3E}">
+        <p14:creationId xmlns:p14="http://schemas.microsoft.com/office/powerpoint/2010/main" val="1620754771"/>
+      </p:ext>
+    </p:extLst>
+  </p:cSld>
+  <p:clrMapOvr>
+    <a:masterClrMapping/>
+  </p:clrMapOvr>
+  <p:timing>
+    <p:tnLst>
+      <p:par>
+        <p:cTn id="1" dur="indefinite" restart="never" nodeType="tmRoot"/>
+      </p:par>
+    </p:tnLst>
+  </p:timing>
+</p:sld>
+</file>
+
+<file path=ppt/slides/slide47.xml><?xml version="1.0" encoding="utf-8"?>
+<p:sld xmlns:a="http://schemas.openxmlformats.org/drawingml/2006/main" xmlns:r="http://schemas.openxmlformats.org/officeDocument/2006/relationships" xmlns:p="http://schemas.openxmlformats.org/presentationml/2006/main">
+  <p:cSld>
+    <p:spTree>
+      <p:nvGrpSpPr>
+        <p:cNvPr id="1" name=""/>
+        <p:cNvGrpSpPr/>
+        <p:nvPr/>
+      </p:nvGrpSpPr>
+      <p:grpSpPr>
+        <a:xfrm>
+          <a:off x="0" y="0"/>
+          <a:ext cx="0" cy="0"/>
+          <a:chOff x="0" y="0"/>
+          <a:chExt cx="0" cy="0"/>
+        </a:xfrm>
+      </p:grpSpPr>
+      <p:sp>
+        <p:nvSpPr>
+          <p:cNvPr id="2" name="Titel 1"/>
+          <p:cNvSpPr>
+            <a:spLocks noGrp="1"/>
+          </p:cNvSpPr>
+          <p:nvPr>
+            <p:ph type="title"/>
+          </p:nvPr>
+        </p:nvSpPr>
+        <p:spPr/>
+        <p:txBody>
+          <a:bodyPr/>
+          <a:lstStyle/>
+          <a:p>
+            <a:r>
+              <a:rPr lang="de-DE" dirty="0" smtClean="0"/>
+              <a:t>Verabschiedung und Dank</a:t>
+            </a:r>
+            <a:endParaRPr lang="de-DE" dirty="0"/>
+          </a:p>
+        </p:txBody>
+      </p:sp>
+      <p:sp>
+        <p:nvSpPr>
+          <p:cNvPr id="3" name="Inhaltsplatzhalter 2"/>
+          <p:cNvSpPr>
+            <a:spLocks noGrp="1"/>
+          </p:cNvSpPr>
+          <p:nvPr>
+            <p:ph idx="1"/>
+          </p:nvPr>
+        </p:nvSpPr>
+        <p:spPr/>
+        <p:txBody>
+          <a:bodyPr/>
+          <a:lstStyle/>
+          <a:p>
+            <a:r>
+              <a:rPr lang="de-DE" dirty="0" smtClean="0"/>
+              <a:t>Vielen</a:t>
+            </a:r>
+            <a:r>
+              <a:rPr lang="de-DE" baseline="0" dirty="0" smtClean="0"/>
+              <a:t> Dank an die Betreuer der Arbeit für ihre Unterstützung.</a:t>
+            </a:r>
+          </a:p>
+          <a:p>
+            <a:r>
+              <a:rPr lang="de-DE" baseline="0" dirty="0" smtClean="0"/>
+              <a:t>Vielen Dank an die Fakultät Digitale Medien für die Unterstützung in meiner Tätigkeit als Akademischer Mitarbeiter während des Bearbeitungszeitraums.</a:t>
+            </a:r>
+          </a:p>
+        </p:txBody>
+      </p:sp>
+    </p:spTree>
+    <p:extLst>
+      <p:ext uri="{BB962C8B-B14F-4D97-AF65-F5344CB8AC3E}">
+        <p14:creationId xmlns:p14="http://schemas.microsoft.com/office/powerpoint/2010/main" val="1386344869"/>
       </p:ext>
     </p:extLst>
   </p:cSld>

--- a/Disputation/Praesentation_DominikSteffen.pptx
+++ b/Disputation/Praesentation_DominikSteffen.pptx
@@ -11,16 +11,16 @@
     <p:sldId id="256" r:id="rId2"/>
     <p:sldId id="257" r:id="rId3"/>
     <p:sldId id="258" r:id="rId4"/>
-    <p:sldId id="259" r:id="rId5"/>
-    <p:sldId id="260" r:id="rId6"/>
+    <p:sldId id="260" r:id="rId5"/>
+    <p:sldId id="262" r:id="rId6"/>
     <p:sldId id="261" r:id="rId7"/>
-    <p:sldId id="262" r:id="rId8"/>
-    <p:sldId id="269" r:id="rId9"/>
-    <p:sldId id="263" r:id="rId10"/>
-    <p:sldId id="270" r:id="rId11"/>
-    <p:sldId id="271" r:id="rId12"/>
-    <p:sldId id="264" r:id="rId13"/>
-    <p:sldId id="272" r:id="rId14"/>
+    <p:sldId id="269" r:id="rId8"/>
+    <p:sldId id="263" r:id="rId9"/>
+    <p:sldId id="270" r:id="rId10"/>
+    <p:sldId id="271" r:id="rId11"/>
+    <p:sldId id="264" r:id="rId12"/>
+    <p:sldId id="272" r:id="rId13"/>
+    <p:sldId id="304" r:id="rId14"/>
     <p:sldId id="265" r:id="rId15"/>
     <p:sldId id="285" r:id="rId16"/>
     <p:sldId id="286" r:id="rId17"/>
@@ -41,8 +41,8 @@
     <p:sldId id="302" r:id="rId32"/>
     <p:sldId id="303" r:id="rId33"/>
     <p:sldId id="266" r:id="rId34"/>
-    <p:sldId id="277" r:id="rId35"/>
-    <p:sldId id="273" r:id="rId36"/>
+    <p:sldId id="273" r:id="rId35"/>
+    <p:sldId id="277" r:id="rId36"/>
     <p:sldId id="274" r:id="rId37"/>
     <p:sldId id="275" r:id="rId38"/>
     <p:sldId id="276" r:id="rId39"/>
@@ -243,7 +243,7 @@
           <a:p>
             <a:fld id="{7C160E95-576B-4A71-8EBB-932E408482CC}" type="datetimeFigureOut">
               <a:rPr lang="de-DE" smtClean="0"/>
-              <a:t>07.07.2015</a:t>
+              <a:t>08.07.2015</a:t>
             </a:fld>
             <a:endParaRPr lang="de-DE"/>
           </a:p>
@@ -555,11 +555,83 @@
           <a:bodyPr/>
           <a:lstStyle/>
           <a:p>
-            <a:r>
-              <a:rPr lang="de-DE" dirty="0" smtClean="0"/>
-              <a:t>Hier noch ein Bild zu Cinema 4D einfügen.</a:t>
-            </a:r>
-            <a:endParaRPr lang="de-DE" dirty="0"/>
+            <a:pPr marL="0" marR="0" lvl="1" indent="0" algn="l" defTabSz="914400" rtl="0" eaLnBrk="1" fontAlgn="auto" latinLnBrk="0" hangingPunct="1">
+              <a:lnSpc>
+                <a:spcPct val="100000"/>
+              </a:lnSpc>
+              <a:spcBef>
+                <a:spcPts val="0"/>
+              </a:spcBef>
+              <a:spcAft>
+                <a:spcPts val="0"/>
+              </a:spcAft>
+              <a:buClrTx/>
+              <a:buSzTx/>
+              <a:buFontTx/>
+              <a:buNone/>
+              <a:tabLst/>
+              <a:defRPr/>
+            </a:pPr>
+            <a:r>
+              <a:rPr lang="de-DE" dirty="0" smtClean="0"/>
+              <a:t>1) </a:t>
+            </a:r>
+            <a:r>
+              <a:rPr lang="de-DE" dirty="0" smtClean="0"/>
+              <a:t>Theoretische Analyse</a:t>
+            </a:r>
+          </a:p>
+          <a:p>
+            <a:r>
+              <a:rPr lang="de-DE" dirty="0" smtClean="0"/>
+              <a:t>2) </a:t>
+            </a:r>
+            <a:r>
+              <a:rPr lang="de-DE" dirty="0" smtClean="0"/>
+              <a:t>Induktion – Ableitung der Funktionalität von speziellen Tools und herausarbeiten</a:t>
+            </a:r>
+            <a:r>
+              <a:rPr lang="de-DE" baseline="0" dirty="0" smtClean="0"/>
+              <a:t> von allgemeingültigen Notwendigkeiten und Features</a:t>
+            </a:r>
+          </a:p>
+          <a:p>
+            <a:r>
+              <a:rPr lang="de-DE" baseline="0" dirty="0" smtClean="0"/>
+              <a:t>3) Deduktion – Aus den allgemeingültigen Ergebnissen etwas spezielles konzipieren.</a:t>
+            </a:r>
+          </a:p>
+          <a:p>
+            <a:pPr marL="0" marR="0" lvl="1" indent="0" algn="l" defTabSz="914400" rtl="0" eaLnBrk="1" fontAlgn="auto" latinLnBrk="0" hangingPunct="1">
+              <a:lnSpc>
+                <a:spcPct val="100000"/>
+              </a:lnSpc>
+              <a:spcBef>
+                <a:spcPts val="0"/>
+              </a:spcBef>
+              <a:spcAft>
+                <a:spcPts val="0"/>
+              </a:spcAft>
+              <a:buClrTx/>
+              <a:buSzTx/>
+              <a:buFontTx/>
+              <a:buNone/>
+              <a:tabLst/>
+              <a:defRPr/>
+            </a:pPr>
+            <a:r>
+              <a:rPr lang="de-DE" baseline="0" dirty="0" smtClean="0"/>
+              <a:t>4) </a:t>
+            </a:r>
+            <a:r>
+              <a:rPr lang="de-DE" dirty="0" smtClean="0"/>
+              <a:t>Methodik des </a:t>
+            </a:r>
+            <a:r>
+              <a:rPr lang="de-DE" dirty="0" err="1" smtClean="0"/>
+              <a:t>Prototyping</a:t>
+            </a:r>
+            <a:endParaRPr lang="de-DE" dirty="0" smtClean="0"/>
           </a:p>
         </p:txBody>
       </p:sp>
@@ -580,7 +652,7 @@
           <a:p>
             <a:fld id="{B31920E4-02A0-409B-A8B9-098E88402350}" type="slidenum">
               <a:rPr lang="de-DE" smtClean="0"/>
-              <a:t>6</a:t>
+              <a:t>5</a:t>
             </a:fld>
             <a:endParaRPr lang="de-DE"/>
           </a:p>
@@ -589,7 +661,7 @@
     </p:spTree>
     <p:extLst>
       <p:ext uri="{BB962C8B-B14F-4D97-AF65-F5344CB8AC3E}">
-        <p14:creationId xmlns:p14="http://schemas.microsoft.com/office/powerpoint/2010/main" val="1779011851"/>
+        <p14:creationId xmlns:p14="http://schemas.microsoft.com/office/powerpoint/2010/main" val="1429793904"/>
       </p:ext>
     </p:extLst>
   </p:cSld>
@@ -644,6 +716,1243 @@
           <a:lstStyle/>
           <a:p>
             <a:r>
+              <a:rPr lang="de-DE" dirty="0" smtClean="0"/>
+              <a:t>Hier noch ein Bild zu Cinema 4D einfügen.</a:t>
+            </a:r>
+            <a:endParaRPr lang="de-DE" dirty="0"/>
+          </a:p>
+        </p:txBody>
+      </p:sp>
+      <p:sp>
+        <p:nvSpPr>
+          <p:cNvPr id="4" name="Foliennummernplatzhalter 3"/>
+          <p:cNvSpPr>
+            <a:spLocks noGrp="1"/>
+          </p:cNvSpPr>
+          <p:nvPr>
+            <p:ph type="sldNum" sz="quarter" idx="10"/>
+          </p:nvPr>
+        </p:nvSpPr>
+        <p:spPr/>
+        <p:txBody>
+          <a:bodyPr/>
+          <a:lstStyle/>
+          <a:p>
+            <a:fld id="{B31920E4-02A0-409B-A8B9-098E88402350}" type="slidenum">
+              <a:rPr lang="de-DE" smtClean="0"/>
+              <a:t>6</a:t>
+            </a:fld>
+            <a:endParaRPr lang="de-DE"/>
+          </a:p>
+        </p:txBody>
+      </p:sp>
+    </p:spTree>
+    <p:extLst>
+      <p:ext uri="{BB962C8B-B14F-4D97-AF65-F5344CB8AC3E}">
+        <p14:creationId xmlns:p14="http://schemas.microsoft.com/office/powerpoint/2010/main" val="1779011851"/>
+      </p:ext>
+    </p:extLst>
+  </p:cSld>
+  <p:clrMapOvr>
+    <a:masterClrMapping/>
+  </p:clrMapOvr>
+</p:notes>
+</file>
+
+<file path=ppt/notesSlides/notesSlide3.xml><?xml version="1.0" encoding="utf-8"?>
+<p:notes xmlns:a="http://schemas.openxmlformats.org/drawingml/2006/main" xmlns:r="http://schemas.openxmlformats.org/officeDocument/2006/relationships" xmlns:p="http://schemas.openxmlformats.org/presentationml/2006/main">
+  <p:cSld>
+    <p:spTree>
+      <p:nvGrpSpPr>
+        <p:cNvPr id="1" name=""/>
+        <p:cNvGrpSpPr/>
+        <p:nvPr/>
+      </p:nvGrpSpPr>
+      <p:grpSpPr>
+        <a:xfrm>
+          <a:off x="0" y="0"/>
+          <a:ext cx="0" cy="0"/>
+          <a:chOff x="0" y="0"/>
+          <a:chExt cx="0" cy="0"/>
+        </a:xfrm>
+      </p:grpSpPr>
+      <p:sp>
+        <p:nvSpPr>
+          <p:cNvPr id="2" name="Folienbildplatzhalter 1"/>
+          <p:cNvSpPr>
+            <a:spLocks noGrp="1" noRot="1" noChangeAspect="1"/>
+          </p:cNvSpPr>
+          <p:nvPr>
+            <p:ph type="sldImg"/>
+          </p:nvPr>
+        </p:nvSpPr>
+        <p:spPr/>
+      </p:sp>
+      <p:sp>
+        <p:nvSpPr>
+          <p:cNvPr id="3" name="Notizenplatzhalter 2"/>
+          <p:cNvSpPr>
+            <a:spLocks noGrp="1"/>
+          </p:cNvSpPr>
+          <p:nvPr>
+            <p:ph type="body" idx="1"/>
+          </p:nvPr>
+        </p:nvSpPr>
+        <p:spPr/>
+        <p:txBody>
+          <a:bodyPr/>
+          <a:lstStyle/>
+          <a:p>
+            <a:r>
+              <a:rPr lang="de-DE" dirty="0" smtClean="0"/>
+              <a:t>Proprietären: B</a:t>
+            </a:r>
+            <a:r>
+              <a:rPr lang="de-DE" sz="1200" b="0" i="0" kern="1200" dirty="0" smtClean="0">
+                <a:solidFill>
+                  <a:schemeClr val="tx1"/>
+                </a:solidFill>
+                <a:effectLst/>
+                <a:latin typeface="+mn-lt"/>
+                <a:ea typeface="+mn-ea"/>
+                <a:cs typeface="+mn-cs"/>
+              </a:rPr>
+              <a:t>ezeichnet eine Software, die das Recht und die Möglichkeiten der Wieder- und Weiterverwendung, sowie Änderung und Anpassung durch </a:t>
+            </a:r>
+            <a:r>
+              <a:rPr lang="de-DE" sz="1200" b="0" i="0" u="none" strike="noStrike" kern="1200" dirty="0" smtClean="0">
+                <a:solidFill>
+                  <a:schemeClr val="tx1"/>
+                </a:solidFill>
+                <a:effectLst/>
+                <a:latin typeface="+mn-lt"/>
+                <a:ea typeface="+mn-ea"/>
+                <a:cs typeface="+mn-cs"/>
+                <a:hlinkClick r:id="rId3" tooltip="Endbenutzer"/>
+              </a:rPr>
+              <a:t>Nutzer</a:t>
+            </a:r>
+            <a:r>
+              <a:rPr lang="de-DE" sz="1200" b="0" i="0" kern="1200" dirty="0" smtClean="0">
+                <a:solidFill>
+                  <a:schemeClr val="tx1"/>
+                </a:solidFill>
+                <a:effectLst/>
+                <a:latin typeface="+mn-lt"/>
+                <a:ea typeface="+mn-ea"/>
+                <a:cs typeface="+mn-cs"/>
+              </a:rPr>
+              <a:t> und </a:t>
+            </a:r>
+            <a:r>
+              <a:rPr lang="de-DE" sz="1200" b="0" i="0" u="none" strike="noStrike" kern="1200" dirty="0" smtClean="0">
+                <a:solidFill>
+                  <a:schemeClr val="tx1"/>
+                </a:solidFill>
+                <a:effectLst/>
+                <a:latin typeface="+mn-lt"/>
+                <a:ea typeface="+mn-ea"/>
+                <a:cs typeface="+mn-cs"/>
+                <a:hlinkClick r:id="rId4" tooltip="Dritthersteller"/>
+              </a:rPr>
+              <a:t>Dritte</a:t>
+            </a:r>
+            <a:r>
+              <a:rPr lang="de-DE" sz="1200" b="0" i="0" kern="1200" dirty="0" smtClean="0">
+                <a:solidFill>
+                  <a:schemeClr val="tx1"/>
+                </a:solidFill>
+                <a:effectLst/>
+                <a:latin typeface="+mn-lt"/>
+                <a:ea typeface="+mn-ea"/>
+                <a:cs typeface="+mn-cs"/>
+              </a:rPr>
+              <a:t> stark einschränkt. Es gibt einige Mechanismen die eine Software „</a:t>
+            </a:r>
+            <a:r>
+              <a:rPr lang="de-DE" sz="1200" b="0" i="0" u="none" strike="noStrike" kern="1200" dirty="0" smtClean="0">
+                <a:solidFill>
+                  <a:schemeClr val="tx1"/>
+                </a:solidFill>
+                <a:effectLst/>
+                <a:latin typeface="+mn-lt"/>
+                <a:ea typeface="+mn-ea"/>
+                <a:cs typeface="+mn-cs"/>
+                <a:hlinkClick r:id="rId5" tooltip="Proprietär"/>
+              </a:rPr>
+              <a:t>proprietär</a:t>
+            </a:r>
+            <a:r>
+              <a:rPr lang="de-DE" sz="1200" b="0" i="0" kern="1200" dirty="0" smtClean="0">
+                <a:solidFill>
+                  <a:schemeClr val="tx1"/>
+                </a:solidFill>
+                <a:effectLst/>
+                <a:latin typeface="+mn-lt"/>
+                <a:ea typeface="+mn-ea"/>
+                <a:cs typeface="+mn-cs"/>
+              </a:rPr>
+              <a:t>“ machen und halten können: aufbauen der Software auf herstellerspezifischen, nicht veröffentlichten </a:t>
+            </a:r>
+            <a:r>
+              <a:rPr lang="de-DE" sz="1200" b="0" i="0" u="none" strike="noStrike" kern="1200" dirty="0" smtClean="0">
+                <a:solidFill>
+                  <a:schemeClr val="tx1"/>
+                </a:solidFill>
+                <a:effectLst/>
+                <a:latin typeface="+mn-lt"/>
+                <a:ea typeface="+mn-ea"/>
+                <a:cs typeface="+mn-cs"/>
+                <a:hlinkClick r:id="rId6" tooltip="Standard"/>
+              </a:rPr>
+              <a:t>Standards</a:t>
+            </a:r>
+            <a:r>
+              <a:rPr lang="de-DE" sz="1200" b="0" i="0" kern="1200" dirty="0" smtClean="0">
+                <a:solidFill>
+                  <a:schemeClr val="tx1"/>
+                </a:solidFill>
+                <a:effectLst/>
+                <a:latin typeface="+mn-lt"/>
+                <a:ea typeface="+mn-ea"/>
+                <a:cs typeface="+mn-cs"/>
+              </a:rPr>
+              <a:t>, durch </a:t>
+            </a:r>
+            <a:r>
+              <a:rPr lang="de-DE" sz="1200" b="0" i="0" u="none" strike="noStrike" kern="1200" dirty="0" smtClean="0">
+                <a:solidFill>
+                  <a:schemeClr val="tx1"/>
+                </a:solidFill>
+                <a:effectLst/>
+                <a:latin typeface="+mn-lt"/>
+                <a:ea typeface="+mn-ea"/>
+                <a:cs typeface="+mn-cs"/>
+                <a:hlinkClick r:id="rId7" tooltip="Softwarepatent"/>
+              </a:rPr>
+              <a:t>Softwarepatente</a:t>
+            </a:r>
+            <a:r>
+              <a:rPr lang="de-DE" sz="1200" b="0" i="0" kern="1200" dirty="0" smtClean="0">
+                <a:solidFill>
+                  <a:schemeClr val="tx1"/>
+                </a:solidFill>
+                <a:effectLst/>
+                <a:latin typeface="+mn-lt"/>
+                <a:ea typeface="+mn-ea"/>
+                <a:cs typeface="+mn-cs"/>
+              </a:rPr>
+              <a:t>, das </a:t>
+            </a:r>
+            <a:r>
+              <a:rPr lang="de-DE" sz="1200" b="0" i="0" u="none" strike="noStrike" kern="1200" dirty="0" smtClean="0">
+                <a:solidFill>
+                  <a:schemeClr val="tx1"/>
+                </a:solidFill>
+                <a:effectLst/>
+                <a:latin typeface="+mn-lt"/>
+                <a:ea typeface="+mn-ea"/>
+                <a:cs typeface="+mn-cs"/>
+                <a:hlinkClick r:id="rId8" tooltip="Urheberrecht"/>
+              </a:rPr>
+              <a:t>Urheberrecht</a:t>
+            </a:r>
+            <a:r>
+              <a:rPr lang="de-DE" sz="1200" b="0" i="0" kern="1200" dirty="0" smtClean="0">
+                <a:solidFill>
+                  <a:schemeClr val="tx1"/>
+                </a:solidFill>
+                <a:effectLst/>
+                <a:latin typeface="+mn-lt"/>
+                <a:ea typeface="+mn-ea"/>
+                <a:cs typeface="+mn-cs"/>
+              </a:rPr>
+              <a:t>, </a:t>
+            </a:r>
+            <a:r>
+              <a:rPr lang="de-DE" sz="1200" b="0" i="0" u="none" strike="noStrike" kern="1200" dirty="0" smtClean="0">
+                <a:solidFill>
+                  <a:schemeClr val="tx1"/>
+                </a:solidFill>
+                <a:effectLst/>
+                <a:latin typeface="+mn-lt"/>
+                <a:ea typeface="+mn-ea"/>
+                <a:cs typeface="+mn-cs"/>
+                <a:hlinkClick r:id="rId9" tooltip="Softwarelizenz"/>
+              </a:rPr>
+              <a:t>Lizenzbedingungen</a:t>
+            </a:r>
+            <a:r>
+              <a:rPr lang="de-DE" sz="1200" b="0" i="0" kern="1200" dirty="0" smtClean="0">
+                <a:solidFill>
+                  <a:schemeClr val="tx1"/>
+                </a:solidFill>
+                <a:effectLst/>
+                <a:latin typeface="+mn-lt"/>
+                <a:ea typeface="+mn-ea"/>
+                <a:cs typeface="+mn-cs"/>
+              </a:rPr>
+              <a:t> (</a:t>
+            </a:r>
+            <a:r>
+              <a:rPr lang="de-DE" sz="1200" b="0" i="0" u="none" strike="noStrike" kern="1200" dirty="0" smtClean="0">
+                <a:solidFill>
+                  <a:schemeClr val="tx1"/>
+                </a:solidFill>
+                <a:effectLst/>
+                <a:latin typeface="+mn-lt"/>
+                <a:ea typeface="+mn-ea"/>
+                <a:cs typeface="+mn-cs"/>
+                <a:hlinkClick r:id="rId10" tooltip="EULA"/>
+              </a:rPr>
+              <a:t>EULAs</a:t>
+            </a:r>
+            <a:r>
+              <a:rPr lang="de-DE" sz="1200" b="0" i="0" kern="1200" dirty="0" smtClean="0">
+                <a:solidFill>
+                  <a:schemeClr val="tx1"/>
+                </a:solidFill>
+                <a:effectLst/>
+                <a:latin typeface="+mn-lt"/>
+                <a:ea typeface="+mn-ea"/>
+                <a:cs typeface="+mn-cs"/>
+              </a:rPr>
+              <a:t>) und die Behandlung </a:t>
+            </a:r>
+            <a:r>
+              <a:rPr lang="de-DE" sz="1200" b="0" i="0" kern="1200" dirty="0" err="1" smtClean="0">
+                <a:solidFill>
+                  <a:schemeClr val="tx1"/>
+                </a:solidFill>
+                <a:effectLst/>
+                <a:latin typeface="+mn-lt"/>
+                <a:ea typeface="+mn-ea"/>
+                <a:cs typeface="+mn-cs"/>
+              </a:rPr>
+              <a:t>des</a:t>
+            </a:r>
+            <a:r>
+              <a:rPr lang="de-DE" sz="1200" b="0" i="0" u="none" strike="noStrike" kern="1200" dirty="0" err="1" smtClean="0">
+                <a:solidFill>
+                  <a:schemeClr val="tx1"/>
+                </a:solidFill>
+                <a:effectLst/>
+                <a:latin typeface="+mn-lt"/>
+                <a:ea typeface="+mn-ea"/>
+                <a:cs typeface="+mn-cs"/>
+                <a:hlinkClick r:id="rId11" tooltip="Quelltext"/>
+              </a:rPr>
+              <a:t>Quelltextes</a:t>
+            </a:r>
+            <a:r>
+              <a:rPr lang="de-DE" sz="1200" b="0" i="0" kern="1200" dirty="0" smtClean="0">
+                <a:solidFill>
+                  <a:schemeClr val="tx1"/>
+                </a:solidFill>
+                <a:effectLst/>
+                <a:latin typeface="+mn-lt"/>
+                <a:ea typeface="+mn-ea"/>
+                <a:cs typeface="+mn-cs"/>
+              </a:rPr>
+              <a:t> als </a:t>
+            </a:r>
+            <a:r>
+              <a:rPr lang="de-DE" sz="1200" b="0" i="0" u="none" strike="noStrike" kern="1200" dirty="0" smtClean="0">
+                <a:solidFill>
+                  <a:schemeClr val="tx1"/>
+                </a:solidFill>
+                <a:effectLst/>
+                <a:latin typeface="+mn-lt"/>
+                <a:ea typeface="+mn-ea"/>
+                <a:cs typeface="+mn-cs"/>
+                <a:hlinkClick r:id="rId12" tooltip="Betriebsgeheimnis"/>
+              </a:rPr>
+              <a:t>Betriebsgeheimnis</a:t>
+            </a:r>
+            <a:r>
+              <a:rPr lang="de-DE" sz="1200" b="0" i="0" kern="1200" dirty="0" smtClean="0">
+                <a:solidFill>
+                  <a:schemeClr val="tx1"/>
+                </a:solidFill>
+                <a:effectLst/>
+                <a:latin typeface="+mn-lt"/>
+                <a:ea typeface="+mn-ea"/>
+                <a:cs typeface="+mn-cs"/>
+              </a:rPr>
+              <a:t> (</a:t>
+            </a:r>
+            <a:r>
+              <a:rPr lang="de-DE" sz="1200" b="0" i="0" u="none" strike="noStrike" kern="1200" dirty="0" smtClean="0">
+                <a:solidFill>
+                  <a:schemeClr val="tx1"/>
+                </a:solidFill>
+                <a:effectLst/>
+                <a:latin typeface="+mn-lt"/>
+                <a:ea typeface="+mn-ea"/>
+                <a:cs typeface="+mn-cs"/>
+                <a:hlinkClick r:id="rId13" tooltip="Englische Sprache"/>
+              </a:rPr>
+              <a:t>englisch</a:t>
+            </a:r>
+            <a:r>
+              <a:rPr lang="de-DE" sz="1200" b="0" i="0" kern="1200" dirty="0" smtClean="0">
+                <a:solidFill>
+                  <a:schemeClr val="tx1"/>
+                </a:solidFill>
+                <a:effectLst/>
+                <a:latin typeface="+mn-lt"/>
+                <a:ea typeface="+mn-ea"/>
+                <a:cs typeface="+mn-cs"/>
+              </a:rPr>
+              <a:t> </a:t>
+            </a:r>
+            <a:r>
+              <a:rPr lang="de-DE" sz="1200" b="0" i="0" kern="1200" dirty="0" err="1" smtClean="0">
+                <a:solidFill>
+                  <a:schemeClr val="tx1"/>
+                </a:solidFill>
+                <a:effectLst/>
+                <a:latin typeface="+mn-lt"/>
+                <a:ea typeface="+mn-ea"/>
+                <a:cs typeface="+mn-cs"/>
+              </a:rPr>
+              <a:t>closed</a:t>
+            </a:r>
+            <a:r>
+              <a:rPr lang="de-DE" sz="1200" b="0" i="0" kern="1200" dirty="0" smtClean="0">
+                <a:solidFill>
+                  <a:schemeClr val="tx1"/>
+                </a:solidFill>
+                <a:effectLst/>
+                <a:latin typeface="+mn-lt"/>
+                <a:ea typeface="+mn-ea"/>
+                <a:cs typeface="+mn-cs"/>
+              </a:rPr>
+              <a:t> </a:t>
+            </a:r>
+            <a:r>
+              <a:rPr lang="de-DE" sz="1200" b="0" i="0" kern="1200" dirty="0" err="1" smtClean="0">
+                <a:solidFill>
+                  <a:schemeClr val="tx1"/>
+                </a:solidFill>
+                <a:effectLst/>
+                <a:latin typeface="+mn-lt"/>
+                <a:ea typeface="+mn-ea"/>
+                <a:cs typeface="+mn-cs"/>
+              </a:rPr>
+              <a:t>source</a:t>
+            </a:r>
+            <a:r>
+              <a:rPr lang="de-DE" sz="1200" b="0" i="0" kern="1200" dirty="0" smtClean="0">
+                <a:solidFill>
+                  <a:schemeClr val="tx1"/>
+                </a:solidFill>
+                <a:effectLst/>
+                <a:latin typeface="+mn-lt"/>
+                <a:ea typeface="+mn-ea"/>
+                <a:cs typeface="+mn-cs"/>
+              </a:rPr>
+              <a:t>).</a:t>
+            </a:r>
+            <a:r>
+              <a:rPr lang="de-DE" sz="1200" b="0" i="0" u="none" strike="noStrike" kern="1200" baseline="30000" dirty="0" smtClean="0">
+                <a:solidFill>
+                  <a:schemeClr val="tx1"/>
+                </a:solidFill>
+                <a:effectLst/>
+                <a:latin typeface="+mn-lt"/>
+                <a:ea typeface="+mn-ea"/>
+                <a:cs typeface="+mn-cs"/>
+                <a:hlinkClick r:id="rId14"/>
+              </a:rPr>
+              <a:t>[1]</a:t>
+            </a:r>
+            <a:endParaRPr lang="de-DE" dirty="0"/>
+          </a:p>
+        </p:txBody>
+      </p:sp>
+      <p:sp>
+        <p:nvSpPr>
+          <p:cNvPr id="4" name="Foliennummernplatzhalter 3"/>
+          <p:cNvSpPr>
+            <a:spLocks noGrp="1"/>
+          </p:cNvSpPr>
+          <p:nvPr>
+            <p:ph type="sldNum" sz="quarter" idx="10"/>
+          </p:nvPr>
+        </p:nvSpPr>
+        <p:spPr/>
+        <p:txBody>
+          <a:bodyPr/>
+          <a:lstStyle/>
+          <a:p>
+            <a:fld id="{B31920E4-02A0-409B-A8B9-098E88402350}" type="slidenum">
+              <a:rPr lang="de-DE" smtClean="0"/>
+              <a:t>7</a:t>
+            </a:fld>
+            <a:endParaRPr lang="de-DE"/>
+          </a:p>
+        </p:txBody>
+      </p:sp>
+    </p:spTree>
+    <p:extLst>
+      <p:ext uri="{BB962C8B-B14F-4D97-AF65-F5344CB8AC3E}">
+        <p14:creationId xmlns:p14="http://schemas.microsoft.com/office/powerpoint/2010/main" val="905226233"/>
+      </p:ext>
+    </p:extLst>
+  </p:cSld>
+  <p:clrMapOvr>
+    <a:masterClrMapping/>
+  </p:clrMapOvr>
+</p:notes>
+</file>
+
+<file path=ppt/notesSlides/notesSlide4.xml><?xml version="1.0" encoding="utf-8"?>
+<p:notes xmlns:a="http://schemas.openxmlformats.org/drawingml/2006/main" xmlns:r="http://schemas.openxmlformats.org/officeDocument/2006/relationships" xmlns:p="http://schemas.openxmlformats.org/presentationml/2006/main">
+  <p:cSld>
+    <p:spTree>
+      <p:nvGrpSpPr>
+        <p:cNvPr id="1" name=""/>
+        <p:cNvGrpSpPr/>
+        <p:nvPr/>
+      </p:nvGrpSpPr>
+      <p:grpSpPr>
+        <a:xfrm>
+          <a:off x="0" y="0"/>
+          <a:ext cx="0" cy="0"/>
+          <a:chOff x="0" y="0"/>
+          <a:chExt cx="0" cy="0"/>
+        </a:xfrm>
+      </p:grpSpPr>
+      <p:sp>
+        <p:nvSpPr>
+          <p:cNvPr id="2" name="Folienbildplatzhalter 1"/>
+          <p:cNvSpPr>
+            <a:spLocks noGrp="1" noRot="1" noChangeAspect="1"/>
+          </p:cNvSpPr>
+          <p:nvPr>
+            <p:ph type="sldImg"/>
+          </p:nvPr>
+        </p:nvSpPr>
+        <p:spPr/>
+      </p:sp>
+      <p:sp>
+        <p:nvSpPr>
+          <p:cNvPr id="3" name="Notizenplatzhalter 2"/>
+          <p:cNvSpPr>
+            <a:spLocks noGrp="1"/>
+          </p:cNvSpPr>
+          <p:nvPr>
+            <p:ph type="body" idx="1"/>
+          </p:nvPr>
+        </p:nvSpPr>
+        <p:spPr/>
+        <p:txBody>
+          <a:bodyPr/>
+          <a:lstStyle/>
+          <a:p>
+            <a:pPr marL="228600" indent="-228600">
+              <a:buAutoNum type="arabicParenR"/>
+            </a:pPr>
+            <a:r>
+              <a:rPr lang="de-DE" dirty="0" smtClean="0"/>
+              <a:t>Sony Tool Abteilung </a:t>
+            </a:r>
+            <a:r>
+              <a:rPr lang="de-DE" dirty="0" err="1" smtClean="0"/>
+              <a:t>SnSystems</a:t>
+            </a:r>
+            <a:r>
+              <a:rPr lang="de-DE" dirty="0" smtClean="0"/>
+              <a:t> „</a:t>
+            </a:r>
+            <a:r>
+              <a:rPr lang="en-US" sz="1200" b="0" i="0" kern="1200" dirty="0" smtClean="0">
+                <a:solidFill>
+                  <a:schemeClr val="tx1"/>
+                </a:solidFill>
+                <a:effectLst/>
+                <a:latin typeface="+mn-lt"/>
+                <a:ea typeface="+mn-ea"/>
+                <a:cs typeface="+mn-cs"/>
+              </a:rPr>
+              <a:t>For more than 25 years we've been creating the tools used by games developers around the world. What began as a two-person operation has grown to become an international company with more than 80 employees.”</a:t>
+            </a:r>
+          </a:p>
+          <a:p>
+            <a:r>
+              <a:rPr lang="de-DE" sz="1200" b="0" i="0" u="none" strike="noStrike" kern="1200" baseline="0" dirty="0" smtClean="0">
+                <a:solidFill>
+                  <a:schemeClr val="tx1"/>
+                </a:solidFill>
+                <a:latin typeface="+mn-lt"/>
+                <a:ea typeface="+mn-ea"/>
+                <a:cs typeface="+mn-cs"/>
+              </a:rPr>
+              <a:t>2) Dieses Konzept ist an</a:t>
+            </a:r>
+          </a:p>
+          <a:p>
+            <a:r>
+              <a:rPr lang="de-DE" sz="1200" b="0" i="0" u="none" strike="noStrike" kern="1200" baseline="0" dirty="0" smtClean="0">
+                <a:solidFill>
+                  <a:schemeClr val="tx1"/>
+                </a:solidFill>
+                <a:latin typeface="+mn-lt"/>
+                <a:ea typeface="+mn-ea"/>
+                <a:cs typeface="+mn-cs"/>
+              </a:rPr>
+              <a:t>Jason Gregorys These, dass </a:t>
+            </a:r>
+            <a:r>
+              <a:rPr lang="de-DE" sz="1200" b="0" i="0" u="none" strike="noStrike" kern="1200" baseline="0" dirty="0" err="1" smtClean="0">
+                <a:solidFill>
+                  <a:schemeClr val="tx1"/>
+                </a:solidFill>
+                <a:latin typeface="+mn-lt"/>
+                <a:ea typeface="+mn-ea"/>
+                <a:cs typeface="+mn-cs"/>
+              </a:rPr>
+              <a:t>Authoring</a:t>
+            </a:r>
+            <a:r>
+              <a:rPr lang="de-DE" sz="1200" b="0" i="0" u="none" strike="noStrike" kern="1200" baseline="0" dirty="0" smtClean="0">
+                <a:solidFill>
+                  <a:schemeClr val="tx1"/>
+                </a:solidFill>
+                <a:latin typeface="+mn-lt"/>
+                <a:ea typeface="+mn-ea"/>
+                <a:cs typeface="+mn-cs"/>
+              </a:rPr>
+              <a:t> Tools verlässlich und einfach zu nutzen</a:t>
+            </a:r>
+          </a:p>
+          <a:p>
+            <a:r>
+              <a:rPr lang="de-DE" sz="1200" b="0" i="0" u="none" strike="noStrike" kern="1200" baseline="0" dirty="0" smtClean="0">
+                <a:solidFill>
+                  <a:schemeClr val="tx1"/>
+                </a:solidFill>
+                <a:latin typeface="+mn-lt"/>
+                <a:ea typeface="+mn-ea"/>
+                <a:cs typeface="+mn-cs"/>
+              </a:rPr>
+              <a:t>sein müssen, angelehnt. Vgl. Jason </a:t>
+            </a:r>
+            <a:r>
+              <a:rPr lang="de-DE" sz="1200" b="0" i="0" u="none" strike="noStrike" kern="1200" baseline="0" dirty="0" err="1" smtClean="0">
+                <a:solidFill>
+                  <a:schemeClr val="tx1"/>
+                </a:solidFill>
+                <a:latin typeface="+mn-lt"/>
+                <a:ea typeface="+mn-ea"/>
+                <a:cs typeface="+mn-cs"/>
+              </a:rPr>
+              <a:t>Gergory</a:t>
+            </a:r>
+            <a:r>
+              <a:rPr lang="de-DE" sz="1200" b="0" i="0" u="none" strike="noStrike" kern="1200" baseline="0" dirty="0" smtClean="0">
+                <a:solidFill>
+                  <a:schemeClr val="tx1"/>
+                </a:solidFill>
+                <a:latin typeface="+mn-lt"/>
+                <a:ea typeface="+mn-ea"/>
+                <a:cs typeface="+mn-cs"/>
+              </a:rPr>
+              <a:t>. </a:t>
+            </a:r>
+            <a:r>
+              <a:rPr lang="de-DE" sz="1200" b="0" i="1" u="none" strike="noStrike" kern="1200" baseline="0" dirty="0" smtClean="0">
+                <a:solidFill>
+                  <a:schemeClr val="tx1"/>
+                </a:solidFill>
+                <a:latin typeface="+mn-lt"/>
+                <a:ea typeface="+mn-ea"/>
+                <a:cs typeface="+mn-cs"/>
+              </a:rPr>
+              <a:t>Game Engine </a:t>
+            </a:r>
+            <a:r>
+              <a:rPr lang="de-DE" sz="1200" b="0" i="1" u="none" strike="noStrike" kern="1200" baseline="0" dirty="0" err="1" smtClean="0">
+                <a:solidFill>
+                  <a:schemeClr val="tx1"/>
+                </a:solidFill>
+                <a:latin typeface="+mn-lt"/>
+                <a:ea typeface="+mn-ea"/>
+                <a:cs typeface="+mn-cs"/>
+              </a:rPr>
+              <a:t>Architecture</a:t>
+            </a:r>
+            <a:r>
+              <a:rPr lang="de-DE" sz="1200" b="0" i="0" u="none" strike="noStrike" kern="1200" baseline="0" dirty="0" smtClean="0">
+                <a:solidFill>
+                  <a:schemeClr val="tx1"/>
+                </a:solidFill>
+                <a:latin typeface="+mn-lt"/>
+                <a:ea typeface="+mn-ea"/>
+                <a:cs typeface="+mn-cs"/>
+              </a:rPr>
+              <a:t>. Taylor</a:t>
+            </a:r>
+          </a:p>
+          <a:p>
+            <a:r>
+              <a:rPr lang="de-DE" sz="1200" b="0" i="0" u="none" strike="noStrike" kern="1200" baseline="0" dirty="0" smtClean="0">
+                <a:solidFill>
+                  <a:schemeClr val="tx1"/>
+                </a:solidFill>
+                <a:latin typeface="+mn-lt"/>
+                <a:ea typeface="+mn-ea"/>
+                <a:cs typeface="+mn-cs"/>
+              </a:rPr>
+              <a:t>&amp; Francis Ltd., 2009. </a:t>
+            </a:r>
+            <a:r>
+              <a:rPr lang="de-DE" sz="1200" b="0" i="0" u="none" strike="noStrike" kern="1200" baseline="0" dirty="0" err="1" smtClean="0">
+                <a:solidFill>
+                  <a:schemeClr val="tx1"/>
+                </a:solidFill>
+                <a:latin typeface="+mn-lt"/>
+                <a:ea typeface="+mn-ea"/>
+                <a:cs typeface="+mn-cs"/>
+              </a:rPr>
+              <a:t>isbn</a:t>
+            </a:r>
+            <a:r>
+              <a:rPr lang="de-DE" sz="1200" b="0" i="0" u="none" strike="noStrike" kern="1200" baseline="0" dirty="0" smtClean="0">
+                <a:solidFill>
+                  <a:schemeClr val="tx1"/>
+                </a:solidFill>
+                <a:latin typeface="+mn-lt"/>
+                <a:ea typeface="+mn-ea"/>
+                <a:cs typeface="+mn-cs"/>
+              </a:rPr>
+              <a:t>: 978-1568814131, S. 49.</a:t>
+            </a:r>
+            <a:endParaRPr lang="de-DE" dirty="0" smtClean="0"/>
+          </a:p>
+          <a:p>
+            <a:pPr marL="228600" indent="-228600">
+              <a:buAutoNum type="arabicParenR"/>
+            </a:pPr>
+            <a:r>
+              <a:rPr lang="de-DE" dirty="0" smtClean="0"/>
+              <a:t>Verschiedene</a:t>
+            </a:r>
+            <a:r>
+              <a:rPr lang="de-DE" baseline="0" dirty="0" smtClean="0"/>
+              <a:t> Artikel aus Fachzeitschriften belegen die Relevanz dieses Arbeitsschrittes</a:t>
+            </a:r>
+          </a:p>
+          <a:p>
+            <a:endParaRPr lang="de-DE" sz="1200" b="0" i="0" u="none" strike="noStrike" kern="1200" baseline="0" dirty="0" smtClean="0">
+              <a:solidFill>
+                <a:schemeClr val="tx1"/>
+              </a:solidFill>
+              <a:latin typeface="+mn-lt"/>
+              <a:ea typeface="+mn-ea"/>
+              <a:cs typeface="+mn-cs"/>
+            </a:endParaRPr>
+          </a:p>
+          <a:p>
+            <a:r>
+              <a:rPr lang="de-DE" sz="1200" b="0" i="0" u="none" strike="noStrike" kern="1200" baseline="0" dirty="0" smtClean="0">
+                <a:solidFill>
+                  <a:schemeClr val="tx1"/>
+                </a:solidFill>
+                <a:latin typeface="+mn-lt"/>
+                <a:ea typeface="+mn-ea"/>
+                <a:cs typeface="+mn-cs"/>
+              </a:rPr>
+              <a:t>In: </a:t>
+            </a:r>
+            <a:r>
+              <a:rPr lang="de-DE" sz="1200" b="0" i="1" u="none" strike="noStrike" kern="1200" baseline="0" dirty="0" smtClean="0">
+                <a:solidFill>
+                  <a:schemeClr val="tx1"/>
+                </a:solidFill>
+                <a:latin typeface="+mn-lt"/>
+                <a:ea typeface="+mn-ea"/>
+                <a:cs typeface="+mn-cs"/>
+              </a:rPr>
+              <a:t>Making Games </a:t>
+            </a:r>
+            <a:r>
+              <a:rPr lang="de-DE" sz="1200" b="0" i="0" u="none" strike="noStrike" kern="1200" baseline="0" dirty="0" smtClean="0">
+                <a:solidFill>
+                  <a:schemeClr val="tx1"/>
+                </a:solidFill>
+                <a:latin typeface="+mn-lt"/>
+                <a:ea typeface="+mn-ea"/>
+                <a:cs typeface="+mn-cs"/>
+              </a:rPr>
+              <a:t>3 (2015), S. 24–27]. Hier beschreibt</a:t>
+            </a:r>
+          </a:p>
+          <a:p>
+            <a:r>
+              <a:rPr lang="de-DE" sz="1200" b="0" i="0" u="none" strike="noStrike" kern="1200" baseline="0" dirty="0" smtClean="0">
+                <a:solidFill>
+                  <a:schemeClr val="tx1"/>
+                </a:solidFill>
+                <a:latin typeface="+mn-lt"/>
+                <a:ea typeface="+mn-ea"/>
+                <a:cs typeface="+mn-cs"/>
+              </a:rPr>
+              <a:t>die Making Games in der Ausgabe 03/2015 die Nutzung der V-Play</a:t>
+            </a:r>
+          </a:p>
+          <a:p>
+            <a:r>
+              <a:rPr lang="de-DE" sz="1200" b="0" i="0" u="none" strike="noStrike" kern="1200" baseline="0" dirty="0" smtClean="0">
+                <a:solidFill>
+                  <a:schemeClr val="tx1"/>
+                </a:solidFill>
+                <a:latin typeface="+mn-lt"/>
+                <a:ea typeface="+mn-ea"/>
+                <a:cs typeface="+mn-cs"/>
+              </a:rPr>
+              <a:t>Engine um einerseits Interaktive Software wie Spiele für den Markt zu entwickeln,</a:t>
+            </a:r>
+          </a:p>
+          <a:p>
+            <a:r>
+              <a:rPr lang="de-DE" sz="1200" b="0" i="0" u="none" strike="noStrike" kern="1200" baseline="0" dirty="0" smtClean="0">
+                <a:solidFill>
+                  <a:schemeClr val="tx1"/>
+                </a:solidFill>
+                <a:latin typeface="+mn-lt"/>
+                <a:ea typeface="+mn-ea"/>
+                <a:cs typeface="+mn-cs"/>
+              </a:rPr>
+              <a:t>als auch die Möglichkeit, das Tool dazu zu verwenden, User-</a:t>
+            </a:r>
+            <a:r>
+              <a:rPr lang="de-DE" sz="1200" b="0" i="0" u="none" strike="noStrike" kern="1200" baseline="0" dirty="0" err="1" smtClean="0">
+                <a:solidFill>
+                  <a:schemeClr val="tx1"/>
+                </a:solidFill>
+                <a:latin typeface="+mn-lt"/>
+                <a:ea typeface="+mn-ea"/>
+                <a:cs typeface="+mn-cs"/>
+              </a:rPr>
+              <a:t>Generated</a:t>
+            </a:r>
+            <a:endParaRPr lang="de-DE" sz="1200" b="0" i="0" u="none" strike="noStrike" kern="1200" baseline="0" dirty="0" smtClean="0">
+              <a:solidFill>
+                <a:schemeClr val="tx1"/>
+              </a:solidFill>
+              <a:latin typeface="+mn-lt"/>
+              <a:ea typeface="+mn-ea"/>
+              <a:cs typeface="+mn-cs"/>
+            </a:endParaRPr>
+          </a:p>
+          <a:p>
+            <a:r>
+              <a:rPr lang="de-DE" sz="1200" b="0" i="0" u="none" strike="noStrike" kern="1200" baseline="0" dirty="0" smtClean="0">
+                <a:solidFill>
+                  <a:schemeClr val="tx1"/>
+                </a:solidFill>
+                <a:latin typeface="+mn-lt"/>
+                <a:ea typeface="+mn-ea"/>
+                <a:cs typeface="+mn-cs"/>
+              </a:rPr>
+              <a:t>Content zu erzeugen und Software so längerfristig durch Kundenbindung am</a:t>
+            </a:r>
+          </a:p>
+          <a:p>
+            <a:r>
+              <a:rPr lang="de-DE" sz="1200" b="0" i="0" u="none" strike="noStrike" kern="1200" baseline="0" dirty="0" smtClean="0">
+                <a:solidFill>
+                  <a:schemeClr val="tx1"/>
+                </a:solidFill>
+                <a:latin typeface="+mn-lt"/>
+                <a:ea typeface="+mn-ea"/>
+                <a:cs typeface="+mn-cs"/>
+              </a:rPr>
+              <a:t>Markt zu etablieren.</a:t>
+            </a:r>
+          </a:p>
+          <a:p>
+            <a:endParaRPr lang="de-DE" sz="1200" b="0" i="0" u="none" strike="noStrike" kern="1200" baseline="0" dirty="0" smtClean="0">
+              <a:solidFill>
+                <a:schemeClr val="tx1"/>
+              </a:solidFill>
+              <a:latin typeface="+mn-lt"/>
+              <a:ea typeface="+mn-ea"/>
+              <a:cs typeface="+mn-cs"/>
+            </a:endParaRPr>
+          </a:p>
+          <a:p>
+            <a:r>
+              <a:rPr lang="en-US" sz="1200" b="0" i="0" u="none" strike="noStrike" kern="1200" baseline="0" dirty="0" smtClean="0">
+                <a:solidFill>
+                  <a:schemeClr val="tx1"/>
+                </a:solidFill>
+                <a:latin typeface="+mn-lt"/>
+                <a:ea typeface="+mn-ea"/>
+                <a:cs typeface="+mn-cs"/>
+              </a:rPr>
+              <a:t>2) Klose, Jan Lange, Thorsten. »Lords of the Fallen Tackling a new</a:t>
+            </a:r>
+          </a:p>
+          <a:p>
+            <a:r>
+              <a:rPr lang="en-US" sz="1200" b="0" i="0" u="none" strike="noStrike" kern="1200" baseline="0" dirty="0" smtClean="0">
+                <a:solidFill>
+                  <a:schemeClr val="tx1"/>
+                </a:solidFill>
+                <a:latin typeface="+mn-lt"/>
+                <a:ea typeface="+mn-ea"/>
+                <a:cs typeface="+mn-cs"/>
+              </a:rPr>
+              <a:t>gen game with an emerging studio«. In: </a:t>
+            </a:r>
+            <a:r>
+              <a:rPr lang="en-US" sz="1200" b="0" i="1" u="none" strike="noStrike" kern="1200" baseline="0" dirty="0" smtClean="0">
+                <a:solidFill>
+                  <a:schemeClr val="tx1"/>
+                </a:solidFill>
+                <a:latin typeface="+mn-lt"/>
+                <a:ea typeface="+mn-ea"/>
+                <a:cs typeface="+mn-cs"/>
+              </a:rPr>
+              <a:t>Making Games </a:t>
+            </a:r>
+            <a:r>
+              <a:rPr lang="en-US" sz="1200" b="0" i="0" u="none" strike="noStrike" kern="1200" baseline="0" dirty="0" smtClean="0">
+                <a:solidFill>
+                  <a:schemeClr val="tx1"/>
+                </a:solidFill>
+                <a:latin typeface="+mn-lt"/>
+                <a:ea typeface="+mn-ea"/>
+                <a:cs typeface="+mn-cs"/>
+              </a:rPr>
+              <a:t>3 (2015),</a:t>
+            </a:r>
+          </a:p>
+          <a:p>
+            <a:r>
+              <a:rPr lang="de-DE" sz="1200" b="0" i="0" u="none" strike="noStrike" kern="1200" baseline="0" dirty="0" smtClean="0">
+                <a:solidFill>
+                  <a:schemeClr val="tx1"/>
+                </a:solidFill>
+                <a:latin typeface="+mn-lt"/>
+                <a:ea typeface="+mn-ea"/>
+                <a:cs typeface="+mn-cs"/>
+              </a:rPr>
+              <a:t>S. 44–45 – Editor Play und Edit at </a:t>
+            </a:r>
+            <a:r>
+              <a:rPr lang="de-DE" sz="1200" b="0" i="0" u="none" strike="noStrike" kern="1200" baseline="0" dirty="0" err="1" smtClean="0">
+                <a:solidFill>
+                  <a:schemeClr val="tx1"/>
+                </a:solidFill>
+                <a:latin typeface="+mn-lt"/>
+                <a:ea typeface="+mn-ea"/>
+                <a:cs typeface="+mn-cs"/>
+              </a:rPr>
+              <a:t>the</a:t>
+            </a:r>
+            <a:r>
+              <a:rPr lang="de-DE" sz="1200" b="0" i="0" u="none" strike="noStrike" kern="1200" baseline="0" dirty="0" smtClean="0">
+                <a:solidFill>
+                  <a:schemeClr val="tx1"/>
+                </a:solidFill>
+                <a:latin typeface="+mn-lt"/>
+                <a:ea typeface="+mn-ea"/>
+                <a:cs typeface="+mn-cs"/>
+              </a:rPr>
+              <a:t> same time.</a:t>
+            </a:r>
+            <a:endParaRPr lang="de-DE" dirty="0"/>
+          </a:p>
+        </p:txBody>
+      </p:sp>
+      <p:sp>
+        <p:nvSpPr>
+          <p:cNvPr id="4" name="Foliennummernplatzhalter 3"/>
+          <p:cNvSpPr>
+            <a:spLocks noGrp="1"/>
+          </p:cNvSpPr>
+          <p:nvPr>
+            <p:ph type="sldNum" sz="quarter" idx="10"/>
+          </p:nvPr>
+        </p:nvSpPr>
+        <p:spPr/>
+        <p:txBody>
+          <a:bodyPr/>
+          <a:lstStyle/>
+          <a:p>
+            <a:fld id="{B31920E4-02A0-409B-A8B9-098E88402350}" type="slidenum">
+              <a:rPr lang="de-DE" smtClean="0"/>
+              <a:t>8</a:t>
+            </a:fld>
+            <a:endParaRPr lang="de-DE"/>
+          </a:p>
+        </p:txBody>
+      </p:sp>
+    </p:spTree>
+    <p:extLst>
+      <p:ext uri="{BB962C8B-B14F-4D97-AF65-F5344CB8AC3E}">
+        <p14:creationId xmlns:p14="http://schemas.microsoft.com/office/powerpoint/2010/main" val="3293269556"/>
+      </p:ext>
+    </p:extLst>
+  </p:cSld>
+  <p:clrMapOvr>
+    <a:masterClrMapping/>
+  </p:clrMapOvr>
+</p:notes>
+</file>
+
+<file path=ppt/notesSlides/notesSlide5.xml><?xml version="1.0" encoding="utf-8"?>
+<p:notes xmlns:a="http://schemas.openxmlformats.org/drawingml/2006/main" xmlns:r="http://schemas.openxmlformats.org/officeDocument/2006/relationships" xmlns:p="http://schemas.openxmlformats.org/presentationml/2006/main">
+  <p:cSld>
+    <p:spTree>
+      <p:nvGrpSpPr>
+        <p:cNvPr id="1" name=""/>
+        <p:cNvGrpSpPr/>
+        <p:nvPr/>
+      </p:nvGrpSpPr>
+      <p:grpSpPr>
+        <a:xfrm>
+          <a:off x="0" y="0"/>
+          <a:ext cx="0" cy="0"/>
+          <a:chOff x="0" y="0"/>
+          <a:chExt cx="0" cy="0"/>
+        </a:xfrm>
+      </p:grpSpPr>
+      <p:sp>
+        <p:nvSpPr>
+          <p:cNvPr id="2" name="Folienbildplatzhalter 1"/>
+          <p:cNvSpPr>
+            <a:spLocks noGrp="1" noRot="1" noChangeAspect="1"/>
+          </p:cNvSpPr>
+          <p:nvPr>
+            <p:ph type="sldImg"/>
+          </p:nvPr>
+        </p:nvSpPr>
+        <p:spPr/>
+      </p:sp>
+      <p:sp>
+        <p:nvSpPr>
+          <p:cNvPr id="3" name="Notizenplatzhalter 2"/>
+          <p:cNvSpPr>
+            <a:spLocks noGrp="1"/>
+          </p:cNvSpPr>
+          <p:nvPr>
+            <p:ph type="body" idx="1"/>
+          </p:nvPr>
+        </p:nvSpPr>
+        <p:spPr/>
+        <p:txBody>
+          <a:bodyPr/>
+          <a:lstStyle/>
+          <a:p>
+            <a:pPr marL="0" marR="0" lvl="1" indent="0" algn="l" defTabSz="914400" rtl="0" eaLnBrk="1" fontAlgn="auto" latinLnBrk="0" hangingPunct="1">
+              <a:lnSpc>
+                <a:spcPct val="100000"/>
+              </a:lnSpc>
+              <a:spcBef>
+                <a:spcPts val="0"/>
+              </a:spcBef>
+              <a:spcAft>
+                <a:spcPts val="0"/>
+              </a:spcAft>
+              <a:buClrTx/>
+              <a:buSzTx/>
+              <a:buFontTx/>
+              <a:buNone/>
+              <a:tabLst/>
+              <a:defRPr/>
+            </a:pPr>
+            <a:r>
+              <a:rPr lang="de-DE" dirty="0" smtClean="0"/>
+              <a:t>2)</a:t>
+            </a:r>
+            <a:r>
+              <a:rPr lang="de-DE" baseline="0" dirty="0" smtClean="0"/>
+              <a:t> </a:t>
+            </a:r>
+            <a:r>
+              <a:rPr lang="de-DE" dirty="0" smtClean="0"/>
+              <a:t>Durch eine Mechanik welche sich im Framework um die Verwaltung der Assets kümmert, muss der jeweilige Entwickler nicht bei jeder neuen Version eines Assets das Objekt neu einbinden, sondern durch eine Referenz geschieht dies „automatisch“. Code Dateien sind für das Verhalten von Assets im Produkt verantwortlich.</a:t>
+            </a:r>
+          </a:p>
+          <a:p>
+            <a:endParaRPr lang="de-DE" dirty="0"/>
+          </a:p>
+        </p:txBody>
+      </p:sp>
+      <p:sp>
+        <p:nvSpPr>
+          <p:cNvPr id="4" name="Foliennummernplatzhalter 3"/>
+          <p:cNvSpPr>
+            <a:spLocks noGrp="1"/>
+          </p:cNvSpPr>
+          <p:nvPr>
+            <p:ph type="sldNum" sz="quarter" idx="10"/>
+          </p:nvPr>
+        </p:nvSpPr>
+        <p:spPr/>
+        <p:txBody>
+          <a:bodyPr/>
+          <a:lstStyle/>
+          <a:p>
+            <a:fld id="{B31920E4-02A0-409B-A8B9-098E88402350}" type="slidenum">
+              <a:rPr lang="de-DE" smtClean="0"/>
+              <a:t>17</a:t>
+            </a:fld>
+            <a:endParaRPr lang="de-DE"/>
+          </a:p>
+        </p:txBody>
+      </p:sp>
+    </p:spTree>
+    <p:extLst>
+      <p:ext uri="{BB962C8B-B14F-4D97-AF65-F5344CB8AC3E}">
+        <p14:creationId xmlns:p14="http://schemas.microsoft.com/office/powerpoint/2010/main" val="4097027102"/>
+      </p:ext>
+    </p:extLst>
+  </p:cSld>
+  <p:clrMapOvr>
+    <a:masterClrMapping/>
+  </p:clrMapOvr>
+</p:notes>
+</file>
+
+<file path=ppt/notesSlides/notesSlide6.xml><?xml version="1.0" encoding="utf-8"?>
+<p:notes xmlns:a="http://schemas.openxmlformats.org/drawingml/2006/main" xmlns:r="http://schemas.openxmlformats.org/officeDocument/2006/relationships" xmlns:p="http://schemas.openxmlformats.org/presentationml/2006/main">
+  <p:cSld>
+    <p:spTree>
+      <p:nvGrpSpPr>
+        <p:cNvPr id="1" name=""/>
+        <p:cNvGrpSpPr/>
+        <p:nvPr/>
+      </p:nvGrpSpPr>
+      <p:grpSpPr>
+        <a:xfrm>
+          <a:off x="0" y="0"/>
+          <a:ext cx="0" cy="0"/>
+          <a:chOff x="0" y="0"/>
+          <a:chExt cx="0" cy="0"/>
+        </a:xfrm>
+      </p:grpSpPr>
+      <p:sp>
+        <p:nvSpPr>
+          <p:cNvPr id="2" name="Folienbildplatzhalter 1"/>
+          <p:cNvSpPr>
+            <a:spLocks noGrp="1" noRot="1" noChangeAspect="1"/>
+          </p:cNvSpPr>
+          <p:nvPr>
+            <p:ph type="sldImg"/>
+          </p:nvPr>
+        </p:nvSpPr>
+        <p:spPr/>
+      </p:sp>
+      <p:sp>
+        <p:nvSpPr>
+          <p:cNvPr id="3" name="Notizenplatzhalter 2"/>
+          <p:cNvSpPr>
+            <a:spLocks noGrp="1"/>
+          </p:cNvSpPr>
+          <p:nvPr>
+            <p:ph type="body" idx="1"/>
+          </p:nvPr>
+        </p:nvSpPr>
+        <p:spPr/>
+        <p:txBody>
+          <a:bodyPr/>
+          <a:lstStyle/>
+          <a:p>
+            <a:r>
+              <a:rPr lang="de-DE" dirty="0" smtClean="0"/>
+              <a:t>LEIDER JEIN!</a:t>
+            </a:r>
+            <a:endParaRPr lang="de-DE" dirty="0"/>
+          </a:p>
+        </p:txBody>
+      </p:sp>
+      <p:sp>
+        <p:nvSpPr>
+          <p:cNvPr id="4" name="Foliennummernplatzhalter 3"/>
+          <p:cNvSpPr>
+            <a:spLocks noGrp="1"/>
+          </p:cNvSpPr>
+          <p:nvPr>
+            <p:ph type="sldNum" sz="quarter" idx="10"/>
+          </p:nvPr>
+        </p:nvSpPr>
+        <p:spPr/>
+        <p:txBody>
+          <a:bodyPr/>
+          <a:lstStyle/>
+          <a:p>
+            <a:fld id="{B31920E4-02A0-409B-A8B9-098E88402350}" type="slidenum">
+              <a:rPr lang="de-DE" smtClean="0"/>
+              <a:t>26</a:t>
+            </a:fld>
+            <a:endParaRPr lang="de-DE"/>
+          </a:p>
+        </p:txBody>
+      </p:sp>
+    </p:spTree>
+    <p:extLst>
+      <p:ext uri="{BB962C8B-B14F-4D97-AF65-F5344CB8AC3E}">
+        <p14:creationId xmlns:p14="http://schemas.microsoft.com/office/powerpoint/2010/main" val="4290238553"/>
+      </p:ext>
+    </p:extLst>
+  </p:cSld>
+  <p:clrMapOvr>
+    <a:masterClrMapping/>
+  </p:clrMapOvr>
+</p:notes>
+</file>
+
+<file path=ppt/notesSlides/notesSlide7.xml><?xml version="1.0" encoding="utf-8"?>
+<p:notes xmlns:a="http://schemas.openxmlformats.org/drawingml/2006/main" xmlns:r="http://schemas.openxmlformats.org/officeDocument/2006/relationships" xmlns:p="http://schemas.openxmlformats.org/presentationml/2006/main">
+  <p:cSld>
+    <p:spTree>
+      <p:nvGrpSpPr>
+        <p:cNvPr id="1" name=""/>
+        <p:cNvGrpSpPr/>
+        <p:nvPr/>
+      </p:nvGrpSpPr>
+      <p:grpSpPr>
+        <a:xfrm>
+          <a:off x="0" y="0"/>
+          <a:ext cx="0" cy="0"/>
+          <a:chOff x="0" y="0"/>
+          <a:chExt cx="0" cy="0"/>
+        </a:xfrm>
+      </p:grpSpPr>
+      <p:sp>
+        <p:nvSpPr>
+          <p:cNvPr id="2" name="Folienbildplatzhalter 1"/>
+          <p:cNvSpPr>
+            <a:spLocks noGrp="1" noRot="1" noChangeAspect="1"/>
+          </p:cNvSpPr>
+          <p:nvPr>
+            <p:ph type="sldImg"/>
+          </p:nvPr>
+        </p:nvSpPr>
+        <p:spPr/>
+      </p:sp>
+      <p:sp>
+        <p:nvSpPr>
+          <p:cNvPr id="3" name="Notizenplatzhalter 2"/>
+          <p:cNvSpPr>
+            <a:spLocks noGrp="1"/>
+          </p:cNvSpPr>
+          <p:nvPr>
+            <p:ph type="body" idx="1"/>
+          </p:nvPr>
+        </p:nvSpPr>
+        <p:spPr/>
+        <p:txBody>
+          <a:bodyPr/>
+          <a:lstStyle/>
+          <a:p>
+            <a:r>
               <a:rPr lang="de-DE" sz="1200" kern="1200" dirty="0" smtClean="0">
                 <a:solidFill>
                   <a:schemeClr val="tx1"/>
@@ -1175,7 +2484,7 @@
 </p:notes>
 </file>
 
-<file path=ppt/notesSlides/notesSlide3.xml><?xml version="1.0" encoding="utf-8"?>
+<file path=ppt/notesSlides/notesSlide8.xml><?xml version="1.0" encoding="utf-8"?>
 <p:notes xmlns:a="http://schemas.openxmlformats.org/drawingml/2006/main" xmlns:r="http://schemas.openxmlformats.org/officeDocument/2006/relationships" xmlns:p="http://schemas.openxmlformats.org/presentationml/2006/main">
   <p:cSld>
     <p:spTree>
@@ -1461,7 +2770,7 @@
           <a:p>
             <a:fld id="{4AAD347D-5ACD-4C99-B74B-A9C85AD731AF}" type="datetimeFigureOut">
               <a:rPr lang="en-US" dirty="0"/>
-              <a:t>7/7/2015</a:t>
+              <a:t>7/8/2015</a:t>
             </a:fld>
             <a:endParaRPr lang="en-US" dirty="0"/>
           </a:p>
@@ -1731,7 +3040,7 @@
           <a:p>
             <a:fld id="{4509A250-FF31-4206-8172-F9D3106AACB1}" type="datetimeFigureOut">
               <a:rPr lang="en-US" dirty="0"/>
-              <a:t>7/7/2015</a:t>
+              <a:t>7/8/2015</a:t>
             </a:fld>
             <a:endParaRPr lang="en-US" dirty="0"/>
           </a:p>
@@ -1920,7 +3229,7 @@
           <a:p>
             <a:fld id="{4509A250-FF31-4206-8172-F9D3106AACB1}" type="datetimeFigureOut">
               <a:rPr lang="en-US" dirty="0"/>
-              <a:t>7/7/2015</a:t>
+              <a:t>7/8/2015</a:t>
             </a:fld>
             <a:endParaRPr lang="en-US" dirty="0"/>
           </a:p>
@@ -2188,7 +3497,7 @@
           <a:p>
             <a:fld id="{4509A250-FF31-4206-8172-F9D3106AACB1}" type="datetimeFigureOut">
               <a:rPr lang="en-US" dirty="0"/>
-              <a:t>7/7/2015</a:t>
+              <a:t>7/8/2015</a:t>
             </a:fld>
             <a:endParaRPr lang="en-US" dirty="0"/>
           </a:p>
@@ -2524,7 +3833,7 @@
           <a:p>
             <a:fld id="{4509A250-FF31-4206-8172-F9D3106AACB1}" type="datetimeFigureOut">
               <a:rPr lang="en-US" dirty="0"/>
-              <a:t>7/7/2015</a:t>
+              <a:t>7/8/2015</a:t>
             </a:fld>
             <a:endParaRPr lang="en-US" dirty="0"/>
           </a:p>
@@ -3142,7 +4451,7 @@
           <a:p>
             <a:fld id="{4509A250-FF31-4206-8172-F9D3106AACB1}" type="datetimeFigureOut">
               <a:rPr lang="en-US" dirty="0"/>
-              <a:t>7/7/2015</a:t>
+              <a:t>7/8/2015</a:t>
             </a:fld>
             <a:endParaRPr lang="en-US" dirty="0"/>
           </a:p>
@@ -3997,7 +5306,7 @@
           <a:p>
             <a:fld id="{4509A250-FF31-4206-8172-F9D3106AACB1}" type="datetimeFigureOut">
               <a:rPr lang="en-US" dirty="0"/>
-              <a:t>7/7/2015</a:t>
+              <a:t>7/8/2015</a:t>
             </a:fld>
             <a:endParaRPr lang="en-US" dirty="0"/>
           </a:p>
@@ -4162,7 +5471,7 @@
           <a:p>
             <a:fld id="{4509A250-FF31-4206-8172-F9D3106AACB1}" type="datetimeFigureOut">
               <a:rPr lang="en-US" dirty="0"/>
-              <a:t>7/7/2015</a:t>
+              <a:t>7/8/2015</a:t>
             </a:fld>
             <a:endParaRPr lang="en-US" dirty="0"/>
           </a:p>
@@ -4337,7 +5646,7 @@
           <a:p>
             <a:fld id="{4509A250-FF31-4206-8172-F9D3106AACB1}" type="datetimeFigureOut">
               <a:rPr lang="en-US" dirty="0"/>
-              <a:t>7/7/2015</a:t>
+              <a:t>7/8/2015</a:t>
             </a:fld>
             <a:endParaRPr lang="en-US" dirty="0"/>
           </a:p>
@@ -4502,7 +5811,7 @@
           <a:p>
             <a:fld id="{4509A250-FF31-4206-8172-F9D3106AACB1}" type="datetimeFigureOut">
               <a:rPr lang="en-US" dirty="0"/>
-              <a:t>7/7/2015</a:t>
+              <a:t>7/8/2015</a:t>
             </a:fld>
             <a:endParaRPr lang="en-US" dirty="0"/>
           </a:p>
@@ -4744,7 +6053,7 @@
           <a:p>
             <a:fld id="{9796027F-7875-4030-9381-8BD8C4F21935}" type="datetimeFigureOut">
               <a:rPr lang="en-US" dirty="0"/>
-              <a:t>7/7/2015</a:t>
+              <a:t>7/8/2015</a:t>
             </a:fld>
             <a:endParaRPr lang="en-US" dirty="0"/>
           </a:p>
@@ -5031,7 +6340,7 @@
           <a:p>
             <a:fld id="{9796027F-7875-4030-9381-8BD8C4F21935}" type="datetimeFigureOut">
               <a:rPr lang="en-US" dirty="0"/>
-              <a:t>7/7/2015</a:t>
+              <a:t>7/8/2015</a:t>
             </a:fld>
             <a:endParaRPr lang="en-US" dirty="0"/>
           </a:p>
@@ -5470,7 +6779,7 @@
           <a:p>
             <a:fld id="{9796027F-7875-4030-9381-8BD8C4F21935}" type="datetimeFigureOut">
               <a:rPr lang="en-US" dirty="0"/>
-              <a:t>7/7/2015</a:t>
+              <a:t>7/8/2015</a:t>
             </a:fld>
             <a:endParaRPr lang="en-US" dirty="0"/>
           </a:p>
@@ -5583,7 +6892,7 @@
           <a:p>
             <a:fld id="{4509A250-FF31-4206-8172-F9D3106AACB1}" type="datetimeFigureOut">
               <a:rPr lang="en-US" dirty="0"/>
-              <a:t>7/7/2015</a:t>
+              <a:t>7/8/2015</a:t>
             </a:fld>
             <a:endParaRPr lang="en-US" dirty="0"/>
           </a:p>
@@ -5673,7 +6982,7 @@
           <a:p>
             <a:fld id="{4509A250-FF31-4206-8172-F9D3106AACB1}" type="datetimeFigureOut">
               <a:rPr lang="en-US" dirty="0"/>
-              <a:t>7/7/2015</a:t>
+              <a:t>7/8/2015</a:t>
             </a:fld>
             <a:endParaRPr lang="en-US" dirty="0"/>
           </a:p>
@@ -5947,7 +7256,7 @@
           <a:p>
             <a:fld id="{4509A250-FF31-4206-8172-F9D3106AACB1}" type="datetimeFigureOut">
               <a:rPr lang="en-US" dirty="0"/>
-              <a:t>7/7/2015</a:t>
+              <a:t>7/8/2015</a:t>
             </a:fld>
             <a:endParaRPr lang="en-US" dirty="0"/>
           </a:p>
@@ -6217,7 +7526,7 @@
           <a:p>
             <a:fld id="{4509A250-FF31-4206-8172-F9D3106AACB1}" type="datetimeFigureOut">
               <a:rPr lang="en-US" dirty="0"/>
-              <a:t>7/7/2015</a:t>
+              <a:t>7/8/2015</a:t>
             </a:fld>
             <a:endParaRPr lang="en-US" dirty="0"/>
           </a:p>
@@ -6605,7 +7914,7 @@
           <a:p>
             <a:fld id="{4AAD347D-5ACD-4C99-B74B-A9C85AD731AF}" type="datetimeFigureOut">
               <a:rPr lang="en-US" dirty="0"/>
-              <a:t>7/7/2015</a:t>
+              <a:t>7/8/2015</a:t>
             </a:fld>
             <a:endParaRPr lang="en-US" dirty="0"/>
           </a:p>
@@ -7261,73 +8570,88 @@
         <p:spPr/>
         <p:txBody>
           <a:bodyPr>
-            <a:normAutofit/>
+            <a:normAutofit fontScale="92500" lnSpcReduction="10000"/>
           </a:bodyPr>
           <a:lstStyle/>
           <a:p>
             <a:pPr lvl="0"/>
             <a:r>
               <a:rPr lang="de-DE" dirty="0" smtClean="0"/>
-              <a:t>Der Tool Entwicklungsprozess sollte mit</a:t>
+              <a:t>Getrennte Tools können funktionieren</a:t>
+            </a:r>
+          </a:p>
+          <a:p>
+            <a:pPr lvl="1"/>
+            <a:r>
+              <a:rPr lang="de-DE" dirty="0" smtClean="0"/>
+              <a:t>Wenn</a:t>
             </a:r>
             <a:r>
               <a:rPr lang="de-DE" baseline="0" dirty="0" smtClean="0"/>
-              <a:t> der nötigen Sorgfalt in den Produktionsprozess eines Projektes integriert sein.</a:t>
+              <a:t> das Team sich darauf einlässt</a:t>
             </a:r>
           </a:p>
           <a:p>
             <a:pPr lvl="1"/>
             <a:r>
-              <a:rPr lang="de-DE" dirty="0" smtClean="0"/>
-              <a:t>Produktion steht und fällt mit guten Tools.</a:t>
-            </a:r>
-          </a:p>
-          <a:p>
-            <a:pPr marL="742950" marR="0" lvl="1" indent="-285750" algn="l" defTabSz="457200" rtl="0" eaLnBrk="1" fontAlgn="auto" latinLnBrk="0" hangingPunct="1">
-              <a:lnSpc>
-                <a:spcPct val="100000"/>
-              </a:lnSpc>
-              <a:spcBef>
-                <a:spcPts val="1000"/>
-              </a:spcBef>
-              <a:spcAft>
-                <a:spcPts val="0"/>
-              </a:spcAft>
-              <a:buClr>
-                <a:schemeClr val="bg2">
-                  <a:lumMod val="40000"/>
-                  <a:lumOff val="60000"/>
-                </a:schemeClr>
-              </a:buClr>
-              <a:buSzPct val="80000"/>
-              <a:buFont typeface="Wingdings 3" charset="2"/>
-              <a:buChar char=""/>
-              <a:tabLst/>
-              <a:defRPr/>
-            </a:pPr>
-            <a:r>
-              <a:rPr lang="de-DE" sz="1800" b="0" i="0" kern="1200" dirty="0" smtClean="0">
-                <a:solidFill>
-                  <a:schemeClr val="tx1"/>
-                </a:solidFill>
-                <a:effectLst/>
-                <a:latin typeface="+mj-lt"/>
-                <a:ea typeface="+mj-ea"/>
-                <a:cs typeface="+mj-cs"/>
-              </a:rPr>
-              <a:t>Mitarbeiter als Nutzer</a:t>
-            </a:r>
-            <a:r>
-              <a:rPr lang="de-DE" sz="1800" b="0" i="0" kern="1200" baseline="0" dirty="0" smtClean="0">
-                <a:solidFill>
-                  <a:schemeClr val="tx1"/>
-                </a:solidFill>
-                <a:effectLst/>
-                <a:latin typeface="+mj-lt"/>
-                <a:ea typeface="+mj-ea"/>
-                <a:cs typeface="+mj-cs"/>
-              </a:rPr>
-              <a:t> entscheiden über gelingen des Projektes und die Nutzung der Tools.</a:t>
+              <a:rPr lang="de-DE" baseline="0" dirty="0" smtClean="0"/>
+              <a:t>Das Projekt (der Zeitplan) es ermöglicht</a:t>
+            </a:r>
+          </a:p>
+          <a:p>
+            <a:pPr lvl="0"/>
+            <a:r>
+              <a:rPr lang="de-DE" baseline="0" dirty="0" smtClean="0"/>
+              <a:t>Erweiterung bestehender Tools ist sinnvoll</a:t>
+            </a:r>
+          </a:p>
+          <a:p>
+            <a:pPr lvl="1"/>
+            <a:r>
+              <a:rPr lang="de-DE" baseline="0" dirty="0" smtClean="0"/>
+              <a:t>Es verkürzt den Entwicklungszeitraum</a:t>
+            </a:r>
+          </a:p>
+          <a:p>
+            <a:pPr lvl="1"/>
+            <a:r>
+              <a:rPr lang="de-DE" baseline="0" dirty="0" smtClean="0"/>
+              <a:t>Es erleichtert den Entwicklern </a:t>
+            </a:r>
+            <a:r>
+              <a:rPr lang="de-DE" baseline="0" dirty="0" smtClean="0"/>
+              <a:t>den Einstieg durch bereits bekannte</a:t>
+            </a:r>
+            <a:r>
+              <a:rPr lang="de-DE" dirty="0" smtClean="0"/>
+              <a:t> </a:t>
+            </a:r>
+            <a:r>
+              <a:rPr lang="de-DE" baseline="0" dirty="0" smtClean="0"/>
+              <a:t>Workflow Elemente.</a:t>
+            </a:r>
+            <a:endParaRPr lang="de-DE" baseline="0" dirty="0" smtClean="0"/>
+          </a:p>
+          <a:p>
+            <a:pPr lvl="0"/>
+            <a:r>
+              <a:rPr lang="de-DE" dirty="0" smtClean="0"/>
+              <a:t>Verwendung von Best Practice Beispielen</a:t>
+            </a:r>
+            <a:r>
+              <a:rPr lang="de-DE" baseline="0" dirty="0" smtClean="0"/>
+              <a:t> aus bereits erfolgreicher Software ist sinnvoll</a:t>
+            </a:r>
+          </a:p>
+          <a:p>
+            <a:pPr lvl="1"/>
+            <a:r>
+              <a:rPr lang="de-DE" dirty="0" smtClean="0"/>
+              <a:t>Konzepte zu </a:t>
+            </a:r>
+            <a:r>
+              <a:rPr lang="de-DE" dirty="0" smtClean="0"/>
+              <a:t>Szenengraphen werden für die Konzeption betrachtet.</a:t>
             </a:r>
             <a:endParaRPr lang="de-DE" dirty="0" smtClean="0"/>
           </a:p>
@@ -7335,33 +8659,26 @@
             <a:pPr lvl="1"/>
             <a:r>
               <a:rPr lang="de-DE" dirty="0" smtClean="0"/>
-              <a:t>Managementprozesse</a:t>
-            </a:r>
-            <a:r>
-              <a:rPr lang="de-DE" baseline="0" dirty="0" smtClean="0"/>
-              <a:t> spielen eine große Rolle.</a:t>
-            </a:r>
-          </a:p>
-          <a:p>
-            <a:pPr lvl="2"/>
-            <a:r>
-              <a:rPr lang="de-DE" dirty="0" smtClean="0"/>
-              <a:t>Tool Entwickler stehen oft unter Zeitdruck.</a:t>
-            </a:r>
-          </a:p>
-          <a:p>
-            <a:pPr lvl="2"/>
-            <a:r>
-              <a:rPr lang="de-DE" baseline="0" dirty="0" smtClean="0"/>
-              <a:t>Agile Modelle sind zu bevorzugen, da beim Tool Development oft schnelle Entscheidungen getroffen werden und Konzepte schnell umgesetzt werden müssen.</a:t>
-            </a:r>
+              <a:t>Versionskontrollsysteme empfohlen.</a:t>
+            </a:r>
+            <a:endParaRPr lang="de-DE" dirty="0" smtClean="0"/>
+          </a:p>
+          <a:p>
+            <a:pPr lvl="1"/>
+            <a:r>
+              <a:rPr lang="de-DE" dirty="0" smtClean="0">
+                <a:sym typeface="Wingdings" panose="05000000000000000000" pitchFamily="2" charset="2"/>
+              </a:rPr>
+              <a:t> Erhöht Akzeptanz der Nutzer</a:t>
+            </a:r>
+            <a:endParaRPr lang="de-DE" dirty="0"/>
           </a:p>
         </p:txBody>
       </p:sp>
     </p:spTree>
     <p:extLst>
       <p:ext uri="{BB962C8B-B14F-4D97-AF65-F5344CB8AC3E}">
-        <p14:creationId xmlns:p14="http://schemas.microsoft.com/office/powerpoint/2010/main" val="2785856444"/>
+        <p14:creationId xmlns:p14="http://schemas.microsoft.com/office/powerpoint/2010/main" val="814671649"/>
       </p:ext>
     </p:extLst>
   </p:cSld>
@@ -7412,7 +8729,11 @@
           <a:p>
             <a:r>
               <a:rPr lang="de-DE" dirty="0" smtClean="0"/>
-              <a:t>Ergebnisse der Prozessanalyse</a:t>
+              <a:t>Ergebnisse der Konzeption</a:t>
+            </a:r>
+            <a:r>
+              <a:rPr lang="de-DE" baseline="0" dirty="0" smtClean="0"/>
+              <a:t> und Implementierung</a:t>
             </a:r>
             <a:endParaRPr lang="de-DE" dirty="0"/>
           </a:p>
@@ -7430,97 +8751,92 @@
         </p:nvSpPr>
         <p:spPr/>
         <p:txBody>
-          <a:bodyPr>
-            <a:normAutofit lnSpcReduction="10000"/>
-          </a:bodyPr>
-          <a:lstStyle/>
+          <a:bodyPr/>
+          <a:lstStyle/>
+          <a:p>
+            <a:r>
+              <a:rPr lang="de-DE" dirty="0" smtClean="0"/>
+              <a:t>Konzeption der</a:t>
+            </a:r>
+            <a:r>
+              <a:rPr lang="de-DE" baseline="0" dirty="0" smtClean="0"/>
+              <a:t> Architektur des Frameworks wurde erstellt</a:t>
+            </a:r>
+          </a:p>
+          <a:p>
+            <a:pPr lvl="1"/>
+            <a:r>
+              <a:rPr lang="de-DE" dirty="0" smtClean="0"/>
+              <a:t>Setzt das Konzept</a:t>
+            </a:r>
+            <a:r>
+              <a:rPr lang="de-DE" baseline="0" dirty="0" smtClean="0"/>
+              <a:t> der nach Entwicklern getrennten </a:t>
+            </a:r>
+            <a:r>
+              <a:rPr lang="de-DE" baseline="0" dirty="0" err="1" smtClean="0"/>
+              <a:t>Authoring</a:t>
+            </a:r>
+            <a:r>
+              <a:rPr lang="de-DE" baseline="0" dirty="0" smtClean="0"/>
+              <a:t> Tools um.</a:t>
+            </a:r>
+          </a:p>
           <a:p>
             <a:pPr lvl="0"/>
             <a:r>
               <a:rPr lang="de-DE" dirty="0" smtClean="0"/>
-              <a:t>Getrennte Tools können funktionieren</a:t>
-            </a:r>
-          </a:p>
-          <a:p>
-            <a:pPr lvl="1"/>
-            <a:r>
-              <a:rPr lang="de-DE" dirty="0" smtClean="0"/>
-              <a:t>Wenn</a:t>
+              <a:t>Basisfunktonalität wurde konzipiert und</a:t>
             </a:r>
             <a:r>
               <a:rPr lang="de-DE" baseline="0" dirty="0" smtClean="0"/>
-              <a:t> das Team sich darauf einlässt</a:t>
-            </a:r>
-          </a:p>
-          <a:p>
-            <a:pPr lvl="1"/>
+              <a:t> implementiert.</a:t>
+            </a:r>
+            <a:endParaRPr lang="de-DE" dirty="0" smtClean="0"/>
+          </a:p>
+          <a:p>
+            <a:pPr lvl="0"/>
+            <a:r>
+              <a:rPr lang="de-DE" dirty="0" smtClean="0"/>
+              <a:t>Nach Analyse der untersuchten Best Practice Software</a:t>
+            </a:r>
             <a:r>
               <a:rPr lang="de-DE" baseline="0" dirty="0" smtClean="0"/>
-              <a:t>Das Projekt (der Zeitplan) es ermöglicht</a:t>
-            </a:r>
-          </a:p>
-          <a:p>
-            <a:pPr lvl="0"/>
+              <a:t> stellte sich heraus:</a:t>
+            </a:r>
+          </a:p>
+          <a:p>
+            <a:pPr lvl="2"/>
+            <a:r>
+              <a:rPr lang="de-DE" dirty="0" smtClean="0"/>
+              <a:t>Funktionalität von Game Engine Editoren ist der Funktionalität von Modeling Editoren wie Cinema</a:t>
+            </a:r>
             <a:r>
               <a:rPr lang="de-DE" baseline="0" dirty="0" smtClean="0"/>
-              <a:t>Erweiterung bestehender Tools ist sinnvoll</a:t>
-            </a:r>
-          </a:p>
-          <a:p>
-            <a:pPr lvl="1"/>
+              <a:t> 4D oder IDEs wie Visual Studio sehr ähnlich.</a:t>
+            </a:r>
+          </a:p>
+          <a:p>
+            <a:pPr lvl="2"/>
             <a:r>
               <a:rPr lang="de-DE" baseline="0" dirty="0" smtClean="0"/>
-              <a:t>Es verkürzt den Entwicklungszeitraum</a:t>
-            </a:r>
-          </a:p>
-          <a:p>
-            <a:pPr lvl="1"/>
+              <a:t>Somit sind diese Tools meist nur </a:t>
+            </a:r>
+            <a:r>
+              <a:rPr lang="de-DE" baseline="0" dirty="0" err="1" smtClean="0"/>
+              <a:t>Aggregatoren</a:t>
+            </a:r>
             <a:r>
               <a:rPr lang="de-DE" baseline="0" dirty="0" smtClean="0"/>
-              <a:t>Es erleichtert den Entwicklern die alltägliche Arbeit</a:t>
-            </a:r>
-          </a:p>
-          <a:p>
-            <a:pPr lvl="0"/>
-            <a:r>
-              <a:rPr lang="de-DE" dirty="0" smtClean="0"/>
-              <a:t>Verwendung von Best Practice Beispielen</a:t>
-            </a:r>
-            <a:r>
-              <a:rPr lang="de-DE" baseline="0" dirty="0" smtClean="0"/>
-              <a:t> aus bereits erfolgreicher Software ist sinnvoll</a:t>
-            </a:r>
-          </a:p>
-          <a:p>
-            <a:pPr lvl="1"/>
-            <a:r>
-              <a:rPr lang="de-DE" dirty="0" smtClean="0"/>
-              <a:t>Konzepte zu Szenengraphen</a:t>
-            </a:r>
-          </a:p>
-          <a:p>
-            <a:pPr lvl="1"/>
-            <a:r>
-              <a:rPr lang="de-DE" dirty="0" smtClean="0"/>
-              <a:t>Versionskontrolle</a:t>
-            </a:r>
-          </a:p>
-          <a:p>
-            <a:pPr lvl="1"/>
-            <a:r>
-              <a:rPr lang="de-DE" dirty="0" smtClean="0">
-                <a:sym typeface="Wingdings" panose="05000000000000000000" pitchFamily="2" charset="2"/>
-              </a:rPr>
-              <a:t> Erhöht Akzeptanz der Nutzer</a:t>
-            </a:r>
-            <a:endParaRPr lang="de-DE" dirty="0"/>
+              <a:t> verschiedener Nutzerkonzepte.</a:t>
+            </a:r>
           </a:p>
         </p:txBody>
       </p:sp>
     </p:spTree>
     <p:extLst>
       <p:ext uri="{BB962C8B-B14F-4D97-AF65-F5344CB8AC3E}">
-        <p14:creationId xmlns:p14="http://schemas.microsoft.com/office/powerpoint/2010/main" val="814671649"/>
+        <p14:creationId xmlns:p14="http://schemas.microsoft.com/office/powerpoint/2010/main" val="510153650"/>
       </p:ext>
     </p:extLst>
   </p:cSld>
@@ -7571,11 +8887,11 @@
           <a:p>
             <a:r>
               <a:rPr lang="de-DE" dirty="0" smtClean="0"/>
-              <a:t>Ergebnisse der Konzeption</a:t>
+              <a:t>Ergebnisse</a:t>
             </a:r>
             <a:r>
               <a:rPr lang="de-DE" baseline="0" dirty="0" smtClean="0"/>
-              <a:t> und Implementierung</a:t>
+              <a:t> der Konzeption und Implementierung</a:t>
             </a:r>
             <a:endParaRPr lang="de-DE" dirty="0"/>
           </a:p>
@@ -7593,92 +8909,119 @@
         </p:nvSpPr>
         <p:spPr/>
         <p:txBody>
-          <a:bodyPr/>
-          <a:lstStyle/>
-          <a:p>
-            <a:r>
-              <a:rPr lang="de-DE" dirty="0" smtClean="0"/>
-              <a:t>Konzeption der</a:t>
+          <a:bodyPr>
+            <a:normAutofit/>
+          </a:bodyPr>
+          <a:lstStyle/>
+          <a:p>
+            <a:r>
+              <a:rPr lang="de-DE" dirty="0" smtClean="0"/>
+              <a:t>Möglichkeit zur Erweiterung </a:t>
+            </a:r>
+            <a:r>
+              <a:rPr lang="de-DE" dirty="0" smtClean="0"/>
+              <a:t>über das </a:t>
+            </a:r>
+            <a:r>
+              <a:rPr lang="de-DE" dirty="0" err="1" smtClean="0"/>
+              <a:t>Plugin</a:t>
+            </a:r>
+            <a:r>
+              <a:rPr lang="de-DE" dirty="0" smtClean="0"/>
+              <a:t> System von Cinema 4D ist</a:t>
             </a:r>
             <a:r>
               <a:rPr lang="de-DE" baseline="0" dirty="0" smtClean="0"/>
-              <a:t> Architektur des Frameworks wurde erstellt</a:t>
+              <a:t> </a:t>
+            </a:r>
+            <a:r>
+              <a:rPr lang="de-DE" baseline="0" dirty="0" smtClean="0"/>
+              <a:t>berücksichtigt </a:t>
+            </a:r>
+            <a:r>
+              <a:rPr lang="de-DE" baseline="0" dirty="0" smtClean="0">
+                <a:sym typeface="Wingdings" panose="05000000000000000000" pitchFamily="2" charset="2"/>
+              </a:rPr>
+              <a:t> Projekt </a:t>
+            </a:r>
+            <a:r>
+              <a:rPr lang="de-DE" baseline="0" dirty="0" err="1" smtClean="0">
+                <a:sym typeface="Wingdings" panose="05000000000000000000" pitchFamily="2" charset="2"/>
+              </a:rPr>
+              <a:t>Uniplug</a:t>
+            </a:r>
+            <a:r>
+              <a:rPr lang="de-DE" baseline="0" dirty="0" smtClean="0">
+                <a:sym typeface="Wingdings" panose="05000000000000000000" pitchFamily="2" charset="2"/>
+              </a:rPr>
+              <a:t>.</a:t>
+            </a:r>
+            <a:endParaRPr lang="de-DE" baseline="0" dirty="0" smtClean="0"/>
+          </a:p>
+          <a:p>
+            <a:r>
+              <a:rPr lang="de-DE" baseline="0" dirty="0" smtClean="0"/>
+              <a:t>Modeling </a:t>
+            </a:r>
+            <a:r>
+              <a:rPr lang="de-DE" baseline="0" dirty="0" smtClean="0"/>
+              <a:t>Tool unabhängiges </a:t>
+            </a:r>
+            <a:r>
+              <a:rPr lang="de-DE" baseline="0" dirty="0" smtClean="0"/>
+              <a:t>System </a:t>
+            </a:r>
+            <a:r>
+              <a:rPr lang="de-DE" baseline="0" dirty="0" smtClean="0"/>
+              <a:t>Design</a:t>
             </a:r>
           </a:p>
           <a:p>
             <a:pPr lvl="1"/>
             <a:r>
               <a:rPr lang="de-DE" dirty="0" smtClean="0"/>
-              <a:t>Setzt das Konzept</a:t>
+              <a:t>Kann durch Implementierung des </a:t>
+            </a:r>
+            <a:r>
+              <a:rPr lang="de-DE" dirty="0" err="1" smtClean="0"/>
+              <a:t>Plugin</a:t>
+            </a:r>
+            <a:r>
+              <a:rPr lang="de-DE" dirty="0" smtClean="0"/>
+              <a:t> Interfaces angepasst werden.</a:t>
+            </a:r>
+            <a:endParaRPr lang="de-DE" baseline="0" dirty="0" smtClean="0"/>
+          </a:p>
+          <a:p>
+            <a:pPr lvl="1"/>
+            <a:r>
+              <a:rPr lang="de-DE" dirty="0" smtClean="0"/>
+              <a:t>Auch IDE</a:t>
             </a:r>
             <a:r>
               <a:rPr lang="de-DE" baseline="0" dirty="0" smtClean="0"/>
-              <a:t> der nach Entwicklern getrennten </a:t>
+              <a:t> unabhängig so lange die Software mit .</a:t>
             </a:r>
             <a:r>
               <a:rPr lang="de-DE" baseline="0" dirty="0" err="1" smtClean="0"/>
-              <a:t>Authoring</a:t>
+              <a:t>sln</a:t>
             </a:r>
             <a:r>
               <a:rPr lang="de-DE" baseline="0" dirty="0" smtClean="0"/>
-              <a:t> Tools um.</a:t>
-            </a:r>
-          </a:p>
-          <a:p>
-            <a:pPr lvl="0"/>
-            <a:r>
-              <a:rPr lang="de-DE" dirty="0" smtClean="0"/>
-              <a:t>Basisfunktonalität wurde konzipiert und</a:t>
+              <a:t> Projekten umgehen kann</a:t>
             </a:r>
             <a:r>
               <a:rPr lang="de-DE" baseline="0" dirty="0" smtClean="0"/>
-              <a:t> implementiert.</a:t>
-            </a:r>
-            <a:endParaRPr lang="de-DE" dirty="0" smtClean="0"/>
-          </a:p>
-          <a:p>
-            <a:pPr lvl="0"/>
-            <a:r>
-              <a:rPr lang="de-DE" dirty="0" smtClean="0"/>
-              <a:t>Nach Analyse der untersuchten Best Practice Software</a:t>
-            </a:r>
-            <a:r>
-              <a:rPr lang="de-DE" baseline="0" dirty="0" smtClean="0"/>
-              <a:t> stellte sich heraus:</a:t>
-            </a:r>
-          </a:p>
-          <a:p>
-            <a:pPr lvl="2"/>
-            <a:r>
-              <a:rPr lang="de-DE" dirty="0" smtClean="0"/>
-              <a:t>Funktionalität von Game Engine Editoren ist der Funktionalität von Modeling Editoren wie Cinema</a:t>
-            </a:r>
-            <a:r>
-              <a:rPr lang="de-DE" baseline="0" dirty="0" smtClean="0"/>
-              <a:t> 4D oder IDEs wie Visual Studio sehr ähnlich.</a:t>
-            </a:r>
-          </a:p>
-          <a:p>
-            <a:pPr lvl="2"/>
-            <a:r>
-              <a:rPr lang="de-DE" baseline="0" dirty="0" smtClean="0"/>
-              <a:t>Somit sind diese Tools meist nur </a:t>
-            </a:r>
-            <a:r>
-              <a:rPr lang="de-DE" baseline="0" dirty="0" err="1" smtClean="0"/>
-              <a:t>Aggregatoren</a:t>
-            </a:r>
-            <a:r>
-              <a:rPr lang="de-DE" baseline="0" dirty="0" smtClean="0"/>
-              <a:t> verschiedener Nutzerkonzepte.</a:t>
-            </a:r>
+              <a:t>.</a:t>
+            </a:r>
+            <a:endParaRPr lang="de-DE" baseline="0" dirty="0" smtClean="0"/>
           </a:p>
         </p:txBody>
       </p:sp>
     </p:spTree>
     <p:extLst>
       <p:ext uri="{BB962C8B-B14F-4D97-AF65-F5344CB8AC3E}">
-        <p14:creationId xmlns:p14="http://schemas.microsoft.com/office/powerpoint/2010/main" val="510153650"/>
+        <p14:creationId xmlns:p14="http://schemas.microsoft.com/office/powerpoint/2010/main" val="542103304"/>
       </p:ext>
     </p:extLst>
   </p:cSld>
@@ -7729,11 +9072,7 @@
           <a:p>
             <a:r>
               <a:rPr lang="de-DE" dirty="0" smtClean="0"/>
-              <a:t>Ergebnisse</a:t>
-            </a:r>
-            <a:r>
-              <a:rPr lang="de-DE" baseline="0" dirty="0" smtClean="0"/>
-              <a:t> der Konzeption und Implementierung</a:t>
+              <a:t>Problematik in der Implementierung</a:t>
             </a:r>
             <a:endParaRPr lang="de-DE" dirty="0"/>
           </a:p>
@@ -7751,110 +9090,118 @@
         </p:nvSpPr>
         <p:spPr/>
         <p:txBody>
-          <a:bodyPr/>
-          <a:lstStyle/>
-          <a:p>
-            <a:r>
-              <a:rPr lang="de-DE" dirty="0" smtClean="0"/>
-              <a:t>Erweiterung über das </a:t>
-            </a:r>
+          <a:bodyPr>
+            <a:normAutofit lnSpcReduction="10000"/>
+          </a:bodyPr>
+          <a:lstStyle/>
+          <a:p>
+            <a:pPr lvl="0"/>
+            <a:r>
+              <a:rPr lang="de-DE" dirty="0"/>
+              <a:t>Probleme bei der Umsetzung des Prototypen zum Ende der Arbeit</a:t>
+            </a:r>
+          </a:p>
+          <a:p>
+            <a:pPr lvl="1"/>
+            <a:r>
+              <a:rPr lang="de-DE" dirty="0"/>
+              <a:t>Durch die Komplexität der Cinema 4D API</a:t>
+            </a:r>
+          </a:p>
+          <a:p>
+            <a:pPr lvl="1"/>
+            <a:r>
+              <a:rPr lang="de-DE" dirty="0"/>
+              <a:t>Die Updatezyklen der </a:t>
+            </a:r>
+            <a:r>
+              <a:rPr lang="de-DE" dirty="0" smtClean="0"/>
+              <a:t>API</a:t>
+            </a:r>
+          </a:p>
+          <a:p>
+            <a:pPr lvl="2"/>
+            <a:r>
+              <a:rPr lang="de-DE" dirty="0" smtClean="0"/>
+              <a:t>Sehr eng</a:t>
+            </a:r>
+          </a:p>
+          <a:p>
+            <a:pPr lvl="2"/>
+            <a:r>
+              <a:rPr lang="de-DE" dirty="0" smtClean="0"/>
+              <a:t>Oft neue Funktionen oder Parameter</a:t>
+            </a:r>
+          </a:p>
+          <a:p>
+            <a:pPr lvl="1"/>
             <a:r>
               <a:rPr lang="de-DE" dirty="0" err="1" smtClean="0"/>
+              <a:t>Uniplug</a:t>
+            </a:r>
+            <a:r>
+              <a:rPr lang="de-DE" dirty="0" smtClean="0"/>
+              <a:t> Funktionalität erweitern</a:t>
+            </a:r>
+          </a:p>
+          <a:p>
+            <a:pPr lvl="2"/>
+            <a:r>
+              <a:rPr lang="de-DE" dirty="0" smtClean="0"/>
+              <a:t>GUI etc.</a:t>
+            </a:r>
+            <a:endParaRPr lang="de-DE" dirty="0"/>
+          </a:p>
+          <a:p>
+            <a:pPr lvl="1"/>
+            <a:r>
+              <a:rPr lang="de-DE" dirty="0"/>
+              <a:t>Das komplexe „</a:t>
+            </a:r>
+            <a:r>
+              <a:rPr lang="de-DE" dirty="0" err="1"/>
+              <a:t>wrapping</a:t>
+            </a:r>
+            <a:r>
+              <a:rPr lang="de-DE" dirty="0"/>
+              <a:t>“ der API mit </a:t>
+            </a:r>
+            <a:r>
+              <a:rPr lang="de-DE" dirty="0" err="1"/>
+              <a:t>Swig</a:t>
+            </a:r>
+            <a:r>
+              <a:rPr lang="de-DE" dirty="0" smtClean="0"/>
+              <a:t>.</a:t>
+            </a:r>
+          </a:p>
+          <a:p>
+            <a:pPr lvl="2"/>
+            <a:r>
+              <a:rPr lang="en-US" dirty="0"/>
+              <a:t>Simplified Wrapper and Interface </a:t>
+            </a:r>
+            <a:r>
+              <a:rPr lang="en-US" dirty="0" smtClean="0"/>
+              <a:t>Generator</a:t>
+            </a:r>
+          </a:p>
+          <a:p>
+            <a:pPr lvl="2"/>
+            <a:r>
+              <a:rPr lang="de-DE" dirty="0" smtClean="0"/>
+              <a:t>GUI Komponenten</a:t>
+            </a:r>
+            <a:endParaRPr lang="de-DE" dirty="0"/>
+          </a:p>
+          <a:p>
+            <a:pPr lvl="2"/>
+            <a:r>
+              <a:rPr lang="de-DE" dirty="0" err="1"/>
               <a:t>Plugin</a:t>
             </a:r>
             <a:r>
-              <a:rPr lang="de-DE" dirty="0" smtClean="0"/>
-              <a:t> System von Cinema 4D ist</a:t>
-            </a:r>
-            <a:r>
-              <a:rPr lang="de-DE" baseline="0" dirty="0" smtClean="0"/>
-              <a:t> berücksichtigt</a:t>
-            </a:r>
-          </a:p>
-          <a:p>
-            <a:r>
-              <a:rPr lang="de-DE" baseline="0" dirty="0" smtClean="0"/>
-              <a:t>Modeling Tool unabhängiges System Design</a:t>
-            </a:r>
-          </a:p>
-          <a:p>
-            <a:pPr lvl="1"/>
-            <a:r>
-              <a:rPr lang="de-DE" dirty="0" smtClean="0"/>
-              <a:t>Auch IDE</a:t>
-            </a:r>
-            <a:r>
-              <a:rPr lang="de-DE" baseline="0" dirty="0" smtClean="0"/>
-              <a:t> unabhängig so lange die Software mit .</a:t>
-            </a:r>
-            <a:r>
-              <a:rPr lang="de-DE" baseline="0" dirty="0" err="1" smtClean="0"/>
-              <a:t>sln</a:t>
-            </a:r>
-            <a:r>
-              <a:rPr lang="de-DE" baseline="0" dirty="0" smtClean="0"/>
-              <a:t> Projekten umgehen kann.</a:t>
-            </a:r>
-          </a:p>
-          <a:p>
-            <a:pPr lvl="0"/>
-            <a:r>
-              <a:rPr lang="de-DE" baseline="0" dirty="0" smtClean="0"/>
-              <a:t>Probleme bei der Umsetzung des Prototypen zum Ende der Arbeit</a:t>
-            </a:r>
-          </a:p>
-          <a:p>
-            <a:pPr lvl="1"/>
-            <a:r>
-              <a:rPr lang="de-DE" baseline="0" dirty="0" smtClean="0"/>
-              <a:t>Durch die Komplexität der Cinema 4D API</a:t>
-            </a:r>
-          </a:p>
-          <a:p>
-            <a:pPr lvl="1"/>
-            <a:r>
-              <a:rPr lang="de-DE" baseline="0" dirty="0" smtClean="0"/>
-              <a:t>Die Updatezyklen der API</a:t>
-            </a:r>
-          </a:p>
-          <a:p>
-            <a:pPr lvl="1"/>
-            <a:r>
-              <a:rPr lang="de-DE" baseline="0" dirty="0" smtClean="0"/>
-              <a:t>Das komplexe „</a:t>
-            </a:r>
-            <a:r>
-              <a:rPr lang="de-DE" baseline="0" dirty="0" err="1" smtClean="0"/>
-              <a:t>wrapping</a:t>
-            </a:r>
-            <a:r>
-              <a:rPr lang="de-DE" baseline="0" dirty="0" smtClean="0"/>
-              <a:t>“ der API mit </a:t>
-            </a:r>
-            <a:r>
-              <a:rPr lang="de-DE" baseline="0" dirty="0" err="1" smtClean="0"/>
-              <a:t>Swig</a:t>
-            </a:r>
-            <a:r>
-              <a:rPr lang="de-DE" baseline="0" dirty="0" smtClean="0"/>
-              <a:t>.</a:t>
-            </a:r>
-          </a:p>
-          <a:p>
-            <a:pPr lvl="2"/>
-            <a:r>
-              <a:rPr lang="de-DE" baseline="0" dirty="0" smtClean="0"/>
-              <a:t>GUI Komponenten</a:t>
-            </a:r>
-          </a:p>
-          <a:p>
-            <a:pPr lvl="2"/>
-            <a:r>
-              <a:rPr lang="de-DE" baseline="0" dirty="0" err="1" smtClean="0"/>
-              <a:t>Plugin</a:t>
-            </a:r>
-            <a:r>
-              <a:rPr lang="de-DE" baseline="0" dirty="0" smtClean="0"/>
+              <a:rPr lang="de-DE" dirty="0"/>
               <a:t> Typen</a:t>
             </a:r>
           </a:p>
@@ -7863,7 +9210,7 @@
     </p:spTree>
     <p:extLst>
       <p:ext uri="{BB962C8B-B14F-4D97-AF65-F5344CB8AC3E}">
-        <p14:creationId xmlns:p14="http://schemas.microsoft.com/office/powerpoint/2010/main" val="542103304"/>
+        <p14:creationId xmlns:p14="http://schemas.microsoft.com/office/powerpoint/2010/main" val="3367440132"/>
       </p:ext>
     </p:extLst>
   </p:cSld>
@@ -7918,15 +9265,7 @@
             </a:r>
             <a:r>
               <a:rPr lang="de-DE" sz="2000" i="1" dirty="0" smtClean="0"/>
-              <a:t>(Prof. </a:t>
-            </a:r>
-            <a:r>
-              <a:rPr lang="de-DE" sz="2000" i="1" dirty="0" smtClean="0"/>
-              <a:t>Dr. W. Taube</a:t>
-            </a:r>
-            <a:r>
-              <a:rPr lang="de-DE" sz="2000" i="1" dirty="0" smtClean="0"/>
-              <a:t>)</a:t>
+              <a:t>(Prof. Dr. W. Taube)</a:t>
             </a:r>
             <a:endParaRPr lang="de-DE" sz="2000" i="1" dirty="0"/>
           </a:p>
@@ -7953,7 +9292,15 @@
             </a:r>
             <a:r>
               <a:rPr lang="de-DE" b="1" dirty="0"/>
-              <a:t>Objekte werden von welchen Benutzergruppen wie bearbeitet und wie hängen diese Objekte untereinander zusammen? Und wie entwickeln sich die Abhängigkeiten im Zeitverlauf – also bei Änderungen von Objekten</a:t>
+              <a:t>Objekte werden von welchen Benutzergruppen </a:t>
+            </a:r>
+            <a:r>
+              <a:rPr lang="de-DE" b="1" dirty="0" smtClean="0"/>
+              <a:t>(während eines Projektes) wie </a:t>
+            </a:r>
+            <a:r>
+              <a:rPr lang="de-DE" b="1" dirty="0"/>
+              <a:t>bearbeitet und wie hängen diese Objekte untereinander zusammen? Und wie entwickeln sich die Abhängigkeiten im Zeitverlauf – also bei Änderungen von Objekten</a:t>
             </a:r>
             <a:r>
               <a:rPr lang="de-DE" b="1" dirty="0" smtClean="0"/>
@@ -8067,14 +9414,55 @@
             <a:pPr lvl="0"/>
             <a:r>
               <a:rPr lang="de-DE" dirty="0"/>
-              <a:t>Programmierer bearbeiten C# Code Dateien. (Evtl. JS und Projekt-Dateien)</a:t>
-            </a:r>
-          </a:p>
-          <a:p>
-            <a:pPr lvl="0"/>
+              <a:t>Programmierer bearbeiten C# Code Dateien. (Evtl. JS und Projekt-Dateien</a:t>
+            </a:r>
+            <a:r>
+              <a:rPr lang="de-DE" dirty="0" smtClean="0"/>
+              <a:t>)</a:t>
+            </a:r>
+          </a:p>
+          <a:p>
+            <a:pPr lvl="1"/>
+            <a:r>
+              <a:rPr lang="de-DE" dirty="0" smtClean="0"/>
+              <a:t>Mit Visual Studio</a:t>
+            </a:r>
+          </a:p>
+          <a:p>
+            <a:pPr lvl="1"/>
             <a:r>
               <a:rPr lang="de-DE" dirty="0"/>
-              <a:t>Designer und </a:t>
+              <a:t>Mono </a:t>
+            </a:r>
+            <a:r>
+              <a:rPr lang="de-DE" dirty="0" err="1"/>
+              <a:t>Develop</a:t>
+            </a:r>
+            <a:r>
+              <a:rPr lang="de-DE" dirty="0"/>
+              <a:t> / </a:t>
+            </a:r>
+            <a:r>
+              <a:rPr lang="de-DE" dirty="0" err="1"/>
+              <a:t>Xamarin</a:t>
+            </a:r>
+            <a:r>
+              <a:rPr lang="de-DE" dirty="0"/>
+              <a:t> </a:t>
+            </a:r>
+            <a:r>
+              <a:rPr lang="de-DE" dirty="0" smtClean="0"/>
+              <a:t>Studio</a:t>
+            </a:r>
+          </a:p>
+          <a:p>
+            <a:r>
+              <a:rPr lang="de-DE" dirty="0" smtClean="0"/>
+              <a:t>Designer </a:t>
+            </a:r>
+            <a:r>
+              <a:rPr lang="de-DE" dirty="0"/>
+              <a:t>und </a:t>
             </a:r>
             <a:r>
               <a:rPr lang="de-DE" dirty="0" err="1"/>
@@ -8087,6 +9475,20 @@
             <a:r>
               <a:rPr lang="de-DE" dirty="0" smtClean="0"/>
               <a:t>.)</a:t>
+            </a:r>
+          </a:p>
+          <a:p>
+            <a:pPr lvl="1"/>
+            <a:r>
+              <a:rPr lang="de-DE" dirty="0" smtClean="0"/>
+              <a:t>In Cinema 4D</a:t>
+            </a:r>
+          </a:p>
+          <a:p>
+            <a:pPr lvl="1"/>
+            <a:r>
+              <a:rPr lang="de-DE" dirty="0" smtClean="0"/>
+              <a:t>In Photoshop oder ähnlicher Software</a:t>
             </a:r>
             <a:endParaRPr lang="de-DE" dirty="0"/>
           </a:p>
@@ -8313,15 +9715,19 @@
           <a:p>
             <a:pPr marL="342900" lvl="1" indent="-342900"/>
             <a:r>
+              <a:rPr lang="de-DE" dirty="0" smtClean="0"/>
+              <a:t>Framework kümmert sich um Verwaltung</a:t>
+            </a:r>
+          </a:p>
+          <a:p>
+            <a:pPr marL="342900" lvl="1" indent="-342900"/>
+            <a:r>
+              <a:rPr lang="de-DE" dirty="0" smtClean="0"/>
+              <a:t>Theoretisch </a:t>
+            </a:r>
+            <a:r>
               <a:rPr lang="de-DE" dirty="0"/>
-              <a:t>Durch eine Mechanik welche sich im Framework um die Verwaltung der Assets kümmert, muss der jeweilige Entwickler nicht bei jeder neuen Version eines Assets das Objekt neu einbinden, sondern durch eine Referenz geschieht dies „automatisch“. Code Dateien sind für das Verhalten von Assets im Produkt verantwortlich.</a:t>
-            </a:r>
-          </a:p>
-          <a:p>
-            <a:pPr lvl="0"/>
-            <a:r>
-              <a:rPr lang="de-DE" dirty="0"/>
-              <a:t>Theoretisch soll eine möglichst lose Kopplung der Elemente erreicht werden.</a:t>
+              <a:t>soll eine möglichst lose Kopplung der Elemente erreicht werden.</a:t>
             </a:r>
           </a:p>
           <a:p>
@@ -8499,7 +9905,48 @@
               <a:rPr lang="de-DE" dirty="0" smtClean="0"/>
               <a:t>.</a:t>
             </a:r>
-            <a:endParaRPr lang="de-DE" b="1" dirty="0"/>
+          </a:p>
+          <a:p>
+            <a:pPr lvl="1">
+              <a:lnSpc>
+                <a:spcPct val="107000"/>
+              </a:lnSpc>
+              <a:spcAft>
+                <a:spcPts val="800"/>
+              </a:spcAft>
+            </a:pPr>
+            <a:r>
+              <a:rPr lang="de-DE" dirty="0" smtClean="0"/>
+              <a:t>Es übernimmt Verwaltungsaufgaben</a:t>
+            </a:r>
+          </a:p>
+          <a:p>
+            <a:pPr lvl="2">
+              <a:lnSpc>
+                <a:spcPct val="107000"/>
+              </a:lnSpc>
+              <a:spcAft>
+                <a:spcPts val="800"/>
+              </a:spcAft>
+            </a:pPr>
+            <a:r>
+              <a:rPr lang="de-DE" dirty="0" smtClean="0"/>
+              <a:t>Im Projektbereich</a:t>
+            </a:r>
+          </a:p>
+          <a:p>
+            <a:pPr lvl="2">
+              <a:lnSpc>
+                <a:spcPct val="107000"/>
+              </a:lnSpc>
+              <a:spcAft>
+                <a:spcPts val="800"/>
+              </a:spcAft>
+            </a:pPr>
+            <a:r>
+              <a:rPr lang="de-DE" dirty="0" smtClean="0"/>
+              <a:t>Im Dateibereich</a:t>
+            </a:r>
           </a:p>
         </p:txBody>
       </p:sp>
@@ -8619,19 +10066,23 @@
             <a:pPr lvl="1"/>
             <a:r>
               <a:rPr lang="de-DE" dirty="0" smtClean="0"/>
-              <a:t>Vereinfachte </a:t>
-            </a:r>
-            <a:r>
-              <a:rPr lang="de-DE" dirty="0" err="1"/>
-              <a:t>repräsentation</a:t>
+              <a:t>Das erlaubt vereinfachte </a:t>
             </a:r>
             <a:r>
               <a:rPr lang="de-DE" dirty="0"/>
-              <a:t> von Projektoptionen wie:</a:t>
-            </a:r>
-          </a:p>
-          <a:p>
-            <a:pPr lvl="1"/>
+              <a:t>R</a:t>
+            </a:r>
+            <a:r>
+              <a:rPr lang="de-DE" dirty="0" smtClean="0"/>
+              <a:t>epräsentation </a:t>
+            </a:r>
+            <a:r>
+              <a:rPr lang="de-DE" dirty="0"/>
+              <a:t>von Projektoptionen wie:</a:t>
+            </a:r>
+          </a:p>
+          <a:p>
+            <a:pPr lvl="2"/>
             <a:r>
               <a:rPr lang="de-DE" dirty="0" smtClean="0"/>
               <a:t>Neues </a:t>
@@ -8642,7 +10093,7 @@
             </a:r>
           </a:p>
           <a:p>
-            <a:pPr lvl="1"/>
+            <a:pPr lvl="2"/>
             <a:r>
               <a:rPr lang="de-DE" dirty="0" smtClean="0"/>
               <a:t>Assets </a:t>
@@ -8653,7 +10104,7 @@
             </a:r>
           </a:p>
           <a:p>
-            <a:pPr lvl="1"/>
+            <a:pPr lvl="2"/>
             <a:r>
               <a:rPr lang="de-DE" dirty="0" smtClean="0"/>
               <a:t>Code </a:t>
@@ -8752,7 +10203,9 @@
         </p:nvSpPr>
         <p:spPr/>
         <p:txBody>
-          <a:bodyPr/>
+          <a:bodyPr>
+            <a:normAutofit lnSpcReduction="10000"/>
+          </a:bodyPr>
           <a:lstStyle/>
           <a:p>
             <a:r>
@@ -8779,20 +10232,40 @@
             <a:pPr lvl="1"/>
             <a:r>
               <a:rPr lang="de-DE" dirty="0" smtClean="0"/>
-              <a:t>Ziele der Arbeit</a:t>
+              <a:t>Ziele der </a:t>
+            </a:r>
+            <a:r>
+              <a:rPr lang="de-DE" dirty="0" smtClean="0"/>
+              <a:t>Arbeit</a:t>
             </a:r>
           </a:p>
           <a:p>
             <a:pPr lvl="1"/>
             <a:r>
               <a:rPr lang="de-DE" dirty="0" smtClean="0"/>
-              <a:t>Herangehensweise und Methodik</a:t>
+              <a:t>Herangehensweise </a:t>
+            </a:r>
+            <a:r>
+              <a:rPr lang="de-DE" dirty="0" smtClean="0"/>
+              <a:t>und </a:t>
+            </a:r>
+            <a:r>
+              <a:rPr lang="de-DE" dirty="0" smtClean="0"/>
+              <a:t>Methodik</a:t>
             </a:r>
           </a:p>
           <a:p>
             <a:pPr lvl="1"/>
             <a:r>
               <a:rPr lang="de-DE" dirty="0" smtClean="0"/>
+              <a:t>Verwendete Software</a:t>
+            </a:r>
+            <a:endParaRPr lang="de-DE" dirty="0" smtClean="0"/>
+          </a:p>
+          <a:p>
+            <a:pPr lvl="1"/>
+            <a:r>
+              <a:rPr lang="de-DE" dirty="0" smtClean="0"/>
               <a:t>Problematik</a:t>
             </a:r>
           </a:p>
@@ -8807,8 +10280,27 @@
             <a:pPr lvl="0"/>
             <a:r>
               <a:rPr lang="de-DE" dirty="0" smtClean="0"/>
-              <a:t>Beantwortung der eingereichten Fragen</a:t>
-            </a:r>
+              <a:t>Beantwortung der eingereichten </a:t>
+            </a:r>
+            <a:r>
+              <a:rPr lang="de-DE" dirty="0" smtClean="0"/>
+              <a:t>Fragen</a:t>
+            </a:r>
+          </a:p>
+          <a:p>
+            <a:pPr lvl="1"/>
+            <a:r>
+              <a:rPr lang="de-DE" dirty="0" smtClean="0"/>
+              <a:t>Block A (Prof. Dr. W. Taube)</a:t>
+            </a:r>
+          </a:p>
+          <a:p>
+            <a:pPr lvl="1"/>
+            <a:r>
+              <a:rPr lang="de-DE" dirty="0" smtClean="0"/>
+              <a:t>Block B (Prof. C. Müller)</a:t>
+            </a:r>
+            <a:endParaRPr lang="de-DE" dirty="0" smtClean="0"/>
           </a:p>
           <a:p>
             <a:pPr lvl="0"/>
@@ -8975,7 +10467,15 @@
           <a:p>
             <a:r>
               <a:rPr lang="de-DE" dirty="0"/>
-              <a:t>Ein Teil des Designs ist auch der Anforderung an ein Editor Unabhängiges Tool </a:t>
+              <a:t>Ein Teil des Designs ist auch der Anforderung an ein Editor </a:t>
+            </a:r>
+            <a:r>
+              <a:rPr lang="de-DE" dirty="0" smtClean="0"/>
+              <a:t>unabhängiges </a:t>
+            </a:r>
+            <a:r>
+              <a:rPr lang="de-DE" dirty="0"/>
+              <a:t>Tool </a:t>
             </a:r>
             <a:r>
               <a:rPr lang="de-DE" dirty="0" smtClean="0"/>
@@ -9250,66 +10750,70 @@
           <a:lstStyle/>
           <a:p>
             <a:r>
-              <a:rPr lang="de-DE" dirty="0" smtClean="0"/>
-              <a:t>F3 – „Existieren Zentrale </a:t>
-            </a:r>
-            <a:r>
-              <a:rPr lang="de-DE" dirty="0"/>
+              <a:rPr lang="de-DE" b="1" dirty="0" smtClean="0"/>
+              <a:t>F3 – „Existieren </a:t>
+            </a:r>
+            <a:r>
+              <a:rPr lang="de-DE" b="1" dirty="0" smtClean="0"/>
+              <a:t>zentrale </a:t>
+            </a:r>
+            <a:r>
+              <a:rPr lang="de-DE" b="1" dirty="0"/>
               <a:t>Probleme bei </a:t>
             </a:r>
             <a:r>
-              <a:rPr lang="de-DE" dirty="0" smtClean="0"/>
+              <a:rPr lang="de-DE" b="1" dirty="0" smtClean="0"/>
               <a:t>der </a:t>
             </a:r>
             <a:r>
-              <a:rPr lang="de-DE" dirty="0" err="1" smtClean="0"/>
+              <a:rPr lang="de-DE" b="1" dirty="0" err="1" smtClean="0"/>
               <a:t>Versionierung</a:t>
             </a:r>
             <a:r>
-              <a:rPr lang="de-DE" dirty="0" smtClean="0"/>
+              <a:rPr lang="de-DE" b="1" dirty="0" smtClean="0"/>
               <a:t>? </a:t>
             </a:r>
             <a:r>
-              <a:rPr lang="de-DE" dirty="0"/>
+              <a:rPr lang="de-DE" b="1" dirty="0"/>
               <a:t>Ist das </a:t>
             </a:r>
             <a:r>
-              <a:rPr lang="de-DE" dirty="0" smtClean="0"/>
+              <a:rPr lang="de-DE" b="1" dirty="0" smtClean="0"/>
               <a:t>bei </a:t>
             </a:r>
             <a:r>
-              <a:rPr lang="de-DE" dirty="0"/>
+              <a:rPr lang="de-DE" b="1" dirty="0"/>
               <a:t>der </a:t>
             </a:r>
             <a:r>
-              <a:rPr lang="de-DE" dirty="0" err="1"/>
+              <a:rPr lang="de-DE" b="1" dirty="0" err="1"/>
               <a:t>FuseeAT</a:t>
             </a:r>
             <a:r>
-              <a:rPr lang="de-DE" dirty="0"/>
+              <a:rPr lang="de-DE" b="1" dirty="0"/>
               <a:t> der Fall und wie werden die Probleme gelöst? Bei der </a:t>
             </a:r>
             <a:r>
-              <a:rPr lang="de-DE" dirty="0" err="1"/>
+              <a:rPr lang="de-DE" b="1" dirty="0" err="1"/>
               <a:t>Versionierung</a:t>
             </a:r>
             <a:r>
-              <a:rPr lang="de-DE" dirty="0"/>
+              <a:rPr lang="de-DE" b="1" dirty="0"/>
               <a:t> von Assets verweisen Sie auf </a:t>
             </a:r>
             <a:r>
-              <a:rPr lang="de-DE" dirty="0" err="1"/>
+              <a:rPr lang="de-DE" b="1" dirty="0" err="1"/>
               <a:t>Git</a:t>
             </a:r>
             <a:r>
-              <a:rPr lang="de-DE" dirty="0"/>
+              <a:rPr lang="de-DE" b="1" dirty="0"/>
               <a:t> (S. 71) – aber das bedeutet ja wieder eine völlig andere Oberfläche mit anderen, gar nicht so einfach zu verstehenden Konzepten</a:t>
             </a:r>
             <a:r>
-              <a:rPr lang="de-DE" dirty="0" smtClean="0"/>
+              <a:rPr lang="de-DE" b="1" dirty="0" smtClean="0"/>
               <a:t>.“</a:t>
             </a:r>
-            <a:endParaRPr lang="de-DE" dirty="0"/>
+            <a:endParaRPr lang="de-DE" b="1" dirty="0"/>
           </a:p>
         </p:txBody>
       </p:sp>
@@ -9584,7 +11088,7 @@
         <p:spPr/>
         <p:txBody>
           <a:bodyPr>
-            <a:normAutofit fontScale="92500" lnSpcReduction="10000"/>
+            <a:normAutofit fontScale="85000" lnSpcReduction="20000"/>
           </a:bodyPr>
           <a:lstStyle/>
           <a:p>
@@ -9682,6 +11186,29 @@
             <a:r>
               <a:rPr lang="de-DE" dirty="0" err="1" smtClean="0"/>
               <a:t>Shotgun</a:t>
+            </a:r>
+            <a:endParaRPr lang="de-DE" dirty="0" smtClean="0"/>
+          </a:p>
+          <a:p>
+            <a:pPr lvl="1"/>
+            <a:r>
+              <a:rPr lang="de-DE" dirty="0" smtClean="0"/>
+              <a:t>Beide spezialisiert auf Asset </a:t>
+            </a:r>
+            <a:r>
+              <a:rPr lang="de-DE" dirty="0" err="1" smtClean="0"/>
+              <a:t>Versionierung</a:t>
+            </a:r>
+            <a:r>
+              <a:rPr lang="de-DE" dirty="0" smtClean="0"/>
+              <a:t>. </a:t>
+            </a:r>
+          </a:p>
+          <a:p>
+            <a:pPr lvl="1"/>
+            <a:r>
+              <a:rPr lang="de-DE" dirty="0" smtClean="0"/>
+              <a:t>Aber losgelöst vom tatsächlichen Software Projekt.</a:t>
             </a:r>
             <a:endParaRPr lang="de-DE" dirty="0" smtClean="0"/>
           </a:p>
@@ -9793,14 +11320,46 @@
             </a:r>
             <a:r>
               <a:rPr lang="de-DE" baseline="0" dirty="0" smtClean="0"/>
-              <a:t> extrem einfaches Konzept …</a:t>
+              <a:t> </a:t>
+            </a:r>
+            <a:r>
+              <a:rPr lang="de-DE" baseline="0" dirty="0" smtClean="0"/>
+              <a:t>besonders einfach</a:t>
+            </a:r>
+            <a:r>
+              <a:rPr lang="de-DE" dirty="0" smtClean="0"/>
+              <a:t> zu verstehendes </a:t>
+            </a:r>
+            <a:r>
+              <a:rPr lang="de-DE" baseline="0" dirty="0" smtClean="0"/>
+              <a:t>Konzept </a:t>
+            </a:r>
+            <a:r>
+              <a:rPr lang="de-DE" baseline="0" dirty="0" smtClean="0"/>
+              <a:t>…</a:t>
             </a:r>
           </a:p>
           <a:p>
             <a:pPr lvl="1"/>
             <a:r>
               <a:rPr lang="de-DE" baseline="0" dirty="0" smtClean="0"/>
-              <a:t>… Aber nötig um ein Projekt zu stemmen.</a:t>
+              <a:t>… </a:t>
+            </a:r>
+            <a:r>
+              <a:rPr lang="de-DE" baseline="0" dirty="0" smtClean="0"/>
+              <a:t>aber </a:t>
+            </a:r>
+            <a:r>
+              <a:rPr lang="de-DE" baseline="0" dirty="0" smtClean="0"/>
+              <a:t>nötig um ein Projekt </a:t>
+            </a:r>
+            <a:r>
+              <a:rPr lang="de-DE" baseline="0" dirty="0" smtClean="0"/>
+              <a:t>in der Games Branche zu </a:t>
+            </a:r>
+            <a:r>
+              <a:rPr lang="de-DE" baseline="0" dirty="0" smtClean="0"/>
+              <a:t>stemmen.</a:t>
             </a:r>
           </a:p>
           <a:p>
@@ -9852,8 +11411,13 @@
             <a:pPr lvl="2"/>
             <a:r>
               <a:rPr lang="de-DE" dirty="0" smtClean="0"/>
-              <a:t>Lizenzpflichtige Team Server Software</a:t>
-            </a:r>
+              <a:t>Lizenzpflichtige Team Server </a:t>
+            </a:r>
+            <a:r>
+              <a:rPr lang="de-DE" dirty="0" smtClean="0"/>
+              <a:t>Software (integriert, aber teuer)</a:t>
+            </a:r>
+            <a:endParaRPr lang="de-DE" dirty="0" smtClean="0"/>
           </a:p>
           <a:p>
             <a:pPr lvl="2"/>
@@ -10014,7 +11578,7 @@
             <a:pPr lvl="1"/>
             <a:r>
               <a:rPr lang="de-DE" dirty="0" smtClean="0"/>
-              <a:t>Leider </a:t>
+              <a:t>„</a:t>
             </a:r>
             <a:r>
               <a:rPr lang="de-DE" dirty="0" err="1" smtClean="0"/>
@@ -10022,8 +11586,9 @@
             </a:r>
             <a:r>
               <a:rPr lang="de-DE" dirty="0" smtClean="0"/>
-              <a:t>.</a:t>
-            </a:r>
+              <a:t>“.</a:t>
+            </a:r>
+            <a:endParaRPr lang="de-DE" dirty="0" smtClean="0"/>
           </a:p>
           <a:p>
             <a:pPr lvl="1"/>
@@ -10037,7 +11602,15 @@
             </a:r>
             <a:r>
               <a:rPr lang="de-DE" dirty="0" smtClean="0"/>
-              <a:t> ermöglichen keine freie Anpassung des Interfaces.</a:t>
+              <a:t> ermöglichen </a:t>
+            </a:r>
+            <a:r>
+              <a:rPr lang="de-DE" dirty="0" smtClean="0"/>
+              <a:t>kein freies Anpassen des </a:t>
+            </a:r>
+            <a:r>
+              <a:rPr lang="de-DE" dirty="0" smtClean="0"/>
+              <a:t>Interfaces.</a:t>
             </a:r>
           </a:p>
           <a:p>
@@ -10168,8 +11741,38 @@
         </p:blipFill>
         <p:spPr>
           <a:xfrm>
-            <a:off x="3070167" y="1853248"/>
+            <a:off x="646111" y="2805355"/>
             <a:ext cx="5760720" cy="3240405"/>
+          </a:xfrm>
+          <a:prstGeom prst="rect">
+            <a:avLst/>
+          </a:prstGeom>
+        </p:spPr>
+      </p:pic>
+      <p:pic>
+        <p:nvPicPr>
+          <p:cNvPr id="3" name="Grafik 2"/>
+          <p:cNvPicPr>
+            <a:picLocks noChangeAspect="1"/>
+          </p:cNvPicPr>
+          <p:nvPr/>
+        </p:nvPicPr>
+        <p:blipFill>
+          <a:blip r:embed="rId3">
+            <a:extLst>
+              <a:ext uri="{28A0092B-C50C-407E-A947-70E740481C1C}">
+                <a14:useLocalDpi xmlns:a14="http://schemas.microsoft.com/office/drawing/2010/main" val="0"/>
+              </a:ext>
+            </a:extLst>
+          </a:blip>
+          <a:stretch>
+            <a:fillRect/>
+          </a:stretch>
+        </p:blipFill>
+        <p:spPr>
+          <a:xfrm>
+            <a:off x="7409042" y="2805355"/>
+            <a:ext cx="3991532" cy="2524477"/>
           </a:xfrm>
           <a:prstGeom prst="rect">
             <a:avLst/>
@@ -10478,7 +12081,11 @@
           <a:p>
             <a:r>
               <a:rPr lang="de-DE" b="1" dirty="0" smtClean="0"/>
-              <a:t>F5.5 - Was </a:t>
+              <a:t>F5.5 </a:t>
+            </a:r>
+            <a:r>
+              <a:rPr lang="de-DE" b="1" dirty="0" smtClean="0"/>
+              <a:t>– „Was </a:t>
             </a:r>
             <a:r>
               <a:rPr lang="de-DE" b="1" dirty="0"/>
@@ -10752,10 +12359,10 @@
                 <a:ea typeface="+mj-ea"/>
                 <a:cs typeface="+mj-cs"/>
               </a:rPr>
-              <a:t> Tool Entwicklungsprozesses und Konzeption eines </a:t>
-            </a:r>
-            <a:r>
-              <a:rPr lang="de-DE" sz="2400" b="1" i="0" kern="1200" dirty="0" err="1" smtClean="0">
+              <a:t> </a:t>
+            </a:r>
+            <a:r>
+              <a:rPr lang="de-DE" sz="2400" b="1" i="0" kern="1200" dirty="0" smtClean="0">
                 <a:solidFill>
                   <a:schemeClr val="tx1"/>
                 </a:solidFill>
@@ -10764,7 +12371,7 @@
                 <a:ea typeface="+mj-ea"/>
                 <a:cs typeface="+mj-cs"/>
               </a:rPr>
-              <a:t>Authoring</a:t>
+              <a:t>Tool Entwicklungsprozesses </a:t>
             </a:r>
             <a:r>
               <a:rPr lang="de-DE" sz="2400" b="1" i="0" kern="1200" dirty="0" smtClean="0">
@@ -10776,8 +12383,530 @@
                 <a:ea typeface="+mj-ea"/>
                 <a:cs typeface="+mj-cs"/>
               </a:rPr>
-              <a:t> Tool Frameworks“.</a:t>
-            </a:r>
+              <a:t>und Konzeption eines </a:t>
+            </a:r>
+            <a:r>
+              <a:rPr lang="de-DE" sz="2400" b="1" i="0" kern="1200" dirty="0" err="1" smtClean="0">
+                <a:solidFill>
+                  <a:schemeClr val="tx1"/>
+                </a:solidFill>
+                <a:effectLst/>
+                <a:latin typeface="+mj-lt"/>
+                <a:ea typeface="+mj-ea"/>
+                <a:cs typeface="+mj-cs"/>
+              </a:rPr>
+              <a:t>Authoring</a:t>
+            </a:r>
+            <a:r>
+              <a:rPr lang="de-DE" sz="2400" b="1" i="0" kern="1200" dirty="0" smtClean="0">
+                <a:solidFill>
+                  <a:schemeClr val="tx1"/>
+                </a:solidFill>
+                <a:effectLst/>
+                <a:latin typeface="+mj-lt"/>
+                <a:ea typeface="+mj-ea"/>
+                <a:cs typeface="+mj-cs"/>
+              </a:rPr>
+              <a:t> Tool Frameworks</a:t>
+            </a:r>
+            <a:r>
+              <a:rPr lang="de-DE" sz="2400" b="1" i="0" kern="1200" dirty="0" smtClean="0">
+                <a:solidFill>
+                  <a:schemeClr val="tx1"/>
+                </a:solidFill>
+                <a:effectLst/>
+                <a:latin typeface="+mj-lt"/>
+                <a:ea typeface="+mj-ea"/>
+                <a:cs typeface="+mj-cs"/>
+              </a:rPr>
+              <a:t>“.</a:t>
+            </a:r>
+          </a:p>
+          <a:p>
+            <a:pPr marL="800100" lvl="3" indent="-342900">
+              <a:defRPr/>
+            </a:pPr>
+            <a:r>
+              <a:rPr lang="de-DE" sz="1800" i="1" kern="1200" dirty="0" smtClean="0">
+                <a:solidFill>
+                  <a:schemeClr val="tx1"/>
+                </a:solidFill>
+                <a:effectLst/>
+              </a:rPr>
+              <a:t>„A </a:t>
+            </a:r>
+            <a:r>
+              <a:rPr lang="de-DE" sz="1800" i="1" kern="1200" dirty="0" err="1" smtClean="0">
+                <a:solidFill>
+                  <a:schemeClr val="tx1"/>
+                </a:solidFill>
+                <a:effectLst/>
+              </a:rPr>
+              <a:t>tool</a:t>
+            </a:r>
+            <a:r>
+              <a:rPr lang="de-DE" sz="1800" i="1" kern="1200" dirty="0" smtClean="0">
+                <a:solidFill>
+                  <a:schemeClr val="tx1"/>
+                </a:solidFill>
+                <a:effectLst/>
+              </a:rPr>
+              <a:t> </a:t>
+            </a:r>
+            <a:r>
+              <a:rPr lang="de-DE" sz="1800" i="1" kern="1200" dirty="0" err="1" smtClean="0">
+                <a:solidFill>
+                  <a:schemeClr val="tx1"/>
+                </a:solidFill>
+                <a:effectLst/>
+              </a:rPr>
+              <a:t>is</a:t>
+            </a:r>
+            <a:r>
+              <a:rPr lang="de-DE" sz="1800" i="1" kern="1200" dirty="0" smtClean="0">
+                <a:solidFill>
+                  <a:schemeClr val="tx1"/>
+                </a:solidFill>
+                <a:effectLst/>
+              </a:rPr>
+              <a:t> a </a:t>
+            </a:r>
+            <a:r>
+              <a:rPr lang="de-DE" sz="1800" i="1" kern="1200" dirty="0" err="1" smtClean="0">
+                <a:solidFill>
+                  <a:schemeClr val="tx1"/>
+                </a:solidFill>
+                <a:effectLst/>
+              </a:rPr>
+              <a:t>software</a:t>
+            </a:r>
+            <a:r>
+              <a:rPr lang="de-DE" sz="1800" i="1" kern="1200" dirty="0" smtClean="0">
+                <a:solidFill>
+                  <a:schemeClr val="tx1"/>
+                </a:solidFill>
+                <a:effectLst/>
+              </a:rPr>
+              <a:t> </a:t>
+            </a:r>
+            <a:r>
+              <a:rPr lang="de-DE" sz="1800" i="1" kern="1200" dirty="0" err="1" smtClean="0">
+                <a:solidFill>
+                  <a:schemeClr val="tx1"/>
+                </a:solidFill>
+                <a:effectLst/>
+              </a:rPr>
+              <a:t>application</a:t>
+            </a:r>
+            <a:r>
+              <a:rPr lang="de-DE" sz="1800" i="1" kern="1200" dirty="0" smtClean="0">
+                <a:solidFill>
+                  <a:schemeClr val="tx1"/>
+                </a:solidFill>
+                <a:effectLst/>
+              </a:rPr>
+              <a:t> </a:t>
+            </a:r>
+            <a:r>
+              <a:rPr lang="de-DE" sz="1800" i="1" kern="1200" dirty="0" err="1" smtClean="0">
+                <a:solidFill>
+                  <a:schemeClr val="tx1"/>
+                </a:solidFill>
+                <a:effectLst/>
+              </a:rPr>
+              <a:t>used</a:t>
+            </a:r>
+            <a:r>
+              <a:rPr lang="de-DE" sz="1800" i="1" kern="1200" dirty="0" smtClean="0">
+                <a:solidFill>
+                  <a:schemeClr val="tx1"/>
+                </a:solidFill>
+                <a:effectLst/>
+              </a:rPr>
+              <a:t> in </a:t>
+            </a:r>
+            <a:r>
+              <a:rPr lang="de-DE" sz="1800" i="1" kern="1200" dirty="0" err="1" smtClean="0">
+                <a:solidFill>
+                  <a:schemeClr val="tx1"/>
+                </a:solidFill>
+                <a:effectLst/>
+              </a:rPr>
+              <a:t>either</a:t>
+            </a:r>
+            <a:r>
+              <a:rPr lang="de-DE" sz="1800" i="1" kern="1200" dirty="0" smtClean="0">
+                <a:solidFill>
+                  <a:schemeClr val="tx1"/>
+                </a:solidFill>
+                <a:effectLst/>
+              </a:rPr>
+              <a:t> </a:t>
+            </a:r>
+            <a:r>
+              <a:rPr lang="de-DE" sz="1800" i="1" kern="1200" dirty="0" err="1" smtClean="0">
+                <a:solidFill>
+                  <a:schemeClr val="tx1"/>
+                </a:solidFill>
+                <a:effectLst/>
+              </a:rPr>
+              <a:t>the</a:t>
+            </a:r>
+            <a:r>
+              <a:rPr lang="de-DE" sz="1800" i="1" kern="1200" dirty="0" smtClean="0">
+                <a:solidFill>
+                  <a:schemeClr val="tx1"/>
+                </a:solidFill>
+                <a:effectLst/>
+              </a:rPr>
+              <a:t> </a:t>
+            </a:r>
+            <a:r>
+              <a:rPr lang="de-DE" sz="1800" i="1" kern="1200" dirty="0" err="1" smtClean="0">
+                <a:solidFill>
+                  <a:schemeClr val="tx1"/>
+                </a:solidFill>
+                <a:effectLst/>
+              </a:rPr>
+              <a:t>construction</a:t>
+            </a:r>
+            <a:r>
+              <a:rPr lang="de-DE" sz="1800" i="1" kern="1200" dirty="0" smtClean="0">
+                <a:solidFill>
+                  <a:schemeClr val="tx1"/>
+                </a:solidFill>
+                <a:effectLst/>
+              </a:rPr>
+              <a:t> </a:t>
+            </a:r>
+            <a:r>
+              <a:rPr lang="de-DE" sz="1800" i="1" kern="1200" dirty="0" err="1" smtClean="0">
+                <a:solidFill>
+                  <a:schemeClr val="tx1"/>
+                </a:solidFill>
+                <a:effectLst/>
+              </a:rPr>
+              <a:t>or</a:t>
+            </a:r>
+            <a:r>
+              <a:rPr lang="de-DE" sz="1800" i="1" kern="1200" dirty="0" smtClean="0">
+                <a:solidFill>
+                  <a:schemeClr val="tx1"/>
+                </a:solidFill>
+                <a:effectLst/>
+              </a:rPr>
+              <a:t> </a:t>
+            </a:r>
+            <a:r>
+              <a:rPr lang="de-DE" sz="1800" i="1" kern="1200" dirty="0" err="1" smtClean="0">
+                <a:solidFill>
+                  <a:schemeClr val="tx1"/>
+                </a:solidFill>
+                <a:effectLst/>
+              </a:rPr>
+              <a:t>modification</a:t>
+            </a:r>
+            <a:r>
+              <a:rPr lang="de-DE" sz="1800" i="1" kern="1200" dirty="0" smtClean="0">
+                <a:solidFill>
+                  <a:schemeClr val="tx1"/>
+                </a:solidFill>
+                <a:effectLst/>
+              </a:rPr>
+              <a:t> </a:t>
+            </a:r>
+            <a:r>
+              <a:rPr lang="de-DE" sz="1800" i="1" kern="1200" dirty="0" err="1" smtClean="0">
+                <a:solidFill>
+                  <a:schemeClr val="tx1"/>
+                </a:solidFill>
+                <a:effectLst/>
+              </a:rPr>
+              <a:t>of</a:t>
+            </a:r>
+            <a:r>
+              <a:rPr lang="de-DE" sz="1800" i="1" kern="1200" dirty="0" smtClean="0">
+                <a:solidFill>
+                  <a:schemeClr val="tx1"/>
+                </a:solidFill>
+                <a:effectLst/>
+              </a:rPr>
+              <a:t> game-</a:t>
+            </a:r>
+            <a:r>
+              <a:rPr lang="de-DE" sz="1800" i="1" kern="1200" dirty="0" err="1" smtClean="0">
+                <a:solidFill>
+                  <a:schemeClr val="tx1"/>
+                </a:solidFill>
+                <a:effectLst/>
+              </a:rPr>
+              <a:t>related</a:t>
+            </a:r>
+            <a:r>
+              <a:rPr lang="de-DE" sz="1800" i="1" kern="1200" dirty="0" smtClean="0">
+                <a:solidFill>
+                  <a:schemeClr val="tx1"/>
+                </a:solidFill>
+                <a:effectLst/>
+              </a:rPr>
+              <a:t> </a:t>
+            </a:r>
+            <a:r>
+              <a:rPr lang="de-DE" sz="1800" i="1" kern="1200" dirty="0" err="1" smtClean="0">
+                <a:solidFill>
+                  <a:schemeClr val="tx1"/>
+                </a:solidFill>
+                <a:effectLst/>
+              </a:rPr>
+              <a:t>content</a:t>
+            </a:r>
+            <a:r>
+              <a:rPr lang="de-DE" sz="1800" i="1" kern="1200" dirty="0" smtClean="0">
+                <a:solidFill>
+                  <a:schemeClr val="tx1"/>
+                </a:solidFill>
+                <a:effectLst/>
+              </a:rPr>
+              <a:t>, </a:t>
+            </a:r>
+            <a:r>
+              <a:rPr lang="de-DE" sz="1800" i="1" kern="1200" dirty="0" err="1" smtClean="0">
+                <a:solidFill>
+                  <a:schemeClr val="tx1"/>
+                </a:solidFill>
+                <a:effectLst/>
+              </a:rPr>
+              <a:t>where</a:t>
+            </a:r>
+            <a:r>
+              <a:rPr lang="de-DE" sz="1800" i="1" kern="1200" dirty="0" smtClean="0">
+                <a:solidFill>
+                  <a:schemeClr val="tx1"/>
+                </a:solidFill>
+                <a:effectLst/>
+              </a:rPr>
+              <a:t> </a:t>
+            </a:r>
+            <a:r>
+              <a:rPr lang="de-DE" sz="1800" i="1" kern="1200" dirty="0" err="1" smtClean="0">
+                <a:solidFill>
+                  <a:schemeClr val="tx1"/>
+                </a:solidFill>
+                <a:effectLst/>
+              </a:rPr>
+              <a:t>the</a:t>
+            </a:r>
+            <a:r>
+              <a:rPr lang="de-DE" sz="1800" i="1" kern="1200" dirty="0" smtClean="0">
+                <a:solidFill>
+                  <a:schemeClr val="tx1"/>
+                </a:solidFill>
+                <a:effectLst/>
+              </a:rPr>
+              <a:t> </a:t>
+            </a:r>
+            <a:r>
+              <a:rPr lang="de-DE" sz="1800" i="1" kern="1200" dirty="0" err="1" smtClean="0">
+                <a:solidFill>
+                  <a:schemeClr val="tx1"/>
+                </a:solidFill>
+                <a:effectLst/>
+              </a:rPr>
+              <a:t>content</a:t>
+            </a:r>
+            <a:r>
+              <a:rPr lang="de-DE" sz="1800" i="1" kern="1200" dirty="0" smtClean="0">
+                <a:solidFill>
+                  <a:schemeClr val="tx1"/>
+                </a:solidFill>
+                <a:effectLst/>
+              </a:rPr>
+              <a:t> </a:t>
+            </a:r>
+            <a:r>
+              <a:rPr lang="de-DE" sz="1800" i="1" kern="1200" dirty="0" err="1" smtClean="0">
+                <a:solidFill>
+                  <a:schemeClr val="tx1"/>
+                </a:solidFill>
+                <a:effectLst/>
+              </a:rPr>
+              <a:t>can</a:t>
+            </a:r>
+            <a:r>
+              <a:rPr lang="de-DE" sz="1800" i="1" kern="1200" dirty="0" smtClean="0">
+                <a:solidFill>
+                  <a:schemeClr val="tx1"/>
+                </a:solidFill>
+                <a:effectLst/>
+              </a:rPr>
+              <a:t> </a:t>
+            </a:r>
+            <a:r>
+              <a:rPr lang="de-DE" sz="1800" i="1" kern="1200" dirty="0" err="1" smtClean="0">
+                <a:solidFill>
+                  <a:schemeClr val="tx1"/>
+                </a:solidFill>
+                <a:effectLst/>
+              </a:rPr>
+              <a:t>be</a:t>
+            </a:r>
+            <a:r>
+              <a:rPr lang="de-DE" sz="1800" i="1" kern="1200" dirty="0" smtClean="0">
+                <a:solidFill>
+                  <a:schemeClr val="tx1"/>
+                </a:solidFill>
+                <a:effectLst/>
+              </a:rPr>
+              <a:t> </a:t>
+            </a:r>
+            <a:r>
+              <a:rPr lang="de-DE" sz="1800" i="1" kern="1200" dirty="0" err="1" smtClean="0">
+                <a:solidFill>
+                  <a:schemeClr val="tx1"/>
+                </a:solidFill>
+                <a:effectLst/>
+              </a:rPr>
+              <a:t>virtually</a:t>
+            </a:r>
+            <a:r>
+              <a:rPr lang="de-DE" sz="1800" i="1" kern="1200" dirty="0" smtClean="0">
+                <a:solidFill>
+                  <a:schemeClr val="tx1"/>
+                </a:solidFill>
+                <a:effectLst/>
+              </a:rPr>
+              <a:t> </a:t>
+            </a:r>
+            <a:r>
+              <a:rPr lang="de-DE" sz="1800" i="1" kern="1200" dirty="0" err="1" smtClean="0">
+                <a:solidFill>
+                  <a:schemeClr val="tx1"/>
+                </a:solidFill>
+                <a:effectLst/>
+              </a:rPr>
+              <a:t>anything</a:t>
+            </a:r>
+            <a:r>
+              <a:rPr lang="de-DE" sz="1800" i="1" kern="1200" dirty="0" smtClean="0">
+                <a:solidFill>
+                  <a:schemeClr val="tx1"/>
+                </a:solidFill>
+                <a:effectLst/>
+              </a:rPr>
+              <a:t> </a:t>
+            </a:r>
+            <a:r>
+              <a:rPr lang="de-DE" sz="1800" i="1" kern="1200" dirty="0" err="1" smtClean="0">
+                <a:solidFill>
+                  <a:schemeClr val="tx1"/>
+                </a:solidFill>
+                <a:effectLst/>
+              </a:rPr>
+              <a:t>that</a:t>
+            </a:r>
+            <a:r>
+              <a:rPr lang="de-DE" sz="1800" i="1" kern="1200" dirty="0" smtClean="0">
+                <a:solidFill>
+                  <a:schemeClr val="tx1"/>
+                </a:solidFill>
+                <a:effectLst/>
+              </a:rPr>
+              <a:t> </a:t>
+            </a:r>
+            <a:r>
+              <a:rPr lang="de-DE" sz="1800" i="1" kern="1200" dirty="0" err="1" smtClean="0">
+                <a:solidFill>
+                  <a:schemeClr val="tx1"/>
+                </a:solidFill>
+                <a:effectLst/>
+              </a:rPr>
+              <a:t>makes</a:t>
+            </a:r>
+            <a:r>
+              <a:rPr lang="de-DE" sz="1800" i="1" dirty="0"/>
+              <a:t> </a:t>
+            </a:r>
+            <a:r>
+              <a:rPr lang="de-DE" sz="1800" i="1" dirty="0" err="1" smtClean="0"/>
+              <a:t>up</a:t>
+            </a:r>
+            <a:r>
+              <a:rPr lang="de-DE" sz="1800" i="1" dirty="0" smtClean="0"/>
+              <a:t> a </a:t>
+            </a:r>
+            <a:r>
+              <a:rPr lang="de-DE" sz="1800" i="1" dirty="0" err="1" smtClean="0"/>
+              <a:t>game</a:t>
+            </a:r>
+            <a:r>
+              <a:rPr lang="de-DE" sz="1800" i="1" dirty="0" smtClean="0"/>
+              <a:t>.</a:t>
+            </a:r>
+            <a:r>
+              <a:rPr lang="de-DE" sz="1800" i="1" kern="1200" dirty="0" smtClean="0">
+                <a:solidFill>
+                  <a:schemeClr val="tx1"/>
+                </a:solidFill>
+                <a:effectLst/>
+              </a:rPr>
+              <a:t>“</a:t>
+            </a:r>
+          </a:p>
+          <a:p>
+            <a:pPr marL="1314450" lvl="4" indent="-400050">
+              <a:defRPr/>
+            </a:pPr>
+            <a:r>
+              <a:rPr lang="de-DE" sz="1800" i="0" kern="1200" dirty="0" smtClean="0">
+                <a:solidFill>
+                  <a:schemeClr val="tx1"/>
+                </a:solidFill>
+                <a:effectLst/>
+              </a:rPr>
+              <a:t>G. </a:t>
+            </a:r>
+            <a:r>
+              <a:rPr lang="de-DE" sz="1800" i="0" kern="1200" dirty="0" err="1" smtClean="0">
+                <a:solidFill>
+                  <a:schemeClr val="tx1"/>
+                </a:solidFill>
+                <a:effectLst/>
+              </a:rPr>
+              <a:t>Wihlidal</a:t>
+            </a:r>
+            <a:r>
+              <a:rPr lang="de-DE" sz="1800" i="0" kern="1200" dirty="0" smtClean="0">
+                <a:solidFill>
+                  <a:schemeClr val="tx1"/>
+                </a:solidFill>
+                <a:effectLst/>
+              </a:rPr>
+              <a:t> „Game Engine </a:t>
+            </a:r>
+            <a:r>
+              <a:rPr lang="de-DE" sz="1800" i="0" kern="1200" dirty="0" err="1" smtClean="0">
+                <a:solidFill>
+                  <a:schemeClr val="tx1"/>
+                </a:solidFill>
+                <a:effectLst/>
+              </a:rPr>
+              <a:t>Toolset</a:t>
+            </a:r>
+            <a:r>
+              <a:rPr lang="de-DE" sz="1800" i="0" kern="1200" dirty="0" smtClean="0">
+                <a:solidFill>
+                  <a:schemeClr val="tx1"/>
+                </a:solidFill>
+                <a:effectLst/>
+              </a:rPr>
+              <a:t> Development S. 3.</a:t>
+            </a:r>
+            <a:endParaRPr lang="de-DE" sz="1800" i="0" kern="1200" dirty="0" smtClean="0">
+              <a:solidFill>
+                <a:schemeClr val="tx1"/>
+              </a:solidFill>
+              <a:effectLst/>
+            </a:endParaRPr>
           </a:p>
         </p:txBody>
       </p:sp>
@@ -10913,7 +13042,26 @@
             </a:r>
             <a:r>
               <a:rPr lang="de-DE" dirty="0" smtClean="0"/>
-              <a:t> Typen</a:t>
+              <a:t> </a:t>
+            </a:r>
+            <a:r>
+              <a:rPr lang="de-DE" dirty="0" smtClean="0"/>
+              <a:t>Typen</a:t>
+            </a:r>
+          </a:p>
+          <a:p>
+            <a:pPr lvl="0"/>
+            <a:r>
+              <a:rPr lang="de-DE" dirty="0" smtClean="0"/>
+              <a:t>Das System ist vielen Studierenden aus </a:t>
+            </a:r>
+            <a:r>
+              <a:rPr lang="de-DE" dirty="0" err="1" smtClean="0"/>
+              <a:t>Unity</a:t>
+            </a:r>
+            <a:r>
+              <a:rPr lang="de-DE" dirty="0" smtClean="0"/>
+              <a:t> etc. bekannt.</a:t>
             </a:r>
             <a:endParaRPr lang="de-DE" dirty="0"/>
           </a:p>
@@ -11077,7 +13225,6 @@
               <a:rPr lang="de-DE" b="1" dirty="0"/>
               <a:t>voraussetzen und dies bedarf dann doch wohl einer Erläuterung.</a:t>
             </a:r>
-            <a:endParaRPr lang="de-DE" b="1" dirty="0"/>
           </a:p>
         </p:txBody>
       </p:sp>
@@ -11189,12 +13336,12 @@
               <a:t>Orientiert sich an Best Practice </a:t>
             </a:r>
             <a:r>
-              <a:rPr lang="de-DE" dirty="0" err="1" smtClean="0"/>
-              <a:t>Beispielene</a:t>
-            </a:r>
-            <a:r>
-              <a:rPr lang="de-DE" dirty="0" smtClean="0"/>
-              <a:t> der analysierten </a:t>
+              <a:rPr lang="de-DE" dirty="0" smtClean="0"/>
+              <a:t>Beispielen </a:t>
+            </a:r>
+            <a:r>
+              <a:rPr lang="de-DE" dirty="0" smtClean="0"/>
+              <a:t>der analysierten </a:t>
             </a:r>
             <a:r>
               <a:rPr lang="de-DE" dirty="0" err="1" smtClean="0"/>
@@ -11219,12 +13366,22 @@
           </a:p>
           <a:p>
             <a:r>
+              <a:rPr lang="de-DE" dirty="0" smtClean="0">
+                <a:sym typeface="Wingdings" panose="05000000000000000000" pitchFamily="2" charset="2"/>
+              </a:rPr>
+              <a:t> </a:t>
+            </a:r>
+            <a:r>
               <a:rPr lang="de-DE" dirty="0" err="1" smtClean="0"/>
               <a:t>Component</a:t>
             </a:r>
             <a:r>
               <a:rPr lang="de-DE" dirty="0" smtClean="0"/>
-              <a:t> basiertes Szenengraphen System in </a:t>
+              <a:t> </a:t>
+            </a:r>
+            <a:r>
+              <a:rPr lang="de-DE" dirty="0" smtClean="0"/>
+              <a:t>basiertes Szenengraphen System in </a:t>
             </a:r>
             <a:r>
               <a:rPr lang="de-DE" dirty="0" err="1" smtClean="0"/>
@@ -11320,31 +13477,11 @@
           <a:p>
             <a:r>
               <a:rPr lang="de-DE" dirty="0" smtClean="0"/>
-              <a:t>Fragen Block B</a:t>
-            </a:r>
-            <a:r>
-              <a:rPr lang="de-DE" dirty="0" smtClean="0"/>
-              <a:t> </a:t>
+              <a:t>Fragen Block B </a:t>
             </a:r>
             <a:r>
               <a:rPr lang="de-DE" sz="2000" i="1" dirty="0" smtClean="0"/>
-              <a:t>(</a:t>
-            </a:r>
-            <a:r>
-              <a:rPr lang="de-DE" sz="2000" i="1" dirty="0" smtClean="0"/>
-              <a:t>Prof</a:t>
-            </a:r>
-            <a:r>
-              <a:rPr lang="de-DE" sz="2000" i="1" dirty="0" smtClean="0"/>
-              <a:t>. </a:t>
-            </a:r>
-            <a:r>
-              <a:rPr lang="de-DE" sz="2000" i="1" dirty="0" smtClean="0"/>
-              <a:t>C. Müller</a:t>
-            </a:r>
-            <a:r>
-              <a:rPr lang="de-DE" sz="2000" i="1" dirty="0" smtClean="0"/>
-              <a:t>)</a:t>
+              <a:t>(Prof. C. Müller)</a:t>
             </a:r>
             <a:endParaRPr lang="de-DE" sz="2000" i="1" dirty="0"/>
           </a:p>
@@ -11388,6 +13525,10 @@
               <a:rPr lang="de-DE" sz="2400" b="1" dirty="0" smtClean="0"/>
               <a:t>?“</a:t>
             </a:r>
+          </a:p>
+          <a:p>
+            <a:pPr lvl="1"/>
+            <a:endParaRPr lang="de-DE" sz="2200" b="1" dirty="0" smtClean="0"/>
           </a:p>
         </p:txBody>
       </p:sp>
@@ -11444,264 +13585,152 @@
           <a:lstStyle/>
           <a:p>
             <a:r>
-              <a:rPr lang="de-DE" dirty="0">
-                <a:solidFill>
-                  <a:srgbClr val="EBEBEB"/>
-                </a:solidFill>
-              </a:rPr>
+              <a:rPr lang="de-DE" dirty="0"/>
               <a:t>Fragen Block B </a:t>
             </a:r>
             <a:r>
-              <a:rPr lang="de-DE" sz="2000" i="1" dirty="0">
-                <a:solidFill>
-                  <a:srgbClr val="EBEBEB"/>
-                </a:solidFill>
-              </a:rPr>
+              <a:rPr lang="de-DE" sz="2000" i="1" dirty="0"/>
               <a:t>(Prof. C. Müller)</a:t>
             </a:r>
-            <a:endParaRPr lang="de-DE" dirty="0"/>
-          </a:p>
-        </p:txBody>
-      </p:sp>
-      <p:sp>
-        <p:nvSpPr>
-          <p:cNvPr id="4" name="Abgerundetes Rechteck 3"/>
-          <p:cNvSpPr/>
-          <p:nvPr/>
-        </p:nvSpPr>
-        <p:spPr>
-          <a:xfrm>
-            <a:off x="1498166" y="3158836"/>
-            <a:ext cx="1847707" cy="1018309"/>
-          </a:xfrm>
-          <a:prstGeom prst="roundRect">
-            <a:avLst/>
-          </a:prstGeom>
-          <a:ln>
-            <a:noFill/>
-          </a:ln>
-        </p:spPr>
-        <p:style>
-          <a:lnRef idx="2">
-            <a:schemeClr val="accent6"/>
-          </a:lnRef>
-          <a:fillRef idx="1001">
-            <a:schemeClr val="lt1"/>
-          </a:fillRef>
-          <a:effectRef idx="0">
-            <a:schemeClr val="accent6"/>
-          </a:effectRef>
-          <a:fontRef idx="minor">
-            <a:schemeClr val="dk1"/>
-          </a:fontRef>
-        </p:style>
-        <p:txBody>
-          <a:bodyPr rtlCol="0" anchor="ctr"/>
-          <a:lstStyle/>
-          <a:p>
-            <a:pPr algn="ctr"/>
-            <a:r>
-              <a:rPr lang="de-DE" b="1" dirty="0" smtClean="0"/>
-              <a:t>Trigger </a:t>
-            </a:r>
-          </a:p>
-          <a:p>
-            <a:pPr algn="ctr"/>
-            <a:r>
-              <a:rPr lang="de-DE" b="1" dirty="0" smtClean="0"/>
-              <a:t>im Editor</a:t>
-            </a:r>
-            <a:endParaRPr lang="de-DE" b="1" dirty="0"/>
-          </a:p>
-        </p:txBody>
-      </p:sp>
-      <p:sp>
-        <p:nvSpPr>
-          <p:cNvPr id="5" name="Abgerundetes Rechteck 4"/>
-          <p:cNvSpPr/>
-          <p:nvPr/>
-        </p:nvSpPr>
-        <p:spPr>
-          <a:xfrm>
-            <a:off x="5250699" y="3158835"/>
-            <a:ext cx="1847707" cy="1018309"/>
-          </a:xfrm>
-          <a:prstGeom prst="roundRect">
-            <a:avLst/>
-          </a:prstGeom>
-          <a:ln>
-            <a:noFill/>
-          </a:ln>
-        </p:spPr>
-        <p:style>
-          <a:lnRef idx="2">
-            <a:schemeClr val="accent6"/>
-          </a:lnRef>
-          <a:fillRef idx="1001">
-            <a:schemeClr val="lt1"/>
-          </a:fillRef>
-          <a:effectRef idx="0">
-            <a:schemeClr val="accent6"/>
-          </a:effectRef>
-          <a:fontRef idx="minor">
-            <a:schemeClr val="dk1"/>
-          </a:fontRef>
-        </p:style>
-        <p:txBody>
-          <a:bodyPr rtlCol="0" anchor="ctr"/>
-          <a:lstStyle/>
-          <a:p>
-            <a:pPr algn="ctr"/>
-            <a:r>
-              <a:rPr lang="de-DE" b="1" dirty="0" smtClean="0"/>
-              <a:t>Aktion</a:t>
-            </a:r>
-          </a:p>
-          <a:p>
-            <a:pPr algn="ctr"/>
-            <a:r>
-              <a:rPr lang="de-DE" b="1" dirty="0" smtClean="0"/>
-              <a:t>des </a:t>
-            </a:r>
-            <a:r>
-              <a:rPr lang="de-DE" b="1" dirty="0" err="1" smtClean="0"/>
+            <a:endParaRPr lang="de-DE" sz="2000" dirty="0"/>
+          </a:p>
+        </p:txBody>
+      </p:sp>
+      <p:sp>
+        <p:nvSpPr>
+          <p:cNvPr id="3" name="Inhaltsplatzhalter 2"/>
+          <p:cNvSpPr>
+            <a:spLocks noGrp="1"/>
+          </p:cNvSpPr>
+          <p:nvPr>
+            <p:ph idx="1"/>
+          </p:nvPr>
+        </p:nvSpPr>
+        <p:spPr/>
+        <p:txBody>
+          <a:bodyPr/>
+          <a:lstStyle/>
+          <a:p>
+            <a:r>
+              <a:rPr lang="de-DE" dirty="0" smtClean="0"/>
+              <a:t>Trigger zu Beginn:</a:t>
+            </a:r>
+          </a:p>
+          <a:p>
+            <a:pPr lvl="1"/>
+            <a:r>
+              <a:rPr lang="de-DE" dirty="0" smtClean="0"/>
+              <a:t>Von einem Hintergrundprozess oder GUI Aktion (Speichern eines Projektes) ausgehend.</a:t>
+            </a:r>
+          </a:p>
+          <a:p>
+            <a:pPr lvl="0"/>
+            <a:r>
+              <a:rPr lang="de-DE" dirty="0" smtClean="0"/>
+              <a:t>Endbedingungen:</a:t>
+            </a:r>
+            <a:r>
+              <a:rPr lang="de-DE" baseline="0" dirty="0" smtClean="0"/>
+              <a:t> </a:t>
+            </a:r>
+            <a:r>
+              <a:rPr lang="de-DE" dirty="0" smtClean="0"/>
+              <a:t>Die</a:t>
+            </a:r>
+            <a:r>
+              <a:rPr lang="de-DE" baseline="0" dirty="0" smtClean="0"/>
+              <a:t> </a:t>
+            </a:r>
+            <a:r>
+              <a:rPr lang="de-DE" dirty="0" smtClean="0"/>
+              <a:t>„Objektrelation“ muss für das </a:t>
+            </a:r>
+            <a:r>
+              <a:rPr lang="de-DE" dirty="0" err="1" smtClean="0"/>
               <a:t>FuseeAT</a:t>
             </a:r>
-            <a:endParaRPr lang="de-DE" b="1" dirty="0"/>
-          </a:p>
-        </p:txBody>
-      </p:sp>
-      <p:sp>
-        <p:nvSpPr>
-          <p:cNvPr id="6" name="Abgerundetes Rechteck 5"/>
-          <p:cNvSpPr/>
-          <p:nvPr/>
-        </p:nvSpPr>
-        <p:spPr>
-          <a:xfrm>
-            <a:off x="9003233" y="3158836"/>
-            <a:ext cx="2095202" cy="1018309"/>
-          </a:xfrm>
-          <a:prstGeom prst="roundRect">
-            <a:avLst/>
-          </a:prstGeom>
-          <a:ln>
-            <a:noFill/>
-          </a:ln>
-        </p:spPr>
-        <p:style>
-          <a:lnRef idx="2">
-            <a:schemeClr val="accent6"/>
-          </a:lnRef>
-          <a:fillRef idx="1001">
-            <a:schemeClr val="lt1"/>
-          </a:fillRef>
-          <a:effectRef idx="0">
-            <a:schemeClr val="accent6"/>
-          </a:effectRef>
-          <a:fontRef idx="minor">
-            <a:schemeClr val="dk1"/>
-          </a:fontRef>
-        </p:style>
-        <p:txBody>
-          <a:bodyPr rtlCol="0" anchor="ctr"/>
-          <a:lstStyle/>
-          <a:p>
-            <a:pPr algn="ctr"/>
-            <a:r>
-              <a:rPr lang="de-DE" b="1" dirty="0" smtClean="0"/>
-              <a:t>Repräsentation der Daten</a:t>
-            </a:r>
-            <a:endParaRPr lang="de-DE" b="1" dirty="0"/>
-          </a:p>
-        </p:txBody>
-      </p:sp>
-      <p:sp>
-        <p:nvSpPr>
-          <p:cNvPr id="7" name="Pfeil nach rechts 6"/>
-          <p:cNvSpPr/>
-          <p:nvPr/>
-        </p:nvSpPr>
-        <p:spPr>
-          <a:xfrm>
-            <a:off x="3955386" y="3475755"/>
-            <a:ext cx="685800" cy="384465"/>
-          </a:xfrm>
-          <a:prstGeom prst="rightArrow">
-            <a:avLst/>
-          </a:prstGeom>
-          <a:ln>
-            <a:noFill/>
-          </a:ln>
-        </p:spPr>
-        <p:style>
-          <a:lnRef idx="2">
-            <a:schemeClr val="accent6"/>
-          </a:lnRef>
-          <a:fillRef idx="1">
-            <a:schemeClr val="lt1"/>
-          </a:fillRef>
-          <a:effectRef idx="0">
-            <a:schemeClr val="accent6"/>
-          </a:effectRef>
-          <a:fontRef idx="minor">
-            <a:schemeClr val="dk1"/>
-          </a:fontRef>
-        </p:style>
-        <p:txBody>
-          <a:bodyPr rtlCol="0" anchor="ctr"/>
-          <a:lstStyle/>
-          <a:p>
-            <a:pPr algn="ctr"/>
-            <a:endParaRPr lang="de-DE"/>
-          </a:p>
-        </p:txBody>
-      </p:sp>
-      <p:sp>
-        <p:nvSpPr>
-          <p:cNvPr id="9" name="Pfeil nach rechts 8"/>
-          <p:cNvSpPr/>
-          <p:nvPr/>
-        </p:nvSpPr>
-        <p:spPr>
-          <a:xfrm>
-            <a:off x="7707919" y="3512120"/>
-            <a:ext cx="685800" cy="384465"/>
-          </a:xfrm>
-          <a:prstGeom prst="rightArrow">
-            <a:avLst/>
-          </a:prstGeom>
-          <a:ln>
-            <a:noFill/>
-          </a:ln>
-        </p:spPr>
-        <p:style>
-          <a:lnRef idx="2">
-            <a:schemeClr val="accent6"/>
-          </a:lnRef>
-          <a:fillRef idx="1">
-            <a:schemeClr val="lt1"/>
-          </a:fillRef>
-          <a:effectRef idx="0">
-            <a:schemeClr val="accent6"/>
-          </a:effectRef>
-          <a:fontRef idx="minor">
-            <a:schemeClr val="dk1"/>
-          </a:fontRef>
-        </p:style>
-        <p:txBody>
-          <a:bodyPr rtlCol="0" anchor="ctr"/>
-          <a:lstStyle/>
-          <a:p>
-            <a:pPr algn="ctr"/>
-            <a:endParaRPr lang="de-DE"/>
+            <a:r>
+              <a:rPr lang="de-DE" dirty="0" smtClean="0"/>
+              <a:t> </a:t>
+            </a:r>
+            <a:r>
+              <a:rPr lang="de-DE" baseline="0" dirty="0" smtClean="0"/>
+              <a:t>identifizierbar bleiben.</a:t>
+            </a:r>
+          </a:p>
+          <a:p>
+            <a:pPr lvl="1"/>
+            <a:r>
+              <a:rPr lang="de-DE" baseline="0" dirty="0" smtClean="0"/>
+              <a:t>Lesbares Format mit Informationen für das </a:t>
+            </a:r>
+            <a:r>
+              <a:rPr lang="de-DE" baseline="0" dirty="0" err="1" smtClean="0"/>
+              <a:t>FuseeAT</a:t>
+            </a:r>
+            <a:r>
+              <a:rPr lang="de-DE" baseline="0" dirty="0" smtClean="0"/>
+              <a:t> (XML in </a:t>
+            </a:r>
+            <a:r>
+              <a:rPr lang="de-DE" baseline="0" dirty="0" err="1" smtClean="0"/>
+              <a:t>FuseeAT</a:t>
+            </a:r>
+            <a:r>
+              <a:rPr lang="de-DE" baseline="0" dirty="0" smtClean="0"/>
+              <a:t>) enthält:</a:t>
+            </a:r>
+          </a:p>
+          <a:p>
+            <a:pPr lvl="2"/>
+            <a:r>
+              <a:rPr lang="de-DE" baseline="0" dirty="0" smtClean="0"/>
+              <a:t>IDs</a:t>
+            </a:r>
+          </a:p>
+          <a:p>
+            <a:pPr lvl="2"/>
+            <a:r>
+              <a:rPr lang="de-DE" baseline="0" dirty="0" smtClean="0"/>
+              <a:t>Pfade</a:t>
+            </a:r>
+          </a:p>
+          <a:p>
+            <a:pPr lvl="2"/>
+            <a:r>
+              <a:rPr lang="de-DE" baseline="0" dirty="0" smtClean="0"/>
+              <a:t>Prüfsummen</a:t>
+            </a:r>
+          </a:p>
+          <a:p>
+            <a:r>
+              <a:rPr lang="de-DE" dirty="0" smtClean="0"/>
+              <a:t>Wie kann also </a:t>
+            </a:r>
+            <a:r>
+              <a:rPr lang="de-DE" dirty="0" smtClean="0"/>
+              <a:t>das </a:t>
+            </a:r>
+            <a:r>
+              <a:rPr lang="de-DE" dirty="0" smtClean="0"/>
+              <a:t>Problem </a:t>
+            </a:r>
+            <a:r>
+              <a:rPr lang="de-DE" dirty="0" smtClean="0"/>
+              <a:t>gelöst </a:t>
+            </a:r>
+            <a:r>
+              <a:rPr lang="de-DE" dirty="0" smtClean="0"/>
+              <a:t>werden?</a:t>
+            </a:r>
+            <a:endParaRPr lang="de-DE" baseline="0" dirty="0" smtClean="0"/>
           </a:p>
         </p:txBody>
       </p:sp>
     </p:spTree>
     <p:extLst>
       <p:ext uri="{BB962C8B-B14F-4D97-AF65-F5344CB8AC3E}">
-        <p14:creationId xmlns:p14="http://schemas.microsoft.com/office/powerpoint/2010/main" val="281458669"/>
+        <p14:creationId xmlns:p14="http://schemas.microsoft.com/office/powerpoint/2010/main" val="1414374061"/>
       </p:ext>
     </p:extLst>
   </p:cSld>
@@ -11751,136 +13780,264 @@
           <a:lstStyle/>
           <a:p>
             <a:r>
-              <a:rPr lang="de-DE" dirty="0"/>
+              <a:rPr lang="de-DE" dirty="0">
+                <a:solidFill>
+                  <a:srgbClr val="EBEBEB"/>
+                </a:solidFill>
+              </a:rPr>
               <a:t>Fragen Block B </a:t>
             </a:r>
             <a:r>
-              <a:rPr lang="de-DE" sz="2000" i="1" dirty="0"/>
+              <a:rPr lang="de-DE" sz="2000" i="1" dirty="0">
+                <a:solidFill>
+                  <a:srgbClr val="EBEBEB"/>
+                </a:solidFill>
+              </a:rPr>
               <a:t>(Prof. C. Müller)</a:t>
             </a:r>
-            <a:endParaRPr lang="de-DE" sz="2000" dirty="0"/>
-          </a:p>
-        </p:txBody>
-      </p:sp>
-      <p:sp>
-        <p:nvSpPr>
-          <p:cNvPr id="3" name="Inhaltsplatzhalter 2"/>
-          <p:cNvSpPr>
-            <a:spLocks noGrp="1"/>
-          </p:cNvSpPr>
-          <p:nvPr>
-            <p:ph idx="1"/>
-          </p:nvPr>
-        </p:nvSpPr>
-        <p:spPr/>
-        <p:txBody>
-          <a:bodyPr/>
-          <a:lstStyle/>
-          <a:p>
-            <a:r>
-              <a:rPr lang="de-DE" dirty="0" smtClean="0"/>
-              <a:t>Trigger zu Beginn:</a:t>
-            </a:r>
-          </a:p>
-          <a:p>
-            <a:pPr lvl="1"/>
-            <a:r>
-              <a:rPr lang="de-DE" dirty="0" smtClean="0"/>
-              <a:t>Von einem Hintergrundprozess oder GUI Aktion (Speichern eines Projektes) ausgehend.</a:t>
-            </a:r>
-          </a:p>
-          <a:p>
-            <a:pPr lvl="0"/>
-            <a:r>
-              <a:rPr lang="de-DE" dirty="0" smtClean="0"/>
-              <a:t>Endbedingungen:</a:t>
-            </a:r>
-            <a:r>
-              <a:rPr lang="de-DE" baseline="0" dirty="0" smtClean="0"/>
-              <a:t> </a:t>
-            </a:r>
-            <a:r>
-              <a:rPr lang="de-DE" dirty="0" smtClean="0"/>
-              <a:t>Die</a:t>
-            </a:r>
-            <a:r>
-              <a:rPr lang="de-DE" baseline="0" dirty="0" smtClean="0"/>
-              <a:t> </a:t>
-            </a:r>
-            <a:r>
-              <a:rPr lang="de-DE" dirty="0" smtClean="0"/>
-              <a:t>„Objektrelation“ muss für das </a:t>
-            </a:r>
-            <a:r>
-              <a:rPr lang="de-DE" dirty="0" err="1" smtClean="0"/>
+            <a:endParaRPr lang="de-DE" dirty="0"/>
+          </a:p>
+        </p:txBody>
+      </p:sp>
+      <p:sp>
+        <p:nvSpPr>
+          <p:cNvPr id="4" name="Abgerundetes Rechteck 3"/>
+          <p:cNvSpPr/>
+          <p:nvPr/>
+        </p:nvSpPr>
+        <p:spPr>
+          <a:xfrm>
+            <a:off x="1498166" y="3158836"/>
+            <a:ext cx="1847707" cy="1018309"/>
+          </a:xfrm>
+          <a:prstGeom prst="roundRect">
+            <a:avLst/>
+          </a:prstGeom>
+          <a:ln>
+            <a:noFill/>
+          </a:ln>
+        </p:spPr>
+        <p:style>
+          <a:lnRef idx="2">
+            <a:schemeClr val="accent6"/>
+          </a:lnRef>
+          <a:fillRef idx="1001">
+            <a:schemeClr val="lt1"/>
+          </a:fillRef>
+          <a:effectRef idx="0">
+            <a:schemeClr val="accent6"/>
+          </a:effectRef>
+          <a:fontRef idx="minor">
+            <a:schemeClr val="dk1"/>
+          </a:fontRef>
+        </p:style>
+        <p:txBody>
+          <a:bodyPr rtlCol="0" anchor="ctr"/>
+          <a:lstStyle/>
+          <a:p>
+            <a:pPr algn="ctr"/>
+            <a:r>
+              <a:rPr lang="de-DE" b="1" dirty="0" smtClean="0"/>
+              <a:t>Trigger </a:t>
+            </a:r>
+          </a:p>
+          <a:p>
+            <a:pPr algn="ctr"/>
+            <a:r>
+              <a:rPr lang="de-DE" b="1" dirty="0" smtClean="0"/>
+              <a:t>im Editor</a:t>
+            </a:r>
+            <a:endParaRPr lang="de-DE" b="1" dirty="0"/>
+          </a:p>
+        </p:txBody>
+      </p:sp>
+      <p:sp>
+        <p:nvSpPr>
+          <p:cNvPr id="5" name="Abgerundetes Rechteck 4"/>
+          <p:cNvSpPr/>
+          <p:nvPr/>
+        </p:nvSpPr>
+        <p:spPr>
+          <a:xfrm>
+            <a:off x="5250699" y="3158835"/>
+            <a:ext cx="1847707" cy="1018309"/>
+          </a:xfrm>
+          <a:prstGeom prst="roundRect">
+            <a:avLst/>
+          </a:prstGeom>
+          <a:ln>
+            <a:noFill/>
+          </a:ln>
+        </p:spPr>
+        <p:style>
+          <a:lnRef idx="2">
+            <a:schemeClr val="accent6"/>
+          </a:lnRef>
+          <a:fillRef idx="1001">
+            <a:schemeClr val="lt1"/>
+          </a:fillRef>
+          <a:effectRef idx="0">
+            <a:schemeClr val="accent6"/>
+          </a:effectRef>
+          <a:fontRef idx="minor">
+            <a:schemeClr val="dk1"/>
+          </a:fontRef>
+        </p:style>
+        <p:txBody>
+          <a:bodyPr rtlCol="0" anchor="ctr"/>
+          <a:lstStyle/>
+          <a:p>
+            <a:pPr algn="ctr"/>
+            <a:r>
+              <a:rPr lang="de-DE" b="1" dirty="0" smtClean="0"/>
+              <a:t>Aktion</a:t>
+            </a:r>
+          </a:p>
+          <a:p>
+            <a:pPr algn="ctr"/>
+            <a:r>
+              <a:rPr lang="de-DE" b="1" dirty="0" smtClean="0"/>
+              <a:t>des </a:t>
+            </a:r>
+            <a:r>
+              <a:rPr lang="de-DE" b="1" dirty="0" err="1" smtClean="0"/>
               <a:t>FuseeAT</a:t>
             </a:r>
-            <a:r>
-              <a:rPr lang="de-DE" dirty="0" smtClean="0"/>
-              <a:t> </a:t>
-            </a:r>
-            <a:r>
-              <a:rPr lang="de-DE" baseline="0" dirty="0" smtClean="0"/>
-              <a:t>identifizierbar bleiben.</a:t>
-            </a:r>
-          </a:p>
-          <a:p>
-            <a:pPr lvl="1"/>
-            <a:r>
-              <a:rPr lang="de-DE" baseline="0" dirty="0" smtClean="0"/>
-              <a:t>Lesbares Format mit Informationen für das </a:t>
-            </a:r>
-            <a:r>
-              <a:rPr lang="de-DE" baseline="0" dirty="0" err="1" smtClean="0"/>
-              <a:t>FuseeAT</a:t>
-            </a:r>
-            <a:r>
-              <a:rPr lang="de-DE" baseline="0" dirty="0" smtClean="0"/>
-              <a:t> (XML in </a:t>
-            </a:r>
-            <a:r>
-              <a:rPr lang="de-DE" baseline="0" dirty="0" err="1" smtClean="0"/>
-              <a:t>FuseeAT</a:t>
-            </a:r>
-            <a:r>
-              <a:rPr lang="de-DE" baseline="0" dirty="0" smtClean="0"/>
-              <a:t>) enthält:</a:t>
-            </a:r>
-          </a:p>
-          <a:p>
-            <a:pPr lvl="2"/>
-            <a:r>
-              <a:rPr lang="de-DE" baseline="0" dirty="0" smtClean="0"/>
-              <a:t>IDs</a:t>
-            </a:r>
-          </a:p>
-          <a:p>
-            <a:pPr lvl="2"/>
-            <a:r>
-              <a:rPr lang="de-DE" baseline="0" dirty="0" smtClean="0"/>
-              <a:t>Pfade</a:t>
-            </a:r>
-          </a:p>
-          <a:p>
-            <a:pPr lvl="2"/>
-            <a:r>
-              <a:rPr lang="de-DE" baseline="0" dirty="0" smtClean="0"/>
-              <a:t>Prüfsummen</a:t>
-            </a:r>
-          </a:p>
-          <a:p>
-            <a:r>
-              <a:rPr lang="de-DE" dirty="0" smtClean="0"/>
-              <a:t>Wie kann also die das Problem der Aktion gelöst werden?</a:t>
-            </a:r>
-            <a:endParaRPr lang="de-DE" baseline="0" dirty="0" smtClean="0"/>
+            <a:endParaRPr lang="de-DE" b="1" dirty="0"/>
+          </a:p>
+        </p:txBody>
+      </p:sp>
+      <p:sp>
+        <p:nvSpPr>
+          <p:cNvPr id="6" name="Abgerundetes Rechteck 5"/>
+          <p:cNvSpPr/>
+          <p:nvPr/>
+        </p:nvSpPr>
+        <p:spPr>
+          <a:xfrm>
+            <a:off x="9003233" y="3158836"/>
+            <a:ext cx="2095202" cy="1018309"/>
+          </a:xfrm>
+          <a:prstGeom prst="roundRect">
+            <a:avLst/>
+          </a:prstGeom>
+          <a:ln>
+            <a:noFill/>
+          </a:ln>
+        </p:spPr>
+        <p:style>
+          <a:lnRef idx="2">
+            <a:schemeClr val="accent6"/>
+          </a:lnRef>
+          <a:fillRef idx="1001">
+            <a:schemeClr val="lt1"/>
+          </a:fillRef>
+          <a:effectRef idx="0">
+            <a:schemeClr val="accent6"/>
+          </a:effectRef>
+          <a:fontRef idx="minor">
+            <a:schemeClr val="dk1"/>
+          </a:fontRef>
+        </p:style>
+        <p:txBody>
+          <a:bodyPr rtlCol="0" anchor="ctr"/>
+          <a:lstStyle/>
+          <a:p>
+            <a:pPr algn="ctr"/>
+            <a:r>
+              <a:rPr lang="de-DE" b="1" dirty="0" smtClean="0"/>
+              <a:t>Repräsentation der Daten</a:t>
+            </a:r>
+            <a:endParaRPr lang="de-DE" b="1" dirty="0"/>
+          </a:p>
+        </p:txBody>
+      </p:sp>
+      <p:sp>
+        <p:nvSpPr>
+          <p:cNvPr id="7" name="Pfeil nach rechts 6"/>
+          <p:cNvSpPr/>
+          <p:nvPr/>
+        </p:nvSpPr>
+        <p:spPr>
+          <a:xfrm>
+            <a:off x="3955386" y="3475755"/>
+            <a:ext cx="685800" cy="384465"/>
+          </a:xfrm>
+          <a:prstGeom prst="rightArrow">
+            <a:avLst/>
+          </a:prstGeom>
+          <a:ln>
+            <a:noFill/>
+          </a:ln>
+        </p:spPr>
+        <p:style>
+          <a:lnRef idx="2">
+            <a:schemeClr val="accent6"/>
+          </a:lnRef>
+          <a:fillRef idx="1">
+            <a:schemeClr val="lt1"/>
+          </a:fillRef>
+          <a:effectRef idx="0">
+            <a:schemeClr val="accent6"/>
+          </a:effectRef>
+          <a:fontRef idx="minor">
+            <a:schemeClr val="dk1"/>
+          </a:fontRef>
+        </p:style>
+        <p:txBody>
+          <a:bodyPr rtlCol="0" anchor="ctr"/>
+          <a:lstStyle/>
+          <a:p>
+            <a:pPr algn="ctr"/>
+            <a:endParaRPr lang="de-DE"/>
+          </a:p>
+        </p:txBody>
+      </p:sp>
+      <p:sp>
+        <p:nvSpPr>
+          <p:cNvPr id="9" name="Pfeil nach rechts 8"/>
+          <p:cNvSpPr/>
+          <p:nvPr/>
+        </p:nvSpPr>
+        <p:spPr>
+          <a:xfrm>
+            <a:off x="7707919" y="3512120"/>
+            <a:ext cx="685800" cy="384465"/>
+          </a:xfrm>
+          <a:prstGeom prst="rightArrow">
+            <a:avLst/>
+          </a:prstGeom>
+          <a:ln>
+            <a:noFill/>
+          </a:ln>
+        </p:spPr>
+        <p:style>
+          <a:lnRef idx="2">
+            <a:schemeClr val="accent6"/>
+          </a:lnRef>
+          <a:fillRef idx="1">
+            <a:schemeClr val="lt1"/>
+          </a:fillRef>
+          <a:effectRef idx="0">
+            <a:schemeClr val="accent6"/>
+          </a:effectRef>
+          <a:fontRef idx="minor">
+            <a:schemeClr val="dk1"/>
+          </a:fontRef>
+        </p:style>
+        <p:txBody>
+          <a:bodyPr rtlCol="0" anchor="ctr"/>
+          <a:lstStyle/>
+          <a:p>
+            <a:pPr algn="ctr"/>
+            <a:endParaRPr lang="de-DE"/>
           </a:p>
         </p:txBody>
       </p:sp>
     </p:spTree>
     <p:extLst>
       <p:ext uri="{BB962C8B-B14F-4D97-AF65-F5344CB8AC3E}">
-        <p14:creationId xmlns:p14="http://schemas.microsoft.com/office/powerpoint/2010/main" val="1414374061"/>
+        <p14:creationId xmlns:p14="http://schemas.microsoft.com/office/powerpoint/2010/main" val="281458669"/>
       </p:ext>
     </p:extLst>
   </p:cSld>
@@ -11958,7 +14115,7 @@
         <p:spPr/>
         <p:txBody>
           <a:bodyPr>
-            <a:normAutofit lnSpcReduction="10000"/>
+            <a:normAutofit/>
           </a:bodyPr>
           <a:lstStyle/>
           <a:p>
@@ -12033,33 +14190,32 @@
             <a:pPr lvl="2"/>
             <a:r>
               <a:rPr lang="de-DE" baseline="0" dirty="0" smtClean="0"/>
-              <a:t>System greift nicht in Nutzercode ein.</a:t>
+              <a:t>System des</a:t>
+            </a:r>
+            <a:r>
+              <a:rPr lang="de-DE" dirty="0" smtClean="0"/>
+              <a:t> Frameworks</a:t>
+            </a:r>
+            <a:r>
+              <a:rPr lang="de-DE" baseline="0" dirty="0" smtClean="0"/>
+              <a:t> </a:t>
+            </a:r>
+            <a:r>
+              <a:rPr lang="de-DE" baseline="0" dirty="0" smtClean="0"/>
+              <a:t>greift nicht in Nutzercode ein.</a:t>
             </a:r>
           </a:p>
           <a:p>
             <a:pPr lvl="2"/>
             <a:r>
               <a:rPr lang="de-DE" baseline="0" dirty="0" smtClean="0"/>
-              <a:t>Informationen zur Projektverwaltung stecken im automatisch generierten Teil. (bzw. Verweise auf XML Datencontainer)</a:t>
-            </a:r>
-          </a:p>
-          <a:p>
-            <a:pPr lvl="1"/>
-            <a:r>
-              <a:rPr lang="de-DE" dirty="0" smtClean="0"/>
-              <a:t>Das bedingt:</a:t>
-            </a:r>
-          </a:p>
-          <a:p>
-            <a:pPr lvl="2"/>
-            <a:r>
-              <a:rPr lang="de-DE" dirty="0" smtClean="0"/>
-              <a:t>Kontrollmechanismen</a:t>
+              <a:t>Informationen zur Projektverwaltung stecken im automatisch generierten Teil. (bzw. Verweise auf XML Datencontainer</a:t>
             </a:r>
             <a:r>
               <a:rPr lang="de-DE" baseline="0" dirty="0" smtClean="0"/>
-              <a:t> im Framework ob z.B. Dateien schon vorhanden sind.</a:t>
-            </a:r>
+              <a:t>)</a:t>
+            </a:r>
+            <a:endParaRPr lang="de-DE" baseline="0" dirty="0" smtClean="0"/>
           </a:p>
         </p:txBody>
       </p:sp>
@@ -12201,7 +14357,11 @@
             <a:pPr lvl="1"/>
             <a:r>
               <a:rPr lang="de-DE" baseline="0" dirty="0" smtClean="0"/>
-              <a:t>Wird benötigt wenn ein Projekt im Editor geöffnet wird um Relationen wieder herzustellen.</a:t>
+              <a:t>Wird benötigt wenn ein Projekt im Editor geöffnet wird um Relationen wieder herzustellen</a:t>
+            </a:r>
+            <a:r>
+              <a:rPr lang="de-DE" baseline="0" dirty="0" smtClean="0"/>
+              <a:t>.</a:t>
             </a:r>
           </a:p>
         </p:txBody>
@@ -12514,10 +14674,13 @@
           <a:bodyPr/>
           <a:lstStyle/>
           <a:p>
-            <a:pPr lvl="0"/>
-            <a:r>
-              <a:rPr lang="de-DE" dirty="0" smtClean="0"/>
-              <a:t>Erläuterung der Fragestellung</a:t>
+            <a:r>
+              <a:rPr lang="de-DE" dirty="0" smtClean="0"/>
+              <a:t>Ziele der</a:t>
+            </a:r>
+            <a:r>
+              <a:rPr lang="de-DE" baseline="0" dirty="0" smtClean="0"/>
+              <a:t> Arbeit</a:t>
             </a:r>
             <a:endParaRPr lang="de-DE" dirty="0"/>
           </a:p>
@@ -12540,148 +14703,128 @@
           <a:p>
             <a:r>
               <a:rPr lang="de-DE" dirty="0" smtClean="0"/>
-              <a:t>Wie funktioniert der Tool Entwicklungs-</a:t>
+              <a:t>Was war das Ziel?</a:t>
+            </a:r>
+          </a:p>
+          <a:p>
+            <a:pPr lvl="1"/>
+            <a:r>
+              <a:rPr lang="de-DE" dirty="0" smtClean="0"/>
+              <a:t>Das Untersuchen </a:t>
+            </a:r>
+            <a:r>
+              <a:rPr lang="de-DE" dirty="0" smtClean="0"/>
+              <a:t>des Entwicklungsprozesses und bereits erhältlicher </a:t>
+            </a:r>
+            <a:r>
+              <a:rPr lang="de-DE" dirty="0" smtClean="0"/>
+              <a:t>Tools.</a:t>
+            </a:r>
+            <a:endParaRPr lang="de-DE" dirty="0" smtClean="0"/>
+          </a:p>
+          <a:p>
+            <a:pPr lvl="1"/>
+            <a:r>
+              <a:rPr lang="de-DE" dirty="0" smtClean="0"/>
+              <a:t>Ist getrennte </a:t>
+            </a:r>
+            <a:r>
+              <a:rPr lang="de-DE" dirty="0"/>
+              <a:t>Software für Programmierer und Designer </a:t>
+            </a:r>
+            <a:r>
+              <a:rPr lang="de-DE" dirty="0" smtClean="0"/>
+              <a:t>für </a:t>
+            </a:r>
+            <a:r>
+              <a:rPr lang="de-DE" dirty="0" err="1" smtClean="0"/>
+              <a:t>Fusee</a:t>
+            </a:r>
+            <a:r>
+              <a:rPr lang="de-DE" dirty="0" smtClean="0"/>
+              <a:t> umsetzbar?</a:t>
+            </a:r>
+            <a:endParaRPr lang="de-DE" dirty="0" smtClean="0"/>
+          </a:p>
+          <a:p>
+            <a:pPr lvl="1"/>
+            <a:r>
+              <a:rPr lang="de-DE" dirty="0" smtClean="0"/>
+              <a:t>Daraus </a:t>
+            </a:r>
+            <a:r>
+              <a:rPr lang="de-DE" dirty="0" smtClean="0"/>
+              <a:t>folgend</a:t>
             </a:r>
             <a:r>
               <a:rPr lang="de-DE" baseline="0" dirty="0" smtClean="0"/>
-              <a:t> und Konzeptionsprozess?</a:t>
-            </a:r>
-          </a:p>
-          <a:p>
-            <a:r>
-              <a:rPr lang="de-DE" baseline="0" dirty="0" smtClean="0"/>
-              <a:t>Tools konzeptionell und </a:t>
-            </a:r>
-            <a:r>
-              <a:rPr lang="de-DE" sz="2000" b="0" i="0" kern="1200" baseline="0" dirty="0" smtClean="0">
-                <a:solidFill>
-                  <a:schemeClr val="tx1"/>
-                </a:solidFill>
-                <a:effectLst/>
-                <a:latin typeface="+mj-lt"/>
-                <a:ea typeface="+mj-ea"/>
-                <a:cs typeface="+mj-cs"/>
-              </a:rPr>
-              <a:t>technisch </a:t>
-            </a:r>
-            <a:r>
-              <a:rPr lang="de-DE" baseline="0" dirty="0" smtClean="0"/>
-              <a:t>nach Entwicklergruppen trennen?</a:t>
-            </a:r>
-          </a:p>
-          <a:p>
-            <a:r>
-              <a:rPr lang="de-DE" baseline="0" dirty="0" smtClean="0"/>
-              <a:t>Bestehende Software um </a:t>
-            </a:r>
-            <a:r>
-              <a:rPr lang="de-DE" baseline="0" dirty="0" err="1" smtClean="0"/>
+              <a:t> </a:t>
+            </a:r>
+            <a:r>
+              <a:rPr lang="de-DE" baseline="0" dirty="0" smtClean="0">
+                <a:sym typeface="Wingdings" panose="05000000000000000000" pitchFamily="2" charset="2"/>
+              </a:rPr>
+              <a:t> </a:t>
+            </a:r>
+            <a:r>
+              <a:rPr lang="de-DE" dirty="0" smtClean="0"/>
+              <a:t>Konzeption eines </a:t>
+            </a:r>
+            <a:r>
+              <a:rPr lang="de-DE" dirty="0" smtClean="0"/>
+              <a:t>Editor </a:t>
+            </a:r>
+            <a:r>
+              <a:rPr lang="de-DE" dirty="0" err="1" smtClean="0"/>
               <a:t>Authoring</a:t>
             </a:r>
             <a:r>
-              <a:rPr lang="de-DE" baseline="0" dirty="0" smtClean="0"/>
-              <a:t>-Funktionalität erweitern?</a:t>
-            </a:r>
-          </a:p>
-          <a:p>
-            <a:r>
-              <a:rPr lang="de-DE" baseline="0" dirty="0" smtClean="0"/>
-              <a:t>Wiederverwendung bereits bestehender Software?</a:t>
-            </a:r>
-          </a:p>
-          <a:p>
-            <a:pPr marL="342900" marR="0" indent="-342900" algn="l" defTabSz="457200" rtl="0" eaLnBrk="1" fontAlgn="auto" latinLnBrk="0" hangingPunct="1">
-              <a:lnSpc>
-                <a:spcPct val="100000"/>
-              </a:lnSpc>
-              <a:spcBef>
-                <a:spcPts val="1000"/>
-              </a:spcBef>
-              <a:spcAft>
-                <a:spcPts val="0"/>
-              </a:spcAft>
-              <a:buClr>
-                <a:schemeClr val="bg2">
-                  <a:lumMod val="40000"/>
-                  <a:lumOff val="60000"/>
-                </a:schemeClr>
-              </a:buClr>
-              <a:buSzPct val="80000"/>
-              <a:buFont typeface="Wingdings 3" charset="2"/>
-              <a:buChar char=""/>
-              <a:tabLst/>
-              <a:defRPr/>
-            </a:pPr>
-            <a:r>
-              <a:rPr lang="de-DE" sz="2000" b="0" i="0" kern="1200" baseline="0" dirty="0" smtClean="0">
-                <a:solidFill>
-                  <a:schemeClr val="tx1"/>
-                </a:solidFill>
-                <a:effectLst/>
-                <a:latin typeface="+mj-lt"/>
-                <a:ea typeface="+mj-ea"/>
-                <a:cs typeface="+mj-cs"/>
-              </a:rPr>
-              <a:t>Ein </a:t>
-            </a:r>
-            <a:r>
-              <a:rPr lang="de-DE" sz="2000" b="0" i="0" kern="1200" baseline="0" dirty="0" err="1" smtClean="0">
-                <a:solidFill>
-                  <a:schemeClr val="tx1"/>
-                </a:solidFill>
-                <a:effectLst/>
-                <a:latin typeface="+mj-lt"/>
-                <a:ea typeface="+mj-ea"/>
-                <a:cs typeface="+mj-cs"/>
-              </a:rPr>
-              <a:t>Authoring</a:t>
-            </a:r>
-            <a:r>
-              <a:rPr lang="de-DE" sz="2000" b="0" i="0" kern="1200" baseline="0" dirty="0" smtClean="0">
-                <a:solidFill>
-                  <a:schemeClr val="tx1"/>
-                </a:solidFill>
-                <a:effectLst/>
-                <a:latin typeface="+mj-lt"/>
-                <a:ea typeface="+mj-ea"/>
-                <a:cs typeface="+mj-cs"/>
-              </a:rPr>
-              <a:t> Tool für die </a:t>
-            </a:r>
-            <a:r>
-              <a:rPr lang="de-DE" sz="2000" b="0" i="0" kern="1200" baseline="0" dirty="0" err="1" smtClean="0">
-                <a:solidFill>
-                  <a:schemeClr val="tx1"/>
-                </a:solidFill>
-                <a:effectLst/>
-                <a:latin typeface="+mj-lt"/>
-                <a:ea typeface="+mj-ea"/>
-                <a:cs typeface="+mj-cs"/>
-              </a:rPr>
+              <a:rPr lang="de-DE" dirty="0" smtClean="0"/>
+              <a:t> </a:t>
+            </a:r>
+            <a:r>
+              <a:rPr lang="de-DE" dirty="0" smtClean="0"/>
+              <a:t>Tools </a:t>
+            </a:r>
+            <a:r>
+              <a:rPr lang="de-DE" dirty="0" smtClean="0"/>
+              <a:t>und Umsetzung eines Prototyps soweit </a:t>
+            </a:r>
+            <a:r>
+              <a:rPr lang="de-DE" dirty="0" smtClean="0"/>
+              <a:t>es möglich ist.</a:t>
+            </a:r>
+          </a:p>
+          <a:p>
+            <a:pPr lvl="1"/>
+            <a:r>
+              <a:rPr lang="de-DE" dirty="0" smtClean="0"/>
+              <a:t>Verwendet </a:t>
+            </a:r>
+            <a:r>
+              <a:rPr lang="de-DE" dirty="0" smtClean="0"/>
+              <a:t>werden sollten die </a:t>
+            </a:r>
+            <a:r>
+              <a:rPr lang="de-DE" dirty="0" err="1" smtClean="0"/>
               <a:t>Fusee</a:t>
             </a:r>
             <a:r>
-              <a:rPr lang="de-DE" sz="2000" b="0" i="0" kern="1200" baseline="0" dirty="0" smtClean="0">
-                <a:solidFill>
-                  <a:schemeClr val="tx1"/>
-                </a:solidFill>
-                <a:effectLst/>
-                <a:latin typeface="+mj-lt"/>
-                <a:ea typeface="+mj-ea"/>
-                <a:cs typeface="+mj-cs"/>
-              </a:rPr>
-              <a:t> Engine in Verbindung mit Cinema 4D?</a:t>
-            </a:r>
-            <a:endParaRPr lang="de-DE" sz="2000" dirty="0" smtClean="0">
-              <a:effectLst/>
-            </a:endParaRPr>
+              <a:rPr lang="de-DE" dirty="0" smtClean="0"/>
+              <a:t> Engine und Cinema </a:t>
+            </a:r>
+            <a:r>
+              <a:rPr lang="de-DE" dirty="0" smtClean="0"/>
+              <a:t>4D.</a:t>
+            </a:r>
+            <a:endParaRPr lang="de-DE" dirty="0" smtClean="0"/>
           </a:p>
         </p:txBody>
       </p:sp>
     </p:spTree>
     <p:extLst>
       <p:ext uri="{BB962C8B-B14F-4D97-AF65-F5344CB8AC3E}">
-        <p14:creationId xmlns:p14="http://schemas.microsoft.com/office/powerpoint/2010/main" val="2093564235"/>
+        <p14:creationId xmlns:p14="http://schemas.microsoft.com/office/powerpoint/2010/main" val="1586592039"/>
       </p:ext>
     </p:extLst>
   </p:cSld>
@@ -12915,7 +15058,9 @@
         </p:nvSpPr>
         <p:spPr/>
         <p:txBody>
-          <a:bodyPr/>
+          <a:bodyPr>
+            <a:normAutofit fontScale="92500" lnSpcReduction="20000"/>
+          </a:bodyPr>
           <a:lstStyle/>
           <a:p>
             <a:r>
@@ -12936,8 +15081,27 @@
             </a:r>
             <a:r>
               <a:rPr lang="de-DE" dirty="0" smtClean="0"/>
-              <a:t> Projekt.</a:t>
-            </a:r>
+              <a:t> Projekt</a:t>
+            </a:r>
+            <a:r>
+              <a:rPr lang="de-DE" dirty="0" smtClean="0"/>
+              <a:t>.</a:t>
+            </a:r>
+          </a:p>
+          <a:p>
+            <a:pPr lvl="1"/>
+            <a:r>
+              <a:rPr lang="de-DE" dirty="0" smtClean="0"/>
+              <a:t>Natürlich müssen beide Parteien über das Projekt verfügen.</a:t>
+            </a:r>
+          </a:p>
+          <a:p>
+            <a:pPr lvl="1"/>
+            <a:r>
+              <a:rPr lang="de-DE" dirty="0" smtClean="0"/>
+              <a:t>Das Projekt muss vom Editor „geöffnet“ und „im Speicher“ gehalten werden.</a:t>
+            </a:r>
+            <a:endParaRPr lang="de-DE" dirty="0" smtClean="0"/>
           </a:p>
           <a:p>
             <a:pPr lvl="1"/>
@@ -13006,7 +15170,27 @@
             </a:r>
             <a:r>
               <a:rPr lang="de-DE" dirty="0" smtClean="0"/>
-              <a:t>, etc.)</a:t>
+              <a:t>, </a:t>
+            </a:r>
+            <a:r>
+              <a:rPr lang="de-DE" dirty="0" smtClean="0"/>
+              <a:t>.</a:t>
+            </a:r>
+            <a:r>
+              <a:rPr lang="de-DE" dirty="0" err="1" smtClean="0"/>
+              <a:t>fus</a:t>
+            </a:r>
+            <a:r>
+              <a:rPr lang="de-DE" dirty="0" smtClean="0"/>
+              <a:t>, </a:t>
+            </a:r>
+            <a:r>
+              <a:rPr lang="de-DE" dirty="0" smtClean="0"/>
+              <a:t>etc</a:t>
+            </a:r>
+            <a:r>
+              <a:rPr lang="de-DE" dirty="0" smtClean="0"/>
+              <a:t>.)</a:t>
             </a:r>
           </a:p>
           <a:p>
@@ -13034,7 +15218,15 @@
             <a:pPr lvl="1"/>
             <a:r>
               <a:rPr lang="de-DE" dirty="0" smtClean="0"/>
-              <a:t>Tool kann die Pfade der Objekte Abfragen und hat Zugriff auf das Dateisystem (Cinema 4D API ermöglicht das).</a:t>
+              <a:t>Tool kann die Pfade der Objekte </a:t>
+            </a:r>
+            <a:r>
+              <a:rPr lang="de-DE" dirty="0" smtClean="0"/>
+              <a:t>abfragen </a:t>
+            </a:r>
+            <a:r>
+              <a:rPr lang="de-DE" dirty="0" smtClean="0"/>
+              <a:t>und hat Zugriff auf das Dateisystem (Cinema 4D API ermöglicht das).</a:t>
             </a:r>
           </a:p>
           <a:p>
@@ -13286,14 +15478,23 @@
           <a:p>
             <a:r>
               <a:rPr lang="de-DE" dirty="0" smtClean="0"/>
-              <a:t>Voraussetzung für die Funktionalität der folgenden Lösung</a:t>
-            </a:r>
+              <a:t>Voraussetzung für die </a:t>
+            </a:r>
+            <a:r>
+              <a:rPr lang="de-DE" dirty="0" smtClean="0"/>
+              <a:t>Funktionalität ist</a:t>
+            </a:r>
+            <a:endParaRPr lang="de-DE" dirty="0" smtClean="0"/>
           </a:p>
           <a:p>
             <a:pPr lvl="1"/>
             <a:r>
               <a:rPr lang="de-DE" dirty="0" smtClean="0"/>
-              <a:t>Ist ein funktionierendes Versionskontrollsystem und eine geordnete Projektstruktur</a:t>
+              <a:t>ein </a:t>
+            </a:r>
+            <a:r>
+              <a:rPr lang="de-DE" dirty="0" smtClean="0"/>
+              <a:t>funktionierendes Versionskontrollsystem und eine geordnete Projektstruktur</a:t>
             </a:r>
           </a:p>
           <a:p>
@@ -13653,7 +15854,34 @@
             <a:pPr lvl="1"/>
             <a:r>
               <a:rPr lang="de-DE" dirty="0" smtClean="0"/>
-              <a:t>Updaten gleichzeitig indirekt den generierten Code beim nächsten verwenden des Editors.</a:t>
+              <a:t>Updaten gleichzeitig indirekt den generierten Code beim nächsten verwenden des Editors</a:t>
+            </a:r>
+            <a:r>
+              <a:rPr lang="de-DE" dirty="0" smtClean="0"/>
+              <a:t>.</a:t>
+            </a:r>
+          </a:p>
+          <a:p>
+            <a:pPr lvl="1"/>
+            <a:r>
+              <a:rPr lang="de-DE" dirty="0" smtClean="0"/>
+              <a:t>Eventuell auch ein Prozess des </a:t>
+            </a:r>
+            <a:r>
+              <a:rPr lang="de-DE" dirty="0" err="1" smtClean="0"/>
+              <a:t>FuseeAT</a:t>
+            </a:r>
+            <a:r>
+              <a:rPr lang="de-DE" dirty="0" smtClean="0"/>
+              <a:t> möglich welcher sich auch in VS um die </a:t>
+            </a:r>
+            <a:r>
+              <a:rPr lang="de-DE" dirty="0" err="1" smtClean="0"/>
+              <a:t>aktualisierung</a:t>
+            </a:r>
+            <a:r>
+              <a:rPr lang="de-DE" dirty="0" smtClean="0"/>
+              <a:t> kümmert.</a:t>
             </a:r>
             <a:endParaRPr lang="de-DE" dirty="0"/>
           </a:p>
@@ -13833,6 +16061,496 @@
           </a:p>
         </p:txBody>
       </p:sp>
+      <p:pic>
+        <p:nvPicPr>
+          <p:cNvPr id="4" name="Grafik 3"/>
+          <p:cNvPicPr>
+            <a:picLocks noChangeAspect="1"/>
+          </p:cNvPicPr>
+          <p:nvPr/>
+        </p:nvPicPr>
+        <p:blipFill>
+          <a:blip r:embed="rId3">
+            <a:extLst>
+              <a:ext uri="{28A0092B-C50C-407E-A947-70E740481C1C}">
+                <a14:useLocalDpi xmlns:a14="http://schemas.microsoft.com/office/drawing/2010/main" val="0"/>
+              </a:ext>
+            </a:extLst>
+          </a:blip>
+          <a:stretch>
+            <a:fillRect/>
+          </a:stretch>
+        </p:blipFill>
+        <p:spPr>
+          <a:xfrm rot="2521857">
+            <a:off x="9692243" y="3473584"/>
+            <a:ext cx="715218" cy="1354147"/>
+          </a:xfrm>
+          <a:prstGeom prst="rect">
+            <a:avLst/>
+          </a:prstGeom>
+        </p:spPr>
+      </p:pic>
+      <p:sp>
+        <p:nvSpPr>
+          <p:cNvPr id="5" name="Minus 4"/>
+          <p:cNvSpPr/>
+          <p:nvPr/>
+        </p:nvSpPr>
+        <p:spPr>
+          <a:xfrm rot="18704281">
+            <a:off x="9299307" y="4628953"/>
+            <a:ext cx="323484" cy="389235"/>
+          </a:xfrm>
+          <a:prstGeom prst="mathMinus">
+            <a:avLst/>
+          </a:prstGeom>
+          <a:solidFill>
+            <a:schemeClr val="tx1"/>
+          </a:solidFill>
+          <a:ln>
+            <a:noFill/>
+          </a:ln>
+        </p:spPr>
+        <p:style>
+          <a:lnRef idx="2">
+            <a:schemeClr val="accent1">
+              <a:shade val="50000"/>
+            </a:schemeClr>
+          </a:lnRef>
+          <a:fillRef idx="1">
+            <a:schemeClr val="accent1"/>
+          </a:fillRef>
+          <a:effectRef idx="0">
+            <a:schemeClr val="accent1"/>
+          </a:effectRef>
+          <a:fontRef idx="minor">
+            <a:schemeClr val="lt1"/>
+          </a:fontRef>
+        </p:style>
+        <p:txBody>
+          <a:bodyPr rtlCol="0" anchor="ctr"/>
+          <a:lstStyle/>
+          <a:p>
+            <a:pPr algn="ctr"/>
+            <a:endParaRPr lang="de-DE"/>
+          </a:p>
+        </p:txBody>
+      </p:sp>
+      <p:sp>
+        <p:nvSpPr>
+          <p:cNvPr id="6" name="Minus 5"/>
+          <p:cNvSpPr/>
+          <p:nvPr/>
+        </p:nvSpPr>
+        <p:spPr>
+          <a:xfrm rot="19725164">
+            <a:off x="9044787" y="4861408"/>
+            <a:ext cx="323484" cy="353850"/>
+          </a:xfrm>
+          <a:prstGeom prst="mathMinus">
+            <a:avLst/>
+          </a:prstGeom>
+          <a:solidFill>
+            <a:schemeClr val="tx1"/>
+          </a:solidFill>
+          <a:ln>
+            <a:noFill/>
+          </a:ln>
+        </p:spPr>
+        <p:style>
+          <a:lnRef idx="2">
+            <a:schemeClr val="accent1">
+              <a:shade val="50000"/>
+            </a:schemeClr>
+          </a:lnRef>
+          <a:fillRef idx="1">
+            <a:schemeClr val="accent1"/>
+          </a:fillRef>
+          <a:effectRef idx="0">
+            <a:schemeClr val="accent1"/>
+          </a:effectRef>
+          <a:fontRef idx="minor">
+            <a:schemeClr val="lt1"/>
+          </a:fontRef>
+        </p:style>
+        <p:txBody>
+          <a:bodyPr rtlCol="0" anchor="ctr"/>
+          <a:lstStyle/>
+          <a:p>
+            <a:pPr algn="ctr"/>
+            <a:endParaRPr lang="de-DE"/>
+          </a:p>
+        </p:txBody>
+      </p:sp>
+      <p:sp>
+        <p:nvSpPr>
+          <p:cNvPr id="7" name="Minus 6"/>
+          <p:cNvSpPr/>
+          <p:nvPr/>
+        </p:nvSpPr>
+        <p:spPr>
+          <a:xfrm>
+            <a:off x="8721555" y="4943641"/>
+            <a:ext cx="323484" cy="389235"/>
+          </a:xfrm>
+          <a:prstGeom prst="mathMinus">
+            <a:avLst/>
+          </a:prstGeom>
+          <a:solidFill>
+            <a:schemeClr val="tx1"/>
+          </a:solidFill>
+          <a:ln>
+            <a:noFill/>
+          </a:ln>
+        </p:spPr>
+        <p:style>
+          <a:lnRef idx="2">
+            <a:schemeClr val="accent1">
+              <a:shade val="50000"/>
+            </a:schemeClr>
+          </a:lnRef>
+          <a:fillRef idx="1">
+            <a:schemeClr val="accent1"/>
+          </a:fillRef>
+          <a:effectRef idx="0">
+            <a:schemeClr val="accent1"/>
+          </a:effectRef>
+          <a:fontRef idx="minor">
+            <a:schemeClr val="lt1"/>
+          </a:fontRef>
+        </p:style>
+        <p:txBody>
+          <a:bodyPr rtlCol="0" anchor="ctr"/>
+          <a:lstStyle/>
+          <a:p>
+            <a:pPr algn="ctr"/>
+            <a:endParaRPr lang="de-DE"/>
+          </a:p>
+        </p:txBody>
+      </p:sp>
+      <p:sp>
+        <p:nvSpPr>
+          <p:cNvPr id="8" name="Minus 7"/>
+          <p:cNvSpPr/>
+          <p:nvPr/>
+        </p:nvSpPr>
+        <p:spPr>
+          <a:xfrm rot="20732051">
+            <a:off x="8396702" y="4977875"/>
+            <a:ext cx="323484" cy="389235"/>
+          </a:xfrm>
+          <a:prstGeom prst="mathMinus">
+            <a:avLst/>
+          </a:prstGeom>
+          <a:solidFill>
+            <a:schemeClr val="tx1"/>
+          </a:solidFill>
+          <a:ln>
+            <a:noFill/>
+          </a:ln>
+        </p:spPr>
+        <p:style>
+          <a:lnRef idx="2">
+            <a:schemeClr val="accent1">
+              <a:shade val="50000"/>
+            </a:schemeClr>
+          </a:lnRef>
+          <a:fillRef idx="1">
+            <a:schemeClr val="accent1"/>
+          </a:fillRef>
+          <a:effectRef idx="0">
+            <a:schemeClr val="accent1"/>
+          </a:effectRef>
+          <a:fontRef idx="minor">
+            <a:schemeClr val="lt1"/>
+          </a:fontRef>
+        </p:style>
+        <p:txBody>
+          <a:bodyPr rtlCol="0" anchor="ctr"/>
+          <a:lstStyle/>
+          <a:p>
+            <a:pPr algn="ctr"/>
+            <a:endParaRPr lang="de-DE"/>
+          </a:p>
+        </p:txBody>
+      </p:sp>
+      <p:sp>
+        <p:nvSpPr>
+          <p:cNvPr id="9" name="Minus 8"/>
+          <p:cNvSpPr/>
+          <p:nvPr/>
+        </p:nvSpPr>
+        <p:spPr>
+          <a:xfrm rot="18704281">
+            <a:off x="8122743" y="5156143"/>
+            <a:ext cx="323484" cy="389235"/>
+          </a:xfrm>
+          <a:prstGeom prst="mathMinus">
+            <a:avLst/>
+          </a:prstGeom>
+          <a:solidFill>
+            <a:schemeClr val="tx1"/>
+          </a:solidFill>
+          <a:ln>
+            <a:noFill/>
+          </a:ln>
+        </p:spPr>
+        <p:style>
+          <a:lnRef idx="2">
+            <a:schemeClr val="accent1">
+              <a:shade val="50000"/>
+            </a:schemeClr>
+          </a:lnRef>
+          <a:fillRef idx="1">
+            <a:schemeClr val="accent1"/>
+          </a:fillRef>
+          <a:effectRef idx="0">
+            <a:schemeClr val="accent1"/>
+          </a:effectRef>
+          <a:fontRef idx="minor">
+            <a:schemeClr val="lt1"/>
+          </a:fontRef>
+        </p:style>
+        <p:txBody>
+          <a:bodyPr rtlCol="0" anchor="ctr"/>
+          <a:lstStyle/>
+          <a:p>
+            <a:pPr algn="ctr"/>
+            <a:endParaRPr lang="de-DE"/>
+          </a:p>
+        </p:txBody>
+      </p:sp>
+      <p:sp>
+        <p:nvSpPr>
+          <p:cNvPr id="10" name="Minus 9"/>
+          <p:cNvSpPr/>
+          <p:nvPr/>
+        </p:nvSpPr>
+        <p:spPr>
+          <a:xfrm rot="17015267">
+            <a:off x="7985057" y="5427316"/>
+            <a:ext cx="323484" cy="389235"/>
+          </a:xfrm>
+          <a:prstGeom prst="mathMinus">
+            <a:avLst/>
+          </a:prstGeom>
+          <a:solidFill>
+            <a:schemeClr val="tx1"/>
+          </a:solidFill>
+          <a:ln>
+            <a:noFill/>
+          </a:ln>
+        </p:spPr>
+        <p:style>
+          <a:lnRef idx="2">
+            <a:schemeClr val="accent1">
+              <a:shade val="50000"/>
+            </a:schemeClr>
+          </a:lnRef>
+          <a:fillRef idx="1">
+            <a:schemeClr val="accent1"/>
+          </a:fillRef>
+          <a:effectRef idx="0">
+            <a:schemeClr val="accent1"/>
+          </a:effectRef>
+          <a:fontRef idx="minor">
+            <a:schemeClr val="lt1"/>
+          </a:fontRef>
+        </p:style>
+        <p:txBody>
+          <a:bodyPr rtlCol="0" anchor="ctr"/>
+          <a:lstStyle/>
+          <a:p>
+            <a:pPr algn="ctr"/>
+            <a:endParaRPr lang="de-DE"/>
+          </a:p>
+        </p:txBody>
+      </p:sp>
+      <p:sp>
+        <p:nvSpPr>
+          <p:cNvPr id="11" name="Minus 10"/>
+          <p:cNvSpPr/>
+          <p:nvPr/>
+        </p:nvSpPr>
+        <p:spPr>
+          <a:xfrm rot="16200000">
+            <a:off x="7961881" y="5767278"/>
+            <a:ext cx="323484" cy="389235"/>
+          </a:xfrm>
+          <a:prstGeom prst="mathMinus">
+            <a:avLst/>
+          </a:prstGeom>
+          <a:solidFill>
+            <a:schemeClr val="tx1"/>
+          </a:solidFill>
+          <a:ln>
+            <a:noFill/>
+          </a:ln>
+        </p:spPr>
+        <p:style>
+          <a:lnRef idx="2">
+            <a:schemeClr val="accent1">
+              <a:shade val="50000"/>
+            </a:schemeClr>
+          </a:lnRef>
+          <a:fillRef idx="1">
+            <a:schemeClr val="accent1"/>
+          </a:fillRef>
+          <a:effectRef idx="0">
+            <a:schemeClr val="accent1"/>
+          </a:effectRef>
+          <a:fontRef idx="minor">
+            <a:schemeClr val="lt1"/>
+          </a:fontRef>
+        </p:style>
+        <p:txBody>
+          <a:bodyPr rtlCol="0" anchor="ctr"/>
+          <a:lstStyle/>
+          <a:p>
+            <a:pPr algn="ctr"/>
+            <a:endParaRPr lang="de-DE"/>
+          </a:p>
+        </p:txBody>
+      </p:sp>
+      <p:sp>
+        <p:nvSpPr>
+          <p:cNvPr id="12" name="Minus 11"/>
+          <p:cNvSpPr/>
+          <p:nvPr/>
+        </p:nvSpPr>
+        <p:spPr>
+          <a:xfrm rot="17064188">
+            <a:off x="7927766" y="6083483"/>
+            <a:ext cx="323484" cy="389235"/>
+          </a:xfrm>
+          <a:prstGeom prst="mathMinus">
+            <a:avLst/>
+          </a:prstGeom>
+          <a:solidFill>
+            <a:schemeClr val="tx1"/>
+          </a:solidFill>
+          <a:ln>
+            <a:noFill/>
+          </a:ln>
+        </p:spPr>
+        <p:style>
+          <a:lnRef idx="2">
+            <a:schemeClr val="accent1">
+              <a:shade val="50000"/>
+            </a:schemeClr>
+          </a:lnRef>
+          <a:fillRef idx="1">
+            <a:schemeClr val="accent1"/>
+          </a:fillRef>
+          <a:effectRef idx="0">
+            <a:schemeClr val="accent1"/>
+          </a:effectRef>
+          <a:fontRef idx="minor">
+            <a:schemeClr val="lt1"/>
+          </a:fontRef>
+        </p:style>
+        <p:txBody>
+          <a:bodyPr rtlCol="0" anchor="ctr"/>
+          <a:lstStyle/>
+          <a:p>
+            <a:pPr algn="ctr"/>
+            <a:endParaRPr lang="de-DE"/>
+          </a:p>
+        </p:txBody>
+      </p:sp>
+      <p:sp>
+        <p:nvSpPr>
+          <p:cNvPr id="13" name="Minus 12"/>
+          <p:cNvSpPr/>
+          <p:nvPr/>
+        </p:nvSpPr>
+        <p:spPr>
+          <a:xfrm rot="17678380">
+            <a:off x="7832343" y="6362146"/>
+            <a:ext cx="323484" cy="389235"/>
+          </a:xfrm>
+          <a:prstGeom prst="mathMinus">
+            <a:avLst/>
+          </a:prstGeom>
+          <a:solidFill>
+            <a:schemeClr val="tx1"/>
+          </a:solidFill>
+          <a:ln>
+            <a:noFill/>
+          </a:ln>
+        </p:spPr>
+        <p:style>
+          <a:lnRef idx="2">
+            <a:schemeClr val="accent1">
+              <a:shade val="50000"/>
+            </a:schemeClr>
+          </a:lnRef>
+          <a:fillRef idx="1">
+            <a:schemeClr val="accent1"/>
+          </a:fillRef>
+          <a:effectRef idx="0">
+            <a:schemeClr val="accent1"/>
+          </a:effectRef>
+          <a:fontRef idx="minor">
+            <a:schemeClr val="lt1"/>
+          </a:fontRef>
+        </p:style>
+        <p:txBody>
+          <a:bodyPr rtlCol="0" anchor="ctr"/>
+          <a:lstStyle/>
+          <a:p>
+            <a:pPr algn="ctr"/>
+            <a:endParaRPr lang="de-DE"/>
+          </a:p>
+        </p:txBody>
+      </p:sp>
+      <p:sp>
+        <p:nvSpPr>
+          <p:cNvPr id="14" name="Minus 13"/>
+          <p:cNvSpPr/>
+          <p:nvPr/>
+        </p:nvSpPr>
+        <p:spPr>
+          <a:xfrm rot="18704281">
+            <a:off x="7674867" y="6612399"/>
+            <a:ext cx="323484" cy="389235"/>
+          </a:xfrm>
+          <a:prstGeom prst="mathMinus">
+            <a:avLst/>
+          </a:prstGeom>
+          <a:solidFill>
+            <a:schemeClr val="tx1"/>
+          </a:solidFill>
+          <a:ln>
+            <a:noFill/>
+          </a:ln>
+        </p:spPr>
+        <p:style>
+          <a:lnRef idx="2">
+            <a:schemeClr val="accent1">
+              <a:shade val="50000"/>
+            </a:schemeClr>
+          </a:lnRef>
+          <a:fillRef idx="1">
+            <a:schemeClr val="accent1"/>
+          </a:fillRef>
+          <a:effectRef idx="0">
+            <a:schemeClr val="accent1"/>
+          </a:effectRef>
+          <a:fontRef idx="minor">
+            <a:schemeClr val="lt1"/>
+          </a:fontRef>
+        </p:style>
+        <p:txBody>
+          <a:bodyPr rtlCol="0" anchor="ctr"/>
+          <a:lstStyle/>
+          <a:p>
+            <a:pPr algn="ctr"/>
+            <a:endParaRPr lang="de-DE"/>
+          </a:p>
+        </p:txBody>
+      </p:sp>
     </p:spTree>
     <p:extLst>
       <p:ext uri="{BB962C8B-B14F-4D97-AF65-F5344CB8AC3E}">
@@ -13887,85 +16605,126 @@
           <a:p>
             <a:r>
               <a:rPr lang="de-DE" dirty="0" smtClean="0"/>
-              <a:t>Ziele der</a:t>
+              <a:t>Herangehensweise</a:t>
+            </a:r>
+            <a:endParaRPr lang="de-DE" dirty="0"/>
+          </a:p>
+        </p:txBody>
+      </p:sp>
+      <p:sp>
+        <p:nvSpPr>
+          <p:cNvPr id="3" name="Inhaltsplatzhalter 2"/>
+          <p:cNvSpPr>
+            <a:spLocks noGrp="1"/>
+          </p:cNvSpPr>
+          <p:nvPr>
+            <p:ph idx="1"/>
+          </p:nvPr>
+        </p:nvSpPr>
+        <p:spPr/>
+        <p:txBody>
+          <a:bodyPr>
+            <a:normAutofit/>
+          </a:bodyPr>
+          <a:lstStyle/>
+          <a:p>
+            <a:r>
+              <a:rPr lang="de-DE" dirty="0" smtClean="0"/>
+              <a:t>Betrachtung von</a:t>
             </a:r>
             <a:r>
               <a:rPr lang="de-DE" baseline="0" dirty="0" smtClean="0"/>
-              <a:t> Arbeit</a:t>
-            </a:r>
-            <a:endParaRPr lang="de-DE" dirty="0"/>
-          </a:p>
-        </p:txBody>
-      </p:sp>
-      <p:sp>
-        <p:nvSpPr>
-          <p:cNvPr id="3" name="Inhaltsplatzhalter 2"/>
-          <p:cNvSpPr>
-            <a:spLocks noGrp="1"/>
-          </p:cNvSpPr>
-          <p:nvPr>
-            <p:ph idx="1"/>
-          </p:nvPr>
-        </p:nvSpPr>
-        <p:spPr/>
-        <p:txBody>
-          <a:bodyPr/>
-          <a:lstStyle/>
-          <a:p>
-            <a:r>
-              <a:rPr lang="de-DE" dirty="0" smtClean="0"/>
-              <a:t>Was war das Ziel?</a:t>
-            </a:r>
-          </a:p>
-          <a:p>
-            <a:pPr lvl="1"/>
-            <a:r>
-              <a:rPr lang="de-DE" dirty="0" smtClean="0"/>
-              <a:t>Untersuchen des Entwicklungsprozesses und bereits erhältlicher Tools.</a:t>
-            </a:r>
-          </a:p>
-          <a:p>
-            <a:pPr lvl="1"/>
-            <a:r>
-              <a:rPr lang="de-DE" dirty="0" smtClean="0"/>
-              <a:t>Daraus folgend</a:t>
+              <a:t> Referenzmodellen im </a:t>
+            </a:r>
+            <a:r>
+              <a:rPr lang="de-DE" baseline="0" dirty="0" smtClean="0"/>
+              <a:t>Entwicklungsprozess</a:t>
+            </a:r>
+            <a:endParaRPr lang="de-DE" baseline="0" dirty="0" smtClean="0"/>
+          </a:p>
+          <a:p>
+            <a:pPr lvl="0"/>
+            <a:r>
+              <a:rPr lang="de-DE" dirty="0" smtClean="0"/>
+              <a:t>Untersuchung</a:t>
             </a:r>
             <a:r>
               <a:rPr lang="de-DE" baseline="0" dirty="0" smtClean="0"/>
               <a:t> </a:t>
             </a:r>
             <a:r>
-              <a:rPr lang="de-DE" baseline="0" dirty="0" smtClean="0">
-                <a:sym typeface="Wingdings" panose="05000000000000000000" pitchFamily="2" charset="2"/>
-              </a:rPr>
-              <a:t> </a:t>
-            </a:r>
-            <a:r>
-              <a:rPr lang="de-DE" dirty="0" smtClean="0"/>
-              <a:t>Konzeption eines neuen Tools und Umsetzung eines Prototyps soweit möglich.</a:t>
+              <a:rPr lang="de-DE" baseline="0" dirty="0" smtClean="0"/>
+              <a:t>beliebter und erfolgreicher Editoren und </a:t>
+            </a:r>
+            <a:r>
+              <a:rPr lang="de-DE" baseline="0" dirty="0" smtClean="0"/>
+              <a:t>Frameworks</a:t>
+            </a:r>
+          </a:p>
+          <a:p>
+            <a:pPr lvl="0"/>
+            <a:r>
+              <a:rPr lang="de-DE" dirty="0" smtClean="0"/>
+              <a:t>Konzeption eines Frameworks</a:t>
             </a:r>
           </a:p>
           <a:p>
             <a:pPr lvl="1"/>
             <a:r>
               <a:rPr lang="de-DE" dirty="0" smtClean="0"/>
-              <a:t>Verwendet werden sollten die </a:t>
-            </a:r>
-            <a:r>
-              <a:rPr lang="de-DE" dirty="0" err="1" smtClean="0"/>
+              <a:t>Konzeption </a:t>
+            </a:r>
+            <a:r>
+              <a:rPr lang="de-DE" dirty="0" smtClean="0"/>
+              <a:t>mit Hilfe von Methoden</a:t>
+            </a:r>
+            <a:r>
+              <a:rPr lang="de-DE" baseline="0" dirty="0" smtClean="0"/>
+              <a:t> des Software Engineering </a:t>
+            </a:r>
+            <a:r>
+              <a:rPr lang="de-DE" baseline="0" dirty="0" smtClean="0"/>
+              <a:t>im Bezug auf die </a:t>
+            </a:r>
+            <a:r>
+              <a:rPr lang="de-DE" baseline="0" dirty="0" err="1" smtClean="0"/>
               <a:t>Fusee</a:t>
             </a:r>
             <a:r>
-              <a:rPr lang="de-DE" dirty="0" smtClean="0"/>
-              <a:t> Engine und Cinema 4D.</a:t>
-            </a:r>
+              <a:rPr lang="de-DE" baseline="0" dirty="0" smtClean="0"/>
+              <a:t> </a:t>
+            </a:r>
+            <a:r>
+              <a:rPr lang="de-DE" baseline="0" dirty="0" smtClean="0"/>
+              <a:t>Engine</a:t>
+            </a:r>
+            <a:endParaRPr lang="de-DE" baseline="0" dirty="0" smtClean="0"/>
+          </a:p>
+          <a:p>
+            <a:pPr lvl="0"/>
+            <a:r>
+              <a:rPr lang="de-DE" dirty="0" smtClean="0"/>
+              <a:t>Implementierung der </a:t>
+            </a:r>
+            <a:r>
+              <a:rPr lang="de-DE" dirty="0" smtClean="0"/>
+              <a:t>Konzeption</a:t>
+            </a:r>
+          </a:p>
+          <a:p>
+            <a:pPr lvl="1"/>
+            <a:r>
+              <a:rPr lang="de-DE" dirty="0" smtClean="0"/>
+              <a:t>Als Prototypischen Ansatz</a:t>
+            </a:r>
+            <a:endParaRPr lang="de-DE" dirty="0" smtClean="0"/>
           </a:p>
         </p:txBody>
       </p:sp>
     </p:spTree>
     <p:extLst>
       <p:ext uri="{BB962C8B-B14F-4D97-AF65-F5344CB8AC3E}">
-        <p14:creationId xmlns:p14="http://schemas.microsoft.com/office/powerpoint/2010/main" val="1586592039"/>
+        <p14:creationId xmlns:p14="http://schemas.microsoft.com/office/powerpoint/2010/main" val="1689154925"/>
       </p:ext>
     </p:extLst>
   </p:cSld>
@@ -14035,7 +16794,7 @@
         <p:spPr/>
         <p:txBody>
           <a:bodyPr>
-            <a:normAutofit fontScale="85000" lnSpcReduction="20000"/>
+            <a:normAutofit fontScale="77500" lnSpcReduction="20000"/>
           </a:bodyPr>
           <a:lstStyle/>
           <a:p>
@@ -14169,8 +16928,20 @@
             <a:pPr lvl="2"/>
             <a:r>
               <a:rPr lang="de-DE" baseline="0" dirty="0" smtClean="0"/>
-              <a:t>Projektgruppen der Studierenden der HFU.</a:t>
-            </a:r>
+              <a:t>Projektgruppen der Studierenden der HFU</a:t>
+            </a:r>
+            <a:r>
+              <a:rPr lang="de-DE" baseline="0" dirty="0" smtClean="0"/>
+              <a:t>.</a:t>
+            </a:r>
+          </a:p>
+          <a:p>
+            <a:pPr lvl="2"/>
+            <a:r>
+              <a:rPr lang="de-DE" dirty="0" smtClean="0"/>
+              <a:t>Weiterentwickelt in Abschlussarbeiten.</a:t>
+            </a:r>
+            <a:endParaRPr lang="de-DE" baseline="0" dirty="0" smtClean="0"/>
           </a:p>
           <a:p>
             <a:r>
@@ -14311,7 +17082,7 @@
           <a:p>
             <a:r>
               <a:rPr lang="de-DE" dirty="0" smtClean="0"/>
-              <a:t>Herangehensweise</a:t>
+              <a:t>Problematik</a:t>
             </a:r>
             <a:endParaRPr lang="de-DE" dirty="0"/>
           </a:p>
@@ -14329,107 +17100,105 @@
         </p:nvSpPr>
         <p:spPr/>
         <p:txBody>
-          <a:bodyPr>
-            <a:normAutofit fontScale="92500" lnSpcReduction="10000"/>
-          </a:bodyPr>
-          <a:lstStyle/>
-          <a:p>
-            <a:r>
-              <a:rPr lang="de-DE" dirty="0" smtClean="0"/>
-              <a:t>Betrachtung von</a:t>
+          <a:bodyPr/>
+          <a:lstStyle/>
+          <a:p>
+            <a:r>
+              <a:rPr lang="de-DE" dirty="0" smtClean="0"/>
+              <a:t>Komplexität der proprietären Cinema 4D API</a:t>
+            </a:r>
+          </a:p>
+          <a:p>
+            <a:pPr lvl="1"/>
+            <a:r>
+              <a:rPr lang="de-DE" dirty="0" smtClean="0"/>
+              <a:t>Erschwerte das Debuggen</a:t>
+            </a:r>
+          </a:p>
+          <a:p>
+            <a:pPr lvl="1"/>
+            <a:r>
+              <a:rPr lang="de-DE" dirty="0" smtClean="0"/>
+              <a:t>Oft nötige Anpassungen durch API Updates</a:t>
+            </a:r>
+          </a:p>
+          <a:p>
+            <a:pPr lvl="1"/>
+            <a:r>
+              <a:rPr lang="de-DE" dirty="0" err="1" smtClean="0"/>
+              <a:t>Uniplug</a:t>
+            </a:r>
+            <a:r>
+              <a:rPr lang="de-DE" dirty="0" smtClean="0"/>
+              <a:t> Projekt musste</a:t>
             </a:r>
             <a:r>
               <a:rPr lang="de-DE" baseline="0" dirty="0" smtClean="0"/>
-              <a:t> Referenzmodellen im Entwicklungsprozess</a:t>
+              <a:t> verwaltet und umstrukturiert werden</a:t>
+            </a:r>
+          </a:p>
+          <a:p>
+            <a:pPr lvl="0"/>
+            <a:r>
+              <a:rPr lang="de-DE" dirty="0" smtClean="0"/>
+              <a:t>Probleme mit den </a:t>
+            </a:r>
+            <a:r>
+              <a:rPr lang="de-DE" dirty="0" err="1" smtClean="0"/>
+              <a:t>managed</a:t>
+            </a:r>
+            <a:r>
+              <a:rPr lang="de-DE" dirty="0" smtClean="0"/>
+              <a:t> Code Bestandteilen des </a:t>
+            </a:r>
+            <a:r>
+              <a:rPr lang="de-DE" dirty="0" err="1" smtClean="0"/>
+              <a:t>Uniplug</a:t>
+            </a:r>
+            <a:r>
+              <a:rPr lang="de-DE" baseline="0" dirty="0" smtClean="0"/>
+              <a:t> Projekts</a:t>
             </a:r>
           </a:p>
           <a:p>
             <a:pPr lvl="1"/>
             <a:r>
-              <a:rPr lang="de-DE" dirty="0" smtClean="0"/>
-              <a:t>Theoretische Analyse</a:t>
-            </a:r>
-          </a:p>
-          <a:p>
-            <a:pPr lvl="0"/>
-            <a:r>
-              <a:rPr lang="de-DE" dirty="0" smtClean="0"/>
-              <a:t>Untersuchung</a:t>
-            </a:r>
-            <a:r>
               <a:rPr lang="de-DE" baseline="0" dirty="0" smtClean="0"/>
-              <a:t> beliebter und erfolgreicher Editoren und Frameworks</a:t>
+              <a:t>GUI Problematik in Cinema 4D</a:t>
             </a:r>
           </a:p>
           <a:p>
             <a:pPr lvl="1"/>
             <a:r>
-              <a:rPr lang="de-DE" dirty="0" smtClean="0"/>
-              <a:t>Induktion – Ableitung der Funktionalität von speziellen Tools und herausarbeiten</a:t>
+              <a:rPr lang="de-DE" baseline="0" dirty="0" err="1" smtClean="0"/>
+              <a:t>Plugin</a:t>
             </a:r>
             <a:r>
               <a:rPr lang="de-DE" baseline="0" dirty="0" smtClean="0"/>
-              <a:t> von allgemeingültigen Notwendigkeiten und Features</a:t>
-            </a:r>
-          </a:p>
-          <a:p>
-            <a:pPr lvl="0"/>
-            <a:r>
-              <a:rPr lang="de-DE" dirty="0" smtClean="0"/>
-              <a:t>Konzeption eines Frameworks</a:t>
+              <a:t> Typen</a:t>
             </a:r>
           </a:p>
           <a:p>
             <a:pPr lvl="1"/>
             <a:r>
-              <a:rPr lang="de-DE" dirty="0" smtClean="0"/>
-              <a:t>Konzeption mit Hilfe von Methoden</a:t>
-            </a:r>
-            <a:r>
               <a:rPr lang="de-DE" baseline="0" dirty="0" smtClean="0"/>
-              <a:t> des Software Engineering in Adaption für die </a:t>
-            </a:r>
-            <a:r>
-              <a:rPr lang="de-DE" baseline="0" dirty="0" err="1" smtClean="0"/>
-              <a:t>Fusee</a:t>
-            </a:r>
-            <a:r>
-              <a:rPr lang="de-DE" baseline="0" dirty="0" smtClean="0"/>
-              <a:t> Engine</a:t>
-            </a:r>
-          </a:p>
-          <a:p>
-            <a:pPr lvl="1"/>
-            <a:r>
-              <a:rPr lang="de-DE" baseline="0" dirty="0" smtClean="0"/>
-              <a:t>Deduktion – Aus den allgemeingültigen Ergebnissen etwas spezielles konzipieren.</a:t>
-            </a:r>
-          </a:p>
-          <a:p>
-            <a:pPr lvl="0"/>
-            <a:r>
-              <a:rPr lang="de-DE" dirty="0" smtClean="0"/>
-              <a:t>Implementierung der Konzeption</a:t>
-            </a:r>
-          </a:p>
-          <a:p>
-            <a:pPr lvl="1"/>
-            <a:r>
-              <a:rPr lang="de-DE" dirty="0" smtClean="0"/>
-              <a:t>Methodik des </a:t>
-            </a:r>
-            <a:r>
-              <a:rPr lang="de-DE" dirty="0" err="1" smtClean="0"/>
-              <a:t>Prototyping</a:t>
-            </a:r>
-            <a:endParaRPr lang="de-DE" dirty="0" smtClean="0"/>
+              <a:t>Datentypen in der C++ API </a:t>
+            </a:r>
+          </a:p>
+          <a:p>
+            <a:pPr lvl="2"/>
+            <a:r>
+              <a:rPr lang="de-DE" dirty="0" smtClean="0"/>
+              <a:t>Rückgabewerte</a:t>
+            </a:r>
+            <a:endParaRPr lang="de-DE" dirty="0"/>
           </a:p>
         </p:txBody>
       </p:sp>
     </p:spTree>
     <p:extLst>
       <p:ext uri="{BB962C8B-B14F-4D97-AF65-F5344CB8AC3E}">
-        <p14:creationId xmlns:p14="http://schemas.microsoft.com/office/powerpoint/2010/main" val="1689154925"/>
+        <p14:creationId xmlns:p14="http://schemas.microsoft.com/office/powerpoint/2010/main" val="1788071976"/>
       </p:ext>
     </p:extLst>
   </p:cSld>
@@ -14480,7 +17249,7 @@
           <a:p>
             <a:r>
               <a:rPr lang="de-DE" dirty="0" smtClean="0"/>
-              <a:t>Problematik</a:t>
+              <a:t>Ergebnisse der Prozessanalyse</a:t>
             </a:r>
             <a:endParaRPr lang="de-DE" dirty="0"/>
           </a:p>
@@ -14498,105 +17267,89 @@
         </p:nvSpPr>
         <p:spPr/>
         <p:txBody>
-          <a:bodyPr/>
-          <a:lstStyle/>
-          <a:p>
-            <a:r>
-              <a:rPr lang="de-DE" dirty="0" smtClean="0"/>
-              <a:t>Komplexität der proprietären Cinema 4D API</a:t>
+          <a:bodyPr>
+            <a:normAutofit/>
+          </a:bodyPr>
+          <a:lstStyle/>
+          <a:p>
+            <a:r>
+              <a:rPr lang="de-DE" dirty="0" smtClean="0"/>
+              <a:t>Tool Development ist ein wichtiger Produktionsschritt</a:t>
+            </a:r>
+            <a:r>
+              <a:rPr lang="de-DE" baseline="0" dirty="0" smtClean="0"/>
+              <a:t> in der Spieleentwicklung</a:t>
+            </a:r>
+            <a:r>
+              <a:rPr lang="de-DE" baseline="0" dirty="0" smtClean="0"/>
+              <a:t>.</a:t>
             </a:r>
           </a:p>
           <a:p>
             <a:pPr lvl="1"/>
             <a:r>
               <a:rPr lang="de-DE" dirty="0" smtClean="0"/>
-              <a:t>Erschwerte das Debuggen</a:t>
+              <a:t>Sony und das ATF Framework (Tool Studio).</a:t>
+            </a:r>
+          </a:p>
+          <a:p>
+            <a:r>
+              <a:rPr lang="de-DE" baseline="0" dirty="0" smtClean="0"/>
+              <a:t>Es </a:t>
+            </a:r>
+            <a:r>
+              <a:rPr lang="de-DE" baseline="0" dirty="0" smtClean="0"/>
+              <a:t>ist sinnvoll den Prozess für das Produktionsteam transparent zu gestalten und das Team einzubinden</a:t>
+            </a:r>
+            <a:r>
+              <a:rPr lang="de-DE" baseline="0" dirty="0" smtClean="0"/>
+              <a:t>.</a:t>
             </a:r>
           </a:p>
           <a:p>
             <a:pPr lvl="1"/>
-            <a:r>
-              <a:rPr lang="de-DE" dirty="0" smtClean="0"/>
-              <a:t>Oft nötige Anpassungen durch API Updates</a:t>
-            </a:r>
+            <a:endParaRPr lang="de-DE" baseline="0" dirty="0" smtClean="0"/>
+          </a:p>
+          <a:p>
+            <a:r>
+              <a:rPr lang="de-DE" dirty="0" smtClean="0"/>
+              <a:t>Geschickte Stakeholder Analysen und Managementprozesse:</a:t>
+            </a:r>
+            <a:endParaRPr lang="de-DE" baseline="0" dirty="0" smtClean="0"/>
           </a:p>
           <a:p>
             <a:pPr lvl="1"/>
             <a:r>
-              <a:rPr lang="de-DE" dirty="0" err="1" smtClean="0"/>
-              <a:t>Uniplug</a:t>
-            </a:r>
-            <a:r>
-              <a:rPr lang="de-DE" dirty="0" smtClean="0"/>
-              <a:t> Projekt musste</a:t>
-            </a:r>
-            <a:r>
-              <a:rPr lang="de-DE" baseline="0" dirty="0" smtClean="0"/>
-              <a:t> verwaltet und umstrukturiert werden</a:t>
-            </a:r>
-          </a:p>
-          <a:p>
-            <a:pPr lvl="0"/>
-            <a:r>
-              <a:rPr lang="de-DE" dirty="0" smtClean="0"/>
-              <a:t>Probleme mit den </a:t>
-            </a:r>
-            <a:r>
-              <a:rPr lang="de-DE" dirty="0" err="1" smtClean="0"/>
-              <a:t>managed</a:t>
-            </a:r>
-            <a:r>
-              <a:rPr lang="de-DE" dirty="0" smtClean="0"/>
-              <a:t> Code Bestandteilen des </a:t>
-            </a:r>
-            <a:r>
-              <a:rPr lang="de-DE" dirty="0" err="1" smtClean="0"/>
-              <a:t>Uniplug</a:t>
-            </a:r>
-            <a:r>
-              <a:rPr lang="de-DE" baseline="0" dirty="0" smtClean="0"/>
-              <a:t> Projekts</a:t>
+              <a:rPr lang="de-DE" dirty="0" smtClean="0"/>
+              <a:t>Erleichtern </a:t>
+            </a:r>
+            <a:r>
+              <a:rPr lang="de-DE" dirty="0" smtClean="0"/>
+              <a:t>die Einhaltung der Anforderungen.</a:t>
             </a:r>
           </a:p>
           <a:p>
             <a:pPr lvl="1"/>
             <a:r>
-              <a:rPr lang="de-DE" baseline="0" dirty="0" smtClean="0"/>
-              <a:t>GUI Problematik in Cinema 4D</a:t>
-            </a:r>
-          </a:p>
-          <a:p>
-            <a:pPr lvl="1"/>
-            <a:r>
-              <a:rPr lang="de-DE" baseline="0" dirty="0" err="1" smtClean="0"/>
-              <a:t>Plugin</a:t>
-            </a:r>
-            <a:r>
-              <a:rPr lang="de-DE" baseline="0" dirty="0" smtClean="0"/>
-              <a:t> Typen</a:t>
-            </a:r>
-          </a:p>
-          <a:p>
-            <a:pPr lvl="1"/>
-            <a:r>
-              <a:rPr lang="de-DE" baseline="0" dirty="0" smtClean="0"/>
-              <a:t>Datentypen in der C++ API </a:t>
-            </a:r>
-          </a:p>
-          <a:p>
-            <a:pPr lvl="2"/>
-            <a:r>
-              <a:rPr lang="de-DE" dirty="0" smtClean="0"/>
-              <a:t>Rückgabewerte</a:t>
-            </a:r>
-            <a:endParaRPr lang="de-DE" dirty="0"/>
+              <a:rPr lang="de-DE" dirty="0" smtClean="0"/>
+              <a:t>Erhöhen </a:t>
+            </a:r>
+            <a:r>
+              <a:rPr lang="de-DE" dirty="0" smtClean="0"/>
+              <a:t>die Wiederverwendbarkeit und </a:t>
+            </a:r>
+            <a:r>
+              <a:rPr lang="de-DE" dirty="0" smtClean="0"/>
+              <a:t>Qualität des Tools.</a:t>
+            </a:r>
+            <a:endParaRPr lang="de-DE" dirty="0" smtClean="0"/>
           </a:p>
         </p:txBody>
       </p:sp>
     </p:spTree>
     <p:extLst>
       <p:ext uri="{BB962C8B-B14F-4D97-AF65-F5344CB8AC3E}">
-        <p14:creationId xmlns:p14="http://schemas.microsoft.com/office/powerpoint/2010/main" val="1788071976"/>
+        <p14:creationId xmlns:p14="http://schemas.microsoft.com/office/powerpoint/2010/main" val="4019340167"/>
       </p:ext>
     </p:extLst>
   </p:cSld>
@@ -14670,33 +17423,95 @@
           </a:bodyPr>
           <a:lstStyle/>
           <a:p>
-            <a:r>
-              <a:rPr lang="de-DE" dirty="0" smtClean="0"/>
-              <a:t>Tool Development ist ein wichtiger Produktionsschritt</a:t>
+            <a:pPr lvl="0"/>
+            <a:r>
+              <a:rPr lang="de-DE" dirty="0" smtClean="0"/>
+              <a:t>Der Tool Entwicklungsprozess sollte mit</a:t>
             </a:r>
             <a:r>
               <a:rPr lang="de-DE" baseline="0" dirty="0" smtClean="0"/>
-              <a:t> in der Spieleentwicklung.</a:t>
-            </a:r>
-          </a:p>
-          <a:p>
+              <a:t> der nötigen Sorgfalt in den Produktionsprozess eines Projektes integriert sein.</a:t>
+            </a:r>
+          </a:p>
+          <a:p>
+            <a:pPr lvl="1"/>
+            <a:r>
+              <a:rPr lang="de-DE" dirty="0" smtClean="0"/>
+              <a:t>Produktion steht und fällt mit guten Tools.</a:t>
+            </a:r>
+          </a:p>
+          <a:p>
+            <a:pPr marL="742950" marR="0" lvl="1" indent="-285750" algn="l" defTabSz="457200" rtl="0" eaLnBrk="1" fontAlgn="auto" latinLnBrk="0" hangingPunct="1">
+              <a:lnSpc>
+                <a:spcPct val="100000"/>
+              </a:lnSpc>
+              <a:spcBef>
+                <a:spcPts val="1000"/>
+              </a:spcBef>
+              <a:spcAft>
+                <a:spcPts val="0"/>
+              </a:spcAft>
+              <a:buClr>
+                <a:schemeClr val="bg2">
+                  <a:lumMod val="40000"/>
+                  <a:lumOff val="60000"/>
+                </a:schemeClr>
+              </a:buClr>
+              <a:buSzPct val="80000"/>
+              <a:buFont typeface="Wingdings 3" charset="2"/>
+              <a:buChar char=""/>
+              <a:tabLst/>
+              <a:defRPr/>
+            </a:pPr>
+            <a:r>
+              <a:rPr lang="de-DE" sz="1800" b="0" i="0" kern="1200" dirty="0" smtClean="0">
+                <a:solidFill>
+                  <a:schemeClr val="tx1"/>
+                </a:solidFill>
+                <a:effectLst/>
+                <a:latin typeface="+mj-lt"/>
+                <a:ea typeface="+mj-ea"/>
+                <a:cs typeface="+mj-cs"/>
+              </a:rPr>
+              <a:t>Mitarbeiter als Nutzer</a:t>
+            </a:r>
+            <a:r>
+              <a:rPr lang="de-DE" sz="1800" b="0" i="0" kern="1200" baseline="0" dirty="0" smtClean="0">
+                <a:solidFill>
+                  <a:schemeClr val="tx1"/>
+                </a:solidFill>
+                <a:effectLst/>
+                <a:latin typeface="+mj-lt"/>
+                <a:ea typeface="+mj-ea"/>
+                <a:cs typeface="+mj-cs"/>
+              </a:rPr>
+              <a:t> entscheiden über gelingen des Projektes und die Nutzung der Tools.</a:t>
+            </a:r>
+            <a:endParaRPr lang="de-DE" dirty="0" smtClean="0"/>
+          </a:p>
+          <a:p>
+            <a:pPr lvl="1"/>
+            <a:r>
+              <a:rPr lang="de-DE" dirty="0" smtClean="0"/>
+              <a:t>Managementprozesse</a:t>
+            </a:r>
             <a:r>
               <a:rPr lang="de-DE" baseline="0" dirty="0" smtClean="0"/>
-              <a:t>Es ist sinnvoll den Prozess für das Produktionsteam transparent zu gestalten und das Team einzubinden.</a:t>
-            </a:r>
-          </a:p>
-          <a:p>
-            <a:pPr lvl="1"/>
-            <a:r>
-              <a:rPr lang="de-DE" dirty="0" smtClean="0"/>
-              <a:t>Erleichtert die Einhaltung der Anforderungen.</a:t>
-            </a:r>
-          </a:p>
-          <a:p>
-            <a:pPr lvl="1"/>
-            <a:r>
-              <a:rPr lang="de-DE" dirty="0" smtClean="0"/>
-              <a:t>Erhöht die Wiederverwendbarkeit und Qualität.</a:t>
+              <a:t> spielen eine große Rolle.</a:t>
+            </a:r>
+          </a:p>
+          <a:p>
+            <a:pPr lvl="2"/>
+            <a:r>
+              <a:rPr lang="de-DE" dirty="0" smtClean="0"/>
+              <a:t>Tool Entwickler stehen oft unter Zeitdruck.</a:t>
+            </a:r>
+          </a:p>
+          <a:p>
+            <a:pPr lvl="2"/>
+            <a:r>
+              <a:rPr lang="de-DE" baseline="0" dirty="0" smtClean="0"/>
+              <a:t>Agile Modelle sind zu bevorzugen, da beim Tool Development oft schnelle Entscheidungen getroffen werden und Konzepte schnell umgesetzt werden müssen.</a:t>
             </a:r>
           </a:p>
         </p:txBody>
@@ -14704,7 +17519,7 @@
     </p:spTree>
     <p:extLst>
       <p:ext uri="{BB962C8B-B14F-4D97-AF65-F5344CB8AC3E}">
-        <p14:creationId xmlns:p14="http://schemas.microsoft.com/office/powerpoint/2010/main" val="4019340167"/>
+        <p14:creationId xmlns:p14="http://schemas.microsoft.com/office/powerpoint/2010/main" val="2785856444"/>
       </p:ext>
     </p:extLst>
   </p:cSld>

--- a/Disputation/Praesentation_DominikSteffen.pptx
+++ b/Disputation/Praesentation_DominikSteffen.pptx
@@ -1,6 +1,6 @@
 
 <file path=ppt/presentation.xml><?xml version="1.0" encoding="utf-8"?>
-<p:presentation xmlns:a="http://schemas.openxmlformats.org/drawingml/2006/main" xmlns:r="http://schemas.openxmlformats.org/officeDocument/2006/relationships" xmlns:p="http://schemas.openxmlformats.org/presentationml/2006/main" autoCompressPictures="0">
+<p:presentation xmlns:a="http://schemas.openxmlformats.org/drawingml/2006/main" xmlns:r="http://schemas.openxmlformats.org/officeDocument/2006/relationships" xmlns:p="http://schemas.openxmlformats.org/presentationml/2006/main" showSpecialPlsOnTitleSld="0" autoCompressPictures="0">
   <p:sldMasterIdLst>
     <p:sldMasterId id="2147483648" r:id="rId1"/>
   </p:sldMasterIdLst>
@@ -243,7 +243,7 @@
           <a:p>
             <a:fld id="{7C160E95-576B-4A71-8EBB-932E408482CC}" type="datetimeFigureOut">
               <a:rPr lang="de-DE" smtClean="0"/>
-              <a:t>08.07.2015</a:t>
+              <a:t>09.07.2015</a:t>
             </a:fld>
             <a:endParaRPr lang="de-DE"/>
           </a:p>
@@ -555,83 +555,7 @@
           <a:bodyPr/>
           <a:lstStyle/>
           <a:p>
-            <a:pPr marL="0" marR="0" lvl="1" indent="0" algn="l" defTabSz="914400" rtl="0" eaLnBrk="1" fontAlgn="auto" latinLnBrk="0" hangingPunct="1">
-              <a:lnSpc>
-                <a:spcPct val="100000"/>
-              </a:lnSpc>
-              <a:spcBef>
-                <a:spcPts val="0"/>
-              </a:spcBef>
-              <a:spcAft>
-                <a:spcPts val="0"/>
-              </a:spcAft>
-              <a:buClrTx/>
-              <a:buSzTx/>
-              <a:buFontTx/>
-              <a:buNone/>
-              <a:tabLst/>
-              <a:defRPr/>
-            </a:pPr>
-            <a:r>
-              <a:rPr lang="de-DE" dirty="0" smtClean="0"/>
-              <a:t>1) </a:t>
-            </a:r>
-            <a:r>
-              <a:rPr lang="de-DE" dirty="0" smtClean="0"/>
-              <a:t>Theoretische Analyse</a:t>
-            </a:r>
-          </a:p>
-          <a:p>
-            <a:r>
-              <a:rPr lang="de-DE" dirty="0" smtClean="0"/>
-              <a:t>2) </a:t>
-            </a:r>
-            <a:r>
-              <a:rPr lang="de-DE" dirty="0" smtClean="0"/>
-              <a:t>Induktion – Ableitung der Funktionalität von speziellen Tools und herausarbeiten</a:t>
-            </a:r>
-            <a:r>
-              <a:rPr lang="de-DE" baseline="0" dirty="0" smtClean="0"/>
-              <a:t> von allgemeingültigen Notwendigkeiten und Features</a:t>
-            </a:r>
-          </a:p>
-          <a:p>
-            <a:r>
-              <a:rPr lang="de-DE" baseline="0" dirty="0" smtClean="0"/>
-              <a:t>3) Deduktion – Aus den allgemeingültigen Ergebnissen etwas spezielles konzipieren.</a:t>
-            </a:r>
-          </a:p>
-          <a:p>
-            <a:pPr marL="0" marR="0" lvl="1" indent="0" algn="l" defTabSz="914400" rtl="0" eaLnBrk="1" fontAlgn="auto" latinLnBrk="0" hangingPunct="1">
-              <a:lnSpc>
-                <a:spcPct val="100000"/>
-              </a:lnSpc>
-              <a:spcBef>
-                <a:spcPts val="0"/>
-              </a:spcBef>
-              <a:spcAft>
-                <a:spcPts val="0"/>
-              </a:spcAft>
-              <a:buClrTx/>
-              <a:buSzTx/>
-              <a:buFontTx/>
-              <a:buNone/>
-              <a:tabLst/>
-              <a:defRPr/>
-            </a:pPr>
-            <a:r>
-              <a:rPr lang="de-DE" baseline="0" dirty="0" smtClean="0"/>
-              <a:t>4) </a:t>
-            </a:r>
-            <a:r>
-              <a:rPr lang="de-DE" dirty="0" smtClean="0"/>
-              <a:t>Methodik des </a:t>
-            </a:r>
-            <a:r>
-              <a:rPr lang="de-DE" dirty="0" err="1" smtClean="0"/>
-              <a:t>Prototyping</a:t>
-            </a:r>
-            <a:endParaRPr lang="de-DE" dirty="0" smtClean="0"/>
+            <a:endParaRPr lang="de-DE"/>
           </a:p>
         </p:txBody>
       </p:sp>
@@ -652,7 +576,7 @@
           <a:p>
             <a:fld id="{B31920E4-02A0-409B-A8B9-098E88402350}" type="slidenum">
               <a:rPr lang="de-DE" smtClean="0"/>
-              <a:t>5</a:t>
+              <a:t>1</a:t>
             </a:fld>
             <a:endParaRPr lang="de-DE"/>
           </a:p>
@@ -661,7 +585,7 @@
     </p:spTree>
     <p:extLst>
       <p:ext uri="{BB962C8B-B14F-4D97-AF65-F5344CB8AC3E}">
-        <p14:creationId xmlns:p14="http://schemas.microsoft.com/office/powerpoint/2010/main" val="1429793904"/>
+        <p14:creationId xmlns:p14="http://schemas.microsoft.com/office/powerpoint/2010/main" val="3254973756"/>
       </p:ext>
     </p:extLst>
   </p:cSld>
@@ -715,11 +639,75 @@
           <a:bodyPr/>
           <a:lstStyle/>
           <a:p>
-            <a:r>
-              <a:rPr lang="de-DE" dirty="0" smtClean="0"/>
-              <a:t>Hier noch ein Bild zu Cinema 4D einfügen.</a:t>
-            </a:r>
-            <a:endParaRPr lang="de-DE" dirty="0"/>
+            <a:pPr marL="0" marR="0" lvl="1" indent="0" algn="l" defTabSz="914400" rtl="0" eaLnBrk="1" fontAlgn="auto" latinLnBrk="0" hangingPunct="1">
+              <a:lnSpc>
+                <a:spcPct val="100000"/>
+              </a:lnSpc>
+              <a:spcBef>
+                <a:spcPts val="0"/>
+              </a:spcBef>
+              <a:spcAft>
+                <a:spcPts val="0"/>
+              </a:spcAft>
+              <a:buClrTx/>
+              <a:buSzTx/>
+              <a:buFontTx/>
+              <a:buNone/>
+              <a:tabLst/>
+              <a:defRPr/>
+            </a:pPr>
+            <a:r>
+              <a:rPr lang="de-DE" dirty="0" smtClean="0"/>
+              <a:t>1) Theoretische Analyse</a:t>
+            </a:r>
+          </a:p>
+          <a:p>
+            <a:r>
+              <a:rPr lang="de-DE" dirty="0" smtClean="0"/>
+              <a:t>2) Induktion – Ableitung der Funktionalität von speziellen Tools und herausarbeiten</a:t>
+            </a:r>
+            <a:r>
+              <a:rPr lang="de-DE" baseline="0" dirty="0" smtClean="0"/>
+              <a:t> von allgemeingültigen Notwendigkeiten und Features</a:t>
+            </a:r>
+          </a:p>
+          <a:p>
+            <a:r>
+              <a:rPr lang="de-DE" baseline="0" dirty="0" smtClean="0"/>
+              <a:t>3) Deduktion – Aus den allgemeingültigen Ergebnissen etwas spezielles konzipieren.</a:t>
+            </a:r>
+          </a:p>
+          <a:p>
+            <a:pPr marL="0" marR="0" lvl="1" indent="0" algn="l" defTabSz="914400" rtl="0" eaLnBrk="1" fontAlgn="auto" latinLnBrk="0" hangingPunct="1">
+              <a:lnSpc>
+                <a:spcPct val="100000"/>
+              </a:lnSpc>
+              <a:spcBef>
+                <a:spcPts val="0"/>
+              </a:spcBef>
+              <a:spcAft>
+                <a:spcPts val="0"/>
+              </a:spcAft>
+              <a:buClrTx/>
+              <a:buSzTx/>
+              <a:buFontTx/>
+              <a:buNone/>
+              <a:tabLst/>
+              <a:defRPr/>
+            </a:pPr>
+            <a:r>
+              <a:rPr lang="de-DE" baseline="0" dirty="0" smtClean="0"/>
+              <a:t>4) </a:t>
+            </a:r>
+            <a:r>
+              <a:rPr lang="de-DE" dirty="0" smtClean="0"/>
+              <a:t>Methodik des </a:t>
+            </a:r>
+            <a:r>
+              <a:rPr lang="de-DE" dirty="0" err="1" smtClean="0"/>
+              <a:t>Prototyping</a:t>
+            </a:r>
+            <a:endParaRPr lang="de-DE" dirty="0" smtClean="0"/>
           </a:p>
         </p:txBody>
       </p:sp>
@@ -740,7 +728,7 @@
           <a:p>
             <a:fld id="{B31920E4-02A0-409B-A8B9-098E88402350}" type="slidenum">
               <a:rPr lang="de-DE" smtClean="0"/>
-              <a:t>6</a:t>
+              <a:t>5</a:t>
             </a:fld>
             <a:endParaRPr lang="de-DE"/>
           </a:p>
@@ -749,7 +737,7 @@
     </p:spTree>
     <p:extLst>
       <p:ext uri="{BB962C8B-B14F-4D97-AF65-F5344CB8AC3E}">
-        <p14:creationId xmlns:p14="http://schemas.microsoft.com/office/powerpoint/2010/main" val="1779011851"/>
+        <p14:creationId xmlns:p14="http://schemas.microsoft.com/office/powerpoint/2010/main" val="1429793904"/>
       </p:ext>
     </p:extLst>
   </p:cSld>
@@ -805,367 +793,7 @@
           <a:p>
             <a:r>
               <a:rPr lang="de-DE" dirty="0" smtClean="0"/>
-              <a:t>Proprietären: B</a:t>
-            </a:r>
-            <a:r>
-              <a:rPr lang="de-DE" sz="1200" b="0" i="0" kern="1200" dirty="0" smtClean="0">
-                <a:solidFill>
-                  <a:schemeClr val="tx1"/>
-                </a:solidFill>
-                <a:effectLst/>
-                <a:latin typeface="+mn-lt"/>
-                <a:ea typeface="+mn-ea"/>
-                <a:cs typeface="+mn-cs"/>
-              </a:rPr>
-              <a:t>ezeichnet eine Software, die das Recht und die Möglichkeiten der Wieder- und Weiterverwendung, sowie Änderung und Anpassung durch </a:t>
-            </a:r>
-            <a:r>
-              <a:rPr lang="de-DE" sz="1200" b="0" i="0" u="none" strike="noStrike" kern="1200" dirty="0" smtClean="0">
-                <a:solidFill>
-                  <a:schemeClr val="tx1"/>
-                </a:solidFill>
-                <a:effectLst/>
-                <a:latin typeface="+mn-lt"/>
-                <a:ea typeface="+mn-ea"/>
-                <a:cs typeface="+mn-cs"/>
-                <a:hlinkClick r:id="rId3" tooltip="Endbenutzer"/>
-              </a:rPr>
-              <a:t>Nutzer</a:t>
-            </a:r>
-            <a:r>
-              <a:rPr lang="de-DE" sz="1200" b="0" i="0" kern="1200" dirty="0" smtClean="0">
-                <a:solidFill>
-                  <a:schemeClr val="tx1"/>
-                </a:solidFill>
-                <a:effectLst/>
-                <a:latin typeface="+mn-lt"/>
-                <a:ea typeface="+mn-ea"/>
-                <a:cs typeface="+mn-cs"/>
-              </a:rPr>
-              <a:t> und </a:t>
-            </a:r>
-            <a:r>
-              <a:rPr lang="de-DE" sz="1200" b="0" i="0" u="none" strike="noStrike" kern="1200" dirty="0" smtClean="0">
-                <a:solidFill>
-                  <a:schemeClr val="tx1"/>
-                </a:solidFill>
-                <a:effectLst/>
-                <a:latin typeface="+mn-lt"/>
-                <a:ea typeface="+mn-ea"/>
-                <a:cs typeface="+mn-cs"/>
-                <a:hlinkClick r:id="rId4" tooltip="Dritthersteller"/>
-              </a:rPr>
-              <a:t>Dritte</a:t>
-            </a:r>
-            <a:r>
-              <a:rPr lang="de-DE" sz="1200" b="0" i="0" kern="1200" dirty="0" smtClean="0">
-                <a:solidFill>
-                  <a:schemeClr val="tx1"/>
-                </a:solidFill>
-                <a:effectLst/>
-                <a:latin typeface="+mn-lt"/>
-                <a:ea typeface="+mn-ea"/>
-                <a:cs typeface="+mn-cs"/>
-              </a:rPr>
-              <a:t> stark einschränkt. Es gibt einige Mechanismen die eine Software „</a:t>
-            </a:r>
-            <a:r>
-              <a:rPr lang="de-DE" sz="1200" b="0" i="0" u="none" strike="noStrike" kern="1200" dirty="0" smtClean="0">
-                <a:solidFill>
-                  <a:schemeClr val="tx1"/>
-                </a:solidFill>
-                <a:effectLst/>
-                <a:latin typeface="+mn-lt"/>
-                <a:ea typeface="+mn-ea"/>
-                <a:cs typeface="+mn-cs"/>
-                <a:hlinkClick r:id="rId5" tooltip="Proprietär"/>
-              </a:rPr>
-              <a:t>proprietär</a:t>
-            </a:r>
-            <a:r>
-              <a:rPr lang="de-DE" sz="1200" b="0" i="0" kern="1200" dirty="0" smtClean="0">
-                <a:solidFill>
-                  <a:schemeClr val="tx1"/>
-                </a:solidFill>
-                <a:effectLst/>
-                <a:latin typeface="+mn-lt"/>
-                <a:ea typeface="+mn-ea"/>
-                <a:cs typeface="+mn-cs"/>
-              </a:rPr>
-              <a:t>“ machen und halten können: aufbauen der Software auf herstellerspezifischen, nicht veröffentlichten </a:t>
-            </a:r>
-            <a:r>
-              <a:rPr lang="de-DE" sz="1200" b="0" i="0" u="none" strike="noStrike" kern="1200" dirty="0" smtClean="0">
-                <a:solidFill>
-                  <a:schemeClr val="tx1"/>
-                </a:solidFill>
-                <a:effectLst/>
-                <a:latin typeface="+mn-lt"/>
-                <a:ea typeface="+mn-ea"/>
-                <a:cs typeface="+mn-cs"/>
-                <a:hlinkClick r:id="rId6" tooltip="Standard"/>
-              </a:rPr>
-              <a:t>Standards</a:t>
-            </a:r>
-            <a:r>
-              <a:rPr lang="de-DE" sz="1200" b="0" i="0" kern="1200" dirty="0" smtClean="0">
-                <a:solidFill>
-                  <a:schemeClr val="tx1"/>
-                </a:solidFill>
-                <a:effectLst/>
-                <a:latin typeface="+mn-lt"/>
-                <a:ea typeface="+mn-ea"/>
-                <a:cs typeface="+mn-cs"/>
-              </a:rPr>
-              <a:t>, durch </a:t>
-            </a:r>
-            <a:r>
-              <a:rPr lang="de-DE" sz="1200" b="0" i="0" u="none" strike="noStrike" kern="1200" dirty="0" smtClean="0">
-                <a:solidFill>
-                  <a:schemeClr val="tx1"/>
-                </a:solidFill>
-                <a:effectLst/>
-                <a:latin typeface="+mn-lt"/>
-                <a:ea typeface="+mn-ea"/>
-                <a:cs typeface="+mn-cs"/>
-                <a:hlinkClick r:id="rId7" tooltip="Softwarepatent"/>
-              </a:rPr>
-              <a:t>Softwarepatente</a:t>
-            </a:r>
-            <a:r>
-              <a:rPr lang="de-DE" sz="1200" b="0" i="0" kern="1200" dirty="0" smtClean="0">
-                <a:solidFill>
-                  <a:schemeClr val="tx1"/>
-                </a:solidFill>
-                <a:effectLst/>
-                <a:latin typeface="+mn-lt"/>
-                <a:ea typeface="+mn-ea"/>
-                <a:cs typeface="+mn-cs"/>
-              </a:rPr>
-              <a:t>, das </a:t>
-            </a:r>
-            <a:r>
-              <a:rPr lang="de-DE" sz="1200" b="0" i="0" u="none" strike="noStrike" kern="1200" dirty="0" smtClean="0">
-                <a:solidFill>
-                  <a:schemeClr val="tx1"/>
-                </a:solidFill>
-                <a:effectLst/>
-                <a:latin typeface="+mn-lt"/>
-                <a:ea typeface="+mn-ea"/>
-                <a:cs typeface="+mn-cs"/>
-                <a:hlinkClick r:id="rId8" tooltip="Urheberrecht"/>
-              </a:rPr>
-              <a:t>Urheberrecht</a:t>
-            </a:r>
-            <a:r>
-              <a:rPr lang="de-DE" sz="1200" b="0" i="0" kern="1200" dirty="0" smtClean="0">
-                <a:solidFill>
-                  <a:schemeClr val="tx1"/>
-                </a:solidFill>
-                <a:effectLst/>
-                <a:latin typeface="+mn-lt"/>
-                <a:ea typeface="+mn-ea"/>
-                <a:cs typeface="+mn-cs"/>
-              </a:rPr>
-              <a:t>, </a:t>
-            </a:r>
-            <a:r>
-              <a:rPr lang="de-DE" sz="1200" b="0" i="0" u="none" strike="noStrike" kern="1200" dirty="0" smtClean="0">
-                <a:solidFill>
-                  <a:schemeClr val="tx1"/>
-                </a:solidFill>
-                <a:effectLst/>
-                <a:latin typeface="+mn-lt"/>
-                <a:ea typeface="+mn-ea"/>
-                <a:cs typeface="+mn-cs"/>
-                <a:hlinkClick r:id="rId9" tooltip="Softwarelizenz"/>
-              </a:rPr>
-              <a:t>Lizenzbedingungen</a:t>
-            </a:r>
-            <a:r>
-              <a:rPr lang="de-DE" sz="1200" b="0" i="0" kern="1200" dirty="0" smtClean="0">
-                <a:solidFill>
-                  <a:schemeClr val="tx1"/>
-                </a:solidFill>
-                <a:effectLst/>
-                <a:latin typeface="+mn-lt"/>
-                <a:ea typeface="+mn-ea"/>
-                <a:cs typeface="+mn-cs"/>
-              </a:rPr>
-              <a:t> (</a:t>
-            </a:r>
-            <a:r>
-              <a:rPr lang="de-DE" sz="1200" b="0" i="0" u="none" strike="noStrike" kern="1200" dirty="0" smtClean="0">
-                <a:solidFill>
-                  <a:schemeClr val="tx1"/>
-                </a:solidFill>
-                <a:effectLst/>
-                <a:latin typeface="+mn-lt"/>
-                <a:ea typeface="+mn-ea"/>
-                <a:cs typeface="+mn-cs"/>
-                <a:hlinkClick r:id="rId10" tooltip="EULA"/>
-              </a:rPr>
-              <a:t>EULAs</a:t>
-            </a:r>
-            <a:r>
-              <a:rPr lang="de-DE" sz="1200" b="0" i="0" kern="1200" dirty="0" smtClean="0">
-                <a:solidFill>
-                  <a:schemeClr val="tx1"/>
-                </a:solidFill>
-                <a:effectLst/>
-                <a:latin typeface="+mn-lt"/>
-                <a:ea typeface="+mn-ea"/>
-                <a:cs typeface="+mn-cs"/>
-              </a:rPr>
-              <a:t>) und die Behandlung </a:t>
-            </a:r>
-            <a:r>
-              <a:rPr lang="de-DE" sz="1200" b="0" i="0" kern="1200" dirty="0" err="1" smtClean="0">
-                <a:solidFill>
-                  <a:schemeClr val="tx1"/>
-                </a:solidFill>
-                <a:effectLst/>
-                <a:latin typeface="+mn-lt"/>
-                <a:ea typeface="+mn-ea"/>
-                <a:cs typeface="+mn-cs"/>
-              </a:rPr>
-              <a:t>des</a:t>
-            </a:r>
-            <a:r>
-              <a:rPr lang="de-DE" sz="1200" b="0" i="0" u="none" strike="noStrike" kern="1200" dirty="0" err="1" smtClean="0">
-                <a:solidFill>
-                  <a:schemeClr val="tx1"/>
-                </a:solidFill>
-                <a:effectLst/>
-                <a:latin typeface="+mn-lt"/>
-                <a:ea typeface="+mn-ea"/>
-                <a:cs typeface="+mn-cs"/>
-                <a:hlinkClick r:id="rId11" tooltip="Quelltext"/>
-              </a:rPr>
-              <a:t>Quelltextes</a:t>
-            </a:r>
-            <a:r>
-              <a:rPr lang="de-DE" sz="1200" b="0" i="0" kern="1200" dirty="0" smtClean="0">
-                <a:solidFill>
-                  <a:schemeClr val="tx1"/>
-                </a:solidFill>
-                <a:effectLst/>
-                <a:latin typeface="+mn-lt"/>
-                <a:ea typeface="+mn-ea"/>
-                <a:cs typeface="+mn-cs"/>
-              </a:rPr>
-              <a:t> als </a:t>
-            </a:r>
-            <a:r>
-              <a:rPr lang="de-DE" sz="1200" b="0" i="0" u="none" strike="noStrike" kern="1200" dirty="0" smtClean="0">
-                <a:solidFill>
-                  <a:schemeClr val="tx1"/>
-                </a:solidFill>
-                <a:effectLst/>
-                <a:latin typeface="+mn-lt"/>
-                <a:ea typeface="+mn-ea"/>
-                <a:cs typeface="+mn-cs"/>
-                <a:hlinkClick r:id="rId12" tooltip="Betriebsgeheimnis"/>
-              </a:rPr>
-              <a:t>Betriebsgeheimnis</a:t>
-            </a:r>
-            <a:r>
-              <a:rPr lang="de-DE" sz="1200" b="0" i="0" kern="1200" dirty="0" smtClean="0">
-                <a:solidFill>
-                  <a:schemeClr val="tx1"/>
-                </a:solidFill>
-                <a:effectLst/>
-                <a:latin typeface="+mn-lt"/>
-                <a:ea typeface="+mn-ea"/>
-                <a:cs typeface="+mn-cs"/>
-              </a:rPr>
-              <a:t> (</a:t>
-            </a:r>
-            <a:r>
-              <a:rPr lang="de-DE" sz="1200" b="0" i="0" u="none" strike="noStrike" kern="1200" dirty="0" smtClean="0">
-                <a:solidFill>
-                  <a:schemeClr val="tx1"/>
-                </a:solidFill>
-                <a:effectLst/>
-                <a:latin typeface="+mn-lt"/>
-                <a:ea typeface="+mn-ea"/>
-                <a:cs typeface="+mn-cs"/>
-                <a:hlinkClick r:id="rId13" tooltip="Englische Sprache"/>
-              </a:rPr>
-              <a:t>englisch</a:t>
-            </a:r>
-            <a:r>
-              <a:rPr lang="de-DE" sz="1200" b="0" i="0" kern="1200" dirty="0" smtClean="0">
-                <a:solidFill>
-                  <a:schemeClr val="tx1"/>
-                </a:solidFill>
-                <a:effectLst/>
-                <a:latin typeface="+mn-lt"/>
-                <a:ea typeface="+mn-ea"/>
-                <a:cs typeface="+mn-cs"/>
-              </a:rPr>
-              <a:t> </a:t>
-            </a:r>
-            <a:r>
-              <a:rPr lang="de-DE" sz="1200" b="0" i="0" kern="1200" dirty="0" err="1" smtClean="0">
-                <a:solidFill>
-                  <a:schemeClr val="tx1"/>
-                </a:solidFill>
-                <a:effectLst/>
-                <a:latin typeface="+mn-lt"/>
-                <a:ea typeface="+mn-ea"/>
-                <a:cs typeface="+mn-cs"/>
-              </a:rPr>
-              <a:t>closed</a:t>
-            </a:r>
-            <a:r>
-              <a:rPr lang="de-DE" sz="1200" b="0" i="0" kern="1200" dirty="0" smtClean="0">
-                <a:solidFill>
-                  <a:schemeClr val="tx1"/>
-                </a:solidFill>
-                <a:effectLst/>
-                <a:latin typeface="+mn-lt"/>
-                <a:ea typeface="+mn-ea"/>
-                <a:cs typeface="+mn-cs"/>
-              </a:rPr>
-              <a:t> </a:t>
-            </a:r>
-            <a:r>
-              <a:rPr lang="de-DE" sz="1200" b="0" i="0" kern="1200" dirty="0" err="1" smtClean="0">
-                <a:solidFill>
-                  <a:schemeClr val="tx1"/>
-                </a:solidFill>
-                <a:effectLst/>
-                <a:latin typeface="+mn-lt"/>
-                <a:ea typeface="+mn-ea"/>
-                <a:cs typeface="+mn-cs"/>
-              </a:rPr>
-              <a:t>source</a:t>
-            </a:r>
-            <a:r>
-              <a:rPr lang="de-DE" sz="1200" b="0" i="0" kern="1200" dirty="0" smtClean="0">
-                <a:solidFill>
-                  <a:schemeClr val="tx1"/>
-                </a:solidFill>
-                <a:effectLst/>
-                <a:latin typeface="+mn-lt"/>
-                <a:ea typeface="+mn-ea"/>
-                <a:cs typeface="+mn-cs"/>
-              </a:rPr>
-              <a:t>).</a:t>
-            </a:r>
-            <a:r>
-              <a:rPr lang="de-DE" sz="1200" b="0" i="0" u="none" strike="noStrike" kern="1200" baseline="30000" dirty="0" smtClean="0">
-                <a:solidFill>
-                  <a:schemeClr val="tx1"/>
-                </a:solidFill>
-                <a:effectLst/>
-                <a:latin typeface="+mn-lt"/>
-                <a:ea typeface="+mn-ea"/>
-                <a:cs typeface="+mn-cs"/>
-                <a:hlinkClick r:id="rId14"/>
-              </a:rPr>
-              <a:t>[1]</a:t>
+              <a:t>Hier noch ein Bild zu Cinema 4D einfügen.</a:t>
             </a:r>
             <a:endParaRPr lang="de-DE" dirty="0"/>
           </a:p>
@@ -1188,7 +816,7 @@
           <a:p>
             <a:fld id="{B31920E4-02A0-409B-A8B9-098E88402350}" type="slidenum">
               <a:rPr lang="de-DE" smtClean="0"/>
-              <a:t>7</a:t>
+              <a:t>6</a:t>
             </a:fld>
             <a:endParaRPr lang="de-DE"/>
           </a:p>
@@ -1197,7 +825,7 @@
     </p:spTree>
     <p:extLst>
       <p:ext uri="{BB962C8B-B14F-4D97-AF65-F5344CB8AC3E}">
-        <p14:creationId xmlns:p14="http://schemas.microsoft.com/office/powerpoint/2010/main" val="905226233"/>
+        <p14:creationId xmlns:p14="http://schemas.microsoft.com/office/powerpoint/2010/main" val="1779011851"/>
       </p:ext>
     </p:extLst>
   </p:cSld>
@@ -1251,23 +879,12 @@
           <a:bodyPr/>
           <a:lstStyle/>
           <a:p>
-            <a:pPr marL="228600" indent="-228600">
-              <a:buAutoNum type="arabicParenR"/>
-            </a:pPr>
-            <a:r>
-              <a:rPr lang="de-DE" dirty="0" smtClean="0"/>
-              <a:t>Sony Tool Abteilung </a:t>
-            </a:r>
-            <a:r>
-              <a:rPr lang="de-DE" dirty="0" err="1" smtClean="0"/>
-              <a:t>SnSystems</a:t>
-            </a:r>
-            <a:r>
-              <a:rPr lang="de-DE" dirty="0" smtClean="0"/>
-              <a:t> „</a:t>
-            </a:r>
-            <a:r>
-              <a:rPr lang="en-US" sz="1200" b="0" i="0" kern="1200" dirty="0" smtClean="0">
+            <a:r>
+              <a:rPr lang="de-DE" dirty="0" smtClean="0"/>
+              <a:t>Proprietären: B</a:t>
+            </a:r>
+            <a:r>
+              <a:rPr lang="de-DE" sz="1200" b="0" i="0" kern="1200" dirty="0" smtClean="0">
                 <a:solidFill>
                   <a:schemeClr val="tx1"/>
                 </a:solidFill>
@@ -1276,394 +893,355 @@
                 <a:ea typeface="+mn-ea"/>
                 <a:cs typeface="+mn-cs"/>
               </a:rPr>
-              <a:t>For more than 25 years we've been creating the tools used by games developers around the world. What began as a two-person operation has grown to become an international company with more than 80 employees.”</a:t>
-            </a:r>
-          </a:p>
-          <a:p>
-            <a:r>
-              <a:rPr lang="de-DE" sz="1200" b="0" i="0" u="none" strike="noStrike" kern="1200" baseline="0" dirty="0" smtClean="0">
+              <a:t>ezeichnet eine Software, die das Recht und die Möglichkeiten der Wieder- und Weiterverwendung, sowie Änderung und Anpassung durch </a:t>
+            </a:r>
+            <a:r>
+              <a:rPr lang="de-DE" sz="1200" b="0" i="0" u="none" strike="noStrike" kern="1200" dirty="0" smtClean="0">
                 <a:solidFill>
                   <a:schemeClr val="tx1"/>
                 </a:solidFill>
+                <a:effectLst/>
                 <a:latin typeface="+mn-lt"/>
                 <a:ea typeface="+mn-ea"/>
                 <a:cs typeface="+mn-cs"/>
-              </a:rPr>
-              <a:t>2) Dieses Konzept ist an</a:t>
-            </a:r>
-          </a:p>
-          <a:p>
-            <a:r>
-              <a:rPr lang="de-DE" sz="1200" b="0" i="0" u="none" strike="noStrike" kern="1200" baseline="0" dirty="0" smtClean="0">
+                <a:hlinkClick r:id="rId3" tooltip="Endbenutzer"/>
+              </a:rPr>
+              <a:t>Nutzer</a:t>
+            </a:r>
+            <a:r>
+              <a:rPr lang="de-DE" sz="1200" b="0" i="0" kern="1200" dirty="0" smtClean="0">
                 <a:solidFill>
                   <a:schemeClr val="tx1"/>
                 </a:solidFill>
+                <a:effectLst/>
                 <a:latin typeface="+mn-lt"/>
                 <a:ea typeface="+mn-ea"/>
                 <a:cs typeface="+mn-cs"/>
               </a:rPr>
-              <a:t>Jason Gregorys These, dass </a:t>
-            </a:r>
-            <a:r>
-              <a:rPr lang="de-DE" sz="1200" b="0" i="0" u="none" strike="noStrike" kern="1200" baseline="0" dirty="0" err="1" smtClean="0">
+              <a:t> und </a:t>
+            </a:r>
+            <a:r>
+              <a:rPr lang="de-DE" sz="1200" b="0" i="0" u="none" strike="noStrike" kern="1200" dirty="0" smtClean="0">
                 <a:solidFill>
                   <a:schemeClr val="tx1"/>
                 </a:solidFill>
+                <a:effectLst/>
                 <a:latin typeface="+mn-lt"/>
                 <a:ea typeface="+mn-ea"/>
                 <a:cs typeface="+mn-cs"/>
-              </a:rPr>
-              <a:t>Authoring</a:t>
-            </a:r>
-            <a:r>
-              <a:rPr lang="de-DE" sz="1200" b="0" i="0" u="none" strike="noStrike" kern="1200" baseline="0" dirty="0" smtClean="0">
+                <a:hlinkClick r:id="rId4" tooltip="Dritthersteller"/>
+              </a:rPr>
+              <a:t>Dritte</a:t>
+            </a:r>
+            <a:r>
+              <a:rPr lang="de-DE" sz="1200" b="0" i="0" kern="1200" dirty="0" smtClean="0">
                 <a:solidFill>
                   <a:schemeClr val="tx1"/>
                 </a:solidFill>
+                <a:effectLst/>
                 <a:latin typeface="+mn-lt"/>
                 <a:ea typeface="+mn-ea"/>
                 <a:cs typeface="+mn-cs"/>
               </a:rPr>
-              <a:t> Tools verlässlich und einfach zu nutzen</a:t>
-            </a:r>
-          </a:p>
-          <a:p>
-            <a:r>
-              <a:rPr lang="de-DE" sz="1200" b="0" i="0" u="none" strike="noStrike" kern="1200" baseline="0" dirty="0" smtClean="0">
+              <a:t> stark einschränkt. Es gibt einige Mechanismen die eine Software „</a:t>
+            </a:r>
+            <a:r>
+              <a:rPr lang="de-DE" sz="1200" b="0" i="0" u="none" strike="noStrike" kern="1200" dirty="0" smtClean="0">
                 <a:solidFill>
                   <a:schemeClr val="tx1"/>
                 </a:solidFill>
+                <a:effectLst/>
                 <a:latin typeface="+mn-lt"/>
                 <a:ea typeface="+mn-ea"/>
                 <a:cs typeface="+mn-cs"/>
-              </a:rPr>
-              <a:t>sein müssen, angelehnt. Vgl. Jason </a:t>
-            </a:r>
-            <a:r>
-              <a:rPr lang="de-DE" sz="1200" b="0" i="0" u="none" strike="noStrike" kern="1200" baseline="0" dirty="0" err="1" smtClean="0">
+                <a:hlinkClick r:id="rId5" tooltip="Proprietär"/>
+              </a:rPr>
+              <a:t>proprietär</a:t>
+            </a:r>
+            <a:r>
+              <a:rPr lang="de-DE" sz="1200" b="0" i="0" kern="1200" dirty="0" smtClean="0">
                 <a:solidFill>
                   <a:schemeClr val="tx1"/>
                 </a:solidFill>
+                <a:effectLst/>
                 <a:latin typeface="+mn-lt"/>
                 <a:ea typeface="+mn-ea"/>
                 <a:cs typeface="+mn-cs"/>
               </a:rPr>
-              <a:t>Gergory</a:t>
-            </a:r>
-            <a:r>
-              <a:rPr lang="de-DE" sz="1200" b="0" i="0" u="none" strike="noStrike" kern="1200" baseline="0" dirty="0" smtClean="0">
+              <a:t>“ machen und halten können: aufbauen der Software auf herstellerspezifischen, nicht veröffentlichten </a:t>
+            </a:r>
+            <a:r>
+              <a:rPr lang="de-DE" sz="1200" b="0" i="0" u="none" strike="noStrike" kern="1200" dirty="0" smtClean="0">
                 <a:solidFill>
                   <a:schemeClr val="tx1"/>
                 </a:solidFill>
+                <a:effectLst/>
                 <a:latin typeface="+mn-lt"/>
                 <a:ea typeface="+mn-ea"/>
                 <a:cs typeface="+mn-cs"/>
-              </a:rPr>
-              <a:t>. </a:t>
-            </a:r>
-            <a:r>
-              <a:rPr lang="de-DE" sz="1200" b="0" i="1" u="none" strike="noStrike" kern="1200" baseline="0" dirty="0" smtClean="0">
+                <a:hlinkClick r:id="rId6" tooltip="Standard"/>
+              </a:rPr>
+              <a:t>Standards</a:t>
+            </a:r>
+            <a:r>
+              <a:rPr lang="de-DE" sz="1200" b="0" i="0" kern="1200" dirty="0" smtClean="0">
                 <a:solidFill>
                   <a:schemeClr val="tx1"/>
                 </a:solidFill>
+                <a:effectLst/>
                 <a:latin typeface="+mn-lt"/>
                 <a:ea typeface="+mn-ea"/>
                 <a:cs typeface="+mn-cs"/>
               </a:rPr>
-              <a:t>Game Engine </a:t>
-            </a:r>
-            <a:r>
-              <a:rPr lang="de-DE" sz="1200" b="0" i="1" u="none" strike="noStrike" kern="1200" baseline="0" dirty="0" err="1" smtClean="0">
+              <a:t>, durch </a:t>
+            </a:r>
+            <a:r>
+              <a:rPr lang="de-DE" sz="1200" b="0" i="0" u="none" strike="noStrike" kern="1200" dirty="0" smtClean="0">
                 <a:solidFill>
                   <a:schemeClr val="tx1"/>
                 </a:solidFill>
+                <a:effectLst/>
                 <a:latin typeface="+mn-lt"/>
                 <a:ea typeface="+mn-ea"/>
                 <a:cs typeface="+mn-cs"/>
-              </a:rPr>
-              <a:t>Architecture</a:t>
-            </a:r>
-            <a:r>
-              <a:rPr lang="de-DE" sz="1200" b="0" i="0" u="none" strike="noStrike" kern="1200" baseline="0" dirty="0" smtClean="0">
+                <a:hlinkClick r:id="rId7" tooltip="Softwarepatent"/>
+              </a:rPr>
+              <a:t>Softwarepatente</a:t>
+            </a:r>
+            <a:r>
+              <a:rPr lang="de-DE" sz="1200" b="0" i="0" kern="1200" dirty="0" smtClean="0">
                 <a:solidFill>
                   <a:schemeClr val="tx1"/>
                 </a:solidFill>
+                <a:effectLst/>
                 <a:latin typeface="+mn-lt"/>
                 <a:ea typeface="+mn-ea"/>
                 <a:cs typeface="+mn-cs"/>
               </a:rPr>
-              <a:t>. Taylor</a:t>
-            </a:r>
-          </a:p>
-          <a:p>
-            <a:r>
-              <a:rPr lang="de-DE" sz="1200" b="0" i="0" u="none" strike="noStrike" kern="1200" baseline="0" dirty="0" smtClean="0">
+              <a:t>, das </a:t>
+            </a:r>
+            <a:r>
+              <a:rPr lang="de-DE" sz="1200" b="0" i="0" u="none" strike="noStrike" kern="1200" dirty="0" smtClean="0">
                 <a:solidFill>
                   <a:schemeClr val="tx1"/>
                 </a:solidFill>
+                <a:effectLst/>
                 <a:latin typeface="+mn-lt"/>
                 <a:ea typeface="+mn-ea"/>
                 <a:cs typeface="+mn-cs"/>
-              </a:rPr>
-              <a:t>&amp; Francis Ltd., 2009. </a:t>
-            </a:r>
-            <a:r>
-              <a:rPr lang="de-DE" sz="1200" b="0" i="0" u="none" strike="noStrike" kern="1200" baseline="0" dirty="0" err="1" smtClean="0">
+                <a:hlinkClick r:id="rId8" tooltip="Urheberrecht"/>
+              </a:rPr>
+              <a:t>Urheberrecht</a:t>
+            </a:r>
+            <a:r>
+              <a:rPr lang="de-DE" sz="1200" b="0" i="0" kern="1200" dirty="0" smtClean="0">
                 <a:solidFill>
                   <a:schemeClr val="tx1"/>
                 </a:solidFill>
+                <a:effectLst/>
                 <a:latin typeface="+mn-lt"/>
                 <a:ea typeface="+mn-ea"/>
                 <a:cs typeface="+mn-cs"/>
               </a:rPr>
-              <a:t>isbn</a:t>
-            </a:r>
-            <a:r>
-              <a:rPr lang="de-DE" sz="1200" b="0" i="0" u="none" strike="noStrike" kern="1200" baseline="0" dirty="0" smtClean="0">
+              <a:t>, </a:t>
+            </a:r>
+            <a:r>
+              <a:rPr lang="de-DE" sz="1200" b="0" i="0" u="none" strike="noStrike" kern="1200" dirty="0" smtClean="0">
                 <a:solidFill>
                   <a:schemeClr val="tx1"/>
                 </a:solidFill>
+                <a:effectLst/>
                 <a:latin typeface="+mn-lt"/>
                 <a:ea typeface="+mn-ea"/>
                 <a:cs typeface="+mn-cs"/>
-              </a:rPr>
-              <a:t>: 978-1568814131, S. 49.</a:t>
-            </a:r>
-            <a:endParaRPr lang="de-DE" dirty="0" smtClean="0"/>
-          </a:p>
-          <a:p>
-            <a:pPr marL="228600" indent="-228600">
-              <a:buAutoNum type="arabicParenR"/>
-            </a:pPr>
-            <a:r>
-              <a:rPr lang="de-DE" dirty="0" smtClean="0"/>
-              <a:t>Verschiedene</a:t>
-            </a:r>
-            <a:r>
-              <a:rPr lang="de-DE" baseline="0" dirty="0" smtClean="0"/>
-              <a:t> Artikel aus Fachzeitschriften belegen die Relevanz dieses Arbeitsschrittes</a:t>
-            </a:r>
-          </a:p>
-          <a:p>
-            <a:endParaRPr lang="de-DE" sz="1200" b="0" i="0" u="none" strike="noStrike" kern="1200" baseline="0" dirty="0" smtClean="0">
-              <a:solidFill>
-                <a:schemeClr val="tx1"/>
-              </a:solidFill>
-              <a:latin typeface="+mn-lt"/>
-              <a:ea typeface="+mn-ea"/>
-              <a:cs typeface="+mn-cs"/>
-            </a:endParaRPr>
-          </a:p>
-          <a:p>
-            <a:r>
-              <a:rPr lang="de-DE" sz="1200" b="0" i="0" u="none" strike="noStrike" kern="1200" baseline="0" dirty="0" smtClean="0">
+                <a:hlinkClick r:id="rId9" tooltip="Softwarelizenz"/>
+              </a:rPr>
+              <a:t>Lizenzbedingungen</a:t>
+            </a:r>
+            <a:r>
+              <a:rPr lang="de-DE" sz="1200" b="0" i="0" kern="1200" dirty="0" smtClean="0">
                 <a:solidFill>
                   <a:schemeClr val="tx1"/>
                 </a:solidFill>
+                <a:effectLst/>
                 <a:latin typeface="+mn-lt"/>
                 <a:ea typeface="+mn-ea"/>
                 <a:cs typeface="+mn-cs"/>
               </a:rPr>
-              <a:t>In: </a:t>
-            </a:r>
-            <a:r>
-              <a:rPr lang="de-DE" sz="1200" b="0" i="1" u="none" strike="noStrike" kern="1200" baseline="0" dirty="0" smtClean="0">
+              <a:t> (</a:t>
+            </a:r>
+            <a:r>
+              <a:rPr lang="de-DE" sz="1200" b="0" i="0" u="none" strike="noStrike" kern="1200" dirty="0" smtClean="0">
                 <a:solidFill>
                   <a:schemeClr val="tx1"/>
                 </a:solidFill>
+                <a:effectLst/>
                 <a:latin typeface="+mn-lt"/>
                 <a:ea typeface="+mn-ea"/>
                 <a:cs typeface="+mn-cs"/>
-              </a:rPr>
-              <a:t>Making Games </a:t>
-            </a:r>
-            <a:r>
-              <a:rPr lang="de-DE" sz="1200" b="0" i="0" u="none" strike="noStrike" kern="1200" baseline="0" dirty="0" smtClean="0">
+                <a:hlinkClick r:id="rId10" tooltip="EULA"/>
+              </a:rPr>
+              <a:t>EULAs</a:t>
+            </a:r>
+            <a:r>
+              <a:rPr lang="de-DE" sz="1200" b="0" i="0" kern="1200" dirty="0" smtClean="0">
                 <a:solidFill>
                   <a:schemeClr val="tx1"/>
                 </a:solidFill>
+                <a:effectLst/>
                 <a:latin typeface="+mn-lt"/>
                 <a:ea typeface="+mn-ea"/>
                 <a:cs typeface="+mn-cs"/>
               </a:rPr>
-              <a:t>3 (2015), S. 24–27]. Hier beschreibt</a:t>
-            </a:r>
-          </a:p>
-          <a:p>
-            <a:r>
-              <a:rPr lang="de-DE" sz="1200" b="0" i="0" u="none" strike="noStrike" kern="1200" baseline="0" dirty="0" smtClean="0">
+              <a:t>) und die Behandlung </a:t>
+            </a:r>
+            <a:r>
+              <a:rPr lang="de-DE" sz="1200" b="0" i="0" kern="1200" dirty="0" err="1" smtClean="0">
                 <a:solidFill>
                   <a:schemeClr val="tx1"/>
                 </a:solidFill>
+                <a:effectLst/>
                 <a:latin typeface="+mn-lt"/>
                 <a:ea typeface="+mn-ea"/>
                 <a:cs typeface="+mn-cs"/>
               </a:rPr>
-              <a:t>die Making Games in der Ausgabe 03/2015 die Nutzung der V-Play</a:t>
-            </a:r>
-          </a:p>
-          <a:p>
-            <a:r>
-              <a:rPr lang="de-DE" sz="1200" b="0" i="0" u="none" strike="noStrike" kern="1200" baseline="0" dirty="0" smtClean="0">
+              <a:t>des</a:t>
+            </a:r>
+            <a:r>
+              <a:rPr lang="de-DE" sz="1200" b="0" i="0" u="none" strike="noStrike" kern="1200" dirty="0" err="1" smtClean="0">
                 <a:solidFill>
                   <a:schemeClr val="tx1"/>
                 </a:solidFill>
+                <a:effectLst/>
                 <a:latin typeface="+mn-lt"/>
                 <a:ea typeface="+mn-ea"/>
                 <a:cs typeface="+mn-cs"/>
-              </a:rPr>
-              <a:t>Engine um einerseits Interaktive Software wie Spiele für den Markt zu entwickeln,</a:t>
-            </a:r>
-          </a:p>
-          <a:p>
-            <a:r>
-              <a:rPr lang="de-DE" sz="1200" b="0" i="0" u="none" strike="noStrike" kern="1200" baseline="0" dirty="0" smtClean="0">
+                <a:hlinkClick r:id="rId11" tooltip="Quelltext"/>
+              </a:rPr>
+              <a:t>Quelltextes</a:t>
+            </a:r>
+            <a:r>
+              <a:rPr lang="de-DE" sz="1200" b="0" i="0" kern="1200" dirty="0" smtClean="0">
                 <a:solidFill>
                   <a:schemeClr val="tx1"/>
                 </a:solidFill>
+                <a:effectLst/>
                 <a:latin typeface="+mn-lt"/>
                 <a:ea typeface="+mn-ea"/>
                 <a:cs typeface="+mn-cs"/>
               </a:rPr>
-              <a:t>als auch die Möglichkeit, das Tool dazu zu verwenden, User-</a:t>
-            </a:r>
-            <a:r>
-              <a:rPr lang="de-DE" sz="1200" b="0" i="0" u="none" strike="noStrike" kern="1200" baseline="0" dirty="0" err="1" smtClean="0">
+              <a:t> als </a:t>
+            </a:r>
+            <a:r>
+              <a:rPr lang="de-DE" sz="1200" b="0" i="0" u="none" strike="noStrike" kern="1200" dirty="0" smtClean="0">
                 <a:solidFill>
                   <a:schemeClr val="tx1"/>
                 </a:solidFill>
+                <a:effectLst/>
                 <a:latin typeface="+mn-lt"/>
                 <a:ea typeface="+mn-ea"/>
                 <a:cs typeface="+mn-cs"/>
-              </a:rPr>
-              <a:t>Generated</a:t>
-            </a:r>
-            <a:endParaRPr lang="de-DE" sz="1200" b="0" i="0" u="none" strike="noStrike" kern="1200" baseline="0" dirty="0" smtClean="0">
-              <a:solidFill>
-                <a:schemeClr val="tx1"/>
-              </a:solidFill>
-              <a:latin typeface="+mn-lt"/>
-              <a:ea typeface="+mn-ea"/>
-              <a:cs typeface="+mn-cs"/>
-            </a:endParaRPr>
-          </a:p>
-          <a:p>
-            <a:r>
-              <a:rPr lang="de-DE" sz="1200" b="0" i="0" u="none" strike="noStrike" kern="1200" baseline="0" dirty="0" smtClean="0">
+                <a:hlinkClick r:id="rId12" tooltip="Betriebsgeheimnis"/>
+              </a:rPr>
+              <a:t>Betriebsgeheimnis</a:t>
+            </a:r>
+            <a:r>
+              <a:rPr lang="de-DE" sz="1200" b="0" i="0" kern="1200" dirty="0" smtClean="0">
                 <a:solidFill>
                   <a:schemeClr val="tx1"/>
                 </a:solidFill>
+                <a:effectLst/>
                 <a:latin typeface="+mn-lt"/>
                 <a:ea typeface="+mn-ea"/>
                 <a:cs typeface="+mn-cs"/>
               </a:rPr>
-              <a:t>Content zu erzeugen und Software so längerfristig durch Kundenbindung am</a:t>
-            </a:r>
-          </a:p>
-          <a:p>
-            <a:r>
-              <a:rPr lang="de-DE" sz="1200" b="0" i="0" u="none" strike="noStrike" kern="1200" baseline="0" dirty="0" smtClean="0">
+              <a:t> (</a:t>
+            </a:r>
+            <a:r>
+              <a:rPr lang="de-DE" sz="1200" b="0" i="0" u="none" strike="noStrike" kern="1200" dirty="0" smtClean="0">
                 <a:solidFill>
                   <a:schemeClr val="tx1"/>
                 </a:solidFill>
+                <a:effectLst/>
                 <a:latin typeface="+mn-lt"/>
                 <a:ea typeface="+mn-ea"/>
                 <a:cs typeface="+mn-cs"/>
-              </a:rPr>
-              <a:t>Markt zu etablieren.</a:t>
-            </a:r>
-          </a:p>
-          <a:p>
-            <a:endParaRPr lang="de-DE" sz="1200" b="0" i="0" u="none" strike="noStrike" kern="1200" baseline="0" dirty="0" smtClean="0">
-              <a:solidFill>
-                <a:schemeClr val="tx1"/>
-              </a:solidFill>
-              <a:latin typeface="+mn-lt"/>
-              <a:ea typeface="+mn-ea"/>
-              <a:cs typeface="+mn-cs"/>
-            </a:endParaRPr>
-          </a:p>
-          <a:p>
-            <a:r>
-              <a:rPr lang="en-US" sz="1200" b="0" i="0" u="none" strike="noStrike" kern="1200" baseline="0" dirty="0" smtClean="0">
+                <a:hlinkClick r:id="rId13" tooltip="Englische Sprache"/>
+              </a:rPr>
+              <a:t>englisch</a:t>
+            </a:r>
+            <a:r>
+              <a:rPr lang="de-DE" sz="1200" b="0" i="0" kern="1200" dirty="0" smtClean="0">
                 <a:solidFill>
                   <a:schemeClr val="tx1"/>
                 </a:solidFill>
+                <a:effectLst/>
                 <a:latin typeface="+mn-lt"/>
                 <a:ea typeface="+mn-ea"/>
                 <a:cs typeface="+mn-cs"/>
               </a:rPr>
-              <a:t>2) Klose, Jan Lange, Thorsten. »Lords of the Fallen Tackling a new</a:t>
-            </a:r>
-          </a:p>
-          <a:p>
-            <a:r>
-              <a:rPr lang="en-US" sz="1200" b="0" i="0" u="none" strike="noStrike" kern="1200" baseline="0" dirty="0" smtClean="0">
+              <a:t> </a:t>
+            </a:r>
+            <a:r>
+              <a:rPr lang="de-DE" sz="1200" b="0" i="0" kern="1200" dirty="0" err="1" smtClean="0">
                 <a:solidFill>
                   <a:schemeClr val="tx1"/>
                 </a:solidFill>
+                <a:effectLst/>
                 <a:latin typeface="+mn-lt"/>
                 <a:ea typeface="+mn-ea"/>
                 <a:cs typeface="+mn-cs"/>
               </a:rPr>
-              <a:t>gen game with an emerging studio«. In: </a:t>
-            </a:r>
-            <a:r>
-              <a:rPr lang="en-US" sz="1200" b="0" i="1" u="none" strike="noStrike" kern="1200" baseline="0" dirty="0" smtClean="0">
+              <a:t>closed</a:t>
+            </a:r>
+            <a:r>
+              <a:rPr lang="de-DE" sz="1200" b="0" i="0" kern="1200" dirty="0" smtClean="0">
                 <a:solidFill>
                   <a:schemeClr val="tx1"/>
                 </a:solidFill>
+                <a:effectLst/>
                 <a:latin typeface="+mn-lt"/>
                 <a:ea typeface="+mn-ea"/>
                 <a:cs typeface="+mn-cs"/>
               </a:rPr>
-              <a:t>Making Games </a:t>
-            </a:r>
-            <a:r>
-              <a:rPr lang="en-US" sz="1200" b="0" i="0" u="none" strike="noStrike" kern="1200" baseline="0" dirty="0" smtClean="0">
+              <a:t> </a:t>
+            </a:r>
+            <a:r>
+              <a:rPr lang="de-DE" sz="1200" b="0" i="0" kern="1200" dirty="0" err="1" smtClean="0">
                 <a:solidFill>
                   <a:schemeClr val="tx1"/>
                 </a:solidFill>
+                <a:effectLst/>
                 <a:latin typeface="+mn-lt"/>
                 <a:ea typeface="+mn-ea"/>
                 <a:cs typeface="+mn-cs"/>
               </a:rPr>
-              <a:t>3 (2015),</a:t>
-            </a:r>
-          </a:p>
-          <a:p>
-            <a:r>
-              <a:rPr lang="de-DE" sz="1200" b="0" i="0" u="none" strike="noStrike" kern="1200" baseline="0" dirty="0" smtClean="0">
+              <a:t>source</a:t>
+            </a:r>
+            <a:r>
+              <a:rPr lang="de-DE" sz="1200" b="0" i="0" kern="1200" dirty="0" smtClean="0">
                 <a:solidFill>
                   <a:schemeClr val="tx1"/>
                 </a:solidFill>
+                <a:effectLst/>
                 <a:latin typeface="+mn-lt"/>
                 <a:ea typeface="+mn-ea"/>
                 <a:cs typeface="+mn-cs"/>
               </a:rPr>
-              <a:t>S. 44–45 – Editor Play und Edit at </a:t>
-            </a:r>
-            <a:r>
-              <a:rPr lang="de-DE" sz="1200" b="0" i="0" u="none" strike="noStrike" kern="1200" baseline="0" dirty="0" err="1" smtClean="0">
+              <a:t>).</a:t>
+            </a:r>
+            <a:r>
+              <a:rPr lang="de-DE" sz="1200" b="0" i="0" u="none" strike="noStrike" kern="1200" baseline="30000" dirty="0" smtClean="0">
                 <a:solidFill>
                   <a:schemeClr val="tx1"/>
                 </a:solidFill>
+                <a:effectLst/>
                 <a:latin typeface="+mn-lt"/>
                 <a:ea typeface="+mn-ea"/>
                 <a:cs typeface="+mn-cs"/>
-              </a:rPr>
-              <a:t>the</a:t>
-            </a:r>
-            <a:r>
-              <a:rPr lang="de-DE" sz="1200" b="0" i="0" u="none" strike="noStrike" kern="1200" baseline="0" dirty="0" smtClean="0">
-                <a:solidFill>
-                  <a:schemeClr val="tx1"/>
-                </a:solidFill>
-                <a:latin typeface="+mn-lt"/>
-                <a:ea typeface="+mn-ea"/>
-                <a:cs typeface="+mn-cs"/>
-              </a:rPr>
-              <a:t> same time.</a:t>
+                <a:hlinkClick r:id="rId14"/>
+              </a:rPr>
+              <a:t>[1]</a:t>
             </a:r>
             <a:endParaRPr lang="de-DE" dirty="0"/>
           </a:p>
@@ -1686,7 +1264,7 @@
           <a:p>
             <a:fld id="{B31920E4-02A0-409B-A8B9-098E88402350}" type="slidenum">
               <a:rPr lang="de-DE" smtClean="0"/>
-              <a:t>8</a:t>
+              <a:t>7</a:t>
             </a:fld>
             <a:endParaRPr lang="de-DE"/>
           </a:p>
@@ -1695,7 +1273,7 @@
     </p:spTree>
     <p:extLst>
       <p:ext uri="{BB962C8B-B14F-4D97-AF65-F5344CB8AC3E}">
-        <p14:creationId xmlns:p14="http://schemas.microsoft.com/office/powerpoint/2010/main" val="3293269556"/>
+        <p14:creationId xmlns:p14="http://schemas.microsoft.com/office/powerpoint/2010/main" val="905226233"/>
       </p:ext>
     </p:extLst>
   </p:cSld>
@@ -1749,37 +1327,420 @@
           <a:bodyPr/>
           <a:lstStyle/>
           <a:p>
-            <a:pPr marL="0" marR="0" lvl="1" indent="0" algn="l" defTabSz="914400" rtl="0" eaLnBrk="1" fontAlgn="auto" latinLnBrk="0" hangingPunct="1">
-              <a:lnSpc>
-                <a:spcPct val="100000"/>
-              </a:lnSpc>
-              <a:spcBef>
-                <a:spcPts val="0"/>
-              </a:spcBef>
-              <a:spcAft>
-                <a:spcPts val="0"/>
-              </a:spcAft>
-              <a:buClrTx/>
-              <a:buSzTx/>
-              <a:buFontTx/>
-              <a:buNone/>
-              <a:tabLst/>
-              <a:defRPr/>
+            <a:pPr marL="228600" indent="-228600">
+              <a:buAutoNum type="arabicParenR"/>
             </a:pPr>
             <a:r>
               <a:rPr lang="de-DE" dirty="0" smtClean="0"/>
-              <a:t>2)</a:t>
+              <a:t>Sony Tool Abteilung </a:t>
+            </a:r>
+            <a:r>
+              <a:rPr lang="de-DE" dirty="0" err="1" smtClean="0"/>
+              <a:t>SnSystems</a:t>
+            </a:r>
+            <a:r>
+              <a:rPr lang="de-DE" dirty="0" smtClean="0"/>
+              <a:t> „</a:t>
+            </a:r>
+            <a:r>
+              <a:rPr lang="en-US" sz="1200" b="0" i="0" kern="1200" dirty="0" smtClean="0">
+                <a:solidFill>
+                  <a:schemeClr val="tx1"/>
+                </a:solidFill>
+                <a:effectLst/>
+                <a:latin typeface="+mn-lt"/>
+                <a:ea typeface="+mn-ea"/>
+                <a:cs typeface="+mn-cs"/>
+              </a:rPr>
+              <a:t>For more than 25 years we've been creating the tools used by games developers around the world. What began as a two-person operation has grown to become an international company with more than 80 employees.”</a:t>
+            </a:r>
+          </a:p>
+          <a:p>
+            <a:r>
+              <a:rPr lang="de-DE" sz="1200" b="0" i="0" u="none" strike="noStrike" kern="1200" baseline="0" dirty="0" smtClean="0">
+                <a:solidFill>
+                  <a:schemeClr val="tx1"/>
+                </a:solidFill>
+                <a:latin typeface="+mn-lt"/>
+                <a:ea typeface="+mn-ea"/>
+                <a:cs typeface="+mn-cs"/>
+              </a:rPr>
+              <a:t>2) Dieses Konzept ist an</a:t>
+            </a:r>
+          </a:p>
+          <a:p>
+            <a:r>
+              <a:rPr lang="de-DE" sz="1200" b="0" i="0" u="none" strike="noStrike" kern="1200" baseline="0" dirty="0" smtClean="0">
+                <a:solidFill>
+                  <a:schemeClr val="tx1"/>
+                </a:solidFill>
+                <a:latin typeface="+mn-lt"/>
+                <a:ea typeface="+mn-ea"/>
+                <a:cs typeface="+mn-cs"/>
+              </a:rPr>
+              <a:t>Jason Gregorys These, dass </a:t>
+            </a:r>
+            <a:r>
+              <a:rPr lang="de-DE" sz="1200" b="0" i="0" u="none" strike="noStrike" kern="1200" baseline="0" dirty="0" err="1" smtClean="0">
+                <a:solidFill>
+                  <a:schemeClr val="tx1"/>
+                </a:solidFill>
+                <a:latin typeface="+mn-lt"/>
+                <a:ea typeface="+mn-ea"/>
+                <a:cs typeface="+mn-cs"/>
+              </a:rPr>
+              <a:t>Authoring</a:t>
+            </a:r>
+            <a:r>
+              <a:rPr lang="de-DE" sz="1200" b="0" i="0" u="none" strike="noStrike" kern="1200" baseline="0" dirty="0" smtClean="0">
+                <a:solidFill>
+                  <a:schemeClr val="tx1"/>
+                </a:solidFill>
+                <a:latin typeface="+mn-lt"/>
+                <a:ea typeface="+mn-ea"/>
+                <a:cs typeface="+mn-cs"/>
+              </a:rPr>
+              <a:t> Tools verlässlich und einfach zu nutzen</a:t>
+            </a:r>
+          </a:p>
+          <a:p>
+            <a:r>
+              <a:rPr lang="de-DE" sz="1200" b="0" i="0" u="none" strike="noStrike" kern="1200" baseline="0" dirty="0" smtClean="0">
+                <a:solidFill>
+                  <a:schemeClr val="tx1"/>
+                </a:solidFill>
+                <a:latin typeface="+mn-lt"/>
+                <a:ea typeface="+mn-ea"/>
+                <a:cs typeface="+mn-cs"/>
+              </a:rPr>
+              <a:t>sein müssen, angelehnt. Vgl. Jason </a:t>
+            </a:r>
+            <a:r>
+              <a:rPr lang="de-DE" sz="1200" b="0" i="0" u="none" strike="noStrike" kern="1200" baseline="0" dirty="0" err="1" smtClean="0">
+                <a:solidFill>
+                  <a:schemeClr val="tx1"/>
+                </a:solidFill>
+                <a:latin typeface="+mn-lt"/>
+                <a:ea typeface="+mn-ea"/>
+                <a:cs typeface="+mn-cs"/>
+              </a:rPr>
+              <a:t>Gergory</a:t>
+            </a:r>
+            <a:r>
+              <a:rPr lang="de-DE" sz="1200" b="0" i="0" u="none" strike="noStrike" kern="1200" baseline="0" dirty="0" smtClean="0">
+                <a:solidFill>
+                  <a:schemeClr val="tx1"/>
+                </a:solidFill>
+                <a:latin typeface="+mn-lt"/>
+                <a:ea typeface="+mn-ea"/>
+                <a:cs typeface="+mn-cs"/>
+              </a:rPr>
+              <a:t>. </a:t>
+            </a:r>
+            <a:r>
+              <a:rPr lang="de-DE" sz="1200" b="0" i="1" u="none" strike="noStrike" kern="1200" baseline="0" dirty="0" smtClean="0">
+                <a:solidFill>
+                  <a:schemeClr val="tx1"/>
+                </a:solidFill>
+                <a:latin typeface="+mn-lt"/>
+                <a:ea typeface="+mn-ea"/>
+                <a:cs typeface="+mn-cs"/>
+              </a:rPr>
+              <a:t>Game Engine </a:t>
+            </a:r>
+            <a:r>
+              <a:rPr lang="de-DE" sz="1200" b="0" i="1" u="none" strike="noStrike" kern="1200" baseline="0" dirty="0" err="1" smtClean="0">
+                <a:solidFill>
+                  <a:schemeClr val="tx1"/>
+                </a:solidFill>
+                <a:latin typeface="+mn-lt"/>
+                <a:ea typeface="+mn-ea"/>
+                <a:cs typeface="+mn-cs"/>
+              </a:rPr>
+              <a:t>Architecture</a:t>
+            </a:r>
+            <a:r>
+              <a:rPr lang="de-DE" sz="1200" b="0" i="0" u="none" strike="noStrike" kern="1200" baseline="0" dirty="0" smtClean="0">
+                <a:solidFill>
+                  <a:schemeClr val="tx1"/>
+                </a:solidFill>
+                <a:latin typeface="+mn-lt"/>
+                <a:ea typeface="+mn-ea"/>
+                <a:cs typeface="+mn-cs"/>
+              </a:rPr>
+              <a:t>. Taylor</a:t>
+            </a:r>
+          </a:p>
+          <a:p>
+            <a:r>
+              <a:rPr lang="de-DE" sz="1200" b="0" i="0" u="none" strike="noStrike" kern="1200" baseline="0" dirty="0" smtClean="0">
+                <a:solidFill>
+                  <a:schemeClr val="tx1"/>
+                </a:solidFill>
+                <a:latin typeface="+mn-lt"/>
+                <a:ea typeface="+mn-ea"/>
+                <a:cs typeface="+mn-cs"/>
+              </a:rPr>
+              <a:t>&amp; Francis Ltd., 2009. </a:t>
+            </a:r>
+            <a:r>
+              <a:rPr lang="de-DE" sz="1200" b="0" i="0" u="none" strike="noStrike" kern="1200" baseline="0" dirty="0" err="1" smtClean="0">
+                <a:solidFill>
+                  <a:schemeClr val="tx1"/>
+                </a:solidFill>
+                <a:latin typeface="+mn-lt"/>
+                <a:ea typeface="+mn-ea"/>
+                <a:cs typeface="+mn-cs"/>
+              </a:rPr>
+              <a:t>isbn</a:t>
+            </a:r>
+            <a:r>
+              <a:rPr lang="de-DE" sz="1200" b="0" i="0" u="none" strike="noStrike" kern="1200" baseline="0" dirty="0" smtClean="0">
+                <a:solidFill>
+                  <a:schemeClr val="tx1"/>
+                </a:solidFill>
+                <a:latin typeface="+mn-lt"/>
+                <a:ea typeface="+mn-ea"/>
+                <a:cs typeface="+mn-cs"/>
+              </a:rPr>
+              <a:t>: 978-1568814131, S. 49.</a:t>
+            </a:r>
+            <a:endParaRPr lang="de-DE" dirty="0" smtClean="0"/>
+          </a:p>
+          <a:p>
+            <a:pPr marL="228600" indent="-228600">
+              <a:buAutoNum type="arabicParenR"/>
+            </a:pPr>
+            <a:r>
+              <a:rPr lang="de-DE" dirty="0" smtClean="0"/>
+              <a:t>Verschiedene</a:t>
             </a:r>
             <a:r>
               <a:rPr lang="de-DE" baseline="0" dirty="0" smtClean="0"/>
-              <a:t> </a:t>
-            </a:r>
-            <a:r>
-              <a:rPr lang="de-DE" dirty="0" smtClean="0"/>
-              <a:t>Durch eine Mechanik welche sich im Framework um die Verwaltung der Assets kümmert, muss der jeweilige Entwickler nicht bei jeder neuen Version eines Assets das Objekt neu einbinden, sondern durch eine Referenz geschieht dies „automatisch“. Code Dateien sind für das Verhalten von Assets im Produkt verantwortlich.</a:t>
-            </a:r>
-          </a:p>
-          <a:p>
+              <a:t> Artikel aus Fachzeitschriften belegen die Relevanz dieses Arbeitsschrittes</a:t>
+            </a:r>
+          </a:p>
+          <a:p>
+            <a:endParaRPr lang="de-DE" sz="1200" b="0" i="0" u="none" strike="noStrike" kern="1200" baseline="0" dirty="0" smtClean="0">
+              <a:solidFill>
+                <a:schemeClr val="tx1"/>
+              </a:solidFill>
+              <a:latin typeface="+mn-lt"/>
+              <a:ea typeface="+mn-ea"/>
+              <a:cs typeface="+mn-cs"/>
+            </a:endParaRPr>
+          </a:p>
+          <a:p>
+            <a:r>
+              <a:rPr lang="de-DE" sz="1200" b="0" i="0" u="none" strike="noStrike" kern="1200" baseline="0" dirty="0" smtClean="0">
+                <a:solidFill>
+                  <a:schemeClr val="tx1"/>
+                </a:solidFill>
+                <a:latin typeface="+mn-lt"/>
+                <a:ea typeface="+mn-ea"/>
+                <a:cs typeface="+mn-cs"/>
+              </a:rPr>
+              <a:t>In: </a:t>
+            </a:r>
+            <a:r>
+              <a:rPr lang="de-DE" sz="1200" b="0" i="1" u="none" strike="noStrike" kern="1200" baseline="0" dirty="0" smtClean="0">
+                <a:solidFill>
+                  <a:schemeClr val="tx1"/>
+                </a:solidFill>
+                <a:latin typeface="+mn-lt"/>
+                <a:ea typeface="+mn-ea"/>
+                <a:cs typeface="+mn-cs"/>
+              </a:rPr>
+              <a:t>Making Games </a:t>
+            </a:r>
+            <a:r>
+              <a:rPr lang="de-DE" sz="1200" b="0" i="0" u="none" strike="noStrike" kern="1200" baseline="0" dirty="0" smtClean="0">
+                <a:solidFill>
+                  <a:schemeClr val="tx1"/>
+                </a:solidFill>
+                <a:latin typeface="+mn-lt"/>
+                <a:ea typeface="+mn-ea"/>
+                <a:cs typeface="+mn-cs"/>
+              </a:rPr>
+              <a:t>3 (2015), S. 24–27]. Hier beschreibt</a:t>
+            </a:r>
+          </a:p>
+          <a:p>
+            <a:r>
+              <a:rPr lang="de-DE" sz="1200" b="0" i="0" u="none" strike="noStrike" kern="1200" baseline="0" dirty="0" smtClean="0">
+                <a:solidFill>
+                  <a:schemeClr val="tx1"/>
+                </a:solidFill>
+                <a:latin typeface="+mn-lt"/>
+                <a:ea typeface="+mn-ea"/>
+                <a:cs typeface="+mn-cs"/>
+              </a:rPr>
+              <a:t>die Making Games in der Ausgabe 03/2015 die Nutzung der V-Play</a:t>
+            </a:r>
+          </a:p>
+          <a:p>
+            <a:r>
+              <a:rPr lang="de-DE" sz="1200" b="0" i="0" u="none" strike="noStrike" kern="1200" baseline="0" dirty="0" smtClean="0">
+                <a:solidFill>
+                  <a:schemeClr val="tx1"/>
+                </a:solidFill>
+                <a:latin typeface="+mn-lt"/>
+                <a:ea typeface="+mn-ea"/>
+                <a:cs typeface="+mn-cs"/>
+              </a:rPr>
+              <a:t>Engine um einerseits Interaktive Software wie Spiele für den Markt zu entwickeln,</a:t>
+            </a:r>
+          </a:p>
+          <a:p>
+            <a:r>
+              <a:rPr lang="de-DE" sz="1200" b="0" i="0" u="none" strike="noStrike" kern="1200" baseline="0" dirty="0" smtClean="0">
+                <a:solidFill>
+                  <a:schemeClr val="tx1"/>
+                </a:solidFill>
+                <a:latin typeface="+mn-lt"/>
+                <a:ea typeface="+mn-ea"/>
+                <a:cs typeface="+mn-cs"/>
+              </a:rPr>
+              <a:t>als auch die Möglichkeit, das Tool dazu zu verwenden, User-</a:t>
+            </a:r>
+            <a:r>
+              <a:rPr lang="de-DE" sz="1200" b="0" i="0" u="none" strike="noStrike" kern="1200" baseline="0" dirty="0" err="1" smtClean="0">
+                <a:solidFill>
+                  <a:schemeClr val="tx1"/>
+                </a:solidFill>
+                <a:latin typeface="+mn-lt"/>
+                <a:ea typeface="+mn-ea"/>
+                <a:cs typeface="+mn-cs"/>
+              </a:rPr>
+              <a:t>Generated</a:t>
+            </a:r>
+            <a:endParaRPr lang="de-DE" sz="1200" b="0" i="0" u="none" strike="noStrike" kern="1200" baseline="0" dirty="0" smtClean="0">
+              <a:solidFill>
+                <a:schemeClr val="tx1"/>
+              </a:solidFill>
+              <a:latin typeface="+mn-lt"/>
+              <a:ea typeface="+mn-ea"/>
+              <a:cs typeface="+mn-cs"/>
+            </a:endParaRPr>
+          </a:p>
+          <a:p>
+            <a:r>
+              <a:rPr lang="de-DE" sz="1200" b="0" i="0" u="none" strike="noStrike" kern="1200" baseline="0" dirty="0" smtClean="0">
+                <a:solidFill>
+                  <a:schemeClr val="tx1"/>
+                </a:solidFill>
+                <a:latin typeface="+mn-lt"/>
+                <a:ea typeface="+mn-ea"/>
+                <a:cs typeface="+mn-cs"/>
+              </a:rPr>
+              <a:t>Content zu erzeugen und Software so längerfristig durch Kundenbindung am</a:t>
+            </a:r>
+          </a:p>
+          <a:p>
+            <a:r>
+              <a:rPr lang="de-DE" sz="1200" b="0" i="0" u="none" strike="noStrike" kern="1200" baseline="0" dirty="0" smtClean="0">
+                <a:solidFill>
+                  <a:schemeClr val="tx1"/>
+                </a:solidFill>
+                <a:latin typeface="+mn-lt"/>
+                <a:ea typeface="+mn-ea"/>
+                <a:cs typeface="+mn-cs"/>
+              </a:rPr>
+              <a:t>Markt zu etablieren.</a:t>
+            </a:r>
+          </a:p>
+          <a:p>
+            <a:endParaRPr lang="de-DE" sz="1200" b="0" i="0" u="none" strike="noStrike" kern="1200" baseline="0" dirty="0" smtClean="0">
+              <a:solidFill>
+                <a:schemeClr val="tx1"/>
+              </a:solidFill>
+              <a:latin typeface="+mn-lt"/>
+              <a:ea typeface="+mn-ea"/>
+              <a:cs typeface="+mn-cs"/>
+            </a:endParaRPr>
+          </a:p>
+          <a:p>
+            <a:r>
+              <a:rPr lang="en-US" sz="1200" b="0" i="0" u="none" strike="noStrike" kern="1200" baseline="0" dirty="0" smtClean="0">
+                <a:solidFill>
+                  <a:schemeClr val="tx1"/>
+                </a:solidFill>
+                <a:latin typeface="+mn-lt"/>
+                <a:ea typeface="+mn-ea"/>
+                <a:cs typeface="+mn-cs"/>
+              </a:rPr>
+              <a:t>2) Klose, Jan Lange, Thorsten. »Lords of the Fallen Tackling a new</a:t>
+            </a:r>
+          </a:p>
+          <a:p>
+            <a:r>
+              <a:rPr lang="en-US" sz="1200" b="0" i="0" u="none" strike="noStrike" kern="1200" baseline="0" dirty="0" smtClean="0">
+                <a:solidFill>
+                  <a:schemeClr val="tx1"/>
+                </a:solidFill>
+                <a:latin typeface="+mn-lt"/>
+                <a:ea typeface="+mn-ea"/>
+                <a:cs typeface="+mn-cs"/>
+              </a:rPr>
+              <a:t>gen game with an emerging studio«. In: </a:t>
+            </a:r>
+            <a:r>
+              <a:rPr lang="en-US" sz="1200" b="0" i="1" u="none" strike="noStrike" kern="1200" baseline="0" dirty="0" smtClean="0">
+                <a:solidFill>
+                  <a:schemeClr val="tx1"/>
+                </a:solidFill>
+                <a:latin typeface="+mn-lt"/>
+                <a:ea typeface="+mn-ea"/>
+                <a:cs typeface="+mn-cs"/>
+              </a:rPr>
+              <a:t>Making Games </a:t>
+            </a:r>
+            <a:r>
+              <a:rPr lang="en-US" sz="1200" b="0" i="0" u="none" strike="noStrike" kern="1200" baseline="0" dirty="0" smtClean="0">
+                <a:solidFill>
+                  <a:schemeClr val="tx1"/>
+                </a:solidFill>
+                <a:latin typeface="+mn-lt"/>
+                <a:ea typeface="+mn-ea"/>
+                <a:cs typeface="+mn-cs"/>
+              </a:rPr>
+              <a:t>3 (2015),</a:t>
+            </a:r>
+          </a:p>
+          <a:p>
+            <a:r>
+              <a:rPr lang="de-DE" sz="1200" b="0" i="0" u="none" strike="noStrike" kern="1200" baseline="0" dirty="0" smtClean="0">
+                <a:solidFill>
+                  <a:schemeClr val="tx1"/>
+                </a:solidFill>
+                <a:latin typeface="+mn-lt"/>
+                <a:ea typeface="+mn-ea"/>
+                <a:cs typeface="+mn-cs"/>
+              </a:rPr>
+              <a:t>S. 44–45 – Editor Play und Edit at </a:t>
+            </a:r>
+            <a:r>
+              <a:rPr lang="de-DE" sz="1200" b="0" i="0" u="none" strike="noStrike" kern="1200" baseline="0" dirty="0" err="1" smtClean="0">
+                <a:solidFill>
+                  <a:schemeClr val="tx1"/>
+                </a:solidFill>
+                <a:latin typeface="+mn-lt"/>
+                <a:ea typeface="+mn-ea"/>
+                <a:cs typeface="+mn-cs"/>
+              </a:rPr>
+              <a:t>the</a:t>
+            </a:r>
+            <a:r>
+              <a:rPr lang="de-DE" sz="1200" b="0" i="0" u="none" strike="noStrike" kern="1200" baseline="0" dirty="0" smtClean="0">
+                <a:solidFill>
+                  <a:schemeClr val="tx1"/>
+                </a:solidFill>
+                <a:latin typeface="+mn-lt"/>
+                <a:ea typeface="+mn-ea"/>
+                <a:cs typeface="+mn-cs"/>
+              </a:rPr>
+              <a:t> same time.</a:t>
+            </a:r>
             <a:endParaRPr lang="de-DE" dirty="0"/>
           </a:p>
         </p:txBody>
@@ -1801,7 +1762,7 @@
           <a:p>
             <a:fld id="{B31920E4-02A0-409B-A8B9-098E88402350}" type="slidenum">
               <a:rPr lang="de-DE" smtClean="0"/>
-              <a:t>17</a:t>
+              <a:t>8</a:t>
             </a:fld>
             <a:endParaRPr lang="de-DE"/>
           </a:p>
@@ -1810,7 +1771,7 @@
     </p:spTree>
     <p:extLst>
       <p:ext uri="{BB962C8B-B14F-4D97-AF65-F5344CB8AC3E}">
-        <p14:creationId xmlns:p14="http://schemas.microsoft.com/office/powerpoint/2010/main" val="4097027102"/>
+        <p14:creationId xmlns:p14="http://schemas.microsoft.com/office/powerpoint/2010/main" val="3293269556"/>
       </p:ext>
     </p:extLst>
   </p:cSld>
@@ -1864,10 +1825,37 @@
           <a:bodyPr/>
           <a:lstStyle/>
           <a:p>
-            <a:r>
-              <a:rPr lang="de-DE" dirty="0" smtClean="0"/>
-              <a:t>LEIDER JEIN!</a:t>
-            </a:r>
+            <a:pPr marL="0" marR="0" lvl="1" indent="0" algn="l" defTabSz="914400" rtl="0" eaLnBrk="1" fontAlgn="auto" latinLnBrk="0" hangingPunct="1">
+              <a:lnSpc>
+                <a:spcPct val="100000"/>
+              </a:lnSpc>
+              <a:spcBef>
+                <a:spcPts val="0"/>
+              </a:spcBef>
+              <a:spcAft>
+                <a:spcPts val="0"/>
+              </a:spcAft>
+              <a:buClrTx/>
+              <a:buSzTx/>
+              <a:buFontTx/>
+              <a:buNone/>
+              <a:tabLst/>
+              <a:defRPr/>
+            </a:pPr>
+            <a:r>
+              <a:rPr lang="de-DE" dirty="0" smtClean="0"/>
+              <a:t>2)</a:t>
+            </a:r>
+            <a:r>
+              <a:rPr lang="de-DE" baseline="0" dirty="0" smtClean="0"/>
+              <a:t> </a:t>
+            </a:r>
+            <a:r>
+              <a:rPr lang="de-DE" dirty="0" smtClean="0"/>
+              <a:t>Durch eine Mechanik welche sich im Framework um die Verwaltung der Assets kümmert, muss der jeweilige Entwickler nicht bei jeder neuen Version eines Assets das Objekt neu einbinden, sondern durch eine Referenz geschieht dies „automatisch“. Code Dateien sind für das Verhalten von Assets im Produkt verantwortlich.</a:t>
+            </a:r>
+          </a:p>
+          <a:p>
             <a:endParaRPr lang="de-DE" dirty="0"/>
           </a:p>
         </p:txBody>
@@ -1889,7 +1877,7 @@
           <a:p>
             <a:fld id="{B31920E4-02A0-409B-A8B9-098E88402350}" type="slidenum">
               <a:rPr lang="de-DE" smtClean="0"/>
-              <a:t>26</a:t>
+              <a:t>17</a:t>
             </a:fld>
             <a:endParaRPr lang="de-DE"/>
           </a:p>
@@ -1898,7 +1886,7 @@
     </p:spTree>
     <p:extLst>
       <p:ext uri="{BB962C8B-B14F-4D97-AF65-F5344CB8AC3E}">
-        <p14:creationId xmlns:p14="http://schemas.microsoft.com/office/powerpoint/2010/main" val="4290238553"/>
+        <p14:creationId xmlns:p14="http://schemas.microsoft.com/office/powerpoint/2010/main" val="4097027102"/>
       </p:ext>
     </p:extLst>
   </p:cSld>
@@ -1953,6 +1941,94 @@
           <a:lstStyle/>
           <a:p>
             <a:r>
+              <a:rPr lang="de-DE" dirty="0" smtClean="0"/>
+              <a:t>LEIDER JEIN!</a:t>
+            </a:r>
+            <a:endParaRPr lang="de-DE" dirty="0"/>
+          </a:p>
+        </p:txBody>
+      </p:sp>
+      <p:sp>
+        <p:nvSpPr>
+          <p:cNvPr id="4" name="Foliennummernplatzhalter 3"/>
+          <p:cNvSpPr>
+            <a:spLocks noGrp="1"/>
+          </p:cNvSpPr>
+          <p:nvPr>
+            <p:ph type="sldNum" sz="quarter" idx="10"/>
+          </p:nvPr>
+        </p:nvSpPr>
+        <p:spPr/>
+        <p:txBody>
+          <a:bodyPr/>
+          <a:lstStyle/>
+          <a:p>
+            <a:fld id="{B31920E4-02A0-409B-A8B9-098E88402350}" type="slidenum">
+              <a:rPr lang="de-DE" smtClean="0"/>
+              <a:t>26</a:t>
+            </a:fld>
+            <a:endParaRPr lang="de-DE"/>
+          </a:p>
+        </p:txBody>
+      </p:sp>
+    </p:spTree>
+    <p:extLst>
+      <p:ext uri="{BB962C8B-B14F-4D97-AF65-F5344CB8AC3E}">
+        <p14:creationId xmlns:p14="http://schemas.microsoft.com/office/powerpoint/2010/main" val="4290238553"/>
+      </p:ext>
+    </p:extLst>
+  </p:cSld>
+  <p:clrMapOvr>
+    <a:masterClrMapping/>
+  </p:clrMapOvr>
+</p:notes>
+</file>
+
+<file path=ppt/notesSlides/notesSlide8.xml><?xml version="1.0" encoding="utf-8"?>
+<p:notes xmlns:a="http://schemas.openxmlformats.org/drawingml/2006/main" xmlns:r="http://schemas.openxmlformats.org/officeDocument/2006/relationships" xmlns:p="http://schemas.openxmlformats.org/presentationml/2006/main">
+  <p:cSld>
+    <p:spTree>
+      <p:nvGrpSpPr>
+        <p:cNvPr id="1" name=""/>
+        <p:cNvGrpSpPr/>
+        <p:nvPr/>
+      </p:nvGrpSpPr>
+      <p:grpSpPr>
+        <a:xfrm>
+          <a:off x="0" y="0"/>
+          <a:ext cx="0" cy="0"/>
+          <a:chOff x="0" y="0"/>
+          <a:chExt cx="0" cy="0"/>
+        </a:xfrm>
+      </p:grpSpPr>
+      <p:sp>
+        <p:nvSpPr>
+          <p:cNvPr id="2" name="Folienbildplatzhalter 1"/>
+          <p:cNvSpPr>
+            <a:spLocks noGrp="1" noRot="1" noChangeAspect="1"/>
+          </p:cNvSpPr>
+          <p:nvPr>
+            <p:ph type="sldImg"/>
+          </p:nvPr>
+        </p:nvSpPr>
+        <p:spPr/>
+      </p:sp>
+      <p:sp>
+        <p:nvSpPr>
+          <p:cNvPr id="3" name="Notizenplatzhalter 2"/>
+          <p:cNvSpPr>
+            <a:spLocks noGrp="1"/>
+          </p:cNvSpPr>
+          <p:nvPr>
+            <p:ph type="body" idx="1"/>
+          </p:nvPr>
+        </p:nvSpPr>
+        <p:spPr/>
+        <p:txBody>
+          <a:bodyPr/>
+          <a:lstStyle/>
+          <a:p>
+            <a:r>
               <a:rPr lang="de-DE" sz="1200" kern="1200" dirty="0" smtClean="0">
                 <a:solidFill>
                   <a:schemeClr val="tx1"/>
@@ -2484,7 +2560,7 @@
 </p:notes>
 </file>
 
-<file path=ppt/notesSlides/notesSlide8.xml><?xml version="1.0" encoding="utf-8"?>
+<file path=ppt/notesSlides/notesSlide9.xml><?xml version="1.0" encoding="utf-8"?>
 <p:notes xmlns:a="http://schemas.openxmlformats.org/drawingml/2006/main" xmlns:r="http://schemas.openxmlformats.org/officeDocument/2006/relationships" xmlns:p="http://schemas.openxmlformats.org/presentationml/2006/main">
   <p:cSld>
     <p:spTree>
@@ -2768,9 +2844,9 @@
           <a:bodyPr/>
           <a:lstStyle/>
           <a:p>
-            <a:fld id="{4AAD347D-5ACD-4C99-B74B-A9C85AD731AF}" type="datetimeFigureOut">
-              <a:rPr lang="en-US" dirty="0"/>
-              <a:t>7/8/2015</a:t>
+            <a:fld id="{68DB737E-5FD8-4ED3-947B-015B7358C962}" type="datetime1">
+              <a:rPr lang="en-US" smtClean="0"/>
+              <a:t>7/9/2015</a:t>
             </a:fld>
             <a:endParaRPr lang="en-US" dirty="0"/>
           </a:p>
@@ -3038,9 +3114,9 @@
           <a:bodyPr/>
           <a:lstStyle/>
           <a:p>
-            <a:fld id="{4509A250-FF31-4206-8172-F9D3106AACB1}" type="datetimeFigureOut">
-              <a:rPr lang="en-US" dirty="0"/>
-              <a:t>7/8/2015</a:t>
+            <a:fld id="{BF9C9C27-3C6F-4414-BDCD-43C286A2C32E}" type="datetime1">
+              <a:rPr lang="en-US" smtClean="0"/>
+              <a:t>7/9/2015</a:t>
             </a:fld>
             <a:endParaRPr lang="en-US" dirty="0"/>
           </a:p>
@@ -3227,9 +3303,9 @@
           <a:bodyPr/>
           <a:lstStyle/>
           <a:p>
-            <a:fld id="{4509A250-FF31-4206-8172-F9D3106AACB1}" type="datetimeFigureOut">
-              <a:rPr lang="en-US" dirty="0"/>
-              <a:t>7/8/2015</a:t>
+            <a:fld id="{5BBE9D15-67FF-4088-9D11-93335EEC6199}" type="datetime1">
+              <a:rPr lang="en-US" smtClean="0"/>
+              <a:t>7/9/2015</a:t>
             </a:fld>
             <a:endParaRPr lang="en-US" dirty="0"/>
           </a:p>
@@ -3495,9 +3571,9 @@
           <a:bodyPr/>
           <a:lstStyle/>
           <a:p>
-            <a:fld id="{4509A250-FF31-4206-8172-F9D3106AACB1}" type="datetimeFigureOut">
-              <a:rPr lang="en-US" dirty="0"/>
-              <a:t>7/8/2015</a:t>
+            <a:fld id="{A7B89C90-9C2F-4FA1-BAF3-4EC7C8F99F3B}" type="datetime1">
+              <a:rPr lang="en-US" smtClean="0"/>
+              <a:t>7/9/2015</a:t>
             </a:fld>
             <a:endParaRPr lang="en-US" dirty="0"/>
           </a:p>
@@ -3831,9 +3907,9 @@
           <a:bodyPr/>
           <a:lstStyle/>
           <a:p>
-            <a:fld id="{4509A250-FF31-4206-8172-F9D3106AACB1}" type="datetimeFigureOut">
-              <a:rPr lang="en-US" dirty="0"/>
-              <a:t>7/8/2015</a:t>
+            <a:fld id="{DC7BD1B9-17D7-46A5-A439-E3A1284DCD50}" type="datetime1">
+              <a:rPr lang="en-US" smtClean="0"/>
+              <a:t>7/9/2015</a:t>
             </a:fld>
             <a:endParaRPr lang="en-US" dirty="0"/>
           </a:p>
@@ -4449,9 +4525,9 @@
           <a:bodyPr/>
           <a:lstStyle/>
           <a:p>
-            <a:fld id="{4509A250-FF31-4206-8172-F9D3106AACB1}" type="datetimeFigureOut">
-              <a:rPr lang="en-US" dirty="0"/>
-              <a:t>7/8/2015</a:t>
+            <a:fld id="{06F6B784-0480-445F-9BC9-1BC8A4CA0995}" type="datetime1">
+              <a:rPr lang="en-US" smtClean="0"/>
+              <a:t>7/9/2015</a:t>
             </a:fld>
             <a:endParaRPr lang="en-US" dirty="0"/>
           </a:p>
@@ -5304,9 +5380,9 @@
           <a:bodyPr/>
           <a:lstStyle/>
           <a:p>
-            <a:fld id="{4509A250-FF31-4206-8172-F9D3106AACB1}" type="datetimeFigureOut">
-              <a:rPr lang="en-US" dirty="0"/>
-              <a:t>7/8/2015</a:t>
+            <a:fld id="{3B329799-B72F-43AB-8077-E8C676AF039B}" type="datetime1">
+              <a:rPr lang="en-US" smtClean="0"/>
+              <a:t>7/9/2015</a:t>
             </a:fld>
             <a:endParaRPr lang="en-US" dirty="0"/>
           </a:p>
@@ -5469,9 +5545,9 @@
           <a:bodyPr/>
           <a:lstStyle/>
           <a:p>
-            <a:fld id="{4509A250-FF31-4206-8172-F9D3106AACB1}" type="datetimeFigureOut">
-              <a:rPr lang="en-US" dirty="0"/>
-              <a:t>7/8/2015</a:t>
+            <a:fld id="{07338325-3BCF-4128-A005-463B6E2492C0}" type="datetime1">
+              <a:rPr lang="en-US" smtClean="0"/>
+              <a:t>7/9/2015</a:t>
             </a:fld>
             <a:endParaRPr lang="en-US" dirty="0"/>
           </a:p>
@@ -5644,9 +5720,9 @@
           <a:bodyPr/>
           <a:lstStyle/>
           <a:p>
-            <a:fld id="{4509A250-FF31-4206-8172-F9D3106AACB1}" type="datetimeFigureOut">
-              <a:rPr lang="en-US" dirty="0"/>
-              <a:t>7/8/2015</a:t>
+            <a:fld id="{016A9D11-0C81-409D-B01D-F50F170A86A1}" type="datetime1">
+              <a:rPr lang="en-US" smtClean="0"/>
+              <a:t>7/9/2015</a:t>
             </a:fld>
             <a:endParaRPr lang="en-US" dirty="0"/>
           </a:p>
@@ -5809,9 +5885,9 @@
           <a:bodyPr/>
           <a:lstStyle/>
           <a:p>
-            <a:fld id="{4509A250-FF31-4206-8172-F9D3106AACB1}" type="datetimeFigureOut">
-              <a:rPr lang="en-US" dirty="0"/>
-              <a:t>7/8/2015</a:t>
+            <a:fld id="{E6696D71-0642-47F3-A524-559C2F63B1C8}" type="datetime1">
+              <a:rPr lang="en-US" smtClean="0"/>
+              <a:t>7/9/2015</a:t>
             </a:fld>
             <a:endParaRPr lang="en-US" dirty="0"/>
           </a:p>
@@ -6051,9 +6127,9 @@
           <a:bodyPr/>
           <a:lstStyle/>
           <a:p>
-            <a:fld id="{9796027F-7875-4030-9381-8BD8C4F21935}" type="datetimeFigureOut">
-              <a:rPr lang="en-US" dirty="0"/>
-              <a:t>7/8/2015</a:t>
+            <a:fld id="{951681F4-0493-4D73-BCD7-10910CE92667}" type="datetime1">
+              <a:rPr lang="en-US" smtClean="0"/>
+              <a:t>7/9/2015</a:t>
             </a:fld>
             <a:endParaRPr lang="en-US" dirty="0"/>
           </a:p>
@@ -6338,9 +6414,9 @@
           <a:bodyPr/>
           <a:lstStyle/>
           <a:p>
-            <a:fld id="{9796027F-7875-4030-9381-8BD8C4F21935}" type="datetimeFigureOut">
-              <a:rPr lang="en-US" dirty="0"/>
-              <a:t>7/8/2015</a:t>
+            <a:fld id="{3BAA2DD1-2926-4631-A50B-7278AACD41C7}" type="datetime1">
+              <a:rPr lang="en-US" smtClean="0"/>
+              <a:t>7/9/2015</a:t>
             </a:fld>
             <a:endParaRPr lang="en-US" dirty="0"/>
           </a:p>
@@ -6777,9 +6853,9 @@
           <a:bodyPr/>
           <a:lstStyle/>
           <a:p>
-            <a:fld id="{9796027F-7875-4030-9381-8BD8C4F21935}" type="datetimeFigureOut">
-              <a:rPr lang="en-US" dirty="0"/>
-              <a:t>7/8/2015</a:t>
+            <a:fld id="{CF76C568-F4A1-4956-A5EE-9ADDCB4107C1}" type="datetime1">
+              <a:rPr lang="en-US" smtClean="0"/>
+              <a:t>7/9/2015</a:t>
             </a:fld>
             <a:endParaRPr lang="en-US" dirty="0"/>
           </a:p>
@@ -6890,9 +6966,9 @@
           <a:bodyPr/>
           <a:lstStyle/>
           <a:p>
-            <a:fld id="{4509A250-FF31-4206-8172-F9D3106AACB1}" type="datetimeFigureOut">
-              <a:rPr lang="en-US" dirty="0"/>
-              <a:t>7/8/2015</a:t>
+            <a:fld id="{BE2249B3-2A8D-493A-9519-C6C31A1DA8C3}" type="datetime1">
+              <a:rPr lang="en-US" smtClean="0"/>
+              <a:t>7/9/2015</a:t>
             </a:fld>
             <a:endParaRPr lang="en-US" dirty="0"/>
           </a:p>
@@ -6980,9 +7056,9 @@
           <a:bodyPr/>
           <a:lstStyle/>
           <a:p>
-            <a:fld id="{4509A250-FF31-4206-8172-F9D3106AACB1}" type="datetimeFigureOut">
-              <a:rPr lang="en-US" dirty="0"/>
-              <a:t>7/8/2015</a:t>
+            <a:fld id="{63D8EDC2-C58D-41D9-A03F-0F2251634AB5}" type="datetime1">
+              <a:rPr lang="en-US" smtClean="0"/>
+              <a:t>7/9/2015</a:t>
             </a:fld>
             <a:endParaRPr lang="en-US" dirty="0"/>
           </a:p>
@@ -7254,9 +7330,9 @@
           <a:bodyPr/>
           <a:lstStyle/>
           <a:p>
-            <a:fld id="{4509A250-FF31-4206-8172-F9D3106AACB1}" type="datetimeFigureOut">
-              <a:rPr lang="en-US" dirty="0"/>
-              <a:t>7/8/2015</a:t>
+            <a:fld id="{BE01C1B6-7865-477C-A3E0-5975CB6A69BF}" type="datetime1">
+              <a:rPr lang="en-US" smtClean="0"/>
+              <a:t>7/9/2015</a:t>
             </a:fld>
             <a:endParaRPr lang="en-US" dirty="0"/>
           </a:p>
@@ -7524,9 +7600,9 @@
           <a:bodyPr/>
           <a:lstStyle/>
           <a:p>
-            <a:fld id="{4509A250-FF31-4206-8172-F9D3106AACB1}" type="datetimeFigureOut">
-              <a:rPr lang="en-US" dirty="0"/>
-              <a:t>7/8/2015</a:t>
+            <a:fld id="{7CD3F3CB-ECF0-4F0B-AC50-633EFD4FBC28}" type="datetime1">
+              <a:rPr lang="en-US" smtClean="0"/>
+              <a:t>7/9/2015</a:t>
             </a:fld>
             <a:endParaRPr lang="en-US" dirty="0"/>
           </a:p>
@@ -7912,9 +7988,9 @@
             </a:lvl1pPr>
           </a:lstStyle>
           <a:p>
-            <a:fld id="{4AAD347D-5ACD-4C99-B74B-A9C85AD731AF}" type="datetimeFigureOut">
-              <a:rPr lang="en-US" dirty="0"/>
-              <a:t>7/8/2015</a:t>
+            <a:fld id="{D071F322-CFEB-4AC1-9905-865E1B441C65}" type="datetime1">
+              <a:rPr lang="en-US" smtClean="0"/>
+              <a:t>7/9/2015</a:t>
             </a:fld>
             <a:endParaRPr lang="en-US" dirty="0"/>
           </a:p>
@@ -7970,7 +8046,7 @@
         </p:nvSpPr>
         <p:spPr bwMode="gray">
           <a:xfrm>
-            <a:off x="10352540" y="295729"/>
+            <a:off x="11153165" y="5864555"/>
             <a:ext cx="838199" cy="767687"/>
           </a:xfrm>
           <a:prstGeom prst="rect">
@@ -8021,7 +8097,7 @@
     <p:sldLayoutId id="2147483658" r:id="rId16"/>
     <p:sldLayoutId id="2147483659" r:id="rId17"/>
   </p:sldLayoutIdLst>
-  <p:hf sldNum="0" hdr="0" ftr="0" dt="0"/>
+  <p:hf hdr="0" ftr="0" dt="0"/>
   <p:txStyles>
     <p:titleStyle>
       <a:lvl1pPr algn="l" defTabSz="457200" rtl="0" eaLnBrk="1" latinLnBrk="0" hangingPunct="1">
@@ -8616,11 +8692,7 @@
             <a:pPr lvl="1"/>
             <a:r>
               <a:rPr lang="de-DE" baseline="0" dirty="0" smtClean="0"/>
-              <a:t>Es erleichtert den Entwicklern </a:t>
-            </a:r>
-            <a:r>
-              <a:rPr lang="de-DE" baseline="0" dirty="0" smtClean="0"/>
-              <a:t>den Einstieg durch bereits bekannte</a:t>
+              <a:t>Es erleichtert den Entwicklern den Einstieg durch bereits bekannte</a:t>
             </a:r>
             <a:r>
               <a:rPr lang="de-DE" dirty="0" smtClean="0"/>
@@ -8630,7 +8702,6 @@
               <a:rPr lang="de-DE" baseline="0" dirty="0" smtClean="0"/>
               <a:t>Workflow Elemente.</a:t>
             </a:r>
-            <a:endParaRPr lang="de-DE" baseline="0" dirty="0" smtClean="0"/>
           </a:p>
           <a:p>
             <a:pPr lvl="0"/>
@@ -8647,13 +8718,8 @@
             <a:pPr lvl="1"/>
             <a:r>
               <a:rPr lang="de-DE" dirty="0" smtClean="0"/>
-              <a:t>Konzepte zu </a:t>
-            </a:r>
-            <a:r>
-              <a:rPr lang="de-DE" dirty="0" smtClean="0"/>
-              <a:t>Szenengraphen werden für die Konzeption betrachtet.</a:t>
-            </a:r>
-            <a:endParaRPr lang="de-DE" dirty="0" smtClean="0"/>
+              <a:t>Konzepte zu Szenengraphen werden für die Konzeption betrachtet.</a:t>
+            </a:r>
           </a:p>
           <a:p>
             <a:pPr lvl="1"/>
@@ -8661,7 +8727,6 @@
               <a:rPr lang="de-DE" dirty="0" smtClean="0"/>
               <a:t>Versionskontrollsysteme empfohlen.</a:t>
             </a:r>
-            <a:endParaRPr lang="de-DE" dirty="0" smtClean="0"/>
           </a:p>
           <a:p>
             <a:pPr lvl="1"/>
@@ -8672,6 +8737,29 @@
               <a:t> Erhöht Akzeptanz der Nutzer</a:t>
             </a:r>
             <a:endParaRPr lang="de-DE" dirty="0"/>
+          </a:p>
+        </p:txBody>
+      </p:sp>
+      <p:sp>
+        <p:nvSpPr>
+          <p:cNvPr id="4" name="Foliennummernplatzhalter 3"/>
+          <p:cNvSpPr>
+            <a:spLocks noGrp="1"/>
+          </p:cNvSpPr>
+          <p:nvPr>
+            <p:ph type="sldNum" sz="quarter" idx="12"/>
+          </p:nvPr>
+        </p:nvSpPr>
+        <p:spPr/>
+        <p:txBody>
+          <a:bodyPr/>
+          <a:lstStyle/>
+          <a:p>
+            <a:fld id="{D57F1E4F-1CFF-5643-939E-02111984F565}" type="slidenum">
+              <a:rPr lang="en-US" smtClean="0"/>
+              <a:t>10</a:t>
+            </a:fld>
+            <a:endParaRPr lang="en-US" dirty="0"/>
           </a:p>
         </p:txBody>
       </p:sp>
@@ -8833,6 +8921,29 @@
           </a:p>
         </p:txBody>
       </p:sp>
+      <p:sp>
+        <p:nvSpPr>
+          <p:cNvPr id="4" name="Foliennummernplatzhalter 3"/>
+          <p:cNvSpPr>
+            <a:spLocks noGrp="1"/>
+          </p:cNvSpPr>
+          <p:nvPr>
+            <p:ph type="sldNum" sz="quarter" idx="12"/>
+          </p:nvPr>
+        </p:nvSpPr>
+        <p:spPr/>
+        <p:txBody>
+          <a:bodyPr/>
+          <a:lstStyle/>
+          <a:p>
+            <a:fld id="{D57F1E4F-1CFF-5643-939E-02111984F565}" type="slidenum">
+              <a:rPr lang="en-US" smtClean="0"/>
+              <a:t>11</a:t>
+            </a:fld>
+            <a:endParaRPr lang="en-US" dirty="0"/>
+          </a:p>
+        </p:txBody>
+      </p:sp>
     </p:spTree>
     <p:extLst>
       <p:ext uri="{BB962C8B-B14F-4D97-AF65-F5344CB8AC3E}">
@@ -8916,11 +9027,7 @@
           <a:p>
             <a:r>
               <a:rPr lang="de-DE" dirty="0" smtClean="0"/>
-              <a:t>Möglichkeit zur Erweiterung </a:t>
-            </a:r>
-            <a:r>
-              <a:rPr lang="de-DE" dirty="0" smtClean="0"/>
-              <a:t>über das </a:t>
+              <a:t>Möglichkeit zur Erweiterung über das </a:t>
             </a:r>
             <a:r>
               <a:rPr lang="de-DE" dirty="0" err="1" smtClean="0"/>
@@ -8932,11 +9039,7 @@
             </a:r>
             <a:r>
               <a:rPr lang="de-DE" baseline="0" dirty="0" smtClean="0"/>
-              <a:t> </a:t>
-            </a:r>
-            <a:r>
-              <a:rPr lang="de-DE" baseline="0" dirty="0" smtClean="0"/>
-              <a:t>berücksichtigt </a:t>
+              <a:t> berücksichtigt </a:t>
             </a:r>
             <a:r>
               <a:rPr lang="de-DE" baseline="0" dirty="0" smtClean="0">
@@ -8961,19 +9064,7 @@
           <a:p>
             <a:r>
               <a:rPr lang="de-DE" baseline="0" dirty="0" smtClean="0"/>
-              <a:t>Modeling </a:t>
-            </a:r>
-            <a:r>
-              <a:rPr lang="de-DE" baseline="0" dirty="0" smtClean="0"/>
-              <a:t>Tool unabhängiges </a:t>
-            </a:r>
-            <a:r>
-              <a:rPr lang="de-DE" baseline="0" dirty="0" smtClean="0"/>
-              <a:t>System </a:t>
-            </a:r>
-            <a:r>
-              <a:rPr lang="de-DE" baseline="0" dirty="0" smtClean="0"/>
-              <a:t>Design</a:t>
+              <a:t>Modeling Tool unabhängiges System Design</a:t>
             </a:r>
           </a:p>
           <a:p>
@@ -9008,13 +9099,31 @@
             </a:r>
             <a:r>
               <a:rPr lang="de-DE" baseline="0" dirty="0" smtClean="0"/>
-              <a:t> Projekten umgehen kann</a:t>
-            </a:r>
-            <a:r>
-              <a:rPr lang="de-DE" baseline="0" dirty="0" smtClean="0"/>
-              <a:t>.</a:t>
-            </a:r>
-            <a:endParaRPr lang="de-DE" baseline="0" dirty="0" smtClean="0"/>
+              <a:t> Projekten umgehen kann.</a:t>
+            </a:r>
+          </a:p>
+        </p:txBody>
+      </p:sp>
+      <p:sp>
+        <p:nvSpPr>
+          <p:cNvPr id="4" name="Foliennummernplatzhalter 3"/>
+          <p:cNvSpPr>
+            <a:spLocks noGrp="1"/>
+          </p:cNvSpPr>
+          <p:nvPr>
+            <p:ph type="sldNum" sz="quarter" idx="12"/>
+          </p:nvPr>
+        </p:nvSpPr>
+        <p:spPr/>
+        <p:txBody>
+          <a:bodyPr/>
+          <a:lstStyle/>
+          <a:p>
+            <a:fld id="{D57F1E4F-1CFF-5643-939E-02111984F565}" type="slidenum">
+              <a:rPr lang="en-US" smtClean="0"/>
+              <a:t>12</a:t>
+            </a:fld>
+            <a:endParaRPr lang="en-US" dirty="0"/>
           </a:p>
         </p:txBody>
       </p:sp>
@@ -9207,6 +9316,29 @@
           </a:p>
         </p:txBody>
       </p:sp>
+      <p:sp>
+        <p:nvSpPr>
+          <p:cNvPr id="4" name="Foliennummernplatzhalter 3"/>
+          <p:cNvSpPr>
+            <a:spLocks noGrp="1"/>
+          </p:cNvSpPr>
+          <p:nvPr>
+            <p:ph type="sldNum" sz="quarter" idx="12"/>
+          </p:nvPr>
+        </p:nvSpPr>
+        <p:spPr/>
+        <p:txBody>
+          <a:bodyPr/>
+          <a:lstStyle/>
+          <a:p>
+            <a:fld id="{D57F1E4F-1CFF-5643-939E-02111984F565}" type="slidenum">
+              <a:rPr lang="en-US" smtClean="0"/>
+              <a:t>13</a:t>
+            </a:fld>
+            <a:endParaRPr lang="en-US" dirty="0"/>
+          </a:p>
+        </p:txBody>
+      </p:sp>
     </p:spTree>
     <p:extLst>
       <p:ext uri="{BB962C8B-B14F-4D97-AF65-F5344CB8AC3E}">
@@ -9310,6 +9442,29 @@
           </a:p>
         </p:txBody>
       </p:sp>
+      <p:sp>
+        <p:nvSpPr>
+          <p:cNvPr id="4" name="Foliennummernplatzhalter 3"/>
+          <p:cNvSpPr>
+            <a:spLocks noGrp="1"/>
+          </p:cNvSpPr>
+          <p:nvPr>
+            <p:ph type="sldNum" sz="quarter" idx="12"/>
+          </p:nvPr>
+        </p:nvSpPr>
+        <p:spPr/>
+        <p:txBody>
+          <a:bodyPr/>
+          <a:lstStyle/>
+          <a:p>
+            <a:fld id="{D57F1E4F-1CFF-5643-939E-02111984F565}" type="slidenum">
+              <a:rPr lang="en-US" smtClean="0"/>
+              <a:t>14</a:t>
+            </a:fld>
+            <a:endParaRPr lang="en-US" dirty="0"/>
+          </a:p>
+        </p:txBody>
+      </p:sp>
     </p:spTree>
     <p:extLst>
       <p:ext uri="{BB962C8B-B14F-4D97-AF65-F5344CB8AC3E}">
@@ -9494,6 +9649,29 @@
           </a:p>
         </p:txBody>
       </p:sp>
+      <p:sp>
+        <p:nvSpPr>
+          <p:cNvPr id="4" name="Foliennummernplatzhalter 3"/>
+          <p:cNvSpPr>
+            <a:spLocks noGrp="1"/>
+          </p:cNvSpPr>
+          <p:nvPr>
+            <p:ph type="sldNum" sz="quarter" idx="12"/>
+          </p:nvPr>
+        </p:nvSpPr>
+        <p:spPr/>
+        <p:txBody>
+          <a:bodyPr/>
+          <a:lstStyle/>
+          <a:p>
+            <a:fld id="{D57F1E4F-1CFF-5643-939E-02111984F565}" type="slidenum">
+              <a:rPr lang="en-US" smtClean="0"/>
+              <a:t>15</a:t>
+            </a:fld>
+            <a:endParaRPr lang="en-US" dirty="0"/>
+          </a:p>
+        </p:txBody>
+      </p:sp>
     </p:spTree>
     <p:extLst>
       <p:ext uri="{BB962C8B-B14F-4D97-AF65-F5344CB8AC3E}">
@@ -9619,6 +9797,29 @@
           </a:p>
         </p:txBody>
       </p:sp>
+      <p:sp>
+        <p:nvSpPr>
+          <p:cNvPr id="4" name="Foliennummernplatzhalter 3"/>
+          <p:cNvSpPr>
+            <a:spLocks noGrp="1"/>
+          </p:cNvSpPr>
+          <p:nvPr>
+            <p:ph type="sldNum" sz="quarter" idx="12"/>
+          </p:nvPr>
+        </p:nvSpPr>
+        <p:spPr/>
+        <p:txBody>
+          <a:bodyPr/>
+          <a:lstStyle/>
+          <a:p>
+            <a:fld id="{D57F1E4F-1CFF-5643-939E-02111984F565}" type="slidenum">
+              <a:rPr lang="en-US" smtClean="0"/>
+              <a:t>16</a:t>
+            </a:fld>
+            <a:endParaRPr lang="en-US" dirty="0"/>
+          </a:p>
+        </p:txBody>
+      </p:sp>
     </p:spTree>
     <p:extLst>
       <p:ext uri="{BB962C8B-B14F-4D97-AF65-F5344CB8AC3E}">
@@ -9744,6 +9945,29 @@
           </a:p>
         </p:txBody>
       </p:sp>
+      <p:sp>
+        <p:nvSpPr>
+          <p:cNvPr id="4" name="Foliennummernplatzhalter 3"/>
+          <p:cNvSpPr>
+            <a:spLocks noGrp="1"/>
+          </p:cNvSpPr>
+          <p:nvPr>
+            <p:ph type="sldNum" sz="quarter" idx="12"/>
+          </p:nvPr>
+        </p:nvSpPr>
+        <p:spPr/>
+        <p:txBody>
+          <a:bodyPr/>
+          <a:lstStyle/>
+          <a:p>
+            <a:fld id="{D57F1E4F-1CFF-5643-939E-02111984F565}" type="slidenum">
+              <a:rPr lang="en-US" smtClean="0"/>
+              <a:t>17</a:t>
+            </a:fld>
+            <a:endParaRPr lang="en-US" dirty="0"/>
+          </a:p>
+        </p:txBody>
+      </p:sp>
     </p:spTree>
     <p:extLst>
       <p:ext uri="{BB962C8B-B14F-4D97-AF65-F5344CB8AC3E}">
@@ -9950,6 +10174,29 @@
           </a:p>
         </p:txBody>
       </p:sp>
+      <p:sp>
+        <p:nvSpPr>
+          <p:cNvPr id="4" name="Foliennummernplatzhalter 3"/>
+          <p:cNvSpPr>
+            <a:spLocks noGrp="1"/>
+          </p:cNvSpPr>
+          <p:nvPr>
+            <p:ph type="sldNum" sz="quarter" idx="12"/>
+          </p:nvPr>
+        </p:nvSpPr>
+        <p:spPr/>
+        <p:txBody>
+          <a:bodyPr/>
+          <a:lstStyle/>
+          <a:p>
+            <a:fld id="{D57F1E4F-1CFF-5643-939E-02111984F565}" type="slidenum">
+              <a:rPr lang="en-US" smtClean="0"/>
+              <a:t>18</a:t>
+            </a:fld>
+            <a:endParaRPr lang="en-US" dirty="0"/>
+          </a:p>
+        </p:txBody>
+      </p:sp>
     </p:spTree>
     <p:extLst>
       <p:ext uri="{BB962C8B-B14F-4D97-AF65-F5344CB8AC3E}">
@@ -10131,6 +10378,29 @@
           </a:p>
         </p:txBody>
       </p:sp>
+      <p:sp>
+        <p:nvSpPr>
+          <p:cNvPr id="4" name="Foliennummernplatzhalter 3"/>
+          <p:cNvSpPr>
+            <a:spLocks noGrp="1"/>
+          </p:cNvSpPr>
+          <p:nvPr>
+            <p:ph type="sldNum" sz="quarter" idx="12"/>
+          </p:nvPr>
+        </p:nvSpPr>
+        <p:spPr/>
+        <p:txBody>
+          <a:bodyPr/>
+          <a:lstStyle/>
+          <a:p>
+            <a:fld id="{D57F1E4F-1CFF-5643-939E-02111984F565}" type="slidenum">
+              <a:rPr lang="en-US" smtClean="0"/>
+              <a:t>19</a:t>
+            </a:fld>
+            <a:endParaRPr lang="en-US" dirty="0"/>
+          </a:p>
+        </p:txBody>
+      </p:sp>
     </p:spTree>
     <p:extLst>
       <p:ext uri="{BB962C8B-B14F-4D97-AF65-F5344CB8AC3E}">
@@ -10232,26 +10502,14 @@
             <a:pPr lvl="1"/>
             <a:r>
               <a:rPr lang="de-DE" dirty="0" smtClean="0"/>
-              <a:t>Ziele der </a:t>
-            </a:r>
-            <a:r>
-              <a:rPr lang="de-DE" dirty="0" smtClean="0"/>
-              <a:t>Arbeit</a:t>
+              <a:t>Ziele der Arbeit</a:t>
             </a:r>
           </a:p>
           <a:p>
             <a:pPr lvl="1"/>
             <a:r>
               <a:rPr lang="de-DE" dirty="0" smtClean="0"/>
-              <a:t>Herangehensweise </a:t>
-            </a:r>
-            <a:r>
-              <a:rPr lang="de-DE" dirty="0" smtClean="0"/>
-              <a:t>und </a:t>
-            </a:r>
-            <a:r>
-              <a:rPr lang="de-DE" dirty="0" smtClean="0"/>
-              <a:t>Methodik</a:t>
+              <a:t>Herangehensweise und Methodik</a:t>
             </a:r>
           </a:p>
           <a:p>
@@ -10260,7 +10518,6 @@
               <a:rPr lang="de-DE" dirty="0" smtClean="0"/>
               <a:t>Verwendete Software</a:t>
             </a:r>
-            <a:endParaRPr lang="de-DE" dirty="0" smtClean="0"/>
           </a:p>
           <a:p>
             <a:pPr lvl="1"/>
@@ -10280,11 +10537,7 @@
             <a:pPr lvl="0"/>
             <a:r>
               <a:rPr lang="de-DE" dirty="0" smtClean="0"/>
-              <a:t>Beantwortung der eingereichten </a:t>
-            </a:r>
-            <a:r>
-              <a:rPr lang="de-DE" dirty="0" smtClean="0"/>
-              <a:t>Fragen</a:t>
+              <a:t>Beantwortung der eingereichten Fragen</a:t>
             </a:r>
           </a:p>
           <a:p>
@@ -10300,7 +10553,6 @@
               <a:rPr lang="de-DE" dirty="0" smtClean="0"/>
               <a:t>Block B (Prof. C. Müller)</a:t>
             </a:r>
-            <a:endParaRPr lang="de-DE" dirty="0" smtClean="0"/>
           </a:p>
           <a:p>
             <a:pPr lvl="0"/>
@@ -10309,6 +10561,29 @@
               <a:t>Fragen und Diskussion aus dem Auditorium</a:t>
             </a:r>
             <a:endParaRPr lang="de-DE" dirty="0"/>
+          </a:p>
+        </p:txBody>
+      </p:sp>
+      <p:sp>
+        <p:nvSpPr>
+          <p:cNvPr id="4" name="Foliennummernplatzhalter 3"/>
+          <p:cNvSpPr>
+            <a:spLocks noGrp="1"/>
+          </p:cNvSpPr>
+          <p:nvPr>
+            <p:ph type="sldNum" sz="quarter" idx="12"/>
+          </p:nvPr>
+        </p:nvSpPr>
+        <p:spPr/>
+        <p:txBody>
+          <a:bodyPr/>
+          <a:lstStyle/>
+          <a:p>
+            <a:fld id="{D57F1E4F-1CFF-5643-939E-02111984F565}" type="slidenum">
+              <a:rPr lang="en-US" smtClean="0"/>
+              <a:t>2</a:t>
+            </a:fld>
+            <a:endParaRPr lang="en-US" dirty="0"/>
           </a:p>
         </p:txBody>
       </p:sp>
@@ -10557,6 +10832,29 @@
           </a:p>
         </p:txBody>
       </p:sp>
+      <p:sp>
+        <p:nvSpPr>
+          <p:cNvPr id="4" name="Foliennummernplatzhalter 3"/>
+          <p:cNvSpPr>
+            <a:spLocks noGrp="1"/>
+          </p:cNvSpPr>
+          <p:nvPr>
+            <p:ph type="sldNum" sz="quarter" idx="12"/>
+          </p:nvPr>
+        </p:nvSpPr>
+        <p:spPr/>
+        <p:txBody>
+          <a:bodyPr/>
+          <a:lstStyle/>
+          <a:p>
+            <a:fld id="{D57F1E4F-1CFF-5643-939E-02111984F565}" type="slidenum">
+              <a:rPr lang="en-US" smtClean="0"/>
+              <a:t>20</a:t>
+            </a:fld>
+            <a:endParaRPr lang="en-US" dirty="0"/>
+          </a:p>
+        </p:txBody>
+      </p:sp>
     </p:spTree>
     <p:extLst>
       <p:ext uri="{BB962C8B-B14F-4D97-AF65-F5344CB8AC3E}">
@@ -10662,6 +10960,29 @@
           </a:ln>
         </p:spPr>
       </p:pic>
+      <p:sp>
+        <p:nvSpPr>
+          <p:cNvPr id="3" name="Foliennummernplatzhalter 2"/>
+          <p:cNvSpPr>
+            <a:spLocks noGrp="1"/>
+          </p:cNvSpPr>
+          <p:nvPr>
+            <p:ph type="sldNum" sz="quarter" idx="12"/>
+          </p:nvPr>
+        </p:nvSpPr>
+        <p:spPr/>
+        <p:txBody>
+          <a:bodyPr/>
+          <a:lstStyle/>
+          <a:p>
+            <a:fld id="{D57F1E4F-1CFF-5643-939E-02111984F565}" type="slidenum">
+              <a:rPr lang="en-US" smtClean="0"/>
+              <a:t>21</a:t>
+            </a:fld>
+            <a:endParaRPr lang="en-US" dirty="0"/>
+          </a:p>
+        </p:txBody>
+      </p:sp>
     </p:spTree>
     <p:extLst>
       <p:ext uri="{BB962C8B-B14F-4D97-AF65-F5344CB8AC3E}">
@@ -10751,11 +11072,7 @@
           <a:p>
             <a:r>
               <a:rPr lang="de-DE" b="1" dirty="0" smtClean="0"/>
-              <a:t>F3 – „Existieren </a:t>
-            </a:r>
-            <a:r>
-              <a:rPr lang="de-DE" b="1" dirty="0" smtClean="0"/>
-              <a:t>zentrale </a:t>
+              <a:t>F3 – „Existieren zentrale </a:t>
             </a:r>
             <a:r>
               <a:rPr lang="de-DE" b="1" dirty="0"/>
@@ -10814,6 +11131,29 @@
               <a:t>.“</a:t>
             </a:r>
             <a:endParaRPr lang="de-DE" b="1" dirty="0"/>
+          </a:p>
+        </p:txBody>
+      </p:sp>
+      <p:sp>
+        <p:nvSpPr>
+          <p:cNvPr id="4" name="Foliennummernplatzhalter 3"/>
+          <p:cNvSpPr>
+            <a:spLocks noGrp="1"/>
+          </p:cNvSpPr>
+          <p:nvPr>
+            <p:ph type="sldNum" sz="quarter" idx="12"/>
+          </p:nvPr>
+        </p:nvSpPr>
+        <p:spPr/>
+        <p:txBody>
+          <a:bodyPr/>
+          <a:lstStyle/>
+          <a:p>
+            <a:fld id="{D57F1E4F-1CFF-5643-939E-02111984F565}" type="slidenum">
+              <a:rPr lang="en-US" smtClean="0"/>
+              <a:t>22</a:t>
+            </a:fld>
+            <a:endParaRPr lang="en-US" dirty="0"/>
           </a:p>
         </p:txBody>
       </p:sp>
@@ -11003,6 +11343,29 @@
           </a:p>
         </p:txBody>
       </p:sp>
+      <p:sp>
+        <p:nvSpPr>
+          <p:cNvPr id="4" name="Foliennummernplatzhalter 3"/>
+          <p:cNvSpPr>
+            <a:spLocks noGrp="1"/>
+          </p:cNvSpPr>
+          <p:nvPr>
+            <p:ph type="sldNum" sz="quarter" idx="12"/>
+          </p:nvPr>
+        </p:nvSpPr>
+        <p:spPr/>
+        <p:txBody>
+          <a:bodyPr/>
+          <a:lstStyle/>
+          <a:p>
+            <a:fld id="{D57F1E4F-1CFF-5643-939E-02111984F565}" type="slidenum">
+              <a:rPr lang="en-US" smtClean="0"/>
+              <a:t>23</a:t>
+            </a:fld>
+            <a:endParaRPr lang="en-US" dirty="0"/>
+          </a:p>
+        </p:txBody>
+      </p:sp>
     </p:spTree>
     <p:extLst>
       <p:ext uri="{BB962C8B-B14F-4D97-AF65-F5344CB8AC3E}">
@@ -11210,7 +11573,29 @@
               <a:rPr lang="de-DE" dirty="0" smtClean="0"/>
               <a:t>Aber losgelöst vom tatsächlichen Software Projekt.</a:t>
             </a:r>
-            <a:endParaRPr lang="de-DE" dirty="0" smtClean="0"/>
+          </a:p>
+        </p:txBody>
+      </p:sp>
+      <p:sp>
+        <p:nvSpPr>
+          <p:cNvPr id="4" name="Foliennummernplatzhalter 3"/>
+          <p:cNvSpPr>
+            <a:spLocks noGrp="1"/>
+          </p:cNvSpPr>
+          <p:nvPr>
+            <p:ph type="sldNum" sz="quarter" idx="12"/>
+          </p:nvPr>
+        </p:nvSpPr>
+        <p:spPr/>
+        <p:txBody>
+          <a:bodyPr/>
+          <a:lstStyle/>
+          <a:p>
+            <a:fld id="{D57F1E4F-1CFF-5643-939E-02111984F565}" type="slidenum">
+              <a:rPr lang="en-US" smtClean="0"/>
+              <a:t>24</a:t>
+            </a:fld>
+            <a:endParaRPr lang="en-US" dirty="0"/>
           </a:p>
         </p:txBody>
       </p:sp>
@@ -11320,46 +11705,22 @@
             </a:r>
             <a:r>
               <a:rPr lang="de-DE" baseline="0" dirty="0" smtClean="0"/>
-              <a:t> </a:t>
+              <a:t> besonders einfach</a:t>
+            </a:r>
+            <a:r>
+              <a:rPr lang="de-DE" dirty="0" smtClean="0"/>
+              <a:t> zu verstehendes </a:t>
             </a:r>
             <a:r>
               <a:rPr lang="de-DE" baseline="0" dirty="0" smtClean="0"/>
-              <a:t>besonders einfach</a:t>
-            </a:r>
-            <a:r>
-              <a:rPr lang="de-DE" dirty="0" smtClean="0"/>
-              <a:t> zu verstehendes </a:t>
-            </a:r>
+              <a:t>Konzept …</a:t>
+            </a:r>
+          </a:p>
+          <a:p>
+            <a:pPr lvl="1"/>
             <a:r>
               <a:rPr lang="de-DE" baseline="0" dirty="0" smtClean="0"/>
-              <a:t>Konzept </a:t>
-            </a:r>
-            <a:r>
-              <a:rPr lang="de-DE" baseline="0" dirty="0" smtClean="0"/>
-              <a:t>…</a:t>
-            </a:r>
-          </a:p>
-          <a:p>
-            <a:pPr lvl="1"/>
-            <a:r>
-              <a:rPr lang="de-DE" baseline="0" dirty="0" smtClean="0"/>
-              <a:t>… </a:t>
-            </a:r>
-            <a:r>
-              <a:rPr lang="de-DE" baseline="0" dirty="0" smtClean="0"/>
-              <a:t>aber </a:t>
-            </a:r>
-            <a:r>
-              <a:rPr lang="de-DE" baseline="0" dirty="0" smtClean="0"/>
-              <a:t>nötig um ein Projekt </a:t>
-            </a:r>
-            <a:r>
-              <a:rPr lang="de-DE" baseline="0" dirty="0" smtClean="0"/>
-              <a:t>in der Games Branche zu </a:t>
-            </a:r>
-            <a:r>
-              <a:rPr lang="de-DE" baseline="0" dirty="0" smtClean="0"/>
-              <a:t>stemmen.</a:t>
+              <a:t>… aber nötig um ein Projekt in der Games Branche zu stemmen.</a:t>
             </a:r>
           </a:p>
           <a:p>
@@ -11411,13 +11772,8 @@
             <a:pPr lvl="2"/>
             <a:r>
               <a:rPr lang="de-DE" dirty="0" smtClean="0"/>
-              <a:t>Lizenzpflichtige Team Server </a:t>
-            </a:r>
-            <a:r>
-              <a:rPr lang="de-DE" dirty="0" smtClean="0"/>
-              <a:t>Software (integriert, aber teuer)</a:t>
-            </a:r>
-            <a:endParaRPr lang="de-DE" dirty="0" smtClean="0"/>
+              <a:t>Lizenzpflichtige Team Server Software (integriert, aber teuer)</a:t>
+            </a:r>
           </a:p>
           <a:p>
             <a:pPr lvl="2"/>
@@ -11462,6 +11818,29 @@
               <a:t> als Open Source Community Entwicklung</a:t>
             </a:r>
             <a:endParaRPr lang="de-DE" dirty="0"/>
+          </a:p>
+        </p:txBody>
+      </p:sp>
+      <p:sp>
+        <p:nvSpPr>
+          <p:cNvPr id="4" name="Foliennummernplatzhalter 3"/>
+          <p:cNvSpPr>
+            <a:spLocks noGrp="1"/>
+          </p:cNvSpPr>
+          <p:nvPr>
+            <p:ph type="sldNum" sz="quarter" idx="12"/>
+          </p:nvPr>
+        </p:nvSpPr>
+        <p:spPr/>
+        <p:txBody>
+          <a:bodyPr/>
+          <a:lstStyle/>
+          <a:p>
+            <a:fld id="{D57F1E4F-1CFF-5643-939E-02111984F565}" type="slidenum">
+              <a:rPr lang="en-US" smtClean="0"/>
+              <a:t>25</a:t>
+            </a:fld>
+            <a:endParaRPr lang="en-US" dirty="0"/>
           </a:p>
         </p:txBody>
       </p:sp>
@@ -11588,7 +11967,6 @@
               <a:rPr lang="de-DE" dirty="0" smtClean="0"/>
               <a:t>“.</a:t>
             </a:r>
-            <a:endParaRPr lang="de-DE" dirty="0" smtClean="0"/>
           </a:p>
           <a:p>
             <a:pPr lvl="1"/>
@@ -11602,15 +11980,7 @@
             </a:r>
             <a:r>
               <a:rPr lang="de-DE" dirty="0" smtClean="0"/>
-              <a:t> ermöglichen </a:t>
-            </a:r>
-            <a:r>
-              <a:rPr lang="de-DE" dirty="0" smtClean="0"/>
-              <a:t>kein freies Anpassen des </a:t>
-            </a:r>
-            <a:r>
-              <a:rPr lang="de-DE" dirty="0" smtClean="0"/>
-              <a:t>Interfaces.</a:t>
+              <a:t> ermöglichen kein freies Anpassen des Interfaces.</a:t>
             </a:r>
           </a:p>
           <a:p>
@@ -11646,6 +12016,29 @@
               <a:t> unterstützt aktuell nur Funktionalität im Hintergrund des Editors und bietet nur wenig GUI Elemente.</a:t>
             </a:r>
             <a:endParaRPr lang="de-DE" dirty="0"/>
+          </a:p>
+        </p:txBody>
+      </p:sp>
+      <p:sp>
+        <p:nvSpPr>
+          <p:cNvPr id="4" name="Foliennummernplatzhalter 3"/>
+          <p:cNvSpPr>
+            <a:spLocks noGrp="1"/>
+          </p:cNvSpPr>
+          <p:nvPr>
+            <p:ph type="sldNum" sz="quarter" idx="12"/>
+          </p:nvPr>
+        </p:nvSpPr>
+        <p:spPr/>
+        <p:txBody>
+          <a:bodyPr/>
+          <a:lstStyle/>
+          <a:p>
+            <a:fld id="{D57F1E4F-1CFF-5643-939E-02111984F565}" type="slidenum">
+              <a:rPr lang="en-US" smtClean="0"/>
+              <a:t>26</a:t>
+            </a:fld>
+            <a:endParaRPr lang="en-US" dirty="0"/>
           </a:p>
         </p:txBody>
       </p:sp>
@@ -11779,6 +12172,29 @@
           </a:prstGeom>
         </p:spPr>
       </p:pic>
+      <p:sp>
+        <p:nvSpPr>
+          <p:cNvPr id="5" name="Foliennummernplatzhalter 4"/>
+          <p:cNvSpPr>
+            <a:spLocks noGrp="1"/>
+          </p:cNvSpPr>
+          <p:nvPr>
+            <p:ph type="sldNum" sz="quarter" idx="12"/>
+          </p:nvPr>
+        </p:nvSpPr>
+        <p:spPr/>
+        <p:txBody>
+          <a:bodyPr/>
+          <a:lstStyle/>
+          <a:p>
+            <a:fld id="{D57F1E4F-1CFF-5643-939E-02111984F565}" type="slidenum">
+              <a:rPr lang="en-US" smtClean="0"/>
+              <a:t>27</a:t>
+            </a:fld>
+            <a:endParaRPr lang="en-US" dirty="0"/>
+          </a:p>
+        </p:txBody>
+      </p:sp>
     </p:spTree>
     <p:extLst>
       <p:ext uri="{BB962C8B-B14F-4D97-AF65-F5344CB8AC3E}">
@@ -11990,6 +12406,29 @@
           </a:p>
         </p:txBody>
       </p:sp>
+      <p:sp>
+        <p:nvSpPr>
+          <p:cNvPr id="4" name="Foliennummernplatzhalter 3"/>
+          <p:cNvSpPr>
+            <a:spLocks noGrp="1"/>
+          </p:cNvSpPr>
+          <p:nvPr>
+            <p:ph type="sldNum" sz="quarter" idx="12"/>
+          </p:nvPr>
+        </p:nvSpPr>
+        <p:spPr/>
+        <p:txBody>
+          <a:bodyPr/>
+          <a:lstStyle/>
+          <a:p>
+            <a:fld id="{D57F1E4F-1CFF-5643-939E-02111984F565}" type="slidenum">
+              <a:rPr lang="en-US" smtClean="0"/>
+              <a:t>28</a:t>
+            </a:fld>
+            <a:endParaRPr lang="en-US" dirty="0"/>
+          </a:p>
+        </p:txBody>
+      </p:sp>
     </p:spTree>
     <p:extLst>
       <p:ext uri="{BB962C8B-B14F-4D97-AF65-F5344CB8AC3E}">
@@ -12081,11 +12520,7 @@
           <a:p>
             <a:r>
               <a:rPr lang="de-DE" b="1" dirty="0" smtClean="0"/>
-              <a:t>F5.5 </a:t>
-            </a:r>
-            <a:r>
-              <a:rPr lang="de-DE" b="1" dirty="0" smtClean="0"/>
-              <a:t>– „Was </a:t>
+              <a:t>F5.5 – „Was </a:t>
             </a:r>
             <a:r>
               <a:rPr lang="de-DE" b="1" dirty="0"/>
@@ -12215,6 +12650,29 @@
               <a:t>bearbeiten</a:t>
             </a:r>
             <a:endParaRPr lang="de-DE" dirty="0"/>
+          </a:p>
+        </p:txBody>
+      </p:sp>
+      <p:sp>
+        <p:nvSpPr>
+          <p:cNvPr id="4" name="Foliennummernplatzhalter 3"/>
+          <p:cNvSpPr>
+            <a:spLocks noGrp="1"/>
+          </p:cNvSpPr>
+          <p:nvPr>
+            <p:ph type="sldNum" sz="quarter" idx="12"/>
+          </p:nvPr>
+        </p:nvSpPr>
+        <p:spPr/>
+        <p:txBody>
+          <a:bodyPr/>
+          <a:lstStyle/>
+          <a:p>
+            <a:fld id="{D57F1E4F-1CFF-5643-939E-02111984F565}" type="slidenum">
+              <a:rPr lang="en-US" smtClean="0"/>
+              <a:t>29</a:t>
+            </a:fld>
+            <a:endParaRPr lang="en-US" dirty="0"/>
           </a:p>
         </p:txBody>
       </p:sp>
@@ -12359,10 +12817,10 @@
                 <a:ea typeface="+mj-ea"/>
                 <a:cs typeface="+mj-cs"/>
               </a:rPr>
-              <a:t> </a:t>
-            </a:r>
-            <a:r>
-              <a:rPr lang="de-DE" sz="2400" b="1" i="0" kern="1200" dirty="0" smtClean="0">
+              <a:t> Tool Entwicklungsprozesses und Konzeption eines </a:t>
+            </a:r>
+            <a:r>
+              <a:rPr lang="de-DE" sz="2400" b="1" i="0" kern="1200" dirty="0" err="1" smtClean="0">
                 <a:solidFill>
                   <a:schemeClr val="tx1"/>
                 </a:solidFill>
@@ -12371,7 +12829,7 @@
                 <a:ea typeface="+mj-ea"/>
                 <a:cs typeface="+mj-cs"/>
               </a:rPr>
-              <a:t>Tool Entwicklungsprozesses </a:t>
+              <a:t>Authoring</a:t>
             </a:r>
             <a:r>
               <a:rPr lang="de-DE" sz="2400" b="1" i="0" kern="1200" dirty="0" smtClean="0">
@@ -12383,43 +12841,7 @@
                 <a:ea typeface="+mj-ea"/>
                 <a:cs typeface="+mj-cs"/>
               </a:rPr>
-              <a:t>und Konzeption eines </a:t>
-            </a:r>
-            <a:r>
-              <a:rPr lang="de-DE" sz="2400" b="1" i="0" kern="1200" dirty="0" err="1" smtClean="0">
-                <a:solidFill>
-                  <a:schemeClr val="tx1"/>
-                </a:solidFill>
-                <a:effectLst/>
-                <a:latin typeface="+mj-lt"/>
-                <a:ea typeface="+mj-ea"/>
-                <a:cs typeface="+mj-cs"/>
-              </a:rPr>
-              <a:t>Authoring</a:t>
-            </a:r>
-            <a:r>
-              <a:rPr lang="de-DE" sz="2400" b="1" i="0" kern="1200" dirty="0" smtClean="0">
-                <a:solidFill>
-                  <a:schemeClr val="tx1"/>
-                </a:solidFill>
-                <a:effectLst/>
-                <a:latin typeface="+mj-lt"/>
-                <a:ea typeface="+mj-ea"/>
-                <a:cs typeface="+mj-cs"/>
-              </a:rPr>
-              <a:t> Tool Frameworks</a:t>
-            </a:r>
-            <a:r>
-              <a:rPr lang="de-DE" sz="2400" b="1" i="0" kern="1200" dirty="0" smtClean="0">
-                <a:solidFill>
-                  <a:schemeClr val="tx1"/>
-                </a:solidFill>
-                <a:effectLst/>
-                <a:latin typeface="+mj-lt"/>
-                <a:ea typeface="+mj-ea"/>
-                <a:cs typeface="+mj-cs"/>
-              </a:rPr>
-              <a:t>“.</a:t>
+              <a:t> Tool Frameworks“.</a:t>
             </a:r>
           </a:p>
           <a:p>
@@ -12901,12 +13323,29 @@
               </a:rPr>
               <a:t> Development S. 3.</a:t>
             </a:r>
-            <a:endParaRPr lang="de-DE" sz="1800" i="0" kern="1200" dirty="0" smtClean="0">
-              <a:solidFill>
-                <a:schemeClr val="tx1"/>
-              </a:solidFill>
-              <a:effectLst/>
-            </a:endParaRPr>
+          </a:p>
+        </p:txBody>
+      </p:sp>
+      <p:sp>
+        <p:nvSpPr>
+          <p:cNvPr id="4" name="Foliennummernplatzhalter 3"/>
+          <p:cNvSpPr>
+            <a:spLocks noGrp="1"/>
+          </p:cNvSpPr>
+          <p:nvPr>
+            <p:ph type="sldNum" sz="quarter" idx="12"/>
+          </p:nvPr>
+        </p:nvSpPr>
+        <p:spPr/>
+        <p:txBody>
+          <a:bodyPr/>
+          <a:lstStyle/>
+          <a:p>
+            <a:fld id="{D57F1E4F-1CFF-5643-939E-02111984F565}" type="slidenum">
+              <a:rPr lang="en-US" smtClean="0"/>
+              <a:t>3</a:t>
+            </a:fld>
+            <a:endParaRPr lang="en-US" dirty="0"/>
           </a:p>
         </p:txBody>
       </p:sp>
@@ -13042,11 +13481,7 @@
             </a:r>
             <a:r>
               <a:rPr lang="de-DE" dirty="0" smtClean="0"/>
-              <a:t> </a:t>
-            </a:r>
-            <a:r>
-              <a:rPr lang="de-DE" dirty="0" smtClean="0"/>
-              <a:t>Typen</a:t>
+              <a:t> Typen</a:t>
             </a:r>
           </a:p>
           <a:p>
@@ -13067,6 +13502,29 @@
           </a:p>
           <a:p>
             <a:endParaRPr lang="de-DE" dirty="0"/>
+          </a:p>
+        </p:txBody>
+      </p:sp>
+      <p:sp>
+        <p:nvSpPr>
+          <p:cNvPr id="4" name="Foliennummernplatzhalter 3"/>
+          <p:cNvSpPr>
+            <a:spLocks noGrp="1"/>
+          </p:cNvSpPr>
+          <p:nvPr>
+            <p:ph type="sldNum" sz="quarter" idx="12"/>
+          </p:nvPr>
+        </p:nvSpPr>
+        <p:spPr/>
+        <p:txBody>
+          <a:bodyPr/>
+          <a:lstStyle/>
+          <a:p>
+            <a:fld id="{D57F1E4F-1CFF-5643-939E-02111984F565}" type="slidenum">
+              <a:rPr lang="en-US" smtClean="0"/>
+              <a:t>30</a:t>
+            </a:fld>
+            <a:endParaRPr lang="en-US" dirty="0"/>
           </a:p>
         </p:txBody>
       </p:sp>
@@ -13228,6 +13686,29 @@
           </a:p>
         </p:txBody>
       </p:sp>
+      <p:sp>
+        <p:nvSpPr>
+          <p:cNvPr id="4" name="Foliennummernplatzhalter 3"/>
+          <p:cNvSpPr>
+            <a:spLocks noGrp="1"/>
+          </p:cNvSpPr>
+          <p:nvPr>
+            <p:ph type="sldNum" sz="quarter" idx="12"/>
+          </p:nvPr>
+        </p:nvSpPr>
+        <p:spPr/>
+        <p:txBody>
+          <a:bodyPr/>
+          <a:lstStyle/>
+          <a:p>
+            <a:fld id="{D57F1E4F-1CFF-5643-939E-02111984F565}" type="slidenum">
+              <a:rPr lang="en-US" smtClean="0"/>
+              <a:t>31</a:t>
+            </a:fld>
+            <a:endParaRPr lang="en-US" dirty="0"/>
+          </a:p>
+        </p:txBody>
+      </p:sp>
     </p:spTree>
     <p:extLst>
       <p:ext uri="{BB962C8B-B14F-4D97-AF65-F5344CB8AC3E}">
@@ -13333,15 +13814,7 @@
           <a:p>
             <a:r>
               <a:rPr lang="de-DE" dirty="0" smtClean="0"/>
-              <a:t>Orientiert sich an Best Practice </a:t>
-            </a:r>
-            <a:r>
-              <a:rPr lang="de-DE" dirty="0" smtClean="0"/>
-              <a:t>Beispielen </a:t>
-            </a:r>
-            <a:r>
-              <a:rPr lang="de-DE" dirty="0" smtClean="0"/>
-              <a:t>der analysierten </a:t>
+              <a:t>Orientiert sich an Best Practice Beispielen der analysierten </a:t>
             </a:r>
             <a:r>
               <a:rPr lang="de-DE" dirty="0" err="1" smtClean="0"/>
@@ -13377,11 +13850,7 @@
             </a:r>
             <a:r>
               <a:rPr lang="de-DE" dirty="0" smtClean="0"/>
-              <a:t> </a:t>
-            </a:r>
-            <a:r>
-              <a:rPr lang="de-DE" dirty="0" smtClean="0"/>
-              <a:t>basiertes Szenengraphen System in </a:t>
+              <a:t> basiertes Szenengraphen System in </a:t>
             </a:r>
             <a:r>
               <a:rPr lang="de-DE" dirty="0" err="1" smtClean="0"/>
@@ -13420,6 +13889,29 @@
               <a:t> und Designer bezieht sich diese Aussage nur auf die Grafische Repräsentation des Konzeptes.</a:t>
             </a:r>
             <a:endParaRPr lang="de-DE" dirty="0"/>
+          </a:p>
+        </p:txBody>
+      </p:sp>
+      <p:sp>
+        <p:nvSpPr>
+          <p:cNvPr id="4" name="Foliennummernplatzhalter 3"/>
+          <p:cNvSpPr>
+            <a:spLocks noGrp="1"/>
+          </p:cNvSpPr>
+          <p:nvPr>
+            <p:ph type="sldNum" sz="quarter" idx="12"/>
+          </p:nvPr>
+        </p:nvSpPr>
+        <p:spPr/>
+        <p:txBody>
+          <a:bodyPr/>
+          <a:lstStyle/>
+          <a:p>
+            <a:fld id="{D57F1E4F-1CFF-5643-939E-02111984F565}" type="slidenum">
+              <a:rPr lang="en-US" smtClean="0"/>
+              <a:t>32</a:t>
+            </a:fld>
+            <a:endParaRPr lang="en-US" dirty="0"/>
           </a:p>
         </p:txBody>
       </p:sp>
@@ -13532,6 +14024,29 @@
           </a:p>
         </p:txBody>
       </p:sp>
+      <p:sp>
+        <p:nvSpPr>
+          <p:cNvPr id="4" name="Foliennummernplatzhalter 3"/>
+          <p:cNvSpPr>
+            <a:spLocks noGrp="1"/>
+          </p:cNvSpPr>
+          <p:nvPr>
+            <p:ph type="sldNum" sz="quarter" idx="12"/>
+          </p:nvPr>
+        </p:nvSpPr>
+        <p:spPr/>
+        <p:txBody>
+          <a:bodyPr/>
+          <a:lstStyle/>
+          <a:p>
+            <a:fld id="{D57F1E4F-1CFF-5643-939E-02111984F565}" type="slidenum">
+              <a:rPr lang="en-US" smtClean="0"/>
+              <a:t>33</a:t>
+            </a:fld>
+            <a:endParaRPr lang="en-US" dirty="0"/>
+          </a:p>
+        </p:txBody>
+      </p:sp>
     </p:spTree>
     <p:extLst>
       <p:ext uri="{BB962C8B-B14F-4D97-AF65-F5344CB8AC3E}">
@@ -13705,25 +14220,32 @@
           <a:p>
             <a:r>
               <a:rPr lang="de-DE" dirty="0" smtClean="0"/>
-              <a:t>Wie kann also </a:t>
-            </a:r>
-            <a:r>
-              <a:rPr lang="de-DE" dirty="0" smtClean="0"/>
-              <a:t>das </a:t>
-            </a:r>
-            <a:r>
-              <a:rPr lang="de-DE" dirty="0" smtClean="0"/>
-              <a:t>Problem </a:t>
-            </a:r>
-            <a:r>
-              <a:rPr lang="de-DE" dirty="0" smtClean="0"/>
-              <a:t>gelöst </a:t>
-            </a:r>
-            <a:r>
-              <a:rPr lang="de-DE" dirty="0" smtClean="0"/>
-              <a:t>werden?</a:t>
+              <a:t>Wie kann also das Problem gelöst werden?</a:t>
             </a:r>
             <a:endParaRPr lang="de-DE" baseline="0" dirty="0" smtClean="0"/>
+          </a:p>
+        </p:txBody>
+      </p:sp>
+      <p:sp>
+        <p:nvSpPr>
+          <p:cNvPr id="4" name="Foliennummernplatzhalter 3"/>
+          <p:cNvSpPr>
+            <a:spLocks noGrp="1"/>
+          </p:cNvSpPr>
+          <p:nvPr>
+            <p:ph type="sldNum" sz="quarter" idx="12"/>
+          </p:nvPr>
+        </p:nvSpPr>
+        <p:spPr/>
+        <p:txBody>
+          <a:bodyPr/>
+          <a:lstStyle/>
+          <a:p>
+            <a:fld id="{D57F1E4F-1CFF-5643-939E-02111984F565}" type="slidenum">
+              <a:rPr lang="en-US" smtClean="0"/>
+              <a:t>34</a:t>
+            </a:fld>
+            <a:endParaRPr lang="en-US" dirty="0"/>
           </a:p>
         </p:txBody>
       </p:sp>
@@ -14034,6 +14556,29 @@
           </a:p>
         </p:txBody>
       </p:sp>
+      <p:sp>
+        <p:nvSpPr>
+          <p:cNvPr id="3" name="Foliennummernplatzhalter 2"/>
+          <p:cNvSpPr>
+            <a:spLocks noGrp="1"/>
+          </p:cNvSpPr>
+          <p:nvPr>
+            <p:ph type="sldNum" sz="quarter" idx="12"/>
+          </p:nvPr>
+        </p:nvSpPr>
+        <p:spPr/>
+        <p:txBody>
+          <a:bodyPr/>
+          <a:lstStyle/>
+          <a:p>
+            <a:fld id="{D57F1E4F-1CFF-5643-939E-02111984F565}" type="slidenum">
+              <a:rPr lang="en-US" smtClean="0"/>
+              <a:t>35</a:t>
+            </a:fld>
+            <a:endParaRPr lang="en-US" dirty="0"/>
+          </a:p>
+        </p:txBody>
+      </p:sp>
     </p:spTree>
     <p:extLst>
       <p:ext uri="{BB962C8B-B14F-4D97-AF65-F5344CB8AC3E}">
@@ -14198,24 +14743,38 @@
             </a:r>
             <a:r>
               <a:rPr lang="de-DE" baseline="0" dirty="0" smtClean="0"/>
-              <a:t> </a:t>
-            </a:r>
+              <a:t> greift nicht in Nutzercode ein.</a:t>
+            </a:r>
+          </a:p>
+          <a:p>
+            <a:pPr lvl="2"/>
             <a:r>
               <a:rPr lang="de-DE" baseline="0" dirty="0" smtClean="0"/>
-              <a:t>greift nicht in Nutzercode ein.</a:t>
-            </a:r>
-          </a:p>
-          <a:p>
-            <a:pPr lvl="2"/>
-            <a:r>
-              <a:rPr lang="de-DE" baseline="0" dirty="0" smtClean="0"/>
-              <a:t>Informationen zur Projektverwaltung stecken im automatisch generierten Teil. (bzw. Verweise auf XML Datencontainer</a:t>
-            </a:r>
-            <a:r>
-              <a:rPr lang="de-DE" baseline="0" dirty="0" smtClean="0"/>
-              <a:t>)</a:t>
-            </a:r>
-            <a:endParaRPr lang="de-DE" baseline="0" dirty="0" smtClean="0"/>
+              <a:t>Informationen zur Projektverwaltung stecken im automatisch generierten Teil. (bzw. Verweise auf XML Datencontainer)</a:t>
+            </a:r>
+          </a:p>
+        </p:txBody>
+      </p:sp>
+      <p:sp>
+        <p:nvSpPr>
+          <p:cNvPr id="4" name="Foliennummernplatzhalter 3"/>
+          <p:cNvSpPr>
+            <a:spLocks noGrp="1"/>
+          </p:cNvSpPr>
+          <p:nvPr>
+            <p:ph type="sldNum" sz="quarter" idx="12"/>
+          </p:nvPr>
+        </p:nvSpPr>
+        <p:spPr/>
+        <p:txBody>
+          <a:bodyPr/>
+          <a:lstStyle/>
+          <a:p>
+            <a:fld id="{D57F1E4F-1CFF-5643-939E-02111984F565}" type="slidenum">
+              <a:rPr lang="en-US" smtClean="0"/>
+              <a:t>36</a:t>
+            </a:fld>
+            <a:endParaRPr lang="en-US" dirty="0"/>
           </a:p>
         </p:txBody>
       </p:sp>
@@ -14357,12 +14916,31 @@
             <a:pPr lvl="1"/>
             <a:r>
               <a:rPr lang="de-DE" baseline="0" dirty="0" smtClean="0"/>
-              <a:t>Wird benötigt wenn ein Projekt im Editor geöffnet wird um Relationen wieder herzustellen</a:t>
-            </a:r>
-            <a:r>
-              <a:rPr lang="de-DE" baseline="0" dirty="0" smtClean="0"/>
-              <a:t>.</a:t>
-            </a:r>
+              <a:t>Wird benötigt wenn ein Projekt im Editor geöffnet wird um Relationen wieder herzustellen.</a:t>
+            </a:r>
+          </a:p>
+        </p:txBody>
+      </p:sp>
+      <p:sp>
+        <p:nvSpPr>
+          <p:cNvPr id="4" name="Foliennummernplatzhalter 3"/>
+          <p:cNvSpPr>
+            <a:spLocks noGrp="1"/>
+          </p:cNvSpPr>
+          <p:nvPr>
+            <p:ph type="sldNum" sz="quarter" idx="12"/>
+          </p:nvPr>
+        </p:nvSpPr>
+        <p:spPr/>
+        <p:txBody>
+          <a:bodyPr/>
+          <a:lstStyle/>
+          <a:p>
+            <a:fld id="{D57F1E4F-1CFF-5643-939E-02111984F565}" type="slidenum">
+              <a:rPr lang="en-US" smtClean="0"/>
+              <a:t>37</a:t>
+            </a:fld>
+            <a:endParaRPr lang="en-US" dirty="0"/>
           </a:p>
         </p:txBody>
       </p:sp>
@@ -14521,6 +15099,29 @@
           </a:p>
         </p:txBody>
       </p:sp>
+      <p:sp>
+        <p:nvSpPr>
+          <p:cNvPr id="4" name="Foliennummernplatzhalter 3"/>
+          <p:cNvSpPr>
+            <a:spLocks noGrp="1"/>
+          </p:cNvSpPr>
+          <p:nvPr>
+            <p:ph type="sldNum" sz="quarter" idx="12"/>
+          </p:nvPr>
+        </p:nvSpPr>
+        <p:spPr/>
+        <p:txBody>
+          <a:bodyPr/>
+          <a:lstStyle/>
+          <a:p>
+            <a:fld id="{D57F1E4F-1CFF-5643-939E-02111984F565}" type="slidenum">
+              <a:rPr lang="en-US" smtClean="0"/>
+              <a:t>38</a:t>
+            </a:fld>
+            <a:endParaRPr lang="en-US" dirty="0"/>
+          </a:p>
+        </p:txBody>
+      </p:sp>
     </p:spTree>
     <p:extLst>
       <p:ext uri="{BB962C8B-B14F-4D97-AF65-F5344CB8AC3E}">
@@ -14622,6 +15223,29 @@
           </a:xfrm>
         </p:spPr>
       </p:pic>
+      <p:sp>
+        <p:nvSpPr>
+          <p:cNvPr id="3" name="Foliennummernplatzhalter 2"/>
+          <p:cNvSpPr>
+            <a:spLocks noGrp="1"/>
+          </p:cNvSpPr>
+          <p:nvPr>
+            <p:ph type="sldNum" sz="quarter" idx="12"/>
+          </p:nvPr>
+        </p:nvSpPr>
+        <p:spPr/>
+        <p:txBody>
+          <a:bodyPr/>
+          <a:lstStyle/>
+          <a:p>
+            <a:fld id="{D57F1E4F-1CFF-5643-939E-02111984F565}" type="slidenum">
+              <a:rPr lang="en-US" smtClean="0"/>
+              <a:t>39</a:t>
+            </a:fld>
+            <a:endParaRPr lang="en-US" dirty="0"/>
+          </a:p>
+        </p:txBody>
+      </p:sp>
     </p:spTree>
     <p:extLst>
       <p:ext uri="{BB962C8B-B14F-4D97-AF65-F5344CB8AC3E}">
@@ -14710,17 +15334,8 @@
             <a:pPr lvl="1"/>
             <a:r>
               <a:rPr lang="de-DE" dirty="0" smtClean="0"/>
-              <a:t>Das Untersuchen </a:t>
-            </a:r>
-            <a:r>
-              <a:rPr lang="de-DE" dirty="0" smtClean="0"/>
-              <a:t>des Entwicklungsprozesses und bereits erhältlicher </a:t>
-            </a:r>
-            <a:r>
-              <a:rPr lang="de-DE" dirty="0" smtClean="0"/>
-              <a:t>Tools.</a:t>
-            </a:r>
-            <a:endParaRPr lang="de-DE" dirty="0" smtClean="0"/>
+              <a:t>Das Untersuchen des Entwicklungsprozesses und bereits erhältlicher Tools.</a:t>
+            </a:r>
           </a:p>
           <a:p>
             <a:pPr lvl="1"/>
@@ -14744,17 +15359,12 @@
               <a:rPr lang="de-DE" dirty="0" smtClean="0"/>
               <a:t> umsetzbar?</a:t>
             </a:r>
-            <a:endParaRPr lang="de-DE" dirty="0" smtClean="0"/>
           </a:p>
           <a:p>
             <a:pPr lvl="1"/>
             <a:r>
               <a:rPr lang="de-DE" dirty="0" smtClean="0"/>
-              <a:t>Daraus </a:t>
-            </a:r>
-            <a:r>
-              <a:rPr lang="de-DE" dirty="0" smtClean="0"/>
-              <a:t>folgend</a:t>
+              <a:t>Daraus folgend</a:t>
             </a:r>
             <a:r>
               <a:rPr lang="de-DE" baseline="0" dirty="0" smtClean="0"/>
@@ -14768,11 +15378,7 @@
             </a:r>
             <a:r>
               <a:rPr lang="de-DE" dirty="0" smtClean="0"/>
-              <a:t>Konzeption eines </a:t>
-            </a:r>
-            <a:r>
-              <a:rPr lang="de-DE" dirty="0" smtClean="0"/>
-              <a:t>Editor </a:t>
+              <a:t>Konzeption eines Editor </a:t>
             </a:r>
             <a:r>
               <a:rPr lang="de-DE" dirty="0" err="1" smtClean="0"/>
@@ -14780,30 +15386,14 @@
             </a:r>
             <a:r>
               <a:rPr lang="de-DE" dirty="0" smtClean="0"/>
-              <a:t> </a:t>
-            </a:r>
-            <a:r>
-              <a:rPr lang="de-DE" dirty="0" smtClean="0"/>
-              <a:t>Tools </a:t>
-            </a:r>
-            <a:r>
-              <a:rPr lang="de-DE" dirty="0" smtClean="0"/>
-              <a:t>und Umsetzung eines Prototyps soweit </a:t>
-            </a:r>
-            <a:r>
-              <a:rPr lang="de-DE" dirty="0" smtClean="0"/>
-              <a:t>es möglich ist.</a:t>
+              <a:t> Tools und Umsetzung eines Prototyps soweit es möglich ist.</a:t>
             </a:r>
           </a:p>
           <a:p>
             <a:pPr lvl="1"/>
             <a:r>
               <a:rPr lang="de-DE" dirty="0" smtClean="0"/>
-              <a:t>Verwendet </a:t>
-            </a:r>
-            <a:r>
-              <a:rPr lang="de-DE" dirty="0" smtClean="0"/>
-              <a:t>werden sollten die </a:t>
+              <a:t>Verwendet werden sollten die </a:t>
             </a:r>
             <a:r>
               <a:rPr lang="de-DE" dirty="0" err="1" smtClean="0"/>
@@ -14811,13 +15401,31 @@
             </a:r>
             <a:r>
               <a:rPr lang="de-DE" dirty="0" smtClean="0"/>
-              <a:t> Engine und Cinema </a:t>
-            </a:r>
-            <a:r>
-              <a:rPr lang="de-DE" dirty="0" smtClean="0"/>
-              <a:t>4D.</a:t>
-            </a:r>
-            <a:endParaRPr lang="de-DE" dirty="0" smtClean="0"/>
+              <a:t> Engine und Cinema 4D.</a:t>
+            </a:r>
+          </a:p>
+        </p:txBody>
+      </p:sp>
+      <p:sp>
+        <p:nvSpPr>
+          <p:cNvPr id="4" name="Foliennummernplatzhalter 3"/>
+          <p:cNvSpPr>
+            <a:spLocks noGrp="1"/>
+          </p:cNvSpPr>
+          <p:nvPr>
+            <p:ph type="sldNum" sz="quarter" idx="12"/>
+          </p:nvPr>
+        </p:nvSpPr>
+        <p:spPr/>
+        <p:txBody>
+          <a:bodyPr/>
+          <a:lstStyle/>
+          <a:p>
+            <a:fld id="{D57F1E4F-1CFF-5643-939E-02111984F565}" type="slidenum">
+              <a:rPr lang="en-US" smtClean="0"/>
+              <a:t>4</a:t>
+            </a:fld>
+            <a:endParaRPr lang="en-US" dirty="0"/>
           </a:p>
         </p:txBody>
       </p:sp>
@@ -14974,6 +15582,29 @@
           </a:p>
         </p:txBody>
       </p:sp>
+      <p:sp>
+        <p:nvSpPr>
+          <p:cNvPr id="4" name="Foliennummernplatzhalter 3"/>
+          <p:cNvSpPr>
+            <a:spLocks noGrp="1"/>
+          </p:cNvSpPr>
+          <p:nvPr>
+            <p:ph type="sldNum" sz="quarter" idx="12"/>
+          </p:nvPr>
+        </p:nvSpPr>
+        <p:spPr/>
+        <p:txBody>
+          <a:bodyPr/>
+          <a:lstStyle/>
+          <a:p>
+            <a:fld id="{D57F1E4F-1CFF-5643-939E-02111984F565}" type="slidenum">
+              <a:rPr lang="en-US" smtClean="0"/>
+              <a:t>40</a:t>
+            </a:fld>
+            <a:endParaRPr lang="en-US" dirty="0"/>
+          </a:p>
+        </p:txBody>
+      </p:sp>
     </p:spTree>
     <p:extLst>
       <p:ext uri="{BB962C8B-B14F-4D97-AF65-F5344CB8AC3E}">
@@ -15081,11 +15712,7 @@
             </a:r>
             <a:r>
               <a:rPr lang="de-DE" dirty="0" smtClean="0"/>
-              <a:t> Projekt</a:t>
-            </a:r>
-            <a:r>
-              <a:rPr lang="de-DE" dirty="0" smtClean="0"/>
-              <a:t>.</a:t>
+              <a:t> Projekt.</a:t>
             </a:r>
           </a:p>
           <a:p>
@@ -15101,7 +15728,6 @@
               <a:rPr lang="de-DE" dirty="0" smtClean="0"/>
               <a:t>Das Projekt muss vom Editor „geöffnet“ und „im Speicher“ gehalten werden.</a:t>
             </a:r>
-            <a:endParaRPr lang="de-DE" dirty="0" smtClean="0"/>
           </a:p>
           <a:p>
             <a:pPr lvl="1"/>
@@ -15170,11 +15796,7 @@
             </a:r>
             <a:r>
               <a:rPr lang="de-DE" dirty="0" smtClean="0"/>
-              <a:t>, </a:t>
-            </a:r>
-            <a:r>
-              <a:rPr lang="de-DE" dirty="0" smtClean="0"/>
-              <a:t>.</a:t>
+              <a:t>, .</a:t>
             </a:r>
             <a:r>
               <a:rPr lang="de-DE" dirty="0" err="1" smtClean="0"/>
@@ -15182,15 +15804,7 @@
             </a:r>
             <a:r>
               <a:rPr lang="de-DE" dirty="0" smtClean="0"/>
-              <a:t>, </a:t>
-            </a:r>
-            <a:r>
-              <a:rPr lang="de-DE" dirty="0" smtClean="0"/>
-              <a:t>etc</a:t>
-            </a:r>
-            <a:r>
-              <a:rPr lang="de-DE" dirty="0" smtClean="0"/>
-              <a:t>.)</a:t>
+              <a:t>, etc.)</a:t>
             </a:r>
           </a:p>
           <a:p>
@@ -15218,19 +15832,34 @@
             <a:pPr lvl="1"/>
             <a:r>
               <a:rPr lang="de-DE" dirty="0" smtClean="0"/>
-              <a:t>Tool kann die Pfade der Objekte </a:t>
-            </a:r>
-            <a:r>
-              <a:rPr lang="de-DE" dirty="0" smtClean="0"/>
-              <a:t>abfragen </a:t>
-            </a:r>
-            <a:r>
-              <a:rPr lang="de-DE" dirty="0" smtClean="0"/>
-              <a:t>und hat Zugriff auf das Dateisystem (Cinema 4D API ermöglicht das).</a:t>
+              <a:t>Tool kann die Pfade der Objekte abfragen und hat Zugriff auf das Dateisystem (Cinema 4D API ermöglicht das).</a:t>
             </a:r>
           </a:p>
           <a:p>
             <a:endParaRPr lang="de-DE" dirty="0"/>
+          </a:p>
+        </p:txBody>
+      </p:sp>
+      <p:sp>
+        <p:nvSpPr>
+          <p:cNvPr id="4" name="Foliennummernplatzhalter 3"/>
+          <p:cNvSpPr>
+            <a:spLocks noGrp="1"/>
+          </p:cNvSpPr>
+          <p:nvPr>
+            <p:ph type="sldNum" sz="quarter" idx="12"/>
+          </p:nvPr>
+        </p:nvSpPr>
+        <p:spPr/>
+        <p:txBody>
+          <a:bodyPr/>
+          <a:lstStyle/>
+          <a:p>
+            <a:fld id="{D57F1E4F-1CFF-5643-939E-02111984F565}" type="slidenum">
+              <a:rPr lang="en-US" smtClean="0"/>
+              <a:t>41</a:t>
+            </a:fld>
+            <a:endParaRPr lang="en-US" dirty="0"/>
           </a:p>
         </p:txBody>
       </p:sp>
@@ -15387,6 +16016,29 @@
           </a:p>
         </p:txBody>
       </p:sp>
+      <p:sp>
+        <p:nvSpPr>
+          <p:cNvPr id="4" name="Foliennummernplatzhalter 3"/>
+          <p:cNvSpPr>
+            <a:spLocks noGrp="1"/>
+          </p:cNvSpPr>
+          <p:nvPr>
+            <p:ph type="sldNum" sz="quarter" idx="12"/>
+          </p:nvPr>
+        </p:nvSpPr>
+        <p:spPr/>
+        <p:txBody>
+          <a:bodyPr/>
+          <a:lstStyle/>
+          <a:p>
+            <a:fld id="{D57F1E4F-1CFF-5643-939E-02111984F565}" type="slidenum">
+              <a:rPr lang="en-US" smtClean="0"/>
+              <a:t>42</a:t>
+            </a:fld>
+            <a:endParaRPr lang="en-US" dirty="0"/>
+          </a:p>
+        </p:txBody>
+      </p:sp>
     </p:spTree>
     <p:extLst>
       <p:ext uri="{BB962C8B-B14F-4D97-AF65-F5344CB8AC3E}">
@@ -15478,23 +16130,14 @@
           <a:p>
             <a:r>
               <a:rPr lang="de-DE" dirty="0" smtClean="0"/>
-              <a:t>Voraussetzung für die </a:t>
-            </a:r>
-            <a:r>
-              <a:rPr lang="de-DE" dirty="0" smtClean="0"/>
-              <a:t>Funktionalität ist</a:t>
-            </a:r>
-            <a:endParaRPr lang="de-DE" dirty="0" smtClean="0"/>
+              <a:t>Voraussetzung für die Funktionalität ist</a:t>
+            </a:r>
           </a:p>
           <a:p>
             <a:pPr lvl="1"/>
             <a:r>
               <a:rPr lang="de-DE" dirty="0" smtClean="0"/>
-              <a:t>ein </a:t>
-            </a:r>
-            <a:r>
-              <a:rPr lang="de-DE" dirty="0" smtClean="0"/>
-              <a:t>funktionierendes Versionskontrollsystem und eine geordnete Projektstruktur</a:t>
+              <a:t>ein funktionierendes Versionskontrollsystem und eine geordnete Projektstruktur</a:t>
             </a:r>
           </a:p>
           <a:p>
@@ -15559,6 +16202,29 @@
               <a:rPr lang="de-DE" dirty="0" smtClean="0"/>
               <a:t>Übertragen der Dateien zu anderen Mitarbeitern.</a:t>
             </a:r>
+          </a:p>
+        </p:txBody>
+      </p:sp>
+      <p:sp>
+        <p:nvSpPr>
+          <p:cNvPr id="4" name="Foliennummernplatzhalter 3"/>
+          <p:cNvSpPr>
+            <a:spLocks noGrp="1"/>
+          </p:cNvSpPr>
+          <p:nvPr>
+            <p:ph type="sldNum" sz="quarter" idx="12"/>
+          </p:nvPr>
+        </p:nvSpPr>
+        <p:spPr/>
+        <p:txBody>
+          <a:bodyPr/>
+          <a:lstStyle/>
+          <a:p>
+            <a:fld id="{D57F1E4F-1CFF-5643-939E-02111984F565}" type="slidenum">
+              <a:rPr lang="en-US" smtClean="0"/>
+              <a:t>43</a:t>
+            </a:fld>
+            <a:endParaRPr lang="en-US" dirty="0"/>
           </a:p>
         </p:txBody>
       </p:sp>
@@ -15700,6 +16366,29 @@
           </a:p>
         </p:txBody>
       </p:sp>
+      <p:sp>
+        <p:nvSpPr>
+          <p:cNvPr id="4" name="Foliennummernplatzhalter 3"/>
+          <p:cNvSpPr>
+            <a:spLocks noGrp="1"/>
+          </p:cNvSpPr>
+          <p:nvPr>
+            <p:ph type="sldNum" sz="quarter" idx="12"/>
+          </p:nvPr>
+        </p:nvSpPr>
+        <p:spPr/>
+        <p:txBody>
+          <a:bodyPr/>
+          <a:lstStyle/>
+          <a:p>
+            <a:fld id="{D57F1E4F-1CFF-5643-939E-02111984F565}" type="slidenum">
+              <a:rPr lang="en-US" smtClean="0"/>
+              <a:t>44</a:t>
+            </a:fld>
+            <a:endParaRPr lang="en-US" dirty="0"/>
+          </a:p>
+        </p:txBody>
+      </p:sp>
     </p:spTree>
     <p:extLst>
       <p:ext uri="{BB962C8B-B14F-4D97-AF65-F5344CB8AC3E}">
@@ -15854,11 +16543,7 @@
             <a:pPr lvl="1"/>
             <a:r>
               <a:rPr lang="de-DE" dirty="0" smtClean="0"/>
-              <a:t>Updaten gleichzeitig indirekt den generierten Code beim nächsten verwenden des Editors</a:t>
-            </a:r>
-            <a:r>
-              <a:rPr lang="de-DE" dirty="0" smtClean="0"/>
-              <a:t>.</a:t>
+              <a:t>Updaten gleichzeitig indirekt den generierten Code beim nächsten verwenden des Editors.</a:t>
             </a:r>
           </a:p>
           <a:p>
@@ -15884,6 +16569,29 @@
               <a:t> kümmert.</a:t>
             </a:r>
             <a:endParaRPr lang="de-DE" dirty="0"/>
+          </a:p>
+        </p:txBody>
+      </p:sp>
+      <p:sp>
+        <p:nvSpPr>
+          <p:cNvPr id="4" name="Foliennummernplatzhalter 3"/>
+          <p:cNvSpPr>
+            <a:spLocks noGrp="1"/>
+          </p:cNvSpPr>
+          <p:nvPr>
+            <p:ph type="sldNum" sz="quarter" idx="12"/>
+          </p:nvPr>
+        </p:nvSpPr>
+        <p:spPr/>
+        <p:txBody>
+          <a:bodyPr/>
+          <a:lstStyle/>
+          <a:p>
+            <a:fld id="{D57F1E4F-1CFF-5643-939E-02111984F565}" type="slidenum">
+              <a:rPr lang="en-US" smtClean="0"/>
+              <a:t>45</a:t>
+            </a:fld>
+            <a:endParaRPr lang="en-US" dirty="0"/>
           </a:p>
         </p:txBody>
       </p:sp>
@@ -15969,6 +16677,29 @@
           </a:p>
         </p:txBody>
       </p:sp>
+      <p:sp>
+        <p:nvSpPr>
+          <p:cNvPr id="4" name="Foliennummernplatzhalter 3"/>
+          <p:cNvSpPr>
+            <a:spLocks noGrp="1"/>
+          </p:cNvSpPr>
+          <p:nvPr>
+            <p:ph type="sldNum" sz="quarter" idx="12"/>
+          </p:nvPr>
+        </p:nvSpPr>
+        <p:spPr/>
+        <p:txBody>
+          <a:bodyPr/>
+          <a:lstStyle/>
+          <a:p>
+            <a:fld id="{D57F1E4F-1CFF-5643-939E-02111984F565}" type="slidenum">
+              <a:rPr lang="en-US" smtClean="0"/>
+              <a:t>46</a:t>
+            </a:fld>
+            <a:endParaRPr lang="en-US" dirty="0"/>
+          </a:p>
+        </p:txBody>
+      </p:sp>
     </p:spTree>
     <p:extLst>
       <p:ext uri="{BB962C8B-B14F-4D97-AF65-F5344CB8AC3E}">
@@ -16551,6 +17282,29 @@
           </a:p>
         </p:txBody>
       </p:sp>
+      <p:sp>
+        <p:nvSpPr>
+          <p:cNvPr id="15" name="Foliennummernplatzhalter 14"/>
+          <p:cNvSpPr>
+            <a:spLocks noGrp="1"/>
+          </p:cNvSpPr>
+          <p:nvPr>
+            <p:ph type="sldNum" sz="quarter" idx="12"/>
+          </p:nvPr>
+        </p:nvSpPr>
+        <p:spPr/>
+        <p:txBody>
+          <a:bodyPr/>
+          <a:lstStyle/>
+          <a:p>
+            <a:fld id="{D57F1E4F-1CFF-5643-939E-02111984F565}" type="slidenum">
+              <a:rPr lang="en-US" smtClean="0"/>
+              <a:t>47</a:t>
+            </a:fld>
+            <a:endParaRPr lang="en-US" dirty="0"/>
+          </a:p>
+        </p:txBody>
+      </p:sp>
     </p:spTree>
     <p:extLst>
       <p:ext uri="{BB962C8B-B14F-4D97-AF65-F5344CB8AC3E}">
@@ -16634,57 +17388,36 @@
             </a:r>
             <a:r>
               <a:rPr lang="de-DE" baseline="0" dirty="0" smtClean="0"/>
-              <a:t> Referenzmodellen im </a:t>
+              <a:t> Referenzmodellen im Entwicklungsprozess</a:t>
+            </a:r>
+          </a:p>
+          <a:p>
+            <a:pPr lvl="0"/>
+            <a:r>
+              <a:rPr lang="de-DE" dirty="0" smtClean="0"/>
+              <a:t>Untersuchung</a:t>
             </a:r>
             <a:r>
               <a:rPr lang="de-DE" baseline="0" dirty="0" smtClean="0"/>
-              <a:t>Entwicklungsprozess</a:t>
-            </a:r>
-            <a:endParaRPr lang="de-DE" baseline="0" dirty="0" smtClean="0"/>
+              <a:t> beliebter und erfolgreicher Editoren und Frameworks</a:t>
+            </a:r>
           </a:p>
           <a:p>
             <a:pPr lvl="0"/>
             <a:r>
               <a:rPr lang="de-DE" dirty="0" smtClean="0"/>
-              <a:t>Untersuchung</a:t>
+              <a:t>Konzeption eines Frameworks</a:t>
+            </a:r>
+          </a:p>
+          <a:p>
+            <a:pPr lvl="1"/>
+            <a:r>
+              <a:rPr lang="de-DE" dirty="0" smtClean="0"/>
+              <a:t>Konzeption mit Hilfe von Methoden</a:t>
             </a:r>
             <a:r>
               <a:rPr lang="de-DE" baseline="0" dirty="0" smtClean="0"/>
-              <a:t> </a:t>
-            </a:r>
-            <a:r>
-              <a:rPr lang="de-DE" baseline="0" dirty="0" smtClean="0"/>
-              <a:t>beliebter und erfolgreicher Editoren und </a:t>
-            </a:r>
-            <a:r>
-              <a:rPr lang="de-DE" baseline="0" dirty="0" smtClean="0"/>
-              <a:t>Frameworks</a:t>
-            </a:r>
-          </a:p>
-          <a:p>
-            <a:pPr lvl="0"/>
-            <a:r>
-              <a:rPr lang="de-DE" dirty="0" smtClean="0"/>
-              <a:t>Konzeption eines Frameworks</a:t>
-            </a:r>
-          </a:p>
-          <a:p>
-            <a:pPr lvl="1"/>
-            <a:r>
-              <a:rPr lang="de-DE" dirty="0" smtClean="0"/>
-              <a:t>Konzeption </a:t>
-            </a:r>
-            <a:r>
-              <a:rPr lang="de-DE" dirty="0" smtClean="0"/>
-              <a:t>mit Hilfe von Methoden</a:t>
-            </a:r>
-            <a:r>
-              <a:rPr lang="de-DE" baseline="0" dirty="0" smtClean="0"/>
-              <a:t> des Software Engineering </a:t>
-            </a:r>
-            <a:r>
-              <a:rPr lang="de-DE" baseline="0" dirty="0" smtClean="0"/>
-              <a:t>im Bezug auf die </a:t>
+              <a:t> des Software Engineering im Bezug auf die </a:t>
             </a:r>
             <a:r>
               <a:rPr lang="de-DE" baseline="0" dirty="0" err="1" smtClean="0"/>
@@ -16692,23 +17425,14 @@
             </a:r>
             <a:r>
               <a:rPr lang="de-DE" baseline="0" dirty="0" smtClean="0"/>
-              <a:t> </a:t>
-            </a:r>
-            <a:r>
-              <a:rPr lang="de-DE" baseline="0" dirty="0" smtClean="0"/>
-              <a:t>Engine</a:t>
-            </a:r>
-            <a:endParaRPr lang="de-DE" baseline="0" dirty="0" smtClean="0"/>
+              <a:t> Engine</a:t>
+            </a:r>
           </a:p>
           <a:p>
             <a:pPr lvl="0"/>
             <a:r>
               <a:rPr lang="de-DE" dirty="0" smtClean="0"/>
-              <a:t>Implementierung der </a:t>
-            </a:r>
-            <a:r>
-              <a:rPr lang="de-DE" dirty="0" smtClean="0"/>
-              <a:t>Konzeption</a:t>
+              <a:t>Implementierung der Konzeption</a:t>
             </a:r>
           </a:p>
           <a:p>
@@ -16717,7 +17441,29 @@
               <a:rPr lang="de-DE" dirty="0" smtClean="0"/>
               <a:t>Als Prototypischen Ansatz</a:t>
             </a:r>
-            <a:endParaRPr lang="de-DE" dirty="0" smtClean="0"/>
+          </a:p>
+        </p:txBody>
+      </p:sp>
+      <p:sp>
+        <p:nvSpPr>
+          <p:cNvPr id="4" name="Foliennummernplatzhalter 3"/>
+          <p:cNvSpPr>
+            <a:spLocks noGrp="1"/>
+          </p:cNvSpPr>
+          <p:nvPr>
+            <p:ph type="sldNum" sz="quarter" idx="12"/>
+          </p:nvPr>
+        </p:nvSpPr>
+        <p:spPr/>
+        <p:txBody>
+          <a:bodyPr/>
+          <a:lstStyle/>
+          <a:p>
+            <a:fld id="{D57F1E4F-1CFF-5643-939E-02111984F565}" type="slidenum">
+              <a:rPr lang="en-US" smtClean="0"/>
+              <a:t>5</a:t>
+            </a:fld>
+            <a:endParaRPr lang="en-US" dirty="0"/>
           </a:p>
         </p:txBody>
       </p:sp>
@@ -16928,11 +17674,7 @@
             <a:pPr lvl="2"/>
             <a:r>
               <a:rPr lang="de-DE" baseline="0" dirty="0" smtClean="0"/>
-              <a:t>Projektgruppen der Studierenden der HFU</a:t>
-            </a:r>
-            <a:r>
-              <a:rPr lang="de-DE" baseline="0" dirty="0" smtClean="0"/>
-              <a:t>.</a:t>
+              <a:t>Projektgruppen der Studierenden der HFU.</a:t>
             </a:r>
           </a:p>
           <a:p>
@@ -17028,6 +17770,29 @@
           </a:prstGeom>
         </p:spPr>
       </p:pic>
+      <p:sp>
+        <p:nvSpPr>
+          <p:cNvPr id="5" name="Foliennummernplatzhalter 4"/>
+          <p:cNvSpPr>
+            <a:spLocks noGrp="1"/>
+          </p:cNvSpPr>
+          <p:nvPr>
+            <p:ph type="sldNum" sz="quarter" idx="12"/>
+          </p:nvPr>
+        </p:nvSpPr>
+        <p:spPr/>
+        <p:txBody>
+          <a:bodyPr/>
+          <a:lstStyle/>
+          <a:p>
+            <a:fld id="{D57F1E4F-1CFF-5643-939E-02111984F565}" type="slidenum">
+              <a:rPr lang="en-US" smtClean="0"/>
+              <a:t>6</a:t>
+            </a:fld>
+            <a:endParaRPr lang="en-US" dirty="0"/>
+          </a:p>
+        </p:txBody>
+      </p:sp>
     </p:spTree>
     <p:extLst>
       <p:ext uri="{BB962C8B-B14F-4D97-AF65-F5344CB8AC3E}">
@@ -17195,6 +17960,29 @@
           </a:p>
         </p:txBody>
       </p:sp>
+      <p:sp>
+        <p:nvSpPr>
+          <p:cNvPr id="4" name="Foliennummernplatzhalter 3"/>
+          <p:cNvSpPr>
+            <a:spLocks noGrp="1"/>
+          </p:cNvSpPr>
+          <p:nvPr>
+            <p:ph type="sldNum" sz="quarter" idx="12"/>
+          </p:nvPr>
+        </p:nvSpPr>
+        <p:spPr/>
+        <p:txBody>
+          <a:bodyPr/>
+          <a:lstStyle/>
+          <a:p>
+            <a:fld id="{D57F1E4F-1CFF-5643-939E-02111984F565}" type="slidenum">
+              <a:rPr lang="en-US" smtClean="0"/>
+              <a:t>7</a:t>
+            </a:fld>
+            <a:endParaRPr lang="en-US" dirty="0"/>
+          </a:p>
+        </p:txBody>
+      </p:sp>
     </p:spTree>
     <p:extLst>
       <p:ext uri="{BB962C8B-B14F-4D97-AF65-F5344CB8AC3E}">
@@ -17278,32 +18066,20 @@
             </a:r>
             <a:r>
               <a:rPr lang="de-DE" baseline="0" dirty="0" smtClean="0"/>
-              <a:t> in der Spieleentwicklung</a:t>
-            </a:r>
+              <a:t> in der Spieleentwicklung.</a:t>
+            </a:r>
+          </a:p>
+          <a:p>
+            <a:pPr lvl="1"/>
+            <a:r>
+              <a:rPr lang="de-DE" dirty="0" smtClean="0"/>
+              <a:t>Sony und das ATF Framework (Tool Studio).</a:t>
+            </a:r>
+          </a:p>
+          <a:p>
             <a:r>
               <a:rPr lang="de-DE" baseline="0" dirty="0" smtClean="0"/>
-              <a:t>.</a:t>
-            </a:r>
-          </a:p>
-          <a:p>
-            <a:pPr lvl="1"/>
-            <a:r>
-              <a:rPr lang="de-DE" dirty="0" smtClean="0"/>
-              <a:t>Sony und das ATF Framework (Tool Studio).</a:t>
-            </a:r>
-          </a:p>
-          <a:p>
-            <a:r>
-              <a:rPr lang="de-DE" baseline="0" dirty="0" smtClean="0"/>
-              <a:t>Es </a:t>
-            </a:r>
-            <a:r>
-              <a:rPr lang="de-DE" baseline="0" dirty="0" smtClean="0"/>
-              <a:t>ist sinnvoll den Prozess für das Produktionsteam transparent zu gestalten und das Team einzubinden</a:t>
-            </a:r>
-            <a:r>
-              <a:rPr lang="de-DE" baseline="0" dirty="0" smtClean="0"/>
-              <a:t>.</a:t>
+              <a:t>Es ist sinnvoll den Prozess für das Produktionsteam transparent zu gestalten und das Team einzubinden.</a:t>
             </a:r>
           </a:p>
           <a:p>
@@ -17321,28 +18097,38 @@
             <a:pPr lvl="1"/>
             <a:r>
               <a:rPr lang="de-DE" dirty="0" smtClean="0"/>
-              <a:t>Erleichtern </a:t>
-            </a:r>
-            <a:r>
-              <a:rPr lang="de-DE" dirty="0" smtClean="0"/>
-              <a:t>die Einhaltung der Anforderungen.</a:t>
+              <a:t>Erleichtern die Einhaltung der Anforderungen.</a:t>
             </a:r>
           </a:p>
           <a:p>
             <a:pPr lvl="1"/>
             <a:r>
               <a:rPr lang="de-DE" dirty="0" smtClean="0"/>
-              <a:t>Erhöhen </a:t>
-            </a:r>
-            <a:r>
-              <a:rPr lang="de-DE" dirty="0" smtClean="0"/>
-              <a:t>die Wiederverwendbarkeit und </a:t>
-            </a:r>
-            <a:r>
-              <a:rPr lang="de-DE" dirty="0" smtClean="0"/>
-              <a:t>Qualität des Tools.</a:t>
-            </a:r>
-            <a:endParaRPr lang="de-DE" dirty="0" smtClean="0"/>
+              <a:t>Erhöhen die Wiederverwendbarkeit und Qualität des Tools.</a:t>
+            </a:r>
+          </a:p>
+        </p:txBody>
+      </p:sp>
+      <p:sp>
+        <p:nvSpPr>
+          <p:cNvPr id="4" name="Foliennummernplatzhalter 3"/>
+          <p:cNvSpPr>
+            <a:spLocks noGrp="1"/>
+          </p:cNvSpPr>
+          <p:nvPr>
+            <p:ph type="sldNum" sz="quarter" idx="12"/>
+          </p:nvPr>
+        </p:nvSpPr>
+        <p:spPr/>
+        <p:txBody>
+          <a:bodyPr/>
+          <a:lstStyle/>
+          <a:p>
+            <a:fld id="{D57F1E4F-1CFF-5643-939E-02111984F565}" type="slidenum">
+              <a:rPr lang="en-US" smtClean="0"/>
+              <a:t>8</a:t>
+            </a:fld>
+            <a:endParaRPr lang="en-US" dirty="0"/>
           </a:p>
         </p:txBody>
       </p:sp>
@@ -17513,6 +18299,29 @@
               <a:rPr lang="de-DE" baseline="0" dirty="0" smtClean="0"/>
               <a:t>Agile Modelle sind zu bevorzugen, da beim Tool Development oft schnelle Entscheidungen getroffen werden und Konzepte schnell umgesetzt werden müssen.</a:t>
             </a:r>
+          </a:p>
+        </p:txBody>
+      </p:sp>
+      <p:sp>
+        <p:nvSpPr>
+          <p:cNvPr id="4" name="Foliennummernplatzhalter 3"/>
+          <p:cNvSpPr>
+            <a:spLocks noGrp="1"/>
+          </p:cNvSpPr>
+          <p:nvPr>
+            <p:ph type="sldNum" sz="quarter" idx="12"/>
+          </p:nvPr>
+        </p:nvSpPr>
+        <p:spPr/>
+        <p:txBody>
+          <a:bodyPr/>
+          <a:lstStyle/>
+          <a:p>
+            <a:fld id="{D57F1E4F-1CFF-5643-939E-02111984F565}" type="slidenum">
+              <a:rPr lang="en-US" smtClean="0"/>
+              <a:t>9</a:t>
+            </a:fld>
+            <a:endParaRPr lang="en-US" dirty="0"/>
           </a:p>
         </p:txBody>
       </p:sp>
